--- a/docs/docs-and-comms/attachments.pptx
+++ b/docs/docs-and-comms/attachments.pptx
@@ -11,10 +11,17 @@
     <p:sldId id="262" r:id="rId5"/>
     <p:sldId id="264" r:id="rId6"/>
     <p:sldId id="263" r:id="rId7"/>
-    <p:sldId id="267" r:id="rId8"/>
-    <p:sldId id="266" r:id="rId9"/>
-    <p:sldId id="257" r:id="rId10"/>
-    <p:sldId id="259" r:id="rId11"/>
+    <p:sldId id="276" r:id="rId8"/>
+    <p:sldId id="267" r:id="rId9"/>
+    <p:sldId id="266" r:id="rId10"/>
+    <p:sldId id="257" r:id="rId11"/>
+    <p:sldId id="259" r:id="rId12"/>
+    <p:sldId id="275" r:id="rId13"/>
+    <p:sldId id="272" r:id="rId14"/>
+    <p:sldId id="273" r:id="rId15"/>
+    <p:sldId id="274" r:id="rId16"/>
+    <p:sldId id="270" r:id="rId17"/>
+    <p:sldId id="271" r:id="rId18"/>
   </p:sldIdLst>
   <p:sldSz cx="9144000" cy="6858000" type="screen4x3"/>
   <p:notesSz cx="6858000" cy="9144000"/>
@@ -132,10 +139,21 @@
         </p14:section>
         <p14:section name="Untitled Section" id="{2A937E11-21D7-4543-B15D-3CE9239F3BB7}">
           <p14:sldIdLst>
+            <p14:sldId id="276"/>
             <p14:sldId id="267"/>
             <p14:sldId id="266"/>
             <p14:sldId id="257"/>
             <p14:sldId id="259"/>
+          </p14:sldIdLst>
+        </p14:section>
+        <p14:section name="Untitled Section" id="{BC998809-CCBC-4302-9582-D1EF2F160D19}">
+          <p14:sldIdLst>
+            <p14:sldId id="275"/>
+            <p14:sldId id="272"/>
+            <p14:sldId id="273"/>
+            <p14:sldId id="274"/>
+            <p14:sldId id="270"/>
+            <p14:sldId id="271"/>
           </p14:sldIdLst>
         </p14:section>
       </p14:sectionLst>
@@ -325,7 +343,7 @@
           <a:p>
             <a:fld id="{C1D19C46-83CA-4F9A-95E6-7D0892390C8A}" type="datetimeFigureOut">
               <a:rPr lang="en-GB" smtClean="0"/>
-              <a:t>01/03/2017</a:t>
+              <a:t>03/03/2017</a:t>
             </a:fld>
             <a:endParaRPr lang="en-GB"/>
           </a:p>
@@ -495,7 +513,7 @@
           <a:p>
             <a:fld id="{C1D19C46-83CA-4F9A-95E6-7D0892390C8A}" type="datetimeFigureOut">
               <a:rPr lang="en-GB" smtClean="0"/>
-              <a:t>01/03/2017</a:t>
+              <a:t>03/03/2017</a:t>
             </a:fld>
             <a:endParaRPr lang="en-GB"/>
           </a:p>
@@ -675,7 +693,7 @@
           <a:p>
             <a:fld id="{C1D19C46-83CA-4F9A-95E6-7D0892390C8A}" type="datetimeFigureOut">
               <a:rPr lang="en-GB" smtClean="0"/>
-              <a:t>01/03/2017</a:t>
+              <a:t>03/03/2017</a:t>
             </a:fld>
             <a:endParaRPr lang="en-GB"/>
           </a:p>
@@ -845,7 +863,7 @@
           <a:p>
             <a:fld id="{C1D19C46-83CA-4F9A-95E6-7D0892390C8A}" type="datetimeFigureOut">
               <a:rPr lang="en-GB" smtClean="0"/>
-              <a:t>01/03/2017</a:t>
+              <a:t>03/03/2017</a:t>
             </a:fld>
             <a:endParaRPr lang="en-GB"/>
           </a:p>
@@ -1091,7 +1109,7 @@
           <a:p>
             <a:fld id="{C1D19C46-83CA-4F9A-95E6-7D0892390C8A}" type="datetimeFigureOut">
               <a:rPr lang="en-GB" smtClean="0"/>
-              <a:t>01/03/2017</a:t>
+              <a:t>03/03/2017</a:t>
             </a:fld>
             <a:endParaRPr lang="en-GB"/>
           </a:p>
@@ -1379,7 +1397,7 @@
           <a:p>
             <a:fld id="{C1D19C46-83CA-4F9A-95E6-7D0892390C8A}" type="datetimeFigureOut">
               <a:rPr lang="en-GB" smtClean="0"/>
-              <a:t>01/03/2017</a:t>
+              <a:t>03/03/2017</a:t>
             </a:fld>
             <a:endParaRPr lang="en-GB"/>
           </a:p>
@@ -1801,7 +1819,7 @@
           <a:p>
             <a:fld id="{C1D19C46-83CA-4F9A-95E6-7D0892390C8A}" type="datetimeFigureOut">
               <a:rPr lang="en-GB" smtClean="0"/>
-              <a:t>01/03/2017</a:t>
+              <a:t>03/03/2017</a:t>
             </a:fld>
             <a:endParaRPr lang="en-GB"/>
           </a:p>
@@ -1919,7 +1937,7 @@
           <a:p>
             <a:fld id="{C1D19C46-83CA-4F9A-95E6-7D0892390C8A}" type="datetimeFigureOut">
               <a:rPr lang="en-GB" smtClean="0"/>
-              <a:t>01/03/2017</a:t>
+              <a:t>03/03/2017</a:t>
             </a:fld>
             <a:endParaRPr lang="en-GB"/>
           </a:p>
@@ -2014,7 +2032,7 @@
           <a:p>
             <a:fld id="{C1D19C46-83CA-4F9A-95E6-7D0892390C8A}" type="datetimeFigureOut">
               <a:rPr lang="en-GB" smtClean="0"/>
-              <a:t>01/03/2017</a:t>
+              <a:t>03/03/2017</a:t>
             </a:fld>
             <a:endParaRPr lang="en-GB"/>
           </a:p>
@@ -2291,7 +2309,7 @@
           <a:p>
             <a:fld id="{C1D19C46-83CA-4F9A-95E6-7D0892390C8A}" type="datetimeFigureOut">
               <a:rPr lang="en-GB" smtClean="0"/>
-              <a:t>01/03/2017</a:t>
+              <a:t>03/03/2017</a:t>
             </a:fld>
             <a:endParaRPr lang="en-GB"/>
           </a:p>
@@ -2544,7 +2562,7 @@
           <a:p>
             <a:fld id="{C1D19C46-83CA-4F9A-95E6-7D0892390C8A}" type="datetimeFigureOut">
               <a:rPr lang="en-GB" smtClean="0"/>
-              <a:t>01/03/2017</a:t>
+              <a:t>03/03/2017</a:t>
             </a:fld>
             <a:endParaRPr lang="en-GB"/>
           </a:p>
@@ -2757,7 +2775,7 @@
           <a:p>
             <a:fld id="{C1D19C46-83CA-4F9A-95E6-7D0892390C8A}" type="datetimeFigureOut">
               <a:rPr lang="en-GB" smtClean="0"/>
-              <a:t>01/03/2017</a:t>
+              <a:t>03/03/2017</a:t>
             </a:fld>
             <a:endParaRPr lang="en-GB"/>
           </a:p>
@@ -3913,6 +3931,699 @@
           <a:p>
             <a:r>
               <a:rPr lang="en-GB" dirty="0" smtClean="0"/>
+              <a:t>(Post)</a:t>
+            </a:r>
+          </a:p>
+          <a:p>
+            <a:r>
+              <a:rPr lang="en-GB" dirty="0" smtClean="0"/>
+              <a:t>Communication</a:t>
+            </a:r>
+            <a:endParaRPr lang="en-GB" dirty="0"/>
+          </a:p>
+        </p:txBody>
+      </p:sp>
+      <p:pic>
+        <p:nvPicPr>
+          <p:cNvPr id="27" name="Picture 4" descr="C:\GITHUB\incodehq\incode-module-document\dom\src\main\java\org\incode\module\document\dom\impl\paperclips\Paperclip.png"/>
+          <p:cNvPicPr>
+            <a:picLocks noChangeAspect="1" noChangeArrowheads="1"/>
+          </p:cNvPicPr>
+          <p:nvPr/>
+        </p:nvPicPr>
+        <p:blipFill>
+          <a:blip r:embed="rId4">
+            <a:extLst>
+              <a:ext uri="{28A0092B-C50C-407E-A947-70E740481C1C}">
+                <a14:useLocalDpi xmlns:a14="http://schemas.microsoft.com/office/drawing/2010/main" val="0"/>
+              </a:ext>
+            </a:extLst>
+          </a:blip>
+          <a:srcRect/>
+          <a:stretch>
+            <a:fillRect/>
+          </a:stretch>
+        </p:blipFill>
+        <p:spPr bwMode="auto">
+          <a:xfrm>
+            <a:off x="4460367" y="2766119"/>
+            <a:ext cx="518865" cy="518865"/>
+          </a:xfrm>
+          <a:prstGeom prst="rect">
+            <a:avLst/>
+          </a:prstGeom>
+          <a:noFill/>
+          <a:extLst>
+            <a:ext uri="{909E8E84-426E-40DD-AFC4-6F175D3DCCD1}">
+              <a14:hiddenFill xmlns:a14="http://schemas.microsoft.com/office/drawing/2010/main">
+                <a:solidFill>
+                  <a:srgbClr val="FFFFFF"/>
+                </a:solidFill>
+              </a14:hiddenFill>
+            </a:ext>
+          </a:extLst>
+        </p:spPr>
+      </p:pic>
+      <p:cxnSp>
+        <p:nvCxnSpPr>
+          <p:cNvPr id="29" name="Straight Connector 28"/>
+          <p:cNvCxnSpPr/>
+          <p:nvPr/>
+        </p:nvCxnSpPr>
+        <p:spPr>
+          <a:xfrm>
+            <a:off x="1227230" y="1539961"/>
+            <a:ext cx="1048898" cy="1015011"/>
+          </a:xfrm>
+          <a:prstGeom prst="line">
+            <a:avLst/>
+          </a:prstGeom>
+        </p:spPr>
+        <p:style>
+          <a:lnRef idx="1">
+            <a:schemeClr val="accent1"/>
+          </a:lnRef>
+          <a:fillRef idx="0">
+            <a:schemeClr val="accent1"/>
+          </a:fillRef>
+          <a:effectRef idx="0">
+            <a:schemeClr val="accent1"/>
+          </a:effectRef>
+          <a:fontRef idx="minor">
+            <a:schemeClr val="tx1"/>
+          </a:fontRef>
+        </p:style>
+      </p:cxnSp>
+      <p:cxnSp>
+        <p:nvCxnSpPr>
+          <p:cNvPr id="30" name="Straight Connector 29"/>
+          <p:cNvCxnSpPr/>
+          <p:nvPr/>
+        </p:nvCxnSpPr>
+        <p:spPr>
+          <a:xfrm>
+            <a:off x="3380247" y="3004718"/>
+            <a:ext cx="3096344" cy="26167"/>
+          </a:xfrm>
+          <a:prstGeom prst="line">
+            <a:avLst/>
+          </a:prstGeom>
+        </p:spPr>
+        <p:style>
+          <a:lnRef idx="1">
+            <a:schemeClr val="accent1"/>
+          </a:lnRef>
+          <a:fillRef idx="0">
+            <a:schemeClr val="accent1"/>
+          </a:fillRef>
+          <a:effectRef idx="0">
+            <a:schemeClr val="accent1"/>
+          </a:effectRef>
+          <a:fontRef idx="minor">
+            <a:schemeClr val="tx1"/>
+          </a:fontRef>
+        </p:style>
+      </p:cxnSp>
+      <p:pic>
+        <p:nvPicPr>
+          <p:cNvPr id="25" name="Picture 4" descr="C:\GITHUB\incodehq\incode-module-document\dom\src\main\java\org\incode\module\document\dom\impl\paperclips\Paperclip.png"/>
+          <p:cNvPicPr>
+            <a:picLocks noChangeAspect="1" noChangeArrowheads="1"/>
+          </p:cNvPicPr>
+          <p:nvPr/>
+        </p:nvPicPr>
+        <p:blipFill>
+          <a:blip r:embed="rId4">
+            <a:extLst>
+              <a:ext uri="{28A0092B-C50C-407E-A947-70E740481C1C}">
+                <a14:useLocalDpi xmlns:a14="http://schemas.microsoft.com/office/drawing/2010/main" val="0"/>
+              </a:ext>
+            </a:extLst>
+          </a:blip>
+          <a:srcRect/>
+          <a:stretch>
+            <a:fillRect/>
+          </a:stretch>
+        </p:blipFill>
+        <p:spPr bwMode="auto">
+          <a:xfrm>
+            <a:off x="3596601" y="4206279"/>
+            <a:ext cx="518865" cy="518865"/>
+          </a:xfrm>
+          <a:prstGeom prst="rect">
+            <a:avLst/>
+          </a:prstGeom>
+          <a:noFill/>
+          <a:extLst>
+            <a:ext uri="{909E8E84-426E-40DD-AFC4-6F175D3DCCD1}">
+              <a14:hiddenFill xmlns:a14="http://schemas.microsoft.com/office/drawing/2010/main">
+                <a:solidFill>
+                  <a:srgbClr val="FFFFFF"/>
+                </a:solidFill>
+              </a14:hiddenFill>
+            </a:ext>
+          </a:extLst>
+        </p:spPr>
+      </p:pic>
+      <p:cxnSp>
+        <p:nvCxnSpPr>
+          <p:cNvPr id="31" name="Straight Connector 30"/>
+          <p:cNvCxnSpPr/>
+          <p:nvPr/>
+        </p:nvCxnSpPr>
+        <p:spPr>
+          <a:xfrm flipV="1">
+            <a:off x="2053048" y="3337233"/>
+            <a:ext cx="4391160" cy="1890007"/>
+          </a:xfrm>
+          <a:prstGeom prst="line">
+            <a:avLst/>
+          </a:prstGeom>
+        </p:spPr>
+        <p:style>
+          <a:lnRef idx="1">
+            <a:schemeClr val="accent1"/>
+          </a:lnRef>
+          <a:fillRef idx="0">
+            <a:schemeClr val="accent1"/>
+          </a:fillRef>
+          <a:effectRef idx="0">
+            <a:schemeClr val="accent1"/>
+          </a:effectRef>
+          <a:fontRef idx="minor">
+            <a:schemeClr val="tx1"/>
+          </a:fontRef>
+        </p:style>
+      </p:cxnSp>
+      <p:sp>
+        <p:nvSpPr>
+          <p:cNvPr id="32" name="TextBox 31"/>
+          <p:cNvSpPr txBox="1"/>
+          <p:nvPr/>
+        </p:nvSpPr>
+        <p:spPr>
+          <a:xfrm>
+            <a:off x="3203848" y="188640"/>
+            <a:ext cx="2973250" cy="646331"/>
+          </a:xfrm>
+          <a:prstGeom prst="rect">
+            <a:avLst/>
+          </a:prstGeom>
+          <a:noFill/>
+        </p:spPr>
+        <p:txBody>
+          <a:bodyPr wrap="none" rtlCol="0">
+            <a:spAutoFit/>
+          </a:bodyPr>
+          <a:lstStyle/>
+          <a:p>
+            <a:r>
+              <a:rPr lang="en-GB" sz="3600" dirty="0" smtClean="0">
+                <a:solidFill>
+                  <a:srgbClr val="00B050"/>
+                </a:solidFill>
+              </a:rPr>
+              <a:t>“Send by Post”</a:t>
+            </a:r>
+            <a:endParaRPr lang="en-GB" sz="3600" dirty="0">
+              <a:solidFill>
+                <a:srgbClr val="00B050"/>
+              </a:solidFill>
+            </a:endParaRPr>
+          </a:p>
+        </p:txBody>
+      </p:sp>
+    </p:spTree>
+    <p:extLst>
+      <p:ext uri="{BB962C8B-B14F-4D97-AF65-F5344CB8AC3E}">
+        <p14:creationId xmlns:p14="http://schemas.microsoft.com/office/powerpoint/2010/main" val="3079389626"/>
+      </p:ext>
+    </p:extLst>
+  </p:cSld>
+  <p:clrMapOvr>
+    <a:masterClrMapping/>
+  </p:clrMapOvr>
+  <p:timing>
+    <p:tnLst>
+      <p:par>
+        <p:cTn id="1" dur="indefinite" restart="never" nodeType="tmRoot"/>
+      </p:par>
+    </p:tnLst>
+  </p:timing>
+</p:sld>
+</file>
+
+<file path=ppt/slides/slide11.xml><?xml version="1.0" encoding="utf-8"?>
+<p:sld xmlns:a="http://schemas.openxmlformats.org/drawingml/2006/main" xmlns:r="http://schemas.openxmlformats.org/officeDocument/2006/relationships" xmlns:p="http://schemas.openxmlformats.org/presentationml/2006/main">
+  <p:cSld>
+    <p:spTree>
+      <p:nvGrpSpPr>
+        <p:cNvPr id="1" name=""/>
+        <p:cNvGrpSpPr/>
+        <p:nvPr/>
+      </p:nvGrpSpPr>
+      <p:grpSpPr>
+        <a:xfrm>
+          <a:off x="0" y="0"/>
+          <a:ext cx="0" cy="0"/>
+          <a:chOff x="0" y="0"/>
+          <a:chExt cx="0" cy="0"/>
+        </a:xfrm>
+      </p:grpSpPr>
+      <p:pic>
+        <p:nvPicPr>
+          <p:cNvPr id="1026" name="Picture 2" descr="C:\GITHUB\estatio\estatio\estatioapp\module\invoice\dom\src\main\java\org\estatio\dom\invoice\Invoice.png"/>
+          <p:cNvPicPr>
+            <a:picLocks noChangeAspect="1" noChangeArrowheads="1"/>
+          </p:cNvPicPr>
+          <p:nvPr/>
+        </p:nvPicPr>
+        <p:blipFill>
+          <a:blip r:embed="rId2">
+            <a:extLst>
+              <a:ext uri="{28A0092B-C50C-407E-A947-70E740481C1C}">
+                <a14:useLocalDpi xmlns:a14="http://schemas.microsoft.com/office/drawing/2010/main" val="0"/>
+              </a:ext>
+            </a:extLst>
+          </a:blip>
+          <a:srcRect/>
+          <a:stretch>
+            <a:fillRect/>
+          </a:stretch>
+        </p:blipFill>
+        <p:spPr bwMode="auto">
+          <a:xfrm>
+            <a:off x="211895" y="332656"/>
+            <a:ext cx="916260" cy="916260"/>
+          </a:xfrm>
+          <a:prstGeom prst="rect">
+            <a:avLst/>
+          </a:prstGeom>
+          <a:noFill/>
+          <a:extLst>
+            <a:ext uri="{909E8E84-426E-40DD-AFC4-6F175D3DCCD1}">
+              <a14:hiddenFill xmlns:a14="http://schemas.microsoft.com/office/drawing/2010/main">
+                <a:solidFill>
+                  <a:srgbClr val="FFFFFF"/>
+                </a:solidFill>
+              </a14:hiddenFill>
+            </a:ext>
+          </a:extLst>
+        </p:spPr>
+      </p:pic>
+      <p:sp>
+        <p:nvSpPr>
+          <p:cNvPr id="9" name="TextBox 8"/>
+          <p:cNvSpPr txBox="1"/>
+          <p:nvPr/>
+        </p:nvSpPr>
+        <p:spPr>
+          <a:xfrm>
+            <a:off x="1140729" y="332656"/>
+            <a:ext cx="850361" cy="369332"/>
+          </a:xfrm>
+          <a:prstGeom prst="rect">
+            <a:avLst/>
+          </a:prstGeom>
+          <a:noFill/>
+        </p:spPr>
+        <p:txBody>
+          <a:bodyPr wrap="none" rtlCol="0">
+            <a:spAutoFit/>
+          </a:bodyPr>
+          <a:lstStyle/>
+          <a:p>
+            <a:r>
+              <a:rPr lang="en-GB" dirty="0" smtClean="0"/>
+              <a:t>Invoice</a:t>
+            </a:r>
+            <a:endParaRPr lang="en-GB" dirty="0"/>
+          </a:p>
+        </p:txBody>
+      </p:sp>
+      <p:pic>
+        <p:nvPicPr>
+          <p:cNvPr id="1027" name="Picture 3" descr="C:\GITHUB\incodehq\incode-module-document\dom\src\main\java\org\incode\module\document\dom\impl\docs\Document-pdf.png"/>
+          <p:cNvPicPr>
+            <a:picLocks noChangeAspect="1" noChangeArrowheads="1"/>
+          </p:cNvPicPr>
+          <p:nvPr/>
+        </p:nvPicPr>
+        <p:blipFill>
+          <a:blip r:embed="rId3">
+            <a:extLst>
+              <a:ext uri="{28A0092B-C50C-407E-A947-70E740481C1C}">
+                <a14:useLocalDpi xmlns:a14="http://schemas.microsoft.com/office/drawing/2010/main" val="0"/>
+              </a:ext>
+            </a:extLst>
+          </a:blip>
+          <a:srcRect/>
+          <a:stretch>
+            <a:fillRect/>
+          </a:stretch>
+        </p:blipFill>
+        <p:spPr bwMode="auto">
+          <a:xfrm>
+            <a:off x="2363960" y="2546588"/>
+            <a:ext cx="916260" cy="916260"/>
+          </a:xfrm>
+          <a:prstGeom prst="rect">
+            <a:avLst/>
+          </a:prstGeom>
+          <a:noFill/>
+          <a:extLst>
+            <a:ext uri="{909E8E84-426E-40DD-AFC4-6F175D3DCCD1}">
+              <a14:hiddenFill xmlns:a14="http://schemas.microsoft.com/office/drawing/2010/main">
+                <a:solidFill>
+                  <a:srgbClr val="FFFFFF"/>
+                </a:solidFill>
+              </a14:hiddenFill>
+            </a:ext>
+          </a:extLst>
+        </p:spPr>
+      </p:pic>
+      <p:sp>
+        <p:nvSpPr>
+          <p:cNvPr id="12" name="TextBox 11"/>
+          <p:cNvSpPr txBox="1"/>
+          <p:nvPr/>
+        </p:nvSpPr>
+        <p:spPr>
+          <a:xfrm>
+            <a:off x="2372135" y="3484433"/>
+            <a:ext cx="1165191" cy="646331"/>
+          </a:xfrm>
+          <a:prstGeom prst="rect">
+            <a:avLst/>
+          </a:prstGeom>
+          <a:noFill/>
+        </p:spPr>
+        <p:txBody>
+          <a:bodyPr wrap="none" rtlCol="0">
+            <a:spAutoFit/>
+          </a:bodyPr>
+          <a:lstStyle/>
+          <a:p>
+            <a:r>
+              <a:rPr lang="en-GB" dirty="0" smtClean="0"/>
+              <a:t>(Invoice)</a:t>
+            </a:r>
+          </a:p>
+          <a:p>
+            <a:r>
+              <a:rPr lang="en-GB" dirty="0" smtClean="0"/>
+              <a:t>Document</a:t>
+            </a:r>
+            <a:endParaRPr lang="en-GB" dirty="0"/>
+          </a:p>
+        </p:txBody>
+      </p:sp>
+      <p:pic>
+        <p:nvPicPr>
+          <p:cNvPr id="13" name="Picture 3" descr="C:\GITHUB\incodehq\incode-module-document\dom\src\main\java\org\incode\module\document\dom\impl\docs\Document-pdf.png"/>
+          <p:cNvPicPr>
+            <a:picLocks noChangeAspect="1" noChangeArrowheads="1"/>
+          </p:cNvPicPr>
+          <p:nvPr/>
+        </p:nvPicPr>
+        <p:blipFill>
+          <a:blip r:embed="rId3">
+            <a:extLst>
+              <a:ext uri="{28A0092B-C50C-407E-A947-70E740481C1C}">
+                <a14:useLocalDpi xmlns:a14="http://schemas.microsoft.com/office/drawing/2010/main" val="0"/>
+              </a:ext>
+            </a:extLst>
+          </a:blip>
+          <a:srcRect/>
+          <a:stretch>
+            <a:fillRect/>
+          </a:stretch>
+        </p:blipFill>
+        <p:spPr bwMode="auto">
+          <a:xfrm>
+            <a:off x="827584" y="4785735"/>
+            <a:ext cx="916260" cy="916260"/>
+          </a:xfrm>
+          <a:prstGeom prst="rect">
+            <a:avLst/>
+          </a:prstGeom>
+          <a:noFill/>
+          <a:extLst>
+            <a:ext uri="{909E8E84-426E-40DD-AFC4-6F175D3DCCD1}">
+              <a14:hiddenFill xmlns:a14="http://schemas.microsoft.com/office/drawing/2010/main">
+                <a:solidFill>
+                  <a:srgbClr val="FFFFFF"/>
+                </a:solidFill>
+              </a14:hiddenFill>
+            </a:ext>
+          </a:extLst>
+        </p:spPr>
+      </p:pic>
+      <p:sp>
+        <p:nvSpPr>
+          <p:cNvPr id="14" name="TextBox 13"/>
+          <p:cNvSpPr txBox="1"/>
+          <p:nvPr/>
+        </p:nvSpPr>
+        <p:spPr>
+          <a:xfrm>
+            <a:off x="715951" y="5733913"/>
+            <a:ext cx="1337097" cy="646331"/>
+          </a:xfrm>
+          <a:prstGeom prst="rect">
+            <a:avLst/>
+          </a:prstGeom>
+          <a:noFill/>
+        </p:spPr>
+        <p:txBody>
+          <a:bodyPr wrap="none" rtlCol="0">
+            <a:spAutoFit/>
+          </a:bodyPr>
+          <a:lstStyle/>
+          <a:p>
+            <a:pPr algn="ctr"/>
+            <a:r>
+              <a:rPr lang="en-GB" dirty="0" smtClean="0"/>
+              <a:t>(Tax receipt)</a:t>
+            </a:r>
+          </a:p>
+          <a:p>
+            <a:pPr algn="ctr"/>
+            <a:r>
+              <a:rPr lang="en-GB" dirty="0" smtClean="0"/>
+              <a:t>Document</a:t>
+            </a:r>
+            <a:endParaRPr lang="en-GB" dirty="0"/>
+          </a:p>
+        </p:txBody>
+      </p:sp>
+      <p:pic>
+        <p:nvPicPr>
+          <p:cNvPr id="1028" name="Picture 4" descr="C:\GITHUB\incodehq\incode-module-document\dom\src\main\java\org\incode\module\document\dom\impl\paperclips\Paperclip.png"/>
+          <p:cNvPicPr>
+            <a:picLocks noChangeAspect="1" noChangeArrowheads="1"/>
+          </p:cNvPicPr>
+          <p:nvPr/>
+        </p:nvPicPr>
+        <p:blipFill>
+          <a:blip r:embed="rId4">
+            <a:extLst>
+              <a:ext uri="{28A0092B-C50C-407E-A947-70E740481C1C}">
+                <a14:useLocalDpi xmlns:a14="http://schemas.microsoft.com/office/drawing/2010/main" val="0"/>
+              </a:ext>
+            </a:extLst>
+          </a:blip>
+          <a:srcRect/>
+          <a:stretch>
+            <a:fillRect/>
+          </a:stretch>
+        </p:blipFill>
+        <p:spPr bwMode="auto">
+          <a:xfrm>
+            <a:off x="1331640" y="1667682"/>
+            <a:ext cx="518865" cy="518865"/>
+          </a:xfrm>
+          <a:prstGeom prst="rect">
+            <a:avLst/>
+          </a:prstGeom>
+          <a:noFill/>
+          <a:extLst>
+            <a:ext uri="{909E8E84-426E-40DD-AFC4-6F175D3DCCD1}">
+              <a14:hiddenFill xmlns:a14="http://schemas.microsoft.com/office/drawing/2010/main">
+                <a:solidFill>
+                  <a:srgbClr val="FFFFFF"/>
+                </a:solidFill>
+              </a14:hiddenFill>
+            </a:ext>
+          </a:extLst>
+        </p:spPr>
+      </p:pic>
+      <p:cxnSp>
+        <p:nvCxnSpPr>
+          <p:cNvPr id="11" name="Straight Connector 10"/>
+          <p:cNvCxnSpPr/>
+          <p:nvPr/>
+        </p:nvCxnSpPr>
+        <p:spPr>
+          <a:xfrm>
+            <a:off x="1074830" y="1387561"/>
+            <a:ext cx="1048898" cy="1015011"/>
+          </a:xfrm>
+          <a:prstGeom prst="line">
+            <a:avLst/>
+          </a:prstGeom>
+        </p:spPr>
+        <p:style>
+          <a:lnRef idx="1">
+            <a:schemeClr val="accent1"/>
+          </a:lnRef>
+          <a:fillRef idx="0">
+            <a:schemeClr val="accent1"/>
+          </a:fillRef>
+          <a:effectRef idx="0">
+            <a:schemeClr val="accent1"/>
+          </a:effectRef>
+          <a:fontRef idx="minor">
+            <a:schemeClr val="tx1"/>
+          </a:fontRef>
+        </p:style>
+      </p:cxnSp>
+      <p:pic>
+        <p:nvPicPr>
+          <p:cNvPr id="20" name="Picture 4" descr="C:\GITHUB\incodehq\incode-module-document\dom\src\main\java\org\incode\module\document\dom\impl\paperclips\Paperclip.png"/>
+          <p:cNvPicPr>
+            <a:picLocks noChangeAspect="1" noChangeArrowheads="1"/>
+          </p:cNvPicPr>
+          <p:nvPr/>
+        </p:nvPicPr>
+        <p:blipFill>
+          <a:blip r:embed="rId4">
+            <a:extLst>
+              <a:ext uri="{28A0092B-C50C-407E-A947-70E740481C1C}">
+                <a14:useLocalDpi xmlns:a14="http://schemas.microsoft.com/office/drawing/2010/main" val="0"/>
+              </a:ext>
+            </a:extLst>
+          </a:blip>
+          <a:srcRect/>
+          <a:stretch>
+            <a:fillRect/>
+          </a:stretch>
+        </p:blipFill>
+        <p:spPr bwMode="auto">
+          <a:xfrm>
+            <a:off x="1619505" y="3906829"/>
+            <a:ext cx="518865" cy="518865"/>
+          </a:xfrm>
+          <a:prstGeom prst="rect">
+            <a:avLst/>
+          </a:prstGeom>
+          <a:noFill/>
+          <a:extLst>
+            <a:ext uri="{909E8E84-426E-40DD-AFC4-6F175D3DCCD1}">
+              <a14:hiddenFill xmlns:a14="http://schemas.microsoft.com/office/drawing/2010/main">
+                <a:solidFill>
+                  <a:srgbClr val="FFFFFF"/>
+                </a:solidFill>
+              </a14:hiddenFill>
+            </a:ext>
+          </a:extLst>
+        </p:spPr>
+      </p:pic>
+      <p:cxnSp>
+        <p:nvCxnSpPr>
+          <p:cNvPr id="21" name="Straight Connector 20"/>
+          <p:cNvCxnSpPr/>
+          <p:nvPr/>
+        </p:nvCxnSpPr>
+        <p:spPr>
+          <a:xfrm flipH="1">
+            <a:off x="1362695" y="3626708"/>
+            <a:ext cx="1048898" cy="1015011"/>
+          </a:xfrm>
+          <a:prstGeom prst="line">
+            <a:avLst/>
+          </a:prstGeom>
+        </p:spPr>
+        <p:style>
+          <a:lnRef idx="1">
+            <a:schemeClr val="accent1"/>
+          </a:lnRef>
+          <a:fillRef idx="0">
+            <a:schemeClr val="accent1"/>
+          </a:fillRef>
+          <a:effectRef idx="0">
+            <a:schemeClr val="accent1"/>
+          </a:effectRef>
+          <a:fontRef idx="minor">
+            <a:schemeClr val="tx1"/>
+          </a:fontRef>
+        </p:style>
+      </p:cxnSp>
+      <p:pic>
+        <p:nvPicPr>
+          <p:cNvPr id="1029" name="Picture 5" descr="C:\GITHUB\incodehq\incode-module-communications\module\src\main\java\org\incode\module\communications\dom\impl\comms\Communication-email.png"/>
+          <p:cNvPicPr>
+            <a:picLocks noChangeAspect="1" noChangeArrowheads="1"/>
+          </p:cNvPicPr>
+          <p:nvPr/>
+        </p:nvPicPr>
+        <p:blipFill>
+          <a:blip r:embed="rId5">
+            <a:extLst>
+              <a:ext uri="{28A0092B-C50C-407E-A947-70E740481C1C}">
+                <a14:useLocalDpi xmlns:a14="http://schemas.microsoft.com/office/drawing/2010/main" val="0"/>
+              </a:ext>
+            </a:extLst>
+          </a:blip>
+          <a:srcRect/>
+          <a:stretch>
+            <a:fillRect/>
+          </a:stretch>
+        </p:blipFill>
+        <p:spPr bwMode="auto">
+          <a:xfrm>
+            <a:off x="6732240" y="2449322"/>
+            <a:ext cx="1163127" cy="1163127"/>
+          </a:xfrm>
+          <a:prstGeom prst="rect">
+            <a:avLst/>
+          </a:prstGeom>
+          <a:noFill/>
+          <a:extLst>
+            <a:ext uri="{909E8E84-426E-40DD-AFC4-6F175D3DCCD1}">
+              <a14:hiddenFill xmlns:a14="http://schemas.microsoft.com/office/drawing/2010/main">
+                <a:solidFill>
+                  <a:srgbClr val="FFFFFF"/>
+                </a:solidFill>
+              </a14:hiddenFill>
+            </a:ext>
+          </a:extLst>
+        </p:spPr>
+      </p:pic>
+      <p:sp>
+        <p:nvSpPr>
+          <p:cNvPr id="24" name="TextBox 23"/>
+          <p:cNvSpPr txBox="1"/>
+          <p:nvPr/>
+        </p:nvSpPr>
+        <p:spPr>
+          <a:xfrm>
+            <a:off x="6643394" y="3410684"/>
+            <a:ext cx="1673022" cy="646331"/>
+          </a:xfrm>
+          <a:prstGeom prst="rect">
+            <a:avLst/>
+          </a:prstGeom>
+          <a:noFill/>
+        </p:spPr>
+        <p:txBody>
+          <a:bodyPr wrap="none" rtlCol="0">
+            <a:spAutoFit/>
+          </a:bodyPr>
+          <a:lstStyle/>
+          <a:p>
+            <a:r>
+              <a:rPr lang="en-GB" dirty="0" smtClean="0"/>
               <a:t>(Email)</a:t>
             </a:r>
           </a:p>
@@ -4295,6 +5006,3122 @@
   <p:clrMapOvr>
     <a:masterClrMapping/>
   </p:clrMapOvr>
+  <p:timing>
+    <p:tnLst>
+      <p:par>
+        <p:cTn id="1" dur="indefinite" restart="never" nodeType="tmRoot"/>
+      </p:par>
+    </p:tnLst>
+  </p:timing>
+</p:sld>
+</file>
+
+<file path=ppt/slides/slide12.xml><?xml version="1.0" encoding="utf-8"?>
+<p:sld xmlns:a="http://schemas.openxmlformats.org/drawingml/2006/main" xmlns:r="http://schemas.openxmlformats.org/officeDocument/2006/relationships" xmlns:p="http://schemas.openxmlformats.org/presentationml/2006/main">
+  <p:cSld>
+    <p:spTree>
+      <p:nvGrpSpPr>
+        <p:cNvPr id="1" name=""/>
+        <p:cNvGrpSpPr/>
+        <p:nvPr/>
+      </p:nvGrpSpPr>
+      <p:grpSpPr>
+        <a:xfrm>
+          <a:off x="0" y="0"/>
+          <a:ext cx="0" cy="0"/>
+          <a:chOff x="0" y="0"/>
+          <a:chExt cx="0" cy="0"/>
+        </a:xfrm>
+      </p:grpSpPr>
+      <p:pic>
+        <p:nvPicPr>
+          <p:cNvPr id="1026" name="Picture 2" descr="C:\GITHUB\estatio\estatio\estatioapp\module\invoice\dom\src\main\java\org\estatio\dom\invoice\Invoice.png"/>
+          <p:cNvPicPr>
+            <a:picLocks noChangeAspect="1" noChangeArrowheads="1"/>
+          </p:cNvPicPr>
+          <p:nvPr/>
+        </p:nvPicPr>
+        <p:blipFill>
+          <a:blip r:embed="rId2">
+            <a:extLst>
+              <a:ext uri="{28A0092B-C50C-407E-A947-70E740481C1C}">
+                <a14:useLocalDpi xmlns:a14="http://schemas.microsoft.com/office/drawing/2010/main" val="0"/>
+              </a:ext>
+            </a:extLst>
+          </a:blip>
+          <a:srcRect/>
+          <a:stretch>
+            <a:fillRect/>
+          </a:stretch>
+        </p:blipFill>
+        <p:spPr bwMode="auto">
+          <a:xfrm>
+            <a:off x="211895" y="332656"/>
+            <a:ext cx="916260" cy="916260"/>
+          </a:xfrm>
+          <a:prstGeom prst="rect">
+            <a:avLst/>
+          </a:prstGeom>
+          <a:noFill/>
+          <a:extLst>
+            <a:ext uri="{909E8E84-426E-40DD-AFC4-6F175D3DCCD1}">
+              <a14:hiddenFill xmlns:a14="http://schemas.microsoft.com/office/drawing/2010/main">
+                <a:solidFill>
+                  <a:srgbClr val="FFFFFF"/>
+                </a:solidFill>
+              </a14:hiddenFill>
+            </a:ext>
+          </a:extLst>
+        </p:spPr>
+      </p:pic>
+      <p:sp>
+        <p:nvSpPr>
+          <p:cNvPr id="9" name="TextBox 8"/>
+          <p:cNvSpPr txBox="1"/>
+          <p:nvPr/>
+        </p:nvSpPr>
+        <p:spPr>
+          <a:xfrm>
+            <a:off x="1140729" y="332656"/>
+            <a:ext cx="850361" cy="369332"/>
+          </a:xfrm>
+          <a:prstGeom prst="rect">
+            <a:avLst/>
+          </a:prstGeom>
+          <a:noFill/>
+        </p:spPr>
+        <p:txBody>
+          <a:bodyPr wrap="none" rtlCol="0">
+            <a:spAutoFit/>
+          </a:bodyPr>
+          <a:lstStyle/>
+          <a:p>
+            <a:r>
+              <a:rPr lang="en-GB" dirty="0" smtClean="0"/>
+              <a:t>Invoice</a:t>
+            </a:r>
+            <a:endParaRPr lang="en-GB" dirty="0"/>
+          </a:p>
+        </p:txBody>
+      </p:sp>
+    </p:spTree>
+    <p:extLst>
+      <p:ext uri="{BB962C8B-B14F-4D97-AF65-F5344CB8AC3E}">
+        <p14:creationId xmlns:p14="http://schemas.microsoft.com/office/powerpoint/2010/main" val="335661757"/>
+      </p:ext>
+    </p:extLst>
+  </p:cSld>
+  <p:clrMapOvr>
+    <a:masterClrMapping/>
+  </p:clrMapOvr>
+  <p:timing>
+    <p:tnLst>
+      <p:par>
+        <p:cTn id="1" dur="indefinite" restart="never" nodeType="tmRoot"/>
+      </p:par>
+    </p:tnLst>
+  </p:timing>
+</p:sld>
+</file>
+
+<file path=ppt/slides/slide13.xml><?xml version="1.0" encoding="utf-8"?>
+<p:sld xmlns:a="http://schemas.openxmlformats.org/drawingml/2006/main" xmlns:r="http://schemas.openxmlformats.org/officeDocument/2006/relationships" xmlns:p="http://schemas.openxmlformats.org/presentationml/2006/main">
+  <p:cSld>
+    <p:spTree>
+      <p:nvGrpSpPr>
+        <p:cNvPr id="1" name=""/>
+        <p:cNvGrpSpPr/>
+        <p:nvPr/>
+      </p:nvGrpSpPr>
+      <p:grpSpPr>
+        <a:xfrm>
+          <a:off x="0" y="0"/>
+          <a:ext cx="0" cy="0"/>
+          <a:chOff x="0" y="0"/>
+          <a:chExt cx="0" cy="0"/>
+        </a:xfrm>
+      </p:grpSpPr>
+      <p:pic>
+        <p:nvPicPr>
+          <p:cNvPr id="1026" name="Picture 2" descr="C:\GITHUB\estatio\estatio\estatioapp\module\invoice\dom\src\main\java\org\estatio\dom\invoice\Invoice.png"/>
+          <p:cNvPicPr>
+            <a:picLocks noChangeAspect="1" noChangeArrowheads="1"/>
+          </p:cNvPicPr>
+          <p:nvPr/>
+        </p:nvPicPr>
+        <p:blipFill>
+          <a:blip r:embed="rId2">
+            <a:extLst>
+              <a:ext uri="{28A0092B-C50C-407E-A947-70E740481C1C}">
+                <a14:useLocalDpi xmlns:a14="http://schemas.microsoft.com/office/drawing/2010/main" val="0"/>
+              </a:ext>
+            </a:extLst>
+          </a:blip>
+          <a:srcRect/>
+          <a:stretch>
+            <a:fillRect/>
+          </a:stretch>
+        </p:blipFill>
+        <p:spPr bwMode="auto">
+          <a:xfrm>
+            <a:off x="211895" y="332656"/>
+            <a:ext cx="916260" cy="916260"/>
+          </a:xfrm>
+          <a:prstGeom prst="rect">
+            <a:avLst/>
+          </a:prstGeom>
+          <a:noFill/>
+          <a:extLst>
+            <a:ext uri="{909E8E84-426E-40DD-AFC4-6F175D3DCCD1}">
+              <a14:hiddenFill xmlns:a14="http://schemas.microsoft.com/office/drawing/2010/main">
+                <a:solidFill>
+                  <a:srgbClr val="FFFFFF"/>
+                </a:solidFill>
+              </a14:hiddenFill>
+            </a:ext>
+          </a:extLst>
+        </p:spPr>
+      </p:pic>
+      <p:sp>
+        <p:nvSpPr>
+          <p:cNvPr id="9" name="TextBox 8"/>
+          <p:cNvSpPr txBox="1"/>
+          <p:nvPr/>
+        </p:nvSpPr>
+        <p:spPr>
+          <a:xfrm>
+            <a:off x="1140729" y="332656"/>
+            <a:ext cx="850361" cy="369332"/>
+          </a:xfrm>
+          <a:prstGeom prst="rect">
+            <a:avLst/>
+          </a:prstGeom>
+          <a:noFill/>
+        </p:spPr>
+        <p:txBody>
+          <a:bodyPr wrap="none" rtlCol="0">
+            <a:spAutoFit/>
+          </a:bodyPr>
+          <a:lstStyle/>
+          <a:p>
+            <a:r>
+              <a:rPr lang="en-GB" dirty="0" smtClean="0"/>
+              <a:t>Invoice</a:t>
+            </a:r>
+            <a:endParaRPr lang="en-GB" dirty="0"/>
+          </a:p>
+        </p:txBody>
+      </p:sp>
+      <p:pic>
+        <p:nvPicPr>
+          <p:cNvPr id="13" name="Picture 3" descr="C:\GITHUB\incodehq\incode-module-document\dom\src\main\java\org\incode\module\document\dom\impl\docs\Document-pdf.png"/>
+          <p:cNvPicPr>
+            <a:picLocks noChangeAspect="1" noChangeArrowheads="1"/>
+          </p:cNvPicPr>
+          <p:nvPr/>
+        </p:nvPicPr>
+        <p:blipFill>
+          <a:blip r:embed="rId3">
+            <a:extLst>
+              <a:ext uri="{28A0092B-C50C-407E-A947-70E740481C1C}">
+                <a14:useLocalDpi xmlns:a14="http://schemas.microsoft.com/office/drawing/2010/main" val="0"/>
+              </a:ext>
+            </a:extLst>
+          </a:blip>
+          <a:srcRect/>
+          <a:stretch>
+            <a:fillRect/>
+          </a:stretch>
+        </p:blipFill>
+        <p:spPr bwMode="auto">
+          <a:xfrm>
+            <a:off x="827584" y="4785735"/>
+            <a:ext cx="916260" cy="916260"/>
+          </a:xfrm>
+          <a:prstGeom prst="rect">
+            <a:avLst/>
+          </a:prstGeom>
+          <a:noFill/>
+          <a:extLst>
+            <a:ext uri="{909E8E84-426E-40DD-AFC4-6F175D3DCCD1}">
+              <a14:hiddenFill xmlns:a14="http://schemas.microsoft.com/office/drawing/2010/main">
+                <a:solidFill>
+                  <a:srgbClr val="FFFFFF"/>
+                </a:solidFill>
+              </a14:hiddenFill>
+            </a:ext>
+          </a:extLst>
+        </p:spPr>
+      </p:pic>
+      <p:sp>
+        <p:nvSpPr>
+          <p:cNvPr id="14" name="TextBox 13"/>
+          <p:cNvSpPr txBox="1"/>
+          <p:nvPr/>
+        </p:nvSpPr>
+        <p:spPr>
+          <a:xfrm>
+            <a:off x="715951" y="5733913"/>
+            <a:ext cx="1337097" cy="646331"/>
+          </a:xfrm>
+          <a:prstGeom prst="rect">
+            <a:avLst/>
+          </a:prstGeom>
+          <a:noFill/>
+        </p:spPr>
+        <p:txBody>
+          <a:bodyPr wrap="none" rtlCol="0">
+            <a:spAutoFit/>
+          </a:bodyPr>
+          <a:lstStyle/>
+          <a:p>
+            <a:pPr algn="ctr"/>
+            <a:r>
+              <a:rPr lang="en-GB" dirty="0" smtClean="0"/>
+              <a:t>(Tax receipt)</a:t>
+            </a:r>
+          </a:p>
+          <a:p>
+            <a:pPr algn="ctr"/>
+            <a:r>
+              <a:rPr lang="en-GB" dirty="0" smtClean="0"/>
+              <a:t>Document</a:t>
+            </a:r>
+            <a:endParaRPr lang="en-GB" dirty="0"/>
+          </a:p>
+        </p:txBody>
+      </p:sp>
+      <p:pic>
+        <p:nvPicPr>
+          <p:cNvPr id="20" name="Picture 4" descr="C:\GITHUB\incodehq\incode-module-document\dom\src\main\java\org\incode\module\document\dom\impl\paperclips\Paperclip.png"/>
+          <p:cNvPicPr>
+            <a:picLocks noChangeAspect="1" noChangeArrowheads="1"/>
+          </p:cNvPicPr>
+          <p:nvPr/>
+        </p:nvPicPr>
+        <p:blipFill>
+          <a:blip r:embed="rId4">
+            <a:extLst>
+              <a:ext uri="{28A0092B-C50C-407E-A947-70E740481C1C}">
+                <a14:useLocalDpi xmlns:a14="http://schemas.microsoft.com/office/drawing/2010/main" val="0"/>
+              </a:ext>
+            </a:extLst>
+          </a:blip>
+          <a:srcRect/>
+          <a:stretch>
+            <a:fillRect/>
+          </a:stretch>
+        </p:blipFill>
+        <p:spPr bwMode="auto">
+          <a:xfrm>
+            <a:off x="780858" y="2767814"/>
+            <a:ext cx="518865" cy="518865"/>
+          </a:xfrm>
+          <a:prstGeom prst="rect">
+            <a:avLst/>
+          </a:prstGeom>
+          <a:noFill/>
+          <a:extLst>
+            <a:ext uri="{909E8E84-426E-40DD-AFC4-6F175D3DCCD1}">
+              <a14:hiddenFill xmlns:a14="http://schemas.microsoft.com/office/drawing/2010/main">
+                <a:solidFill>
+                  <a:srgbClr val="FFFFFF"/>
+                </a:solidFill>
+              </a14:hiddenFill>
+            </a:ext>
+          </a:extLst>
+        </p:spPr>
+      </p:pic>
+      <p:cxnSp>
+        <p:nvCxnSpPr>
+          <p:cNvPr id="21" name="Straight Connector 20"/>
+          <p:cNvCxnSpPr/>
+          <p:nvPr/>
+        </p:nvCxnSpPr>
+        <p:spPr>
+          <a:xfrm>
+            <a:off x="827584" y="1412776"/>
+            <a:ext cx="535111" cy="3228943"/>
+          </a:xfrm>
+          <a:prstGeom prst="line">
+            <a:avLst/>
+          </a:prstGeom>
+        </p:spPr>
+        <p:style>
+          <a:lnRef idx="1">
+            <a:schemeClr val="accent1"/>
+          </a:lnRef>
+          <a:fillRef idx="0">
+            <a:schemeClr val="accent1"/>
+          </a:fillRef>
+          <a:effectRef idx="0">
+            <a:schemeClr val="accent1"/>
+          </a:effectRef>
+          <a:fontRef idx="minor">
+            <a:schemeClr val="tx1"/>
+          </a:fontRef>
+        </p:style>
+      </p:cxnSp>
+      <p:sp>
+        <p:nvSpPr>
+          <p:cNvPr id="25" name="TextBox 24"/>
+          <p:cNvSpPr txBox="1"/>
+          <p:nvPr/>
+        </p:nvSpPr>
+        <p:spPr>
+          <a:xfrm>
+            <a:off x="3203848" y="188640"/>
+            <a:ext cx="2583271" cy="646331"/>
+          </a:xfrm>
+          <a:prstGeom prst="rect">
+            <a:avLst/>
+          </a:prstGeom>
+          <a:noFill/>
+        </p:spPr>
+        <p:txBody>
+          <a:bodyPr wrap="none" rtlCol="0">
+            <a:spAutoFit/>
+          </a:bodyPr>
+          <a:lstStyle/>
+          <a:p>
+            <a:r>
+              <a:rPr lang="en-GB" sz="3600" dirty="0" smtClean="0">
+                <a:solidFill>
+                  <a:srgbClr val="00B050"/>
+                </a:solidFill>
+              </a:rPr>
+              <a:t>“Attach PDF”</a:t>
+            </a:r>
+            <a:endParaRPr lang="en-GB" sz="3600" dirty="0">
+              <a:solidFill>
+                <a:srgbClr val="00B050"/>
+              </a:solidFill>
+            </a:endParaRPr>
+          </a:p>
+        </p:txBody>
+      </p:sp>
+    </p:spTree>
+    <p:extLst>
+      <p:ext uri="{BB962C8B-B14F-4D97-AF65-F5344CB8AC3E}">
+        <p14:creationId xmlns:p14="http://schemas.microsoft.com/office/powerpoint/2010/main" val="3803749848"/>
+      </p:ext>
+    </p:extLst>
+  </p:cSld>
+  <p:clrMapOvr>
+    <a:masterClrMapping/>
+  </p:clrMapOvr>
+  <p:timing>
+    <p:tnLst>
+      <p:par>
+        <p:cTn id="1" dur="indefinite" restart="never" nodeType="tmRoot"/>
+      </p:par>
+    </p:tnLst>
+  </p:timing>
+</p:sld>
+</file>
+
+<file path=ppt/slides/slide14.xml><?xml version="1.0" encoding="utf-8"?>
+<p:sld xmlns:a="http://schemas.openxmlformats.org/drawingml/2006/main" xmlns:r="http://schemas.openxmlformats.org/officeDocument/2006/relationships" xmlns:p="http://schemas.openxmlformats.org/presentationml/2006/main">
+  <p:cSld>
+    <p:spTree>
+      <p:nvGrpSpPr>
+        <p:cNvPr id="1" name=""/>
+        <p:cNvGrpSpPr/>
+        <p:nvPr/>
+      </p:nvGrpSpPr>
+      <p:grpSpPr>
+        <a:xfrm>
+          <a:off x="0" y="0"/>
+          <a:ext cx="0" cy="0"/>
+          <a:chOff x="0" y="0"/>
+          <a:chExt cx="0" cy="0"/>
+        </a:xfrm>
+      </p:grpSpPr>
+      <p:pic>
+        <p:nvPicPr>
+          <p:cNvPr id="1026" name="Picture 2" descr="C:\GITHUB\estatio\estatio\estatioapp\module\invoice\dom\src\main\java\org\estatio\dom\invoice\Invoice.png"/>
+          <p:cNvPicPr>
+            <a:picLocks noChangeAspect="1" noChangeArrowheads="1"/>
+          </p:cNvPicPr>
+          <p:nvPr/>
+        </p:nvPicPr>
+        <p:blipFill>
+          <a:blip r:embed="rId2">
+            <a:extLst>
+              <a:ext uri="{28A0092B-C50C-407E-A947-70E740481C1C}">
+                <a14:useLocalDpi xmlns:a14="http://schemas.microsoft.com/office/drawing/2010/main" val="0"/>
+              </a:ext>
+            </a:extLst>
+          </a:blip>
+          <a:srcRect/>
+          <a:stretch>
+            <a:fillRect/>
+          </a:stretch>
+        </p:blipFill>
+        <p:spPr bwMode="auto">
+          <a:xfrm>
+            <a:off x="211895" y="332656"/>
+            <a:ext cx="916260" cy="916260"/>
+          </a:xfrm>
+          <a:prstGeom prst="rect">
+            <a:avLst/>
+          </a:prstGeom>
+          <a:noFill/>
+          <a:extLst>
+            <a:ext uri="{909E8E84-426E-40DD-AFC4-6F175D3DCCD1}">
+              <a14:hiddenFill xmlns:a14="http://schemas.microsoft.com/office/drawing/2010/main">
+                <a:solidFill>
+                  <a:srgbClr val="FFFFFF"/>
+                </a:solidFill>
+              </a14:hiddenFill>
+            </a:ext>
+          </a:extLst>
+        </p:spPr>
+      </p:pic>
+      <p:sp>
+        <p:nvSpPr>
+          <p:cNvPr id="9" name="TextBox 8"/>
+          <p:cNvSpPr txBox="1"/>
+          <p:nvPr/>
+        </p:nvSpPr>
+        <p:spPr>
+          <a:xfrm>
+            <a:off x="1140729" y="332656"/>
+            <a:ext cx="850361" cy="369332"/>
+          </a:xfrm>
+          <a:prstGeom prst="rect">
+            <a:avLst/>
+          </a:prstGeom>
+          <a:noFill/>
+        </p:spPr>
+        <p:txBody>
+          <a:bodyPr wrap="none" rtlCol="0">
+            <a:spAutoFit/>
+          </a:bodyPr>
+          <a:lstStyle/>
+          <a:p>
+            <a:r>
+              <a:rPr lang="en-GB" dirty="0" smtClean="0"/>
+              <a:t>Invoice</a:t>
+            </a:r>
+            <a:endParaRPr lang="en-GB" dirty="0"/>
+          </a:p>
+        </p:txBody>
+      </p:sp>
+      <p:pic>
+        <p:nvPicPr>
+          <p:cNvPr id="13" name="Picture 3" descr="C:\GITHUB\incodehq\incode-module-document\dom\src\main\java\org\incode\module\document\dom\impl\docs\Document-pdf.png"/>
+          <p:cNvPicPr>
+            <a:picLocks noChangeAspect="1" noChangeArrowheads="1"/>
+          </p:cNvPicPr>
+          <p:nvPr/>
+        </p:nvPicPr>
+        <p:blipFill>
+          <a:blip r:embed="rId3">
+            <a:extLst>
+              <a:ext uri="{28A0092B-C50C-407E-A947-70E740481C1C}">
+                <a14:useLocalDpi xmlns:a14="http://schemas.microsoft.com/office/drawing/2010/main" val="0"/>
+              </a:ext>
+            </a:extLst>
+          </a:blip>
+          <a:srcRect/>
+          <a:stretch>
+            <a:fillRect/>
+          </a:stretch>
+        </p:blipFill>
+        <p:spPr bwMode="auto">
+          <a:xfrm>
+            <a:off x="827584" y="4785735"/>
+            <a:ext cx="916260" cy="916260"/>
+          </a:xfrm>
+          <a:prstGeom prst="rect">
+            <a:avLst/>
+          </a:prstGeom>
+          <a:noFill/>
+          <a:extLst>
+            <a:ext uri="{909E8E84-426E-40DD-AFC4-6F175D3DCCD1}">
+              <a14:hiddenFill xmlns:a14="http://schemas.microsoft.com/office/drawing/2010/main">
+                <a:solidFill>
+                  <a:srgbClr val="FFFFFF"/>
+                </a:solidFill>
+              </a14:hiddenFill>
+            </a:ext>
+          </a:extLst>
+        </p:spPr>
+      </p:pic>
+      <p:sp>
+        <p:nvSpPr>
+          <p:cNvPr id="14" name="TextBox 13"/>
+          <p:cNvSpPr txBox="1"/>
+          <p:nvPr/>
+        </p:nvSpPr>
+        <p:spPr>
+          <a:xfrm>
+            <a:off x="715951" y="5733913"/>
+            <a:ext cx="1337097" cy="646331"/>
+          </a:xfrm>
+          <a:prstGeom prst="rect">
+            <a:avLst/>
+          </a:prstGeom>
+          <a:noFill/>
+        </p:spPr>
+        <p:txBody>
+          <a:bodyPr wrap="none" rtlCol="0">
+            <a:spAutoFit/>
+          </a:bodyPr>
+          <a:lstStyle/>
+          <a:p>
+            <a:pPr algn="ctr"/>
+            <a:r>
+              <a:rPr lang="en-GB" dirty="0" smtClean="0"/>
+              <a:t>(Tax receipt)</a:t>
+            </a:r>
+          </a:p>
+          <a:p>
+            <a:pPr algn="ctr"/>
+            <a:r>
+              <a:rPr lang="en-GB" dirty="0" smtClean="0"/>
+              <a:t>Document</a:t>
+            </a:r>
+            <a:endParaRPr lang="en-GB" dirty="0"/>
+          </a:p>
+        </p:txBody>
+      </p:sp>
+      <p:pic>
+        <p:nvPicPr>
+          <p:cNvPr id="20" name="Picture 4" descr="C:\GITHUB\incodehq\incode-module-document\dom\src\main\java\org\incode\module\document\dom\impl\paperclips\Paperclip.png"/>
+          <p:cNvPicPr>
+            <a:picLocks noChangeAspect="1" noChangeArrowheads="1"/>
+          </p:cNvPicPr>
+          <p:nvPr/>
+        </p:nvPicPr>
+        <p:blipFill>
+          <a:blip r:embed="rId4">
+            <a:extLst>
+              <a:ext uri="{28A0092B-C50C-407E-A947-70E740481C1C}">
+                <a14:useLocalDpi xmlns:a14="http://schemas.microsoft.com/office/drawing/2010/main" val="0"/>
+              </a:ext>
+            </a:extLst>
+          </a:blip>
+          <a:srcRect/>
+          <a:stretch>
+            <a:fillRect/>
+          </a:stretch>
+        </p:blipFill>
+        <p:spPr bwMode="auto">
+          <a:xfrm>
+            <a:off x="780858" y="2767814"/>
+            <a:ext cx="518865" cy="518865"/>
+          </a:xfrm>
+          <a:prstGeom prst="rect">
+            <a:avLst/>
+          </a:prstGeom>
+          <a:noFill/>
+          <a:extLst>
+            <a:ext uri="{909E8E84-426E-40DD-AFC4-6F175D3DCCD1}">
+              <a14:hiddenFill xmlns:a14="http://schemas.microsoft.com/office/drawing/2010/main">
+                <a:solidFill>
+                  <a:srgbClr val="FFFFFF"/>
+                </a:solidFill>
+              </a14:hiddenFill>
+            </a:ext>
+          </a:extLst>
+        </p:spPr>
+      </p:pic>
+      <p:cxnSp>
+        <p:nvCxnSpPr>
+          <p:cNvPr id="21" name="Straight Connector 20"/>
+          <p:cNvCxnSpPr/>
+          <p:nvPr/>
+        </p:nvCxnSpPr>
+        <p:spPr>
+          <a:xfrm>
+            <a:off x="827584" y="1412776"/>
+            <a:ext cx="535111" cy="3228943"/>
+          </a:xfrm>
+          <a:prstGeom prst="line">
+            <a:avLst/>
+          </a:prstGeom>
+        </p:spPr>
+        <p:style>
+          <a:lnRef idx="1">
+            <a:schemeClr val="accent1"/>
+          </a:lnRef>
+          <a:fillRef idx="0">
+            <a:schemeClr val="accent1"/>
+          </a:fillRef>
+          <a:effectRef idx="0">
+            <a:schemeClr val="accent1"/>
+          </a:effectRef>
+          <a:fontRef idx="minor">
+            <a:schemeClr val="tx1"/>
+          </a:fontRef>
+        </p:style>
+      </p:cxnSp>
+      <p:sp>
+        <p:nvSpPr>
+          <p:cNvPr id="25" name="TextBox 24"/>
+          <p:cNvSpPr txBox="1"/>
+          <p:nvPr/>
+        </p:nvSpPr>
+        <p:spPr>
+          <a:xfrm>
+            <a:off x="3203848" y="188640"/>
+            <a:ext cx="2041585" cy="646331"/>
+          </a:xfrm>
+          <a:prstGeom prst="rect">
+            <a:avLst/>
+          </a:prstGeom>
+          <a:noFill/>
+        </p:spPr>
+        <p:txBody>
+          <a:bodyPr wrap="none" rtlCol="0">
+            <a:spAutoFit/>
+          </a:bodyPr>
+          <a:lstStyle/>
+          <a:p>
+            <a:r>
+              <a:rPr lang="en-GB" sz="3600" dirty="0" smtClean="0">
+                <a:solidFill>
+                  <a:srgbClr val="00B050"/>
+                </a:solidFill>
+              </a:rPr>
+              <a:t>“Prepare”</a:t>
+            </a:r>
+            <a:endParaRPr lang="en-GB" sz="3600" dirty="0">
+              <a:solidFill>
+                <a:srgbClr val="00B050"/>
+              </a:solidFill>
+            </a:endParaRPr>
+          </a:p>
+        </p:txBody>
+      </p:sp>
+      <p:pic>
+        <p:nvPicPr>
+          <p:cNvPr id="10" name="Picture 3" descr="C:\GITHUB\incodehq\incode-module-document\dom\src\main\java\org\incode\module\document\dom\impl\docs\Document-pdf.png"/>
+          <p:cNvPicPr>
+            <a:picLocks noChangeAspect="1" noChangeArrowheads="1"/>
+          </p:cNvPicPr>
+          <p:nvPr/>
+        </p:nvPicPr>
+        <p:blipFill>
+          <a:blip r:embed="rId3">
+            <a:extLst>
+              <a:ext uri="{28A0092B-C50C-407E-A947-70E740481C1C}">
+                <a14:useLocalDpi xmlns:a14="http://schemas.microsoft.com/office/drawing/2010/main" val="0"/>
+              </a:ext>
+            </a:extLst>
+          </a:blip>
+          <a:srcRect/>
+          <a:stretch>
+            <a:fillRect/>
+          </a:stretch>
+        </p:blipFill>
+        <p:spPr bwMode="auto">
+          <a:xfrm>
+            <a:off x="2363960" y="2546588"/>
+            <a:ext cx="916260" cy="916260"/>
+          </a:xfrm>
+          <a:prstGeom prst="rect">
+            <a:avLst/>
+          </a:prstGeom>
+          <a:noFill/>
+          <a:extLst>
+            <a:ext uri="{909E8E84-426E-40DD-AFC4-6F175D3DCCD1}">
+              <a14:hiddenFill xmlns:a14="http://schemas.microsoft.com/office/drawing/2010/main">
+                <a:solidFill>
+                  <a:srgbClr val="FFFFFF"/>
+                </a:solidFill>
+              </a14:hiddenFill>
+            </a:ext>
+          </a:extLst>
+        </p:spPr>
+      </p:pic>
+      <p:sp>
+        <p:nvSpPr>
+          <p:cNvPr id="11" name="TextBox 10"/>
+          <p:cNvSpPr txBox="1"/>
+          <p:nvPr/>
+        </p:nvSpPr>
+        <p:spPr>
+          <a:xfrm>
+            <a:off x="2372135" y="3484433"/>
+            <a:ext cx="1165191" cy="646331"/>
+          </a:xfrm>
+          <a:prstGeom prst="rect">
+            <a:avLst/>
+          </a:prstGeom>
+          <a:noFill/>
+        </p:spPr>
+        <p:txBody>
+          <a:bodyPr wrap="none" rtlCol="0">
+            <a:spAutoFit/>
+          </a:bodyPr>
+          <a:lstStyle/>
+          <a:p>
+            <a:r>
+              <a:rPr lang="en-GB" dirty="0" smtClean="0"/>
+              <a:t>(Invoice)</a:t>
+            </a:r>
+          </a:p>
+          <a:p>
+            <a:r>
+              <a:rPr lang="en-GB" dirty="0" smtClean="0"/>
+              <a:t>Document</a:t>
+            </a:r>
+            <a:endParaRPr lang="en-GB" dirty="0"/>
+          </a:p>
+        </p:txBody>
+      </p:sp>
+      <p:pic>
+        <p:nvPicPr>
+          <p:cNvPr id="12" name="Picture 4" descr="C:\GITHUB\incodehq\incode-module-document\dom\src\main\java\org\incode\module\document\dom\impl\paperclips\Paperclip.png"/>
+          <p:cNvPicPr>
+            <a:picLocks noChangeAspect="1" noChangeArrowheads="1"/>
+          </p:cNvPicPr>
+          <p:nvPr/>
+        </p:nvPicPr>
+        <p:blipFill>
+          <a:blip r:embed="rId4">
+            <a:extLst>
+              <a:ext uri="{28A0092B-C50C-407E-A947-70E740481C1C}">
+                <a14:useLocalDpi xmlns:a14="http://schemas.microsoft.com/office/drawing/2010/main" val="0"/>
+              </a:ext>
+            </a:extLst>
+          </a:blip>
+          <a:srcRect/>
+          <a:stretch>
+            <a:fillRect/>
+          </a:stretch>
+        </p:blipFill>
+        <p:spPr bwMode="auto">
+          <a:xfrm>
+            <a:off x="1331640" y="1667682"/>
+            <a:ext cx="518865" cy="518865"/>
+          </a:xfrm>
+          <a:prstGeom prst="rect">
+            <a:avLst/>
+          </a:prstGeom>
+          <a:noFill/>
+          <a:extLst>
+            <a:ext uri="{909E8E84-426E-40DD-AFC4-6F175D3DCCD1}">
+              <a14:hiddenFill xmlns:a14="http://schemas.microsoft.com/office/drawing/2010/main">
+                <a:solidFill>
+                  <a:srgbClr val="FFFFFF"/>
+                </a:solidFill>
+              </a14:hiddenFill>
+            </a:ext>
+          </a:extLst>
+        </p:spPr>
+      </p:pic>
+      <p:cxnSp>
+        <p:nvCxnSpPr>
+          <p:cNvPr id="15" name="Straight Connector 14"/>
+          <p:cNvCxnSpPr/>
+          <p:nvPr/>
+        </p:nvCxnSpPr>
+        <p:spPr>
+          <a:xfrm>
+            <a:off x="1074830" y="1387561"/>
+            <a:ext cx="1048898" cy="1015011"/>
+          </a:xfrm>
+          <a:prstGeom prst="line">
+            <a:avLst/>
+          </a:prstGeom>
+        </p:spPr>
+        <p:style>
+          <a:lnRef idx="1">
+            <a:schemeClr val="accent1"/>
+          </a:lnRef>
+          <a:fillRef idx="0">
+            <a:schemeClr val="accent1"/>
+          </a:fillRef>
+          <a:effectRef idx="0">
+            <a:schemeClr val="accent1"/>
+          </a:effectRef>
+          <a:fontRef idx="minor">
+            <a:schemeClr val="tx1"/>
+          </a:fontRef>
+        </p:style>
+      </p:cxnSp>
+      <p:cxnSp>
+        <p:nvCxnSpPr>
+          <p:cNvPr id="16" name="Straight Connector 15"/>
+          <p:cNvCxnSpPr/>
+          <p:nvPr/>
+        </p:nvCxnSpPr>
+        <p:spPr>
+          <a:xfrm>
+            <a:off x="1227230" y="1539961"/>
+            <a:ext cx="1048898" cy="1015011"/>
+          </a:xfrm>
+          <a:prstGeom prst="line">
+            <a:avLst/>
+          </a:prstGeom>
+        </p:spPr>
+        <p:style>
+          <a:lnRef idx="1">
+            <a:schemeClr val="accent1"/>
+          </a:lnRef>
+          <a:fillRef idx="0">
+            <a:schemeClr val="accent1"/>
+          </a:fillRef>
+          <a:effectRef idx="0">
+            <a:schemeClr val="accent1"/>
+          </a:effectRef>
+          <a:fontRef idx="minor">
+            <a:schemeClr val="tx1"/>
+          </a:fontRef>
+        </p:style>
+      </p:cxnSp>
+    </p:spTree>
+    <p:extLst>
+      <p:ext uri="{BB962C8B-B14F-4D97-AF65-F5344CB8AC3E}">
+        <p14:creationId xmlns:p14="http://schemas.microsoft.com/office/powerpoint/2010/main" val="3569851147"/>
+      </p:ext>
+    </p:extLst>
+  </p:cSld>
+  <p:clrMapOvr>
+    <a:masterClrMapping/>
+  </p:clrMapOvr>
+  <p:timing>
+    <p:tnLst>
+      <p:par>
+        <p:cTn id="1" dur="indefinite" restart="never" nodeType="tmRoot"/>
+      </p:par>
+    </p:tnLst>
+  </p:timing>
+</p:sld>
+</file>
+
+<file path=ppt/slides/slide15.xml><?xml version="1.0" encoding="utf-8"?>
+<p:sld xmlns:a="http://schemas.openxmlformats.org/drawingml/2006/main" xmlns:r="http://schemas.openxmlformats.org/officeDocument/2006/relationships" xmlns:p="http://schemas.openxmlformats.org/presentationml/2006/main">
+  <p:cSld>
+    <p:spTree>
+      <p:nvGrpSpPr>
+        <p:cNvPr id="1" name=""/>
+        <p:cNvGrpSpPr/>
+        <p:nvPr/>
+      </p:nvGrpSpPr>
+      <p:grpSpPr>
+        <a:xfrm>
+          <a:off x="0" y="0"/>
+          <a:ext cx="0" cy="0"/>
+          <a:chOff x="0" y="0"/>
+          <a:chExt cx="0" cy="0"/>
+        </a:xfrm>
+      </p:grpSpPr>
+      <p:pic>
+        <p:nvPicPr>
+          <p:cNvPr id="1026" name="Picture 2" descr="C:\GITHUB\estatio\estatio\estatioapp\module\invoice\dom\src\main\java\org\estatio\dom\invoice\Invoice.png"/>
+          <p:cNvPicPr>
+            <a:picLocks noChangeAspect="1" noChangeArrowheads="1"/>
+          </p:cNvPicPr>
+          <p:nvPr/>
+        </p:nvPicPr>
+        <p:blipFill>
+          <a:blip r:embed="rId2">
+            <a:extLst>
+              <a:ext uri="{28A0092B-C50C-407E-A947-70E740481C1C}">
+                <a14:useLocalDpi xmlns:a14="http://schemas.microsoft.com/office/drawing/2010/main" val="0"/>
+              </a:ext>
+            </a:extLst>
+          </a:blip>
+          <a:srcRect/>
+          <a:stretch>
+            <a:fillRect/>
+          </a:stretch>
+        </p:blipFill>
+        <p:spPr bwMode="auto">
+          <a:xfrm>
+            <a:off x="211895" y="332656"/>
+            <a:ext cx="916260" cy="916260"/>
+          </a:xfrm>
+          <a:prstGeom prst="rect">
+            <a:avLst/>
+          </a:prstGeom>
+          <a:noFill/>
+          <a:extLst>
+            <a:ext uri="{909E8E84-426E-40DD-AFC4-6F175D3DCCD1}">
+              <a14:hiddenFill xmlns:a14="http://schemas.microsoft.com/office/drawing/2010/main">
+                <a:solidFill>
+                  <a:srgbClr val="FFFFFF"/>
+                </a:solidFill>
+              </a14:hiddenFill>
+            </a:ext>
+          </a:extLst>
+        </p:spPr>
+      </p:pic>
+      <p:sp>
+        <p:nvSpPr>
+          <p:cNvPr id="9" name="TextBox 8"/>
+          <p:cNvSpPr txBox="1"/>
+          <p:nvPr/>
+        </p:nvSpPr>
+        <p:spPr>
+          <a:xfrm>
+            <a:off x="1140729" y="332656"/>
+            <a:ext cx="850361" cy="369332"/>
+          </a:xfrm>
+          <a:prstGeom prst="rect">
+            <a:avLst/>
+          </a:prstGeom>
+          <a:noFill/>
+        </p:spPr>
+        <p:txBody>
+          <a:bodyPr wrap="none" rtlCol="0">
+            <a:spAutoFit/>
+          </a:bodyPr>
+          <a:lstStyle/>
+          <a:p>
+            <a:r>
+              <a:rPr lang="en-GB" dirty="0" smtClean="0"/>
+              <a:t>Invoice</a:t>
+            </a:r>
+            <a:endParaRPr lang="en-GB" dirty="0"/>
+          </a:p>
+        </p:txBody>
+      </p:sp>
+      <p:pic>
+        <p:nvPicPr>
+          <p:cNvPr id="13" name="Picture 3" descr="C:\GITHUB\incodehq\incode-module-document\dom\src\main\java\org\incode\module\document\dom\impl\docs\Document-pdf.png"/>
+          <p:cNvPicPr>
+            <a:picLocks noChangeAspect="1" noChangeArrowheads="1"/>
+          </p:cNvPicPr>
+          <p:nvPr/>
+        </p:nvPicPr>
+        <p:blipFill>
+          <a:blip r:embed="rId3">
+            <a:extLst>
+              <a:ext uri="{28A0092B-C50C-407E-A947-70E740481C1C}">
+                <a14:useLocalDpi xmlns:a14="http://schemas.microsoft.com/office/drawing/2010/main" val="0"/>
+              </a:ext>
+            </a:extLst>
+          </a:blip>
+          <a:srcRect/>
+          <a:stretch>
+            <a:fillRect/>
+          </a:stretch>
+        </p:blipFill>
+        <p:spPr bwMode="auto">
+          <a:xfrm>
+            <a:off x="827584" y="4785735"/>
+            <a:ext cx="916260" cy="916260"/>
+          </a:xfrm>
+          <a:prstGeom prst="rect">
+            <a:avLst/>
+          </a:prstGeom>
+          <a:noFill/>
+          <a:extLst>
+            <a:ext uri="{909E8E84-426E-40DD-AFC4-6F175D3DCCD1}">
+              <a14:hiddenFill xmlns:a14="http://schemas.microsoft.com/office/drawing/2010/main">
+                <a:solidFill>
+                  <a:srgbClr val="FFFFFF"/>
+                </a:solidFill>
+              </a14:hiddenFill>
+            </a:ext>
+          </a:extLst>
+        </p:spPr>
+      </p:pic>
+      <p:sp>
+        <p:nvSpPr>
+          <p:cNvPr id="14" name="TextBox 13"/>
+          <p:cNvSpPr txBox="1"/>
+          <p:nvPr/>
+        </p:nvSpPr>
+        <p:spPr>
+          <a:xfrm>
+            <a:off x="715951" y="5733913"/>
+            <a:ext cx="1337097" cy="646331"/>
+          </a:xfrm>
+          <a:prstGeom prst="rect">
+            <a:avLst/>
+          </a:prstGeom>
+          <a:noFill/>
+        </p:spPr>
+        <p:txBody>
+          <a:bodyPr wrap="none" rtlCol="0">
+            <a:spAutoFit/>
+          </a:bodyPr>
+          <a:lstStyle/>
+          <a:p>
+            <a:pPr algn="ctr"/>
+            <a:r>
+              <a:rPr lang="en-GB" dirty="0" smtClean="0"/>
+              <a:t>(Tax receipt)</a:t>
+            </a:r>
+          </a:p>
+          <a:p>
+            <a:pPr algn="ctr"/>
+            <a:r>
+              <a:rPr lang="en-GB" dirty="0" smtClean="0"/>
+              <a:t>Document</a:t>
+            </a:r>
+            <a:endParaRPr lang="en-GB" dirty="0"/>
+          </a:p>
+        </p:txBody>
+      </p:sp>
+      <p:pic>
+        <p:nvPicPr>
+          <p:cNvPr id="20" name="Picture 4" descr="C:\GITHUB\incodehq\incode-module-document\dom\src\main\java\org\incode\module\document\dom\impl\paperclips\Paperclip.png"/>
+          <p:cNvPicPr>
+            <a:picLocks noChangeAspect="1" noChangeArrowheads="1"/>
+          </p:cNvPicPr>
+          <p:nvPr/>
+        </p:nvPicPr>
+        <p:blipFill>
+          <a:blip r:embed="rId4">
+            <a:extLst>
+              <a:ext uri="{28A0092B-C50C-407E-A947-70E740481C1C}">
+                <a14:useLocalDpi xmlns:a14="http://schemas.microsoft.com/office/drawing/2010/main" val="0"/>
+              </a:ext>
+            </a:extLst>
+          </a:blip>
+          <a:srcRect/>
+          <a:stretch>
+            <a:fillRect/>
+          </a:stretch>
+        </p:blipFill>
+        <p:spPr bwMode="auto">
+          <a:xfrm>
+            <a:off x="780858" y="2767814"/>
+            <a:ext cx="518865" cy="518865"/>
+          </a:xfrm>
+          <a:prstGeom prst="rect">
+            <a:avLst/>
+          </a:prstGeom>
+          <a:noFill/>
+          <a:extLst>
+            <a:ext uri="{909E8E84-426E-40DD-AFC4-6F175D3DCCD1}">
+              <a14:hiddenFill xmlns:a14="http://schemas.microsoft.com/office/drawing/2010/main">
+                <a:solidFill>
+                  <a:srgbClr val="FFFFFF"/>
+                </a:solidFill>
+              </a14:hiddenFill>
+            </a:ext>
+          </a:extLst>
+        </p:spPr>
+      </p:pic>
+      <p:cxnSp>
+        <p:nvCxnSpPr>
+          <p:cNvPr id="21" name="Straight Connector 20"/>
+          <p:cNvCxnSpPr/>
+          <p:nvPr/>
+        </p:nvCxnSpPr>
+        <p:spPr>
+          <a:xfrm>
+            <a:off x="827584" y="1412776"/>
+            <a:ext cx="535111" cy="3228943"/>
+          </a:xfrm>
+          <a:prstGeom prst="line">
+            <a:avLst/>
+          </a:prstGeom>
+        </p:spPr>
+        <p:style>
+          <a:lnRef idx="1">
+            <a:schemeClr val="accent1"/>
+          </a:lnRef>
+          <a:fillRef idx="0">
+            <a:schemeClr val="accent1"/>
+          </a:fillRef>
+          <a:effectRef idx="0">
+            <a:schemeClr val="accent1"/>
+          </a:effectRef>
+          <a:fontRef idx="minor">
+            <a:schemeClr val="tx1"/>
+          </a:fontRef>
+        </p:style>
+      </p:cxnSp>
+      <p:sp>
+        <p:nvSpPr>
+          <p:cNvPr id="25" name="TextBox 24"/>
+          <p:cNvSpPr txBox="1"/>
+          <p:nvPr/>
+        </p:nvSpPr>
+        <p:spPr>
+          <a:xfrm>
+            <a:off x="2123728" y="4293096"/>
+            <a:ext cx="6567439" cy="523220"/>
+          </a:xfrm>
+          <a:prstGeom prst="rect">
+            <a:avLst/>
+          </a:prstGeom>
+          <a:noFill/>
+        </p:spPr>
+        <p:txBody>
+          <a:bodyPr wrap="none" rtlCol="0">
+            <a:spAutoFit/>
+          </a:bodyPr>
+          <a:lstStyle/>
+          <a:p>
+            <a:r>
+              <a:rPr lang="en-GB" sz="2800" dirty="0" smtClean="0">
+                <a:solidFill>
+                  <a:srgbClr val="00B050"/>
+                </a:solidFill>
+              </a:rPr>
+              <a:t>Notices the attached PDF and also links </a:t>
+            </a:r>
+            <a:r>
+              <a:rPr lang="en-GB" sz="2800" smtClean="0">
+                <a:solidFill>
+                  <a:srgbClr val="00B050"/>
+                </a:solidFill>
+              </a:rPr>
+              <a:t>to it</a:t>
+            </a:r>
+            <a:endParaRPr lang="en-GB" sz="2800" dirty="0">
+              <a:solidFill>
+                <a:srgbClr val="00B050"/>
+              </a:solidFill>
+            </a:endParaRPr>
+          </a:p>
+        </p:txBody>
+      </p:sp>
+      <p:pic>
+        <p:nvPicPr>
+          <p:cNvPr id="10" name="Picture 3" descr="C:\GITHUB\incodehq\incode-module-document\dom\src\main\java\org\incode\module\document\dom\impl\docs\Document-pdf.png"/>
+          <p:cNvPicPr>
+            <a:picLocks noChangeAspect="1" noChangeArrowheads="1"/>
+          </p:cNvPicPr>
+          <p:nvPr/>
+        </p:nvPicPr>
+        <p:blipFill>
+          <a:blip r:embed="rId3">
+            <a:extLst>
+              <a:ext uri="{28A0092B-C50C-407E-A947-70E740481C1C}">
+                <a14:useLocalDpi xmlns:a14="http://schemas.microsoft.com/office/drawing/2010/main" val="0"/>
+              </a:ext>
+            </a:extLst>
+          </a:blip>
+          <a:srcRect/>
+          <a:stretch>
+            <a:fillRect/>
+          </a:stretch>
+        </p:blipFill>
+        <p:spPr bwMode="auto">
+          <a:xfrm>
+            <a:off x="2363960" y="2546588"/>
+            <a:ext cx="916260" cy="916260"/>
+          </a:xfrm>
+          <a:prstGeom prst="rect">
+            <a:avLst/>
+          </a:prstGeom>
+          <a:noFill/>
+          <a:extLst>
+            <a:ext uri="{909E8E84-426E-40DD-AFC4-6F175D3DCCD1}">
+              <a14:hiddenFill xmlns:a14="http://schemas.microsoft.com/office/drawing/2010/main">
+                <a:solidFill>
+                  <a:srgbClr val="FFFFFF"/>
+                </a:solidFill>
+              </a14:hiddenFill>
+            </a:ext>
+          </a:extLst>
+        </p:spPr>
+      </p:pic>
+      <p:sp>
+        <p:nvSpPr>
+          <p:cNvPr id="11" name="TextBox 10"/>
+          <p:cNvSpPr txBox="1"/>
+          <p:nvPr/>
+        </p:nvSpPr>
+        <p:spPr>
+          <a:xfrm>
+            <a:off x="2372135" y="3484433"/>
+            <a:ext cx="1165191" cy="646331"/>
+          </a:xfrm>
+          <a:prstGeom prst="rect">
+            <a:avLst/>
+          </a:prstGeom>
+          <a:noFill/>
+        </p:spPr>
+        <p:txBody>
+          <a:bodyPr wrap="none" rtlCol="0">
+            <a:spAutoFit/>
+          </a:bodyPr>
+          <a:lstStyle/>
+          <a:p>
+            <a:r>
+              <a:rPr lang="en-GB" dirty="0" smtClean="0"/>
+              <a:t>(Invoice)</a:t>
+            </a:r>
+          </a:p>
+          <a:p>
+            <a:r>
+              <a:rPr lang="en-GB" dirty="0" smtClean="0"/>
+              <a:t>Document</a:t>
+            </a:r>
+            <a:endParaRPr lang="en-GB" dirty="0"/>
+          </a:p>
+        </p:txBody>
+      </p:sp>
+      <p:pic>
+        <p:nvPicPr>
+          <p:cNvPr id="12" name="Picture 4" descr="C:\GITHUB\incodehq\incode-module-document\dom\src\main\java\org\incode\module\document\dom\impl\paperclips\Paperclip.png"/>
+          <p:cNvPicPr>
+            <a:picLocks noChangeAspect="1" noChangeArrowheads="1"/>
+          </p:cNvPicPr>
+          <p:nvPr/>
+        </p:nvPicPr>
+        <p:blipFill>
+          <a:blip r:embed="rId4">
+            <a:extLst>
+              <a:ext uri="{28A0092B-C50C-407E-A947-70E740481C1C}">
+                <a14:useLocalDpi xmlns:a14="http://schemas.microsoft.com/office/drawing/2010/main" val="0"/>
+              </a:ext>
+            </a:extLst>
+          </a:blip>
+          <a:srcRect/>
+          <a:stretch>
+            <a:fillRect/>
+          </a:stretch>
+        </p:blipFill>
+        <p:spPr bwMode="auto">
+          <a:xfrm>
+            <a:off x="1331640" y="1667682"/>
+            <a:ext cx="518865" cy="518865"/>
+          </a:xfrm>
+          <a:prstGeom prst="rect">
+            <a:avLst/>
+          </a:prstGeom>
+          <a:noFill/>
+          <a:extLst>
+            <a:ext uri="{909E8E84-426E-40DD-AFC4-6F175D3DCCD1}">
+              <a14:hiddenFill xmlns:a14="http://schemas.microsoft.com/office/drawing/2010/main">
+                <a:solidFill>
+                  <a:srgbClr val="FFFFFF"/>
+                </a:solidFill>
+              </a14:hiddenFill>
+            </a:ext>
+          </a:extLst>
+        </p:spPr>
+      </p:pic>
+      <p:cxnSp>
+        <p:nvCxnSpPr>
+          <p:cNvPr id="15" name="Straight Connector 14"/>
+          <p:cNvCxnSpPr/>
+          <p:nvPr/>
+        </p:nvCxnSpPr>
+        <p:spPr>
+          <a:xfrm>
+            <a:off x="1074830" y="1387561"/>
+            <a:ext cx="1048898" cy="1015011"/>
+          </a:xfrm>
+          <a:prstGeom prst="line">
+            <a:avLst/>
+          </a:prstGeom>
+        </p:spPr>
+        <p:style>
+          <a:lnRef idx="1">
+            <a:schemeClr val="accent1"/>
+          </a:lnRef>
+          <a:fillRef idx="0">
+            <a:schemeClr val="accent1"/>
+          </a:fillRef>
+          <a:effectRef idx="0">
+            <a:schemeClr val="accent1"/>
+          </a:effectRef>
+          <a:fontRef idx="minor">
+            <a:schemeClr val="tx1"/>
+          </a:fontRef>
+        </p:style>
+      </p:cxnSp>
+      <p:cxnSp>
+        <p:nvCxnSpPr>
+          <p:cNvPr id="16" name="Straight Connector 15"/>
+          <p:cNvCxnSpPr/>
+          <p:nvPr/>
+        </p:nvCxnSpPr>
+        <p:spPr>
+          <a:xfrm>
+            <a:off x="1227230" y="1539961"/>
+            <a:ext cx="1048898" cy="1015011"/>
+          </a:xfrm>
+          <a:prstGeom prst="line">
+            <a:avLst/>
+          </a:prstGeom>
+        </p:spPr>
+        <p:style>
+          <a:lnRef idx="1">
+            <a:schemeClr val="accent1"/>
+          </a:lnRef>
+          <a:fillRef idx="0">
+            <a:schemeClr val="accent1"/>
+          </a:fillRef>
+          <a:effectRef idx="0">
+            <a:schemeClr val="accent1"/>
+          </a:effectRef>
+          <a:fontRef idx="minor">
+            <a:schemeClr val="tx1"/>
+          </a:fontRef>
+        </p:style>
+      </p:cxnSp>
+      <p:pic>
+        <p:nvPicPr>
+          <p:cNvPr id="17" name="Picture 4" descr="C:\GITHUB\incodehq\incode-module-document\dom\src\main\java\org\incode\module\document\dom\impl\paperclips\Paperclip.png"/>
+          <p:cNvPicPr>
+            <a:picLocks noChangeAspect="1" noChangeArrowheads="1"/>
+          </p:cNvPicPr>
+          <p:nvPr/>
+        </p:nvPicPr>
+        <p:blipFill>
+          <a:blip r:embed="rId4">
+            <a:extLst>
+              <a:ext uri="{28A0092B-C50C-407E-A947-70E740481C1C}">
+                <a14:useLocalDpi xmlns:a14="http://schemas.microsoft.com/office/drawing/2010/main" val="0"/>
+              </a:ext>
+            </a:extLst>
+          </a:blip>
+          <a:srcRect/>
+          <a:stretch>
+            <a:fillRect/>
+          </a:stretch>
+        </p:blipFill>
+        <p:spPr bwMode="auto">
+          <a:xfrm>
+            <a:off x="1619505" y="3906829"/>
+            <a:ext cx="518865" cy="518865"/>
+          </a:xfrm>
+          <a:prstGeom prst="rect">
+            <a:avLst/>
+          </a:prstGeom>
+          <a:noFill/>
+          <a:extLst>
+            <a:ext uri="{909E8E84-426E-40DD-AFC4-6F175D3DCCD1}">
+              <a14:hiddenFill xmlns:a14="http://schemas.microsoft.com/office/drawing/2010/main">
+                <a:solidFill>
+                  <a:srgbClr val="FFFFFF"/>
+                </a:solidFill>
+              </a14:hiddenFill>
+            </a:ext>
+          </a:extLst>
+        </p:spPr>
+      </p:pic>
+      <p:cxnSp>
+        <p:nvCxnSpPr>
+          <p:cNvPr id="18" name="Straight Connector 17"/>
+          <p:cNvCxnSpPr/>
+          <p:nvPr/>
+        </p:nvCxnSpPr>
+        <p:spPr>
+          <a:xfrm flipH="1">
+            <a:off x="1362695" y="3626708"/>
+            <a:ext cx="1048898" cy="1015011"/>
+          </a:xfrm>
+          <a:prstGeom prst="line">
+            <a:avLst/>
+          </a:prstGeom>
+        </p:spPr>
+        <p:style>
+          <a:lnRef idx="1">
+            <a:schemeClr val="accent1"/>
+          </a:lnRef>
+          <a:fillRef idx="0">
+            <a:schemeClr val="accent1"/>
+          </a:fillRef>
+          <a:effectRef idx="0">
+            <a:schemeClr val="accent1"/>
+          </a:effectRef>
+          <a:fontRef idx="minor">
+            <a:schemeClr val="tx1"/>
+          </a:fontRef>
+        </p:style>
+      </p:cxnSp>
+    </p:spTree>
+    <p:extLst>
+      <p:ext uri="{BB962C8B-B14F-4D97-AF65-F5344CB8AC3E}">
+        <p14:creationId xmlns:p14="http://schemas.microsoft.com/office/powerpoint/2010/main" val="775045194"/>
+      </p:ext>
+    </p:extLst>
+  </p:cSld>
+  <p:clrMapOvr>
+    <a:masterClrMapping/>
+  </p:clrMapOvr>
+  <p:timing>
+    <p:tnLst>
+      <p:par>
+        <p:cTn id="1" dur="indefinite" restart="never" nodeType="tmRoot"/>
+      </p:par>
+    </p:tnLst>
+  </p:timing>
+</p:sld>
+</file>
+
+<file path=ppt/slides/slide16.xml><?xml version="1.0" encoding="utf-8"?>
+<p:sld xmlns:a="http://schemas.openxmlformats.org/drawingml/2006/main" xmlns:r="http://schemas.openxmlformats.org/officeDocument/2006/relationships" xmlns:p="http://schemas.openxmlformats.org/presentationml/2006/main">
+  <p:cSld>
+    <p:spTree>
+      <p:nvGrpSpPr>
+        <p:cNvPr id="1" name=""/>
+        <p:cNvGrpSpPr/>
+        <p:nvPr/>
+      </p:nvGrpSpPr>
+      <p:grpSpPr>
+        <a:xfrm>
+          <a:off x="0" y="0"/>
+          <a:ext cx="0" cy="0"/>
+          <a:chOff x="0" y="0"/>
+          <a:chExt cx="0" cy="0"/>
+        </a:xfrm>
+      </p:grpSpPr>
+      <p:pic>
+        <p:nvPicPr>
+          <p:cNvPr id="1026" name="Picture 2" descr="C:\GITHUB\estatio\estatio\estatioapp\module\invoice\dom\src\main\java\org\estatio\dom\invoice\Invoice.png"/>
+          <p:cNvPicPr>
+            <a:picLocks noChangeAspect="1" noChangeArrowheads="1"/>
+          </p:cNvPicPr>
+          <p:nvPr/>
+        </p:nvPicPr>
+        <p:blipFill>
+          <a:blip r:embed="rId2">
+            <a:extLst>
+              <a:ext uri="{28A0092B-C50C-407E-A947-70E740481C1C}">
+                <a14:useLocalDpi xmlns:a14="http://schemas.microsoft.com/office/drawing/2010/main" val="0"/>
+              </a:ext>
+            </a:extLst>
+          </a:blip>
+          <a:srcRect/>
+          <a:stretch>
+            <a:fillRect/>
+          </a:stretch>
+        </p:blipFill>
+        <p:spPr bwMode="auto">
+          <a:xfrm>
+            <a:off x="211895" y="332656"/>
+            <a:ext cx="916260" cy="916260"/>
+          </a:xfrm>
+          <a:prstGeom prst="rect">
+            <a:avLst/>
+          </a:prstGeom>
+          <a:noFill/>
+          <a:extLst>
+            <a:ext uri="{909E8E84-426E-40DD-AFC4-6F175D3DCCD1}">
+              <a14:hiddenFill xmlns:a14="http://schemas.microsoft.com/office/drawing/2010/main">
+                <a:solidFill>
+                  <a:srgbClr val="FFFFFF"/>
+                </a:solidFill>
+              </a14:hiddenFill>
+            </a:ext>
+          </a:extLst>
+        </p:spPr>
+      </p:pic>
+      <p:sp>
+        <p:nvSpPr>
+          <p:cNvPr id="9" name="TextBox 8"/>
+          <p:cNvSpPr txBox="1"/>
+          <p:nvPr/>
+        </p:nvSpPr>
+        <p:spPr>
+          <a:xfrm>
+            <a:off x="1140729" y="332656"/>
+            <a:ext cx="850361" cy="369332"/>
+          </a:xfrm>
+          <a:prstGeom prst="rect">
+            <a:avLst/>
+          </a:prstGeom>
+          <a:noFill/>
+        </p:spPr>
+        <p:txBody>
+          <a:bodyPr wrap="none" rtlCol="0">
+            <a:spAutoFit/>
+          </a:bodyPr>
+          <a:lstStyle/>
+          <a:p>
+            <a:r>
+              <a:rPr lang="en-GB" dirty="0" smtClean="0"/>
+              <a:t>Invoice</a:t>
+            </a:r>
+            <a:endParaRPr lang="en-GB" dirty="0"/>
+          </a:p>
+        </p:txBody>
+      </p:sp>
+      <p:pic>
+        <p:nvPicPr>
+          <p:cNvPr id="1027" name="Picture 3" descr="C:\GITHUB\incodehq\incode-module-document\dom\src\main\java\org\incode\module\document\dom\impl\docs\Document-pdf.png"/>
+          <p:cNvPicPr>
+            <a:picLocks noChangeAspect="1" noChangeArrowheads="1"/>
+          </p:cNvPicPr>
+          <p:nvPr/>
+        </p:nvPicPr>
+        <p:blipFill>
+          <a:blip r:embed="rId3">
+            <a:extLst>
+              <a:ext uri="{28A0092B-C50C-407E-A947-70E740481C1C}">
+                <a14:useLocalDpi xmlns:a14="http://schemas.microsoft.com/office/drawing/2010/main" val="0"/>
+              </a:ext>
+            </a:extLst>
+          </a:blip>
+          <a:srcRect/>
+          <a:stretch>
+            <a:fillRect/>
+          </a:stretch>
+        </p:blipFill>
+        <p:spPr bwMode="auto">
+          <a:xfrm>
+            <a:off x="2363960" y="2546588"/>
+            <a:ext cx="916260" cy="916260"/>
+          </a:xfrm>
+          <a:prstGeom prst="rect">
+            <a:avLst/>
+          </a:prstGeom>
+          <a:noFill/>
+          <a:extLst>
+            <a:ext uri="{909E8E84-426E-40DD-AFC4-6F175D3DCCD1}">
+              <a14:hiddenFill xmlns:a14="http://schemas.microsoft.com/office/drawing/2010/main">
+                <a:solidFill>
+                  <a:srgbClr val="FFFFFF"/>
+                </a:solidFill>
+              </a14:hiddenFill>
+            </a:ext>
+          </a:extLst>
+        </p:spPr>
+      </p:pic>
+      <p:sp>
+        <p:nvSpPr>
+          <p:cNvPr id="12" name="TextBox 11"/>
+          <p:cNvSpPr txBox="1"/>
+          <p:nvPr/>
+        </p:nvSpPr>
+        <p:spPr>
+          <a:xfrm>
+            <a:off x="2372135" y="3484433"/>
+            <a:ext cx="1165191" cy="646331"/>
+          </a:xfrm>
+          <a:prstGeom prst="rect">
+            <a:avLst/>
+          </a:prstGeom>
+          <a:noFill/>
+        </p:spPr>
+        <p:txBody>
+          <a:bodyPr wrap="none" rtlCol="0">
+            <a:spAutoFit/>
+          </a:bodyPr>
+          <a:lstStyle/>
+          <a:p>
+            <a:r>
+              <a:rPr lang="en-GB" dirty="0" smtClean="0"/>
+              <a:t>(Invoice)</a:t>
+            </a:r>
+          </a:p>
+          <a:p>
+            <a:r>
+              <a:rPr lang="en-GB" dirty="0" smtClean="0"/>
+              <a:t>Document</a:t>
+            </a:r>
+            <a:endParaRPr lang="en-GB" dirty="0"/>
+          </a:p>
+        </p:txBody>
+      </p:sp>
+      <p:pic>
+        <p:nvPicPr>
+          <p:cNvPr id="13" name="Picture 3" descr="C:\GITHUB\incodehq\incode-module-document\dom\src\main\java\org\incode\module\document\dom\impl\docs\Document-pdf.png"/>
+          <p:cNvPicPr>
+            <a:picLocks noChangeAspect="1" noChangeArrowheads="1"/>
+          </p:cNvPicPr>
+          <p:nvPr/>
+        </p:nvPicPr>
+        <p:blipFill>
+          <a:blip r:embed="rId3">
+            <a:extLst>
+              <a:ext uri="{28A0092B-C50C-407E-A947-70E740481C1C}">
+                <a14:useLocalDpi xmlns:a14="http://schemas.microsoft.com/office/drawing/2010/main" val="0"/>
+              </a:ext>
+            </a:extLst>
+          </a:blip>
+          <a:srcRect/>
+          <a:stretch>
+            <a:fillRect/>
+          </a:stretch>
+        </p:blipFill>
+        <p:spPr bwMode="auto">
+          <a:xfrm>
+            <a:off x="827584" y="4785735"/>
+            <a:ext cx="916260" cy="916260"/>
+          </a:xfrm>
+          <a:prstGeom prst="rect">
+            <a:avLst/>
+          </a:prstGeom>
+          <a:noFill/>
+          <a:extLst>
+            <a:ext uri="{909E8E84-426E-40DD-AFC4-6F175D3DCCD1}">
+              <a14:hiddenFill xmlns:a14="http://schemas.microsoft.com/office/drawing/2010/main">
+                <a:solidFill>
+                  <a:srgbClr val="FFFFFF"/>
+                </a:solidFill>
+              </a14:hiddenFill>
+            </a:ext>
+          </a:extLst>
+        </p:spPr>
+      </p:pic>
+      <p:sp>
+        <p:nvSpPr>
+          <p:cNvPr id="14" name="TextBox 13"/>
+          <p:cNvSpPr txBox="1"/>
+          <p:nvPr/>
+        </p:nvSpPr>
+        <p:spPr>
+          <a:xfrm>
+            <a:off x="715951" y="5733913"/>
+            <a:ext cx="1337097" cy="646331"/>
+          </a:xfrm>
+          <a:prstGeom prst="rect">
+            <a:avLst/>
+          </a:prstGeom>
+          <a:noFill/>
+        </p:spPr>
+        <p:txBody>
+          <a:bodyPr wrap="none" rtlCol="0">
+            <a:spAutoFit/>
+          </a:bodyPr>
+          <a:lstStyle/>
+          <a:p>
+            <a:pPr algn="ctr"/>
+            <a:r>
+              <a:rPr lang="en-GB" dirty="0" smtClean="0"/>
+              <a:t>(Tax receipt)</a:t>
+            </a:r>
+          </a:p>
+          <a:p>
+            <a:pPr algn="ctr"/>
+            <a:r>
+              <a:rPr lang="en-GB" dirty="0" smtClean="0"/>
+              <a:t>Document</a:t>
+            </a:r>
+            <a:endParaRPr lang="en-GB" dirty="0"/>
+          </a:p>
+        </p:txBody>
+      </p:sp>
+      <p:pic>
+        <p:nvPicPr>
+          <p:cNvPr id="1028" name="Picture 4" descr="C:\GITHUB\incodehq\incode-module-document\dom\src\main\java\org\incode\module\document\dom\impl\paperclips\Paperclip.png"/>
+          <p:cNvPicPr>
+            <a:picLocks noChangeAspect="1" noChangeArrowheads="1"/>
+          </p:cNvPicPr>
+          <p:nvPr/>
+        </p:nvPicPr>
+        <p:blipFill>
+          <a:blip r:embed="rId4">
+            <a:extLst>
+              <a:ext uri="{28A0092B-C50C-407E-A947-70E740481C1C}">
+                <a14:useLocalDpi xmlns:a14="http://schemas.microsoft.com/office/drawing/2010/main" val="0"/>
+              </a:ext>
+            </a:extLst>
+          </a:blip>
+          <a:srcRect/>
+          <a:stretch>
+            <a:fillRect/>
+          </a:stretch>
+        </p:blipFill>
+        <p:spPr bwMode="auto">
+          <a:xfrm>
+            <a:off x="1331640" y="1667682"/>
+            <a:ext cx="518865" cy="518865"/>
+          </a:xfrm>
+          <a:prstGeom prst="rect">
+            <a:avLst/>
+          </a:prstGeom>
+          <a:noFill/>
+          <a:extLst>
+            <a:ext uri="{909E8E84-426E-40DD-AFC4-6F175D3DCCD1}">
+              <a14:hiddenFill xmlns:a14="http://schemas.microsoft.com/office/drawing/2010/main">
+                <a:solidFill>
+                  <a:srgbClr val="FFFFFF"/>
+                </a:solidFill>
+              </a14:hiddenFill>
+            </a:ext>
+          </a:extLst>
+        </p:spPr>
+      </p:pic>
+      <p:cxnSp>
+        <p:nvCxnSpPr>
+          <p:cNvPr id="11" name="Straight Connector 10"/>
+          <p:cNvCxnSpPr/>
+          <p:nvPr/>
+        </p:nvCxnSpPr>
+        <p:spPr>
+          <a:xfrm>
+            <a:off x="1074830" y="1387561"/>
+            <a:ext cx="1048898" cy="1015011"/>
+          </a:xfrm>
+          <a:prstGeom prst="line">
+            <a:avLst/>
+          </a:prstGeom>
+        </p:spPr>
+        <p:style>
+          <a:lnRef idx="1">
+            <a:schemeClr val="accent1"/>
+          </a:lnRef>
+          <a:fillRef idx="0">
+            <a:schemeClr val="accent1"/>
+          </a:fillRef>
+          <a:effectRef idx="0">
+            <a:schemeClr val="accent1"/>
+          </a:effectRef>
+          <a:fontRef idx="minor">
+            <a:schemeClr val="tx1"/>
+          </a:fontRef>
+        </p:style>
+      </p:cxnSp>
+      <p:pic>
+        <p:nvPicPr>
+          <p:cNvPr id="20" name="Picture 4" descr="C:\GITHUB\incodehq\incode-module-document\dom\src\main\java\org\incode\module\document\dom\impl\paperclips\Paperclip.png"/>
+          <p:cNvPicPr>
+            <a:picLocks noChangeAspect="1" noChangeArrowheads="1"/>
+          </p:cNvPicPr>
+          <p:nvPr/>
+        </p:nvPicPr>
+        <p:blipFill>
+          <a:blip r:embed="rId4">
+            <a:extLst>
+              <a:ext uri="{28A0092B-C50C-407E-A947-70E740481C1C}">
+                <a14:useLocalDpi xmlns:a14="http://schemas.microsoft.com/office/drawing/2010/main" val="0"/>
+              </a:ext>
+            </a:extLst>
+          </a:blip>
+          <a:srcRect/>
+          <a:stretch>
+            <a:fillRect/>
+          </a:stretch>
+        </p:blipFill>
+        <p:spPr bwMode="auto">
+          <a:xfrm>
+            <a:off x="1619505" y="3906829"/>
+            <a:ext cx="518865" cy="518865"/>
+          </a:xfrm>
+          <a:prstGeom prst="rect">
+            <a:avLst/>
+          </a:prstGeom>
+          <a:noFill/>
+          <a:extLst>
+            <a:ext uri="{909E8E84-426E-40DD-AFC4-6F175D3DCCD1}">
+              <a14:hiddenFill xmlns:a14="http://schemas.microsoft.com/office/drawing/2010/main">
+                <a:solidFill>
+                  <a:srgbClr val="FFFFFF"/>
+                </a:solidFill>
+              </a14:hiddenFill>
+            </a:ext>
+          </a:extLst>
+        </p:spPr>
+      </p:pic>
+      <p:cxnSp>
+        <p:nvCxnSpPr>
+          <p:cNvPr id="21" name="Straight Connector 20"/>
+          <p:cNvCxnSpPr/>
+          <p:nvPr/>
+        </p:nvCxnSpPr>
+        <p:spPr>
+          <a:xfrm flipH="1">
+            <a:off x="1362695" y="3626708"/>
+            <a:ext cx="1048898" cy="1015011"/>
+          </a:xfrm>
+          <a:prstGeom prst="line">
+            <a:avLst/>
+          </a:prstGeom>
+        </p:spPr>
+        <p:style>
+          <a:lnRef idx="1">
+            <a:schemeClr val="accent1"/>
+          </a:lnRef>
+          <a:fillRef idx="0">
+            <a:schemeClr val="accent1"/>
+          </a:fillRef>
+          <a:effectRef idx="0">
+            <a:schemeClr val="accent1"/>
+          </a:effectRef>
+          <a:fontRef idx="minor">
+            <a:schemeClr val="tx1"/>
+          </a:fontRef>
+        </p:style>
+      </p:cxnSp>
+      <p:pic>
+        <p:nvPicPr>
+          <p:cNvPr id="1029" name="Picture 5" descr="C:\GITHUB\incodehq\incode-module-communications\module\src\main\java\org\incode\module\communications\dom\impl\comms\Communication-email.png"/>
+          <p:cNvPicPr>
+            <a:picLocks noChangeAspect="1" noChangeArrowheads="1"/>
+          </p:cNvPicPr>
+          <p:nvPr/>
+        </p:nvPicPr>
+        <p:blipFill>
+          <a:blip r:embed="rId5">
+            <a:extLst>
+              <a:ext uri="{28A0092B-C50C-407E-A947-70E740481C1C}">
+                <a14:useLocalDpi xmlns:a14="http://schemas.microsoft.com/office/drawing/2010/main" val="0"/>
+              </a:ext>
+            </a:extLst>
+          </a:blip>
+          <a:srcRect/>
+          <a:stretch>
+            <a:fillRect/>
+          </a:stretch>
+        </p:blipFill>
+        <p:spPr bwMode="auto">
+          <a:xfrm>
+            <a:off x="6732240" y="2449322"/>
+            <a:ext cx="1163127" cy="1163127"/>
+          </a:xfrm>
+          <a:prstGeom prst="rect">
+            <a:avLst/>
+          </a:prstGeom>
+          <a:noFill/>
+          <a:extLst>
+            <a:ext uri="{909E8E84-426E-40DD-AFC4-6F175D3DCCD1}">
+              <a14:hiddenFill xmlns:a14="http://schemas.microsoft.com/office/drawing/2010/main">
+                <a:solidFill>
+                  <a:srgbClr val="FFFFFF"/>
+                </a:solidFill>
+              </a14:hiddenFill>
+            </a:ext>
+          </a:extLst>
+        </p:spPr>
+      </p:pic>
+      <p:sp>
+        <p:nvSpPr>
+          <p:cNvPr id="24" name="TextBox 23"/>
+          <p:cNvSpPr txBox="1"/>
+          <p:nvPr/>
+        </p:nvSpPr>
+        <p:spPr>
+          <a:xfrm>
+            <a:off x="6643394" y="3410684"/>
+            <a:ext cx="1673022" cy="646331"/>
+          </a:xfrm>
+          <a:prstGeom prst="rect">
+            <a:avLst/>
+          </a:prstGeom>
+          <a:noFill/>
+        </p:spPr>
+        <p:txBody>
+          <a:bodyPr wrap="none" rtlCol="0">
+            <a:spAutoFit/>
+          </a:bodyPr>
+          <a:lstStyle/>
+          <a:p>
+            <a:r>
+              <a:rPr lang="en-GB" dirty="0" smtClean="0"/>
+              <a:t>(Post)</a:t>
+            </a:r>
+          </a:p>
+          <a:p>
+            <a:r>
+              <a:rPr lang="en-GB" dirty="0" smtClean="0"/>
+              <a:t>Communication</a:t>
+            </a:r>
+            <a:endParaRPr lang="en-GB" dirty="0"/>
+          </a:p>
+        </p:txBody>
+      </p:sp>
+      <p:pic>
+        <p:nvPicPr>
+          <p:cNvPr id="27" name="Picture 4" descr="C:\GITHUB\incodehq\incode-module-document\dom\src\main\java\org\incode\module\document\dom\impl\paperclips\Paperclip.png"/>
+          <p:cNvPicPr>
+            <a:picLocks noChangeAspect="1" noChangeArrowheads="1"/>
+          </p:cNvPicPr>
+          <p:nvPr/>
+        </p:nvPicPr>
+        <p:blipFill>
+          <a:blip r:embed="rId4">
+            <a:extLst>
+              <a:ext uri="{28A0092B-C50C-407E-A947-70E740481C1C}">
+                <a14:useLocalDpi xmlns:a14="http://schemas.microsoft.com/office/drawing/2010/main" val="0"/>
+              </a:ext>
+            </a:extLst>
+          </a:blip>
+          <a:srcRect/>
+          <a:stretch>
+            <a:fillRect/>
+          </a:stretch>
+        </p:blipFill>
+        <p:spPr bwMode="auto">
+          <a:xfrm>
+            <a:off x="4460367" y="2766119"/>
+            <a:ext cx="518865" cy="518865"/>
+          </a:xfrm>
+          <a:prstGeom prst="rect">
+            <a:avLst/>
+          </a:prstGeom>
+          <a:noFill/>
+          <a:extLst>
+            <a:ext uri="{909E8E84-426E-40DD-AFC4-6F175D3DCCD1}">
+              <a14:hiddenFill xmlns:a14="http://schemas.microsoft.com/office/drawing/2010/main">
+                <a:solidFill>
+                  <a:srgbClr val="FFFFFF"/>
+                </a:solidFill>
+              </a14:hiddenFill>
+            </a:ext>
+          </a:extLst>
+        </p:spPr>
+      </p:pic>
+      <p:cxnSp>
+        <p:nvCxnSpPr>
+          <p:cNvPr id="29" name="Straight Connector 28"/>
+          <p:cNvCxnSpPr/>
+          <p:nvPr/>
+        </p:nvCxnSpPr>
+        <p:spPr>
+          <a:xfrm>
+            <a:off x="1227230" y="1539961"/>
+            <a:ext cx="1048898" cy="1015011"/>
+          </a:xfrm>
+          <a:prstGeom prst="line">
+            <a:avLst/>
+          </a:prstGeom>
+        </p:spPr>
+        <p:style>
+          <a:lnRef idx="1">
+            <a:schemeClr val="accent1"/>
+          </a:lnRef>
+          <a:fillRef idx="0">
+            <a:schemeClr val="accent1"/>
+          </a:fillRef>
+          <a:effectRef idx="0">
+            <a:schemeClr val="accent1"/>
+          </a:effectRef>
+          <a:fontRef idx="minor">
+            <a:schemeClr val="tx1"/>
+          </a:fontRef>
+        </p:style>
+      </p:cxnSp>
+      <p:cxnSp>
+        <p:nvCxnSpPr>
+          <p:cNvPr id="30" name="Straight Connector 29"/>
+          <p:cNvCxnSpPr/>
+          <p:nvPr/>
+        </p:nvCxnSpPr>
+        <p:spPr>
+          <a:xfrm>
+            <a:off x="3380247" y="3004718"/>
+            <a:ext cx="3096344" cy="26167"/>
+          </a:xfrm>
+          <a:prstGeom prst="line">
+            <a:avLst/>
+          </a:prstGeom>
+        </p:spPr>
+        <p:style>
+          <a:lnRef idx="1">
+            <a:schemeClr val="accent1"/>
+          </a:lnRef>
+          <a:fillRef idx="0">
+            <a:schemeClr val="accent1"/>
+          </a:fillRef>
+          <a:effectRef idx="0">
+            <a:schemeClr val="accent1"/>
+          </a:effectRef>
+          <a:fontRef idx="minor">
+            <a:schemeClr val="tx1"/>
+          </a:fontRef>
+        </p:style>
+      </p:cxnSp>
+      <p:pic>
+        <p:nvPicPr>
+          <p:cNvPr id="25" name="Picture 4" descr="C:\GITHUB\incodehq\incode-module-document\dom\src\main\java\org\incode\module\document\dom\impl\paperclips\Paperclip.png"/>
+          <p:cNvPicPr>
+            <a:picLocks noChangeAspect="1" noChangeArrowheads="1"/>
+          </p:cNvPicPr>
+          <p:nvPr/>
+        </p:nvPicPr>
+        <p:blipFill>
+          <a:blip r:embed="rId4">
+            <a:extLst>
+              <a:ext uri="{28A0092B-C50C-407E-A947-70E740481C1C}">
+                <a14:useLocalDpi xmlns:a14="http://schemas.microsoft.com/office/drawing/2010/main" val="0"/>
+              </a:ext>
+            </a:extLst>
+          </a:blip>
+          <a:srcRect/>
+          <a:stretch>
+            <a:fillRect/>
+          </a:stretch>
+        </p:blipFill>
+        <p:spPr bwMode="auto">
+          <a:xfrm>
+            <a:off x="3596601" y="4206279"/>
+            <a:ext cx="518865" cy="518865"/>
+          </a:xfrm>
+          <a:prstGeom prst="rect">
+            <a:avLst/>
+          </a:prstGeom>
+          <a:noFill/>
+          <a:extLst>
+            <a:ext uri="{909E8E84-426E-40DD-AFC4-6F175D3DCCD1}">
+              <a14:hiddenFill xmlns:a14="http://schemas.microsoft.com/office/drawing/2010/main">
+                <a:solidFill>
+                  <a:srgbClr val="FFFFFF"/>
+                </a:solidFill>
+              </a14:hiddenFill>
+            </a:ext>
+          </a:extLst>
+        </p:spPr>
+      </p:pic>
+      <p:cxnSp>
+        <p:nvCxnSpPr>
+          <p:cNvPr id="31" name="Straight Connector 30"/>
+          <p:cNvCxnSpPr/>
+          <p:nvPr/>
+        </p:nvCxnSpPr>
+        <p:spPr>
+          <a:xfrm flipV="1">
+            <a:off x="2053048" y="3337233"/>
+            <a:ext cx="4391160" cy="1890007"/>
+          </a:xfrm>
+          <a:prstGeom prst="line">
+            <a:avLst/>
+          </a:prstGeom>
+        </p:spPr>
+        <p:style>
+          <a:lnRef idx="1">
+            <a:schemeClr val="accent1"/>
+          </a:lnRef>
+          <a:fillRef idx="0">
+            <a:schemeClr val="accent1"/>
+          </a:fillRef>
+          <a:effectRef idx="0">
+            <a:schemeClr val="accent1"/>
+          </a:effectRef>
+          <a:fontRef idx="minor">
+            <a:schemeClr val="tx1"/>
+          </a:fontRef>
+        </p:style>
+      </p:cxnSp>
+      <p:sp>
+        <p:nvSpPr>
+          <p:cNvPr id="32" name="TextBox 31"/>
+          <p:cNvSpPr txBox="1"/>
+          <p:nvPr/>
+        </p:nvSpPr>
+        <p:spPr>
+          <a:xfrm>
+            <a:off x="3203848" y="188640"/>
+            <a:ext cx="2973250" cy="646331"/>
+          </a:xfrm>
+          <a:prstGeom prst="rect">
+            <a:avLst/>
+          </a:prstGeom>
+          <a:noFill/>
+        </p:spPr>
+        <p:txBody>
+          <a:bodyPr wrap="none" rtlCol="0">
+            <a:spAutoFit/>
+          </a:bodyPr>
+          <a:lstStyle/>
+          <a:p>
+            <a:r>
+              <a:rPr lang="en-GB" sz="3600" dirty="0" smtClean="0">
+                <a:solidFill>
+                  <a:srgbClr val="00B050"/>
+                </a:solidFill>
+              </a:rPr>
+              <a:t>“Send by Post”</a:t>
+            </a:r>
+            <a:endParaRPr lang="en-GB" sz="3600" dirty="0">
+              <a:solidFill>
+                <a:srgbClr val="00B050"/>
+              </a:solidFill>
+            </a:endParaRPr>
+          </a:p>
+        </p:txBody>
+      </p:sp>
+      <p:pic>
+        <p:nvPicPr>
+          <p:cNvPr id="22" name="Picture 4" descr="C:\GITHUB\incodehq\incode-module-document\dom\src\main\java\org\incode\module\document\dom\impl\paperclips\Paperclip.png"/>
+          <p:cNvPicPr>
+            <a:picLocks noChangeAspect="1" noChangeArrowheads="1"/>
+          </p:cNvPicPr>
+          <p:nvPr/>
+        </p:nvPicPr>
+        <p:blipFill>
+          <a:blip r:embed="rId4">
+            <a:extLst>
+              <a:ext uri="{28A0092B-C50C-407E-A947-70E740481C1C}">
+                <a14:useLocalDpi xmlns:a14="http://schemas.microsoft.com/office/drawing/2010/main" val="0"/>
+              </a:ext>
+            </a:extLst>
+          </a:blip>
+          <a:srcRect/>
+          <a:stretch>
+            <a:fillRect/>
+          </a:stretch>
+        </p:blipFill>
+        <p:spPr bwMode="auto">
+          <a:xfrm>
+            <a:off x="780858" y="2767814"/>
+            <a:ext cx="518865" cy="518865"/>
+          </a:xfrm>
+          <a:prstGeom prst="rect">
+            <a:avLst/>
+          </a:prstGeom>
+          <a:noFill/>
+          <a:extLst>
+            <a:ext uri="{909E8E84-426E-40DD-AFC4-6F175D3DCCD1}">
+              <a14:hiddenFill xmlns:a14="http://schemas.microsoft.com/office/drawing/2010/main">
+                <a:solidFill>
+                  <a:srgbClr val="FFFFFF"/>
+                </a:solidFill>
+              </a14:hiddenFill>
+            </a:ext>
+          </a:extLst>
+        </p:spPr>
+      </p:pic>
+      <p:cxnSp>
+        <p:nvCxnSpPr>
+          <p:cNvPr id="23" name="Straight Connector 22"/>
+          <p:cNvCxnSpPr/>
+          <p:nvPr/>
+        </p:nvCxnSpPr>
+        <p:spPr>
+          <a:xfrm>
+            <a:off x="827584" y="1412776"/>
+            <a:ext cx="535111" cy="3228943"/>
+          </a:xfrm>
+          <a:prstGeom prst="line">
+            <a:avLst/>
+          </a:prstGeom>
+        </p:spPr>
+        <p:style>
+          <a:lnRef idx="1">
+            <a:schemeClr val="accent1"/>
+          </a:lnRef>
+          <a:fillRef idx="0">
+            <a:schemeClr val="accent1"/>
+          </a:fillRef>
+          <a:effectRef idx="0">
+            <a:schemeClr val="accent1"/>
+          </a:effectRef>
+          <a:fontRef idx="minor">
+            <a:schemeClr val="tx1"/>
+          </a:fontRef>
+        </p:style>
+      </p:cxnSp>
+    </p:spTree>
+    <p:extLst>
+      <p:ext uri="{BB962C8B-B14F-4D97-AF65-F5344CB8AC3E}">
+        <p14:creationId xmlns:p14="http://schemas.microsoft.com/office/powerpoint/2010/main" val="4126229046"/>
+      </p:ext>
+    </p:extLst>
+  </p:cSld>
+  <p:clrMapOvr>
+    <a:masterClrMapping/>
+  </p:clrMapOvr>
+  <p:timing>
+    <p:tnLst>
+      <p:par>
+        <p:cTn id="1" dur="indefinite" restart="never" nodeType="tmRoot"/>
+      </p:par>
+    </p:tnLst>
+  </p:timing>
+</p:sld>
+</file>
+
+<file path=ppt/slides/slide17.xml><?xml version="1.0" encoding="utf-8"?>
+<p:sld xmlns:a="http://schemas.openxmlformats.org/drawingml/2006/main" xmlns:r="http://schemas.openxmlformats.org/officeDocument/2006/relationships" xmlns:p="http://schemas.openxmlformats.org/presentationml/2006/main">
+  <p:cSld>
+    <p:spTree>
+      <p:nvGrpSpPr>
+        <p:cNvPr id="1" name=""/>
+        <p:cNvGrpSpPr/>
+        <p:nvPr/>
+      </p:nvGrpSpPr>
+      <p:grpSpPr>
+        <a:xfrm>
+          <a:off x="0" y="0"/>
+          <a:ext cx="0" cy="0"/>
+          <a:chOff x="0" y="0"/>
+          <a:chExt cx="0" cy="0"/>
+        </a:xfrm>
+      </p:grpSpPr>
+      <p:pic>
+        <p:nvPicPr>
+          <p:cNvPr id="1026" name="Picture 2" descr="C:\GITHUB\estatio\estatio\estatioapp\module\invoice\dom\src\main\java\org\estatio\dom\invoice\Invoice.png"/>
+          <p:cNvPicPr>
+            <a:picLocks noChangeAspect="1" noChangeArrowheads="1"/>
+          </p:cNvPicPr>
+          <p:nvPr/>
+        </p:nvPicPr>
+        <p:blipFill>
+          <a:blip r:embed="rId2">
+            <a:extLst>
+              <a:ext uri="{28A0092B-C50C-407E-A947-70E740481C1C}">
+                <a14:useLocalDpi xmlns:a14="http://schemas.microsoft.com/office/drawing/2010/main" val="0"/>
+              </a:ext>
+            </a:extLst>
+          </a:blip>
+          <a:srcRect/>
+          <a:stretch>
+            <a:fillRect/>
+          </a:stretch>
+        </p:blipFill>
+        <p:spPr bwMode="auto">
+          <a:xfrm>
+            <a:off x="211895" y="332656"/>
+            <a:ext cx="916260" cy="916260"/>
+          </a:xfrm>
+          <a:prstGeom prst="rect">
+            <a:avLst/>
+          </a:prstGeom>
+          <a:noFill/>
+          <a:extLst>
+            <a:ext uri="{909E8E84-426E-40DD-AFC4-6F175D3DCCD1}">
+              <a14:hiddenFill xmlns:a14="http://schemas.microsoft.com/office/drawing/2010/main">
+                <a:solidFill>
+                  <a:srgbClr val="FFFFFF"/>
+                </a:solidFill>
+              </a14:hiddenFill>
+            </a:ext>
+          </a:extLst>
+        </p:spPr>
+      </p:pic>
+      <p:sp>
+        <p:nvSpPr>
+          <p:cNvPr id="9" name="TextBox 8"/>
+          <p:cNvSpPr txBox="1"/>
+          <p:nvPr/>
+        </p:nvSpPr>
+        <p:spPr>
+          <a:xfrm>
+            <a:off x="1140729" y="332656"/>
+            <a:ext cx="850361" cy="369332"/>
+          </a:xfrm>
+          <a:prstGeom prst="rect">
+            <a:avLst/>
+          </a:prstGeom>
+          <a:noFill/>
+        </p:spPr>
+        <p:txBody>
+          <a:bodyPr wrap="none" rtlCol="0">
+            <a:spAutoFit/>
+          </a:bodyPr>
+          <a:lstStyle/>
+          <a:p>
+            <a:r>
+              <a:rPr lang="en-GB" dirty="0" smtClean="0"/>
+              <a:t>Invoice</a:t>
+            </a:r>
+            <a:endParaRPr lang="en-GB" dirty="0"/>
+          </a:p>
+        </p:txBody>
+      </p:sp>
+      <p:pic>
+        <p:nvPicPr>
+          <p:cNvPr id="1027" name="Picture 3" descr="C:\GITHUB\incodehq\incode-module-document\dom\src\main\java\org\incode\module\document\dom\impl\docs\Document-pdf.png"/>
+          <p:cNvPicPr>
+            <a:picLocks noChangeAspect="1" noChangeArrowheads="1"/>
+          </p:cNvPicPr>
+          <p:nvPr/>
+        </p:nvPicPr>
+        <p:blipFill>
+          <a:blip r:embed="rId3">
+            <a:extLst>
+              <a:ext uri="{28A0092B-C50C-407E-A947-70E740481C1C}">
+                <a14:useLocalDpi xmlns:a14="http://schemas.microsoft.com/office/drawing/2010/main" val="0"/>
+              </a:ext>
+            </a:extLst>
+          </a:blip>
+          <a:srcRect/>
+          <a:stretch>
+            <a:fillRect/>
+          </a:stretch>
+        </p:blipFill>
+        <p:spPr bwMode="auto">
+          <a:xfrm>
+            <a:off x="2363960" y="2546588"/>
+            <a:ext cx="916260" cy="916260"/>
+          </a:xfrm>
+          <a:prstGeom prst="rect">
+            <a:avLst/>
+          </a:prstGeom>
+          <a:noFill/>
+          <a:extLst>
+            <a:ext uri="{909E8E84-426E-40DD-AFC4-6F175D3DCCD1}">
+              <a14:hiddenFill xmlns:a14="http://schemas.microsoft.com/office/drawing/2010/main">
+                <a:solidFill>
+                  <a:srgbClr val="FFFFFF"/>
+                </a:solidFill>
+              </a14:hiddenFill>
+            </a:ext>
+          </a:extLst>
+        </p:spPr>
+      </p:pic>
+      <p:sp>
+        <p:nvSpPr>
+          <p:cNvPr id="12" name="TextBox 11"/>
+          <p:cNvSpPr txBox="1"/>
+          <p:nvPr/>
+        </p:nvSpPr>
+        <p:spPr>
+          <a:xfrm>
+            <a:off x="2372135" y="3484433"/>
+            <a:ext cx="1165191" cy="646331"/>
+          </a:xfrm>
+          <a:prstGeom prst="rect">
+            <a:avLst/>
+          </a:prstGeom>
+          <a:noFill/>
+        </p:spPr>
+        <p:txBody>
+          <a:bodyPr wrap="none" rtlCol="0">
+            <a:spAutoFit/>
+          </a:bodyPr>
+          <a:lstStyle/>
+          <a:p>
+            <a:r>
+              <a:rPr lang="en-GB" dirty="0" smtClean="0"/>
+              <a:t>(Invoice)</a:t>
+            </a:r>
+          </a:p>
+          <a:p>
+            <a:r>
+              <a:rPr lang="en-GB" dirty="0" smtClean="0"/>
+              <a:t>Document</a:t>
+            </a:r>
+            <a:endParaRPr lang="en-GB" dirty="0"/>
+          </a:p>
+        </p:txBody>
+      </p:sp>
+      <p:pic>
+        <p:nvPicPr>
+          <p:cNvPr id="13" name="Picture 3" descr="C:\GITHUB\incodehq\incode-module-document\dom\src\main\java\org\incode\module\document\dom\impl\docs\Document-pdf.png"/>
+          <p:cNvPicPr>
+            <a:picLocks noChangeAspect="1" noChangeArrowheads="1"/>
+          </p:cNvPicPr>
+          <p:nvPr/>
+        </p:nvPicPr>
+        <p:blipFill>
+          <a:blip r:embed="rId3">
+            <a:extLst>
+              <a:ext uri="{28A0092B-C50C-407E-A947-70E740481C1C}">
+                <a14:useLocalDpi xmlns:a14="http://schemas.microsoft.com/office/drawing/2010/main" val="0"/>
+              </a:ext>
+            </a:extLst>
+          </a:blip>
+          <a:srcRect/>
+          <a:stretch>
+            <a:fillRect/>
+          </a:stretch>
+        </p:blipFill>
+        <p:spPr bwMode="auto">
+          <a:xfrm>
+            <a:off x="827584" y="4785735"/>
+            <a:ext cx="916260" cy="916260"/>
+          </a:xfrm>
+          <a:prstGeom prst="rect">
+            <a:avLst/>
+          </a:prstGeom>
+          <a:noFill/>
+          <a:extLst>
+            <a:ext uri="{909E8E84-426E-40DD-AFC4-6F175D3DCCD1}">
+              <a14:hiddenFill xmlns:a14="http://schemas.microsoft.com/office/drawing/2010/main">
+                <a:solidFill>
+                  <a:srgbClr val="FFFFFF"/>
+                </a:solidFill>
+              </a14:hiddenFill>
+            </a:ext>
+          </a:extLst>
+        </p:spPr>
+      </p:pic>
+      <p:sp>
+        <p:nvSpPr>
+          <p:cNvPr id="14" name="TextBox 13"/>
+          <p:cNvSpPr txBox="1"/>
+          <p:nvPr/>
+        </p:nvSpPr>
+        <p:spPr>
+          <a:xfrm>
+            <a:off x="715951" y="5733913"/>
+            <a:ext cx="1337097" cy="646331"/>
+          </a:xfrm>
+          <a:prstGeom prst="rect">
+            <a:avLst/>
+          </a:prstGeom>
+          <a:noFill/>
+        </p:spPr>
+        <p:txBody>
+          <a:bodyPr wrap="none" rtlCol="0">
+            <a:spAutoFit/>
+          </a:bodyPr>
+          <a:lstStyle/>
+          <a:p>
+            <a:pPr algn="ctr"/>
+            <a:r>
+              <a:rPr lang="en-GB" dirty="0" smtClean="0"/>
+              <a:t>(Tax receipt)</a:t>
+            </a:r>
+          </a:p>
+          <a:p>
+            <a:pPr algn="ctr"/>
+            <a:r>
+              <a:rPr lang="en-GB" dirty="0" smtClean="0"/>
+              <a:t>Document</a:t>
+            </a:r>
+            <a:endParaRPr lang="en-GB" dirty="0"/>
+          </a:p>
+        </p:txBody>
+      </p:sp>
+      <p:pic>
+        <p:nvPicPr>
+          <p:cNvPr id="1028" name="Picture 4" descr="C:\GITHUB\incodehq\incode-module-document\dom\src\main\java\org\incode\module\document\dom\impl\paperclips\Paperclip.png"/>
+          <p:cNvPicPr>
+            <a:picLocks noChangeAspect="1" noChangeArrowheads="1"/>
+          </p:cNvPicPr>
+          <p:nvPr/>
+        </p:nvPicPr>
+        <p:blipFill>
+          <a:blip r:embed="rId4">
+            <a:extLst>
+              <a:ext uri="{28A0092B-C50C-407E-A947-70E740481C1C}">
+                <a14:useLocalDpi xmlns:a14="http://schemas.microsoft.com/office/drawing/2010/main" val="0"/>
+              </a:ext>
+            </a:extLst>
+          </a:blip>
+          <a:srcRect/>
+          <a:stretch>
+            <a:fillRect/>
+          </a:stretch>
+        </p:blipFill>
+        <p:spPr bwMode="auto">
+          <a:xfrm>
+            <a:off x="1331640" y="1667682"/>
+            <a:ext cx="518865" cy="518865"/>
+          </a:xfrm>
+          <a:prstGeom prst="rect">
+            <a:avLst/>
+          </a:prstGeom>
+          <a:noFill/>
+          <a:extLst>
+            <a:ext uri="{909E8E84-426E-40DD-AFC4-6F175D3DCCD1}">
+              <a14:hiddenFill xmlns:a14="http://schemas.microsoft.com/office/drawing/2010/main">
+                <a:solidFill>
+                  <a:srgbClr val="FFFFFF"/>
+                </a:solidFill>
+              </a14:hiddenFill>
+            </a:ext>
+          </a:extLst>
+        </p:spPr>
+      </p:pic>
+      <p:cxnSp>
+        <p:nvCxnSpPr>
+          <p:cNvPr id="11" name="Straight Connector 10"/>
+          <p:cNvCxnSpPr/>
+          <p:nvPr/>
+        </p:nvCxnSpPr>
+        <p:spPr>
+          <a:xfrm>
+            <a:off x="1074830" y="1387561"/>
+            <a:ext cx="1048898" cy="1015011"/>
+          </a:xfrm>
+          <a:prstGeom prst="line">
+            <a:avLst/>
+          </a:prstGeom>
+        </p:spPr>
+        <p:style>
+          <a:lnRef idx="1">
+            <a:schemeClr val="accent1"/>
+          </a:lnRef>
+          <a:fillRef idx="0">
+            <a:schemeClr val="accent1"/>
+          </a:fillRef>
+          <a:effectRef idx="0">
+            <a:schemeClr val="accent1"/>
+          </a:effectRef>
+          <a:fontRef idx="minor">
+            <a:schemeClr val="tx1"/>
+          </a:fontRef>
+        </p:style>
+      </p:cxnSp>
+      <p:pic>
+        <p:nvPicPr>
+          <p:cNvPr id="20" name="Picture 4" descr="C:\GITHUB\incodehq\incode-module-document\dom\src\main\java\org\incode\module\document\dom\impl\paperclips\Paperclip.png"/>
+          <p:cNvPicPr>
+            <a:picLocks noChangeAspect="1" noChangeArrowheads="1"/>
+          </p:cNvPicPr>
+          <p:nvPr/>
+        </p:nvPicPr>
+        <p:blipFill>
+          <a:blip r:embed="rId4">
+            <a:extLst>
+              <a:ext uri="{28A0092B-C50C-407E-A947-70E740481C1C}">
+                <a14:useLocalDpi xmlns:a14="http://schemas.microsoft.com/office/drawing/2010/main" val="0"/>
+              </a:ext>
+            </a:extLst>
+          </a:blip>
+          <a:srcRect/>
+          <a:stretch>
+            <a:fillRect/>
+          </a:stretch>
+        </p:blipFill>
+        <p:spPr bwMode="auto">
+          <a:xfrm>
+            <a:off x="1619505" y="3906829"/>
+            <a:ext cx="518865" cy="518865"/>
+          </a:xfrm>
+          <a:prstGeom prst="rect">
+            <a:avLst/>
+          </a:prstGeom>
+          <a:noFill/>
+          <a:extLst>
+            <a:ext uri="{909E8E84-426E-40DD-AFC4-6F175D3DCCD1}">
+              <a14:hiddenFill xmlns:a14="http://schemas.microsoft.com/office/drawing/2010/main">
+                <a:solidFill>
+                  <a:srgbClr val="FFFFFF"/>
+                </a:solidFill>
+              </a14:hiddenFill>
+            </a:ext>
+          </a:extLst>
+        </p:spPr>
+      </p:pic>
+      <p:cxnSp>
+        <p:nvCxnSpPr>
+          <p:cNvPr id="21" name="Straight Connector 20"/>
+          <p:cNvCxnSpPr/>
+          <p:nvPr/>
+        </p:nvCxnSpPr>
+        <p:spPr>
+          <a:xfrm flipH="1">
+            <a:off x="1362695" y="3626708"/>
+            <a:ext cx="1048898" cy="1015011"/>
+          </a:xfrm>
+          <a:prstGeom prst="line">
+            <a:avLst/>
+          </a:prstGeom>
+        </p:spPr>
+        <p:style>
+          <a:lnRef idx="1">
+            <a:schemeClr val="accent1"/>
+          </a:lnRef>
+          <a:fillRef idx="0">
+            <a:schemeClr val="accent1"/>
+          </a:fillRef>
+          <a:effectRef idx="0">
+            <a:schemeClr val="accent1"/>
+          </a:effectRef>
+          <a:fontRef idx="minor">
+            <a:schemeClr val="tx1"/>
+          </a:fontRef>
+        </p:style>
+      </p:cxnSp>
+      <p:pic>
+        <p:nvPicPr>
+          <p:cNvPr id="1029" name="Picture 5" descr="C:\GITHUB\incodehq\incode-module-communications\module\src\main\java\org\incode\module\communications\dom\impl\comms\Communication-email.png"/>
+          <p:cNvPicPr>
+            <a:picLocks noChangeAspect="1" noChangeArrowheads="1"/>
+          </p:cNvPicPr>
+          <p:nvPr/>
+        </p:nvPicPr>
+        <p:blipFill>
+          <a:blip r:embed="rId5">
+            <a:extLst>
+              <a:ext uri="{28A0092B-C50C-407E-A947-70E740481C1C}">
+                <a14:useLocalDpi xmlns:a14="http://schemas.microsoft.com/office/drawing/2010/main" val="0"/>
+              </a:ext>
+            </a:extLst>
+          </a:blip>
+          <a:srcRect/>
+          <a:stretch>
+            <a:fillRect/>
+          </a:stretch>
+        </p:blipFill>
+        <p:spPr bwMode="auto">
+          <a:xfrm>
+            <a:off x="6732240" y="2449322"/>
+            <a:ext cx="1163127" cy="1163127"/>
+          </a:xfrm>
+          <a:prstGeom prst="rect">
+            <a:avLst/>
+          </a:prstGeom>
+          <a:noFill/>
+          <a:extLst>
+            <a:ext uri="{909E8E84-426E-40DD-AFC4-6F175D3DCCD1}">
+              <a14:hiddenFill xmlns:a14="http://schemas.microsoft.com/office/drawing/2010/main">
+                <a:solidFill>
+                  <a:srgbClr val="FFFFFF"/>
+                </a:solidFill>
+              </a14:hiddenFill>
+            </a:ext>
+          </a:extLst>
+        </p:spPr>
+      </p:pic>
+      <p:sp>
+        <p:nvSpPr>
+          <p:cNvPr id="24" name="TextBox 23"/>
+          <p:cNvSpPr txBox="1"/>
+          <p:nvPr/>
+        </p:nvSpPr>
+        <p:spPr>
+          <a:xfrm>
+            <a:off x="6643394" y="3410684"/>
+            <a:ext cx="1673022" cy="646331"/>
+          </a:xfrm>
+          <a:prstGeom prst="rect">
+            <a:avLst/>
+          </a:prstGeom>
+          <a:noFill/>
+        </p:spPr>
+        <p:txBody>
+          <a:bodyPr wrap="none" rtlCol="0">
+            <a:spAutoFit/>
+          </a:bodyPr>
+          <a:lstStyle/>
+          <a:p>
+            <a:r>
+              <a:rPr lang="en-GB" dirty="0" smtClean="0"/>
+              <a:t>(Email)</a:t>
+            </a:r>
+          </a:p>
+          <a:p>
+            <a:r>
+              <a:rPr lang="en-GB" dirty="0" smtClean="0"/>
+              <a:t>Communication</a:t>
+            </a:r>
+            <a:endParaRPr lang="en-GB" dirty="0"/>
+          </a:p>
+        </p:txBody>
+      </p:sp>
+      <p:pic>
+        <p:nvPicPr>
+          <p:cNvPr id="1030" name="Picture 6" descr="C:\GITHUB\incodehq\incode-module-document\dom\src\main\java\org\incode\module\document\dom\impl\docs\Document-html.png"/>
+          <p:cNvPicPr>
+            <a:picLocks noChangeAspect="1" noChangeArrowheads="1"/>
+          </p:cNvPicPr>
+          <p:nvPr/>
+        </p:nvPicPr>
+        <p:blipFill>
+          <a:blip r:embed="rId6">
+            <a:extLst>
+              <a:ext uri="{28A0092B-C50C-407E-A947-70E740481C1C}">
+                <a14:useLocalDpi xmlns:a14="http://schemas.microsoft.com/office/drawing/2010/main" val="0"/>
+              </a:ext>
+            </a:extLst>
+          </a:blip>
+          <a:srcRect/>
+          <a:stretch>
+            <a:fillRect/>
+          </a:stretch>
+        </p:blipFill>
+        <p:spPr bwMode="auto">
+          <a:xfrm>
+            <a:off x="4716016" y="4811548"/>
+            <a:ext cx="831384" cy="831384"/>
+          </a:xfrm>
+          <a:prstGeom prst="rect">
+            <a:avLst/>
+          </a:prstGeom>
+          <a:noFill/>
+          <a:extLst>
+            <a:ext uri="{909E8E84-426E-40DD-AFC4-6F175D3DCCD1}">
+              <a14:hiddenFill xmlns:a14="http://schemas.microsoft.com/office/drawing/2010/main">
+                <a:solidFill>
+                  <a:srgbClr val="FFFFFF"/>
+                </a:solidFill>
+              </a14:hiddenFill>
+            </a:ext>
+          </a:extLst>
+        </p:spPr>
+      </p:pic>
+      <p:sp>
+        <p:nvSpPr>
+          <p:cNvPr id="26" name="TextBox 25"/>
+          <p:cNvSpPr txBox="1"/>
+          <p:nvPr/>
+        </p:nvSpPr>
+        <p:spPr>
+          <a:xfrm>
+            <a:off x="4244343" y="5644673"/>
+            <a:ext cx="1892185" cy="646331"/>
+          </a:xfrm>
+          <a:prstGeom prst="rect">
+            <a:avLst/>
+          </a:prstGeom>
+          <a:noFill/>
+        </p:spPr>
+        <p:txBody>
+          <a:bodyPr wrap="none" rtlCol="0">
+            <a:spAutoFit/>
+          </a:bodyPr>
+          <a:lstStyle/>
+          <a:p>
+            <a:pPr algn="ctr"/>
+            <a:r>
+              <a:rPr lang="en-GB" dirty="0" smtClean="0"/>
+              <a:t>(Email cover note)</a:t>
+            </a:r>
+          </a:p>
+          <a:p>
+            <a:pPr algn="ctr"/>
+            <a:r>
+              <a:rPr lang="en-GB" dirty="0" smtClean="0"/>
+              <a:t>Document</a:t>
+            </a:r>
+            <a:endParaRPr lang="en-GB" dirty="0"/>
+          </a:p>
+        </p:txBody>
+      </p:sp>
+      <p:pic>
+        <p:nvPicPr>
+          <p:cNvPr id="27" name="Picture 4" descr="C:\GITHUB\incodehq\incode-module-document\dom\src\main\java\org\incode\module\document\dom\impl\paperclips\Paperclip.png"/>
+          <p:cNvPicPr>
+            <a:picLocks noChangeAspect="1" noChangeArrowheads="1"/>
+          </p:cNvPicPr>
+          <p:nvPr/>
+        </p:nvPicPr>
+        <p:blipFill>
+          <a:blip r:embed="rId4">
+            <a:extLst>
+              <a:ext uri="{28A0092B-C50C-407E-A947-70E740481C1C}">
+                <a14:useLocalDpi xmlns:a14="http://schemas.microsoft.com/office/drawing/2010/main" val="0"/>
+              </a:ext>
+            </a:extLst>
+          </a:blip>
+          <a:srcRect/>
+          <a:stretch>
+            <a:fillRect/>
+          </a:stretch>
+        </p:blipFill>
+        <p:spPr bwMode="auto">
+          <a:xfrm>
+            <a:off x="4460367" y="2766119"/>
+            <a:ext cx="518865" cy="518865"/>
+          </a:xfrm>
+          <a:prstGeom prst="rect">
+            <a:avLst/>
+          </a:prstGeom>
+          <a:noFill/>
+          <a:extLst>
+            <a:ext uri="{909E8E84-426E-40DD-AFC4-6F175D3DCCD1}">
+              <a14:hiddenFill xmlns:a14="http://schemas.microsoft.com/office/drawing/2010/main">
+                <a:solidFill>
+                  <a:srgbClr val="FFFFFF"/>
+                </a:solidFill>
+              </a14:hiddenFill>
+            </a:ext>
+          </a:extLst>
+        </p:spPr>
+      </p:pic>
+      <p:cxnSp>
+        <p:nvCxnSpPr>
+          <p:cNvPr id="29" name="Straight Connector 28"/>
+          <p:cNvCxnSpPr/>
+          <p:nvPr/>
+        </p:nvCxnSpPr>
+        <p:spPr>
+          <a:xfrm>
+            <a:off x="1227230" y="1539961"/>
+            <a:ext cx="1048898" cy="1015011"/>
+          </a:xfrm>
+          <a:prstGeom prst="line">
+            <a:avLst/>
+          </a:prstGeom>
+        </p:spPr>
+        <p:style>
+          <a:lnRef idx="1">
+            <a:schemeClr val="accent1"/>
+          </a:lnRef>
+          <a:fillRef idx="0">
+            <a:schemeClr val="accent1"/>
+          </a:fillRef>
+          <a:effectRef idx="0">
+            <a:schemeClr val="accent1"/>
+          </a:effectRef>
+          <a:fontRef idx="minor">
+            <a:schemeClr val="tx1"/>
+          </a:fontRef>
+        </p:style>
+      </p:cxnSp>
+      <p:cxnSp>
+        <p:nvCxnSpPr>
+          <p:cNvPr id="30" name="Straight Connector 29"/>
+          <p:cNvCxnSpPr/>
+          <p:nvPr/>
+        </p:nvCxnSpPr>
+        <p:spPr>
+          <a:xfrm>
+            <a:off x="3380247" y="3004718"/>
+            <a:ext cx="3096344" cy="26167"/>
+          </a:xfrm>
+          <a:prstGeom prst="line">
+            <a:avLst/>
+          </a:prstGeom>
+        </p:spPr>
+        <p:style>
+          <a:lnRef idx="1">
+            <a:schemeClr val="accent1"/>
+          </a:lnRef>
+          <a:fillRef idx="0">
+            <a:schemeClr val="accent1"/>
+          </a:fillRef>
+          <a:effectRef idx="0">
+            <a:schemeClr val="accent1"/>
+          </a:effectRef>
+          <a:fontRef idx="minor">
+            <a:schemeClr val="tx1"/>
+          </a:fontRef>
+        </p:style>
+      </p:cxnSp>
+      <p:pic>
+        <p:nvPicPr>
+          <p:cNvPr id="33" name="Picture 4" descr="C:\GITHUB\incodehq\incode-module-document\dom\src\main\java\org\incode\module\document\dom\impl\paperclips\Paperclip.png"/>
+          <p:cNvPicPr>
+            <a:picLocks noChangeAspect="1" noChangeArrowheads="1"/>
+          </p:cNvPicPr>
+          <p:nvPr/>
+        </p:nvPicPr>
+        <p:blipFill>
+          <a:blip r:embed="rId4">
+            <a:extLst>
+              <a:ext uri="{28A0092B-C50C-407E-A947-70E740481C1C}">
+                <a14:useLocalDpi xmlns:a14="http://schemas.microsoft.com/office/drawing/2010/main" val="0"/>
+              </a:ext>
+            </a:extLst>
+          </a:blip>
+          <a:srcRect/>
+          <a:stretch>
+            <a:fillRect/>
+          </a:stretch>
+        </p:blipFill>
+        <p:spPr bwMode="auto">
+          <a:xfrm>
+            <a:off x="5813710" y="3933056"/>
+            <a:ext cx="518865" cy="518865"/>
+          </a:xfrm>
+          <a:prstGeom prst="rect">
+            <a:avLst/>
+          </a:prstGeom>
+          <a:noFill/>
+          <a:extLst>
+            <a:ext uri="{909E8E84-426E-40DD-AFC4-6F175D3DCCD1}">
+              <a14:hiddenFill xmlns:a14="http://schemas.microsoft.com/office/drawing/2010/main">
+                <a:solidFill>
+                  <a:srgbClr val="FFFFFF"/>
+                </a:solidFill>
+              </a14:hiddenFill>
+            </a:ext>
+          </a:extLst>
+        </p:spPr>
+      </p:pic>
+      <p:cxnSp>
+        <p:nvCxnSpPr>
+          <p:cNvPr id="35" name="Straight Connector 34"/>
+          <p:cNvCxnSpPr/>
+          <p:nvPr/>
+        </p:nvCxnSpPr>
+        <p:spPr>
+          <a:xfrm flipH="1">
+            <a:off x="5571709" y="3638125"/>
+            <a:ext cx="1048898" cy="1015011"/>
+          </a:xfrm>
+          <a:prstGeom prst="line">
+            <a:avLst/>
+          </a:prstGeom>
+        </p:spPr>
+        <p:style>
+          <a:lnRef idx="1">
+            <a:schemeClr val="accent1"/>
+          </a:lnRef>
+          <a:fillRef idx="0">
+            <a:schemeClr val="accent1"/>
+          </a:fillRef>
+          <a:effectRef idx="0">
+            <a:schemeClr val="accent1"/>
+          </a:effectRef>
+          <a:fontRef idx="minor">
+            <a:schemeClr val="tx1"/>
+          </a:fontRef>
+        </p:style>
+      </p:cxnSp>
+      <p:pic>
+        <p:nvPicPr>
+          <p:cNvPr id="25" name="Picture 4" descr="C:\GITHUB\incodehq\incode-module-document\dom\src\main\java\org\incode\module\document\dom\impl\paperclips\Paperclip.png"/>
+          <p:cNvPicPr>
+            <a:picLocks noChangeAspect="1" noChangeArrowheads="1"/>
+          </p:cNvPicPr>
+          <p:nvPr/>
+        </p:nvPicPr>
+        <p:blipFill>
+          <a:blip r:embed="rId4">
+            <a:extLst>
+              <a:ext uri="{28A0092B-C50C-407E-A947-70E740481C1C}">
+                <a14:useLocalDpi xmlns:a14="http://schemas.microsoft.com/office/drawing/2010/main" val="0"/>
+              </a:ext>
+            </a:extLst>
+          </a:blip>
+          <a:srcRect/>
+          <a:stretch>
+            <a:fillRect/>
+          </a:stretch>
+        </p:blipFill>
+        <p:spPr bwMode="auto">
+          <a:xfrm>
+            <a:off x="3596601" y="4206279"/>
+            <a:ext cx="518865" cy="518865"/>
+          </a:xfrm>
+          <a:prstGeom prst="rect">
+            <a:avLst/>
+          </a:prstGeom>
+          <a:noFill/>
+          <a:extLst>
+            <a:ext uri="{909E8E84-426E-40DD-AFC4-6F175D3DCCD1}">
+              <a14:hiddenFill xmlns:a14="http://schemas.microsoft.com/office/drawing/2010/main">
+                <a:solidFill>
+                  <a:srgbClr val="FFFFFF"/>
+                </a:solidFill>
+              </a14:hiddenFill>
+            </a:ext>
+          </a:extLst>
+        </p:spPr>
+      </p:pic>
+      <p:cxnSp>
+        <p:nvCxnSpPr>
+          <p:cNvPr id="32" name="Straight Connector 31"/>
+          <p:cNvCxnSpPr/>
+          <p:nvPr/>
+        </p:nvCxnSpPr>
+        <p:spPr>
+          <a:xfrm flipV="1">
+            <a:off x="2053048" y="3337233"/>
+            <a:ext cx="4391160" cy="1890007"/>
+          </a:xfrm>
+          <a:prstGeom prst="line">
+            <a:avLst/>
+          </a:prstGeom>
+        </p:spPr>
+        <p:style>
+          <a:lnRef idx="1">
+            <a:schemeClr val="accent1"/>
+          </a:lnRef>
+          <a:fillRef idx="0">
+            <a:schemeClr val="accent1"/>
+          </a:fillRef>
+          <a:effectRef idx="0">
+            <a:schemeClr val="accent1"/>
+          </a:effectRef>
+          <a:fontRef idx="minor">
+            <a:schemeClr val="tx1"/>
+          </a:fontRef>
+        </p:style>
+      </p:cxnSp>
+      <p:sp>
+        <p:nvSpPr>
+          <p:cNvPr id="36" name="TextBox 35"/>
+          <p:cNvSpPr txBox="1"/>
+          <p:nvPr/>
+        </p:nvSpPr>
+        <p:spPr>
+          <a:xfrm>
+            <a:off x="3203848" y="188640"/>
+            <a:ext cx="3181640" cy="646331"/>
+          </a:xfrm>
+          <a:prstGeom prst="rect">
+            <a:avLst/>
+          </a:prstGeom>
+          <a:noFill/>
+        </p:spPr>
+        <p:txBody>
+          <a:bodyPr wrap="none" rtlCol="0">
+            <a:spAutoFit/>
+          </a:bodyPr>
+          <a:lstStyle/>
+          <a:p>
+            <a:r>
+              <a:rPr lang="en-GB" sz="3600" dirty="0" smtClean="0">
+                <a:solidFill>
+                  <a:srgbClr val="00B050"/>
+                </a:solidFill>
+              </a:rPr>
+              <a:t>“Send by Email”</a:t>
+            </a:r>
+            <a:endParaRPr lang="en-GB" sz="3600" dirty="0">
+              <a:solidFill>
+                <a:srgbClr val="00B050"/>
+              </a:solidFill>
+            </a:endParaRPr>
+          </a:p>
+        </p:txBody>
+      </p:sp>
+      <p:pic>
+        <p:nvPicPr>
+          <p:cNvPr id="28" name="Picture 4" descr="C:\GITHUB\incodehq\incode-module-document\dom\src\main\java\org\incode\module\document\dom\impl\paperclips\Paperclip.png"/>
+          <p:cNvPicPr>
+            <a:picLocks noChangeAspect="1" noChangeArrowheads="1"/>
+          </p:cNvPicPr>
+          <p:nvPr/>
+        </p:nvPicPr>
+        <p:blipFill>
+          <a:blip r:embed="rId4">
+            <a:extLst>
+              <a:ext uri="{28A0092B-C50C-407E-A947-70E740481C1C}">
+                <a14:useLocalDpi xmlns:a14="http://schemas.microsoft.com/office/drawing/2010/main" val="0"/>
+              </a:ext>
+            </a:extLst>
+          </a:blip>
+          <a:srcRect/>
+          <a:stretch>
+            <a:fillRect/>
+          </a:stretch>
+        </p:blipFill>
+        <p:spPr bwMode="auto">
+          <a:xfrm>
+            <a:off x="780858" y="2767814"/>
+            <a:ext cx="518865" cy="518865"/>
+          </a:xfrm>
+          <a:prstGeom prst="rect">
+            <a:avLst/>
+          </a:prstGeom>
+          <a:noFill/>
+          <a:extLst>
+            <a:ext uri="{909E8E84-426E-40DD-AFC4-6F175D3DCCD1}">
+              <a14:hiddenFill xmlns:a14="http://schemas.microsoft.com/office/drawing/2010/main">
+                <a:solidFill>
+                  <a:srgbClr val="FFFFFF"/>
+                </a:solidFill>
+              </a14:hiddenFill>
+            </a:ext>
+          </a:extLst>
+        </p:spPr>
+      </p:pic>
+      <p:cxnSp>
+        <p:nvCxnSpPr>
+          <p:cNvPr id="31" name="Straight Connector 30"/>
+          <p:cNvCxnSpPr/>
+          <p:nvPr/>
+        </p:nvCxnSpPr>
+        <p:spPr>
+          <a:xfrm>
+            <a:off x="827584" y="1412776"/>
+            <a:ext cx="535111" cy="3228943"/>
+          </a:xfrm>
+          <a:prstGeom prst="line">
+            <a:avLst/>
+          </a:prstGeom>
+        </p:spPr>
+        <p:style>
+          <a:lnRef idx="1">
+            <a:schemeClr val="accent1"/>
+          </a:lnRef>
+          <a:fillRef idx="0">
+            <a:schemeClr val="accent1"/>
+          </a:fillRef>
+          <a:effectRef idx="0">
+            <a:schemeClr val="accent1"/>
+          </a:effectRef>
+          <a:fontRef idx="minor">
+            <a:schemeClr val="tx1"/>
+          </a:fontRef>
+        </p:style>
+      </p:cxnSp>
+    </p:spTree>
+    <p:extLst>
+      <p:ext uri="{BB962C8B-B14F-4D97-AF65-F5344CB8AC3E}">
+        <p14:creationId xmlns:p14="http://schemas.microsoft.com/office/powerpoint/2010/main" val="652227335"/>
+      </p:ext>
+    </p:extLst>
+  </p:cSld>
+  <p:clrMapOvr>
+    <a:masterClrMapping/>
+  </p:clrMapOvr>
+  <p:timing>
+    <p:tnLst>
+      <p:par>
+        <p:cTn id="1" dur="indefinite" restart="never" nodeType="tmRoot"/>
+      </p:par>
+    </p:tnLst>
+  </p:timing>
 </p:sld>
 </file>
 
@@ -4740,23 +8567,7 @@
                   <a:srgbClr val="0070C0"/>
                 </a:solidFill>
               </a:rPr>
-              <a:t>“</a:t>
-            </a:r>
-            <a:r>
-              <a:rPr lang="en-GB" sz="3600" dirty="0" smtClean="0">
-                <a:solidFill>
-                  <a:srgbClr val="0070C0"/>
-                </a:solidFill>
-              </a:rPr>
-              <a:t>Prelim - </a:t>
-            </a:r>
-            <a:r>
-              <a:rPr lang="en-GB" sz="3600" dirty="0" smtClean="0">
-                <a:solidFill>
-                  <a:srgbClr val="0070C0"/>
-                </a:solidFill>
-              </a:rPr>
-              <a:t>Send by Post”</a:t>
+              <a:t>“Prelim - Send by Post”</a:t>
             </a:r>
             <a:endParaRPr lang="en-GB" sz="3600" dirty="0">
               <a:solidFill>
@@ -5371,23 +9182,7 @@
                   <a:srgbClr val="0070C0"/>
                 </a:solidFill>
               </a:rPr>
-              <a:t>“</a:t>
-            </a:r>
-            <a:r>
-              <a:rPr lang="en-GB" sz="3600" dirty="0" smtClean="0">
-                <a:solidFill>
-                  <a:srgbClr val="0070C0"/>
-                </a:solidFill>
-              </a:rPr>
-              <a:t>Prelim - </a:t>
-            </a:r>
-            <a:r>
-              <a:rPr lang="en-GB" sz="3600" dirty="0" smtClean="0">
-                <a:solidFill>
-                  <a:srgbClr val="0070C0"/>
-                </a:solidFill>
-              </a:rPr>
-              <a:t>Send by Email”</a:t>
+              <a:t>“Prelim - Send by Email”</a:t>
             </a:r>
             <a:endParaRPr lang="en-GB" sz="3600" dirty="0">
               <a:solidFill>
@@ -6175,27 +9970,7 @@
                   </a:schemeClr>
                 </a:solidFill>
               </a:rPr>
-              <a:t>“</a:t>
-            </a:r>
-            <a:r>
-              <a:rPr lang="en-GB" sz="3600" dirty="0" smtClean="0">
-                <a:solidFill>
-                  <a:schemeClr val="accent6">
-                    <a:lumMod val="75000"/>
-                  </a:schemeClr>
-                </a:solidFill>
-              </a:rPr>
-              <a:t>Invoice - </a:t>
-            </a:r>
-            <a:r>
-              <a:rPr lang="en-GB" sz="3600" dirty="0" smtClean="0">
-                <a:solidFill>
-                  <a:schemeClr val="accent6">
-                    <a:lumMod val="75000"/>
-                  </a:schemeClr>
-                </a:solidFill>
-              </a:rPr>
-              <a:t>Send by Post”</a:t>
+              <a:t>“Invoice - Send by Post”</a:t>
             </a:r>
             <a:endParaRPr lang="en-GB" sz="3600" dirty="0">
               <a:solidFill>
@@ -6217,6 +9992,13 @@
   <p:clrMapOvr>
     <a:masterClrMapping/>
   </p:clrMapOvr>
+  <p:timing>
+    <p:tnLst>
+      <p:par>
+        <p:cTn id="1" dur="indefinite" restart="never" nodeType="tmRoot"/>
+      </p:par>
+    </p:tnLst>
+  </p:timing>
 </p:sld>
 </file>
 
@@ -6814,27 +10596,7 @@
                   </a:schemeClr>
                 </a:solidFill>
               </a:rPr>
-              <a:t>“</a:t>
-            </a:r>
-            <a:r>
-              <a:rPr lang="en-GB" sz="3600" dirty="0" smtClean="0">
-                <a:solidFill>
-                  <a:schemeClr val="accent6">
-                    <a:lumMod val="75000"/>
-                  </a:schemeClr>
-                </a:solidFill>
-              </a:rPr>
-              <a:t>Invoice - </a:t>
-            </a:r>
-            <a:r>
-              <a:rPr lang="en-GB" sz="3600" dirty="0" smtClean="0">
-                <a:solidFill>
-                  <a:schemeClr val="accent6">
-                    <a:lumMod val="75000"/>
-                  </a:schemeClr>
-                </a:solidFill>
-              </a:rPr>
-              <a:t>Send by Email”</a:t>
+              <a:t>“Invoice - Send by Email”</a:t>
             </a:r>
             <a:endParaRPr lang="en-GB" sz="3600" dirty="0">
               <a:solidFill>
@@ -6856,6 +10618,13 @@
   <p:clrMapOvr>
     <a:masterClrMapping/>
   </p:clrMapOvr>
+  <p:timing>
+    <p:tnLst>
+      <p:par>
+        <p:cTn id="1" dur="indefinite" restart="never" nodeType="tmRoot"/>
+      </p:par>
+    </p:tnLst>
+  </p:timing>
 </p:sld>
 </file>
 
@@ -6947,232 +10716,23 @@
           </a:p>
         </p:txBody>
       </p:sp>
-      <p:pic>
-        <p:nvPicPr>
-          <p:cNvPr id="1027" name="Picture 3" descr="C:\GITHUB\incodehq\incode-module-document\dom\src\main\java\org\incode\module\document\dom\impl\docs\Document-pdf.png"/>
-          <p:cNvPicPr>
-            <a:picLocks noChangeAspect="1" noChangeArrowheads="1"/>
-          </p:cNvPicPr>
-          <p:nvPr/>
-        </p:nvPicPr>
-        <p:blipFill>
-          <a:blip r:embed="rId3">
-            <a:extLst>
-              <a:ext uri="{28A0092B-C50C-407E-A947-70E740481C1C}">
-                <a14:useLocalDpi xmlns:a14="http://schemas.microsoft.com/office/drawing/2010/main" val="0"/>
-              </a:ext>
-            </a:extLst>
-          </a:blip>
-          <a:srcRect/>
-          <a:stretch>
-            <a:fillRect/>
-          </a:stretch>
-        </p:blipFill>
-        <p:spPr bwMode="auto">
-          <a:xfrm>
-            <a:off x="2363960" y="2546588"/>
-            <a:ext cx="916260" cy="916260"/>
-          </a:xfrm>
-          <a:prstGeom prst="rect">
-            <a:avLst/>
-          </a:prstGeom>
-          <a:noFill/>
-          <a:extLst>
-            <a:ext uri="{909E8E84-426E-40DD-AFC4-6F175D3DCCD1}">
-              <a14:hiddenFill xmlns:a14="http://schemas.microsoft.com/office/drawing/2010/main">
-                <a:solidFill>
-                  <a:srgbClr val="FFFFFF"/>
-                </a:solidFill>
-              </a14:hiddenFill>
-            </a:ext>
-          </a:extLst>
-        </p:spPr>
-      </p:pic>
-      <p:sp>
-        <p:nvSpPr>
-          <p:cNvPr id="12" name="TextBox 11"/>
-          <p:cNvSpPr txBox="1"/>
-          <p:nvPr/>
-        </p:nvSpPr>
-        <p:spPr>
-          <a:xfrm>
-            <a:off x="2372135" y="3484433"/>
-            <a:ext cx="1165191" cy="646331"/>
-          </a:xfrm>
-          <a:prstGeom prst="rect">
-            <a:avLst/>
-          </a:prstGeom>
-          <a:noFill/>
-        </p:spPr>
-        <p:txBody>
-          <a:bodyPr wrap="none" rtlCol="0">
-            <a:spAutoFit/>
-          </a:bodyPr>
-          <a:lstStyle/>
-          <a:p>
-            <a:r>
-              <a:rPr lang="en-GB" dirty="0" smtClean="0"/>
-              <a:t>(Invoice)</a:t>
-            </a:r>
-          </a:p>
-          <a:p>
-            <a:r>
-              <a:rPr lang="en-GB" dirty="0" smtClean="0"/>
-              <a:t>Document</a:t>
-            </a:r>
-            <a:endParaRPr lang="en-GB" dirty="0"/>
-          </a:p>
-        </p:txBody>
-      </p:sp>
-      <p:pic>
-        <p:nvPicPr>
-          <p:cNvPr id="1028" name="Picture 4" descr="C:\GITHUB\incodehq\incode-module-document\dom\src\main\java\org\incode\module\document\dom\impl\paperclips\Paperclip.png"/>
-          <p:cNvPicPr>
-            <a:picLocks noChangeAspect="1" noChangeArrowheads="1"/>
-          </p:cNvPicPr>
-          <p:nvPr/>
-        </p:nvPicPr>
-        <p:blipFill>
-          <a:blip r:embed="rId4">
-            <a:extLst>
-              <a:ext uri="{28A0092B-C50C-407E-A947-70E740481C1C}">
-                <a14:useLocalDpi xmlns:a14="http://schemas.microsoft.com/office/drawing/2010/main" val="0"/>
-              </a:ext>
-            </a:extLst>
-          </a:blip>
-          <a:srcRect/>
-          <a:stretch>
-            <a:fillRect/>
-          </a:stretch>
-        </p:blipFill>
-        <p:spPr bwMode="auto">
-          <a:xfrm>
-            <a:off x="1331640" y="1667682"/>
-            <a:ext cx="518865" cy="518865"/>
-          </a:xfrm>
-          <a:prstGeom prst="rect">
-            <a:avLst/>
-          </a:prstGeom>
-          <a:noFill/>
-          <a:extLst>
-            <a:ext uri="{909E8E84-426E-40DD-AFC4-6F175D3DCCD1}">
-              <a14:hiddenFill xmlns:a14="http://schemas.microsoft.com/office/drawing/2010/main">
-                <a:solidFill>
-                  <a:srgbClr val="FFFFFF"/>
-                </a:solidFill>
-              </a14:hiddenFill>
-            </a:ext>
-          </a:extLst>
-        </p:spPr>
-      </p:pic>
-      <p:cxnSp>
-        <p:nvCxnSpPr>
-          <p:cNvPr id="11" name="Straight Connector 10"/>
-          <p:cNvCxnSpPr/>
-          <p:nvPr/>
-        </p:nvCxnSpPr>
-        <p:spPr>
-          <a:xfrm>
-            <a:off x="1074830" y="1387561"/>
-            <a:ext cx="1048898" cy="1015011"/>
-          </a:xfrm>
-          <a:prstGeom prst="line">
-            <a:avLst/>
-          </a:prstGeom>
-        </p:spPr>
-        <p:style>
-          <a:lnRef idx="1">
-            <a:schemeClr val="accent1"/>
-          </a:lnRef>
-          <a:fillRef idx="0">
-            <a:schemeClr val="accent1"/>
-          </a:fillRef>
-          <a:effectRef idx="0">
-            <a:schemeClr val="accent1"/>
-          </a:effectRef>
-          <a:fontRef idx="minor">
-            <a:schemeClr val="tx1"/>
-          </a:fontRef>
-        </p:style>
-      </p:cxnSp>
-      <p:cxnSp>
-        <p:nvCxnSpPr>
-          <p:cNvPr id="29" name="Straight Connector 28"/>
-          <p:cNvCxnSpPr/>
-          <p:nvPr/>
-        </p:nvCxnSpPr>
-        <p:spPr>
-          <a:xfrm>
-            <a:off x="1227230" y="1539961"/>
-            <a:ext cx="1048898" cy="1015011"/>
-          </a:xfrm>
-          <a:prstGeom prst="line">
-            <a:avLst/>
-          </a:prstGeom>
-        </p:spPr>
-        <p:style>
-          <a:lnRef idx="1">
-            <a:schemeClr val="accent1"/>
-          </a:lnRef>
-          <a:fillRef idx="0">
-            <a:schemeClr val="accent1"/>
-          </a:fillRef>
-          <a:effectRef idx="0">
-            <a:schemeClr val="accent1"/>
-          </a:effectRef>
-          <a:fontRef idx="minor">
-            <a:schemeClr val="tx1"/>
-          </a:fontRef>
-        </p:style>
-      </p:cxnSp>
-      <p:sp>
-        <p:nvSpPr>
-          <p:cNvPr id="10" name="TextBox 9"/>
-          <p:cNvSpPr txBox="1"/>
-          <p:nvPr/>
-        </p:nvSpPr>
-        <p:spPr>
-          <a:xfrm>
-            <a:off x="3203848" y="188640"/>
-            <a:ext cx="2041585" cy="646331"/>
-          </a:xfrm>
-          <a:prstGeom prst="rect">
-            <a:avLst/>
-          </a:prstGeom>
-          <a:noFill/>
-        </p:spPr>
-        <p:txBody>
-          <a:bodyPr wrap="none" rtlCol="0">
-            <a:spAutoFit/>
-          </a:bodyPr>
-          <a:lstStyle/>
-          <a:p>
-            <a:r>
-              <a:rPr lang="en-GB" sz="3600" dirty="0" smtClean="0">
-                <a:solidFill>
-                  <a:srgbClr val="00B050"/>
-                </a:solidFill>
-              </a:rPr>
-              <a:t>“Prepare”</a:t>
-            </a:r>
-            <a:endParaRPr lang="en-GB" sz="3600" dirty="0">
-              <a:solidFill>
-                <a:srgbClr val="00B050"/>
-              </a:solidFill>
-            </a:endParaRPr>
-          </a:p>
-        </p:txBody>
-      </p:sp>
     </p:spTree>
     <p:extLst>
       <p:ext uri="{BB962C8B-B14F-4D97-AF65-F5344CB8AC3E}">
-        <p14:creationId xmlns:p14="http://schemas.microsoft.com/office/powerpoint/2010/main" val="3257965985"/>
+        <p14:creationId xmlns:p14="http://schemas.microsoft.com/office/powerpoint/2010/main" val="1357325120"/>
       </p:ext>
     </p:extLst>
   </p:cSld>
   <p:clrMapOvr>
     <a:masterClrMapping/>
   </p:clrMapOvr>
+  <p:timing>
+    <p:tnLst>
+      <p:par>
+        <p:cTn id="1" dur="indefinite" restart="never" nodeType="tmRoot"/>
+      </p:par>
+    </p:tnLst>
+  </p:timing>
 </p:sld>
 </file>
 
@@ -7343,85 +10903,6 @@
       </p:sp>
       <p:pic>
         <p:nvPicPr>
-          <p:cNvPr id="13" name="Picture 3" descr="C:\GITHUB\incodehq\incode-module-document\dom\src\main\java\org\incode\module\document\dom\impl\docs\Document-pdf.png"/>
-          <p:cNvPicPr>
-            <a:picLocks noChangeAspect="1" noChangeArrowheads="1"/>
-          </p:cNvPicPr>
-          <p:nvPr/>
-        </p:nvPicPr>
-        <p:blipFill>
-          <a:blip r:embed="rId3">
-            <a:extLst>
-              <a:ext uri="{28A0092B-C50C-407E-A947-70E740481C1C}">
-                <a14:useLocalDpi xmlns:a14="http://schemas.microsoft.com/office/drawing/2010/main" val="0"/>
-              </a:ext>
-            </a:extLst>
-          </a:blip>
-          <a:srcRect/>
-          <a:stretch>
-            <a:fillRect/>
-          </a:stretch>
-        </p:blipFill>
-        <p:spPr bwMode="auto">
-          <a:xfrm>
-            <a:off x="827584" y="4785735"/>
-            <a:ext cx="916260" cy="916260"/>
-          </a:xfrm>
-          <a:prstGeom prst="rect">
-            <a:avLst/>
-          </a:prstGeom>
-          <a:noFill/>
-          <a:extLst>
-            <a:ext uri="{909E8E84-426E-40DD-AFC4-6F175D3DCCD1}">
-              <a14:hiddenFill xmlns:a14="http://schemas.microsoft.com/office/drawing/2010/main">
-                <a:solidFill>
-                  <a:srgbClr val="FFFFFF"/>
-                </a:solidFill>
-              </a14:hiddenFill>
-            </a:ext>
-          </a:extLst>
-        </p:spPr>
-      </p:pic>
-      <p:sp>
-        <p:nvSpPr>
-          <p:cNvPr id="14" name="TextBox 13"/>
-          <p:cNvSpPr txBox="1"/>
-          <p:nvPr/>
-        </p:nvSpPr>
-        <p:spPr>
-          <a:xfrm>
-            <a:off x="715951" y="5733913"/>
-            <a:ext cx="1337097" cy="646331"/>
-          </a:xfrm>
-          <a:prstGeom prst="rect">
-            <a:avLst/>
-          </a:prstGeom>
-          <a:noFill/>
-        </p:spPr>
-        <p:txBody>
-          <a:bodyPr wrap="none" rtlCol="0">
-            <a:spAutoFit/>
-          </a:bodyPr>
-          <a:lstStyle/>
-          <a:p>
-            <a:pPr algn="ctr"/>
-            <a:r>
-              <a:rPr lang="en-GB" dirty="0" smtClean="0"/>
-              <a:t>(Tax receipt)</a:t>
-            </a:r>
-          </a:p>
-          <a:p>
-            <a:pPr algn="ctr"/>
-            <a:r>
-              <a:rPr lang="en-GB" dirty="0" smtClean="0"/>
-              <a:t>Document</a:t>
-            </a:r>
-            <a:endParaRPr lang="en-GB" dirty="0"/>
-          </a:p>
-        </p:txBody>
-      </p:sp>
-      <p:pic>
-        <p:nvPicPr>
           <p:cNvPr id="1028" name="Picture 4" descr="C:\GITHUB\incodehq\incode-module-document\dom\src\main\java\org\incode\module\document\dom\impl\paperclips\Paperclip.png"/>
           <p:cNvPicPr>
             <a:picLocks noChangeAspect="1" noChangeArrowheads="1"/>
@@ -7491,56 +10972,15 @@
           </a:fontRef>
         </p:style>
       </p:cxnSp>
-      <p:pic>
-        <p:nvPicPr>
-          <p:cNvPr id="20" name="Picture 4" descr="C:\GITHUB\incodehq\incode-module-document\dom\src\main\java\org\incode\module\document\dom\impl\paperclips\Paperclip.png"/>
-          <p:cNvPicPr>
-            <a:picLocks noChangeAspect="1" noChangeArrowheads="1"/>
-          </p:cNvPicPr>
-          <p:nvPr/>
-        </p:nvPicPr>
-        <p:blipFill>
-          <a:blip r:embed="rId4">
-            <a:extLst>
-              <a:ext uri="{28A0092B-C50C-407E-A947-70E740481C1C}">
-                <a14:useLocalDpi xmlns:a14="http://schemas.microsoft.com/office/drawing/2010/main" val="0"/>
-              </a:ext>
-            </a:extLst>
-          </a:blip>
-          <a:srcRect/>
-          <a:stretch>
-            <a:fillRect/>
-          </a:stretch>
-        </p:blipFill>
-        <p:spPr bwMode="auto">
-          <a:xfrm>
-            <a:off x="1619505" y="3906829"/>
-            <a:ext cx="518865" cy="518865"/>
-          </a:xfrm>
-          <a:prstGeom prst="rect">
-            <a:avLst/>
-          </a:prstGeom>
-          <a:noFill/>
-          <a:extLst>
-            <a:ext uri="{909E8E84-426E-40DD-AFC4-6F175D3DCCD1}">
-              <a14:hiddenFill xmlns:a14="http://schemas.microsoft.com/office/drawing/2010/main">
-                <a:solidFill>
-                  <a:srgbClr val="FFFFFF"/>
-                </a:solidFill>
-              </a14:hiddenFill>
-            </a:ext>
-          </a:extLst>
-        </p:spPr>
-      </p:pic>
       <p:cxnSp>
         <p:nvCxnSpPr>
-          <p:cNvPr id="21" name="Straight Connector 20"/>
+          <p:cNvPr id="29" name="Straight Connector 28"/>
           <p:cNvCxnSpPr/>
           <p:nvPr/>
         </p:nvCxnSpPr>
         <p:spPr>
-          <a:xfrm flipH="1">
-            <a:off x="1362695" y="3626708"/>
+          <a:xfrm>
+            <a:off x="1227230" y="1539961"/>
             <a:ext cx="1048898" cy="1015011"/>
           </a:xfrm>
           <a:prstGeom prst="line">
@@ -7562,46 +11002,16 @@
           </a:fontRef>
         </p:style>
       </p:cxnSp>
-      <p:cxnSp>
-        <p:nvCxnSpPr>
-          <p:cNvPr id="29" name="Straight Connector 28"/>
-          <p:cNvCxnSpPr/>
-          <p:nvPr/>
-        </p:nvCxnSpPr>
-        <p:spPr>
-          <a:xfrm>
-            <a:off x="1227230" y="1539961"/>
-            <a:ext cx="1048898" cy="1015011"/>
-          </a:xfrm>
-          <a:prstGeom prst="line">
-            <a:avLst/>
-          </a:prstGeom>
-        </p:spPr>
-        <p:style>
-          <a:lnRef idx="1">
-            <a:schemeClr val="accent1"/>
-          </a:lnRef>
-          <a:fillRef idx="0">
-            <a:schemeClr val="accent1"/>
-          </a:fillRef>
-          <a:effectRef idx="0">
-            <a:schemeClr val="accent1"/>
-          </a:effectRef>
-          <a:fontRef idx="minor">
-            <a:schemeClr val="tx1"/>
-          </a:fontRef>
-        </p:style>
-      </p:cxnSp>
-      <p:sp>
-        <p:nvSpPr>
-          <p:cNvPr id="25" name="TextBox 24"/>
+      <p:sp>
+        <p:nvSpPr>
+          <p:cNvPr id="10" name="TextBox 9"/>
           <p:cNvSpPr txBox="1"/>
           <p:nvPr/>
         </p:nvSpPr>
         <p:spPr>
           <a:xfrm>
             <a:off x="3203848" y="188640"/>
-            <a:ext cx="2583271" cy="646331"/>
+            <a:ext cx="2041585" cy="646331"/>
           </a:xfrm>
           <a:prstGeom prst="rect">
             <a:avLst/>
@@ -7620,7 +11030,7 @@
                   <a:srgbClr val="00B050"/>
                 </a:solidFill>
               </a:rPr>
-              <a:t>“Attach PDF”</a:t>
+              <a:t>“Prepare”</a:t>
             </a:r>
             <a:endParaRPr lang="en-GB" sz="3600" dirty="0">
               <a:solidFill>
@@ -7633,13 +11043,20 @@
     </p:spTree>
     <p:extLst>
       <p:ext uri="{BB962C8B-B14F-4D97-AF65-F5344CB8AC3E}">
-        <p14:creationId xmlns:p14="http://schemas.microsoft.com/office/powerpoint/2010/main" val="3395648477"/>
+        <p14:creationId xmlns:p14="http://schemas.microsoft.com/office/powerpoint/2010/main" val="3257965985"/>
       </p:ext>
     </p:extLst>
   </p:cSld>
   <p:clrMapOvr>
     <a:masterClrMapping/>
   </p:clrMapOvr>
+  <p:timing>
+    <p:tnLst>
+      <p:par>
+        <p:cTn id="1" dur="indefinite" restart="never" nodeType="tmRoot"/>
+      </p:par>
+    </p:tnLst>
+  </p:timing>
 </p:sld>
 </file>
 
@@ -8029,124 +11446,6 @@
           </a:fontRef>
         </p:style>
       </p:cxnSp>
-      <p:pic>
-        <p:nvPicPr>
-          <p:cNvPr id="1029" name="Picture 5" descr="C:\GITHUB\incodehq\incode-module-communications\module\src\main\java\org\incode\module\communications\dom\impl\comms\Communication-email.png"/>
-          <p:cNvPicPr>
-            <a:picLocks noChangeAspect="1" noChangeArrowheads="1"/>
-          </p:cNvPicPr>
-          <p:nvPr/>
-        </p:nvPicPr>
-        <p:blipFill>
-          <a:blip r:embed="rId5">
-            <a:extLst>
-              <a:ext uri="{28A0092B-C50C-407E-A947-70E740481C1C}">
-                <a14:useLocalDpi xmlns:a14="http://schemas.microsoft.com/office/drawing/2010/main" val="0"/>
-              </a:ext>
-            </a:extLst>
-          </a:blip>
-          <a:srcRect/>
-          <a:stretch>
-            <a:fillRect/>
-          </a:stretch>
-        </p:blipFill>
-        <p:spPr bwMode="auto">
-          <a:xfrm>
-            <a:off x="6732240" y="2449322"/>
-            <a:ext cx="1163127" cy="1163127"/>
-          </a:xfrm>
-          <a:prstGeom prst="rect">
-            <a:avLst/>
-          </a:prstGeom>
-          <a:noFill/>
-          <a:extLst>
-            <a:ext uri="{909E8E84-426E-40DD-AFC4-6F175D3DCCD1}">
-              <a14:hiddenFill xmlns:a14="http://schemas.microsoft.com/office/drawing/2010/main">
-                <a:solidFill>
-                  <a:srgbClr val="FFFFFF"/>
-                </a:solidFill>
-              </a14:hiddenFill>
-            </a:ext>
-          </a:extLst>
-        </p:spPr>
-      </p:pic>
-      <p:sp>
-        <p:nvSpPr>
-          <p:cNvPr id="24" name="TextBox 23"/>
-          <p:cNvSpPr txBox="1"/>
-          <p:nvPr/>
-        </p:nvSpPr>
-        <p:spPr>
-          <a:xfrm>
-            <a:off x="6643394" y="3410684"/>
-            <a:ext cx="1673022" cy="646331"/>
-          </a:xfrm>
-          <a:prstGeom prst="rect">
-            <a:avLst/>
-          </a:prstGeom>
-          <a:noFill/>
-        </p:spPr>
-        <p:txBody>
-          <a:bodyPr wrap="none" rtlCol="0">
-            <a:spAutoFit/>
-          </a:bodyPr>
-          <a:lstStyle/>
-          <a:p>
-            <a:r>
-              <a:rPr lang="en-GB" dirty="0" smtClean="0"/>
-              <a:t>(Post)</a:t>
-            </a:r>
-          </a:p>
-          <a:p>
-            <a:r>
-              <a:rPr lang="en-GB" dirty="0" smtClean="0"/>
-              <a:t>Communication</a:t>
-            </a:r>
-            <a:endParaRPr lang="en-GB" dirty="0"/>
-          </a:p>
-        </p:txBody>
-      </p:sp>
-      <p:pic>
-        <p:nvPicPr>
-          <p:cNvPr id="27" name="Picture 4" descr="C:\GITHUB\incodehq\incode-module-document\dom\src\main\java\org\incode\module\document\dom\impl\paperclips\Paperclip.png"/>
-          <p:cNvPicPr>
-            <a:picLocks noChangeAspect="1" noChangeArrowheads="1"/>
-          </p:cNvPicPr>
-          <p:nvPr/>
-        </p:nvPicPr>
-        <p:blipFill>
-          <a:blip r:embed="rId4">
-            <a:extLst>
-              <a:ext uri="{28A0092B-C50C-407E-A947-70E740481C1C}">
-                <a14:useLocalDpi xmlns:a14="http://schemas.microsoft.com/office/drawing/2010/main" val="0"/>
-              </a:ext>
-            </a:extLst>
-          </a:blip>
-          <a:srcRect/>
-          <a:stretch>
-            <a:fillRect/>
-          </a:stretch>
-        </p:blipFill>
-        <p:spPr bwMode="auto">
-          <a:xfrm>
-            <a:off x="4460367" y="2766119"/>
-            <a:ext cx="518865" cy="518865"/>
-          </a:xfrm>
-          <a:prstGeom prst="rect">
-            <a:avLst/>
-          </a:prstGeom>
-          <a:noFill/>
-          <a:extLst>
-            <a:ext uri="{909E8E84-426E-40DD-AFC4-6F175D3DCCD1}">
-              <a14:hiddenFill xmlns:a14="http://schemas.microsoft.com/office/drawing/2010/main">
-                <a:solidFill>
-                  <a:srgbClr val="FFFFFF"/>
-                </a:solidFill>
-              </a14:hiddenFill>
-            </a:ext>
-          </a:extLst>
-        </p:spPr>
-      </p:pic>
       <p:cxnSp>
         <p:nvCxnSpPr>
           <p:cNvPr id="29" name="Straight Connector 28"/>
@@ -8177,117 +11476,16 @@
           </a:fontRef>
         </p:style>
       </p:cxnSp>
-      <p:cxnSp>
-        <p:nvCxnSpPr>
-          <p:cNvPr id="30" name="Straight Connector 29"/>
-          <p:cNvCxnSpPr/>
-          <p:nvPr/>
-        </p:nvCxnSpPr>
-        <p:spPr>
-          <a:xfrm>
-            <a:off x="3380247" y="3004718"/>
-            <a:ext cx="3096344" cy="26167"/>
-          </a:xfrm>
-          <a:prstGeom prst="line">
-            <a:avLst/>
-          </a:prstGeom>
-        </p:spPr>
-        <p:style>
-          <a:lnRef idx="1">
-            <a:schemeClr val="accent1"/>
-          </a:lnRef>
-          <a:fillRef idx="0">
-            <a:schemeClr val="accent1"/>
-          </a:fillRef>
-          <a:effectRef idx="0">
-            <a:schemeClr val="accent1"/>
-          </a:effectRef>
-          <a:fontRef idx="minor">
-            <a:schemeClr val="tx1"/>
-          </a:fontRef>
-        </p:style>
-      </p:cxnSp>
-      <p:pic>
-        <p:nvPicPr>
-          <p:cNvPr id="25" name="Picture 4" descr="C:\GITHUB\incodehq\incode-module-document\dom\src\main\java\org\incode\module\document\dom\impl\paperclips\Paperclip.png"/>
-          <p:cNvPicPr>
-            <a:picLocks noChangeAspect="1" noChangeArrowheads="1"/>
-          </p:cNvPicPr>
-          <p:nvPr/>
-        </p:nvPicPr>
-        <p:blipFill>
-          <a:blip r:embed="rId4">
-            <a:extLst>
-              <a:ext uri="{28A0092B-C50C-407E-A947-70E740481C1C}">
-                <a14:useLocalDpi xmlns:a14="http://schemas.microsoft.com/office/drawing/2010/main" val="0"/>
-              </a:ext>
-            </a:extLst>
-          </a:blip>
-          <a:srcRect/>
-          <a:stretch>
-            <a:fillRect/>
-          </a:stretch>
-        </p:blipFill>
-        <p:spPr bwMode="auto">
-          <a:xfrm>
-            <a:off x="3596601" y="4206279"/>
-            <a:ext cx="518865" cy="518865"/>
-          </a:xfrm>
-          <a:prstGeom prst="rect">
-            <a:avLst/>
-          </a:prstGeom>
-          <a:noFill/>
-          <a:extLst>
-            <a:ext uri="{909E8E84-426E-40DD-AFC4-6F175D3DCCD1}">
-              <a14:hiddenFill xmlns:a14="http://schemas.microsoft.com/office/drawing/2010/main">
-                <a:solidFill>
-                  <a:srgbClr val="FFFFFF"/>
-                </a:solidFill>
-              </a14:hiddenFill>
-            </a:ext>
-          </a:extLst>
-        </p:spPr>
-      </p:pic>
-      <p:cxnSp>
-        <p:nvCxnSpPr>
-          <p:cNvPr id="31" name="Straight Connector 30"/>
-          <p:cNvCxnSpPr/>
-          <p:nvPr/>
-        </p:nvCxnSpPr>
-        <p:spPr>
-          <a:xfrm flipV="1">
-            <a:off x="2053048" y="3337233"/>
-            <a:ext cx="4391160" cy="1890007"/>
-          </a:xfrm>
-          <a:prstGeom prst="line">
-            <a:avLst/>
-          </a:prstGeom>
-        </p:spPr>
-        <p:style>
-          <a:lnRef idx="1">
-            <a:schemeClr val="accent1"/>
-          </a:lnRef>
-          <a:fillRef idx="0">
-            <a:schemeClr val="accent1"/>
-          </a:fillRef>
-          <a:effectRef idx="0">
-            <a:schemeClr val="accent1"/>
-          </a:effectRef>
-          <a:fontRef idx="minor">
-            <a:schemeClr val="tx1"/>
-          </a:fontRef>
-        </p:style>
-      </p:cxnSp>
-      <p:sp>
-        <p:nvSpPr>
-          <p:cNvPr id="32" name="TextBox 31"/>
+      <p:sp>
+        <p:nvSpPr>
+          <p:cNvPr id="25" name="TextBox 24"/>
           <p:cNvSpPr txBox="1"/>
           <p:nvPr/>
         </p:nvSpPr>
         <p:spPr>
           <a:xfrm>
             <a:off x="3203848" y="188640"/>
-            <a:ext cx="2973250" cy="646331"/>
+            <a:ext cx="2583271" cy="646331"/>
           </a:xfrm>
           <a:prstGeom prst="rect">
             <a:avLst/>
@@ -8306,7 +11504,7 @@
                   <a:srgbClr val="00B050"/>
                 </a:solidFill>
               </a:rPr>
-              <a:t>“Send by Post”</a:t>
+              <a:t>“Attach PDF”</a:t>
             </a:r>
             <a:endParaRPr lang="en-GB" sz="3600" dirty="0">
               <a:solidFill>
@@ -8319,13 +11517,20 @@
     </p:spTree>
     <p:extLst>
       <p:ext uri="{BB962C8B-B14F-4D97-AF65-F5344CB8AC3E}">
-        <p14:creationId xmlns:p14="http://schemas.microsoft.com/office/powerpoint/2010/main" val="3079389626"/>
+        <p14:creationId xmlns:p14="http://schemas.microsoft.com/office/powerpoint/2010/main" val="3395648477"/>
       </p:ext>
     </p:extLst>
   </p:cSld>
   <p:clrMapOvr>
     <a:masterClrMapping/>
   </p:clrMapOvr>
+  <p:timing>
+    <p:tnLst>
+      <p:par>
+        <p:cTn id="1" dur="indefinite" restart="never" nodeType="tmRoot"/>
+      </p:par>
+    </p:tnLst>
+  </p:timing>
 </p:sld>
 </file>
 

--- a/docs/docs-and-comms/attachments.pptx
+++ b/docs/docs-and-comms/attachments.pptx
@@ -5,23 +5,29 @@
     <p:sldMasterId id="2147483648" r:id="rId1"/>
   </p:sldMasterIdLst>
   <p:sldIdLst>
-    <p:sldId id="260" r:id="rId2"/>
-    <p:sldId id="261" r:id="rId3"/>
-    <p:sldId id="256" r:id="rId4"/>
-    <p:sldId id="262" r:id="rId5"/>
-    <p:sldId id="264" r:id="rId6"/>
-    <p:sldId id="263" r:id="rId7"/>
-    <p:sldId id="276" r:id="rId8"/>
-    <p:sldId id="267" r:id="rId9"/>
-    <p:sldId id="266" r:id="rId10"/>
-    <p:sldId id="257" r:id="rId11"/>
-    <p:sldId id="259" r:id="rId12"/>
-    <p:sldId id="275" r:id="rId13"/>
-    <p:sldId id="272" r:id="rId14"/>
-    <p:sldId id="273" r:id="rId15"/>
-    <p:sldId id="274" r:id="rId16"/>
-    <p:sldId id="270" r:id="rId17"/>
-    <p:sldId id="271" r:id="rId18"/>
+    <p:sldId id="279" r:id="rId2"/>
+    <p:sldId id="260" r:id="rId3"/>
+    <p:sldId id="277" r:id="rId4"/>
+    <p:sldId id="261" r:id="rId5"/>
+    <p:sldId id="256" r:id="rId6"/>
+    <p:sldId id="280" r:id="rId7"/>
+    <p:sldId id="278" r:id="rId8"/>
+    <p:sldId id="262" r:id="rId9"/>
+    <p:sldId id="264" r:id="rId10"/>
+    <p:sldId id="263" r:id="rId11"/>
+    <p:sldId id="281" r:id="rId12"/>
+    <p:sldId id="276" r:id="rId13"/>
+    <p:sldId id="267" r:id="rId14"/>
+    <p:sldId id="266" r:id="rId15"/>
+    <p:sldId id="257" r:id="rId16"/>
+    <p:sldId id="259" r:id="rId17"/>
+    <p:sldId id="282" r:id="rId18"/>
+    <p:sldId id="275" r:id="rId19"/>
+    <p:sldId id="272" r:id="rId20"/>
+    <p:sldId id="273" r:id="rId21"/>
+    <p:sldId id="274" r:id="rId22"/>
+    <p:sldId id="270" r:id="rId23"/>
+    <p:sldId id="271" r:id="rId24"/>
   </p:sldIdLst>
   <p:sldSz cx="9144000" cy="6858000" type="screen4x3"/>
   <p:notesSz cx="6858000" cy="9144000"/>
@@ -125,13 +131,17 @@
       <p14:sectionLst xmlns:p14="http://schemas.microsoft.com/office/powerpoint/2010/main">
         <p14:section name="Default Section" id="{BB14BE50-524F-4DFA-9465-00194D3357C2}">
           <p14:sldIdLst>
+            <p14:sldId id="279"/>
             <p14:sldId id="260"/>
+            <p14:sldId id="277"/>
             <p14:sldId id="261"/>
             <p14:sldId id="256"/>
           </p14:sldIdLst>
         </p14:section>
         <p14:section name="Untitled Section" id="{E5470073-33FA-401B-A5BE-B310DDB20D12}">
           <p14:sldIdLst>
+            <p14:sldId id="280"/>
+            <p14:sldId id="278"/>
             <p14:sldId id="262"/>
             <p14:sldId id="264"/>
             <p14:sldId id="263"/>
@@ -139,6 +149,7 @@
         </p14:section>
         <p14:section name="Untitled Section" id="{2A937E11-21D7-4543-B15D-3CE9239F3BB7}">
           <p14:sldIdLst>
+            <p14:sldId id="281"/>
             <p14:sldId id="276"/>
             <p14:sldId id="267"/>
             <p14:sldId id="266"/>
@@ -148,6 +159,7 @@
         </p14:section>
         <p14:section name="Untitled Section" id="{BC998809-CCBC-4302-9582-D1EF2F160D19}">
           <p14:sldIdLst>
+            <p14:sldId id="282"/>
             <p14:sldId id="275"/>
             <p14:sldId id="272"/>
             <p14:sldId id="273"/>
@@ -343,7 +355,7 @@
           <a:p>
             <a:fld id="{C1D19C46-83CA-4F9A-95E6-7D0892390C8A}" type="datetimeFigureOut">
               <a:rPr lang="en-GB" smtClean="0"/>
-              <a:t>03/03/2017</a:t>
+              <a:t>10/03/2017</a:t>
             </a:fld>
             <a:endParaRPr lang="en-GB"/>
           </a:p>
@@ -513,7 +525,7 @@
           <a:p>
             <a:fld id="{C1D19C46-83CA-4F9A-95E6-7D0892390C8A}" type="datetimeFigureOut">
               <a:rPr lang="en-GB" smtClean="0"/>
-              <a:t>03/03/2017</a:t>
+              <a:t>10/03/2017</a:t>
             </a:fld>
             <a:endParaRPr lang="en-GB"/>
           </a:p>
@@ -693,7 +705,7 @@
           <a:p>
             <a:fld id="{C1D19C46-83CA-4F9A-95E6-7D0892390C8A}" type="datetimeFigureOut">
               <a:rPr lang="en-GB" smtClean="0"/>
-              <a:t>03/03/2017</a:t>
+              <a:t>10/03/2017</a:t>
             </a:fld>
             <a:endParaRPr lang="en-GB"/>
           </a:p>
@@ -863,7 +875,7 @@
           <a:p>
             <a:fld id="{C1D19C46-83CA-4F9A-95E6-7D0892390C8A}" type="datetimeFigureOut">
               <a:rPr lang="en-GB" smtClean="0"/>
-              <a:t>03/03/2017</a:t>
+              <a:t>10/03/2017</a:t>
             </a:fld>
             <a:endParaRPr lang="en-GB"/>
           </a:p>
@@ -1109,7 +1121,7 @@
           <a:p>
             <a:fld id="{C1D19C46-83CA-4F9A-95E6-7D0892390C8A}" type="datetimeFigureOut">
               <a:rPr lang="en-GB" smtClean="0"/>
-              <a:t>03/03/2017</a:t>
+              <a:t>10/03/2017</a:t>
             </a:fld>
             <a:endParaRPr lang="en-GB"/>
           </a:p>
@@ -1397,7 +1409,7 @@
           <a:p>
             <a:fld id="{C1D19C46-83CA-4F9A-95E6-7D0892390C8A}" type="datetimeFigureOut">
               <a:rPr lang="en-GB" smtClean="0"/>
-              <a:t>03/03/2017</a:t>
+              <a:t>10/03/2017</a:t>
             </a:fld>
             <a:endParaRPr lang="en-GB"/>
           </a:p>
@@ -1819,7 +1831,7 @@
           <a:p>
             <a:fld id="{C1D19C46-83CA-4F9A-95E6-7D0892390C8A}" type="datetimeFigureOut">
               <a:rPr lang="en-GB" smtClean="0"/>
-              <a:t>03/03/2017</a:t>
+              <a:t>10/03/2017</a:t>
             </a:fld>
             <a:endParaRPr lang="en-GB"/>
           </a:p>
@@ -1937,7 +1949,7 @@
           <a:p>
             <a:fld id="{C1D19C46-83CA-4F9A-95E6-7D0892390C8A}" type="datetimeFigureOut">
               <a:rPr lang="en-GB" smtClean="0"/>
-              <a:t>03/03/2017</a:t>
+              <a:t>10/03/2017</a:t>
             </a:fld>
             <a:endParaRPr lang="en-GB"/>
           </a:p>
@@ -2032,7 +2044,7 @@
           <a:p>
             <a:fld id="{C1D19C46-83CA-4F9A-95E6-7D0892390C8A}" type="datetimeFigureOut">
               <a:rPr lang="en-GB" smtClean="0"/>
-              <a:t>03/03/2017</a:t>
+              <a:t>10/03/2017</a:t>
             </a:fld>
             <a:endParaRPr lang="en-GB"/>
           </a:p>
@@ -2309,7 +2321,7 @@
           <a:p>
             <a:fld id="{C1D19C46-83CA-4F9A-95E6-7D0892390C8A}" type="datetimeFigureOut">
               <a:rPr lang="en-GB" smtClean="0"/>
-              <a:t>03/03/2017</a:t>
+              <a:t>10/03/2017</a:t>
             </a:fld>
             <a:endParaRPr lang="en-GB"/>
           </a:p>
@@ -2562,7 +2574,7 @@
           <a:p>
             <a:fld id="{C1D19C46-83CA-4F9A-95E6-7D0892390C8A}" type="datetimeFigureOut">
               <a:rPr lang="en-GB" smtClean="0"/>
-              <a:t>03/03/2017</a:t>
+              <a:t>10/03/2017</a:t>
             </a:fld>
             <a:endParaRPr lang="en-GB"/>
           </a:p>
@@ -2775,7 +2787,7 @@
           <a:p>
             <a:fld id="{C1D19C46-83CA-4F9A-95E6-7D0892390C8A}" type="datetimeFigureOut">
               <a:rPr lang="en-GB" smtClean="0"/>
-              <a:t>03/03/2017</a:t>
+              <a:t>10/03/2017</a:t>
             </a:fld>
             <a:endParaRPr lang="en-GB"/>
           </a:p>
@@ -3150,327 +3162,33 @@
           <a:chExt cx="0" cy="0"/>
         </a:xfrm>
       </p:grpSpPr>
-      <p:pic>
-        <p:nvPicPr>
-          <p:cNvPr id="1026" name="Picture 2" descr="C:\GITHUB\estatio\estatio\estatioapp\module\invoice\dom\src\main\java\org\estatio\dom\invoice\Invoice.png"/>
-          <p:cNvPicPr>
-            <a:picLocks noChangeAspect="1" noChangeArrowheads="1"/>
-          </p:cNvPicPr>
-          <p:nvPr/>
-        </p:nvPicPr>
-        <p:blipFill>
-          <a:blip r:embed="rId2">
-            <a:extLst>
-              <a:ext uri="{28A0092B-C50C-407E-A947-70E740481C1C}">
-                <a14:useLocalDpi xmlns:a14="http://schemas.microsoft.com/office/drawing/2010/main" val="0"/>
-              </a:ext>
-            </a:extLst>
-          </a:blip>
-          <a:srcRect/>
-          <a:stretch>
-            <a:fillRect/>
-          </a:stretch>
-        </p:blipFill>
-        <p:spPr bwMode="auto">
-          <a:xfrm>
-            <a:off x="211895" y="332656"/>
-            <a:ext cx="916260" cy="916260"/>
-          </a:xfrm>
-          <a:prstGeom prst="rect">
-            <a:avLst/>
-          </a:prstGeom>
-          <a:noFill/>
-          <a:extLst>
-            <a:ext uri="{909E8E84-426E-40DD-AFC4-6F175D3DCCD1}">
-              <a14:hiddenFill xmlns:a14="http://schemas.microsoft.com/office/drawing/2010/main">
-                <a:solidFill>
-                  <a:srgbClr val="FFFFFF"/>
-                </a:solidFill>
-              </a14:hiddenFill>
-            </a:ext>
-          </a:extLst>
-        </p:spPr>
-      </p:pic>
-      <p:sp>
-        <p:nvSpPr>
-          <p:cNvPr id="9" name="TextBox 8"/>
-          <p:cNvSpPr txBox="1"/>
-          <p:nvPr/>
-        </p:nvSpPr>
-        <p:spPr>
-          <a:xfrm>
-            <a:off x="1140729" y="332656"/>
-            <a:ext cx="850361" cy="369332"/>
-          </a:xfrm>
-          <a:prstGeom prst="rect">
-            <a:avLst/>
-          </a:prstGeom>
-          <a:noFill/>
-        </p:spPr>
-        <p:txBody>
-          <a:bodyPr wrap="none" rtlCol="0">
-            <a:spAutoFit/>
-          </a:bodyPr>
+      <p:sp>
+        <p:nvSpPr>
+          <p:cNvPr id="2" name="Title 1"/>
+          <p:cNvSpPr>
+            <a:spLocks noGrp="1"/>
+          </p:cNvSpPr>
+          <p:nvPr>
+            <p:ph type="ctrTitle"/>
+          </p:nvPr>
+        </p:nvSpPr>
+        <p:spPr/>
+        <p:txBody>
+          <a:bodyPr/>
           <a:lstStyle/>
           <a:p>
             <a:r>
               <a:rPr lang="en-GB" dirty="0" smtClean="0"/>
-              <a:t>Invoice</a:t>
+              <a:t>Preliminary Letters</a:t>
             </a:r>
             <a:endParaRPr lang="en-GB" dirty="0"/>
-          </a:p>
-        </p:txBody>
-      </p:sp>
-      <p:pic>
-        <p:nvPicPr>
-          <p:cNvPr id="1027" name="Picture 3" descr="C:\GITHUB\incodehq\incode-module-document\dom\src\main\java\org\incode\module\document\dom\impl\docs\Document-pdf.png"/>
-          <p:cNvPicPr>
-            <a:picLocks noChangeAspect="1" noChangeArrowheads="1"/>
-          </p:cNvPicPr>
-          <p:nvPr/>
-        </p:nvPicPr>
-        <p:blipFill>
-          <a:blip r:embed="rId3">
-            <a:extLst>
-              <a:ext uri="{28A0092B-C50C-407E-A947-70E740481C1C}">
-                <a14:useLocalDpi xmlns:a14="http://schemas.microsoft.com/office/drawing/2010/main" val="0"/>
-              </a:ext>
-            </a:extLst>
-          </a:blip>
-          <a:srcRect/>
-          <a:stretch>
-            <a:fillRect/>
-          </a:stretch>
-        </p:blipFill>
-        <p:spPr bwMode="auto">
-          <a:xfrm>
-            <a:off x="2363960" y="2546588"/>
-            <a:ext cx="916260" cy="916260"/>
-          </a:xfrm>
-          <a:prstGeom prst="rect">
-            <a:avLst/>
-          </a:prstGeom>
-          <a:noFill/>
-          <a:extLst>
-            <a:ext uri="{909E8E84-426E-40DD-AFC4-6F175D3DCCD1}">
-              <a14:hiddenFill xmlns:a14="http://schemas.microsoft.com/office/drawing/2010/main">
-                <a:solidFill>
-                  <a:srgbClr val="FFFFFF"/>
-                </a:solidFill>
-              </a14:hiddenFill>
-            </a:ext>
-          </a:extLst>
-        </p:spPr>
-      </p:pic>
-      <p:sp>
-        <p:nvSpPr>
-          <p:cNvPr id="12" name="TextBox 11"/>
-          <p:cNvSpPr txBox="1"/>
-          <p:nvPr/>
-        </p:nvSpPr>
-        <p:spPr>
-          <a:xfrm>
-            <a:off x="2372135" y="3484433"/>
-            <a:ext cx="1490729" cy="646331"/>
-          </a:xfrm>
-          <a:prstGeom prst="rect">
-            <a:avLst/>
-          </a:prstGeom>
-          <a:noFill/>
-        </p:spPr>
-        <p:txBody>
-          <a:bodyPr wrap="none" rtlCol="0">
-            <a:spAutoFit/>
-          </a:bodyPr>
-          <a:lstStyle/>
-          <a:p>
-            <a:r>
-              <a:rPr lang="en-GB" dirty="0" smtClean="0"/>
-              <a:t>(Prelim letter)</a:t>
-            </a:r>
-          </a:p>
-          <a:p>
-            <a:r>
-              <a:rPr lang="en-GB" dirty="0" smtClean="0"/>
-              <a:t>Document</a:t>
-            </a:r>
-            <a:endParaRPr lang="en-GB" dirty="0"/>
-          </a:p>
-        </p:txBody>
-      </p:sp>
-      <p:pic>
-        <p:nvPicPr>
-          <p:cNvPr id="1028" name="Picture 4" descr="C:\GITHUB\incodehq\incode-module-document\dom\src\main\java\org\incode\module\document\dom\impl\paperclips\Paperclip.png"/>
-          <p:cNvPicPr>
-            <a:picLocks noChangeAspect="1" noChangeArrowheads="1"/>
-          </p:cNvPicPr>
-          <p:nvPr/>
-        </p:nvPicPr>
-        <p:blipFill>
-          <a:blip r:embed="rId4">
-            <a:extLst>
-              <a:ext uri="{28A0092B-C50C-407E-A947-70E740481C1C}">
-                <a14:useLocalDpi xmlns:a14="http://schemas.microsoft.com/office/drawing/2010/main" val="0"/>
-              </a:ext>
-            </a:extLst>
-          </a:blip>
-          <a:srcRect/>
-          <a:stretch>
-            <a:fillRect/>
-          </a:stretch>
-        </p:blipFill>
-        <p:spPr bwMode="auto">
-          <a:xfrm>
-            <a:off x="1331640" y="1667682"/>
-            <a:ext cx="518865" cy="518865"/>
-          </a:xfrm>
-          <a:prstGeom prst="rect">
-            <a:avLst/>
-          </a:prstGeom>
-          <a:noFill/>
-          <a:extLst>
-            <a:ext uri="{909E8E84-426E-40DD-AFC4-6F175D3DCCD1}">
-              <a14:hiddenFill xmlns:a14="http://schemas.microsoft.com/office/drawing/2010/main">
-                <a:solidFill>
-                  <a:srgbClr val="FFFFFF"/>
-                </a:solidFill>
-              </a14:hiddenFill>
-            </a:ext>
-          </a:extLst>
-        </p:spPr>
-      </p:pic>
-      <p:cxnSp>
-        <p:nvCxnSpPr>
-          <p:cNvPr id="11" name="Straight Connector 10"/>
-          <p:cNvCxnSpPr/>
-          <p:nvPr/>
-        </p:nvCxnSpPr>
-        <p:spPr>
-          <a:xfrm>
-            <a:off x="1074830" y="1387561"/>
-            <a:ext cx="1048898" cy="1015011"/>
-          </a:xfrm>
-          <a:prstGeom prst="line">
-            <a:avLst/>
-          </a:prstGeom>
-        </p:spPr>
-        <p:style>
-          <a:lnRef idx="1">
-            <a:schemeClr val="accent1"/>
-          </a:lnRef>
-          <a:fillRef idx="0">
-            <a:schemeClr val="accent1"/>
-          </a:fillRef>
-          <a:effectRef idx="0">
-            <a:schemeClr val="accent1"/>
-          </a:effectRef>
-          <a:fontRef idx="minor">
-            <a:schemeClr val="tx1"/>
-          </a:fontRef>
-        </p:style>
-      </p:cxnSp>
-      <p:sp>
-        <p:nvSpPr>
-          <p:cNvPr id="19" name="TextBox 18"/>
-          <p:cNvSpPr txBox="1"/>
-          <p:nvPr/>
-        </p:nvSpPr>
-        <p:spPr>
-          <a:xfrm>
-            <a:off x="1835696" y="1765533"/>
-            <a:ext cx="759375" cy="276999"/>
-          </a:xfrm>
-          <a:prstGeom prst="rect">
-            <a:avLst/>
-          </a:prstGeom>
-          <a:noFill/>
-        </p:spPr>
-        <p:txBody>
-          <a:bodyPr wrap="none" rtlCol="0">
-            <a:spAutoFit/>
-          </a:bodyPr>
-          <a:lstStyle/>
-          <a:p>
-            <a:r>
-              <a:rPr lang="en-GB" sz="1200" smtClean="0"/>
-              <a:t>Paperclip</a:t>
-            </a:r>
-            <a:endParaRPr lang="en-GB" sz="1200" dirty="0"/>
-          </a:p>
-        </p:txBody>
-      </p:sp>
-      <p:cxnSp>
-        <p:nvCxnSpPr>
-          <p:cNvPr id="29" name="Straight Connector 28"/>
-          <p:cNvCxnSpPr/>
-          <p:nvPr/>
-        </p:nvCxnSpPr>
-        <p:spPr>
-          <a:xfrm>
-            <a:off x="1227230" y="1539961"/>
-            <a:ext cx="1048898" cy="1015011"/>
-          </a:xfrm>
-          <a:prstGeom prst="line">
-            <a:avLst/>
-          </a:prstGeom>
-        </p:spPr>
-        <p:style>
-          <a:lnRef idx="1">
-            <a:schemeClr val="accent1"/>
-          </a:lnRef>
-          <a:fillRef idx="0">
-            <a:schemeClr val="accent1"/>
-          </a:fillRef>
-          <a:effectRef idx="0">
-            <a:schemeClr val="accent1"/>
-          </a:effectRef>
-          <a:fontRef idx="minor">
-            <a:schemeClr val="tx1"/>
-          </a:fontRef>
-        </p:style>
-      </p:cxnSp>
-      <p:sp>
-        <p:nvSpPr>
-          <p:cNvPr id="2" name="TextBox 1"/>
-          <p:cNvSpPr txBox="1"/>
-          <p:nvPr/>
-        </p:nvSpPr>
-        <p:spPr>
-          <a:xfrm>
-            <a:off x="3203848" y="188640"/>
-            <a:ext cx="3593612" cy="646331"/>
-          </a:xfrm>
-          <a:prstGeom prst="rect">
-            <a:avLst/>
-          </a:prstGeom>
-          <a:noFill/>
-        </p:spPr>
-        <p:txBody>
-          <a:bodyPr wrap="none" rtlCol="0">
-            <a:spAutoFit/>
-          </a:bodyPr>
-          <a:lstStyle/>
-          <a:p>
-            <a:r>
-              <a:rPr lang="en-GB" sz="3600" dirty="0" smtClean="0">
-                <a:solidFill>
-                  <a:srgbClr val="0070C0"/>
-                </a:solidFill>
-              </a:rPr>
-              <a:t>“Prelim - Prepare”</a:t>
-            </a:r>
-            <a:endParaRPr lang="en-GB" sz="3600" dirty="0">
-              <a:solidFill>
-                <a:srgbClr val="0070C0"/>
-              </a:solidFill>
-            </a:endParaRPr>
           </a:p>
         </p:txBody>
       </p:sp>
     </p:spTree>
     <p:extLst>
       <p:ext uri="{BB962C8B-B14F-4D97-AF65-F5344CB8AC3E}">
-        <p14:creationId xmlns:p14="http://schemas.microsoft.com/office/powerpoint/2010/main" val="3581730187"/>
+        <p14:creationId xmlns:p14="http://schemas.microsoft.com/office/powerpoint/2010/main" val="44865782"/>
       </p:ext>
     </p:extLst>
   </p:cSld>
@@ -3547,7 +3265,7 @@
         <p:spPr>
           <a:xfrm>
             <a:off x="1140729" y="332656"/>
-            <a:ext cx="850361" cy="369332"/>
+            <a:ext cx="1262077" cy="369332"/>
           </a:xfrm>
           <a:prstGeom prst="rect">
             <a:avLst/>
@@ -3561,10 +3279,9 @@
           <a:lstStyle/>
           <a:p>
             <a:r>
-              <a:rPr lang="en-GB" dirty="0" smtClean="0"/>
-              <a:t>Invoice</a:t>
-            </a:r>
-            <a:endParaRPr lang="en-GB" dirty="0"/>
+              <a:rPr lang="en-GB" dirty="0"/>
+              <a:t>Transaction</a:t>
+            </a:r>
           </a:p>
         </p:txBody>
       </p:sp>
@@ -3647,85 +3364,6 @@
       </p:sp>
       <p:pic>
         <p:nvPicPr>
-          <p:cNvPr id="13" name="Picture 3" descr="C:\GITHUB\incodehq\incode-module-document\dom\src\main\java\org\incode\module\document\dom\impl\docs\Document-pdf.png"/>
-          <p:cNvPicPr>
-            <a:picLocks noChangeAspect="1" noChangeArrowheads="1"/>
-          </p:cNvPicPr>
-          <p:nvPr/>
-        </p:nvPicPr>
-        <p:blipFill>
-          <a:blip r:embed="rId3">
-            <a:extLst>
-              <a:ext uri="{28A0092B-C50C-407E-A947-70E740481C1C}">
-                <a14:useLocalDpi xmlns:a14="http://schemas.microsoft.com/office/drawing/2010/main" val="0"/>
-              </a:ext>
-            </a:extLst>
-          </a:blip>
-          <a:srcRect/>
-          <a:stretch>
-            <a:fillRect/>
-          </a:stretch>
-        </p:blipFill>
-        <p:spPr bwMode="auto">
-          <a:xfrm>
-            <a:off x="827584" y="4785735"/>
-            <a:ext cx="916260" cy="916260"/>
-          </a:xfrm>
-          <a:prstGeom prst="rect">
-            <a:avLst/>
-          </a:prstGeom>
-          <a:noFill/>
-          <a:extLst>
-            <a:ext uri="{909E8E84-426E-40DD-AFC4-6F175D3DCCD1}">
-              <a14:hiddenFill xmlns:a14="http://schemas.microsoft.com/office/drawing/2010/main">
-                <a:solidFill>
-                  <a:srgbClr val="FFFFFF"/>
-                </a:solidFill>
-              </a14:hiddenFill>
-            </a:ext>
-          </a:extLst>
-        </p:spPr>
-      </p:pic>
-      <p:sp>
-        <p:nvSpPr>
-          <p:cNvPr id="14" name="TextBox 13"/>
-          <p:cNvSpPr txBox="1"/>
-          <p:nvPr/>
-        </p:nvSpPr>
-        <p:spPr>
-          <a:xfrm>
-            <a:off x="715951" y="5733913"/>
-            <a:ext cx="1337097" cy="646331"/>
-          </a:xfrm>
-          <a:prstGeom prst="rect">
-            <a:avLst/>
-          </a:prstGeom>
-          <a:noFill/>
-        </p:spPr>
-        <p:txBody>
-          <a:bodyPr wrap="none" rtlCol="0">
-            <a:spAutoFit/>
-          </a:bodyPr>
-          <a:lstStyle/>
-          <a:p>
-            <a:pPr algn="ctr"/>
-            <a:r>
-              <a:rPr lang="en-GB" dirty="0" smtClean="0"/>
-              <a:t>(Tax receipt)</a:t>
-            </a:r>
-          </a:p>
-          <a:p>
-            <a:pPr algn="ctr"/>
-            <a:r>
-              <a:rPr lang="en-GB" dirty="0" smtClean="0"/>
-              <a:t>Document</a:t>
-            </a:r>
-            <a:endParaRPr lang="en-GB" dirty="0"/>
-          </a:p>
-        </p:txBody>
-      </p:sp>
-      <p:pic>
-        <p:nvPicPr>
           <p:cNvPr id="1028" name="Picture 4" descr="C:\GITHUB\incodehq\incode-module-document\dom\src\main\java\org\incode\module\document\dom\impl\paperclips\Paperclip.png"/>
           <p:cNvPicPr>
             <a:picLocks noChangeAspect="1" noChangeArrowheads="1"/>
@@ -3797,7 +3435,163 @@
       </p:cxnSp>
       <p:pic>
         <p:nvPicPr>
-          <p:cNvPr id="20" name="Picture 4" descr="C:\GITHUB\incodehq\incode-module-document\dom\src\main\java\org\incode\module\document\dom\impl\paperclips\Paperclip.png"/>
+          <p:cNvPr id="1029" name="Picture 5" descr="C:\GITHUB\incodehq\incode-module-communications\module\src\main\java\org\incode\module\communications\dom\impl\comms\Communication-email.png"/>
+          <p:cNvPicPr>
+            <a:picLocks noChangeAspect="1" noChangeArrowheads="1"/>
+          </p:cNvPicPr>
+          <p:nvPr/>
+        </p:nvPicPr>
+        <p:blipFill>
+          <a:blip r:embed="rId5">
+            <a:extLst>
+              <a:ext uri="{28A0092B-C50C-407E-A947-70E740481C1C}">
+                <a14:useLocalDpi xmlns:a14="http://schemas.microsoft.com/office/drawing/2010/main" val="0"/>
+              </a:ext>
+            </a:extLst>
+          </a:blip>
+          <a:srcRect/>
+          <a:stretch>
+            <a:fillRect/>
+          </a:stretch>
+        </p:blipFill>
+        <p:spPr bwMode="auto">
+          <a:xfrm>
+            <a:off x="6732240" y="2449322"/>
+            <a:ext cx="1163127" cy="1163127"/>
+          </a:xfrm>
+          <a:prstGeom prst="rect">
+            <a:avLst/>
+          </a:prstGeom>
+          <a:noFill/>
+          <a:extLst>
+            <a:ext uri="{909E8E84-426E-40DD-AFC4-6F175D3DCCD1}">
+              <a14:hiddenFill xmlns:a14="http://schemas.microsoft.com/office/drawing/2010/main">
+                <a:solidFill>
+                  <a:srgbClr val="FFFFFF"/>
+                </a:solidFill>
+              </a14:hiddenFill>
+            </a:ext>
+          </a:extLst>
+        </p:spPr>
+      </p:pic>
+      <p:sp>
+        <p:nvSpPr>
+          <p:cNvPr id="24" name="TextBox 23"/>
+          <p:cNvSpPr txBox="1"/>
+          <p:nvPr/>
+        </p:nvSpPr>
+        <p:spPr>
+          <a:xfrm>
+            <a:off x="6643394" y="3410684"/>
+            <a:ext cx="1673022" cy="646331"/>
+          </a:xfrm>
+          <a:prstGeom prst="rect">
+            <a:avLst/>
+          </a:prstGeom>
+          <a:noFill/>
+        </p:spPr>
+        <p:txBody>
+          <a:bodyPr wrap="none" rtlCol="0">
+            <a:spAutoFit/>
+          </a:bodyPr>
+          <a:lstStyle/>
+          <a:p>
+            <a:r>
+              <a:rPr lang="en-GB" dirty="0" smtClean="0"/>
+              <a:t>(Email)</a:t>
+            </a:r>
+          </a:p>
+          <a:p>
+            <a:r>
+              <a:rPr lang="en-GB" dirty="0" smtClean="0"/>
+              <a:t>Communication</a:t>
+            </a:r>
+            <a:endParaRPr lang="en-GB" dirty="0"/>
+          </a:p>
+        </p:txBody>
+      </p:sp>
+      <p:pic>
+        <p:nvPicPr>
+          <p:cNvPr id="1030" name="Picture 6" descr="C:\GITHUB\incodehq\incode-module-document\dom\src\main\java\org\incode\module\document\dom\impl\docs\Document-html.png"/>
+          <p:cNvPicPr>
+            <a:picLocks noChangeAspect="1" noChangeArrowheads="1"/>
+          </p:cNvPicPr>
+          <p:nvPr/>
+        </p:nvPicPr>
+        <p:blipFill>
+          <a:blip r:embed="rId6">
+            <a:extLst>
+              <a:ext uri="{28A0092B-C50C-407E-A947-70E740481C1C}">
+                <a14:useLocalDpi xmlns:a14="http://schemas.microsoft.com/office/drawing/2010/main" val="0"/>
+              </a:ext>
+            </a:extLst>
+          </a:blip>
+          <a:srcRect/>
+          <a:stretch>
+            <a:fillRect/>
+          </a:stretch>
+        </p:blipFill>
+        <p:spPr bwMode="auto">
+          <a:xfrm>
+            <a:off x="4716016" y="4811548"/>
+            <a:ext cx="831384" cy="831384"/>
+          </a:xfrm>
+          <a:prstGeom prst="rect">
+            <a:avLst/>
+          </a:prstGeom>
+          <a:noFill/>
+          <a:extLst>
+            <a:ext uri="{909E8E84-426E-40DD-AFC4-6F175D3DCCD1}">
+              <a14:hiddenFill xmlns:a14="http://schemas.microsoft.com/office/drawing/2010/main">
+                <a:solidFill>
+                  <a:srgbClr val="FFFFFF"/>
+                </a:solidFill>
+              </a14:hiddenFill>
+            </a:ext>
+          </a:extLst>
+        </p:spPr>
+      </p:pic>
+      <p:sp>
+        <p:nvSpPr>
+          <p:cNvPr id="26" name="TextBox 25"/>
+          <p:cNvSpPr txBox="1"/>
+          <p:nvPr/>
+        </p:nvSpPr>
+        <p:spPr>
+          <a:xfrm>
+            <a:off x="4244343" y="5644673"/>
+            <a:ext cx="1892185" cy="646331"/>
+          </a:xfrm>
+          <a:prstGeom prst="rect">
+            <a:avLst/>
+          </a:prstGeom>
+          <a:noFill/>
+        </p:spPr>
+        <p:txBody>
+          <a:bodyPr wrap="none" rtlCol="0">
+            <a:spAutoFit/>
+          </a:bodyPr>
+          <a:lstStyle/>
+          <a:p>
+            <a:pPr algn="ctr"/>
+            <a:r>
+              <a:rPr lang="en-GB" dirty="0" smtClean="0"/>
+              <a:t>(Email cover note)</a:t>
+            </a:r>
+          </a:p>
+          <a:p>
+            <a:pPr algn="ctr"/>
+            <a:r>
+              <a:rPr lang="en-GB" dirty="0" smtClean="0"/>
+              <a:t>Document</a:t>
+            </a:r>
+            <a:endParaRPr lang="en-GB" dirty="0"/>
+          </a:p>
+        </p:txBody>
+      </p:sp>
+      <p:pic>
+        <p:nvPicPr>
+          <p:cNvPr id="27" name="Picture 4" descr="C:\GITHUB\incodehq\incode-module-document\dom\src\main\java\org\incode\module\document\dom\impl\paperclips\Paperclip.png"/>
           <p:cNvPicPr>
             <a:picLocks noChangeAspect="1" noChangeArrowheads="1"/>
           </p:cNvPicPr>
@@ -3818,7 +3612,7 @@
         </p:blipFill>
         <p:spPr bwMode="auto">
           <a:xfrm>
-            <a:off x="1619505" y="3906829"/>
+            <a:off x="4460367" y="2766119"/>
             <a:ext cx="518865" cy="518865"/>
           </a:xfrm>
           <a:prstGeom prst="rect">
@@ -3838,14 +3632,44 @@
       </p:pic>
       <p:cxnSp>
         <p:nvCxnSpPr>
-          <p:cNvPr id="21" name="Straight Connector 20"/>
+          <p:cNvPr id="29" name="Straight Connector 28"/>
           <p:cNvCxnSpPr/>
           <p:nvPr/>
         </p:nvCxnSpPr>
         <p:spPr>
-          <a:xfrm flipH="1">
-            <a:off x="1362695" y="3626708"/>
+          <a:xfrm>
+            <a:off x="1227230" y="1539961"/>
             <a:ext cx="1048898" cy="1015011"/>
+          </a:xfrm>
+          <a:prstGeom prst="line">
+            <a:avLst/>
+          </a:prstGeom>
+        </p:spPr>
+        <p:style>
+          <a:lnRef idx="1">
+            <a:schemeClr val="accent1"/>
+          </a:lnRef>
+          <a:fillRef idx="0">
+            <a:schemeClr val="accent1"/>
+          </a:fillRef>
+          <a:effectRef idx="0">
+            <a:schemeClr val="accent1"/>
+          </a:effectRef>
+          <a:fontRef idx="minor">
+            <a:schemeClr val="tx1"/>
+          </a:fontRef>
+        </p:style>
+      </p:cxnSp>
+      <p:cxnSp>
+        <p:nvCxnSpPr>
+          <p:cNvPr id="30" name="Straight Connector 29"/>
+          <p:cNvCxnSpPr/>
+          <p:nvPr/>
+        </p:nvCxnSpPr>
+        <p:spPr>
+          <a:xfrm>
+            <a:off x="3380247" y="3004718"/>
+            <a:ext cx="3096344" cy="26167"/>
           </a:xfrm>
           <a:prstGeom prst="line">
             <a:avLst/>
@@ -3868,84 +3692,7 @@
       </p:cxnSp>
       <p:pic>
         <p:nvPicPr>
-          <p:cNvPr id="1029" name="Picture 5" descr="C:\GITHUB\incodehq\incode-module-communications\module\src\main\java\org\incode\module\communications\dom\impl\comms\Communication-email.png"/>
-          <p:cNvPicPr>
-            <a:picLocks noChangeAspect="1" noChangeArrowheads="1"/>
-          </p:cNvPicPr>
-          <p:nvPr/>
-        </p:nvPicPr>
-        <p:blipFill>
-          <a:blip r:embed="rId5">
-            <a:extLst>
-              <a:ext uri="{28A0092B-C50C-407E-A947-70E740481C1C}">
-                <a14:useLocalDpi xmlns:a14="http://schemas.microsoft.com/office/drawing/2010/main" val="0"/>
-              </a:ext>
-            </a:extLst>
-          </a:blip>
-          <a:srcRect/>
-          <a:stretch>
-            <a:fillRect/>
-          </a:stretch>
-        </p:blipFill>
-        <p:spPr bwMode="auto">
-          <a:xfrm>
-            <a:off x="6732240" y="2449322"/>
-            <a:ext cx="1163127" cy="1163127"/>
-          </a:xfrm>
-          <a:prstGeom prst="rect">
-            <a:avLst/>
-          </a:prstGeom>
-          <a:noFill/>
-          <a:extLst>
-            <a:ext uri="{909E8E84-426E-40DD-AFC4-6F175D3DCCD1}">
-              <a14:hiddenFill xmlns:a14="http://schemas.microsoft.com/office/drawing/2010/main">
-                <a:solidFill>
-                  <a:srgbClr val="FFFFFF"/>
-                </a:solidFill>
-              </a14:hiddenFill>
-            </a:ext>
-          </a:extLst>
-        </p:spPr>
-      </p:pic>
-      <p:sp>
-        <p:nvSpPr>
-          <p:cNvPr id="24" name="TextBox 23"/>
-          <p:cNvSpPr txBox="1"/>
-          <p:nvPr/>
-        </p:nvSpPr>
-        <p:spPr>
-          <a:xfrm>
-            <a:off x="6643394" y="3410684"/>
-            <a:ext cx="1673022" cy="646331"/>
-          </a:xfrm>
-          <a:prstGeom prst="rect">
-            <a:avLst/>
-          </a:prstGeom>
-          <a:noFill/>
-        </p:spPr>
-        <p:txBody>
-          <a:bodyPr wrap="none" rtlCol="0">
-            <a:spAutoFit/>
-          </a:bodyPr>
-          <a:lstStyle/>
-          <a:p>
-            <a:r>
-              <a:rPr lang="en-GB" dirty="0" smtClean="0"/>
-              <a:t>(Post)</a:t>
-            </a:r>
-          </a:p>
-          <a:p>
-            <a:r>
-              <a:rPr lang="en-GB" dirty="0" smtClean="0"/>
-              <a:t>Communication</a:t>
-            </a:r>
-            <a:endParaRPr lang="en-GB" dirty="0"/>
-          </a:p>
-        </p:txBody>
-      </p:sp>
-      <p:pic>
-        <p:nvPicPr>
-          <p:cNvPr id="27" name="Picture 4" descr="C:\GITHUB\incodehq\incode-module-document\dom\src\main\java\org\incode\module\document\dom\impl\paperclips\Paperclip.png"/>
+          <p:cNvPr id="33" name="Picture 4" descr="C:\GITHUB\incodehq\incode-module-document\dom\src\main\java\org\incode\module\document\dom\impl\paperclips\Paperclip.png"/>
           <p:cNvPicPr>
             <a:picLocks noChangeAspect="1" noChangeArrowheads="1"/>
           </p:cNvPicPr>
@@ -3966,7 +3713,7 @@
         </p:blipFill>
         <p:spPr bwMode="auto">
           <a:xfrm>
-            <a:off x="4460367" y="2766119"/>
+            <a:off x="5813710" y="3933056"/>
             <a:ext cx="518865" cy="518865"/>
           </a:xfrm>
           <a:prstGeom prst="rect">
@@ -3986,13 +3733,13 @@
       </p:pic>
       <p:cxnSp>
         <p:nvCxnSpPr>
-          <p:cNvPr id="29" name="Straight Connector 28"/>
+          <p:cNvPr id="35" name="Straight Connector 34"/>
           <p:cNvCxnSpPr/>
           <p:nvPr/>
         </p:nvCxnSpPr>
         <p:spPr>
-          <a:xfrm>
-            <a:off x="1227230" y="1539961"/>
+          <a:xfrm flipH="1">
+            <a:off x="5571709" y="3638125"/>
             <a:ext cx="1048898" cy="1015011"/>
           </a:xfrm>
           <a:prstGeom prst="line">
@@ -4014,117 +3761,16 @@
           </a:fontRef>
         </p:style>
       </p:cxnSp>
-      <p:cxnSp>
-        <p:nvCxnSpPr>
-          <p:cNvPr id="30" name="Straight Connector 29"/>
-          <p:cNvCxnSpPr/>
-          <p:nvPr/>
-        </p:nvCxnSpPr>
-        <p:spPr>
-          <a:xfrm>
-            <a:off x="3380247" y="3004718"/>
-            <a:ext cx="3096344" cy="26167"/>
-          </a:xfrm>
-          <a:prstGeom prst="line">
-            <a:avLst/>
-          </a:prstGeom>
-        </p:spPr>
-        <p:style>
-          <a:lnRef idx="1">
-            <a:schemeClr val="accent1"/>
-          </a:lnRef>
-          <a:fillRef idx="0">
-            <a:schemeClr val="accent1"/>
-          </a:fillRef>
-          <a:effectRef idx="0">
-            <a:schemeClr val="accent1"/>
-          </a:effectRef>
-          <a:fontRef idx="minor">
-            <a:schemeClr val="tx1"/>
-          </a:fontRef>
-        </p:style>
-      </p:cxnSp>
-      <p:pic>
-        <p:nvPicPr>
-          <p:cNvPr id="25" name="Picture 4" descr="C:\GITHUB\incodehq\incode-module-document\dom\src\main\java\org\incode\module\document\dom\impl\paperclips\Paperclip.png"/>
-          <p:cNvPicPr>
-            <a:picLocks noChangeAspect="1" noChangeArrowheads="1"/>
-          </p:cNvPicPr>
-          <p:nvPr/>
-        </p:nvPicPr>
-        <p:blipFill>
-          <a:blip r:embed="rId4">
-            <a:extLst>
-              <a:ext uri="{28A0092B-C50C-407E-A947-70E740481C1C}">
-                <a14:useLocalDpi xmlns:a14="http://schemas.microsoft.com/office/drawing/2010/main" val="0"/>
-              </a:ext>
-            </a:extLst>
-          </a:blip>
-          <a:srcRect/>
-          <a:stretch>
-            <a:fillRect/>
-          </a:stretch>
-        </p:blipFill>
-        <p:spPr bwMode="auto">
-          <a:xfrm>
-            <a:off x="3596601" y="4206279"/>
-            <a:ext cx="518865" cy="518865"/>
-          </a:xfrm>
-          <a:prstGeom prst="rect">
-            <a:avLst/>
-          </a:prstGeom>
-          <a:noFill/>
-          <a:extLst>
-            <a:ext uri="{909E8E84-426E-40DD-AFC4-6F175D3DCCD1}">
-              <a14:hiddenFill xmlns:a14="http://schemas.microsoft.com/office/drawing/2010/main">
-                <a:solidFill>
-                  <a:srgbClr val="FFFFFF"/>
-                </a:solidFill>
-              </a14:hiddenFill>
-            </a:ext>
-          </a:extLst>
-        </p:spPr>
-      </p:pic>
-      <p:cxnSp>
-        <p:nvCxnSpPr>
-          <p:cNvPr id="31" name="Straight Connector 30"/>
-          <p:cNvCxnSpPr/>
-          <p:nvPr/>
-        </p:nvCxnSpPr>
-        <p:spPr>
-          <a:xfrm flipV="1">
-            <a:off x="2053048" y="3337233"/>
-            <a:ext cx="4391160" cy="1890007"/>
-          </a:xfrm>
-          <a:prstGeom prst="line">
-            <a:avLst/>
-          </a:prstGeom>
-        </p:spPr>
-        <p:style>
-          <a:lnRef idx="1">
-            <a:schemeClr val="accent1"/>
-          </a:lnRef>
-          <a:fillRef idx="0">
-            <a:schemeClr val="accent1"/>
-          </a:fillRef>
-          <a:effectRef idx="0">
-            <a:schemeClr val="accent1"/>
-          </a:effectRef>
-          <a:fontRef idx="minor">
-            <a:schemeClr val="tx1"/>
-          </a:fontRef>
-        </p:style>
-      </p:cxnSp>
-      <p:sp>
-        <p:nvSpPr>
-          <p:cNvPr id="32" name="TextBox 31"/>
+      <p:sp>
+        <p:nvSpPr>
+          <p:cNvPr id="20" name="TextBox 19"/>
           <p:cNvSpPr txBox="1"/>
           <p:nvPr/>
         </p:nvSpPr>
         <p:spPr>
           <a:xfrm>
             <a:off x="3203848" y="188640"/>
-            <a:ext cx="2973250" cy="646331"/>
+            <a:ext cx="4894481" cy="646331"/>
           </a:xfrm>
           <a:prstGeom prst="rect">
             <a:avLst/>
@@ -4140,14 +3786,18 @@
             <a:r>
               <a:rPr lang="en-GB" sz="3600" dirty="0" smtClean="0">
                 <a:solidFill>
-                  <a:srgbClr val="00B050"/>
+                  <a:schemeClr val="accent6">
+                    <a:lumMod val="75000"/>
+                  </a:schemeClr>
                 </a:solidFill>
               </a:rPr>
-              <a:t>“Send by Post”</a:t>
+              <a:t>“Send by Email (Invoice)”</a:t>
             </a:r>
             <a:endParaRPr lang="en-GB" sz="3600" dirty="0">
               <a:solidFill>
-                <a:srgbClr val="00B050"/>
+                <a:schemeClr val="accent6">
+                  <a:lumMod val="75000"/>
+                </a:schemeClr>
               </a:solidFill>
             </a:endParaRPr>
           </a:p>
@@ -4156,7 +3806,7 @@
     </p:spTree>
     <p:extLst>
       <p:ext uri="{BB962C8B-B14F-4D97-AF65-F5344CB8AC3E}">
-        <p14:creationId xmlns:p14="http://schemas.microsoft.com/office/powerpoint/2010/main" val="3079389626"/>
+        <p14:creationId xmlns:p14="http://schemas.microsoft.com/office/powerpoint/2010/main" val="2067663931"/>
       </p:ext>
     </p:extLst>
   </p:cSld>
@@ -4190,829 +3840,70 @@
           <a:chExt cx="0" cy="0"/>
         </a:xfrm>
       </p:grpSpPr>
-      <p:pic>
-        <p:nvPicPr>
-          <p:cNvPr id="1026" name="Picture 2" descr="C:\GITHUB\estatio\estatio\estatioapp\module\invoice\dom\src\main\java\org\estatio\dom\invoice\Invoice.png"/>
-          <p:cNvPicPr>
-            <a:picLocks noChangeAspect="1" noChangeArrowheads="1"/>
-          </p:cNvPicPr>
-          <p:nvPr/>
-        </p:nvPicPr>
-        <p:blipFill>
-          <a:blip r:embed="rId2">
-            <a:extLst>
-              <a:ext uri="{28A0092B-C50C-407E-A947-70E740481C1C}">
-                <a14:useLocalDpi xmlns:a14="http://schemas.microsoft.com/office/drawing/2010/main" val="0"/>
-              </a:ext>
-            </a:extLst>
-          </a:blip>
-          <a:srcRect/>
-          <a:stretch>
-            <a:fillRect/>
-          </a:stretch>
-        </p:blipFill>
-        <p:spPr bwMode="auto">
-          <a:xfrm>
-            <a:off x="211895" y="332656"/>
-            <a:ext cx="916260" cy="916260"/>
-          </a:xfrm>
-          <a:prstGeom prst="rect">
-            <a:avLst/>
-          </a:prstGeom>
-          <a:noFill/>
-          <a:extLst>
-            <a:ext uri="{909E8E84-426E-40DD-AFC4-6F175D3DCCD1}">
-              <a14:hiddenFill xmlns:a14="http://schemas.microsoft.com/office/drawing/2010/main">
-                <a:solidFill>
-                  <a:srgbClr val="FFFFFF"/>
-                </a:solidFill>
-              </a14:hiddenFill>
-            </a:ext>
-          </a:extLst>
-        </p:spPr>
-      </p:pic>
-      <p:sp>
-        <p:nvSpPr>
-          <p:cNvPr id="9" name="TextBox 8"/>
-          <p:cNvSpPr txBox="1"/>
-          <p:nvPr/>
-        </p:nvSpPr>
-        <p:spPr>
-          <a:xfrm>
-            <a:off x="1140729" y="332656"/>
-            <a:ext cx="850361" cy="369332"/>
-          </a:xfrm>
-          <a:prstGeom prst="rect">
-            <a:avLst/>
-          </a:prstGeom>
-          <a:noFill/>
-        </p:spPr>
-        <p:txBody>
-          <a:bodyPr wrap="none" rtlCol="0">
-            <a:spAutoFit/>
-          </a:bodyPr>
+      <p:sp>
+        <p:nvSpPr>
+          <p:cNvPr id="2" name="Title 1"/>
+          <p:cNvSpPr>
+            <a:spLocks noGrp="1"/>
+          </p:cNvSpPr>
+          <p:nvPr>
+            <p:ph type="ctrTitle"/>
+          </p:nvPr>
+        </p:nvSpPr>
+        <p:spPr/>
+        <p:txBody>
+          <a:bodyPr/>
           <a:lstStyle/>
           <a:p>
             <a:r>
               <a:rPr lang="en-GB" dirty="0" smtClean="0"/>
-              <a:t>Invoice</a:t>
+              <a:t>Attachments</a:t>
             </a:r>
             <a:endParaRPr lang="en-GB" dirty="0"/>
           </a:p>
         </p:txBody>
       </p:sp>
-      <p:pic>
-        <p:nvPicPr>
-          <p:cNvPr id="1027" name="Picture 3" descr="C:\GITHUB\incodehq\incode-module-document\dom\src\main\java\org\incode\module\document\dom\impl\docs\Document-pdf.png"/>
-          <p:cNvPicPr>
-            <a:picLocks noChangeAspect="1" noChangeArrowheads="1"/>
-          </p:cNvPicPr>
-          <p:nvPr/>
-        </p:nvPicPr>
-        <p:blipFill>
-          <a:blip r:embed="rId3">
-            <a:extLst>
-              <a:ext uri="{28A0092B-C50C-407E-A947-70E740481C1C}">
-                <a14:useLocalDpi xmlns:a14="http://schemas.microsoft.com/office/drawing/2010/main" val="0"/>
-              </a:ext>
-            </a:extLst>
-          </a:blip>
-          <a:srcRect/>
-          <a:stretch>
-            <a:fillRect/>
-          </a:stretch>
-        </p:blipFill>
-        <p:spPr bwMode="auto">
-          <a:xfrm>
-            <a:off x="2363960" y="2546588"/>
-            <a:ext cx="916260" cy="916260"/>
-          </a:xfrm>
-          <a:prstGeom prst="rect">
-            <a:avLst/>
-          </a:prstGeom>
-          <a:noFill/>
-          <a:extLst>
-            <a:ext uri="{909E8E84-426E-40DD-AFC4-6F175D3DCCD1}">
-              <a14:hiddenFill xmlns:a14="http://schemas.microsoft.com/office/drawing/2010/main">
-                <a:solidFill>
-                  <a:srgbClr val="FFFFFF"/>
-                </a:solidFill>
-              </a14:hiddenFill>
-            </a:ext>
-          </a:extLst>
-        </p:spPr>
-      </p:pic>
-      <p:sp>
-        <p:nvSpPr>
-          <p:cNvPr id="12" name="TextBox 11"/>
-          <p:cNvSpPr txBox="1"/>
-          <p:nvPr/>
-        </p:nvSpPr>
-        <p:spPr>
-          <a:xfrm>
-            <a:off x="2372135" y="3484433"/>
-            <a:ext cx="1165191" cy="646331"/>
-          </a:xfrm>
-          <a:prstGeom prst="rect">
-            <a:avLst/>
-          </a:prstGeom>
-          <a:noFill/>
-        </p:spPr>
-        <p:txBody>
-          <a:bodyPr wrap="none" rtlCol="0">
-            <a:spAutoFit/>
-          </a:bodyPr>
+      <p:sp>
+        <p:nvSpPr>
+          <p:cNvPr id="4" name="Subtitle 3"/>
+          <p:cNvSpPr>
+            <a:spLocks noGrp="1"/>
+          </p:cNvSpPr>
+          <p:nvPr>
+            <p:ph type="subTitle" idx="1"/>
+          </p:nvPr>
+        </p:nvSpPr>
+        <p:spPr/>
+        <p:txBody>
+          <a:bodyPr/>
           <a:lstStyle/>
           <a:p>
             <a:r>
               <a:rPr lang="en-GB" dirty="0" smtClean="0"/>
-              <a:t>(Invoice)</a:t>
-            </a:r>
-          </a:p>
-          <a:p>
+              <a:t>1</a:t>
+            </a:r>
+            <a:r>
+              <a:rPr lang="en-GB" baseline="30000" dirty="0" smtClean="0"/>
+              <a:t>st</a:t>
+            </a:r>
             <a:r>
               <a:rPr lang="en-GB" dirty="0" smtClean="0"/>
-              <a:t>Document</a:t>
+              <a:t> design</a:t>
             </a:r>
             <a:endParaRPr lang="en-GB" dirty="0"/>
-          </a:p>
-        </p:txBody>
-      </p:sp>
-      <p:pic>
-        <p:nvPicPr>
-          <p:cNvPr id="13" name="Picture 3" descr="C:\GITHUB\incodehq\incode-module-document\dom\src\main\java\org\incode\module\document\dom\impl\docs\Document-pdf.png"/>
-          <p:cNvPicPr>
-            <a:picLocks noChangeAspect="1" noChangeArrowheads="1"/>
-          </p:cNvPicPr>
-          <p:nvPr/>
-        </p:nvPicPr>
-        <p:blipFill>
-          <a:blip r:embed="rId3">
-            <a:extLst>
-              <a:ext uri="{28A0092B-C50C-407E-A947-70E740481C1C}">
-                <a14:useLocalDpi xmlns:a14="http://schemas.microsoft.com/office/drawing/2010/main" val="0"/>
-              </a:ext>
-            </a:extLst>
-          </a:blip>
-          <a:srcRect/>
-          <a:stretch>
-            <a:fillRect/>
-          </a:stretch>
-        </p:blipFill>
-        <p:spPr bwMode="auto">
-          <a:xfrm>
-            <a:off x="827584" y="4785735"/>
-            <a:ext cx="916260" cy="916260"/>
-          </a:xfrm>
-          <a:prstGeom prst="rect">
-            <a:avLst/>
-          </a:prstGeom>
-          <a:noFill/>
-          <a:extLst>
-            <a:ext uri="{909E8E84-426E-40DD-AFC4-6F175D3DCCD1}">
-              <a14:hiddenFill xmlns:a14="http://schemas.microsoft.com/office/drawing/2010/main">
-                <a:solidFill>
-                  <a:srgbClr val="FFFFFF"/>
-                </a:solidFill>
-              </a14:hiddenFill>
-            </a:ext>
-          </a:extLst>
-        </p:spPr>
-      </p:pic>
-      <p:sp>
-        <p:nvSpPr>
-          <p:cNvPr id="14" name="TextBox 13"/>
-          <p:cNvSpPr txBox="1"/>
-          <p:nvPr/>
-        </p:nvSpPr>
-        <p:spPr>
-          <a:xfrm>
-            <a:off x="715951" y="5733913"/>
-            <a:ext cx="1337097" cy="646331"/>
-          </a:xfrm>
-          <a:prstGeom prst="rect">
-            <a:avLst/>
-          </a:prstGeom>
-          <a:noFill/>
-        </p:spPr>
-        <p:txBody>
-          <a:bodyPr wrap="none" rtlCol="0">
-            <a:spAutoFit/>
-          </a:bodyPr>
-          <a:lstStyle/>
-          <a:p>
-            <a:pPr algn="ctr"/>
-            <a:r>
-              <a:rPr lang="en-GB" dirty="0" smtClean="0"/>
-              <a:t>(Tax receipt)</a:t>
-            </a:r>
-          </a:p>
-          <a:p>
-            <a:pPr algn="ctr"/>
-            <a:r>
-              <a:rPr lang="en-GB" dirty="0" smtClean="0"/>
-              <a:t>Document</a:t>
-            </a:r>
-            <a:endParaRPr lang="en-GB" dirty="0"/>
-          </a:p>
-        </p:txBody>
-      </p:sp>
-      <p:pic>
-        <p:nvPicPr>
-          <p:cNvPr id="1028" name="Picture 4" descr="C:\GITHUB\incodehq\incode-module-document\dom\src\main\java\org\incode\module\document\dom\impl\paperclips\Paperclip.png"/>
-          <p:cNvPicPr>
-            <a:picLocks noChangeAspect="1" noChangeArrowheads="1"/>
-          </p:cNvPicPr>
-          <p:nvPr/>
-        </p:nvPicPr>
-        <p:blipFill>
-          <a:blip r:embed="rId4">
-            <a:extLst>
-              <a:ext uri="{28A0092B-C50C-407E-A947-70E740481C1C}">
-                <a14:useLocalDpi xmlns:a14="http://schemas.microsoft.com/office/drawing/2010/main" val="0"/>
-              </a:ext>
-            </a:extLst>
-          </a:blip>
-          <a:srcRect/>
-          <a:stretch>
-            <a:fillRect/>
-          </a:stretch>
-        </p:blipFill>
-        <p:spPr bwMode="auto">
-          <a:xfrm>
-            <a:off x="1331640" y="1667682"/>
-            <a:ext cx="518865" cy="518865"/>
-          </a:xfrm>
-          <a:prstGeom prst="rect">
-            <a:avLst/>
-          </a:prstGeom>
-          <a:noFill/>
-          <a:extLst>
-            <a:ext uri="{909E8E84-426E-40DD-AFC4-6F175D3DCCD1}">
-              <a14:hiddenFill xmlns:a14="http://schemas.microsoft.com/office/drawing/2010/main">
-                <a:solidFill>
-                  <a:srgbClr val="FFFFFF"/>
-                </a:solidFill>
-              </a14:hiddenFill>
-            </a:ext>
-          </a:extLst>
-        </p:spPr>
-      </p:pic>
-      <p:cxnSp>
-        <p:nvCxnSpPr>
-          <p:cNvPr id="11" name="Straight Connector 10"/>
-          <p:cNvCxnSpPr/>
-          <p:nvPr/>
-        </p:nvCxnSpPr>
-        <p:spPr>
-          <a:xfrm>
-            <a:off x="1074830" y="1387561"/>
-            <a:ext cx="1048898" cy="1015011"/>
-          </a:xfrm>
-          <a:prstGeom prst="line">
-            <a:avLst/>
-          </a:prstGeom>
-        </p:spPr>
-        <p:style>
-          <a:lnRef idx="1">
-            <a:schemeClr val="accent1"/>
-          </a:lnRef>
-          <a:fillRef idx="0">
-            <a:schemeClr val="accent1"/>
-          </a:fillRef>
-          <a:effectRef idx="0">
-            <a:schemeClr val="accent1"/>
-          </a:effectRef>
-          <a:fontRef idx="minor">
-            <a:schemeClr val="tx1"/>
-          </a:fontRef>
-        </p:style>
-      </p:cxnSp>
-      <p:pic>
-        <p:nvPicPr>
-          <p:cNvPr id="20" name="Picture 4" descr="C:\GITHUB\incodehq\incode-module-document\dom\src\main\java\org\incode\module\document\dom\impl\paperclips\Paperclip.png"/>
-          <p:cNvPicPr>
-            <a:picLocks noChangeAspect="1" noChangeArrowheads="1"/>
-          </p:cNvPicPr>
-          <p:nvPr/>
-        </p:nvPicPr>
-        <p:blipFill>
-          <a:blip r:embed="rId4">
-            <a:extLst>
-              <a:ext uri="{28A0092B-C50C-407E-A947-70E740481C1C}">
-                <a14:useLocalDpi xmlns:a14="http://schemas.microsoft.com/office/drawing/2010/main" val="0"/>
-              </a:ext>
-            </a:extLst>
-          </a:blip>
-          <a:srcRect/>
-          <a:stretch>
-            <a:fillRect/>
-          </a:stretch>
-        </p:blipFill>
-        <p:spPr bwMode="auto">
-          <a:xfrm>
-            <a:off x="1619505" y="3906829"/>
-            <a:ext cx="518865" cy="518865"/>
-          </a:xfrm>
-          <a:prstGeom prst="rect">
-            <a:avLst/>
-          </a:prstGeom>
-          <a:noFill/>
-          <a:extLst>
-            <a:ext uri="{909E8E84-426E-40DD-AFC4-6F175D3DCCD1}">
-              <a14:hiddenFill xmlns:a14="http://schemas.microsoft.com/office/drawing/2010/main">
-                <a:solidFill>
-                  <a:srgbClr val="FFFFFF"/>
-                </a:solidFill>
-              </a14:hiddenFill>
-            </a:ext>
-          </a:extLst>
-        </p:spPr>
-      </p:pic>
-      <p:cxnSp>
-        <p:nvCxnSpPr>
-          <p:cNvPr id="21" name="Straight Connector 20"/>
-          <p:cNvCxnSpPr/>
-          <p:nvPr/>
-        </p:nvCxnSpPr>
-        <p:spPr>
-          <a:xfrm flipH="1">
-            <a:off x="1362695" y="3626708"/>
-            <a:ext cx="1048898" cy="1015011"/>
-          </a:xfrm>
-          <a:prstGeom prst="line">
-            <a:avLst/>
-          </a:prstGeom>
-        </p:spPr>
-        <p:style>
-          <a:lnRef idx="1">
-            <a:schemeClr val="accent1"/>
-          </a:lnRef>
-          <a:fillRef idx="0">
-            <a:schemeClr val="accent1"/>
-          </a:fillRef>
-          <a:effectRef idx="0">
-            <a:schemeClr val="accent1"/>
-          </a:effectRef>
-          <a:fontRef idx="minor">
-            <a:schemeClr val="tx1"/>
-          </a:fontRef>
-        </p:style>
-      </p:cxnSp>
-      <p:pic>
-        <p:nvPicPr>
-          <p:cNvPr id="1029" name="Picture 5" descr="C:\GITHUB\incodehq\incode-module-communications\module\src\main\java\org\incode\module\communications\dom\impl\comms\Communication-email.png"/>
-          <p:cNvPicPr>
-            <a:picLocks noChangeAspect="1" noChangeArrowheads="1"/>
-          </p:cNvPicPr>
-          <p:nvPr/>
-        </p:nvPicPr>
-        <p:blipFill>
-          <a:blip r:embed="rId5">
-            <a:extLst>
-              <a:ext uri="{28A0092B-C50C-407E-A947-70E740481C1C}">
-                <a14:useLocalDpi xmlns:a14="http://schemas.microsoft.com/office/drawing/2010/main" val="0"/>
-              </a:ext>
-            </a:extLst>
-          </a:blip>
-          <a:srcRect/>
-          <a:stretch>
-            <a:fillRect/>
-          </a:stretch>
-        </p:blipFill>
-        <p:spPr bwMode="auto">
-          <a:xfrm>
-            <a:off x="6732240" y="2449322"/>
-            <a:ext cx="1163127" cy="1163127"/>
-          </a:xfrm>
-          <a:prstGeom prst="rect">
-            <a:avLst/>
-          </a:prstGeom>
-          <a:noFill/>
-          <a:extLst>
-            <a:ext uri="{909E8E84-426E-40DD-AFC4-6F175D3DCCD1}">
-              <a14:hiddenFill xmlns:a14="http://schemas.microsoft.com/office/drawing/2010/main">
-                <a:solidFill>
-                  <a:srgbClr val="FFFFFF"/>
-                </a:solidFill>
-              </a14:hiddenFill>
-            </a:ext>
-          </a:extLst>
-        </p:spPr>
-      </p:pic>
-      <p:sp>
-        <p:nvSpPr>
-          <p:cNvPr id="24" name="TextBox 23"/>
-          <p:cNvSpPr txBox="1"/>
-          <p:nvPr/>
-        </p:nvSpPr>
-        <p:spPr>
-          <a:xfrm>
-            <a:off x="6643394" y="3410684"/>
-            <a:ext cx="1673022" cy="646331"/>
-          </a:xfrm>
-          <a:prstGeom prst="rect">
-            <a:avLst/>
-          </a:prstGeom>
-          <a:noFill/>
-        </p:spPr>
-        <p:txBody>
-          <a:bodyPr wrap="none" rtlCol="0">
-            <a:spAutoFit/>
-          </a:bodyPr>
-          <a:lstStyle/>
-          <a:p>
-            <a:r>
-              <a:rPr lang="en-GB" dirty="0" smtClean="0"/>
-              <a:t>(Email)</a:t>
-            </a:r>
-          </a:p>
-          <a:p>
-            <a:r>
-              <a:rPr lang="en-GB" dirty="0" smtClean="0"/>
-              <a:t>Communication</a:t>
-            </a:r>
-            <a:endParaRPr lang="en-GB" dirty="0"/>
-          </a:p>
-        </p:txBody>
-      </p:sp>
-      <p:pic>
-        <p:nvPicPr>
-          <p:cNvPr id="1030" name="Picture 6" descr="C:\GITHUB\incodehq\incode-module-document\dom\src\main\java\org\incode\module\document\dom\impl\docs\Document-html.png"/>
-          <p:cNvPicPr>
-            <a:picLocks noChangeAspect="1" noChangeArrowheads="1"/>
-          </p:cNvPicPr>
-          <p:nvPr/>
-        </p:nvPicPr>
-        <p:blipFill>
-          <a:blip r:embed="rId6">
-            <a:extLst>
-              <a:ext uri="{28A0092B-C50C-407E-A947-70E740481C1C}">
-                <a14:useLocalDpi xmlns:a14="http://schemas.microsoft.com/office/drawing/2010/main" val="0"/>
-              </a:ext>
-            </a:extLst>
-          </a:blip>
-          <a:srcRect/>
-          <a:stretch>
-            <a:fillRect/>
-          </a:stretch>
-        </p:blipFill>
-        <p:spPr bwMode="auto">
-          <a:xfrm>
-            <a:off x="4716016" y="4811548"/>
-            <a:ext cx="831384" cy="831384"/>
-          </a:xfrm>
-          <a:prstGeom prst="rect">
-            <a:avLst/>
-          </a:prstGeom>
-          <a:noFill/>
-          <a:extLst>
-            <a:ext uri="{909E8E84-426E-40DD-AFC4-6F175D3DCCD1}">
-              <a14:hiddenFill xmlns:a14="http://schemas.microsoft.com/office/drawing/2010/main">
-                <a:solidFill>
-                  <a:srgbClr val="FFFFFF"/>
-                </a:solidFill>
-              </a14:hiddenFill>
-            </a:ext>
-          </a:extLst>
-        </p:spPr>
-      </p:pic>
-      <p:sp>
-        <p:nvSpPr>
-          <p:cNvPr id="26" name="TextBox 25"/>
-          <p:cNvSpPr txBox="1"/>
-          <p:nvPr/>
-        </p:nvSpPr>
-        <p:spPr>
-          <a:xfrm>
-            <a:off x="4244343" y="5644673"/>
-            <a:ext cx="1892185" cy="646331"/>
-          </a:xfrm>
-          <a:prstGeom prst="rect">
-            <a:avLst/>
-          </a:prstGeom>
-          <a:noFill/>
-        </p:spPr>
-        <p:txBody>
-          <a:bodyPr wrap="none" rtlCol="0">
-            <a:spAutoFit/>
-          </a:bodyPr>
-          <a:lstStyle/>
-          <a:p>
-            <a:pPr algn="ctr"/>
-            <a:r>
-              <a:rPr lang="en-GB" dirty="0" smtClean="0"/>
-              <a:t>(Email cover note)</a:t>
-            </a:r>
-          </a:p>
-          <a:p>
-            <a:pPr algn="ctr"/>
-            <a:r>
-              <a:rPr lang="en-GB" dirty="0" smtClean="0"/>
-              <a:t>Document</a:t>
-            </a:r>
-            <a:endParaRPr lang="en-GB" dirty="0"/>
-          </a:p>
-        </p:txBody>
-      </p:sp>
-      <p:pic>
-        <p:nvPicPr>
-          <p:cNvPr id="27" name="Picture 4" descr="C:\GITHUB\incodehq\incode-module-document\dom\src\main\java\org\incode\module\document\dom\impl\paperclips\Paperclip.png"/>
-          <p:cNvPicPr>
-            <a:picLocks noChangeAspect="1" noChangeArrowheads="1"/>
-          </p:cNvPicPr>
-          <p:nvPr/>
-        </p:nvPicPr>
-        <p:blipFill>
-          <a:blip r:embed="rId4">
-            <a:extLst>
-              <a:ext uri="{28A0092B-C50C-407E-A947-70E740481C1C}">
-                <a14:useLocalDpi xmlns:a14="http://schemas.microsoft.com/office/drawing/2010/main" val="0"/>
-              </a:ext>
-            </a:extLst>
-          </a:blip>
-          <a:srcRect/>
-          <a:stretch>
-            <a:fillRect/>
-          </a:stretch>
-        </p:blipFill>
-        <p:spPr bwMode="auto">
-          <a:xfrm>
-            <a:off x="4460367" y="2766119"/>
-            <a:ext cx="518865" cy="518865"/>
-          </a:xfrm>
-          <a:prstGeom prst="rect">
-            <a:avLst/>
-          </a:prstGeom>
-          <a:noFill/>
-          <a:extLst>
-            <a:ext uri="{909E8E84-426E-40DD-AFC4-6F175D3DCCD1}">
-              <a14:hiddenFill xmlns:a14="http://schemas.microsoft.com/office/drawing/2010/main">
-                <a:solidFill>
-                  <a:srgbClr val="FFFFFF"/>
-                </a:solidFill>
-              </a14:hiddenFill>
-            </a:ext>
-          </a:extLst>
-        </p:spPr>
-      </p:pic>
-      <p:cxnSp>
-        <p:nvCxnSpPr>
-          <p:cNvPr id="29" name="Straight Connector 28"/>
-          <p:cNvCxnSpPr/>
-          <p:nvPr/>
-        </p:nvCxnSpPr>
-        <p:spPr>
-          <a:xfrm>
-            <a:off x="1227230" y="1539961"/>
-            <a:ext cx="1048898" cy="1015011"/>
-          </a:xfrm>
-          <a:prstGeom prst="line">
-            <a:avLst/>
-          </a:prstGeom>
-        </p:spPr>
-        <p:style>
-          <a:lnRef idx="1">
-            <a:schemeClr val="accent1"/>
-          </a:lnRef>
-          <a:fillRef idx="0">
-            <a:schemeClr val="accent1"/>
-          </a:fillRef>
-          <a:effectRef idx="0">
-            <a:schemeClr val="accent1"/>
-          </a:effectRef>
-          <a:fontRef idx="minor">
-            <a:schemeClr val="tx1"/>
-          </a:fontRef>
-        </p:style>
-      </p:cxnSp>
-      <p:cxnSp>
-        <p:nvCxnSpPr>
-          <p:cNvPr id="30" name="Straight Connector 29"/>
-          <p:cNvCxnSpPr/>
-          <p:nvPr/>
-        </p:nvCxnSpPr>
-        <p:spPr>
-          <a:xfrm>
-            <a:off x="3380247" y="3004718"/>
-            <a:ext cx="3096344" cy="26167"/>
-          </a:xfrm>
-          <a:prstGeom prst="line">
-            <a:avLst/>
-          </a:prstGeom>
-        </p:spPr>
-        <p:style>
-          <a:lnRef idx="1">
-            <a:schemeClr val="accent1"/>
-          </a:lnRef>
-          <a:fillRef idx="0">
-            <a:schemeClr val="accent1"/>
-          </a:fillRef>
-          <a:effectRef idx="0">
-            <a:schemeClr val="accent1"/>
-          </a:effectRef>
-          <a:fontRef idx="minor">
-            <a:schemeClr val="tx1"/>
-          </a:fontRef>
-        </p:style>
-      </p:cxnSp>
-      <p:pic>
-        <p:nvPicPr>
-          <p:cNvPr id="33" name="Picture 4" descr="C:\GITHUB\incodehq\incode-module-document\dom\src\main\java\org\incode\module\document\dom\impl\paperclips\Paperclip.png"/>
-          <p:cNvPicPr>
-            <a:picLocks noChangeAspect="1" noChangeArrowheads="1"/>
-          </p:cNvPicPr>
-          <p:nvPr/>
-        </p:nvPicPr>
-        <p:blipFill>
-          <a:blip r:embed="rId4">
-            <a:extLst>
-              <a:ext uri="{28A0092B-C50C-407E-A947-70E740481C1C}">
-                <a14:useLocalDpi xmlns:a14="http://schemas.microsoft.com/office/drawing/2010/main" val="0"/>
-              </a:ext>
-            </a:extLst>
-          </a:blip>
-          <a:srcRect/>
-          <a:stretch>
-            <a:fillRect/>
-          </a:stretch>
-        </p:blipFill>
-        <p:spPr bwMode="auto">
-          <a:xfrm>
-            <a:off x="5813710" y="3933056"/>
-            <a:ext cx="518865" cy="518865"/>
-          </a:xfrm>
-          <a:prstGeom prst="rect">
-            <a:avLst/>
-          </a:prstGeom>
-          <a:noFill/>
-          <a:extLst>
-            <a:ext uri="{909E8E84-426E-40DD-AFC4-6F175D3DCCD1}">
-              <a14:hiddenFill xmlns:a14="http://schemas.microsoft.com/office/drawing/2010/main">
-                <a:solidFill>
-                  <a:srgbClr val="FFFFFF"/>
-                </a:solidFill>
-              </a14:hiddenFill>
-            </a:ext>
-          </a:extLst>
-        </p:spPr>
-      </p:pic>
-      <p:cxnSp>
-        <p:nvCxnSpPr>
-          <p:cNvPr id="35" name="Straight Connector 34"/>
-          <p:cNvCxnSpPr/>
-          <p:nvPr/>
-        </p:nvCxnSpPr>
-        <p:spPr>
-          <a:xfrm flipH="1">
-            <a:off x="5571709" y="3638125"/>
-            <a:ext cx="1048898" cy="1015011"/>
-          </a:xfrm>
-          <a:prstGeom prst="line">
-            <a:avLst/>
-          </a:prstGeom>
-        </p:spPr>
-        <p:style>
-          <a:lnRef idx="1">
-            <a:schemeClr val="accent1"/>
-          </a:lnRef>
-          <a:fillRef idx="0">
-            <a:schemeClr val="accent1"/>
-          </a:fillRef>
-          <a:effectRef idx="0">
-            <a:schemeClr val="accent1"/>
-          </a:effectRef>
-          <a:fontRef idx="minor">
-            <a:schemeClr val="tx1"/>
-          </a:fontRef>
-        </p:style>
-      </p:cxnSp>
-      <p:pic>
-        <p:nvPicPr>
-          <p:cNvPr id="25" name="Picture 4" descr="C:\GITHUB\incodehq\incode-module-document\dom\src\main\java\org\incode\module\document\dom\impl\paperclips\Paperclip.png"/>
-          <p:cNvPicPr>
-            <a:picLocks noChangeAspect="1" noChangeArrowheads="1"/>
-          </p:cNvPicPr>
-          <p:nvPr/>
-        </p:nvPicPr>
-        <p:blipFill>
-          <a:blip r:embed="rId4">
-            <a:extLst>
-              <a:ext uri="{28A0092B-C50C-407E-A947-70E740481C1C}">
-                <a14:useLocalDpi xmlns:a14="http://schemas.microsoft.com/office/drawing/2010/main" val="0"/>
-              </a:ext>
-            </a:extLst>
-          </a:blip>
-          <a:srcRect/>
-          <a:stretch>
-            <a:fillRect/>
-          </a:stretch>
-        </p:blipFill>
-        <p:spPr bwMode="auto">
-          <a:xfrm>
-            <a:off x="3596601" y="4206279"/>
-            <a:ext cx="518865" cy="518865"/>
-          </a:xfrm>
-          <a:prstGeom prst="rect">
-            <a:avLst/>
-          </a:prstGeom>
-          <a:noFill/>
-          <a:extLst>
-            <a:ext uri="{909E8E84-426E-40DD-AFC4-6F175D3DCCD1}">
-              <a14:hiddenFill xmlns:a14="http://schemas.microsoft.com/office/drawing/2010/main">
-                <a:solidFill>
-                  <a:srgbClr val="FFFFFF"/>
-                </a:solidFill>
-              </a14:hiddenFill>
-            </a:ext>
-          </a:extLst>
-        </p:spPr>
-      </p:pic>
-      <p:cxnSp>
-        <p:nvCxnSpPr>
-          <p:cNvPr id="32" name="Straight Connector 31"/>
-          <p:cNvCxnSpPr/>
-          <p:nvPr/>
-        </p:nvCxnSpPr>
-        <p:spPr>
-          <a:xfrm flipV="1">
-            <a:off x="2053048" y="3337233"/>
-            <a:ext cx="4391160" cy="1890007"/>
-          </a:xfrm>
-          <a:prstGeom prst="line">
-            <a:avLst/>
-          </a:prstGeom>
-        </p:spPr>
-        <p:style>
-          <a:lnRef idx="1">
-            <a:schemeClr val="accent1"/>
-          </a:lnRef>
-          <a:fillRef idx="0">
-            <a:schemeClr val="accent1"/>
-          </a:fillRef>
-          <a:effectRef idx="0">
-            <a:schemeClr val="accent1"/>
-          </a:effectRef>
-          <a:fontRef idx="minor">
-            <a:schemeClr val="tx1"/>
-          </a:fontRef>
-        </p:style>
-      </p:cxnSp>
-      <p:sp>
-        <p:nvSpPr>
-          <p:cNvPr id="36" name="TextBox 35"/>
-          <p:cNvSpPr txBox="1"/>
-          <p:nvPr/>
-        </p:nvSpPr>
-        <p:spPr>
-          <a:xfrm>
-            <a:off x="3203848" y="188640"/>
-            <a:ext cx="3181640" cy="646331"/>
-          </a:xfrm>
-          <a:prstGeom prst="rect">
-            <a:avLst/>
-          </a:prstGeom>
-          <a:noFill/>
-        </p:spPr>
-        <p:txBody>
-          <a:bodyPr wrap="none" rtlCol="0">
-            <a:spAutoFit/>
-          </a:bodyPr>
-          <a:lstStyle/>
-          <a:p>
-            <a:r>
-              <a:rPr lang="en-GB" sz="3600" dirty="0" smtClean="0">
-                <a:solidFill>
-                  <a:srgbClr val="00B050"/>
-                </a:solidFill>
-              </a:rPr>
-              <a:t>“Send by Email”</a:t>
-            </a:r>
-            <a:endParaRPr lang="en-GB" sz="3600" dirty="0">
-              <a:solidFill>
-                <a:srgbClr val="00B050"/>
-              </a:solidFill>
-            </a:endParaRPr>
           </a:p>
         </p:txBody>
       </p:sp>
     </p:spTree>
     <p:extLst>
       <p:ext uri="{BB962C8B-B14F-4D97-AF65-F5344CB8AC3E}">
-        <p14:creationId xmlns:p14="http://schemas.microsoft.com/office/powerpoint/2010/main" val="1525338773"/>
+        <p14:creationId xmlns:p14="http://schemas.microsoft.com/office/powerpoint/2010/main" val="2343337504"/>
       </p:ext>
     </p:extLst>
   </p:cSld>
   <p:clrMapOvr>
     <a:masterClrMapping/>
   </p:clrMapOvr>
-  <p:timing>
-    <p:tnLst>
-      <p:par>
-        <p:cTn id="1" dur="indefinite" restart="never" nodeType="tmRoot"/>
-      </p:par>
-    </p:tnLst>
-  </p:timing>
 </p:sld>
 </file>
 
@@ -5083,7 +3974,7 @@
         <p:spPr>
           <a:xfrm>
             <a:off x="1140729" y="332656"/>
-            <a:ext cx="850361" cy="369332"/>
+            <a:ext cx="1262077" cy="646331"/>
           </a:xfrm>
           <a:prstGeom prst="rect">
             <a:avLst/>
@@ -5097,9 +3988,11 @@
           <a:lstStyle/>
           <a:p>
             <a:r>
-              <a:rPr lang="en-GB" dirty="0" smtClean="0"/>
-              <a:t>Invoice</a:t>
-            </a:r>
+              <a:rPr lang="en-GB" dirty="0"/>
+              <a:t>Transaction</a:t>
+            </a:r>
+          </a:p>
+          <a:p>
             <a:endParaRPr lang="en-GB" dirty="0"/>
           </a:p>
         </p:txBody>
@@ -5107,7 +4000,7 @@
     </p:spTree>
     <p:extLst>
       <p:ext uri="{BB962C8B-B14F-4D97-AF65-F5344CB8AC3E}">
-        <p14:creationId xmlns:p14="http://schemas.microsoft.com/office/powerpoint/2010/main" val="335661757"/>
+        <p14:creationId xmlns:p14="http://schemas.microsoft.com/office/powerpoint/2010/main" val="1357325120"/>
       </p:ext>
     </p:extLst>
   </p:cSld>
@@ -5191,7 +4084,7 @@
         <p:spPr>
           <a:xfrm>
             <a:off x="1140729" y="332656"/>
-            <a:ext cx="850361" cy="369332"/>
+            <a:ext cx="1262077" cy="369332"/>
           </a:xfrm>
           <a:prstGeom prst="rect">
             <a:avLst/>
@@ -5205,16 +4098,15 @@
           <a:lstStyle/>
           <a:p>
             <a:r>
-              <a:rPr lang="en-GB" dirty="0" smtClean="0"/>
-              <a:t>Invoice</a:t>
-            </a:r>
-            <a:endParaRPr lang="en-GB" dirty="0"/>
+              <a:rPr lang="en-GB" dirty="0"/>
+              <a:t>Transaction</a:t>
+            </a:r>
           </a:p>
         </p:txBody>
       </p:sp>
       <p:pic>
         <p:nvPicPr>
-          <p:cNvPr id="13" name="Picture 3" descr="C:\GITHUB\incodehq\incode-module-document\dom\src\main\java\org\incode\module\document\dom\impl\docs\Document-pdf.png"/>
+          <p:cNvPr id="1027" name="Picture 3" descr="C:\GITHUB\incodehq\incode-module-document\dom\src\main\java\org\incode\module\document\dom\impl\docs\Document-pdf.png"/>
           <p:cNvPicPr>
             <a:picLocks noChangeAspect="1" noChangeArrowheads="1"/>
           </p:cNvPicPr>
@@ -5235,7 +4127,7 @@
         </p:blipFill>
         <p:spPr bwMode="auto">
           <a:xfrm>
-            <a:off x="827584" y="4785735"/>
+            <a:off x="2363960" y="2546588"/>
             <a:ext cx="916260" cy="916260"/>
           </a:xfrm>
           <a:prstGeom prst="rect">
@@ -5255,14 +4147,14 @@
       </p:pic>
       <p:sp>
         <p:nvSpPr>
-          <p:cNvPr id="14" name="TextBox 13"/>
+          <p:cNvPr id="12" name="TextBox 11"/>
           <p:cNvSpPr txBox="1"/>
           <p:nvPr/>
         </p:nvSpPr>
         <p:spPr>
           <a:xfrm>
-            <a:off x="715951" y="5733913"/>
-            <a:ext cx="1337097" cy="646331"/>
+            <a:off x="2372135" y="3484433"/>
+            <a:ext cx="1165191" cy="646331"/>
           </a:xfrm>
           <a:prstGeom prst="rect">
             <a:avLst/>
@@ -5275,14 +4167,12 @@
           </a:bodyPr>
           <a:lstStyle/>
           <a:p>
-            <a:pPr algn="ctr"/>
             <a:r>
               <a:rPr lang="en-GB" dirty="0" smtClean="0"/>
-              <a:t>(Tax receipt)</a:t>
-            </a:r>
-          </a:p>
-          <a:p>
-            <a:pPr algn="ctr"/>
+              <a:t>(Invoice)</a:t>
+            </a:r>
+          </a:p>
+          <a:p>
             <a:r>
               <a:rPr lang="en-GB" dirty="0" smtClean="0"/>
               <a:t>Document</a:t>
@@ -5293,7 +4183,7 @@
       </p:sp>
       <p:pic>
         <p:nvPicPr>
-          <p:cNvPr id="20" name="Picture 4" descr="C:\GITHUB\incodehq\incode-module-document\dom\src\main\java\org\incode\module\document\dom\impl\paperclips\Paperclip.png"/>
+          <p:cNvPr id="1028" name="Picture 4" descr="C:\GITHUB\incodehq\incode-module-document\dom\src\main\java\org\incode\module\document\dom\impl\paperclips\Paperclip.png"/>
           <p:cNvPicPr>
             <a:picLocks noChangeAspect="1" noChangeArrowheads="1"/>
           </p:cNvPicPr>
@@ -5314,7 +4204,7 @@
         </p:blipFill>
         <p:spPr bwMode="auto">
           <a:xfrm>
-            <a:off x="780858" y="2767814"/>
+            <a:off x="1331640" y="1667682"/>
             <a:ext cx="518865" cy="518865"/>
           </a:xfrm>
           <a:prstGeom prst="rect">
@@ -5334,14 +4224,14 @@
       </p:pic>
       <p:cxnSp>
         <p:nvCxnSpPr>
-          <p:cNvPr id="21" name="Straight Connector 20"/>
+          <p:cNvPr id="11" name="Straight Connector 10"/>
           <p:cNvCxnSpPr/>
           <p:nvPr/>
         </p:nvCxnSpPr>
         <p:spPr>
           <a:xfrm>
-            <a:off x="827584" y="1412776"/>
-            <a:ext cx="535111" cy="3228943"/>
+            <a:off x="1074830" y="1387561"/>
+            <a:ext cx="1048898" cy="1015011"/>
           </a:xfrm>
           <a:prstGeom prst="line">
             <a:avLst/>
@@ -5362,16 +4252,46 @@
           </a:fontRef>
         </p:style>
       </p:cxnSp>
-      <p:sp>
-        <p:nvSpPr>
-          <p:cNvPr id="25" name="TextBox 24"/>
+      <p:cxnSp>
+        <p:nvCxnSpPr>
+          <p:cNvPr id="29" name="Straight Connector 28"/>
+          <p:cNvCxnSpPr/>
+          <p:nvPr/>
+        </p:nvCxnSpPr>
+        <p:spPr>
+          <a:xfrm>
+            <a:off x="1227230" y="1539961"/>
+            <a:ext cx="1048898" cy="1015011"/>
+          </a:xfrm>
+          <a:prstGeom prst="line">
+            <a:avLst/>
+          </a:prstGeom>
+        </p:spPr>
+        <p:style>
+          <a:lnRef idx="1">
+            <a:schemeClr val="accent1"/>
+          </a:lnRef>
+          <a:fillRef idx="0">
+            <a:schemeClr val="accent1"/>
+          </a:fillRef>
+          <a:effectRef idx="0">
+            <a:schemeClr val="accent1"/>
+          </a:effectRef>
+          <a:fontRef idx="minor">
+            <a:schemeClr val="tx1"/>
+          </a:fontRef>
+        </p:style>
+      </p:cxnSp>
+      <p:sp>
+        <p:nvSpPr>
+          <p:cNvPr id="10" name="TextBox 9"/>
           <p:cNvSpPr txBox="1"/>
           <p:nvPr/>
         </p:nvSpPr>
         <p:spPr>
           <a:xfrm>
             <a:off x="3203848" y="188640"/>
-            <a:ext cx="2583271" cy="646331"/>
+            <a:ext cx="2041585" cy="646331"/>
           </a:xfrm>
           <a:prstGeom prst="rect">
             <a:avLst/>
@@ -5390,7 +4310,7 @@
                   <a:srgbClr val="00B050"/>
                 </a:solidFill>
               </a:rPr>
-              <a:t>“Attach PDF”</a:t>
+              <a:t>“Prepare”</a:t>
             </a:r>
             <a:endParaRPr lang="en-GB" sz="3600" dirty="0">
               <a:solidFill>
@@ -5403,7 +4323,7 @@
     </p:spTree>
     <p:extLst>
       <p:ext uri="{BB962C8B-B14F-4D97-AF65-F5344CB8AC3E}">
-        <p14:creationId xmlns:p14="http://schemas.microsoft.com/office/powerpoint/2010/main" val="3803749848"/>
+        <p14:creationId xmlns:p14="http://schemas.microsoft.com/office/powerpoint/2010/main" val="3257965985"/>
       </p:ext>
     </p:extLst>
   </p:cSld>
@@ -5487,7 +4407,7 @@
         <p:spPr>
           <a:xfrm>
             <a:off x="1140729" y="332656"/>
-            <a:ext cx="850361" cy="369332"/>
+            <a:ext cx="1262077" cy="369332"/>
           </a:xfrm>
           <a:prstGeom prst="rect">
             <a:avLst/>
@@ -5501,16 +4421,15 @@
           <a:lstStyle/>
           <a:p>
             <a:r>
-              <a:rPr lang="en-GB" dirty="0" smtClean="0"/>
-              <a:t>Invoice</a:t>
-            </a:r>
-            <a:endParaRPr lang="en-GB" dirty="0"/>
+              <a:rPr lang="en-GB" dirty="0"/>
+              <a:t>Transaction</a:t>
+            </a:r>
           </a:p>
         </p:txBody>
       </p:sp>
       <p:pic>
         <p:nvPicPr>
-          <p:cNvPr id="13" name="Picture 3" descr="C:\GITHUB\incodehq\incode-module-document\dom\src\main\java\org\incode\module\document\dom\impl\docs\Document-pdf.png"/>
+          <p:cNvPr id="1027" name="Picture 3" descr="C:\GITHUB\incodehq\incode-module-document\dom\src\main\java\org\incode\module\document\dom\impl\docs\Document-pdf.png"/>
           <p:cNvPicPr>
             <a:picLocks noChangeAspect="1" noChangeArrowheads="1"/>
           </p:cNvPicPr>
@@ -5531,7 +4450,7 @@
         </p:blipFill>
         <p:spPr bwMode="auto">
           <a:xfrm>
-            <a:off x="827584" y="4785735"/>
+            <a:off x="2363960" y="2546588"/>
             <a:ext cx="916260" cy="916260"/>
           </a:xfrm>
           <a:prstGeom prst="rect">
@@ -5551,14 +4470,14 @@
       </p:pic>
       <p:sp>
         <p:nvSpPr>
-          <p:cNvPr id="14" name="TextBox 13"/>
+          <p:cNvPr id="12" name="TextBox 11"/>
           <p:cNvSpPr txBox="1"/>
           <p:nvPr/>
         </p:nvSpPr>
         <p:spPr>
           <a:xfrm>
-            <a:off x="715951" y="5733913"/>
-            <a:ext cx="1337097" cy="646331"/>
+            <a:off x="2372135" y="3484433"/>
+            <a:ext cx="1165191" cy="646331"/>
           </a:xfrm>
           <a:prstGeom prst="rect">
             <a:avLst/>
@@ -5571,6 +4490,83 @@
           </a:bodyPr>
           <a:lstStyle/>
           <a:p>
+            <a:r>
+              <a:rPr lang="en-GB" dirty="0" smtClean="0"/>
+              <a:t>(Invoice)</a:t>
+            </a:r>
+          </a:p>
+          <a:p>
+            <a:r>
+              <a:rPr lang="en-GB" dirty="0" smtClean="0"/>
+              <a:t>Document</a:t>
+            </a:r>
+            <a:endParaRPr lang="en-GB" dirty="0"/>
+          </a:p>
+        </p:txBody>
+      </p:sp>
+      <p:pic>
+        <p:nvPicPr>
+          <p:cNvPr id="13" name="Picture 3" descr="C:\GITHUB\incodehq\incode-module-document\dom\src\main\java\org\incode\module\document\dom\impl\docs\Document-pdf.png"/>
+          <p:cNvPicPr>
+            <a:picLocks noChangeAspect="1" noChangeArrowheads="1"/>
+          </p:cNvPicPr>
+          <p:nvPr/>
+        </p:nvPicPr>
+        <p:blipFill>
+          <a:blip r:embed="rId3">
+            <a:extLst>
+              <a:ext uri="{28A0092B-C50C-407E-A947-70E740481C1C}">
+                <a14:useLocalDpi xmlns:a14="http://schemas.microsoft.com/office/drawing/2010/main" val="0"/>
+              </a:ext>
+            </a:extLst>
+          </a:blip>
+          <a:srcRect/>
+          <a:stretch>
+            <a:fillRect/>
+          </a:stretch>
+        </p:blipFill>
+        <p:spPr bwMode="auto">
+          <a:xfrm>
+            <a:off x="827584" y="4785735"/>
+            <a:ext cx="916260" cy="916260"/>
+          </a:xfrm>
+          <a:prstGeom prst="rect">
+            <a:avLst/>
+          </a:prstGeom>
+          <a:noFill/>
+          <a:extLst>
+            <a:ext uri="{909E8E84-426E-40DD-AFC4-6F175D3DCCD1}">
+              <a14:hiddenFill xmlns:a14="http://schemas.microsoft.com/office/drawing/2010/main">
+                <a:solidFill>
+                  <a:srgbClr val="FFFFFF"/>
+                </a:solidFill>
+              </a14:hiddenFill>
+            </a:ext>
+          </a:extLst>
+        </p:spPr>
+      </p:pic>
+      <p:sp>
+        <p:nvSpPr>
+          <p:cNvPr id="14" name="TextBox 13"/>
+          <p:cNvSpPr txBox="1"/>
+          <p:nvPr/>
+        </p:nvSpPr>
+        <p:spPr>
+          <a:xfrm>
+            <a:off x="715951" y="5733913"/>
+            <a:ext cx="1337097" cy="646331"/>
+          </a:xfrm>
+          <a:prstGeom prst="rect">
+            <a:avLst/>
+          </a:prstGeom>
+          <a:noFill/>
+        </p:spPr>
+        <p:txBody>
+          <a:bodyPr wrap="none" rtlCol="0">
+            <a:spAutoFit/>
+          </a:bodyPr>
+          <a:lstStyle/>
+          <a:p>
             <a:pPr algn="ctr"/>
             <a:r>
               <a:rPr lang="en-GB" dirty="0" smtClean="0"/>
@@ -5589,7 +4585,7 @@
       </p:sp>
       <p:pic>
         <p:nvPicPr>
-          <p:cNvPr id="20" name="Picture 4" descr="C:\GITHUB\incodehq\incode-module-document\dom\src\main\java\org\incode\module\document\dom\impl\paperclips\Paperclip.png"/>
+          <p:cNvPr id="1028" name="Picture 4" descr="C:\GITHUB\incodehq\incode-module-document\dom\src\main\java\org\incode\module\document\dom\impl\paperclips\Paperclip.png"/>
           <p:cNvPicPr>
             <a:picLocks noChangeAspect="1" noChangeArrowheads="1"/>
           </p:cNvPicPr>
@@ -5610,7 +4606,7 @@
         </p:blipFill>
         <p:spPr bwMode="auto">
           <a:xfrm>
-            <a:off x="780858" y="2767814"/>
+            <a:off x="1331640" y="1667682"/>
             <a:ext cx="518865" cy="518865"/>
           </a:xfrm>
           <a:prstGeom prst="rect">
@@ -5630,14 +4626,14 @@
       </p:pic>
       <p:cxnSp>
         <p:nvCxnSpPr>
-          <p:cNvPr id="21" name="Straight Connector 20"/>
+          <p:cNvPr id="11" name="Straight Connector 10"/>
           <p:cNvCxnSpPr/>
           <p:nvPr/>
         </p:nvCxnSpPr>
         <p:spPr>
           <a:xfrm>
-            <a:off x="827584" y="1412776"/>
-            <a:ext cx="535111" cy="3228943"/>
+            <a:off x="1074830" y="1387561"/>
+            <a:ext cx="1048898" cy="1015011"/>
           </a:xfrm>
           <a:prstGeom prst="line">
             <a:avLst/>
@@ -5658,124 +4654,9 @@
           </a:fontRef>
         </p:style>
       </p:cxnSp>
-      <p:sp>
-        <p:nvSpPr>
-          <p:cNvPr id="25" name="TextBox 24"/>
-          <p:cNvSpPr txBox="1"/>
-          <p:nvPr/>
-        </p:nvSpPr>
-        <p:spPr>
-          <a:xfrm>
-            <a:off x="3203848" y="188640"/>
-            <a:ext cx="2041585" cy="646331"/>
-          </a:xfrm>
-          <a:prstGeom prst="rect">
-            <a:avLst/>
-          </a:prstGeom>
-          <a:noFill/>
-        </p:spPr>
-        <p:txBody>
-          <a:bodyPr wrap="none" rtlCol="0">
-            <a:spAutoFit/>
-          </a:bodyPr>
-          <a:lstStyle/>
-          <a:p>
-            <a:r>
-              <a:rPr lang="en-GB" sz="3600" dirty="0" smtClean="0">
-                <a:solidFill>
-                  <a:srgbClr val="00B050"/>
-                </a:solidFill>
-              </a:rPr>
-              <a:t>“Prepare”</a:t>
-            </a:r>
-            <a:endParaRPr lang="en-GB" sz="3600" dirty="0">
-              <a:solidFill>
-                <a:srgbClr val="00B050"/>
-              </a:solidFill>
-            </a:endParaRPr>
-          </a:p>
-        </p:txBody>
-      </p:sp>
       <p:pic>
         <p:nvPicPr>
-          <p:cNvPr id="10" name="Picture 3" descr="C:\GITHUB\incodehq\incode-module-document\dom\src\main\java\org\incode\module\document\dom\impl\docs\Document-pdf.png"/>
-          <p:cNvPicPr>
-            <a:picLocks noChangeAspect="1" noChangeArrowheads="1"/>
-          </p:cNvPicPr>
-          <p:nvPr/>
-        </p:nvPicPr>
-        <p:blipFill>
-          <a:blip r:embed="rId3">
-            <a:extLst>
-              <a:ext uri="{28A0092B-C50C-407E-A947-70E740481C1C}">
-                <a14:useLocalDpi xmlns:a14="http://schemas.microsoft.com/office/drawing/2010/main" val="0"/>
-              </a:ext>
-            </a:extLst>
-          </a:blip>
-          <a:srcRect/>
-          <a:stretch>
-            <a:fillRect/>
-          </a:stretch>
-        </p:blipFill>
-        <p:spPr bwMode="auto">
-          <a:xfrm>
-            <a:off x="2363960" y="2546588"/>
-            <a:ext cx="916260" cy="916260"/>
-          </a:xfrm>
-          <a:prstGeom prst="rect">
-            <a:avLst/>
-          </a:prstGeom>
-          <a:noFill/>
-          <a:extLst>
-            <a:ext uri="{909E8E84-426E-40DD-AFC4-6F175D3DCCD1}">
-              <a14:hiddenFill xmlns:a14="http://schemas.microsoft.com/office/drawing/2010/main">
-                <a:solidFill>
-                  <a:srgbClr val="FFFFFF"/>
-                </a:solidFill>
-              </a14:hiddenFill>
-            </a:ext>
-          </a:extLst>
-        </p:spPr>
-      </p:pic>
-      <p:sp>
-        <p:nvSpPr>
-          <p:cNvPr id="11" name="TextBox 10"/>
-          <p:cNvSpPr txBox="1"/>
-          <p:nvPr/>
-        </p:nvSpPr>
-        <p:spPr>
-          <a:xfrm>
-            <a:off x="2372135" y="3484433"/>
-            <a:ext cx="1165191" cy="646331"/>
-          </a:xfrm>
-          <a:prstGeom prst="rect">
-            <a:avLst/>
-          </a:prstGeom>
-          <a:noFill/>
-        </p:spPr>
-        <p:txBody>
-          <a:bodyPr wrap="none" rtlCol="0">
-            <a:spAutoFit/>
-          </a:bodyPr>
-          <a:lstStyle/>
-          <a:p>
-            <a:r>
-              <a:rPr lang="en-GB" dirty="0" smtClean="0"/>
-              <a:t>(Invoice)</a:t>
-            </a:r>
-          </a:p>
-          <a:p>
-            <a:r>
-              <a:rPr lang="en-GB" dirty="0" smtClean="0"/>
-              <a:t>Document</a:t>
-            </a:r>
-            <a:endParaRPr lang="en-GB" dirty="0"/>
-          </a:p>
-        </p:txBody>
-      </p:sp>
-      <p:pic>
-        <p:nvPicPr>
-          <p:cNvPr id="12" name="Picture 4" descr="C:\GITHUB\incodehq\incode-module-document\dom\src\main\java\org\incode\module\document\dom\impl\paperclips\Paperclip.png"/>
+          <p:cNvPr id="20" name="Picture 4" descr="C:\GITHUB\incodehq\incode-module-document\dom\src\main\java\org\incode\module\document\dom\impl\paperclips\Paperclip.png"/>
           <p:cNvPicPr>
             <a:picLocks noChangeAspect="1" noChangeArrowheads="1"/>
           </p:cNvPicPr>
@@ -5796,7 +4677,7 @@
         </p:blipFill>
         <p:spPr bwMode="auto">
           <a:xfrm>
-            <a:off x="1331640" y="1667682"/>
+            <a:off x="1619505" y="3906829"/>
             <a:ext cx="518865" cy="518865"/>
           </a:xfrm>
           <a:prstGeom prst="rect">
@@ -5816,13 +4697,13 @@
       </p:pic>
       <p:cxnSp>
         <p:nvCxnSpPr>
-          <p:cNvPr id="15" name="Straight Connector 14"/>
+          <p:cNvPr id="21" name="Straight Connector 20"/>
           <p:cNvCxnSpPr/>
           <p:nvPr/>
         </p:nvCxnSpPr>
         <p:spPr>
-          <a:xfrm>
-            <a:off x="1074830" y="1387561"/>
+          <a:xfrm flipH="1">
+            <a:off x="1362695" y="3626708"/>
             <a:ext cx="1048898" cy="1015011"/>
           </a:xfrm>
           <a:prstGeom prst="line">
@@ -5846,7 +4727,7 @@
       </p:cxnSp>
       <p:cxnSp>
         <p:nvCxnSpPr>
-          <p:cNvPr id="16" name="Straight Connector 15"/>
+          <p:cNvPr id="29" name="Straight Connector 28"/>
           <p:cNvCxnSpPr/>
           <p:nvPr/>
         </p:nvCxnSpPr>
@@ -5874,10 +4755,48 @@
           </a:fontRef>
         </p:style>
       </p:cxnSp>
+      <p:sp>
+        <p:nvSpPr>
+          <p:cNvPr id="25" name="TextBox 24"/>
+          <p:cNvSpPr txBox="1"/>
+          <p:nvPr/>
+        </p:nvSpPr>
+        <p:spPr>
+          <a:xfrm>
+            <a:off x="3203848" y="188640"/>
+            <a:ext cx="2583271" cy="646331"/>
+          </a:xfrm>
+          <a:prstGeom prst="rect">
+            <a:avLst/>
+          </a:prstGeom>
+          <a:noFill/>
+        </p:spPr>
+        <p:txBody>
+          <a:bodyPr wrap="none" rtlCol="0">
+            <a:spAutoFit/>
+          </a:bodyPr>
+          <a:lstStyle/>
+          <a:p>
+            <a:r>
+              <a:rPr lang="en-GB" sz="3600" dirty="0" smtClean="0">
+                <a:solidFill>
+                  <a:srgbClr val="00B050"/>
+                </a:solidFill>
+              </a:rPr>
+              <a:t>“Attach PDF”</a:t>
+            </a:r>
+            <a:endParaRPr lang="en-GB" sz="3600" dirty="0">
+              <a:solidFill>
+                <a:srgbClr val="00B050"/>
+              </a:solidFill>
+            </a:endParaRPr>
+          </a:p>
+        </p:txBody>
+      </p:sp>
     </p:spTree>
     <p:extLst>
       <p:ext uri="{BB962C8B-B14F-4D97-AF65-F5344CB8AC3E}">
-        <p14:creationId xmlns:p14="http://schemas.microsoft.com/office/powerpoint/2010/main" val="3569851147"/>
+        <p14:creationId xmlns:p14="http://schemas.microsoft.com/office/powerpoint/2010/main" val="3395648477"/>
       </p:ext>
     </p:extLst>
   </p:cSld>
@@ -5961,7 +4880,7 @@
         <p:spPr>
           <a:xfrm>
             <a:off x="1140729" y="332656"/>
-            <a:ext cx="850361" cy="369332"/>
+            <a:ext cx="1262077" cy="369332"/>
           </a:xfrm>
           <a:prstGeom prst="rect">
             <a:avLst/>
@@ -5975,16 +4894,15 @@
           <a:lstStyle/>
           <a:p>
             <a:r>
-              <a:rPr lang="en-GB" dirty="0" smtClean="0"/>
-              <a:t>Invoice</a:t>
-            </a:r>
-            <a:endParaRPr lang="en-GB" dirty="0"/>
+              <a:rPr lang="en-GB" dirty="0"/>
+              <a:t>Transaction</a:t>
+            </a:r>
           </a:p>
         </p:txBody>
       </p:sp>
       <p:pic>
         <p:nvPicPr>
-          <p:cNvPr id="13" name="Picture 3" descr="C:\GITHUB\incodehq\incode-module-document\dom\src\main\java\org\incode\module\document\dom\impl\docs\Document-pdf.png"/>
+          <p:cNvPr id="1027" name="Picture 3" descr="C:\GITHUB\incodehq\incode-module-document\dom\src\main\java\org\incode\module\document\dom\impl\docs\Document-pdf.png"/>
           <p:cNvPicPr>
             <a:picLocks noChangeAspect="1" noChangeArrowheads="1"/>
           </p:cNvPicPr>
@@ -6005,7 +4923,7 @@
         </p:blipFill>
         <p:spPr bwMode="auto">
           <a:xfrm>
-            <a:off x="827584" y="4785735"/>
+            <a:off x="2363960" y="2546588"/>
             <a:ext cx="916260" cy="916260"/>
           </a:xfrm>
           <a:prstGeom prst="rect">
@@ -6025,14 +4943,14 @@
       </p:pic>
       <p:sp>
         <p:nvSpPr>
-          <p:cNvPr id="14" name="TextBox 13"/>
+          <p:cNvPr id="12" name="TextBox 11"/>
           <p:cNvSpPr txBox="1"/>
           <p:nvPr/>
         </p:nvSpPr>
         <p:spPr>
           <a:xfrm>
-            <a:off x="715951" y="5733913"/>
-            <a:ext cx="1337097" cy="646331"/>
+            <a:off x="2372135" y="3484433"/>
+            <a:ext cx="1165191" cy="646331"/>
           </a:xfrm>
           <a:prstGeom prst="rect">
             <a:avLst/>
@@ -6045,6 +4963,83 @@
           </a:bodyPr>
           <a:lstStyle/>
           <a:p>
+            <a:r>
+              <a:rPr lang="en-GB" dirty="0" smtClean="0"/>
+              <a:t>(Invoice)</a:t>
+            </a:r>
+          </a:p>
+          <a:p>
+            <a:r>
+              <a:rPr lang="en-GB" dirty="0" smtClean="0"/>
+              <a:t>Document</a:t>
+            </a:r>
+            <a:endParaRPr lang="en-GB" dirty="0"/>
+          </a:p>
+        </p:txBody>
+      </p:sp>
+      <p:pic>
+        <p:nvPicPr>
+          <p:cNvPr id="13" name="Picture 3" descr="C:\GITHUB\incodehq\incode-module-document\dom\src\main\java\org\incode\module\document\dom\impl\docs\Document-pdf.png"/>
+          <p:cNvPicPr>
+            <a:picLocks noChangeAspect="1" noChangeArrowheads="1"/>
+          </p:cNvPicPr>
+          <p:nvPr/>
+        </p:nvPicPr>
+        <p:blipFill>
+          <a:blip r:embed="rId3">
+            <a:extLst>
+              <a:ext uri="{28A0092B-C50C-407E-A947-70E740481C1C}">
+                <a14:useLocalDpi xmlns:a14="http://schemas.microsoft.com/office/drawing/2010/main" val="0"/>
+              </a:ext>
+            </a:extLst>
+          </a:blip>
+          <a:srcRect/>
+          <a:stretch>
+            <a:fillRect/>
+          </a:stretch>
+        </p:blipFill>
+        <p:spPr bwMode="auto">
+          <a:xfrm>
+            <a:off x="827584" y="4785735"/>
+            <a:ext cx="916260" cy="916260"/>
+          </a:xfrm>
+          <a:prstGeom prst="rect">
+            <a:avLst/>
+          </a:prstGeom>
+          <a:noFill/>
+          <a:extLst>
+            <a:ext uri="{909E8E84-426E-40DD-AFC4-6F175D3DCCD1}">
+              <a14:hiddenFill xmlns:a14="http://schemas.microsoft.com/office/drawing/2010/main">
+                <a:solidFill>
+                  <a:srgbClr val="FFFFFF"/>
+                </a:solidFill>
+              </a14:hiddenFill>
+            </a:ext>
+          </a:extLst>
+        </p:spPr>
+      </p:pic>
+      <p:sp>
+        <p:nvSpPr>
+          <p:cNvPr id="14" name="TextBox 13"/>
+          <p:cNvSpPr txBox="1"/>
+          <p:nvPr/>
+        </p:nvSpPr>
+        <p:spPr>
+          <a:xfrm>
+            <a:off x="715951" y="5733913"/>
+            <a:ext cx="1337097" cy="646331"/>
+          </a:xfrm>
+          <a:prstGeom prst="rect">
+            <a:avLst/>
+          </a:prstGeom>
+          <a:noFill/>
+        </p:spPr>
+        <p:txBody>
+          <a:bodyPr wrap="none" rtlCol="0">
+            <a:spAutoFit/>
+          </a:bodyPr>
+          <a:lstStyle/>
+          <a:p>
             <a:pPr algn="ctr"/>
             <a:r>
               <a:rPr lang="en-GB" dirty="0" smtClean="0"/>
@@ -6063,7 +5058,7 @@
       </p:sp>
       <p:pic>
         <p:nvPicPr>
-          <p:cNvPr id="20" name="Picture 4" descr="C:\GITHUB\incodehq\incode-module-document\dom\src\main\java\org\incode\module\document\dom\impl\paperclips\Paperclip.png"/>
+          <p:cNvPr id="1028" name="Picture 4" descr="C:\GITHUB\incodehq\incode-module-document\dom\src\main\java\org\incode\module\document\dom\impl\paperclips\Paperclip.png"/>
           <p:cNvPicPr>
             <a:picLocks noChangeAspect="1" noChangeArrowheads="1"/>
           </p:cNvPicPr>
@@ -6084,7 +5079,7 @@
         </p:blipFill>
         <p:spPr bwMode="auto">
           <a:xfrm>
-            <a:off x="780858" y="2767814"/>
+            <a:off x="1331640" y="1667682"/>
             <a:ext cx="518865" cy="518865"/>
           </a:xfrm>
           <a:prstGeom prst="rect">
@@ -6104,14 +5099,14 @@
       </p:pic>
       <p:cxnSp>
         <p:nvCxnSpPr>
-          <p:cNvPr id="21" name="Straight Connector 20"/>
+          <p:cNvPr id="11" name="Straight Connector 10"/>
           <p:cNvCxnSpPr/>
           <p:nvPr/>
         </p:nvCxnSpPr>
         <p:spPr>
           <a:xfrm>
-            <a:off x="827584" y="1412776"/>
-            <a:ext cx="535111" cy="3228943"/>
+            <a:off x="1074830" y="1387561"/>
+            <a:ext cx="1048898" cy="1015011"/>
           </a:xfrm>
           <a:prstGeom prst="line">
             <a:avLst/>
@@ -6132,132 +5127,9 @@
           </a:fontRef>
         </p:style>
       </p:cxnSp>
-      <p:sp>
-        <p:nvSpPr>
-          <p:cNvPr id="25" name="TextBox 24"/>
-          <p:cNvSpPr txBox="1"/>
-          <p:nvPr/>
-        </p:nvSpPr>
-        <p:spPr>
-          <a:xfrm>
-            <a:off x="2123728" y="4293096"/>
-            <a:ext cx="6567439" cy="523220"/>
-          </a:xfrm>
-          <a:prstGeom prst="rect">
-            <a:avLst/>
-          </a:prstGeom>
-          <a:noFill/>
-        </p:spPr>
-        <p:txBody>
-          <a:bodyPr wrap="none" rtlCol="0">
-            <a:spAutoFit/>
-          </a:bodyPr>
-          <a:lstStyle/>
-          <a:p>
-            <a:r>
-              <a:rPr lang="en-GB" sz="2800" dirty="0" smtClean="0">
-                <a:solidFill>
-                  <a:srgbClr val="00B050"/>
-                </a:solidFill>
-              </a:rPr>
-              <a:t>Notices the attached PDF and also links </a:t>
-            </a:r>
-            <a:r>
-              <a:rPr lang="en-GB" sz="2800" smtClean="0">
-                <a:solidFill>
-                  <a:srgbClr val="00B050"/>
-                </a:solidFill>
-              </a:rPr>
-              <a:t>to it</a:t>
-            </a:r>
-            <a:endParaRPr lang="en-GB" sz="2800" dirty="0">
-              <a:solidFill>
-                <a:srgbClr val="00B050"/>
-              </a:solidFill>
-            </a:endParaRPr>
-          </a:p>
-        </p:txBody>
-      </p:sp>
       <p:pic>
         <p:nvPicPr>
-          <p:cNvPr id="10" name="Picture 3" descr="C:\GITHUB\incodehq\incode-module-document\dom\src\main\java\org\incode\module\document\dom\impl\docs\Document-pdf.png"/>
-          <p:cNvPicPr>
-            <a:picLocks noChangeAspect="1" noChangeArrowheads="1"/>
-          </p:cNvPicPr>
-          <p:nvPr/>
-        </p:nvPicPr>
-        <p:blipFill>
-          <a:blip r:embed="rId3">
-            <a:extLst>
-              <a:ext uri="{28A0092B-C50C-407E-A947-70E740481C1C}">
-                <a14:useLocalDpi xmlns:a14="http://schemas.microsoft.com/office/drawing/2010/main" val="0"/>
-              </a:ext>
-            </a:extLst>
-          </a:blip>
-          <a:srcRect/>
-          <a:stretch>
-            <a:fillRect/>
-          </a:stretch>
-        </p:blipFill>
-        <p:spPr bwMode="auto">
-          <a:xfrm>
-            <a:off x="2363960" y="2546588"/>
-            <a:ext cx="916260" cy="916260"/>
-          </a:xfrm>
-          <a:prstGeom prst="rect">
-            <a:avLst/>
-          </a:prstGeom>
-          <a:noFill/>
-          <a:extLst>
-            <a:ext uri="{909E8E84-426E-40DD-AFC4-6F175D3DCCD1}">
-              <a14:hiddenFill xmlns:a14="http://schemas.microsoft.com/office/drawing/2010/main">
-                <a:solidFill>
-                  <a:srgbClr val="FFFFFF"/>
-                </a:solidFill>
-              </a14:hiddenFill>
-            </a:ext>
-          </a:extLst>
-        </p:spPr>
-      </p:pic>
-      <p:sp>
-        <p:nvSpPr>
-          <p:cNvPr id="11" name="TextBox 10"/>
-          <p:cNvSpPr txBox="1"/>
-          <p:nvPr/>
-        </p:nvSpPr>
-        <p:spPr>
-          <a:xfrm>
-            <a:off x="2372135" y="3484433"/>
-            <a:ext cx="1165191" cy="646331"/>
-          </a:xfrm>
-          <a:prstGeom prst="rect">
-            <a:avLst/>
-          </a:prstGeom>
-          <a:noFill/>
-        </p:spPr>
-        <p:txBody>
-          <a:bodyPr wrap="none" rtlCol="0">
-            <a:spAutoFit/>
-          </a:bodyPr>
-          <a:lstStyle/>
-          <a:p>
-            <a:r>
-              <a:rPr lang="en-GB" dirty="0" smtClean="0"/>
-              <a:t>(Invoice)</a:t>
-            </a:r>
-          </a:p>
-          <a:p>
-            <a:r>
-              <a:rPr lang="en-GB" dirty="0" smtClean="0"/>
-              <a:t>Document</a:t>
-            </a:r>
-            <a:endParaRPr lang="en-GB" dirty="0"/>
-          </a:p>
-        </p:txBody>
-      </p:sp>
-      <p:pic>
-        <p:nvPicPr>
-          <p:cNvPr id="12" name="Picture 4" descr="C:\GITHUB\incodehq\incode-module-document\dom\src\main\java\org\incode\module\document\dom\impl\paperclips\Paperclip.png"/>
+          <p:cNvPr id="20" name="Picture 4" descr="C:\GITHUB\incodehq\incode-module-document\dom\src\main\java\org\incode\module\document\dom\impl\paperclips\Paperclip.png"/>
           <p:cNvPicPr>
             <a:picLocks noChangeAspect="1" noChangeArrowheads="1"/>
           </p:cNvPicPr>
@@ -6278,7 +5150,7 @@
         </p:blipFill>
         <p:spPr bwMode="auto">
           <a:xfrm>
-            <a:off x="1331640" y="1667682"/>
+            <a:off x="1619505" y="3906829"/>
             <a:ext cx="518865" cy="518865"/>
           </a:xfrm>
           <a:prstGeom prst="rect">
@@ -6298,43 +5170,13 @@
       </p:pic>
       <p:cxnSp>
         <p:nvCxnSpPr>
-          <p:cNvPr id="15" name="Straight Connector 14"/>
+          <p:cNvPr id="21" name="Straight Connector 20"/>
           <p:cNvCxnSpPr/>
           <p:nvPr/>
         </p:nvCxnSpPr>
         <p:spPr>
-          <a:xfrm>
-            <a:off x="1074830" y="1387561"/>
-            <a:ext cx="1048898" cy="1015011"/>
-          </a:xfrm>
-          <a:prstGeom prst="line">
-            <a:avLst/>
-          </a:prstGeom>
-        </p:spPr>
-        <p:style>
-          <a:lnRef idx="1">
-            <a:schemeClr val="accent1"/>
-          </a:lnRef>
-          <a:fillRef idx="0">
-            <a:schemeClr val="accent1"/>
-          </a:fillRef>
-          <a:effectRef idx="0">
-            <a:schemeClr val="accent1"/>
-          </a:effectRef>
-          <a:fontRef idx="minor">
-            <a:schemeClr val="tx1"/>
-          </a:fontRef>
-        </p:style>
-      </p:cxnSp>
-      <p:cxnSp>
-        <p:nvCxnSpPr>
-          <p:cNvPr id="16" name="Straight Connector 15"/>
-          <p:cNvCxnSpPr/>
-          <p:nvPr/>
-        </p:nvCxnSpPr>
-        <p:spPr>
-          <a:xfrm>
-            <a:off x="1227230" y="1539961"/>
+          <a:xfrm flipH="1">
+            <a:off x="1362695" y="3626708"/>
             <a:ext cx="1048898" cy="1015011"/>
           </a:xfrm>
           <a:prstGeom prst="line">
@@ -6358,7 +5200,84 @@
       </p:cxnSp>
       <p:pic>
         <p:nvPicPr>
-          <p:cNvPr id="17" name="Picture 4" descr="C:\GITHUB\incodehq\incode-module-document\dom\src\main\java\org\incode\module\document\dom\impl\paperclips\Paperclip.png"/>
+          <p:cNvPr id="1029" name="Picture 5" descr="C:\GITHUB\incodehq\incode-module-communications\module\src\main\java\org\incode\module\communications\dom\impl\comms\Communication-email.png"/>
+          <p:cNvPicPr>
+            <a:picLocks noChangeAspect="1" noChangeArrowheads="1"/>
+          </p:cNvPicPr>
+          <p:nvPr/>
+        </p:nvPicPr>
+        <p:blipFill>
+          <a:blip r:embed="rId5">
+            <a:extLst>
+              <a:ext uri="{28A0092B-C50C-407E-A947-70E740481C1C}">
+                <a14:useLocalDpi xmlns:a14="http://schemas.microsoft.com/office/drawing/2010/main" val="0"/>
+              </a:ext>
+            </a:extLst>
+          </a:blip>
+          <a:srcRect/>
+          <a:stretch>
+            <a:fillRect/>
+          </a:stretch>
+        </p:blipFill>
+        <p:spPr bwMode="auto">
+          <a:xfrm>
+            <a:off x="6732240" y="2449322"/>
+            <a:ext cx="1163127" cy="1163127"/>
+          </a:xfrm>
+          <a:prstGeom prst="rect">
+            <a:avLst/>
+          </a:prstGeom>
+          <a:noFill/>
+          <a:extLst>
+            <a:ext uri="{909E8E84-426E-40DD-AFC4-6F175D3DCCD1}">
+              <a14:hiddenFill xmlns:a14="http://schemas.microsoft.com/office/drawing/2010/main">
+                <a:solidFill>
+                  <a:srgbClr val="FFFFFF"/>
+                </a:solidFill>
+              </a14:hiddenFill>
+            </a:ext>
+          </a:extLst>
+        </p:spPr>
+      </p:pic>
+      <p:sp>
+        <p:nvSpPr>
+          <p:cNvPr id="24" name="TextBox 23"/>
+          <p:cNvSpPr txBox="1"/>
+          <p:nvPr/>
+        </p:nvSpPr>
+        <p:spPr>
+          <a:xfrm>
+            <a:off x="6643394" y="3410684"/>
+            <a:ext cx="1673022" cy="646331"/>
+          </a:xfrm>
+          <a:prstGeom prst="rect">
+            <a:avLst/>
+          </a:prstGeom>
+          <a:noFill/>
+        </p:spPr>
+        <p:txBody>
+          <a:bodyPr wrap="none" rtlCol="0">
+            <a:spAutoFit/>
+          </a:bodyPr>
+          <a:lstStyle/>
+          <a:p>
+            <a:r>
+              <a:rPr lang="en-GB" dirty="0" smtClean="0"/>
+              <a:t>(Post)</a:t>
+            </a:r>
+          </a:p>
+          <a:p>
+            <a:r>
+              <a:rPr lang="en-GB" dirty="0" smtClean="0"/>
+              <a:t>Communication</a:t>
+            </a:r>
+            <a:endParaRPr lang="en-GB" dirty="0"/>
+          </a:p>
+        </p:txBody>
+      </p:sp>
+      <p:pic>
+        <p:nvPicPr>
+          <p:cNvPr id="27" name="Picture 4" descr="C:\GITHUB\incodehq\incode-module-document\dom\src\main\java\org\incode\module\document\dom\impl\paperclips\Paperclip.png"/>
           <p:cNvPicPr>
             <a:picLocks noChangeAspect="1" noChangeArrowheads="1"/>
           </p:cNvPicPr>
@@ -6379,7 +5298,7 @@
         </p:blipFill>
         <p:spPr bwMode="auto">
           <a:xfrm>
-            <a:off x="1619505" y="3906829"/>
+            <a:off x="4460367" y="2766119"/>
             <a:ext cx="518865" cy="518865"/>
           </a:xfrm>
           <a:prstGeom prst="rect">
@@ -6399,13 +5318,13 @@
       </p:pic>
       <p:cxnSp>
         <p:nvCxnSpPr>
-          <p:cNvPr id="18" name="Straight Connector 17"/>
+          <p:cNvPr id="29" name="Straight Connector 28"/>
           <p:cNvCxnSpPr/>
           <p:nvPr/>
         </p:nvCxnSpPr>
         <p:spPr>
-          <a:xfrm flipH="1">
-            <a:off x="1362695" y="3626708"/>
+          <a:xfrm>
+            <a:off x="1227230" y="1539961"/>
             <a:ext cx="1048898" cy="1015011"/>
           </a:xfrm>
           <a:prstGeom prst="line">
@@ -6427,10 +5346,149 @@
           </a:fontRef>
         </p:style>
       </p:cxnSp>
+      <p:cxnSp>
+        <p:nvCxnSpPr>
+          <p:cNvPr id="30" name="Straight Connector 29"/>
+          <p:cNvCxnSpPr/>
+          <p:nvPr/>
+        </p:nvCxnSpPr>
+        <p:spPr>
+          <a:xfrm>
+            <a:off x="3380247" y="3004718"/>
+            <a:ext cx="3096344" cy="26167"/>
+          </a:xfrm>
+          <a:prstGeom prst="line">
+            <a:avLst/>
+          </a:prstGeom>
+        </p:spPr>
+        <p:style>
+          <a:lnRef idx="1">
+            <a:schemeClr val="accent1"/>
+          </a:lnRef>
+          <a:fillRef idx="0">
+            <a:schemeClr val="accent1"/>
+          </a:fillRef>
+          <a:effectRef idx="0">
+            <a:schemeClr val="accent1"/>
+          </a:effectRef>
+          <a:fontRef idx="minor">
+            <a:schemeClr val="tx1"/>
+          </a:fontRef>
+        </p:style>
+      </p:cxnSp>
+      <p:pic>
+        <p:nvPicPr>
+          <p:cNvPr id="25" name="Picture 4" descr="C:\GITHUB\incodehq\incode-module-document\dom\src\main\java\org\incode\module\document\dom\impl\paperclips\Paperclip.png"/>
+          <p:cNvPicPr>
+            <a:picLocks noChangeAspect="1" noChangeArrowheads="1"/>
+          </p:cNvPicPr>
+          <p:nvPr/>
+        </p:nvPicPr>
+        <p:blipFill>
+          <a:blip r:embed="rId4">
+            <a:extLst>
+              <a:ext uri="{28A0092B-C50C-407E-A947-70E740481C1C}">
+                <a14:useLocalDpi xmlns:a14="http://schemas.microsoft.com/office/drawing/2010/main" val="0"/>
+              </a:ext>
+            </a:extLst>
+          </a:blip>
+          <a:srcRect/>
+          <a:stretch>
+            <a:fillRect/>
+          </a:stretch>
+        </p:blipFill>
+        <p:spPr bwMode="auto">
+          <a:xfrm>
+            <a:off x="3596601" y="4206279"/>
+            <a:ext cx="518865" cy="518865"/>
+          </a:xfrm>
+          <a:prstGeom prst="rect">
+            <a:avLst/>
+          </a:prstGeom>
+          <a:noFill/>
+          <a:extLst>
+            <a:ext uri="{909E8E84-426E-40DD-AFC4-6F175D3DCCD1}">
+              <a14:hiddenFill xmlns:a14="http://schemas.microsoft.com/office/drawing/2010/main">
+                <a:solidFill>
+                  <a:srgbClr val="FFFFFF"/>
+                </a:solidFill>
+              </a14:hiddenFill>
+            </a:ext>
+          </a:extLst>
+        </p:spPr>
+      </p:pic>
+      <p:cxnSp>
+        <p:nvCxnSpPr>
+          <p:cNvPr id="31" name="Straight Connector 30"/>
+          <p:cNvCxnSpPr/>
+          <p:nvPr/>
+        </p:nvCxnSpPr>
+        <p:spPr>
+          <a:xfrm flipV="1">
+            <a:off x="2053048" y="3337233"/>
+            <a:ext cx="4391160" cy="1890007"/>
+          </a:xfrm>
+          <a:prstGeom prst="line">
+            <a:avLst/>
+          </a:prstGeom>
+        </p:spPr>
+        <p:style>
+          <a:lnRef idx="1">
+            <a:schemeClr val="accent1"/>
+          </a:lnRef>
+          <a:fillRef idx="0">
+            <a:schemeClr val="accent1"/>
+          </a:fillRef>
+          <a:effectRef idx="0">
+            <a:schemeClr val="accent1"/>
+          </a:effectRef>
+          <a:fontRef idx="minor">
+            <a:schemeClr val="tx1"/>
+          </a:fontRef>
+        </p:style>
+      </p:cxnSp>
+      <p:sp>
+        <p:nvSpPr>
+          <p:cNvPr id="32" name="TextBox 31"/>
+          <p:cNvSpPr txBox="1"/>
+          <p:nvPr/>
+        </p:nvSpPr>
+        <p:spPr>
+          <a:xfrm>
+            <a:off x="3203848" y="188640"/>
+            <a:ext cx="2973250" cy="646331"/>
+          </a:xfrm>
+          <a:prstGeom prst="rect">
+            <a:avLst/>
+          </a:prstGeom>
+          <a:noFill/>
+        </p:spPr>
+        <p:txBody>
+          <a:bodyPr wrap="none" rtlCol="0">
+            <a:spAutoFit/>
+          </a:bodyPr>
+          <a:lstStyle/>
+          <a:p>
+            <a:r>
+              <a:rPr lang="en-GB" sz="3600" dirty="0" smtClean="0">
+                <a:solidFill>
+                  <a:srgbClr val="00B050"/>
+                </a:solidFill>
+              </a:rPr>
+              <a:t>“Send by Post”</a:t>
+            </a:r>
+            <a:endParaRPr lang="en-GB" sz="3600" dirty="0">
+              <a:solidFill>
+                <a:srgbClr val="00B050"/>
+              </a:solidFill>
+            </a:endParaRPr>
+          </a:p>
+        </p:txBody>
+      </p:sp>
     </p:spTree>
     <p:extLst>
       <p:ext uri="{BB962C8B-B14F-4D97-AF65-F5344CB8AC3E}">
-        <p14:creationId xmlns:p14="http://schemas.microsoft.com/office/powerpoint/2010/main" val="775045194"/>
+        <p14:creationId xmlns:p14="http://schemas.microsoft.com/office/powerpoint/2010/main" val="3079389626"/>
       </p:ext>
     </p:extLst>
   </p:cSld>
@@ -6514,7 +5572,7 @@
         <p:spPr>
           <a:xfrm>
             <a:off x="1140729" y="332656"/>
-            <a:ext cx="850361" cy="369332"/>
+            <a:ext cx="1262077" cy="369332"/>
           </a:xfrm>
           <a:prstGeom prst="rect">
             <a:avLst/>
@@ -6528,10 +5586,9 @@
           <a:lstStyle/>
           <a:p>
             <a:r>
-              <a:rPr lang="en-GB" dirty="0" smtClean="0"/>
-              <a:t>Invoice</a:t>
-            </a:r>
-            <a:endParaRPr lang="en-GB" dirty="0"/>
+              <a:rPr lang="en-GB" dirty="0"/>
+              <a:t>Transaction</a:t>
+            </a:r>
           </a:p>
         </p:txBody>
       </p:sp>
@@ -6898,13 +5955,92 @@
           <a:p>
             <a:r>
               <a:rPr lang="en-GB" dirty="0" smtClean="0"/>
-              <a:t>(Post)</a:t>
+              <a:t>(Email)</a:t>
             </a:r>
           </a:p>
           <a:p>
             <a:r>
               <a:rPr lang="en-GB" dirty="0" smtClean="0"/>
               <a:t>Communication</a:t>
+            </a:r>
+            <a:endParaRPr lang="en-GB" dirty="0"/>
+          </a:p>
+        </p:txBody>
+      </p:sp>
+      <p:pic>
+        <p:nvPicPr>
+          <p:cNvPr id="1030" name="Picture 6" descr="C:\GITHUB\incodehq\incode-module-document\dom\src\main\java\org\incode\module\document\dom\impl\docs\Document-html.png"/>
+          <p:cNvPicPr>
+            <a:picLocks noChangeAspect="1" noChangeArrowheads="1"/>
+          </p:cNvPicPr>
+          <p:nvPr/>
+        </p:nvPicPr>
+        <p:blipFill>
+          <a:blip r:embed="rId6">
+            <a:extLst>
+              <a:ext uri="{28A0092B-C50C-407E-A947-70E740481C1C}">
+                <a14:useLocalDpi xmlns:a14="http://schemas.microsoft.com/office/drawing/2010/main" val="0"/>
+              </a:ext>
+            </a:extLst>
+          </a:blip>
+          <a:srcRect/>
+          <a:stretch>
+            <a:fillRect/>
+          </a:stretch>
+        </p:blipFill>
+        <p:spPr bwMode="auto">
+          <a:xfrm>
+            <a:off x="4716016" y="4811548"/>
+            <a:ext cx="831384" cy="831384"/>
+          </a:xfrm>
+          <a:prstGeom prst="rect">
+            <a:avLst/>
+          </a:prstGeom>
+          <a:noFill/>
+          <a:extLst>
+            <a:ext uri="{909E8E84-426E-40DD-AFC4-6F175D3DCCD1}">
+              <a14:hiddenFill xmlns:a14="http://schemas.microsoft.com/office/drawing/2010/main">
+                <a:solidFill>
+                  <a:srgbClr val="FFFFFF"/>
+                </a:solidFill>
+              </a14:hiddenFill>
+            </a:ext>
+          </a:extLst>
+        </p:spPr>
+      </p:pic>
+      <p:sp>
+        <p:nvSpPr>
+          <p:cNvPr id="26" name="TextBox 25"/>
+          <p:cNvSpPr txBox="1"/>
+          <p:nvPr/>
+        </p:nvSpPr>
+        <p:spPr>
+          <a:xfrm>
+            <a:off x="4244343" y="5644673"/>
+            <a:ext cx="1892185" cy="646331"/>
+          </a:xfrm>
+          <a:prstGeom prst="rect">
+            <a:avLst/>
+          </a:prstGeom>
+          <a:noFill/>
+        </p:spPr>
+        <p:txBody>
+          <a:bodyPr wrap="none" rtlCol="0">
+            <a:spAutoFit/>
+          </a:bodyPr>
+          <a:lstStyle/>
+          <a:p>
+            <a:pPr algn="ctr"/>
+            <a:r>
+              <a:rPr lang="en-GB" dirty="0" smtClean="0"/>
+              <a:t>(Email cover note)</a:t>
+            </a:r>
+          </a:p>
+          <a:p>
+            <a:pPr algn="ctr"/>
+            <a:r>
+              <a:rPr lang="en-GB" dirty="0" smtClean="0"/>
+              <a:t>Document</a:t>
             </a:r>
             <a:endParaRPr lang="en-GB" dirty="0"/>
           </a:p>
@@ -7013,7 +6149,7 @@
       </p:cxnSp>
       <p:pic>
         <p:nvPicPr>
-          <p:cNvPr id="25" name="Picture 4" descr="C:\GITHUB\incodehq\incode-module-document\dom\src\main\java\org\incode\module\document\dom\impl\paperclips\Paperclip.png"/>
+          <p:cNvPr id="33" name="Picture 4" descr="C:\GITHUB\incodehq\incode-module-document\dom\src\main\java\org\incode\module\document\dom\impl\paperclips\Paperclip.png"/>
           <p:cNvPicPr>
             <a:picLocks noChangeAspect="1" noChangeArrowheads="1"/>
           </p:cNvPicPr>
@@ -7034,7 +6170,7 @@
         </p:blipFill>
         <p:spPr bwMode="auto">
           <a:xfrm>
-            <a:off x="3596601" y="4206279"/>
+            <a:off x="5813710" y="3933056"/>
             <a:ext cx="518865" cy="518865"/>
           </a:xfrm>
           <a:prstGeom prst="rect">
@@ -7054,14 +6190,14 @@
       </p:pic>
       <p:cxnSp>
         <p:nvCxnSpPr>
-          <p:cNvPr id="31" name="Straight Connector 30"/>
+          <p:cNvPr id="35" name="Straight Connector 34"/>
           <p:cNvCxnSpPr/>
           <p:nvPr/>
         </p:nvCxnSpPr>
         <p:spPr>
-          <a:xfrm flipV="1">
-            <a:off x="2053048" y="3337233"/>
-            <a:ext cx="4391160" cy="1890007"/>
+          <a:xfrm flipH="1">
+            <a:off x="5571709" y="3638125"/>
+            <a:ext cx="1048898" cy="1015011"/>
           </a:xfrm>
           <a:prstGeom prst="line">
             <a:avLst/>
@@ -7082,47 +6218,9 @@
           </a:fontRef>
         </p:style>
       </p:cxnSp>
-      <p:sp>
-        <p:nvSpPr>
-          <p:cNvPr id="32" name="TextBox 31"/>
-          <p:cNvSpPr txBox="1"/>
-          <p:nvPr/>
-        </p:nvSpPr>
-        <p:spPr>
-          <a:xfrm>
-            <a:off x="3203848" y="188640"/>
-            <a:ext cx="2973250" cy="646331"/>
-          </a:xfrm>
-          <a:prstGeom prst="rect">
-            <a:avLst/>
-          </a:prstGeom>
-          <a:noFill/>
-        </p:spPr>
-        <p:txBody>
-          <a:bodyPr wrap="none" rtlCol="0">
-            <a:spAutoFit/>
-          </a:bodyPr>
-          <a:lstStyle/>
-          <a:p>
-            <a:r>
-              <a:rPr lang="en-GB" sz="3600" dirty="0" smtClean="0">
-                <a:solidFill>
-                  <a:srgbClr val="00B050"/>
-                </a:solidFill>
-              </a:rPr>
-              <a:t>“Send by Post”</a:t>
-            </a:r>
-            <a:endParaRPr lang="en-GB" sz="3600" dirty="0">
-              <a:solidFill>
-                <a:srgbClr val="00B050"/>
-              </a:solidFill>
-            </a:endParaRPr>
-          </a:p>
-        </p:txBody>
-      </p:sp>
       <p:pic>
         <p:nvPicPr>
-          <p:cNvPr id="22" name="Picture 4" descr="C:\GITHUB\incodehq\incode-module-document\dom\src\main\java\org\incode\module\document\dom\impl\paperclips\Paperclip.png"/>
+          <p:cNvPr id="25" name="Picture 4" descr="C:\GITHUB\incodehq\incode-module-document\dom\src\main\java\org\incode\module\document\dom\impl\paperclips\Paperclip.png"/>
           <p:cNvPicPr>
             <a:picLocks noChangeAspect="1" noChangeArrowheads="1"/>
           </p:cNvPicPr>
@@ -7143,7 +6241,7 @@
         </p:blipFill>
         <p:spPr bwMode="auto">
           <a:xfrm>
-            <a:off x="780858" y="2767814"/>
+            <a:off x="3596601" y="4206279"/>
             <a:ext cx="518865" cy="518865"/>
           </a:xfrm>
           <a:prstGeom prst="rect">
@@ -7163,14 +6261,14 @@
       </p:pic>
       <p:cxnSp>
         <p:nvCxnSpPr>
-          <p:cNvPr id="23" name="Straight Connector 22"/>
+          <p:cNvPr id="32" name="Straight Connector 31"/>
           <p:cNvCxnSpPr/>
           <p:nvPr/>
         </p:nvCxnSpPr>
         <p:spPr>
-          <a:xfrm>
-            <a:off x="827584" y="1412776"/>
-            <a:ext cx="535111" cy="3228943"/>
+          <a:xfrm flipV="1">
+            <a:off x="2053048" y="3337233"/>
+            <a:ext cx="4391160" cy="1890007"/>
           </a:xfrm>
           <a:prstGeom prst="line">
             <a:avLst/>
@@ -7191,10 +6289,48 @@
           </a:fontRef>
         </p:style>
       </p:cxnSp>
+      <p:sp>
+        <p:nvSpPr>
+          <p:cNvPr id="36" name="TextBox 35"/>
+          <p:cNvSpPr txBox="1"/>
+          <p:nvPr/>
+        </p:nvSpPr>
+        <p:spPr>
+          <a:xfrm>
+            <a:off x="3203848" y="188640"/>
+            <a:ext cx="3181640" cy="646331"/>
+          </a:xfrm>
+          <a:prstGeom prst="rect">
+            <a:avLst/>
+          </a:prstGeom>
+          <a:noFill/>
+        </p:spPr>
+        <p:txBody>
+          <a:bodyPr wrap="none" rtlCol="0">
+            <a:spAutoFit/>
+          </a:bodyPr>
+          <a:lstStyle/>
+          <a:p>
+            <a:r>
+              <a:rPr lang="en-GB" sz="3600" dirty="0" smtClean="0">
+                <a:solidFill>
+                  <a:srgbClr val="00B050"/>
+                </a:solidFill>
+              </a:rPr>
+              <a:t>“Send by Email”</a:t>
+            </a:r>
+            <a:endParaRPr lang="en-GB" sz="3600" dirty="0">
+              <a:solidFill>
+                <a:srgbClr val="00B050"/>
+              </a:solidFill>
+            </a:endParaRPr>
+          </a:p>
+        </p:txBody>
+      </p:sp>
     </p:spTree>
     <p:extLst>
       <p:ext uri="{BB962C8B-B14F-4D97-AF65-F5344CB8AC3E}">
-        <p14:creationId xmlns:p14="http://schemas.microsoft.com/office/powerpoint/2010/main" val="4126229046"/>
+        <p14:creationId xmlns:p14="http://schemas.microsoft.com/office/powerpoint/2010/main" val="1525338773"/>
       </p:ext>
     </p:extLst>
   </p:cSld>
@@ -7228,6 +6364,90 @@
           <a:chExt cx="0" cy="0"/>
         </a:xfrm>
       </p:grpSpPr>
+      <p:sp>
+        <p:nvSpPr>
+          <p:cNvPr id="2" name="Title 1"/>
+          <p:cNvSpPr>
+            <a:spLocks noGrp="1"/>
+          </p:cNvSpPr>
+          <p:nvPr>
+            <p:ph type="ctrTitle"/>
+          </p:nvPr>
+        </p:nvSpPr>
+        <p:spPr/>
+        <p:txBody>
+          <a:bodyPr/>
+          <a:lstStyle/>
+          <a:p>
+            <a:r>
+              <a:rPr lang="en-GB" dirty="0" smtClean="0"/>
+              <a:t>Attachments</a:t>
+            </a:r>
+            <a:endParaRPr lang="en-GB" dirty="0"/>
+          </a:p>
+        </p:txBody>
+      </p:sp>
+      <p:sp>
+        <p:nvSpPr>
+          <p:cNvPr id="4" name="Subtitle 3"/>
+          <p:cNvSpPr>
+            <a:spLocks noGrp="1"/>
+          </p:cNvSpPr>
+          <p:nvPr>
+            <p:ph type="subTitle" idx="1"/>
+          </p:nvPr>
+        </p:nvSpPr>
+        <p:spPr/>
+        <p:txBody>
+          <a:bodyPr/>
+          <a:lstStyle/>
+          <a:p>
+            <a:r>
+              <a:rPr lang="en-GB" dirty="0" smtClean="0"/>
+              <a:t>2</a:t>
+            </a:r>
+            <a:r>
+              <a:rPr lang="en-GB" baseline="30000" dirty="0" smtClean="0"/>
+              <a:t>nd</a:t>
+            </a:r>
+            <a:r>
+              <a:rPr lang="en-GB" dirty="0" smtClean="0"/>
+              <a:t> design</a:t>
+            </a:r>
+            <a:endParaRPr lang="en-GB" dirty="0"/>
+          </a:p>
+        </p:txBody>
+      </p:sp>
+    </p:spTree>
+    <p:extLst>
+      <p:ext uri="{BB962C8B-B14F-4D97-AF65-F5344CB8AC3E}">
+        <p14:creationId xmlns:p14="http://schemas.microsoft.com/office/powerpoint/2010/main" val="42115942"/>
+      </p:ext>
+    </p:extLst>
+  </p:cSld>
+  <p:clrMapOvr>
+    <a:masterClrMapping/>
+  </p:clrMapOvr>
+</p:sld>
+</file>
+
+<file path=ppt/slides/slide18.xml><?xml version="1.0" encoding="utf-8"?>
+<p:sld xmlns:a="http://schemas.openxmlformats.org/drawingml/2006/main" xmlns:r="http://schemas.openxmlformats.org/officeDocument/2006/relationships" xmlns:p="http://schemas.openxmlformats.org/presentationml/2006/main">
+  <p:cSld>
+    <p:spTree>
+      <p:nvGrpSpPr>
+        <p:cNvPr id="1" name=""/>
+        <p:cNvGrpSpPr/>
+        <p:nvPr/>
+      </p:nvGrpSpPr>
+      <p:grpSpPr>
+        <a:xfrm>
+          <a:off x="0" y="0"/>
+          <a:ext cx="0" cy="0"/>
+          <a:chOff x="0" y="0"/>
+          <a:chExt cx="0" cy="0"/>
+        </a:xfrm>
+      </p:grpSpPr>
       <p:pic>
         <p:nvPicPr>
           <p:cNvPr id="1026" name="Picture 2" descr="C:\GITHUB\estatio\estatio\estatioapp\module\invoice\dom\src\main\java\org\estatio\dom\invoice\Invoice.png"/>
@@ -7278,7 +6498,7 @@
         <p:spPr>
           <a:xfrm>
             <a:off x="1140729" y="332656"/>
-            <a:ext cx="850361" cy="369332"/>
+            <a:ext cx="1262077" cy="369332"/>
           </a:xfrm>
           <a:prstGeom prst="rect">
             <a:avLst/>
@@ -7293,15 +6513,125 @@
           <a:p>
             <a:r>
               <a:rPr lang="en-GB" dirty="0" smtClean="0"/>
-              <a:t>Invoice</a:t>
+              <a:t>Transaction</a:t>
             </a:r>
             <a:endParaRPr lang="en-GB" dirty="0"/>
           </a:p>
         </p:txBody>
       </p:sp>
+    </p:spTree>
+    <p:extLst>
+      <p:ext uri="{BB962C8B-B14F-4D97-AF65-F5344CB8AC3E}">
+        <p14:creationId xmlns:p14="http://schemas.microsoft.com/office/powerpoint/2010/main" val="335661757"/>
+      </p:ext>
+    </p:extLst>
+  </p:cSld>
+  <p:clrMapOvr>
+    <a:masterClrMapping/>
+  </p:clrMapOvr>
+  <p:timing>
+    <p:tnLst>
+      <p:par>
+        <p:cTn id="1" dur="indefinite" restart="never" nodeType="tmRoot"/>
+      </p:par>
+    </p:tnLst>
+  </p:timing>
+</p:sld>
+</file>
+
+<file path=ppt/slides/slide19.xml><?xml version="1.0" encoding="utf-8"?>
+<p:sld xmlns:a="http://schemas.openxmlformats.org/drawingml/2006/main" xmlns:r="http://schemas.openxmlformats.org/officeDocument/2006/relationships" xmlns:p="http://schemas.openxmlformats.org/presentationml/2006/main">
+  <p:cSld>
+    <p:spTree>
+      <p:nvGrpSpPr>
+        <p:cNvPr id="1" name=""/>
+        <p:cNvGrpSpPr/>
+        <p:nvPr/>
+      </p:nvGrpSpPr>
+      <p:grpSpPr>
+        <a:xfrm>
+          <a:off x="0" y="0"/>
+          <a:ext cx="0" cy="0"/>
+          <a:chOff x="0" y="0"/>
+          <a:chExt cx="0" cy="0"/>
+        </a:xfrm>
+      </p:grpSpPr>
       <p:pic>
         <p:nvPicPr>
-          <p:cNvPr id="1027" name="Picture 3" descr="C:\GITHUB\incodehq\incode-module-document\dom\src\main\java\org\incode\module\document\dom\impl\docs\Document-pdf.png"/>
+          <p:cNvPr id="1026" name="Picture 2" descr="C:\GITHUB\estatio\estatio\estatioapp\module\invoice\dom\src\main\java\org\estatio\dom\invoice\Invoice.png"/>
+          <p:cNvPicPr>
+            <a:picLocks noChangeAspect="1" noChangeArrowheads="1"/>
+          </p:cNvPicPr>
+          <p:nvPr/>
+        </p:nvPicPr>
+        <p:blipFill>
+          <a:blip r:embed="rId2">
+            <a:extLst>
+              <a:ext uri="{28A0092B-C50C-407E-A947-70E740481C1C}">
+                <a14:useLocalDpi xmlns:a14="http://schemas.microsoft.com/office/drawing/2010/main" val="0"/>
+              </a:ext>
+            </a:extLst>
+          </a:blip>
+          <a:srcRect/>
+          <a:stretch>
+            <a:fillRect/>
+          </a:stretch>
+        </p:blipFill>
+        <p:spPr bwMode="auto">
+          <a:xfrm>
+            <a:off x="211895" y="332656"/>
+            <a:ext cx="916260" cy="916260"/>
+          </a:xfrm>
+          <a:prstGeom prst="rect">
+            <a:avLst/>
+          </a:prstGeom>
+          <a:noFill/>
+          <a:extLst>
+            <a:ext uri="{909E8E84-426E-40DD-AFC4-6F175D3DCCD1}">
+              <a14:hiddenFill xmlns:a14="http://schemas.microsoft.com/office/drawing/2010/main">
+                <a:solidFill>
+                  <a:srgbClr val="FFFFFF"/>
+                </a:solidFill>
+              </a14:hiddenFill>
+            </a:ext>
+          </a:extLst>
+        </p:spPr>
+      </p:pic>
+      <p:sp>
+        <p:nvSpPr>
+          <p:cNvPr id="9" name="TextBox 8"/>
+          <p:cNvSpPr txBox="1"/>
+          <p:nvPr/>
+        </p:nvSpPr>
+        <p:spPr>
+          <a:xfrm>
+            <a:off x="1140729" y="332656"/>
+            <a:ext cx="1262077" cy="646331"/>
+          </a:xfrm>
+          <a:prstGeom prst="rect">
+            <a:avLst/>
+          </a:prstGeom>
+          <a:noFill/>
+        </p:spPr>
+        <p:txBody>
+          <a:bodyPr wrap="none" rtlCol="0">
+            <a:spAutoFit/>
+          </a:bodyPr>
+          <a:lstStyle/>
+          <a:p>
+            <a:r>
+              <a:rPr lang="en-GB"/>
+              <a:t>Transaction</a:t>
+            </a:r>
+          </a:p>
+          <a:p>
+            <a:endParaRPr lang="en-GB" dirty="0"/>
+          </a:p>
+        </p:txBody>
+      </p:sp>
+      <p:pic>
+        <p:nvPicPr>
+          <p:cNvPr id="13" name="Picture 3" descr="C:\GITHUB\incodehq\incode-module-document\dom\src\main\java\org\incode\module\document\dom\impl\docs\Document-pdf.png"/>
           <p:cNvPicPr>
             <a:picLocks noChangeAspect="1" noChangeArrowheads="1"/>
           </p:cNvPicPr>
@@ -7322,7 +6652,7 @@
         </p:blipFill>
         <p:spPr bwMode="auto">
           <a:xfrm>
-            <a:off x="2363960" y="2546588"/>
+            <a:off x="827584" y="4785735"/>
             <a:ext cx="916260" cy="916260"/>
           </a:xfrm>
           <a:prstGeom prst="rect">
@@ -7342,14 +6672,14 @@
       </p:pic>
       <p:sp>
         <p:nvSpPr>
-          <p:cNvPr id="12" name="TextBox 11"/>
+          <p:cNvPr id="14" name="TextBox 13"/>
           <p:cNvSpPr txBox="1"/>
           <p:nvPr/>
         </p:nvSpPr>
         <p:spPr>
           <a:xfrm>
-            <a:off x="2372135" y="3484433"/>
-            <a:ext cx="1165191" cy="646331"/>
+            <a:off x="715951" y="5733913"/>
+            <a:ext cx="1337097" cy="646331"/>
           </a:xfrm>
           <a:prstGeom prst="rect">
             <a:avLst/>
@@ -7362,12 +6692,14 @@
           </a:bodyPr>
           <a:lstStyle/>
           <a:p>
+            <a:pPr algn="ctr"/>
             <a:r>
               <a:rPr lang="en-GB" dirty="0" smtClean="0"/>
-              <a:t>(Invoice)</a:t>
-            </a:r>
-          </a:p>
-          <a:p>
+              <a:t>(Tax receipt)</a:t>
+            </a:r>
+          </a:p>
+          <a:p>
+            <a:pPr algn="ctr"/>
             <a:r>
               <a:rPr lang="en-GB" dirty="0" smtClean="0"/>
               <a:t>Document</a:t>
@@ -7378,86 +6710,7 @@
       </p:sp>
       <p:pic>
         <p:nvPicPr>
-          <p:cNvPr id="13" name="Picture 3" descr="C:\GITHUB\incodehq\incode-module-document\dom\src\main\java\org\incode\module\document\dom\impl\docs\Document-pdf.png"/>
-          <p:cNvPicPr>
-            <a:picLocks noChangeAspect="1" noChangeArrowheads="1"/>
-          </p:cNvPicPr>
-          <p:nvPr/>
-        </p:nvPicPr>
-        <p:blipFill>
-          <a:blip r:embed="rId3">
-            <a:extLst>
-              <a:ext uri="{28A0092B-C50C-407E-A947-70E740481C1C}">
-                <a14:useLocalDpi xmlns:a14="http://schemas.microsoft.com/office/drawing/2010/main" val="0"/>
-              </a:ext>
-            </a:extLst>
-          </a:blip>
-          <a:srcRect/>
-          <a:stretch>
-            <a:fillRect/>
-          </a:stretch>
-        </p:blipFill>
-        <p:spPr bwMode="auto">
-          <a:xfrm>
-            <a:off x="827584" y="4785735"/>
-            <a:ext cx="916260" cy="916260"/>
-          </a:xfrm>
-          <a:prstGeom prst="rect">
-            <a:avLst/>
-          </a:prstGeom>
-          <a:noFill/>
-          <a:extLst>
-            <a:ext uri="{909E8E84-426E-40DD-AFC4-6F175D3DCCD1}">
-              <a14:hiddenFill xmlns:a14="http://schemas.microsoft.com/office/drawing/2010/main">
-                <a:solidFill>
-                  <a:srgbClr val="FFFFFF"/>
-                </a:solidFill>
-              </a14:hiddenFill>
-            </a:ext>
-          </a:extLst>
-        </p:spPr>
-      </p:pic>
-      <p:sp>
-        <p:nvSpPr>
-          <p:cNvPr id="14" name="TextBox 13"/>
-          <p:cNvSpPr txBox="1"/>
-          <p:nvPr/>
-        </p:nvSpPr>
-        <p:spPr>
-          <a:xfrm>
-            <a:off x="715951" y="5733913"/>
-            <a:ext cx="1337097" cy="646331"/>
-          </a:xfrm>
-          <a:prstGeom prst="rect">
-            <a:avLst/>
-          </a:prstGeom>
-          <a:noFill/>
-        </p:spPr>
-        <p:txBody>
-          <a:bodyPr wrap="none" rtlCol="0">
-            <a:spAutoFit/>
-          </a:bodyPr>
-          <a:lstStyle/>
-          <a:p>
-            <a:pPr algn="ctr"/>
-            <a:r>
-              <a:rPr lang="en-GB" dirty="0" smtClean="0"/>
-              <a:t>(Tax receipt)</a:t>
-            </a:r>
-          </a:p>
-          <a:p>
-            <a:pPr algn="ctr"/>
-            <a:r>
-              <a:rPr lang="en-GB" dirty="0" smtClean="0"/>
-              <a:t>Document</a:t>
-            </a:r>
-            <a:endParaRPr lang="en-GB" dirty="0"/>
-          </a:p>
-        </p:txBody>
-      </p:sp>
-      <p:pic>
-        <p:nvPicPr>
-          <p:cNvPr id="1028" name="Picture 4" descr="C:\GITHUB\incodehq\incode-module-document\dom\src\main\java\org\incode\module\document\dom\impl\paperclips\Paperclip.png"/>
+          <p:cNvPr id="20" name="Picture 4" descr="C:\GITHUB\incodehq\incode-module-document\dom\src\main\java\org\incode\module\document\dom\impl\paperclips\Paperclip.png"/>
           <p:cNvPicPr>
             <a:picLocks noChangeAspect="1" noChangeArrowheads="1"/>
           </p:cNvPicPr>
@@ -7478,7 +6731,7 @@
         </p:blipFill>
         <p:spPr bwMode="auto">
           <a:xfrm>
-            <a:off x="1331640" y="1667682"/>
+            <a:off x="780858" y="2767814"/>
             <a:ext cx="518865" cy="518865"/>
           </a:xfrm>
           <a:prstGeom prst="rect">
@@ -7498,14 +6751,14 @@
       </p:pic>
       <p:cxnSp>
         <p:nvCxnSpPr>
-          <p:cNvPr id="11" name="Straight Connector 10"/>
+          <p:cNvPr id="21" name="Straight Connector 20"/>
           <p:cNvCxnSpPr/>
           <p:nvPr/>
         </p:nvCxnSpPr>
         <p:spPr>
           <a:xfrm>
-            <a:off x="1074830" y="1387561"/>
-            <a:ext cx="1048898" cy="1015011"/>
+            <a:off x="827584" y="1412776"/>
+            <a:ext cx="535111" cy="3228943"/>
           </a:xfrm>
           <a:prstGeom prst="line">
             <a:avLst/>
@@ -7526,128 +6779,16 @@
           </a:fontRef>
         </p:style>
       </p:cxnSp>
-      <p:pic>
-        <p:nvPicPr>
-          <p:cNvPr id="20" name="Picture 4" descr="C:\GITHUB\incodehq\incode-module-document\dom\src\main\java\org\incode\module\document\dom\impl\paperclips\Paperclip.png"/>
-          <p:cNvPicPr>
-            <a:picLocks noChangeAspect="1" noChangeArrowheads="1"/>
-          </p:cNvPicPr>
-          <p:nvPr/>
-        </p:nvPicPr>
-        <p:blipFill>
-          <a:blip r:embed="rId4">
-            <a:extLst>
-              <a:ext uri="{28A0092B-C50C-407E-A947-70E740481C1C}">
-                <a14:useLocalDpi xmlns:a14="http://schemas.microsoft.com/office/drawing/2010/main" val="0"/>
-              </a:ext>
-            </a:extLst>
-          </a:blip>
-          <a:srcRect/>
-          <a:stretch>
-            <a:fillRect/>
-          </a:stretch>
-        </p:blipFill>
-        <p:spPr bwMode="auto">
-          <a:xfrm>
-            <a:off x="1619505" y="3906829"/>
-            <a:ext cx="518865" cy="518865"/>
-          </a:xfrm>
-          <a:prstGeom prst="rect">
-            <a:avLst/>
-          </a:prstGeom>
-          <a:noFill/>
-          <a:extLst>
-            <a:ext uri="{909E8E84-426E-40DD-AFC4-6F175D3DCCD1}">
-              <a14:hiddenFill xmlns:a14="http://schemas.microsoft.com/office/drawing/2010/main">
-                <a:solidFill>
-                  <a:srgbClr val="FFFFFF"/>
-                </a:solidFill>
-              </a14:hiddenFill>
-            </a:ext>
-          </a:extLst>
-        </p:spPr>
-      </p:pic>
-      <p:cxnSp>
-        <p:nvCxnSpPr>
-          <p:cNvPr id="21" name="Straight Connector 20"/>
-          <p:cNvCxnSpPr/>
-          <p:nvPr/>
-        </p:nvCxnSpPr>
-        <p:spPr>
-          <a:xfrm flipH="1">
-            <a:off x="1362695" y="3626708"/>
-            <a:ext cx="1048898" cy="1015011"/>
-          </a:xfrm>
-          <a:prstGeom prst="line">
-            <a:avLst/>
-          </a:prstGeom>
-        </p:spPr>
-        <p:style>
-          <a:lnRef idx="1">
-            <a:schemeClr val="accent1"/>
-          </a:lnRef>
-          <a:fillRef idx="0">
-            <a:schemeClr val="accent1"/>
-          </a:fillRef>
-          <a:effectRef idx="0">
-            <a:schemeClr val="accent1"/>
-          </a:effectRef>
-          <a:fontRef idx="minor">
-            <a:schemeClr val="tx1"/>
-          </a:fontRef>
-        </p:style>
-      </p:cxnSp>
-      <p:pic>
-        <p:nvPicPr>
-          <p:cNvPr id="1029" name="Picture 5" descr="C:\GITHUB\incodehq\incode-module-communications\module\src\main\java\org\incode\module\communications\dom\impl\comms\Communication-email.png"/>
-          <p:cNvPicPr>
-            <a:picLocks noChangeAspect="1" noChangeArrowheads="1"/>
-          </p:cNvPicPr>
-          <p:nvPr/>
-        </p:nvPicPr>
-        <p:blipFill>
-          <a:blip r:embed="rId5">
-            <a:extLst>
-              <a:ext uri="{28A0092B-C50C-407E-A947-70E740481C1C}">
-                <a14:useLocalDpi xmlns:a14="http://schemas.microsoft.com/office/drawing/2010/main" val="0"/>
-              </a:ext>
-            </a:extLst>
-          </a:blip>
-          <a:srcRect/>
-          <a:stretch>
-            <a:fillRect/>
-          </a:stretch>
-        </p:blipFill>
-        <p:spPr bwMode="auto">
-          <a:xfrm>
-            <a:off x="6732240" y="2449322"/>
-            <a:ext cx="1163127" cy="1163127"/>
-          </a:xfrm>
-          <a:prstGeom prst="rect">
-            <a:avLst/>
-          </a:prstGeom>
-          <a:noFill/>
-          <a:extLst>
-            <a:ext uri="{909E8E84-426E-40DD-AFC4-6F175D3DCCD1}">
-              <a14:hiddenFill xmlns:a14="http://schemas.microsoft.com/office/drawing/2010/main">
-                <a:solidFill>
-                  <a:srgbClr val="FFFFFF"/>
-                </a:solidFill>
-              </a14:hiddenFill>
-            </a:ext>
-          </a:extLst>
-        </p:spPr>
-      </p:pic>
-      <p:sp>
-        <p:nvSpPr>
-          <p:cNvPr id="24" name="TextBox 23"/>
+      <p:sp>
+        <p:nvSpPr>
+          <p:cNvPr id="25" name="TextBox 24"/>
           <p:cNvSpPr txBox="1"/>
           <p:nvPr/>
         </p:nvSpPr>
         <p:spPr>
           <a:xfrm>
-            <a:off x="6643394" y="3410684"/>
-            <a:ext cx="1673022" cy="646331"/>
+            <a:off x="3203848" y="188640"/>
+            <a:ext cx="3260060" cy="646331"/>
           </a:xfrm>
           <a:prstGeom prst="rect">
             <a:avLst/>
@@ -7661,370 +6802,12 @@
           <a:lstStyle/>
           <a:p>
             <a:r>
-              <a:rPr lang="en-GB" dirty="0" smtClean="0"/>
-              <a:t>(Email)</a:t>
-            </a:r>
-          </a:p>
-          <a:p>
-            <a:r>
-              <a:rPr lang="en-GB" dirty="0" smtClean="0"/>
-              <a:t>Communication</a:t>
-            </a:r>
-            <a:endParaRPr lang="en-GB" dirty="0"/>
-          </a:p>
-        </p:txBody>
-      </p:sp>
-      <p:pic>
-        <p:nvPicPr>
-          <p:cNvPr id="1030" name="Picture 6" descr="C:\GITHUB\incodehq\incode-module-document\dom\src\main\java\org\incode\module\document\dom\impl\docs\Document-html.png"/>
-          <p:cNvPicPr>
-            <a:picLocks noChangeAspect="1" noChangeArrowheads="1"/>
-          </p:cNvPicPr>
-          <p:nvPr/>
-        </p:nvPicPr>
-        <p:blipFill>
-          <a:blip r:embed="rId6">
-            <a:extLst>
-              <a:ext uri="{28A0092B-C50C-407E-A947-70E740481C1C}">
-                <a14:useLocalDpi xmlns:a14="http://schemas.microsoft.com/office/drawing/2010/main" val="0"/>
-              </a:ext>
-            </a:extLst>
-          </a:blip>
-          <a:srcRect/>
-          <a:stretch>
-            <a:fillRect/>
-          </a:stretch>
-        </p:blipFill>
-        <p:spPr bwMode="auto">
-          <a:xfrm>
-            <a:off x="4716016" y="4811548"/>
-            <a:ext cx="831384" cy="831384"/>
-          </a:xfrm>
-          <a:prstGeom prst="rect">
-            <a:avLst/>
-          </a:prstGeom>
-          <a:noFill/>
-          <a:extLst>
-            <a:ext uri="{909E8E84-426E-40DD-AFC4-6F175D3DCCD1}">
-              <a14:hiddenFill xmlns:a14="http://schemas.microsoft.com/office/drawing/2010/main">
-                <a:solidFill>
-                  <a:srgbClr val="FFFFFF"/>
-                </a:solidFill>
-              </a14:hiddenFill>
-            </a:ext>
-          </a:extLst>
-        </p:spPr>
-      </p:pic>
-      <p:sp>
-        <p:nvSpPr>
-          <p:cNvPr id="26" name="TextBox 25"/>
-          <p:cNvSpPr txBox="1"/>
-          <p:nvPr/>
-        </p:nvSpPr>
-        <p:spPr>
-          <a:xfrm>
-            <a:off x="4244343" y="5644673"/>
-            <a:ext cx="1892185" cy="646331"/>
-          </a:xfrm>
-          <a:prstGeom prst="rect">
-            <a:avLst/>
-          </a:prstGeom>
-          <a:noFill/>
-        </p:spPr>
-        <p:txBody>
-          <a:bodyPr wrap="none" rtlCol="0">
-            <a:spAutoFit/>
-          </a:bodyPr>
-          <a:lstStyle/>
-          <a:p>
-            <a:pPr algn="ctr"/>
-            <a:r>
-              <a:rPr lang="en-GB" dirty="0" smtClean="0"/>
-              <a:t>(Email cover note)</a:t>
-            </a:r>
-          </a:p>
-          <a:p>
-            <a:pPr algn="ctr"/>
-            <a:r>
-              <a:rPr lang="en-GB" dirty="0" smtClean="0"/>
-              <a:t>Document</a:t>
-            </a:r>
-            <a:endParaRPr lang="en-GB" dirty="0"/>
-          </a:p>
-        </p:txBody>
-      </p:sp>
-      <p:pic>
-        <p:nvPicPr>
-          <p:cNvPr id="27" name="Picture 4" descr="C:\GITHUB\incodehq\incode-module-document\dom\src\main\java\org\incode\module\document\dom\impl\paperclips\Paperclip.png"/>
-          <p:cNvPicPr>
-            <a:picLocks noChangeAspect="1" noChangeArrowheads="1"/>
-          </p:cNvPicPr>
-          <p:nvPr/>
-        </p:nvPicPr>
-        <p:blipFill>
-          <a:blip r:embed="rId4">
-            <a:extLst>
-              <a:ext uri="{28A0092B-C50C-407E-A947-70E740481C1C}">
-                <a14:useLocalDpi xmlns:a14="http://schemas.microsoft.com/office/drawing/2010/main" val="0"/>
-              </a:ext>
-            </a:extLst>
-          </a:blip>
-          <a:srcRect/>
-          <a:stretch>
-            <a:fillRect/>
-          </a:stretch>
-        </p:blipFill>
-        <p:spPr bwMode="auto">
-          <a:xfrm>
-            <a:off x="4460367" y="2766119"/>
-            <a:ext cx="518865" cy="518865"/>
-          </a:xfrm>
-          <a:prstGeom prst="rect">
-            <a:avLst/>
-          </a:prstGeom>
-          <a:noFill/>
-          <a:extLst>
-            <a:ext uri="{909E8E84-426E-40DD-AFC4-6F175D3DCCD1}">
-              <a14:hiddenFill xmlns:a14="http://schemas.microsoft.com/office/drawing/2010/main">
-                <a:solidFill>
-                  <a:srgbClr val="FFFFFF"/>
-                </a:solidFill>
-              </a14:hiddenFill>
-            </a:ext>
-          </a:extLst>
-        </p:spPr>
-      </p:pic>
-      <p:cxnSp>
-        <p:nvCxnSpPr>
-          <p:cNvPr id="29" name="Straight Connector 28"/>
-          <p:cNvCxnSpPr/>
-          <p:nvPr/>
-        </p:nvCxnSpPr>
-        <p:spPr>
-          <a:xfrm>
-            <a:off x="1227230" y="1539961"/>
-            <a:ext cx="1048898" cy="1015011"/>
-          </a:xfrm>
-          <a:prstGeom prst="line">
-            <a:avLst/>
-          </a:prstGeom>
-        </p:spPr>
-        <p:style>
-          <a:lnRef idx="1">
-            <a:schemeClr val="accent1"/>
-          </a:lnRef>
-          <a:fillRef idx="0">
-            <a:schemeClr val="accent1"/>
-          </a:fillRef>
-          <a:effectRef idx="0">
-            <a:schemeClr val="accent1"/>
-          </a:effectRef>
-          <a:fontRef idx="minor">
-            <a:schemeClr val="tx1"/>
-          </a:fontRef>
-        </p:style>
-      </p:cxnSp>
-      <p:cxnSp>
-        <p:nvCxnSpPr>
-          <p:cNvPr id="30" name="Straight Connector 29"/>
-          <p:cNvCxnSpPr/>
-          <p:nvPr/>
-        </p:nvCxnSpPr>
-        <p:spPr>
-          <a:xfrm>
-            <a:off x="3380247" y="3004718"/>
-            <a:ext cx="3096344" cy="26167"/>
-          </a:xfrm>
-          <a:prstGeom prst="line">
-            <a:avLst/>
-          </a:prstGeom>
-        </p:spPr>
-        <p:style>
-          <a:lnRef idx="1">
-            <a:schemeClr val="accent1"/>
-          </a:lnRef>
-          <a:fillRef idx="0">
-            <a:schemeClr val="accent1"/>
-          </a:fillRef>
-          <a:effectRef idx="0">
-            <a:schemeClr val="accent1"/>
-          </a:effectRef>
-          <a:fontRef idx="minor">
-            <a:schemeClr val="tx1"/>
-          </a:fontRef>
-        </p:style>
-      </p:cxnSp>
-      <p:pic>
-        <p:nvPicPr>
-          <p:cNvPr id="33" name="Picture 4" descr="C:\GITHUB\incodehq\incode-module-document\dom\src\main\java\org\incode\module\document\dom\impl\paperclips\Paperclip.png"/>
-          <p:cNvPicPr>
-            <a:picLocks noChangeAspect="1" noChangeArrowheads="1"/>
-          </p:cNvPicPr>
-          <p:nvPr/>
-        </p:nvPicPr>
-        <p:blipFill>
-          <a:blip r:embed="rId4">
-            <a:extLst>
-              <a:ext uri="{28A0092B-C50C-407E-A947-70E740481C1C}">
-                <a14:useLocalDpi xmlns:a14="http://schemas.microsoft.com/office/drawing/2010/main" val="0"/>
-              </a:ext>
-            </a:extLst>
-          </a:blip>
-          <a:srcRect/>
-          <a:stretch>
-            <a:fillRect/>
-          </a:stretch>
-        </p:blipFill>
-        <p:spPr bwMode="auto">
-          <a:xfrm>
-            <a:off x="5813710" y="3933056"/>
-            <a:ext cx="518865" cy="518865"/>
-          </a:xfrm>
-          <a:prstGeom prst="rect">
-            <a:avLst/>
-          </a:prstGeom>
-          <a:noFill/>
-          <a:extLst>
-            <a:ext uri="{909E8E84-426E-40DD-AFC4-6F175D3DCCD1}">
-              <a14:hiddenFill xmlns:a14="http://schemas.microsoft.com/office/drawing/2010/main">
-                <a:solidFill>
-                  <a:srgbClr val="FFFFFF"/>
-                </a:solidFill>
-              </a14:hiddenFill>
-            </a:ext>
-          </a:extLst>
-        </p:spPr>
-      </p:pic>
-      <p:cxnSp>
-        <p:nvCxnSpPr>
-          <p:cNvPr id="35" name="Straight Connector 34"/>
-          <p:cNvCxnSpPr/>
-          <p:nvPr/>
-        </p:nvCxnSpPr>
-        <p:spPr>
-          <a:xfrm flipH="1">
-            <a:off x="5571709" y="3638125"/>
-            <a:ext cx="1048898" cy="1015011"/>
-          </a:xfrm>
-          <a:prstGeom prst="line">
-            <a:avLst/>
-          </a:prstGeom>
-        </p:spPr>
-        <p:style>
-          <a:lnRef idx="1">
-            <a:schemeClr val="accent1"/>
-          </a:lnRef>
-          <a:fillRef idx="0">
-            <a:schemeClr val="accent1"/>
-          </a:fillRef>
-          <a:effectRef idx="0">
-            <a:schemeClr val="accent1"/>
-          </a:effectRef>
-          <a:fontRef idx="minor">
-            <a:schemeClr val="tx1"/>
-          </a:fontRef>
-        </p:style>
-      </p:cxnSp>
-      <p:pic>
-        <p:nvPicPr>
-          <p:cNvPr id="25" name="Picture 4" descr="C:\GITHUB\incodehq\incode-module-document\dom\src\main\java\org\incode\module\document\dom\impl\paperclips\Paperclip.png"/>
-          <p:cNvPicPr>
-            <a:picLocks noChangeAspect="1" noChangeArrowheads="1"/>
-          </p:cNvPicPr>
-          <p:nvPr/>
-        </p:nvPicPr>
-        <p:blipFill>
-          <a:blip r:embed="rId4">
-            <a:extLst>
-              <a:ext uri="{28A0092B-C50C-407E-A947-70E740481C1C}">
-                <a14:useLocalDpi xmlns:a14="http://schemas.microsoft.com/office/drawing/2010/main" val="0"/>
-              </a:ext>
-            </a:extLst>
-          </a:blip>
-          <a:srcRect/>
-          <a:stretch>
-            <a:fillRect/>
-          </a:stretch>
-        </p:blipFill>
-        <p:spPr bwMode="auto">
-          <a:xfrm>
-            <a:off x="3596601" y="4206279"/>
-            <a:ext cx="518865" cy="518865"/>
-          </a:xfrm>
-          <a:prstGeom prst="rect">
-            <a:avLst/>
-          </a:prstGeom>
-          <a:noFill/>
-          <a:extLst>
-            <a:ext uri="{909E8E84-426E-40DD-AFC4-6F175D3DCCD1}">
-              <a14:hiddenFill xmlns:a14="http://schemas.microsoft.com/office/drawing/2010/main">
-                <a:solidFill>
-                  <a:srgbClr val="FFFFFF"/>
-                </a:solidFill>
-              </a14:hiddenFill>
-            </a:ext>
-          </a:extLst>
-        </p:spPr>
-      </p:pic>
-      <p:cxnSp>
-        <p:nvCxnSpPr>
-          <p:cNvPr id="32" name="Straight Connector 31"/>
-          <p:cNvCxnSpPr/>
-          <p:nvPr/>
-        </p:nvCxnSpPr>
-        <p:spPr>
-          <a:xfrm flipV="1">
-            <a:off x="2053048" y="3337233"/>
-            <a:ext cx="4391160" cy="1890007"/>
-          </a:xfrm>
-          <a:prstGeom prst="line">
-            <a:avLst/>
-          </a:prstGeom>
-        </p:spPr>
-        <p:style>
-          <a:lnRef idx="1">
-            <a:schemeClr val="accent1"/>
-          </a:lnRef>
-          <a:fillRef idx="0">
-            <a:schemeClr val="accent1"/>
-          </a:fillRef>
-          <a:effectRef idx="0">
-            <a:schemeClr val="accent1"/>
-          </a:effectRef>
-          <a:fontRef idx="minor">
-            <a:schemeClr val="tx1"/>
-          </a:fontRef>
-        </p:style>
-      </p:cxnSp>
-      <p:sp>
-        <p:nvSpPr>
-          <p:cNvPr id="36" name="TextBox 35"/>
-          <p:cNvSpPr txBox="1"/>
-          <p:nvPr/>
-        </p:nvSpPr>
-        <p:spPr>
-          <a:xfrm>
-            <a:off x="3203848" y="188640"/>
-            <a:ext cx="3181640" cy="646331"/>
-          </a:xfrm>
-          <a:prstGeom prst="rect">
-            <a:avLst/>
-          </a:prstGeom>
-          <a:noFill/>
-        </p:spPr>
-        <p:txBody>
-          <a:bodyPr wrap="none" rtlCol="0">
-            <a:spAutoFit/>
-          </a:bodyPr>
-          <a:lstStyle/>
-          <a:p>
-            <a:r>
               <a:rPr lang="en-GB" sz="3600" dirty="0" smtClean="0">
                 <a:solidFill>
                   <a:srgbClr val="00B050"/>
                 </a:solidFill>
               </a:rPr>
-              <a:t>“Send by Email”</a:t>
+              <a:t>“Attach Receipt”</a:t>
             </a:r>
             <a:endParaRPr lang="en-GB" sz="3600" dirty="0">
               <a:solidFill>
@@ -8034,81 +6817,40 @@
           </a:p>
         </p:txBody>
       </p:sp>
-      <p:pic>
-        <p:nvPicPr>
-          <p:cNvPr id="28" name="Picture 4" descr="C:\GITHUB\incodehq\incode-module-document\dom\src\main\java\org\incode\module\document\dom\impl\paperclips\Paperclip.png"/>
-          <p:cNvPicPr>
-            <a:picLocks noChangeAspect="1" noChangeArrowheads="1"/>
-          </p:cNvPicPr>
-          <p:nvPr/>
-        </p:nvPicPr>
-        <p:blipFill>
-          <a:blip r:embed="rId4">
-            <a:extLst>
-              <a:ext uri="{28A0092B-C50C-407E-A947-70E740481C1C}">
-                <a14:useLocalDpi xmlns:a14="http://schemas.microsoft.com/office/drawing/2010/main" val="0"/>
-              </a:ext>
-            </a:extLst>
-          </a:blip>
-          <a:srcRect/>
-          <a:stretch>
-            <a:fillRect/>
-          </a:stretch>
-        </p:blipFill>
-        <p:spPr bwMode="auto">
-          <a:xfrm>
-            <a:off x="780858" y="2767814"/>
-            <a:ext cx="518865" cy="518865"/>
-          </a:xfrm>
-          <a:prstGeom prst="rect">
-            <a:avLst/>
-          </a:prstGeom>
-          <a:noFill/>
-          <a:extLst>
-            <a:ext uri="{909E8E84-426E-40DD-AFC4-6F175D3DCCD1}">
-              <a14:hiddenFill xmlns:a14="http://schemas.microsoft.com/office/drawing/2010/main">
-                <a:solidFill>
-                  <a:srgbClr val="FFFFFF"/>
-                </a:solidFill>
-              </a14:hiddenFill>
-            </a:ext>
-          </a:extLst>
-        </p:spPr>
-      </p:pic>
-      <p:cxnSp>
-        <p:nvCxnSpPr>
-          <p:cNvPr id="31" name="Straight Connector 30"/>
-          <p:cNvCxnSpPr/>
-          <p:nvPr/>
-        </p:nvCxnSpPr>
-        <p:spPr>
-          <a:xfrm>
-            <a:off x="827584" y="1412776"/>
-            <a:ext cx="535111" cy="3228943"/>
-          </a:xfrm>
-          <a:prstGeom prst="line">
-            <a:avLst/>
-          </a:prstGeom>
-        </p:spPr>
-        <p:style>
-          <a:lnRef idx="1">
-            <a:schemeClr val="accent1"/>
-          </a:lnRef>
-          <a:fillRef idx="0">
-            <a:schemeClr val="accent1"/>
-          </a:fillRef>
-          <a:effectRef idx="0">
-            <a:schemeClr val="accent1"/>
-          </a:effectRef>
-          <a:fontRef idx="minor">
-            <a:schemeClr val="tx1"/>
-          </a:fontRef>
-        </p:style>
-      </p:cxnSp>
+      <p:sp>
+        <p:nvSpPr>
+          <p:cNvPr id="10" name="TextBox 9"/>
+          <p:cNvSpPr txBox="1"/>
+          <p:nvPr/>
+        </p:nvSpPr>
+        <p:spPr>
+          <a:xfrm>
+            <a:off x="251520" y="3234462"/>
+            <a:ext cx="917239" cy="338554"/>
+          </a:xfrm>
+          <a:prstGeom prst="rect">
+            <a:avLst/>
+          </a:prstGeom>
+          <a:noFill/>
+        </p:spPr>
+        <p:txBody>
+          <a:bodyPr wrap="none" rtlCol="0">
+            <a:spAutoFit/>
+          </a:bodyPr>
+          <a:lstStyle/>
+          <a:p>
+            <a:r>
+              <a:rPr lang="en-GB" sz="1600" i="1" dirty="0" smtClean="0"/>
+              <a:t>supports</a:t>
+            </a:r>
+            <a:endParaRPr lang="en-GB" sz="1600" i="1" dirty="0"/>
+          </a:p>
+        </p:txBody>
+      </p:sp>
     </p:spTree>
     <p:extLst>
       <p:ext uri="{BB962C8B-B14F-4D97-AF65-F5344CB8AC3E}">
-        <p14:creationId xmlns:p14="http://schemas.microsoft.com/office/powerpoint/2010/main" val="652227335"/>
+        <p14:creationId xmlns:p14="http://schemas.microsoft.com/office/powerpoint/2010/main" val="3803749848"/>
       </p:ext>
     </p:extLst>
   </p:cSld>
@@ -8192,7 +6934,7 @@
         <p:spPr>
           <a:xfrm>
             <a:off x="1140729" y="332656"/>
-            <a:ext cx="850361" cy="369332"/>
+            <a:ext cx="1262077" cy="369332"/>
           </a:xfrm>
           <a:prstGeom prst="rect">
             <a:avLst/>
@@ -8207,15 +6949,153 @@
           <a:p>
             <a:r>
               <a:rPr lang="en-GB" dirty="0" smtClean="0"/>
-              <a:t>Invoice</a:t>
+              <a:t>Transaction</a:t>
             </a:r>
             <a:endParaRPr lang="en-GB" dirty="0"/>
           </a:p>
         </p:txBody>
       </p:sp>
+      <p:sp>
+        <p:nvSpPr>
+          <p:cNvPr id="2" name="TextBox 1"/>
+          <p:cNvSpPr txBox="1"/>
+          <p:nvPr/>
+        </p:nvSpPr>
+        <p:spPr>
+          <a:xfrm>
+            <a:off x="3203848" y="188640"/>
+            <a:ext cx="2113207" cy="646331"/>
+          </a:xfrm>
+          <a:prstGeom prst="rect">
+            <a:avLst/>
+          </a:prstGeom>
+          <a:noFill/>
+        </p:spPr>
+        <p:txBody>
+          <a:bodyPr wrap="none" rtlCol="0">
+            <a:spAutoFit/>
+          </a:bodyPr>
+          <a:lstStyle/>
+          <a:p>
+            <a:r>
+              <a:rPr lang="en-GB" sz="3600" dirty="0" smtClean="0">
+                <a:solidFill>
+                  <a:srgbClr val="0070C0"/>
+                </a:solidFill>
+              </a:rPr>
+              <a:t>“Approve”</a:t>
+            </a:r>
+            <a:endParaRPr lang="en-GB" sz="3600" dirty="0">
+              <a:solidFill>
+                <a:srgbClr val="0070C0"/>
+              </a:solidFill>
+            </a:endParaRPr>
+          </a:p>
+        </p:txBody>
+      </p:sp>
+    </p:spTree>
+    <p:extLst>
+      <p:ext uri="{BB962C8B-B14F-4D97-AF65-F5344CB8AC3E}">
+        <p14:creationId xmlns:p14="http://schemas.microsoft.com/office/powerpoint/2010/main" val="3581730187"/>
+      </p:ext>
+    </p:extLst>
+  </p:cSld>
+  <p:clrMapOvr>
+    <a:masterClrMapping/>
+  </p:clrMapOvr>
+</p:sld>
+</file>
+
+<file path=ppt/slides/slide20.xml><?xml version="1.0" encoding="utf-8"?>
+<p:sld xmlns:a="http://schemas.openxmlformats.org/drawingml/2006/main" xmlns:r="http://schemas.openxmlformats.org/officeDocument/2006/relationships" xmlns:p="http://schemas.openxmlformats.org/presentationml/2006/main">
+  <p:cSld>
+    <p:spTree>
+      <p:nvGrpSpPr>
+        <p:cNvPr id="1" name=""/>
+        <p:cNvGrpSpPr/>
+        <p:nvPr/>
+      </p:nvGrpSpPr>
+      <p:grpSpPr>
+        <a:xfrm>
+          <a:off x="0" y="0"/>
+          <a:ext cx="0" cy="0"/>
+          <a:chOff x="0" y="0"/>
+          <a:chExt cx="0" cy="0"/>
+        </a:xfrm>
+      </p:grpSpPr>
       <p:pic>
         <p:nvPicPr>
-          <p:cNvPr id="1027" name="Picture 3" descr="C:\GITHUB\incodehq\incode-module-document\dom\src\main\java\org\incode\module\document\dom\impl\docs\Document-pdf.png"/>
+          <p:cNvPr id="1026" name="Picture 2" descr="C:\GITHUB\estatio\estatio\estatioapp\module\invoice\dom\src\main\java\org\estatio\dom\invoice\Invoice.png"/>
+          <p:cNvPicPr>
+            <a:picLocks noChangeAspect="1" noChangeArrowheads="1"/>
+          </p:cNvPicPr>
+          <p:nvPr/>
+        </p:nvPicPr>
+        <p:blipFill>
+          <a:blip r:embed="rId2">
+            <a:extLst>
+              <a:ext uri="{28A0092B-C50C-407E-A947-70E740481C1C}">
+                <a14:useLocalDpi xmlns:a14="http://schemas.microsoft.com/office/drawing/2010/main" val="0"/>
+              </a:ext>
+            </a:extLst>
+          </a:blip>
+          <a:srcRect/>
+          <a:stretch>
+            <a:fillRect/>
+          </a:stretch>
+        </p:blipFill>
+        <p:spPr bwMode="auto">
+          <a:xfrm>
+            <a:off x="211895" y="332656"/>
+            <a:ext cx="916260" cy="916260"/>
+          </a:xfrm>
+          <a:prstGeom prst="rect">
+            <a:avLst/>
+          </a:prstGeom>
+          <a:noFill/>
+          <a:extLst>
+            <a:ext uri="{909E8E84-426E-40DD-AFC4-6F175D3DCCD1}">
+              <a14:hiddenFill xmlns:a14="http://schemas.microsoft.com/office/drawing/2010/main">
+                <a:solidFill>
+                  <a:srgbClr val="FFFFFF"/>
+                </a:solidFill>
+              </a14:hiddenFill>
+            </a:ext>
+          </a:extLst>
+        </p:spPr>
+      </p:pic>
+      <p:sp>
+        <p:nvSpPr>
+          <p:cNvPr id="9" name="TextBox 8"/>
+          <p:cNvSpPr txBox="1"/>
+          <p:nvPr/>
+        </p:nvSpPr>
+        <p:spPr>
+          <a:xfrm>
+            <a:off x="1140729" y="332656"/>
+            <a:ext cx="1262077" cy="369332"/>
+          </a:xfrm>
+          <a:prstGeom prst="rect">
+            <a:avLst/>
+          </a:prstGeom>
+          <a:noFill/>
+        </p:spPr>
+        <p:txBody>
+          <a:bodyPr wrap="none" rtlCol="0">
+            <a:spAutoFit/>
+          </a:bodyPr>
+          <a:lstStyle/>
+          <a:p>
+            <a:r>
+              <a:rPr lang="en-GB" dirty="0"/>
+              <a:t>Transaction</a:t>
+            </a:r>
+          </a:p>
+        </p:txBody>
+      </p:sp>
+      <p:pic>
+        <p:nvPicPr>
+          <p:cNvPr id="13" name="Picture 3" descr="C:\GITHUB\incodehq\incode-module-document\dom\src\main\java\org\incode\module\document\dom\impl\docs\Document-pdf.png"/>
           <p:cNvPicPr>
             <a:picLocks noChangeAspect="1" noChangeArrowheads="1"/>
           </p:cNvPicPr>
@@ -8236,7 +7116,7 @@
         </p:blipFill>
         <p:spPr bwMode="auto">
           <a:xfrm>
-            <a:off x="2363960" y="2546588"/>
+            <a:off x="827584" y="4785735"/>
             <a:ext cx="916260" cy="916260"/>
           </a:xfrm>
           <a:prstGeom prst="rect">
@@ -8256,14 +7136,14 @@
       </p:pic>
       <p:sp>
         <p:nvSpPr>
-          <p:cNvPr id="12" name="TextBox 11"/>
+          <p:cNvPr id="14" name="TextBox 13"/>
           <p:cNvSpPr txBox="1"/>
           <p:nvPr/>
         </p:nvSpPr>
         <p:spPr>
           <a:xfrm>
-            <a:off x="2372135" y="3484433"/>
-            <a:ext cx="1490729" cy="646331"/>
+            <a:off x="715951" y="5733913"/>
+            <a:ext cx="1337097" cy="646331"/>
           </a:xfrm>
           <a:prstGeom prst="rect">
             <a:avLst/>
@@ -8276,12 +7156,14 @@
           </a:bodyPr>
           <a:lstStyle/>
           <a:p>
+            <a:pPr algn="ctr"/>
             <a:r>
               <a:rPr lang="en-GB" dirty="0" smtClean="0"/>
-              <a:t>(Prelim letter)</a:t>
-            </a:r>
-          </a:p>
-          <a:p>
+              <a:t>(Tax receipt)</a:t>
+            </a:r>
+          </a:p>
+          <a:p>
+            <a:pPr algn="ctr"/>
             <a:r>
               <a:rPr lang="en-GB" dirty="0" smtClean="0"/>
               <a:t>Document</a:t>
@@ -8292,7 +7174,7 @@
       </p:sp>
       <p:pic>
         <p:nvPicPr>
-          <p:cNvPr id="1028" name="Picture 4" descr="C:\GITHUB\incodehq\incode-module-document\dom\src\main\java\org\incode\module\document\dom\impl\paperclips\Paperclip.png"/>
+          <p:cNvPr id="20" name="Picture 4" descr="C:\GITHUB\incodehq\incode-module-document\dom\src\main\java\org\incode\module\document\dom\impl\paperclips\Paperclip.png"/>
           <p:cNvPicPr>
             <a:picLocks noChangeAspect="1" noChangeArrowheads="1"/>
           </p:cNvPicPr>
@@ -8313,6 +7195,1114 @@
         </p:blipFill>
         <p:spPr bwMode="auto">
           <a:xfrm>
+            <a:off x="780858" y="2767814"/>
+            <a:ext cx="518865" cy="518865"/>
+          </a:xfrm>
+          <a:prstGeom prst="rect">
+            <a:avLst/>
+          </a:prstGeom>
+          <a:noFill/>
+          <a:extLst>
+            <a:ext uri="{909E8E84-426E-40DD-AFC4-6F175D3DCCD1}">
+              <a14:hiddenFill xmlns:a14="http://schemas.microsoft.com/office/drawing/2010/main">
+                <a:solidFill>
+                  <a:srgbClr val="FFFFFF"/>
+                </a:solidFill>
+              </a14:hiddenFill>
+            </a:ext>
+          </a:extLst>
+        </p:spPr>
+      </p:pic>
+      <p:cxnSp>
+        <p:nvCxnSpPr>
+          <p:cNvPr id="21" name="Straight Connector 20"/>
+          <p:cNvCxnSpPr/>
+          <p:nvPr/>
+        </p:nvCxnSpPr>
+        <p:spPr>
+          <a:xfrm>
+            <a:off x="827584" y="1412776"/>
+            <a:ext cx="535111" cy="3228943"/>
+          </a:xfrm>
+          <a:prstGeom prst="line">
+            <a:avLst/>
+          </a:prstGeom>
+        </p:spPr>
+        <p:style>
+          <a:lnRef idx="1">
+            <a:schemeClr val="accent1"/>
+          </a:lnRef>
+          <a:fillRef idx="0">
+            <a:schemeClr val="accent1"/>
+          </a:fillRef>
+          <a:effectRef idx="0">
+            <a:schemeClr val="accent1"/>
+          </a:effectRef>
+          <a:fontRef idx="minor">
+            <a:schemeClr val="tx1"/>
+          </a:fontRef>
+        </p:style>
+      </p:cxnSp>
+      <p:sp>
+        <p:nvSpPr>
+          <p:cNvPr id="25" name="TextBox 24"/>
+          <p:cNvSpPr txBox="1"/>
+          <p:nvPr/>
+        </p:nvSpPr>
+        <p:spPr>
+          <a:xfrm>
+            <a:off x="3203848" y="188640"/>
+            <a:ext cx="2041585" cy="646331"/>
+          </a:xfrm>
+          <a:prstGeom prst="rect">
+            <a:avLst/>
+          </a:prstGeom>
+          <a:noFill/>
+        </p:spPr>
+        <p:txBody>
+          <a:bodyPr wrap="none" rtlCol="0">
+            <a:spAutoFit/>
+          </a:bodyPr>
+          <a:lstStyle/>
+          <a:p>
+            <a:r>
+              <a:rPr lang="en-GB" sz="3600" dirty="0" smtClean="0">
+                <a:solidFill>
+                  <a:srgbClr val="00B050"/>
+                </a:solidFill>
+              </a:rPr>
+              <a:t>“Prepare”</a:t>
+            </a:r>
+            <a:endParaRPr lang="en-GB" sz="3600" dirty="0">
+              <a:solidFill>
+                <a:srgbClr val="00B050"/>
+              </a:solidFill>
+            </a:endParaRPr>
+          </a:p>
+        </p:txBody>
+      </p:sp>
+      <p:pic>
+        <p:nvPicPr>
+          <p:cNvPr id="10" name="Picture 3" descr="C:\GITHUB\incodehq\incode-module-document\dom\src\main\java\org\incode\module\document\dom\impl\docs\Document-pdf.png"/>
+          <p:cNvPicPr>
+            <a:picLocks noChangeAspect="1" noChangeArrowheads="1"/>
+          </p:cNvPicPr>
+          <p:nvPr/>
+        </p:nvPicPr>
+        <p:blipFill>
+          <a:blip r:embed="rId3">
+            <a:extLst>
+              <a:ext uri="{28A0092B-C50C-407E-A947-70E740481C1C}">
+                <a14:useLocalDpi xmlns:a14="http://schemas.microsoft.com/office/drawing/2010/main" val="0"/>
+              </a:ext>
+            </a:extLst>
+          </a:blip>
+          <a:srcRect/>
+          <a:stretch>
+            <a:fillRect/>
+          </a:stretch>
+        </p:blipFill>
+        <p:spPr bwMode="auto">
+          <a:xfrm>
+            <a:off x="2363960" y="2546588"/>
+            <a:ext cx="916260" cy="916260"/>
+          </a:xfrm>
+          <a:prstGeom prst="rect">
+            <a:avLst/>
+          </a:prstGeom>
+          <a:noFill/>
+          <a:extLst>
+            <a:ext uri="{909E8E84-426E-40DD-AFC4-6F175D3DCCD1}">
+              <a14:hiddenFill xmlns:a14="http://schemas.microsoft.com/office/drawing/2010/main">
+                <a:solidFill>
+                  <a:srgbClr val="FFFFFF"/>
+                </a:solidFill>
+              </a14:hiddenFill>
+            </a:ext>
+          </a:extLst>
+        </p:spPr>
+      </p:pic>
+      <p:sp>
+        <p:nvSpPr>
+          <p:cNvPr id="11" name="TextBox 10"/>
+          <p:cNvSpPr txBox="1"/>
+          <p:nvPr/>
+        </p:nvSpPr>
+        <p:spPr>
+          <a:xfrm>
+            <a:off x="2372135" y="3484433"/>
+            <a:ext cx="1165191" cy="646331"/>
+          </a:xfrm>
+          <a:prstGeom prst="rect">
+            <a:avLst/>
+          </a:prstGeom>
+          <a:noFill/>
+        </p:spPr>
+        <p:txBody>
+          <a:bodyPr wrap="none" rtlCol="0">
+            <a:spAutoFit/>
+          </a:bodyPr>
+          <a:lstStyle/>
+          <a:p>
+            <a:r>
+              <a:rPr lang="en-GB" dirty="0" smtClean="0"/>
+              <a:t>(Invoice)</a:t>
+            </a:r>
+          </a:p>
+          <a:p>
+            <a:r>
+              <a:rPr lang="en-GB" dirty="0" smtClean="0"/>
+              <a:t>Document</a:t>
+            </a:r>
+            <a:endParaRPr lang="en-GB" dirty="0"/>
+          </a:p>
+        </p:txBody>
+      </p:sp>
+      <p:pic>
+        <p:nvPicPr>
+          <p:cNvPr id="12" name="Picture 4" descr="C:\GITHUB\incodehq\incode-module-document\dom\src\main\java\org\incode\module\document\dom\impl\paperclips\Paperclip.png"/>
+          <p:cNvPicPr>
+            <a:picLocks noChangeAspect="1" noChangeArrowheads="1"/>
+          </p:cNvPicPr>
+          <p:nvPr/>
+        </p:nvPicPr>
+        <p:blipFill>
+          <a:blip r:embed="rId4">
+            <a:extLst>
+              <a:ext uri="{28A0092B-C50C-407E-A947-70E740481C1C}">
+                <a14:useLocalDpi xmlns:a14="http://schemas.microsoft.com/office/drawing/2010/main" val="0"/>
+              </a:ext>
+            </a:extLst>
+          </a:blip>
+          <a:srcRect/>
+          <a:stretch>
+            <a:fillRect/>
+          </a:stretch>
+        </p:blipFill>
+        <p:spPr bwMode="auto">
+          <a:xfrm>
+            <a:off x="1331640" y="1667682"/>
+            <a:ext cx="518865" cy="518865"/>
+          </a:xfrm>
+          <a:prstGeom prst="rect">
+            <a:avLst/>
+          </a:prstGeom>
+          <a:noFill/>
+          <a:extLst>
+            <a:ext uri="{909E8E84-426E-40DD-AFC4-6F175D3DCCD1}">
+              <a14:hiddenFill xmlns:a14="http://schemas.microsoft.com/office/drawing/2010/main">
+                <a:solidFill>
+                  <a:srgbClr val="FFFFFF"/>
+                </a:solidFill>
+              </a14:hiddenFill>
+            </a:ext>
+          </a:extLst>
+        </p:spPr>
+      </p:pic>
+      <p:cxnSp>
+        <p:nvCxnSpPr>
+          <p:cNvPr id="15" name="Straight Connector 14"/>
+          <p:cNvCxnSpPr/>
+          <p:nvPr/>
+        </p:nvCxnSpPr>
+        <p:spPr>
+          <a:xfrm>
+            <a:off x="1074830" y="1387561"/>
+            <a:ext cx="1048898" cy="1015011"/>
+          </a:xfrm>
+          <a:prstGeom prst="line">
+            <a:avLst/>
+          </a:prstGeom>
+        </p:spPr>
+        <p:style>
+          <a:lnRef idx="1">
+            <a:schemeClr val="accent1"/>
+          </a:lnRef>
+          <a:fillRef idx="0">
+            <a:schemeClr val="accent1"/>
+          </a:fillRef>
+          <a:effectRef idx="0">
+            <a:schemeClr val="accent1"/>
+          </a:effectRef>
+          <a:fontRef idx="minor">
+            <a:schemeClr val="tx1"/>
+          </a:fontRef>
+        </p:style>
+      </p:cxnSp>
+      <p:cxnSp>
+        <p:nvCxnSpPr>
+          <p:cNvPr id="16" name="Straight Connector 15"/>
+          <p:cNvCxnSpPr/>
+          <p:nvPr/>
+        </p:nvCxnSpPr>
+        <p:spPr>
+          <a:xfrm>
+            <a:off x="1227230" y="1539961"/>
+            <a:ext cx="1048898" cy="1015011"/>
+          </a:xfrm>
+          <a:prstGeom prst="line">
+            <a:avLst/>
+          </a:prstGeom>
+        </p:spPr>
+        <p:style>
+          <a:lnRef idx="1">
+            <a:schemeClr val="accent1"/>
+          </a:lnRef>
+          <a:fillRef idx="0">
+            <a:schemeClr val="accent1"/>
+          </a:fillRef>
+          <a:effectRef idx="0">
+            <a:schemeClr val="accent1"/>
+          </a:effectRef>
+          <a:fontRef idx="minor">
+            <a:schemeClr val="tx1"/>
+          </a:fontRef>
+        </p:style>
+      </p:cxnSp>
+    </p:spTree>
+    <p:extLst>
+      <p:ext uri="{BB962C8B-B14F-4D97-AF65-F5344CB8AC3E}">
+        <p14:creationId xmlns:p14="http://schemas.microsoft.com/office/powerpoint/2010/main" val="3569851147"/>
+      </p:ext>
+    </p:extLst>
+  </p:cSld>
+  <p:clrMapOvr>
+    <a:masterClrMapping/>
+  </p:clrMapOvr>
+  <p:timing>
+    <p:tnLst>
+      <p:par>
+        <p:cTn id="1" dur="indefinite" restart="never" nodeType="tmRoot"/>
+      </p:par>
+    </p:tnLst>
+  </p:timing>
+</p:sld>
+</file>
+
+<file path=ppt/slides/slide21.xml><?xml version="1.0" encoding="utf-8"?>
+<p:sld xmlns:a="http://schemas.openxmlformats.org/drawingml/2006/main" xmlns:r="http://schemas.openxmlformats.org/officeDocument/2006/relationships" xmlns:p="http://schemas.openxmlformats.org/presentationml/2006/main">
+  <p:cSld>
+    <p:spTree>
+      <p:nvGrpSpPr>
+        <p:cNvPr id="1" name=""/>
+        <p:cNvGrpSpPr/>
+        <p:nvPr/>
+      </p:nvGrpSpPr>
+      <p:grpSpPr>
+        <a:xfrm>
+          <a:off x="0" y="0"/>
+          <a:ext cx="0" cy="0"/>
+          <a:chOff x="0" y="0"/>
+          <a:chExt cx="0" cy="0"/>
+        </a:xfrm>
+      </p:grpSpPr>
+      <p:pic>
+        <p:nvPicPr>
+          <p:cNvPr id="1026" name="Picture 2" descr="C:\GITHUB\estatio\estatio\estatioapp\module\invoice\dom\src\main\java\org\estatio\dom\invoice\Invoice.png"/>
+          <p:cNvPicPr>
+            <a:picLocks noChangeAspect="1" noChangeArrowheads="1"/>
+          </p:cNvPicPr>
+          <p:nvPr/>
+        </p:nvPicPr>
+        <p:blipFill>
+          <a:blip r:embed="rId2">
+            <a:extLst>
+              <a:ext uri="{28A0092B-C50C-407E-A947-70E740481C1C}">
+                <a14:useLocalDpi xmlns:a14="http://schemas.microsoft.com/office/drawing/2010/main" val="0"/>
+              </a:ext>
+            </a:extLst>
+          </a:blip>
+          <a:srcRect/>
+          <a:stretch>
+            <a:fillRect/>
+          </a:stretch>
+        </p:blipFill>
+        <p:spPr bwMode="auto">
+          <a:xfrm>
+            <a:off x="211895" y="332656"/>
+            <a:ext cx="916260" cy="916260"/>
+          </a:xfrm>
+          <a:prstGeom prst="rect">
+            <a:avLst/>
+          </a:prstGeom>
+          <a:noFill/>
+          <a:extLst>
+            <a:ext uri="{909E8E84-426E-40DD-AFC4-6F175D3DCCD1}">
+              <a14:hiddenFill xmlns:a14="http://schemas.microsoft.com/office/drawing/2010/main">
+                <a:solidFill>
+                  <a:srgbClr val="FFFFFF"/>
+                </a:solidFill>
+              </a14:hiddenFill>
+            </a:ext>
+          </a:extLst>
+        </p:spPr>
+      </p:pic>
+      <p:sp>
+        <p:nvSpPr>
+          <p:cNvPr id="9" name="TextBox 8"/>
+          <p:cNvSpPr txBox="1"/>
+          <p:nvPr/>
+        </p:nvSpPr>
+        <p:spPr>
+          <a:xfrm>
+            <a:off x="1140729" y="332656"/>
+            <a:ext cx="1262077" cy="646331"/>
+          </a:xfrm>
+          <a:prstGeom prst="rect">
+            <a:avLst/>
+          </a:prstGeom>
+          <a:noFill/>
+        </p:spPr>
+        <p:txBody>
+          <a:bodyPr wrap="none" rtlCol="0">
+            <a:spAutoFit/>
+          </a:bodyPr>
+          <a:lstStyle/>
+          <a:p>
+            <a:r>
+              <a:rPr lang="en-GB"/>
+              <a:t>Transaction</a:t>
+            </a:r>
+          </a:p>
+          <a:p>
+            <a:endParaRPr lang="en-GB" dirty="0"/>
+          </a:p>
+        </p:txBody>
+      </p:sp>
+      <p:pic>
+        <p:nvPicPr>
+          <p:cNvPr id="13" name="Picture 3" descr="C:\GITHUB\incodehq\incode-module-document\dom\src\main\java\org\incode\module\document\dom\impl\docs\Document-pdf.png"/>
+          <p:cNvPicPr>
+            <a:picLocks noChangeAspect="1" noChangeArrowheads="1"/>
+          </p:cNvPicPr>
+          <p:nvPr/>
+        </p:nvPicPr>
+        <p:blipFill>
+          <a:blip r:embed="rId3">
+            <a:extLst>
+              <a:ext uri="{28A0092B-C50C-407E-A947-70E740481C1C}">
+                <a14:useLocalDpi xmlns:a14="http://schemas.microsoft.com/office/drawing/2010/main" val="0"/>
+              </a:ext>
+            </a:extLst>
+          </a:blip>
+          <a:srcRect/>
+          <a:stretch>
+            <a:fillRect/>
+          </a:stretch>
+        </p:blipFill>
+        <p:spPr bwMode="auto">
+          <a:xfrm>
+            <a:off x="827584" y="4785735"/>
+            <a:ext cx="916260" cy="916260"/>
+          </a:xfrm>
+          <a:prstGeom prst="rect">
+            <a:avLst/>
+          </a:prstGeom>
+          <a:noFill/>
+          <a:extLst>
+            <a:ext uri="{909E8E84-426E-40DD-AFC4-6F175D3DCCD1}">
+              <a14:hiddenFill xmlns:a14="http://schemas.microsoft.com/office/drawing/2010/main">
+                <a:solidFill>
+                  <a:srgbClr val="FFFFFF"/>
+                </a:solidFill>
+              </a14:hiddenFill>
+            </a:ext>
+          </a:extLst>
+        </p:spPr>
+      </p:pic>
+      <p:sp>
+        <p:nvSpPr>
+          <p:cNvPr id="14" name="TextBox 13"/>
+          <p:cNvSpPr txBox="1"/>
+          <p:nvPr/>
+        </p:nvSpPr>
+        <p:spPr>
+          <a:xfrm>
+            <a:off x="715951" y="5733913"/>
+            <a:ext cx="1337097" cy="646331"/>
+          </a:xfrm>
+          <a:prstGeom prst="rect">
+            <a:avLst/>
+          </a:prstGeom>
+          <a:noFill/>
+        </p:spPr>
+        <p:txBody>
+          <a:bodyPr wrap="none" rtlCol="0">
+            <a:spAutoFit/>
+          </a:bodyPr>
+          <a:lstStyle/>
+          <a:p>
+            <a:pPr algn="ctr"/>
+            <a:r>
+              <a:rPr lang="en-GB" dirty="0" smtClean="0"/>
+              <a:t>(Tax receipt)</a:t>
+            </a:r>
+          </a:p>
+          <a:p>
+            <a:pPr algn="ctr"/>
+            <a:r>
+              <a:rPr lang="en-GB" dirty="0" smtClean="0"/>
+              <a:t>Document</a:t>
+            </a:r>
+            <a:endParaRPr lang="en-GB" dirty="0"/>
+          </a:p>
+        </p:txBody>
+      </p:sp>
+      <p:pic>
+        <p:nvPicPr>
+          <p:cNvPr id="20" name="Picture 4" descr="C:\GITHUB\incodehq\incode-module-document\dom\src\main\java\org\incode\module\document\dom\impl\paperclips\Paperclip.png"/>
+          <p:cNvPicPr>
+            <a:picLocks noChangeAspect="1" noChangeArrowheads="1"/>
+          </p:cNvPicPr>
+          <p:nvPr/>
+        </p:nvPicPr>
+        <p:blipFill>
+          <a:blip r:embed="rId4">
+            <a:extLst>
+              <a:ext uri="{28A0092B-C50C-407E-A947-70E740481C1C}">
+                <a14:useLocalDpi xmlns:a14="http://schemas.microsoft.com/office/drawing/2010/main" val="0"/>
+              </a:ext>
+            </a:extLst>
+          </a:blip>
+          <a:srcRect/>
+          <a:stretch>
+            <a:fillRect/>
+          </a:stretch>
+        </p:blipFill>
+        <p:spPr bwMode="auto">
+          <a:xfrm>
+            <a:off x="780858" y="2767814"/>
+            <a:ext cx="518865" cy="518865"/>
+          </a:xfrm>
+          <a:prstGeom prst="rect">
+            <a:avLst/>
+          </a:prstGeom>
+          <a:noFill/>
+          <a:extLst>
+            <a:ext uri="{909E8E84-426E-40DD-AFC4-6F175D3DCCD1}">
+              <a14:hiddenFill xmlns:a14="http://schemas.microsoft.com/office/drawing/2010/main">
+                <a:solidFill>
+                  <a:srgbClr val="FFFFFF"/>
+                </a:solidFill>
+              </a14:hiddenFill>
+            </a:ext>
+          </a:extLst>
+        </p:spPr>
+      </p:pic>
+      <p:cxnSp>
+        <p:nvCxnSpPr>
+          <p:cNvPr id="21" name="Straight Connector 20"/>
+          <p:cNvCxnSpPr/>
+          <p:nvPr/>
+        </p:nvCxnSpPr>
+        <p:spPr>
+          <a:xfrm>
+            <a:off x="827584" y="1412776"/>
+            <a:ext cx="535111" cy="3228943"/>
+          </a:xfrm>
+          <a:prstGeom prst="line">
+            <a:avLst/>
+          </a:prstGeom>
+        </p:spPr>
+        <p:style>
+          <a:lnRef idx="1">
+            <a:schemeClr val="accent1"/>
+          </a:lnRef>
+          <a:fillRef idx="0">
+            <a:schemeClr val="accent1"/>
+          </a:fillRef>
+          <a:effectRef idx="0">
+            <a:schemeClr val="accent1"/>
+          </a:effectRef>
+          <a:fontRef idx="minor">
+            <a:schemeClr val="tx1"/>
+          </a:fontRef>
+        </p:style>
+      </p:cxnSp>
+      <p:sp>
+        <p:nvSpPr>
+          <p:cNvPr id="25" name="TextBox 24"/>
+          <p:cNvSpPr txBox="1"/>
+          <p:nvPr/>
+        </p:nvSpPr>
+        <p:spPr>
+          <a:xfrm>
+            <a:off x="2123728" y="4293096"/>
+            <a:ext cx="6567439" cy="523220"/>
+          </a:xfrm>
+          <a:prstGeom prst="rect">
+            <a:avLst/>
+          </a:prstGeom>
+          <a:noFill/>
+        </p:spPr>
+        <p:txBody>
+          <a:bodyPr wrap="none" rtlCol="0">
+            <a:spAutoFit/>
+          </a:bodyPr>
+          <a:lstStyle/>
+          <a:p>
+            <a:r>
+              <a:rPr lang="en-GB" sz="2800" dirty="0" smtClean="0">
+                <a:solidFill>
+                  <a:srgbClr val="00B050"/>
+                </a:solidFill>
+              </a:rPr>
+              <a:t>Notices the attached PDF and also links </a:t>
+            </a:r>
+            <a:r>
+              <a:rPr lang="en-GB" sz="2800" smtClean="0">
+                <a:solidFill>
+                  <a:srgbClr val="00B050"/>
+                </a:solidFill>
+              </a:rPr>
+              <a:t>to it</a:t>
+            </a:r>
+            <a:endParaRPr lang="en-GB" sz="2800" dirty="0">
+              <a:solidFill>
+                <a:srgbClr val="00B050"/>
+              </a:solidFill>
+            </a:endParaRPr>
+          </a:p>
+        </p:txBody>
+      </p:sp>
+      <p:pic>
+        <p:nvPicPr>
+          <p:cNvPr id="10" name="Picture 3" descr="C:\GITHUB\incodehq\incode-module-document\dom\src\main\java\org\incode\module\document\dom\impl\docs\Document-pdf.png"/>
+          <p:cNvPicPr>
+            <a:picLocks noChangeAspect="1" noChangeArrowheads="1"/>
+          </p:cNvPicPr>
+          <p:nvPr/>
+        </p:nvPicPr>
+        <p:blipFill>
+          <a:blip r:embed="rId3">
+            <a:extLst>
+              <a:ext uri="{28A0092B-C50C-407E-A947-70E740481C1C}">
+                <a14:useLocalDpi xmlns:a14="http://schemas.microsoft.com/office/drawing/2010/main" val="0"/>
+              </a:ext>
+            </a:extLst>
+          </a:blip>
+          <a:srcRect/>
+          <a:stretch>
+            <a:fillRect/>
+          </a:stretch>
+        </p:blipFill>
+        <p:spPr bwMode="auto">
+          <a:xfrm>
+            <a:off x="2363960" y="2546588"/>
+            <a:ext cx="916260" cy="916260"/>
+          </a:xfrm>
+          <a:prstGeom prst="rect">
+            <a:avLst/>
+          </a:prstGeom>
+          <a:noFill/>
+          <a:extLst>
+            <a:ext uri="{909E8E84-426E-40DD-AFC4-6F175D3DCCD1}">
+              <a14:hiddenFill xmlns:a14="http://schemas.microsoft.com/office/drawing/2010/main">
+                <a:solidFill>
+                  <a:srgbClr val="FFFFFF"/>
+                </a:solidFill>
+              </a14:hiddenFill>
+            </a:ext>
+          </a:extLst>
+        </p:spPr>
+      </p:pic>
+      <p:sp>
+        <p:nvSpPr>
+          <p:cNvPr id="11" name="TextBox 10"/>
+          <p:cNvSpPr txBox="1"/>
+          <p:nvPr/>
+        </p:nvSpPr>
+        <p:spPr>
+          <a:xfrm>
+            <a:off x="2372135" y="3484433"/>
+            <a:ext cx="1165191" cy="646331"/>
+          </a:xfrm>
+          <a:prstGeom prst="rect">
+            <a:avLst/>
+          </a:prstGeom>
+          <a:noFill/>
+        </p:spPr>
+        <p:txBody>
+          <a:bodyPr wrap="none" rtlCol="0">
+            <a:spAutoFit/>
+          </a:bodyPr>
+          <a:lstStyle/>
+          <a:p>
+            <a:r>
+              <a:rPr lang="en-GB" dirty="0" smtClean="0"/>
+              <a:t>(Invoice)</a:t>
+            </a:r>
+          </a:p>
+          <a:p>
+            <a:r>
+              <a:rPr lang="en-GB" dirty="0" smtClean="0"/>
+              <a:t>Document</a:t>
+            </a:r>
+            <a:endParaRPr lang="en-GB" dirty="0"/>
+          </a:p>
+        </p:txBody>
+      </p:sp>
+      <p:pic>
+        <p:nvPicPr>
+          <p:cNvPr id="12" name="Picture 4" descr="C:\GITHUB\incodehq\incode-module-document\dom\src\main\java\org\incode\module\document\dom\impl\paperclips\Paperclip.png"/>
+          <p:cNvPicPr>
+            <a:picLocks noChangeAspect="1" noChangeArrowheads="1"/>
+          </p:cNvPicPr>
+          <p:nvPr/>
+        </p:nvPicPr>
+        <p:blipFill>
+          <a:blip r:embed="rId4">
+            <a:extLst>
+              <a:ext uri="{28A0092B-C50C-407E-A947-70E740481C1C}">
+                <a14:useLocalDpi xmlns:a14="http://schemas.microsoft.com/office/drawing/2010/main" val="0"/>
+              </a:ext>
+            </a:extLst>
+          </a:blip>
+          <a:srcRect/>
+          <a:stretch>
+            <a:fillRect/>
+          </a:stretch>
+        </p:blipFill>
+        <p:spPr bwMode="auto">
+          <a:xfrm>
+            <a:off x="1331640" y="1667682"/>
+            <a:ext cx="518865" cy="518865"/>
+          </a:xfrm>
+          <a:prstGeom prst="rect">
+            <a:avLst/>
+          </a:prstGeom>
+          <a:noFill/>
+          <a:extLst>
+            <a:ext uri="{909E8E84-426E-40DD-AFC4-6F175D3DCCD1}">
+              <a14:hiddenFill xmlns:a14="http://schemas.microsoft.com/office/drawing/2010/main">
+                <a:solidFill>
+                  <a:srgbClr val="FFFFFF"/>
+                </a:solidFill>
+              </a14:hiddenFill>
+            </a:ext>
+          </a:extLst>
+        </p:spPr>
+      </p:pic>
+      <p:cxnSp>
+        <p:nvCxnSpPr>
+          <p:cNvPr id="15" name="Straight Connector 14"/>
+          <p:cNvCxnSpPr/>
+          <p:nvPr/>
+        </p:nvCxnSpPr>
+        <p:spPr>
+          <a:xfrm>
+            <a:off x="1074830" y="1387561"/>
+            <a:ext cx="1048898" cy="1015011"/>
+          </a:xfrm>
+          <a:prstGeom prst="line">
+            <a:avLst/>
+          </a:prstGeom>
+        </p:spPr>
+        <p:style>
+          <a:lnRef idx="1">
+            <a:schemeClr val="accent1"/>
+          </a:lnRef>
+          <a:fillRef idx="0">
+            <a:schemeClr val="accent1"/>
+          </a:fillRef>
+          <a:effectRef idx="0">
+            <a:schemeClr val="accent1"/>
+          </a:effectRef>
+          <a:fontRef idx="minor">
+            <a:schemeClr val="tx1"/>
+          </a:fontRef>
+        </p:style>
+      </p:cxnSp>
+      <p:cxnSp>
+        <p:nvCxnSpPr>
+          <p:cNvPr id="16" name="Straight Connector 15"/>
+          <p:cNvCxnSpPr/>
+          <p:nvPr/>
+        </p:nvCxnSpPr>
+        <p:spPr>
+          <a:xfrm>
+            <a:off x="1227230" y="1539961"/>
+            <a:ext cx="1048898" cy="1015011"/>
+          </a:xfrm>
+          <a:prstGeom prst="line">
+            <a:avLst/>
+          </a:prstGeom>
+        </p:spPr>
+        <p:style>
+          <a:lnRef idx="1">
+            <a:schemeClr val="accent1"/>
+          </a:lnRef>
+          <a:fillRef idx="0">
+            <a:schemeClr val="accent1"/>
+          </a:fillRef>
+          <a:effectRef idx="0">
+            <a:schemeClr val="accent1"/>
+          </a:effectRef>
+          <a:fontRef idx="minor">
+            <a:schemeClr val="tx1"/>
+          </a:fontRef>
+        </p:style>
+      </p:cxnSp>
+      <p:pic>
+        <p:nvPicPr>
+          <p:cNvPr id="17" name="Picture 4" descr="C:\GITHUB\incodehq\incode-module-document\dom\src\main\java\org\incode\module\document\dom\impl\paperclips\Paperclip.png"/>
+          <p:cNvPicPr>
+            <a:picLocks noChangeAspect="1" noChangeArrowheads="1"/>
+          </p:cNvPicPr>
+          <p:nvPr/>
+        </p:nvPicPr>
+        <p:blipFill>
+          <a:blip r:embed="rId4">
+            <a:extLst>
+              <a:ext uri="{28A0092B-C50C-407E-A947-70E740481C1C}">
+                <a14:useLocalDpi xmlns:a14="http://schemas.microsoft.com/office/drawing/2010/main" val="0"/>
+              </a:ext>
+            </a:extLst>
+          </a:blip>
+          <a:srcRect/>
+          <a:stretch>
+            <a:fillRect/>
+          </a:stretch>
+        </p:blipFill>
+        <p:spPr bwMode="auto">
+          <a:xfrm>
+            <a:off x="1619505" y="3906829"/>
+            <a:ext cx="518865" cy="518865"/>
+          </a:xfrm>
+          <a:prstGeom prst="rect">
+            <a:avLst/>
+          </a:prstGeom>
+          <a:noFill/>
+          <a:extLst>
+            <a:ext uri="{909E8E84-426E-40DD-AFC4-6F175D3DCCD1}">
+              <a14:hiddenFill xmlns:a14="http://schemas.microsoft.com/office/drawing/2010/main">
+                <a:solidFill>
+                  <a:srgbClr val="FFFFFF"/>
+                </a:solidFill>
+              </a14:hiddenFill>
+            </a:ext>
+          </a:extLst>
+        </p:spPr>
+      </p:pic>
+      <p:cxnSp>
+        <p:nvCxnSpPr>
+          <p:cNvPr id="18" name="Straight Connector 17"/>
+          <p:cNvCxnSpPr/>
+          <p:nvPr/>
+        </p:nvCxnSpPr>
+        <p:spPr>
+          <a:xfrm flipH="1">
+            <a:off x="1362695" y="3626708"/>
+            <a:ext cx="1048898" cy="1015011"/>
+          </a:xfrm>
+          <a:prstGeom prst="line">
+            <a:avLst/>
+          </a:prstGeom>
+        </p:spPr>
+        <p:style>
+          <a:lnRef idx="1">
+            <a:schemeClr val="accent1"/>
+          </a:lnRef>
+          <a:fillRef idx="0">
+            <a:schemeClr val="accent1"/>
+          </a:fillRef>
+          <a:effectRef idx="0">
+            <a:schemeClr val="accent1"/>
+          </a:effectRef>
+          <a:fontRef idx="minor">
+            <a:schemeClr val="tx1"/>
+          </a:fontRef>
+        </p:style>
+      </p:cxnSp>
+    </p:spTree>
+    <p:extLst>
+      <p:ext uri="{BB962C8B-B14F-4D97-AF65-F5344CB8AC3E}">
+        <p14:creationId xmlns:p14="http://schemas.microsoft.com/office/powerpoint/2010/main" val="775045194"/>
+      </p:ext>
+    </p:extLst>
+  </p:cSld>
+  <p:clrMapOvr>
+    <a:masterClrMapping/>
+  </p:clrMapOvr>
+  <p:timing>
+    <p:tnLst>
+      <p:par>
+        <p:cTn id="1" dur="indefinite" restart="never" nodeType="tmRoot"/>
+      </p:par>
+    </p:tnLst>
+  </p:timing>
+</p:sld>
+</file>
+
+<file path=ppt/slides/slide22.xml><?xml version="1.0" encoding="utf-8"?>
+<p:sld xmlns:a="http://schemas.openxmlformats.org/drawingml/2006/main" xmlns:r="http://schemas.openxmlformats.org/officeDocument/2006/relationships" xmlns:p="http://schemas.openxmlformats.org/presentationml/2006/main">
+  <p:cSld>
+    <p:spTree>
+      <p:nvGrpSpPr>
+        <p:cNvPr id="1" name=""/>
+        <p:cNvGrpSpPr/>
+        <p:nvPr/>
+      </p:nvGrpSpPr>
+      <p:grpSpPr>
+        <a:xfrm>
+          <a:off x="0" y="0"/>
+          <a:ext cx="0" cy="0"/>
+          <a:chOff x="0" y="0"/>
+          <a:chExt cx="0" cy="0"/>
+        </a:xfrm>
+      </p:grpSpPr>
+      <p:pic>
+        <p:nvPicPr>
+          <p:cNvPr id="1026" name="Picture 2" descr="C:\GITHUB\estatio\estatio\estatioapp\module\invoice\dom\src\main\java\org\estatio\dom\invoice\Invoice.png"/>
+          <p:cNvPicPr>
+            <a:picLocks noChangeAspect="1" noChangeArrowheads="1"/>
+          </p:cNvPicPr>
+          <p:nvPr/>
+        </p:nvPicPr>
+        <p:blipFill>
+          <a:blip r:embed="rId2">
+            <a:extLst>
+              <a:ext uri="{28A0092B-C50C-407E-A947-70E740481C1C}">
+                <a14:useLocalDpi xmlns:a14="http://schemas.microsoft.com/office/drawing/2010/main" val="0"/>
+              </a:ext>
+            </a:extLst>
+          </a:blip>
+          <a:srcRect/>
+          <a:stretch>
+            <a:fillRect/>
+          </a:stretch>
+        </p:blipFill>
+        <p:spPr bwMode="auto">
+          <a:xfrm>
+            <a:off x="211895" y="332656"/>
+            <a:ext cx="916260" cy="916260"/>
+          </a:xfrm>
+          <a:prstGeom prst="rect">
+            <a:avLst/>
+          </a:prstGeom>
+          <a:noFill/>
+          <a:extLst>
+            <a:ext uri="{909E8E84-426E-40DD-AFC4-6F175D3DCCD1}">
+              <a14:hiddenFill xmlns:a14="http://schemas.microsoft.com/office/drawing/2010/main">
+                <a:solidFill>
+                  <a:srgbClr val="FFFFFF"/>
+                </a:solidFill>
+              </a14:hiddenFill>
+            </a:ext>
+          </a:extLst>
+        </p:spPr>
+      </p:pic>
+      <p:sp>
+        <p:nvSpPr>
+          <p:cNvPr id="9" name="TextBox 8"/>
+          <p:cNvSpPr txBox="1"/>
+          <p:nvPr/>
+        </p:nvSpPr>
+        <p:spPr>
+          <a:xfrm>
+            <a:off x="1140729" y="332656"/>
+            <a:ext cx="1262077" cy="646331"/>
+          </a:xfrm>
+          <a:prstGeom prst="rect">
+            <a:avLst/>
+          </a:prstGeom>
+          <a:noFill/>
+        </p:spPr>
+        <p:txBody>
+          <a:bodyPr wrap="none" rtlCol="0">
+            <a:spAutoFit/>
+          </a:bodyPr>
+          <a:lstStyle/>
+          <a:p>
+            <a:r>
+              <a:rPr lang="en-GB" dirty="0"/>
+              <a:t>Transaction</a:t>
+            </a:r>
+          </a:p>
+          <a:p>
+            <a:endParaRPr lang="en-GB" dirty="0"/>
+          </a:p>
+        </p:txBody>
+      </p:sp>
+      <p:pic>
+        <p:nvPicPr>
+          <p:cNvPr id="1027" name="Picture 3" descr="C:\GITHUB\incodehq\incode-module-document\dom\src\main\java\org\incode\module\document\dom\impl\docs\Document-pdf.png"/>
+          <p:cNvPicPr>
+            <a:picLocks noChangeAspect="1" noChangeArrowheads="1"/>
+          </p:cNvPicPr>
+          <p:nvPr/>
+        </p:nvPicPr>
+        <p:blipFill>
+          <a:blip r:embed="rId3">
+            <a:extLst>
+              <a:ext uri="{28A0092B-C50C-407E-A947-70E740481C1C}">
+                <a14:useLocalDpi xmlns:a14="http://schemas.microsoft.com/office/drawing/2010/main" val="0"/>
+              </a:ext>
+            </a:extLst>
+          </a:blip>
+          <a:srcRect/>
+          <a:stretch>
+            <a:fillRect/>
+          </a:stretch>
+        </p:blipFill>
+        <p:spPr bwMode="auto">
+          <a:xfrm>
+            <a:off x="2363960" y="2546588"/>
+            <a:ext cx="916260" cy="916260"/>
+          </a:xfrm>
+          <a:prstGeom prst="rect">
+            <a:avLst/>
+          </a:prstGeom>
+          <a:noFill/>
+          <a:extLst>
+            <a:ext uri="{909E8E84-426E-40DD-AFC4-6F175D3DCCD1}">
+              <a14:hiddenFill xmlns:a14="http://schemas.microsoft.com/office/drawing/2010/main">
+                <a:solidFill>
+                  <a:srgbClr val="FFFFFF"/>
+                </a:solidFill>
+              </a14:hiddenFill>
+            </a:ext>
+          </a:extLst>
+        </p:spPr>
+      </p:pic>
+      <p:sp>
+        <p:nvSpPr>
+          <p:cNvPr id="12" name="TextBox 11"/>
+          <p:cNvSpPr txBox="1"/>
+          <p:nvPr/>
+        </p:nvSpPr>
+        <p:spPr>
+          <a:xfrm>
+            <a:off x="2372135" y="3484433"/>
+            <a:ext cx="1165191" cy="646331"/>
+          </a:xfrm>
+          <a:prstGeom prst="rect">
+            <a:avLst/>
+          </a:prstGeom>
+          <a:noFill/>
+        </p:spPr>
+        <p:txBody>
+          <a:bodyPr wrap="none" rtlCol="0">
+            <a:spAutoFit/>
+          </a:bodyPr>
+          <a:lstStyle/>
+          <a:p>
+            <a:r>
+              <a:rPr lang="en-GB" dirty="0" smtClean="0"/>
+              <a:t>(Invoice)</a:t>
+            </a:r>
+          </a:p>
+          <a:p>
+            <a:r>
+              <a:rPr lang="en-GB" dirty="0" smtClean="0"/>
+              <a:t>Document</a:t>
+            </a:r>
+            <a:endParaRPr lang="en-GB" dirty="0"/>
+          </a:p>
+        </p:txBody>
+      </p:sp>
+      <p:pic>
+        <p:nvPicPr>
+          <p:cNvPr id="13" name="Picture 3" descr="C:\GITHUB\incodehq\incode-module-document\dom\src\main\java\org\incode\module\document\dom\impl\docs\Document-pdf.png"/>
+          <p:cNvPicPr>
+            <a:picLocks noChangeAspect="1" noChangeArrowheads="1"/>
+          </p:cNvPicPr>
+          <p:nvPr/>
+        </p:nvPicPr>
+        <p:blipFill>
+          <a:blip r:embed="rId3">
+            <a:extLst>
+              <a:ext uri="{28A0092B-C50C-407E-A947-70E740481C1C}">
+                <a14:useLocalDpi xmlns:a14="http://schemas.microsoft.com/office/drawing/2010/main" val="0"/>
+              </a:ext>
+            </a:extLst>
+          </a:blip>
+          <a:srcRect/>
+          <a:stretch>
+            <a:fillRect/>
+          </a:stretch>
+        </p:blipFill>
+        <p:spPr bwMode="auto">
+          <a:xfrm>
+            <a:off x="827584" y="4785735"/>
+            <a:ext cx="916260" cy="916260"/>
+          </a:xfrm>
+          <a:prstGeom prst="rect">
+            <a:avLst/>
+          </a:prstGeom>
+          <a:noFill/>
+          <a:extLst>
+            <a:ext uri="{909E8E84-426E-40DD-AFC4-6F175D3DCCD1}">
+              <a14:hiddenFill xmlns:a14="http://schemas.microsoft.com/office/drawing/2010/main">
+                <a:solidFill>
+                  <a:srgbClr val="FFFFFF"/>
+                </a:solidFill>
+              </a14:hiddenFill>
+            </a:ext>
+          </a:extLst>
+        </p:spPr>
+      </p:pic>
+      <p:sp>
+        <p:nvSpPr>
+          <p:cNvPr id="14" name="TextBox 13"/>
+          <p:cNvSpPr txBox="1"/>
+          <p:nvPr/>
+        </p:nvSpPr>
+        <p:spPr>
+          <a:xfrm>
+            <a:off x="715951" y="5733913"/>
+            <a:ext cx="1337097" cy="646331"/>
+          </a:xfrm>
+          <a:prstGeom prst="rect">
+            <a:avLst/>
+          </a:prstGeom>
+          <a:noFill/>
+        </p:spPr>
+        <p:txBody>
+          <a:bodyPr wrap="none" rtlCol="0">
+            <a:spAutoFit/>
+          </a:bodyPr>
+          <a:lstStyle/>
+          <a:p>
+            <a:pPr algn="ctr"/>
+            <a:r>
+              <a:rPr lang="en-GB" dirty="0" smtClean="0"/>
+              <a:t>(Tax receipt)</a:t>
+            </a:r>
+          </a:p>
+          <a:p>
+            <a:pPr algn="ctr"/>
+            <a:r>
+              <a:rPr lang="en-GB" dirty="0" smtClean="0"/>
+              <a:t>Document</a:t>
+            </a:r>
+            <a:endParaRPr lang="en-GB" dirty="0"/>
+          </a:p>
+        </p:txBody>
+      </p:sp>
+      <p:pic>
+        <p:nvPicPr>
+          <p:cNvPr id="1028" name="Picture 4" descr="C:\GITHUB\incodehq\incode-module-document\dom\src\main\java\org\incode\module\document\dom\impl\paperclips\Paperclip.png"/>
+          <p:cNvPicPr>
+            <a:picLocks noChangeAspect="1" noChangeArrowheads="1"/>
+          </p:cNvPicPr>
+          <p:nvPr/>
+        </p:nvPicPr>
+        <p:blipFill>
+          <a:blip r:embed="rId4">
+            <a:extLst>
+              <a:ext uri="{28A0092B-C50C-407E-A947-70E740481C1C}">
+                <a14:useLocalDpi xmlns:a14="http://schemas.microsoft.com/office/drawing/2010/main" val="0"/>
+              </a:ext>
+            </a:extLst>
+          </a:blip>
+          <a:srcRect/>
+          <a:stretch>
+            <a:fillRect/>
+          </a:stretch>
+        </p:blipFill>
+        <p:spPr bwMode="auto">
+          <a:xfrm>
             <a:off x="1331640" y="1667682"/>
             <a:ext cx="518865" cy="518865"/>
           </a:xfrm>
@@ -8340,6 +8330,77 @@
         <p:spPr>
           <a:xfrm>
             <a:off x="1074830" y="1387561"/>
+            <a:ext cx="1048898" cy="1015011"/>
+          </a:xfrm>
+          <a:prstGeom prst="line">
+            <a:avLst/>
+          </a:prstGeom>
+        </p:spPr>
+        <p:style>
+          <a:lnRef idx="1">
+            <a:schemeClr val="accent1"/>
+          </a:lnRef>
+          <a:fillRef idx="0">
+            <a:schemeClr val="accent1"/>
+          </a:fillRef>
+          <a:effectRef idx="0">
+            <a:schemeClr val="accent1"/>
+          </a:effectRef>
+          <a:fontRef idx="minor">
+            <a:schemeClr val="tx1"/>
+          </a:fontRef>
+        </p:style>
+      </p:cxnSp>
+      <p:pic>
+        <p:nvPicPr>
+          <p:cNvPr id="20" name="Picture 4" descr="C:\GITHUB\incodehq\incode-module-document\dom\src\main\java\org\incode\module\document\dom\impl\paperclips\Paperclip.png"/>
+          <p:cNvPicPr>
+            <a:picLocks noChangeAspect="1" noChangeArrowheads="1"/>
+          </p:cNvPicPr>
+          <p:nvPr/>
+        </p:nvPicPr>
+        <p:blipFill>
+          <a:blip r:embed="rId4">
+            <a:extLst>
+              <a:ext uri="{28A0092B-C50C-407E-A947-70E740481C1C}">
+                <a14:useLocalDpi xmlns:a14="http://schemas.microsoft.com/office/drawing/2010/main" val="0"/>
+              </a:ext>
+            </a:extLst>
+          </a:blip>
+          <a:srcRect/>
+          <a:stretch>
+            <a:fillRect/>
+          </a:stretch>
+        </p:blipFill>
+        <p:spPr bwMode="auto">
+          <a:xfrm>
+            <a:off x="1619505" y="3906829"/>
+            <a:ext cx="518865" cy="518865"/>
+          </a:xfrm>
+          <a:prstGeom prst="rect">
+            <a:avLst/>
+          </a:prstGeom>
+          <a:noFill/>
+          <a:extLst>
+            <a:ext uri="{909E8E84-426E-40DD-AFC4-6F175D3DCCD1}">
+              <a14:hiddenFill xmlns:a14="http://schemas.microsoft.com/office/drawing/2010/main">
+                <a:solidFill>
+                  <a:srgbClr val="FFFFFF"/>
+                </a:solidFill>
+              </a14:hiddenFill>
+            </a:ext>
+          </a:extLst>
+        </p:spPr>
+      </p:pic>
+      <p:cxnSp>
+        <p:nvCxnSpPr>
+          <p:cNvPr id="21" name="Straight Connector 20"/>
+          <p:cNvCxnSpPr/>
+          <p:nvPr/>
+        </p:nvCxnSpPr>
+        <p:spPr>
+          <a:xfrm flipH="1">
+            <a:off x="1362695" y="3626708"/>
             <a:ext cx="1048898" cy="1015011"/>
           </a:xfrm>
           <a:prstGeom prst="line">
@@ -8426,7 +8487,7 @@
           <a:p>
             <a:r>
               <a:rPr lang="en-GB" dirty="0" smtClean="0"/>
-              <a:t>(Postal)</a:t>
+              <a:t>(Post)</a:t>
             </a:r>
           </a:p>
           <a:p>
@@ -8539,16 +8600,87 @@
           </a:fontRef>
         </p:style>
       </p:cxnSp>
-      <p:sp>
-        <p:nvSpPr>
-          <p:cNvPr id="20" name="TextBox 19"/>
+      <p:pic>
+        <p:nvPicPr>
+          <p:cNvPr id="25" name="Picture 4" descr="C:\GITHUB\incodehq\incode-module-document\dom\src\main\java\org\incode\module\document\dom\impl\paperclips\Paperclip.png"/>
+          <p:cNvPicPr>
+            <a:picLocks noChangeAspect="1" noChangeArrowheads="1"/>
+          </p:cNvPicPr>
+          <p:nvPr/>
+        </p:nvPicPr>
+        <p:blipFill>
+          <a:blip r:embed="rId4">
+            <a:extLst>
+              <a:ext uri="{28A0092B-C50C-407E-A947-70E740481C1C}">
+                <a14:useLocalDpi xmlns:a14="http://schemas.microsoft.com/office/drawing/2010/main" val="0"/>
+              </a:ext>
+            </a:extLst>
+          </a:blip>
+          <a:srcRect/>
+          <a:stretch>
+            <a:fillRect/>
+          </a:stretch>
+        </p:blipFill>
+        <p:spPr bwMode="auto">
+          <a:xfrm>
+            <a:off x="3596601" y="4206279"/>
+            <a:ext cx="518865" cy="518865"/>
+          </a:xfrm>
+          <a:prstGeom prst="rect">
+            <a:avLst/>
+          </a:prstGeom>
+          <a:noFill/>
+          <a:extLst>
+            <a:ext uri="{909E8E84-426E-40DD-AFC4-6F175D3DCCD1}">
+              <a14:hiddenFill xmlns:a14="http://schemas.microsoft.com/office/drawing/2010/main">
+                <a:solidFill>
+                  <a:srgbClr val="FFFFFF"/>
+                </a:solidFill>
+              </a14:hiddenFill>
+            </a:ext>
+          </a:extLst>
+        </p:spPr>
+      </p:pic>
+      <p:cxnSp>
+        <p:nvCxnSpPr>
+          <p:cNvPr id="31" name="Straight Connector 30"/>
+          <p:cNvCxnSpPr/>
+          <p:nvPr/>
+        </p:nvCxnSpPr>
+        <p:spPr>
+          <a:xfrm flipV="1">
+            <a:off x="2053048" y="3337233"/>
+            <a:ext cx="4391160" cy="1890007"/>
+          </a:xfrm>
+          <a:prstGeom prst="line">
+            <a:avLst/>
+          </a:prstGeom>
+        </p:spPr>
+        <p:style>
+          <a:lnRef idx="1">
+            <a:schemeClr val="accent1"/>
+          </a:lnRef>
+          <a:fillRef idx="0">
+            <a:schemeClr val="accent1"/>
+          </a:fillRef>
+          <a:effectRef idx="0">
+            <a:schemeClr val="accent1"/>
+          </a:effectRef>
+          <a:fontRef idx="minor">
+            <a:schemeClr val="tx1"/>
+          </a:fontRef>
+        </p:style>
+      </p:cxnSp>
+      <p:sp>
+        <p:nvSpPr>
+          <p:cNvPr id="32" name="TextBox 31"/>
           <p:cNvSpPr txBox="1"/>
           <p:nvPr/>
         </p:nvSpPr>
         <p:spPr>
           <a:xfrm>
             <a:off x="3203848" y="188640"/>
-            <a:ext cx="4525278" cy="646331"/>
+            <a:ext cx="2973250" cy="646331"/>
           </a:xfrm>
           <a:prstGeom prst="rect">
             <a:avLst/>
@@ -8564,29 +8696,1023 @@
             <a:r>
               <a:rPr lang="en-GB" sz="3600" dirty="0" smtClean="0">
                 <a:solidFill>
-                  <a:srgbClr val="0070C0"/>
+                  <a:srgbClr val="00B050"/>
                 </a:solidFill>
               </a:rPr>
-              <a:t>“Prelim - Send by Post”</a:t>
+              <a:t>“Send by Post”</a:t>
             </a:r>
             <a:endParaRPr lang="en-GB" sz="3600" dirty="0">
               <a:solidFill>
-                <a:srgbClr val="0070C0"/>
+                <a:srgbClr val="00B050"/>
               </a:solidFill>
             </a:endParaRPr>
           </a:p>
         </p:txBody>
       </p:sp>
+      <p:pic>
+        <p:nvPicPr>
+          <p:cNvPr id="22" name="Picture 4" descr="C:\GITHUB\incodehq\incode-module-document\dom\src\main\java\org\incode\module\document\dom\impl\paperclips\Paperclip.png"/>
+          <p:cNvPicPr>
+            <a:picLocks noChangeAspect="1" noChangeArrowheads="1"/>
+          </p:cNvPicPr>
+          <p:nvPr/>
+        </p:nvPicPr>
+        <p:blipFill>
+          <a:blip r:embed="rId4">
+            <a:extLst>
+              <a:ext uri="{28A0092B-C50C-407E-A947-70E740481C1C}">
+                <a14:useLocalDpi xmlns:a14="http://schemas.microsoft.com/office/drawing/2010/main" val="0"/>
+              </a:ext>
+            </a:extLst>
+          </a:blip>
+          <a:srcRect/>
+          <a:stretch>
+            <a:fillRect/>
+          </a:stretch>
+        </p:blipFill>
+        <p:spPr bwMode="auto">
+          <a:xfrm>
+            <a:off x="780858" y="2767814"/>
+            <a:ext cx="518865" cy="518865"/>
+          </a:xfrm>
+          <a:prstGeom prst="rect">
+            <a:avLst/>
+          </a:prstGeom>
+          <a:noFill/>
+          <a:extLst>
+            <a:ext uri="{909E8E84-426E-40DD-AFC4-6F175D3DCCD1}">
+              <a14:hiddenFill xmlns:a14="http://schemas.microsoft.com/office/drawing/2010/main">
+                <a:solidFill>
+                  <a:srgbClr val="FFFFFF"/>
+                </a:solidFill>
+              </a14:hiddenFill>
+            </a:ext>
+          </a:extLst>
+        </p:spPr>
+      </p:pic>
+      <p:cxnSp>
+        <p:nvCxnSpPr>
+          <p:cNvPr id="23" name="Straight Connector 22"/>
+          <p:cNvCxnSpPr/>
+          <p:nvPr/>
+        </p:nvCxnSpPr>
+        <p:spPr>
+          <a:xfrm>
+            <a:off x="827584" y="1412776"/>
+            <a:ext cx="535111" cy="3228943"/>
+          </a:xfrm>
+          <a:prstGeom prst="line">
+            <a:avLst/>
+          </a:prstGeom>
+        </p:spPr>
+        <p:style>
+          <a:lnRef idx="1">
+            <a:schemeClr val="accent1"/>
+          </a:lnRef>
+          <a:fillRef idx="0">
+            <a:schemeClr val="accent1"/>
+          </a:fillRef>
+          <a:effectRef idx="0">
+            <a:schemeClr val="accent1"/>
+          </a:effectRef>
+          <a:fontRef idx="minor">
+            <a:schemeClr val="tx1"/>
+          </a:fontRef>
+        </p:style>
+      </p:cxnSp>
     </p:spTree>
     <p:extLst>
       <p:ext uri="{BB962C8B-B14F-4D97-AF65-F5344CB8AC3E}">
-        <p14:creationId xmlns:p14="http://schemas.microsoft.com/office/powerpoint/2010/main" val="3120711065"/>
+        <p14:creationId xmlns:p14="http://schemas.microsoft.com/office/powerpoint/2010/main" val="4126229046"/>
       </p:ext>
     </p:extLst>
   </p:cSld>
   <p:clrMapOvr>
     <a:masterClrMapping/>
   </p:clrMapOvr>
+  <p:timing>
+    <p:tnLst>
+      <p:par>
+        <p:cTn id="1" dur="indefinite" restart="never" nodeType="tmRoot"/>
+      </p:par>
+    </p:tnLst>
+  </p:timing>
+</p:sld>
+</file>
+
+<file path=ppt/slides/slide23.xml><?xml version="1.0" encoding="utf-8"?>
+<p:sld xmlns:a="http://schemas.openxmlformats.org/drawingml/2006/main" xmlns:r="http://schemas.openxmlformats.org/officeDocument/2006/relationships" xmlns:p="http://schemas.openxmlformats.org/presentationml/2006/main">
+  <p:cSld>
+    <p:spTree>
+      <p:nvGrpSpPr>
+        <p:cNvPr id="1" name=""/>
+        <p:cNvGrpSpPr/>
+        <p:nvPr/>
+      </p:nvGrpSpPr>
+      <p:grpSpPr>
+        <a:xfrm>
+          <a:off x="0" y="0"/>
+          <a:ext cx="0" cy="0"/>
+          <a:chOff x="0" y="0"/>
+          <a:chExt cx="0" cy="0"/>
+        </a:xfrm>
+      </p:grpSpPr>
+      <p:pic>
+        <p:nvPicPr>
+          <p:cNvPr id="1026" name="Picture 2" descr="C:\GITHUB\estatio\estatio\estatioapp\module\invoice\dom\src\main\java\org\estatio\dom\invoice\Invoice.png"/>
+          <p:cNvPicPr>
+            <a:picLocks noChangeAspect="1" noChangeArrowheads="1"/>
+          </p:cNvPicPr>
+          <p:nvPr/>
+        </p:nvPicPr>
+        <p:blipFill>
+          <a:blip r:embed="rId2">
+            <a:extLst>
+              <a:ext uri="{28A0092B-C50C-407E-A947-70E740481C1C}">
+                <a14:useLocalDpi xmlns:a14="http://schemas.microsoft.com/office/drawing/2010/main" val="0"/>
+              </a:ext>
+            </a:extLst>
+          </a:blip>
+          <a:srcRect/>
+          <a:stretch>
+            <a:fillRect/>
+          </a:stretch>
+        </p:blipFill>
+        <p:spPr bwMode="auto">
+          <a:xfrm>
+            <a:off x="211895" y="332656"/>
+            <a:ext cx="916260" cy="916260"/>
+          </a:xfrm>
+          <a:prstGeom prst="rect">
+            <a:avLst/>
+          </a:prstGeom>
+          <a:noFill/>
+          <a:extLst>
+            <a:ext uri="{909E8E84-426E-40DD-AFC4-6F175D3DCCD1}">
+              <a14:hiddenFill xmlns:a14="http://schemas.microsoft.com/office/drawing/2010/main">
+                <a:solidFill>
+                  <a:srgbClr val="FFFFFF"/>
+                </a:solidFill>
+              </a14:hiddenFill>
+            </a:ext>
+          </a:extLst>
+        </p:spPr>
+      </p:pic>
+      <p:sp>
+        <p:nvSpPr>
+          <p:cNvPr id="9" name="TextBox 8"/>
+          <p:cNvSpPr txBox="1"/>
+          <p:nvPr/>
+        </p:nvSpPr>
+        <p:spPr>
+          <a:xfrm>
+            <a:off x="1140729" y="332656"/>
+            <a:ext cx="1262077" cy="646331"/>
+          </a:xfrm>
+          <a:prstGeom prst="rect">
+            <a:avLst/>
+          </a:prstGeom>
+          <a:noFill/>
+        </p:spPr>
+        <p:txBody>
+          <a:bodyPr wrap="none" rtlCol="0">
+            <a:spAutoFit/>
+          </a:bodyPr>
+          <a:lstStyle/>
+          <a:p>
+            <a:r>
+              <a:rPr lang="en-GB"/>
+              <a:t>Transaction</a:t>
+            </a:r>
+          </a:p>
+          <a:p>
+            <a:endParaRPr lang="en-GB" dirty="0"/>
+          </a:p>
+        </p:txBody>
+      </p:sp>
+      <p:pic>
+        <p:nvPicPr>
+          <p:cNvPr id="1027" name="Picture 3" descr="C:\GITHUB\incodehq\incode-module-document\dom\src\main\java\org\incode\module\document\dom\impl\docs\Document-pdf.png"/>
+          <p:cNvPicPr>
+            <a:picLocks noChangeAspect="1" noChangeArrowheads="1"/>
+          </p:cNvPicPr>
+          <p:nvPr/>
+        </p:nvPicPr>
+        <p:blipFill>
+          <a:blip r:embed="rId3">
+            <a:extLst>
+              <a:ext uri="{28A0092B-C50C-407E-A947-70E740481C1C}">
+                <a14:useLocalDpi xmlns:a14="http://schemas.microsoft.com/office/drawing/2010/main" val="0"/>
+              </a:ext>
+            </a:extLst>
+          </a:blip>
+          <a:srcRect/>
+          <a:stretch>
+            <a:fillRect/>
+          </a:stretch>
+        </p:blipFill>
+        <p:spPr bwMode="auto">
+          <a:xfrm>
+            <a:off x="2363960" y="2546588"/>
+            <a:ext cx="916260" cy="916260"/>
+          </a:xfrm>
+          <a:prstGeom prst="rect">
+            <a:avLst/>
+          </a:prstGeom>
+          <a:noFill/>
+          <a:extLst>
+            <a:ext uri="{909E8E84-426E-40DD-AFC4-6F175D3DCCD1}">
+              <a14:hiddenFill xmlns:a14="http://schemas.microsoft.com/office/drawing/2010/main">
+                <a:solidFill>
+                  <a:srgbClr val="FFFFFF"/>
+                </a:solidFill>
+              </a14:hiddenFill>
+            </a:ext>
+          </a:extLst>
+        </p:spPr>
+      </p:pic>
+      <p:sp>
+        <p:nvSpPr>
+          <p:cNvPr id="12" name="TextBox 11"/>
+          <p:cNvSpPr txBox="1"/>
+          <p:nvPr/>
+        </p:nvSpPr>
+        <p:spPr>
+          <a:xfrm>
+            <a:off x="2372135" y="3484433"/>
+            <a:ext cx="1165191" cy="646331"/>
+          </a:xfrm>
+          <a:prstGeom prst="rect">
+            <a:avLst/>
+          </a:prstGeom>
+          <a:noFill/>
+        </p:spPr>
+        <p:txBody>
+          <a:bodyPr wrap="none" rtlCol="0">
+            <a:spAutoFit/>
+          </a:bodyPr>
+          <a:lstStyle/>
+          <a:p>
+            <a:r>
+              <a:rPr lang="en-GB" dirty="0" smtClean="0"/>
+              <a:t>(Invoice)</a:t>
+            </a:r>
+          </a:p>
+          <a:p>
+            <a:r>
+              <a:rPr lang="en-GB" dirty="0" smtClean="0"/>
+              <a:t>Document</a:t>
+            </a:r>
+            <a:endParaRPr lang="en-GB" dirty="0"/>
+          </a:p>
+        </p:txBody>
+      </p:sp>
+      <p:pic>
+        <p:nvPicPr>
+          <p:cNvPr id="13" name="Picture 3" descr="C:\GITHUB\incodehq\incode-module-document\dom\src\main\java\org\incode\module\document\dom\impl\docs\Document-pdf.png"/>
+          <p:cNvPicPr>
+            <a:picLocks noChangeAspect="1" noChangeArrowheads="1"/>
+          </p:cNvPicPr>
+          <p:nvPr/>
+        </p:nvPicPr>
+        <p:blipFill>
+          <a:blip r:embed="rId3">
+            <a:extLst>
+              <a:ext uri="{28A0092B-C50C-407E-A947-70E740481C1C}">
+                <a14:useLocalDpi xmlns:a14="http://schemas.microsoft.com/office/drawing/2010/main" val="0"/>
+              </a:ext>
+            </a:extLst>
+          </a:blip>
+          <a:srcRect/>
+          <a:stretch>
+            <a:fillRect/>
+          </a:stretch>
+        </p:blipFill>
+        <p:spPr bwMode="auto">
+          <a:xfrm>
+            <a:off x="827584" y="4785735"/>
+            <a:ext cx="916260" cy="916260"/>
+          </a:xfrm>
+          <a:prstGeom prst="rect">
+            <a:avLst/>
+          </a:prstGeom>
+          <a:noFill/>
+          <a:extLst>
+            <a:ext uri="{909E8E84-426E-40DD-AFC4-6F175D3DCCD1}">
+              <a14:hiddenFill xmlns:a14="http://schemas.microsoft.com/office/drawing/2010/main">
+                <a:solidFill>
+                  <a:srgbClr val="FFFFFF"/>
+                </a:solidFill>
+              </a14:hiddenFill>
+            </a:ext>
+          </a:extLst>
+        </p:spPr>
+      </p:pic>
+      <p:sp>
+        <p:nvSpPr>
+          <p:cNvPr id="14" name="TextBox 13"/>
+          <p:cNvSpPr txBox="1"/>
+          <p:nvPr/>
+        </p:nvSpPr>
+        <p:spPr>
+          <a:xfrm>
+            <a:off x="715951" y="5733913"/>
+            <a:ext cx="1337097" cy="646331"/>
+          </a:xfrm>
+          <a:prstGeom prst="rect">
+            <a:avLst/>
+          </a:prstGeom>
+          <a:noFill/>
+        </p:spPr>
+        <p:txBody>
+          <a:bodyPr wrap="none" rtlCol="0">
+            <a:spAutoFit/>
+          </a:bodyPr>
+          <a:lstStyle/>
+          <a:p>
+            <a:pPr algn="ctr"/>
+            <a:r>
+              <a:rPr lang="en-GB" dirty="0" smtClean="0"/>
+              <a:t>(Tax receipt)</a:t>
+            </a:r>
+          </a:p>
+          <a:p>
+            <a:pPr algn="ctr"/>
+            <a:r>
+              <a:rPr lang="en-GB" dirty="0" smtClean="0"/>
+              <a:t>Document</a:t>
+            </a:r>
+            <a:endParaRPr lang="en-GB" dirty="0"/>
+          </a:p>
+        </p:txBody>
+      </p:sp>
+      <p:pic>
+        <p:nvPicPr>
+          <p:cNvPr id="1028" name="Picture 4" descr="C:\GITHUB\incodehq\incode-module-document\dom\src\main\java\org\incode\module\document\dom\impl\paperclips\Paperclip.png"/>
+          <p:cNvPicPr>
+            <a:picLocks noChangeAspect="1" noChangeArrowheads="1"/>
+          </p:cNvPicPr>
+          <p:nvPr/>
+        </p:nvPicPr>
+        <p:blipFill>
+          <a:blip r:embed="rId4">
+            <a:extLst>
+              <a:ext uri="{28A0092B-C50C-407E-A947-70E740481C1C}">
+                <a14:useLocalDpi xmlns:a14="http://schemas.microsoft.com/office/drawing/2010/main" val="0"/>
+              </a:ext>
+            </a:extLst>
+          </a:blip>
+          <a:srcRect/>
+          <a:stretch>
+            <a:fillRect/>
+          </a:stretch>
+        </p:blipFill>
+        <p:spPr bwMode="auto">
+          <a:xfrm>
+            <a:off x="1331640" y="1667682"/>
+            <a:ext cx="518865" cy="518865"/>
+          </a:xfrm>
+          <a:prstGeom prst="rect">
+            <a:avLst/>
+          </a:prstGeom>
+          <a:noFill/>
+          <a:extLst>
+            <a:ext uri="{909E8E84-426E-40DD-AFC4-6F175D3DCCD1}">
+              <a14:hiddenFill xmlns:a14="http://schemas.microsoft.com/office/drawing/2010/main">
+                <a:solidFill>
+                  <a:srgbClr val="FFFFFF"/>
+                </a:solidFill>
+              </a14:hiddenFill>
+            </a:ext>
+          </a:extLst>
+        </p:spPr>
+      </p:pic>
+      <p:cxnSp>
+        <p:nvCxnSpPr>
+          <p:cNvPr id="11" name="Straight Connector 10"/>
+          <p:cNvCxnSpPr/>
+          <p:nvPr/>
+        </p:nvCxnSpPr>
+        <p:spPr>
+          <a:xfrm>
+            <a:off x="1074830" y="1387561"/>
+            <a:ext cx="1048898" cy="1015011"/>
+          </a:xfrm>
+          <a:prstGeom prst="line">
+            <a:avLst/>
+          </a:prstGeom>
+        </p:spPr>
+        <p:style>
+          <a:lnRef idx="1">
+            <a:schemeClr val="accent1"/>
+          </a:lnRef>
+          <a:fillRef idx="0">
+            <a:schemeClr val="accent1"/>
+          </a:fillRef>
+          <a:effectRef idx="0">
+            <a:schemeClr val="accent1"/>
+          </a:effectRef>
+          <a:fontRef idx="minor">
+            <a:schemeClr val="tx1"/>
+          </a:fontRef>
+        </p:style>
+      </p:cxnSp>
+      <p:pic>
+        <p:nvPicPr>
+          <p:cNvPr id="20" name="Picture 4" descr="C:\GITHUB\incodehq\incode-module-document\dom\src\main\java\org\incode\module\document\dom\impl\paperclips\Paperclip.png"/>
+          <p:cNvPicPr>
+            <a:picLocks noChangeAspect="1" noChangeArrowheads="1"/>
+          </p:cNvPicPr>
+          <p:nvPr/>
+        </p:nvPicPr>
+        <p:blipFill>
+          <a:blip r:embed="rId4">
+            <a:extLst>
+              <a:ext uri="{28A0092B-C50C-407E-A947-70E740481C1C}">
+                <a14:useLocalDpi xmlns:a14="http://schemas.microsoft.com/office/drawing/2010/main" val="0"/>
+              </a:ext>
+            </a:extLst>
+          </a:blip>
+          <a:srcRect/>
+          <a:stretch>
+            <a:fillRect/>
+          </a:stretch>
+        </p:blipFill>
+        <p:spPr bwMode="auto">
+          <a:xfrm>
+            <a:off x="1619505" y="3906829"/>
+            <a:ext cx="518865" cy="518865"/>
+          </a:xfrm>
+          <a:prstGeom prst="rect">
+            <a:avLst/>
+          </a:prstGeom>
+          <a:noFill/>
+          <a:extLst>
+            <a:ext uri="{909E8E84-426E-40DD-AFC4-6F175D3DCCD1}">
+              <a14:hiddenFill xmlns:a14="http://schemas.microsoft.com/office/drawing/2010/main">
+                <a:solidFill>
+                  <a:srgbClr val="FFFFFF"/>
+                </a:solidFill>
+              </a14:hiddenFill>
+            </a:ext>
+          </a:extLst>
+        </p:spPr>
+      </p:pic>
+      <p:cxnSp>
+        <p:nvCxnSpPr>
+          <p:cNvPr id="21" name="Straight Connector 20"/>
+          <p:cNvCxnSpPr/>
+          <p:nvPr/>
+        </p:nvCxnSpPr>
+        <p:spPr>
+          <a:xfrm flipH="1">
+            <a:off x="1362695" y="3626708"/>
+            <a:ext cx="1048898" cy="1015011"/>
+          </a:xfrm>
+          <a:prstGeom prst="line">
+            <a:avLst/>
+          </a:prstGeom>
+        </p:spPr>
+        <p:style>
+          <a:lnRef idx="1">
+            <a:schemeClr val="accent1"/>
+          </a:lnRef>
+          <a:fillRef idx="0">
+            <a:schemeClr val="accent1"/>
+          </a:fillRef>
+          <a:effectRef idx="0">
+            <a:schemeClr val="accent1"/>
+          </a:effectRef>
+          <a:fontRef idx="minor">
+            <a:schemeClr val="tx1"/>
+          </a:fontRef>
+        </p:style>
+      </p:cxnSp>
+      <p:pic>
+        <p:nvPicPr>
+          <p:cNvPr id="1029" name="Picture 5" descr="C:\GITHUB\incodehq\incode-module-communications\module\src\main\java\org\incode\module\communications\dom\impl\comms\Communication-email.png"/>
+          <p:cNvPicPr>
+            <a:picLocks noChangeAspect="1" noChangeArrowheads="1"/>
+          </p:cNvPicPr>
+          <p:nvPr/>
+        </p:nvPicPr>
+        <p:blipFill>
+          <a:blip r:embed="rId5">
+            <a:extLst>
+              <a:ext uri="{28A0092B-C50C-407E-A947-70E740481C1C}">
+                <a14:useLocalDpi xmlns:a14="http://schemas.microsoft.com/office/drawing/2010/main" val="0"/>
+              </a:ext>
+            </a:extLst>
+          </a:blip>
+          <a:srcRect/>
+          <a:stretch>
+            <a:fillRect/>
+          </a:stretch>
+        </p:blipFill>
+        <p:spPr bwMode="auto">
+          <a:xfrm>
+            <a:off x="6732240" y="2449322"/>
+            <a:ext cx="1163127" cy="1163127"/>
+          </a:xfrm>
+          <a:prstGeom prst="rect">
+            <a:avLst/>
+          </a:prstGeom>
+          <a:noFill/>
+          <a:extLst>
+            <a:ext uri="{909E8E84-426E-40DD-AFC4-6F175D3DCCD1}">
+              <a14:hiddenFill xmlns:a14="http://schemas.microsoft.com/office/drawing/2010/main">
+                <a:solidFill>
+                  <a:srgbClr val="FFFFFF"/>
+                </a:solidFill>
+              </a14:hiddenFill>
+            </a:ext>
+          </a:extLst>
+        </p:spPr>
+      </p:pic>
+      <p:sp>
+        <p:nvSpPr>
+          <p:cNvPr id="24" name="TextBox 23"/>
+          <p:cNvSpPr txBox="1"/>
+          <p:nvPr/>
+        </p:nvSpPr>
+        <p:spPr>
+          <a:xfrm>
+            <a:off x="6643394" y="3410684"/>
+            <a:ext cx="1673022" cy="646331"/>
+          </a:xfrm>
+          <a:prstGeom prst="rect">
+            <a:avLst/>
+          </a:prstGeom>
+          <a:noFill/>
+        </p:spPr>
+        <p:txBody>
+          <a:bodyPr wrap="none" rtlCol="0">
+            <a:spAutoFit/>
+          </a:bodyPr>
+          <a:lstStyle/>
+          <a:p>
+            <a:r>
+              <a:rPr lang="en-GB" dirty="0" smtClean="0"/>
+              <a:t>(Email)</a:t>
+            </a:r>
+          </a:p>
+          <a:p>
+            <a:r>
+              <a:rPr lang="en-GB" dirty="0" smtClean="0"/>
+              <a:t>Communication</a:t>
+            </a:r>
+            <a:endParaRPr lang="en-GB" dirty="0"/>
+          </a:p>
+        </p:txBody>
+      </p:sp>
+      <p:pic>
+        <p:nvPicPr>
+          <p:cNvPr id="1030" name="Picture 6" descr="C:\GITHUB\incodehq\incode-module-document\dom\src\main\java\org\incode\module\document\dom\impl\docs\Document-html.png"/>
+          <p:cNvPicPr>
+            <a:picLocks noChangeAspect="1" noChangeArrowheads="1"/>
+          </p:cNvPicPr>
+          <p:nvPr/>
+        </p:nvPicPr>
+        <p:blipFill>
+          <a:blip r:embed="rId6">
+            <a:extLst>
+              <a:ext uri="{28A0092B-C50C-407E-A947-70E740481C1C}">
+                <a14:useLocalDpi xmlns:a14="http://schemas.microsoft.com/office/drawing/2010/main" val="0"/>
+              </a:ext>
+            </a:extLst>
+          </a:blip>
+          <a:srcRect/>
+          <a:stretch>
+            <a:fillRect/>
+          </a:stretch>
+        </p:blipFill>
+        <p:spPr bwMode="auto">
+          <a:xfrm>
+            <a:off x="4716016" y="4811548"/>
+            <a:ext cx="831384" cy="831384"/>
+          </a:xfrm>
+          <a:prstGeom prst="rect">
+            <a:avLst/>
+          </a:prstGeom>
+          <a:noFill/>
+          <a:extLst>
+            <a:ext uri="{909E8E84-426E-40DD-AFC4-6F175D3DCCD1}">
+              <a14:hiddenFill xmlns:a14="http://schemas.microsoft.com/office/drawing/2010/main">
+                <a:solidFill>
+                  <a:srgbClr val="FFFFFF"/>
+                </a:solidFill>
+              </a14:hiddenFill>
+            </a:ext>
+          </a:extLst>
+        </p:spPr>
+      </p:pic>
+      <p:sp>
+        <p:nvSpPr>
+          <p:cNvPr id="26" name="TextBox 25"/>
+          <p:cNvSpPr txBox="1"/>
+          <p:nvPr/>
+        </p:nvSpPr>
+        <p:spPr>
+          <a:xfrm>
+            <a:off x="4244343" y="5644673"/>
+            <a:ext cx="1892185" cy="646331"/>
+          </a:xfrm>
+          <a:prstGeom prst="rect">
+            <a:avLst/>
+          </a:prstGeom>
+          <a:noFill/>
+        </p:spPr>
+        <p:txBody>
+          <a:bodyPr wrap="none" rtlCol="0">
+            <a:spAutoFit/>
+          </a:bodyPr>
+          <a:lstStyle/>
+          <a:p>
+            <a:pPr algn="ctr"/>
+            <a:r>
+              <a:rPr lang="en-GB" dirty="0" smtClean="0"/>
+              <a:t>(Email cover note)</a:t>
+            </a:r>
+          </a:p>
+          <a:p>
+            <a:pPr algn="ctr"/>
+            <a:r>
+              <a:rPr lang="en-GB" dirty="0" smtClean="0"/>
+              <a:t>Document</a:t>
+            </a:r>
+            <a:endParaRPr lang="en-GB" dirty="0"/>
+          </a:p>
+        </p:txBody>
+      </p:sp>
+      <p:pic>
+        <p:nvPicPr>
+          <p:cNvPr id="27" name="Picture 4" descr="C:\GITHUB\incodehq\incode-module-document\dom\src\main\java\org\incode\module\document\dom\impl\paperclips\Paperclip.png"/>
+          <p:cNvPicPr>
+            <a:picLocks noChangeAspect="1" noChangeArrowheads="1"/>
+          </p:cNvPicPr>
+          <p:nvPr/>
+        </p:nvPicPr>
+        <p:blipFill>
+          <a:blip r:embed="rId4">
+            <a:extLst>
+              <a:ext uri="{28A0092B-C50C-407E-A947-70E740481C1C}">
+                <a14:useLocalDpi xmlns:a14="http://schemas.microsoft.com/office/drawing/2010/main" val="0"/>
+              </a:ext>
+            </a:extLst>
+          </a:blip>
+          <a:srcRect/>
+          <a:stretch>
+            <a:fillRect/>
+          </a:stretch>
+        </p:blipFill>
+        <p:spPr bwMode="auto">
+          <a:xfrm>
+            <a:off x="4460367" y="2766119"/>
+            <a:ext cx="518865" cy="518865"/>
+          </a:xfrm>
+          <a:prstGeom prst="rect">
+            <a:avLst/>
+          </a:prstGeom>
+          <a:noFill/>
+          <a:extLst>
+            <a:ext uri="{909E8E84-426E-40DD-AFC4-6F175D3DCCD1}">
+              <a14:hiddenFill xmlns:a14="http://schemas.microsoft.com/office/drawing/2010/main">
+                <a:solidFill>
+                  <a:srgbClr val="FFFFFF"/>
+                </a:solidFill>
+              </a14:hiddenFill>
+            </a:ext>
+          </a:extLst>
+        </p:spPr>
+      </p:pic>
+      <p:cxnSp>
+        <p:nvCxnSpPr>
+          <p:cNvPr id="29" name="Straight Connector 28"/>
+          <p:cNvCxnSpPr/>
+          <p:nvPr/>
+        </p:nvCxnSpPr>
+        <p:spPr>
+          <a:xfrm>
+            <a:off x="1227230" y="1539961"/>
+            <a:ext cx="1048898" cy="1015011"/>
+          </a:xfrm>
+          <a:prstGeom prst="line">
+            <a:avLst/>
+          </a:prstGeom>
+        </p:spPr>
+        <p:style>
+          <a:lnRef idx="1">
+            <a:schemeClr val="accent1"/>
+          </a:lnRef>
+          <a:fillRef idx="0">
+            <a:schemeClr val="accent1"/>
+          </a:fillRef>
+          <a:effectRef idx="0">
+            <a:schemeClr val="accent1"/>
+          </a:effectRef>
+          <a:fontRef idx="minor">
+            <a:schemeClr val="tx1"/>
+          </a:fontRef>
+        </p:style>
+      </p:cxnSp>
+      <p:cxnSp>
+        <p:nvCxnSpPr>
+          <p:cNvPr id="30" name="Straight Connector 29"/>
+          <p:cNvCxnSpPr/>
+          <p:nvPr/>
+        </p:nvCxnSpPr>
+        <p:spPr>
+          <a:xfrm>
+            <a:off x="3380247" y="3004718"/>
+            <a:ext cx="3096344" cy="26167"/>
+          </a:xfrm>
+          <a:prstGeom prst="line">
+            <a:avLst/>
+          </a:prstGeom>
+        </p:spPr>
+        <p:style>
+          <a:lnRef idx="1">
+            <a:schemeClr val="accent1"/>
+          </a:lnRef>
+          <a:fillRef idx="0">
+            <a:schemeClr val="accent1"/>
+          </a:fillRef>
+          <a:effectRef idx="0">
+            <a:schemeClr val="accent1"/>
+          </a:effectRef>
+          <a:fontRef idx="minor">
+            <a:schemeClr val="tx1"/>
+          </a:fontRef>
+        </p:style>
+      </p:cxnSp>
+      <p:pic>
+        <p:nvPicPr>
+          <p:cNvPr id="33" name="Picture 4" descr="C:\GITHUB\incodehq\incode-module-document\dom\src\main\java\org\incode\module\document\dom\impl\paperclips\Paperclip.png"/>
+          <p:cNvPicPr>
+            <a:picLocks noChangeAspect="1" noChangeArrowheads="1"/>
+          </p:cNvPicPr>
+          <p:nvPr/>
+        </p:nvPicPr>
+        <p:blipFill>
+          <a:blip r:embed="rId4">
+            <a:extLst>
+              <a:ext uri="{28A0092B-C50C-407E-A947-70E740481C1C}">
+                <a14:useLocalDpi xmlns:a14="http://schemas.microsoft.com/office/drawing/2010/main" val="0"/>
+              </a:ext>
+            </a:extLst>
+          </a:blip>
+          <a:srcRect/>
+          <a:stretch>
+            <a:fillRect/>
+          </a:stretch>
+        </p:blipFill>
+        <p:spPr bwMode="auto">
+          <a:xfrm>
+            <a:off x="5813710" y="3933056"/>
+            <a:ext cx="518865" cy="518865"/>
+          </a:xfrm>
+          <a:prstGeom prst="rect">
+            <a:avLst/>
+          </a:prstGeom>
+          <a:noFill/>
+          <a:extLst>
+            <a:ext uri="{909E8E84-426E-40DD-AFC4-6F175D3DCCD1}">
+              <a14:hiddenFill xmlns:a14="http://schemas.microsoft.com/office/drawing/2010/main">
+                <a:solidFill>
+                  <a:srgbClr val="FFFFFF"/>
+                </a:solidFill>
+              </a14:hiddenFill>
+            </a:ext>
+          </a:extLst>
+        </p:spPr>
+      </p:pic>
+      <p:cxnSp>
+        <p:nvCxnSpPr>
+          <p:cNvPr id="35" name="Straight Connector 34"/>
+          <p:cNvCxnSpPr/>
+          <p:nvPr/>
+        </p:nvCxnSpPr>
+        <p:spPr>
+          <a:xfrm flipH="1">
+            <a:off x="5571709" y="3638125"/>
+            <a:ext cx="1048898" cy="1015011"/>
+          </a:xfrm>
+          <a:prstGeom prst="line">
+            <a:avLst/>
+          </a:prstGeom>
+        </p:spPr>
+        <p:style>
+          <a:lnRef idx="1">
+            <a:schemeClr val="accent1"/>
+          </a:lnRef>
+          <a:fillRef idx="0">
+            <a:schemeClr val="accent1"/>
+          </a:fillRef>
+          <a:effectRef idx="0">
+            <a:schemeClr val="accent1"/>
+          </a:effectRef>
+          <a:fontRef idx="minor">
+            <a:schemeClr val="tx1"/>
+          </a:fontRef>
+        </p:style>
+      </p:cxnSp>
+      <p:pic>
+        <p:nvPicPr>
+          <p:cNvPr id="25" name="Picture 4" descr="C:\GITHUB\incodehq\incode-module-document\dom\src\main\java\org\incode\module\document\dom\impl\paperclips\Paperclip.png"/>
+          <p:cNvPicPr>
+            <a:picLocks noChangeAspect="1" noChangeArrowheads="1"/>
+          </p:cNvPicPr>
+          <p:nvPr/>
+        </p:nvPicPr>
+        <p:blipFill>
+          <a:blip r:embed="rId4">
+            <a:extLst>
+              <a:ext uri="{28A0092B-C50C-407E-A947-70E740481C1C}">
+                <a14:useLocalDpi xmlns:a14="http://schemas.microsoft.com/office/drawing/2010/main" val="0"/>
+              </a:ext>
+            </a:extLst>
+          </a:blip>
+          <a:srcRect/>
+          <a:stretch>
+            <a:fillRect/>
+          </a:stretch>
+        </p:blipFill>
+        <p:spPr bwMode="auto">
+          <a:xfrm>
+            <a:off x="3596601" y="4206279"/>
+            <a:ext cx="518865" cy="518865"/>
+          </a:xfrm>
+          <a:prstGeom prst="rect">
+            <a:avLst/>
+          </a:prstGeom>
+          <a:noFill/>
+          <a:extLst>
+            <a:ext uri="{909E8E84-426E-40DD-AFC4-6F175D3DCCD1}">
+              <a14:hiddenFill xmlns:a14="http://schemas.microsoft.com/office/drawing/2010/main">
+                <a:solidFill>
+                  <a:srgbClr val="FFFFFF"/>
+                </a:solidFill>
+              </a14:hiddenFill>
+            </a:ext>
+          </a:extLst>
+        </p:spPr>
+      </p:pic>
+      <p:cxnSp>
+        <p:nvCxnSpPr>
+          <p:cNvPr id="32" name="Straight Connector 31"/>
+          <p:cNvCxnSpPr/>
+          <p:nvPr/>
+        </p:nvCxnSpPr>
+        <p:spPr>
+          <a:xfrm flipV="1">
+            <a:off x="2053048" y="3337233"/>
+            <a:ext cx="4391160" cy="1890007"/>
+          </a:xfrm>
+          <a:prstGeom prst="line">
+            <a:avLst/>
+          </a:prstGeom>
+        </p:spPr>
+        <p:style>
+          <a:lnRef idx="1">
+            <a:schemeClr val="accent1"/>
+          </a:lnRef>
+          <a:fillRef idx="0">
+            <a:schemeClr val="accent1"/>
+          </a:fillRef>
+          <a:effectRef idx="0">
+            <a:schemeClr val="accent1"/>
+          </a:effectRef>
+          <a:fontRef idx="minor">
+            <a:schemeClr val="tx1"/>
+          </a:fontRef>
+        </p:style>
+      </p:cxnSp>
+      <p:sp>
+        <p:nvSpPr>
+          <p:cNvPr id="36" name="TextBox 35"/>
+          <p:cNvSpPr txBox="1"/>
+          <p:nvPr/>
+        </p:nvSpPr>
+        <p:spPr>
+          <a:xfrm>
+            <a:off x="3203848" y="188640"/>
+            <a:ext cx="3181640" cy="646331"/>
+          </a:xfrm>
+          <a:prstGeom prst="rect">
+            <a:avLst/>
+          </a:prstGeom>
+          <a:noFill/>
+        </p:spPr>
+        <p:txBody>
+          <a:bodyPr wrap="none" rtlCol="0">
+            <a:spAutoFit/>
+          </a:bodyPr>
+          <a:lstStyle/>
+          <a:p>
+            <a:r>
+              <a:rPr lang="en-GB" sz="3600" dirty="0" smtClean="0">
+                <a:solidFill>
+                  <a:srgbClr val="00B050"/>
+                </a:solidFill>
+              </a:rPr>
+              <a:t>“Send by Email”</a:t>
+            </a:r>
+            <a:endParaRPr lang="en-GB" sz="3600" dirty="0">
+              <a:solidFill>
+                <a:srgbClr val="00B050"/>
+              </a:solidFill>
+            </a:endParaRPr>
+          </a:p>
+        </p:txBody>
+      </p:sp>
+      <p:pic>
+        <p:nvPicPr>
+          <p:cNvPr id="28" name="Picture 4" descr="C:\GITHUB\incodehq\incode-module-document\dom\src\main\java\org\incode\module\document\dom\impl\paperclips\Paperclip.png"/>
+          <p:cNvPicPr>
+            <a:picLocks noChangeAspect="1" noChangeArrowheads="1"/>
+          </p:cNvPicPr>
+          <p:nvPr/>
+        </p:nvPicPr>
+        <p:blipFill>
+          <a:blip r:embed="rId4">
+            <a:extLst>
+              <a:ext uri="{28A0092B-C50C-407E-A947-70E740481C1C}">
+                <a14:useLocalDpi xmlns:a14="http://schemas.microsoft.com/office/drawing/2010/main" val="0"/>
+              </a:ext>
+            </a:extLst>
+          </a:blip>
+          <a:srcRect/>
+          <a:stretch>
+            <a:fillRect/>
+          </a:stretch>
+        </p:blipFill>
+        <p:spPr bwMode="auto">
+          <a:xfrm>
+            <a:off x="780858" y="2767814"/>
+            <a:ext cx="518865" cy="518865"/>
+          </a:xfrm>
+          <a:prstGeom prst="rect">
+            <a:avLst/>
+          </a:prstGeom>
+          <a:noFill/>
+          <a:extLst>
+            <a:ext uri="{909E8E84-426E-40DD-AFC4-6F175D3DCCD1}">
+              <a14:hiddenFill xmlns:a14="http://schemas.microsoft.com/office/drawing/2010/main">
+                <a:solidFill>
+                  <a:srgbClr val="FFFFFF"/>
+                </a:solidFill>
+              </a14:hiddenFill>
+            </a:ext>
+          </a:extLst>
+        </p:spPr>
+      </p:pic>
+      <p:cxnSp>
+        <p:nvCxnSpPr>
+          <p:cNvPr id="31" name="Straight Connector 30"/>
+          <p:cNvCxnSpPr/>
+          <p:nvPr/>
+        </p:nvCxnSpPr>
+        <p:spPr>
+          <a:xfrm>
+            <a:off x="827584" y="1412776"/>
+            <a:ext cx="535111" cy="3228943"/>
+          </a:xfrm>
+          <a:prstGeom prst="line">
+            <a:avLst/>
+          </a:prstGeom>
+        </p:spPr>
+        <p:style>
+          <a:lnRef idx="1">
+            <a:schemeClr val="accent1"/>
+          </a:lnRef>
+          <a:fillRef idx="0">
+            <a:schemeClr val="accent1"/>
+          </a:fillRef>
+          <a:effectRef idx="0">
+            <a:schemeClr val="accent1"/>
+          </a:effectRef>
+          <a:fontRef idx="minor">
+            <a:schemeClr val="tx1"/>
+          </a:fontRef>
+        </p:style>
+      </p:cxnSp>
+    </p:spTree>
+    <p:extLst>
+      <p:ext uri="{BB962C8B-B14F-4D97-AF65-F5344CB8AC3E}">
+        <p14:creationId xmlns:p14="http://schemas.microsoft.com/office/powerpoint/2010/main" val="652227335"/>
+      </p:ext>
+    </p:extLst>
+  </p:cSld>
+  <p:clrMapOvr>
+    <a:masterClrMapping/>
+  </p:clrMapOvr>
+  <p:timing>
+    <p:tnLst>
+      <p:par>
+        <p:cTn id="1" dur="indefinite" restart="never" nodeType="tmRoot"/>
+      </p:par>
+    </p:tnLst>
+  </p:timing>
 </p:sld>
 </file>
 
@@ -8657,7 +9783,7 @@
         <p:spPr>
           <a:xfrm>
             <a:off x="1140729" y="332656"/>
-            <a:ext cx="850361" cy="369332"/>
+            <a:ext cx="1262077" cy="369332"/>
           </a:xfrm>
           <a:prstGeom prst="rect">
             <a:avLst/>
@@ -8672,7 +9798,7 @@
           <a:p>
             <a:r>
               <a:rPr lang="en-GB" dirty="0" smtClean="0"/>
-              <a:t>Invoice</a:t>
+              <a:t>Transaction</a:t>
             </a:r>
             <a:endParaRPr lang="en-GB" dirty="0"/>
           </a:p>
@@ -8826,57 +9952,16 @@
           </a:fontRef>
         </p:style>
       </p:cxnSp>
-      <p:pic>
-        <p:nvPicPr>
-          <p:cNvPr id="1029" name="Picture 5" descr="C:\GITHUB\incodehq\incode-module-communications\module\src\main\java\org\incode\module\communications\dom\impl\comms\Communication-email.png"/>
-          <p:cNvPicPr>
-            <a:picLocks noChangeAspect="1" noChangeArrowheads="1"/>
-          </p:cNvPicPr>
-          <p:nvPr/>
-        </p:nvPicPr>
-        <p:blipFill>
-          <a:blip r:embed="rId5">
-            <a:extLst>
-              <a:ext uri="{28A0092B-C50C-407E-A947-70E740481C1C}">
-                <a14:useLocalDpi xmlns:a14="http://schemas.microsoft.com/office/drawing/2010/main" val="0"/>
-              </a:ext>
-            </a:extLst>
-          </a:blip>
-          <a:srcRect/>
-          <a:stretch>
-            <a:fillRect/>
-          </a:stretch>
-        </p:blipFill>
-        <p:spPr bwMode="auto">
-          <a:xfrm>
-            <a:off x="6732240" y="2449322"/>
-            <a:ext cx="1163127" cy="1163127"/>
-          </a:xfrm>
-          <a:prstGeom prst="rect">
-            <a:avLst/>
-          </a:prstGeom>
-          <a:noFill/>
-          <a:extLst>
-            <a:ext uri="{909E8E84-426E-40DD-AFC4-6F175D3DCCD1}">
-              <a14:hiddenFill xmlns:a14="http://schemas.microsoft.com/office/drawing/2010/main">
-                <a:solidFill>
-                  <a:srgbClr val="FFFFFF"/>
-                </a:solidFill>
-              </a14:hiddenFill>
-            </a:ext>
-          </a:extLst>
-        </p:spPr>
-      </p:pic>
-      <p:sp>
-        <p:nvSpPr>
-          <p:cNvPr id="24" name="TextBox 23"/>
+      <p:sp>
+        <p:nvSpPr>
+          <p:cNvPr id="19" name="TextBox 18"/>
           <p:cNvSpPr txBox="1"/>
           <p:nvPr/>
         </p:nvSpPr>
         <p:spPr>
           <a:xfrm>
-            <a:off x="6643394" y="3410684"/>
-            <a:ext cx="1673022" cy="646331"/>
+            <a:off x="1835696" y="1765533"/>
+            <a:ext cx="759375" cy="276999"/>
           </a:xfrm>
           <a:prstGeom prst="rect">
             <a:avLst/>
@@ -8890,139 +9975,13 @@
           <a:lstStyle/>
           <a:p>
             <a:r>
-              <a:rPr lang="en-GB" dirty="0" smtClean="0"/>
-              <a:t>(Email)</a:t>
-            </a:r>
-          </a:p>
-          <a:p>
-            <a:r>
-              <a:rPr lang="en-GB" dirty="0" smtClean="0"/>
-              <a:t>Communication</a:t>
-            </a:r>
-            <a:endParaRPr lang="en-GB" dirty="0"/>
-          </a:p>
-        </p:txBody>
-      </p:sp>
-      <p:pic>
-        <p:nvPicPr>
-          <p:cNvPr id="1030" name="Picture 6" descr="C:\GITHUB\incodehq\incode-module-document\dom\src\main\java\org\incode\module\document\dom\impl\docs\Document-html.png"/>
-          <p:cNvPicPr>
-            <a:picLocks noChangeAspect="1" noChangeArrowheads="1"/>
-          </p:cNvPicPr>
-          <p:nvPr/>
-        </p:nvPicPr>
-        <p:blipFill>
-          <a:blip r:embed="rId6">
-            <a:extLst>
-              <a:ext uri="{28A0092B-C50C-407E-A947-70E740481C1C}">
-                <a14:useLocalDpi xmlns:a14="http://schemas.microsoft.com/office/drawing/2010/main" val="0"/>
-              </a:ext>
-            </a:extLst>
-          </a:blip>
-          <a:srcRect/>
-          <a:stretch>
-            <a:fillRect/>
-          </a:stretch>
-        </p:blipFill>
-        <p:spPr bwMode="auto">
-          <a:xfrm>
-            <a:off x="4716016" y="4811548"/>
-            <a:ext cx="831384" cy="831384"/>
-          </a:xfrm>
-          <a:prstGeom prst="rect">
-            <a:avLst/>
-          </a:prstGeom>
-          <a:noFill/>
-          <a:extLst>
-            <a:ext uri="{909E8E84-426E-40DD-AFC4-6F175D3DCCD1}">
-              <a14:hiddenFill xmlns:a14="http://schemas.microsoft.com/office/drawing/2010/main">
-                <a:solidFill>
-                  <a:srgbClr val="FFFFFF"/>
-                </a:solidFill>
-              </a14:hiddenFill>
-            </a:ext>
-          </a:extLst>
-        </p:spPr>
-      </p:pic>
-      <p:sp>
-        <p:nvSpPr>
-          <p:cNvPr id="26" name="TextBox 25"/>
-          <p:cNvSpPr txBox="1"/>
-          <p:nvPr/>
-        </p:nvSpPr>
-        <p:spPr>
-          <a:xfrm>
-            <a:off x="4244343" y="5644673"/>
-            <a:ext cx="1892185" cy="646331"/>
-          </a:xfrm>
-          <a:prstGeom prst="rect">
-            <a:avLst/>
-          </a:prstGeom>
-          <a:noFill/>
-        </p:spPr>
-        <p:txBody>
-          <a:bodyPr wrap="none" rtlCol="0">
-            <a:spAutoFit/>
-          </a:bodyPr>
-          <a:lstStyle/>
-          <a:p>
-            <a:pPr algn="ctr"/>
-            <a:r>
-              <a:rPr lang="en-GB" dirty="0" smtClean="0"/>
-              <a:t>(Email cover note)</a:t>
-            </a:r>
-          </a:p>
-          <a:p>
-            <a:pPr algn="ctr"/>
-            <a:r>
-              <a:rPr lang="en-GB" dirty="0" smtClean="0"/>
-              <a:t>Document</a:t>
-            </a:r>
-            <a:endParaRPr lang="en-GB" dirty="0"/>
-          </a:p>
-        </p:txBody>
-      </p:sp>
-      <p:pic>
-        <p:nvPicPr>
-          <p:cNvPr id="27" name="Picture 4" descr="C:\GITHUB\incodehq\incode-module-document\dom\src\main\java\org\incode\module\document\dom\impl\paperclips\Paperclip.png"/>
-          <p:cNvPicPr>
-            <a:picLocks noChangeAspect="1" noChangeArrowheads="1"/>
-          </p:cNvPicPr>
-          <p:nvPr/>
-        </p:nvPicPr>
-        <p:blipFill>
-          <a:blip r:embed="rId4">
-            <a:extLst>
-              <a:ext uri="{28A0092B-C50C-407E-A947-70E740481C1C}">
-                <a14:useLocalDpi xmlns:a14="http://schemas.microsoft.com/office/drawing/2010/main" val="0"/>
-              </a:ext>
-            </a:extLst>
-          </a:blip>
-          <a:srcRect/>
-          <a:stretch>
-            <a:fillRect/>
-          </a:stretch>
-        </p:blipFill>
-        <p:spPr bwMode="auto">
-          <a:xfrm>
-            <a:off x="4460367" y="2766119"/>
-            <a:ext cx="518865" cy="518865"/>
-          </a:xfrm>
-          <a:prstGeom prst="rect">
-            <a:avLst/>
-          </a:prstGeom>
-          <a:noFill/>
-          <a:extLst>
-            <a:ext uri="{909E8E84-426E-40DD-AFC4-6F175D3DCCD1}">
-              <a14:hiddenFill xmlns:a14="http://schemas.microsoft.com/office/drawing/2010/main">
-                <a:solidFill>
-                  <a:srgbClr val="FFFFFF"/>
-                </a:solidFill>
-              </a14:hiddenFill>
-            </a:ext>
-          </a:extLst>
-        </p:spPr>
-      </p:pic>
+              <a:rPr lang="en-GB" sz="1200" smtClean="0"/>
+              <a:t>Paperclip</a:t>
+            </a:r>
+            <a:endParaRPr lang="en-GB" sz="1200" dirty="0"/>
+          </a:p>
+        </p:txBody>
+      </p:sp>
       <p:cxnSp>
         <p:nvCxnSpPr>
           <p:cNvPr id="29" name="Straight Connector 28"/>
@@ -9053,117 +10012,16 @@
           </a:fontRef>
         </p:style>
       </p:cxnSp>
-      <p:cxnSp>
-        <p:nvCxnSpPr>
-          <p:cNvPr id="30" name="Straight Connector 29"/>
-          <p:cNvCxnSpPr/>
-          <p:nvPr/>
-        </p:nvCxnSpPr>
-        <p:spPr>
-          <a:xfrm>
-            <a:off x="3380247" y="3004718"/>
-            <a:ext cx="3096344" cy="26167"/>
-          </a:xfrm>
-          <a:prstGeom prst="line">
-            <a:avLst/>
-          </a:prstGeom>
-        </p:spPr>
-        <p:style>
-          <a:lnRef idx="1">
-            <a:schemeClr val="accent1"/>
-          </a:lnRef>
-          <a:fillRef idx="0">
-            <a:schemeClr val="accent1"/>
-          </a:fillRef>
-          <a:effectRef idx="0">
-            <a:schemeClr val="accent1"/>
-          </a:effectRef>
-          <a:fontRef idx="minor">
-            <a:schemeClr val="tx1"/>
-          </a:fontRef>
-        </p:style>
-      </p:cxnSp>
-      <p:pic>
-        <p:nvPicPr>
-          <p:cNvPr id="33" name="Picture 4" descr="C:\GITHUB\incodehq\incode-module-document\dom\src\main\java\org\incode\module\document\dom\impl\paperclips\Paperclip.png"/>
-          <p:cNvPicPr>
-            <a:picLocks noChangeAspect="1" noChangeArrowheads="1"/>
-          </p:cNvPicPr>
-          <p:nvPr/>
-        </p:nvPicPr>
-        <p:blipFill>
-          <a:blip r:embed="rId4">
-            <a:extLst>
-              <a:ext uri="{28A0092B-C50C-407E-A947-70E740481C1C}">
-                <a14:useLocalDpi xmlns:a14="http://schemas.microsoft.com/office/drawing/2010/main" val="0"/>
-              </a:ext>
-            </a:extLst>
-          </a:blip>
-          <a:srcRect/>
-          <a:stretch>
-            <a:fillRect/>
-          </a:stretch>
-        </p:blipFill>
-        <p:spPr bwMode="auto">
-          <a:xfrm>
-            <a:off x="5813710" y="3933056"/>
-            <a:ext cx="518865" cy="518865"/>
-          </a:xfrm>
-          <a:prstGeom prst="rect">
-            <a:avLst/>
-          </a:prstGeom>
-          <a:noFill/>
-          <a:extLst>
-            <a:ext uri="{909E8E84-426E-40DD-AFC4-6F175D3DCCD1}">
-              <a14:hiddenFill xmlns:a14="http://schemas.microsoft.com/office/drawing/2010/main">
-                <a:solidFill>
-                  <a:srgbClr val="FFFFFF"/>
-                </a:solidFill>
-              </a14:hiddenFill>
-            </a:ext>
-          </a:extLst>
-        </p:spPr>
-      </p:pic>
-      <p:cxnSp>
-        <p:nvCxnSpPr>
-          <p:cNvPr id="35" name="Straight Connector 34"/>
-          <p:cNvCxnSpPr/>
-          <p:nvPr/>
-        </p:nvCxnSpPr>
-        <p:spPr>
-          <a:xfrm flipH="1">
-            <a:off x="5571709" y="3638125"/>
-            <a:ext cx="1048898" cy="1015011"/>
-          </a:xfrm>
-          <a:prstGeom prst="line">
-            <a:avLst/>
-          </a:prstGeom>
-        </p:spPr>
-        <p:style>
-          <a:lnRef idx="1">
-            <a:schemeClr val="accent1"/>
-          </a:lnRef>
-          <a:fillRef idx="0">
-            <a:schemeClr val="accent1"/>
-          </a:fillRef>
-          <a:effectRef idx="0">
-            <a:schemeClr val="accent1"/>
-          </a:effectRef>
-          <a:fontRef idx="minor">
-            <a:schemeClr val="tx1"/>
-          </a:fontRef>
-        </p:style>
-      </p:cxnSp>
-      <p:sp>
-        <p:nvSpPr>
-          <p:cNvPr id="37" name="TextBox 36"/>
+      <p:sp>
+        <p:nvSpPr>
+          <p:cNvPr id="2" name="TextBox 1"/>
           <p:cNvSpPr txBox="1"/>
           <p:nvPr/>
         </p:nvSpPr>
         <p:spPr>
           <a:xfrm>
             <a:off x="3203848" y="188640"/>
-            <a:ext cx="4733668" cy="646331"/>
+            <a:ext cx="3627275" cy="646331"/>
           </a:xfrm>
           <a:prstGeom prst="rect">
             <a:avLst/>
@@ -9182,7 +10040,7 @@
                   <a:srgbClr val="0070C0"/>
                 </a:solidFill>
               </a:rPr>
-              <a:t>“Prelim - Send by Email”</a:t>
+              <a:t>“Prepare (Prelim)”</a:t>
             </a:r>
             <a:endParaRPr lang="en-GB" sz="3600" dirty="0">
               <a:solidFill>
@@ -9195,7 +10053,7 @@
     </p:spTree>
     <p:extLst>
       <p:ext uri="{BB962C8B-B14F-4D97-AF65-F5344CB8AC3E}">
-        <p14:creationId xmlns:p14="http://schemas.microsoft.com/office/powerpoint/2010/main" val="1890064343"/>
+        <p14:creationId xmlns:p14="http://schemas.microsoft.com/office/powerpoint/2010/main" val="2296500290"/>
       </p:ext>
     </p:extLst>
   </p:cSld>
@@ -9272,7 +10130,7 @@
         <p:spPr>
           <a:xfrm>
             <a:off x="1140729" y="332656"/>
-            <a:ext cx="850361" cy="369332"/>
+            <a:ext cx="1262077" cy="369332"/>
           </a:xfrm>
           <a:prstGeom prst="rect">
             <a:avLst/>
@@ -9287,7 +10145,7 @@
           <a:p>
             <a:r>
               <a:rPr lang="en-GB" dirty="0" smtClean="0"/>
-              <a:t>Invoice</a:t>
+              <a:t>Transaction</a:t>
             </a:r>
             <a:endParaRPr lang="en-GB" dirty="0"/>
           </a:p>
@@ -9343,7 +10201,7 @@
         <p:spPr>
           <a:xfrm>
             <a:off x="2372135" y="3484433"/>
-            <a:ext cx="1165191" cy="646331"/>
+            <a:ext cx="1490729" cy="646331"/>
           </a:xfrm>
           <a:prstGeom prst="rect">
             <a:avLst/>
@@ -9358,7 +10216,7 @@
           <a:p>
             <a:r>
               <a:rPr lang="en-GB" dirty="0" smtClean="0"/>
-              <a:t>(Invoice)</a:t>
+              <a:t>(Prelim letter)</a:t>
             </a:r>
           </a:p>
           <a:p>
@@ -9441,6 +10299,124 @@
           </a:fontRef>
         </p:style>
       </p:cxnSp>
+      <p:pic>
+        <p:nvPicPr>
+          <p:cNvPr id="1029" name="Picture 5" descr="C:\GITHUB\incodehq\incode-module-communications\module\src\main\java\org\incode\module\communications\dom\impl\comms\Communication-email.png"/>
+          <p:cNvPicPr>
+            <a:picLocks noChangeAspect="1" noChangeArrowheads="1"/>
+          </p:cNvPicPr>
+          <p:nvPr/>
+        </p:nvPicPr>
+        <p:blipFill>
+          <a:blip r:embed="rId5">
+            <a:extLst>
+              <a:ext uri="{28A0092B-C50C-407E-A947-70E740481C1C}">
+                <a14:useLocalDpi xmlns:a14="http://schemas.microsoft.com/office/drawing/2010/main" val="0"/>
+              </a:ext>
+            </a:extLst>
+          </a:blip>
+          <a:srcRect/>
+          <a:stretch>
+            <a:fillRect/>
+          </a:stretch>
+        </p:blipFill>
+        <p:spPr bwMode="auto">
+          <a:xfrm>
+            <a:off x="6732240" y="2449322"/>
+            <a:ext cx="1163127" cy="1163127"/>
+          </a:xfrm>
+          <a:prstGeom prst="rect">
+            <a:avLst/>
+          </a:prstGeom>
+          <a:noFill/>
+          <a:extLst>
+            <a:ext uri="{909E8E84-426E-40DD-AFC4-6F175D3DCCD1}">
+              <a14:hiddenFill xmlns:a14="http://schemas.microsoft.com/office/drawing/2010/main">
+                <a:solidFill>
+                  <a:srgbClr val="FFFFFF"/>
+                </a:solidFill>
+              </a14:hiddenFill>
+            </a:ext>
+          </a:extLst>
+        </p:spPr>
+      </p:pic>
+      <p:sp>
+        <p:nvSpPr>
+          <p:cNvPr id="24" name="TextBox 23"/>
+          <p:cNvSpPr txBox="1"/>
+          <p:nvPr/>
+        </p:nvSpPr>
+        <p:spPr>
+          <a:xfrm>
+            <a:off x="6643394" y="3410684"/>
+            <a:ext cx="1673022" cy="646331"/>
+          </a:xfrm>
+          <a:prstGeom prst="rect">
+            <a:avLst/>
+          </a:prstGeom>
+          <a:noFill/>
+        </p:spPr>
+        <p:txBody>
+          <a:bodyPr wrap="none" rtlCol="0">
+            <a:spAutoFit/>
+          </a:bodyPr>
+          <a:lstStyle/>
+          <a:p>
+            <a:r>
+              <a:rPr lang="en-GB" dirty="0" smtClean="0"/>
+              <a:t>(Postal)</a:t>
+            </a:r>
+          </a:p>
+          <a:p>
+            <a:r>
+              <a:rPr lang="en-GB" dirty="0" smtClean="0"/>
+              <a:t>Communication</a:t>
+            </a:r>
+            <a:endParaRPr lang="en-GB" dirty="0"/>
+          </a:p>
+        </p:txBody>
+      </p:sp>
+      <p:pic>
+        <p:nvPicPr>
+          <p:cNvPr id="27" name="Picture 4" descr="C:\GITHUB\incodehq\incode-module-document\dom\src\main\java\org\incode\module\document\dom\impl\paperclips\Paperclip.png"/>
+          <p:cNvPicPr>
+            <a:picLocks noChangeAspect="1" noChangeArrowheads="1"/>
+          </p:cNvPicPr>
+          <p:nvPr/>
+        </p:nvPicPr>
+        <p:blipFill>
+          <a:blip r:embed="rId4">
+            <a:extLst>
+              <a:ext uri="{28A0092B-C50C-407E-A947-70E740481C1C}">
+                <a14:useLocalDpi xmlns:a14="http://schemas.microsoft.com/office/drawing/2010/main" val="0"/>
+              </a:ext>
+            </a:extLst>
+          </a:blip>
+          <a:srcRect/>
+          <a:stretch>
+            <a:fillRect/>
+          </a:stretch>
+        </p:blipFill>
+        <p:spPr bwMode="auto">
+          <a:xfrm>
+            <a:off x="4460367" y="2766119"/>
+            <a:ext cx="518865" cy="518865"/>
+          </a:xfrm>
+          <a:prstGeom prst="rect">
+            <a:avLst/>
+          </a:prstGeom>
+          <a:noFill/>
+          <a:extLst>
+            <a:ext uri="{909E8E84-426E-40DD-AFC4-6F175D3DCCD1}">
+              <a14:hiddenFill xmlns:a14="http://schemas.microsoft.com/office/drawing/2010/main">
+                <a:solidFill>
+                  <a:srgbClr val="FFFFFF"/>
+                </a:solidFill>
+              </a14:hiddenFill>
+            </a:ext>
+          </a:extLst>
+        </p:spPr>
+      </p:pic>
       <p:cxnSp>
         <p:nvCxnSpPr>
           <p:cNvPr id="29" name="Straight Connector 28"/>
@@ -9471,16 +10447,46 @@
           </a:fontRef>
         </p:style>
       </p:cxnSp>
-      <p:sp>
-        <p:nvSpPr>
-          <p:cNvPr id="10" name="TextBox 9"/>
+      <p:cxnSp>
+        <p:nvCxnSpPr>
+          <p:cNvPr id="30" name="Straight Connector 29"/>
+          <p:cNvCxnSpPr/>
+          <p:nvPr/>
+        </p:nvCxnSpPr>
+        <p:spPr>
+          <a:xfrm>
+            <a:off x="3380247" y="3004718"/>
+            <a:ext cx="3096344" cy="26167"/>
+          </a:xfrm>
+          <a:prstGeom prst="line">
+            <a:avLst/>
+          </a:prstGeom>
+        </p:spPr>
+        <p:style>
+          <a:lnRef idx="1">
+            <a:schemeClr val="accent1"/>
+          </a:lnRef>
+          <a:fillRef idx="0">
+            <a:schemeClr val="accent1"/>
+          </a:fillRef>
+          <a:effectRef idx="0">
+            <a:schemeClr val="accent1"/>
+          </a:effectRef>
+          <a:fontRef idx="minor">
+            <a:schemeClr val="tx1"/>
+          </a:fontRef>
+        </p:style>
+      </p:cxnSp>
+      <p:sp>
+        <p:nvSpPr>
+          <p:cNvPr id="20" name="TextBox 19"/>
           <p:cNvSpPr txBox="1"/>
           <p:nvPr/>
         </p:nvSpPr>
         <p:spPr>
           <a:xfrm>
             <a:off x="3203848" y="188640"/>
-            <a:ext cx="3720762" cy="646331"/>
+            <a:ext cx="4542910" cy="646331"/>
           </a:xfrm>
           <a:prstGeom prst="rect">
             <a:avLst/>
@@ -9496,18 +10502,14 @@
             <a:r>
               <a:rPr lang="en-GB" sz="3600" dirty="0" smtClean="0">
                 <a:solidFill>
-                  <a:schemeClr val="accent6">
-                    <a:lumMod val="75000"/>
-                  </a:schemeClr>
+                  <a:srgbClr val="0070C0"/>
                 </a:solidFill>
               </a:rPr>
-              <a:t>“Invoice - Prepare”</a:t>
+              <a:t>“Send by Post (Prelim)”</a:t>
             </a:r>
             <a:endParaRPr lang="en-GB" sz="3600" dirty="0">
               <a:solidFill>
-                <a:schemeClr val="accent6">
-                  <a:lumMod val="75000"/>
-                </a:schemeClr>
+                <a:srgbClr val="0070C0"/>
               </a:solidFill>
             </a:endParaRPr>
           </a:p>
@@ -9516,7 +10518,7 @@
     </p:spTree>
     <p:extLst>
       <p:ext uri="{BB962C8B-B14F-4D97-AF65-F5344CB8AC3E}">
-        <p14:creationId xmlns:p14="http://schemas.microsoft.com/office/powerpoint/2010/main" val="724597342"/>
+        <p14:creationId xmlns:p14="http://schemas.microsoft.com/office/powerpoint/2010/main" val="3120711065"/>
       </p:ext>
     </p:extLst>
   </p:cSld>
@@ -9593,7 +10595,7 @@
         <p:spPr>
           <a:xfrm>
             <a:off x="1140729" y="332656"/>
-            <a:ext cx="850361" cy="369332"/>
+            <a:ext cx="1262077" cy="369332"/>
           </a:xfrm>
           <a:prstGeom prst="rect">
             <a:avLst/>
@@ -9607,10 +10609,9 @@
           <a:lstStyle/>
           <a:p>
             <a:r>
-              <a:rPr lang="en-GB" dirty="0" smtClean="0"/>
-              <a:t>Invoice</a:t>
-            </a:r>
-            <a:endParaRPr lang="en-GB" dirty="0"/>
+              <a:rPr lang="en-GB" dirty="0"/>
+              <a:t>Transaction</a:t>
+            </a:r>
           </a:p>
         </p:txBody>
       </p:sp>
@@ -9664,7 +10665,7 @@
         <p:spPr>
           <a:xfrm>
             <a:off x="2372135" y="3484433"/>
-            <a:ext cx="1186992" cy="646331"/>
+            <a:ext cx="1490729" cy="646331"/>
           </a:xfrm>
           <a:prstGeom prst="rect">
             <a:avLst/>
@@ -9679,7 +10680,7 @@
           <a:p>
             <a:r>
               <a:rPr lang="en-GB" dirty="0" smtClean="0"/>
-              <a:t>(Invoice)</a:t>
+              <a:t>(Prelim letter)</a:t>
             </a:r>
           </a:p>
           <a:p>
@@ -9827,13 +10828,92 @@
           <a:p>
             <a:r>
               <a:rPr lang="en-GB" dirty="0" smtClean="0"/>
-              <a:t>(Postal)</a:t>
+              <a:t>(Email)</a:t>
             </a:r>
           </a:p>
           <a:p>
             <a:r>
               <a:rPr lang="en-GB" dirty="0" smtClean="0"/>
               <a:t>Communication</a:t>
+            </a:r>
+            <a:endParaRPr lang="en-GB" dirty="0"/>
+          </a:p>
+        </p:txBody>
+      </p:sp>
+      <p:pic>
+        <p:nvPicPr>
+          <p:cNvPr id="1030" name="Picture 6" descr="C:\GITHUB\incodehq\incode-module-document\dom\src\main\java\org\incode\module\document\dom\impl\docs\Document-html.png"/>
+          <p:cNvPicPr>
+            <a:picLocks noChangeAspect="1" noChangeArrowheads="1"/>
+          </p:cNvPicPr>
+          <p:nvPr/>
+        </p:nvPicPr>
+        <p:blipFill>
+          <a:blip r:embed="rId6">
+            <a:extLst>
+              <a:ext uri="{28A0092B-C50C-407E-A947-70E740481C1C}">
+                <a14:useLocalDpi xmlns:a14="http://schemas.microsoft.com/office/drawing/2010/main" val="0"/>
+              </a:ext>
+            </a:extLst>
+          </a:blip>
+          <a:srcRect/>
+          <a:stretch>
+            <a:fillRect/>
+          </a:stretch>
+        </p:blipFill>
+        <p:spPr bwMode="auto">
+          <a:xfrm>
+            <a:off x="4716016" y="4811548"/>
+            <a:ext cx="831384" cy="831384"/>
+          </a:xfrm>
+          <a:prstGeom prst="rect">
+            <a:avLst/>
+          </a:prstGeom>
+          <a:noFill/>
+          <a:extLst>
+            <a:ext uri="{909E8E84-426E-40DD-AFC4-6F175D3DCCD1}">
+              <a14:hiddenFill xmlns:a14="http://schemas.microsoft.com/office/drawing/2010/main">
+                <a:solidFill>
+                  <a:srgbClr val="FFFFFF"/>
+                </a:solidFill>
+              </a14:hiddenFill>
+            </a:ext>
+          </a:extLst>
+        </p:spPr>
+      </p:pic>
+      <p:sp>
+        <p:nvSpPr>
+          <p:cNvPr id="26" name="TextBox 25"/>
+          <p:cNvSpPr txBox="1"/>
+          <p:nvPr/>
+        </p:nvSpPr>
+        <p:spPr>
+          <a:xfrm>
+            <a:off x="4244343" y="5644673"/>
+            <a:ext cx="1892185" cy="646331"/>
+          </a:xfrm>
+          <a:prstGeom prst="rect">
+            <a:avLst/>
+          </a:prstGeom>
+          <a:noFill/>
+        </p:spPr>
+        <p:txBody>
+          <a:bodyPr wrap="none" rtlCol="0">
+            <a:spAutoFit/>
+          </a:bodyPr>
+          <a:lstStyle/>
+          <a:p>
+            <a:pPr algn="ctr"/>
+            <a:r>
+              <a:rPr lang="en-GB" dirty="0" smtClean="0"/>
+              <a:t>(Email cover note)</a:t>
+            </a:r>
+          </a:p>
+          <a:p>
+            <a:pPr algn="ctr"/>
+            <a:r>
+              <a:rPr lang="en-GB" dirty="0" smtClean="0"/>
+              <a:t>Document</a:t>
             </a:r>
             <a:endParaRPr lang="en-GB" dirty="0"/>
           </a:p>
@@ -9940,16 +11020,87 @@
           </a:fontRef>
         </p:style>
       </p:cxnSp>
-      <p:sp>
-        <p:nvSpPr>
-          <p:cNvPr id="15" name="TextBox 14"/>
+      <p:pic>
+        <p:nvPicPr>
+          <p:cNvPr id="33" name="Picture 4" descr="C:\GITHUB\incodehq\incode-module-document\dom\src\main\java\org\incode\module\document\dom\impl\paperclips\Paperclip.png"/>
+          <p:cNvPicPr>
+            <a:picLocks noChangeAspect="1" noChangeArrowheads="1"/>
+          </p:cNvPicPr>
+          <p:nvPr/>
+        </p:nvPicPr>
+        <p:blipFill>
+          <a:blip r:embed="rId4">
+            <a:extLst>
+              <a:ext uri="{28A0092B-C50C-407E-A947-70E740481C1C}">
+                <a14:useLocalDpi xmlns:a14="http://schemas.microsoft.com/office/drawing/2010/main" val="0"/>
+              </a:ext>
+            </a:extLst>
+          </a:blip>
+          <a:srcRect/>
+          <a:stretch>
+            <a:fillRect/>
+          </a:stretch>
+        </p:blipFill>
+        <p:spPr bwMode="auto">
+          <a:xfrm>
+            <a:off x="5813710" y="3933056"/>
+            <a:ext cx="518865" cy="518865"/>
+          </a:xfrm>
+          <a:prstGeom prst="rect">
+            <a:avLst/>
+          </a:prstGeom>
+          <a:noFill/>
+          <a:extLst>
+            <a:ext uri="{909E8E84-426E-40DD-AFC4-6F175D3DCCD1}">
+              <a14:hiddenFill xmlns:a14="http://schemas.microsoft.com/office/drawing/2010/main">
+                <a:solidFill>
+                  <a:srgbClr val="FFFFFF"/>
+                </a:solidFill>
+              </a14:hiddenFill>
+            </a:ext>
+          </a:extLst>
+        </p:spPr>
+      </p:pic>
+      <p:cxnSp>
+        <p:nvCxnSpPr>
+          <p:cNvPr id="35" name="Straight Connector 34"/>
+          <p:cNvCxnSpPr/>
+          <p:nvPr/>
+        </p:nvCxnSpPr>
+        <p:spPr>
+          <a:xfrm flipH="1">
+            <a:off x="5571709" y="3638125"/>
+            <a:ext cx="1048898" cy="1015011"/>
+          </a:xfrm>
+          <a:prstGeom prst="line">
+            <a:avLst/>
+          </a:prstGeom>
+        </p:spPr>
+        <p:style>
+          <a:lnRef idx="1">
+            <a:schemeClr val="accent1"/>
+          </a:lnRef>
+          <a:fillRef idx="0">
+            <a:schemeClr val="accent1"/>
+          </a:fillRef>
+          <a:effectRef idx="0">
+            <a:schemeClr val="accent1"/>
+          </a:effectRef>
+          <a:fontRef idx="minor">
+            <a:schemeClr val="tx1"/>
+          </a:fontRef>
+        </p:style>
+      </p:cxnSp>
+      <p:sp>
+        <p:nvSpPr>
+          <p:cNvPr id="37" name="TextBox 36"/>
           <p:cNvSpPr txBox="1"/>
           <p:nvPr/>
         </p:nvSpPr>
         <p:spPr>
           <a:xfrm>
             <a:off x="3203848" y="188640"/>
-            <a:ext cx="4652427" cy="646331"/>
+            <a:ext cx="4767331" cy="646331"/>
           </a:xfrm>
           <a:prstGeom prst="rect">
             <a:avLst/>
@@ -9965,18 +11116,14 @@
             <a:r>
               <a:rPr lang="en-GB" sz="3600" dirty="0" smtClean="0">
                 <a:solidFill>
-                  <a:schemeClr val="accent6">
-                    <a:lumMod val="75000"/>
-                  </a:schemeClr>
+                  <a:srgbClr val="0070C0"/>
                 </a:solidFill>
               </a:rPr>
-              <a:t>“Invoice - Send by Post”</a:t>
+              <a:t>“Send by Email (Prelim)”</a:t>
             </a:r>
             <a:endParaRPr lang="en-GB" sz="3600" dirty="0">
               <a:solidFill>
-                <a:schemeClr val="accent6">
-                  <a:lumMod val="75000"/>
-                </a:schemeClr>
+                <a:srgbClr val="0070C0"/>
               </a:solidFill>
             </a:endParaRPr>
           </a:p>
@@ -9985,20 +11132,13 @@
     </p:spTree>
     <p:extLst>
       <p:ext uri="{BB962C8B-B14F-4D97-AF65-F5344CB8AC3E}">
-        <p14:creationId xmlns:p14="http://schemas.microsoft.com/office/powerpoint/2010/main" val="1658366825"/>
+        <p14:creationId xmlns:p14="http://schemas.microsoft.com/office/powerpoint/2010/main" val="1890064343"/>
       </p:ext>
     </p:extLst>
   </p:cSld>
   <p:clrMapOvr>
     <a:masterClrMapping/>
   </p:clrMapOvr>
-  <p:timing>
-    <p:tnLst>
-      <p:par>
-        <p:cTn id="1" dur="indefinite" restart="never" nodeType="tmRoot"/>
-      </p:par>
-    </p:tnLst>
-  </p:timing>
 </p:sld>
 </file>
 
@@ -10019,612 +11159,39 @@
           <a:chExt cx="0" cy="0"/>
         </a:xfrm>
       </p:grpSpPr>
-      <p:pic>
-        <p:nvPicPr>
-          <p:cNvPr id="1026" name="Picture 2" descr="C:\GITHUB\estatio\estatio\estatioapp\module\invoice\dom\src\main\java\org\estatio\dom\invoice\Invoice.png"/>
-          <p:cNvPicPr>
-            <a:picLocks noChangeAspect="1" noChangeArrowheads="1"/>
-          </p:cNvPicPr>
-          <p:nvPr/>
-        </p:nvPicPr>
-        <p:blipFill>
-          <a:blip r:embed="rId2">
-            <a:extLst>
-              <a:ext uri="{28A0092B-C50C-407E-A947-70E740481C1C}">
-                <a14:useLocalDpi xmlns:a14="http://schemas.microsoft.com/office/drawing/2010/main" val="0"/>
-              </a:ext>
-            </a:extLst>
-          </a:blip>
-          <a:srcRect/>
-          <a:stretch>
-            <a:fillRect/>
-          </a:stretch>
-        </p:blipFill>
-        <p:spPr bwMode="auto">
-          <a:xfrm>
-            <a:off x="211895" y="332656"/>
-            <a:ext cx="916260" cy="916260"/>
-          </a:xfrm>
-          <a:prstGeom prst="rect">
-            <a:avLst/>
-          </a:prstGeom>
-          <a:noFill/>
-          <a:extLst>
-            <a:ext uri="{909E8E84-426E-40DD-AFC4-6F175D3DCCD1}">
-              <a14:hiddenFill xmlns:a14="http://schemas.microsoft.com/office/drawing/2010/main">
-                <a:solidFill>
-                  <a:srgbClr val="FFFFFF"/>
-                </a:solidFill>
-              </a14:hiddenFill>
-            </a:ext>
-          </a:extLst>
-        </p:spPr>
-      </p:pic>
-      <p:sp>
-        <p:nvSpPr>
-          <p:cNvPr id="9" name="TextBox 8"/>
-          <p:cNvSpPr txBox="1"/>
-          <p:nvPr/>
-        </p:nvSpPr>
-        <p:spPr>
-          <a:xfrm>
-            <a:off x="1140729" y="332656"/>
-            <a:ext cx="850361" cy="369332"/>
-          </a:xfrm>
-          <a:prstGeom prst="rect">
-            <a:avLst/>
-          </a:prstGeom>
-          <a:noFill/>
-        </p:spPr>
-        <p:txBody>
-          <a:bodyPr wrap="none" rtlCol="0">
-            <a:spAutoFit/>
-          </a:bodyPr>
+      <p:sp>
+        <p:nvSpPr>
+          <p:cNvPr id="2" name="Title 1"/>
+          <p:cNvSpPr>
+            <a:spLocks noGrp="1"/>
+          </p:cNvSpPr>
+          <p:nvPr>
+            <p:ph type="ctrTitle"/>
+          </p:nvPr>
+        </p:nvSpPr>
+        <p:spPr/>
+        <p:txBody>
+          <a:bodyPr/>
           <a:lstStyle/>
           <a:p>
             <a:r>
-              <a:rPr lang="en-GB" dirty="0" smtClean="0"/>
-              <a:t>Invoice</a:t>
+              <a:rPr lang="en-GB" smtClean="0"/>
+              <a:t>Invoice Documents</a:t>
             </a:r>
             <a:endParaRPr lang="en-GB" dirty="0"/>
-          </a:p>
-        </p:txBody>
-      </p:sp>
-      <p:pic>
-        <p:nvPicPr>
-          <p:cNvPr id="1027" name="Picture 3" descr="C:\GITHUB\incodehq\incode-module-document\dom\src\main\java\org\incode\module\document\dom\impl\docs\Document-pdf.png"/>
-          <p:cNvPicPr>
-            <a:picLocks noChangeAspect="1" noChangeArrowheads="1"/>
-          </p:cNvPicPr>
-          <p:nvPr/>
-        </p:nvPicPr>
-        <p:blipFill>
-          <a:blip r:embed="rId3">
-            <a:extLst>
-              <a:ext uri="{28A0092B-C50C-407E-A947-70E740481C1C}">
-                <a14:useLocalDpi xmlns:a14="http://schemas.microsoft.com/office/drawing/2010/main" val="0"/>
-              </a:ext>
-            </a:extLst>
-          </a:blip>
-          <a:srcRect/>
-          <a:stretch>
-            <a:fillRect/>
-          </a:stretch>
-        </p:blipFill>
-        <p:spPr bwMode="auto">
-          <a:xfrm>
-            <a:off x="2363960" y="2546588"/>
-            <a:ext cx="916260" cy="916260"/>
-          </a:xfrm>
-          <a:prstGeom prst="rect">
-            <a:avLst/>
-          </a:prstGeom>
-          <a:noFill/>
-          <a:extLst>
-            <a:ext uri="{909E8E84-426E-40DD-AFC4-6F175D3DCCD1}">
-              <a14:hiddenFill xmlns:a14="http://schemas.microsoft.com/office/drawing/2010/main">
-                <a:solidFill>
-                  <a:srgbClr val="FFFFFF"/>
-                </a:solidFill>
-              </a14:hiddenFill>
-            </a:ext>
-          </a:extLst>
-        </p:spPr>
-      </p:pic>
-      <p:sp>
-        <p:nvSpPr>
-          <p:cNvPr id="12" name="TextBox 11"/>
-          <p:cNvSpPr txBox="1"/>
-          <p:nvPr/>
-        </p:nvSpPr>
-        <p:spPr>
-          <a:xfrm>
-            <a:off x="2372135" y="3484433"/>
-            <a:ext cx="1165191" cy="646331"/>
-          </a:xfrm>
-          <a:prstGeom prst="rect">
-            <a:avLst/>
-          </a:prstGeom>
-          <a:noFill/>
-        </p:spPr>
-        <p:txBody>
-          <a:bodyPr wrap="none" rtlCol="0">
-            <a:spAutoFit/>
-          </a:bodyPr>
-          <a:lstStyle/>
-          <a:p>
-            <a:r>
-              <a:rPr lang="en-GB" dirty="0" smtClean="0"/>
-              <a:t>(Invoice)</a:t>
-            </a:r>
-          </a:p>
-          <a:p>
-            <a:r>
-              <a:rPr lang="en-GB" dirty="0" smtClean="0"/>
-              <a:t>Document</a:t>
-            </a:r>
-            <a:endParaRPr lang="en-GB" dirty="0"/>
-          </a:p>
-        </p:txBody>
-      </p:sp>
-      <p:pic>
-        <p:nvPicPr>
-          <p:cNvPr id="1028" name="Picture 4" descr="C:\GITHUB\incodehq\incode-module-document\dom\src\main\java\org\incode\module\document\dom\impl\paperclips\Paperclip.png"/>
-          <p:cNvPicPr>
-            <a:picLocks noChangeAspect="1" noChangeArrowheads="1"/>
-          </p:cNvPicPr>
-          <p:nvPr/>
-        </p:nvPicPr>
-        <p:blipFill>
-          <a:blip r:embed="rId4">
-            <a:extLst>
-              <a:ext uri="{28A0092B-C50C-407E-A947-70E740481C1C}">
-                <a14:useLocalDpi xmlns:a14="http://schemas.microsoft.com/office/drawing/2010/main" val="0"/>
-              </a:ext>
-            </a:extLst>
-          </a:blip>
-          <a:srcRect/>
-          <a:stretch>
-            <a:fillRect/>
-          </a:stretch>
-        </p:blipFill>
-        <p:spPr bwMode="auto">
-          <a:xfrm>
-            <a:off x="1331640" y="1667682"/>
-            <a:ext cx="518865" cy="518865"/>
-          </a:xfrm>
-          <a:prstGeom prst="rect">
-            <a:avLst/>
-          </a:prstGeom>
-          <a:noFill/>
-          <a:extLst>
-            <a:ext uri="{909E8E84-426E-40DD-AFC4-6F175D3DCCD1}">
-              <a14:hiddenFill xmlns:a14="http://schemas.microsoft.com/office/drawing/2010/main">
-                <a:solidFill>
-                  <a:srgbClr val="FFFFFF"/>
-                </a:solidFill>
-              </a14:hiddenFill>
-            </a:ext>
-          </a:extLst>
-        </p:spPr>
-      </p:pic>
-      <p:cxnSp>
-        <p:nvCxnSpPr>
-          <p:cNvPr id="11" name="Straight Connector 10"/>
-          <p:cNvCxnSpPr/>
-          <p:nvPr/>
-        </p:nvCxnSpPr>
-        <p:spPr>
-          <a:xfrm>
-            <a:off x="1074830" y="1387561"/>
-            <a:ext cx="1048898" cy="1015011"/>
-          </a:xfrm>
-          <a:prstGeom prst="line">
-            <a:avLst/>
-          </a:prstGeom>
-        </p:spPr>
-        <p:style>
-          <a:lnRef idx="1">
-            <a:schemeClr val="accent1"/>
-          </a:lnRef>
-          <a:fillRef idx="0">
-            <a:schemeClr val="accent1"/>
-          </a:fillRef>
-          <a:effectRef idx="0">
-            <a:schemeClr val="accent1"/>
-          </a:effectRef>
-          <a:fontRef idx="minor">
-            <a:schemeClr val="tx1"/>
-          </a:fontRef>
-        </p:style>
-      </p:cxnSp>
-      <p:pic>
-        <p:nvPicPr>
-          <p:cNvPr id="1029" name="Picture 5" descr="C:\GITHUB\incodehq\incode-module-communications\module\src\main\java\org\incode\module\communications\dom\impl\comms\Communication-email.png"/>
-          <p:cNvPicPr>
-            <a:picLocks noChangeAspect="1" noChangeArrowheads="1"/>
-          </p:cNvPicPr>
-          <p:nvPr/>
-        </p:nvPicPr>
-        <p:blipFill>
-          <a:blip r:embed="rId5">
-            <a:extLst>
-              <a:ext uri="{28A0092B-C50C-407E-A947-70E740481C1C}">
-                <a14:useLocalDpi xmlns:a14="http://schemas.microsoft.com/office/drawing/2010/main" val="0"/>
-              </a:ext>
-            </a:extLst>
-          </a:blip>
-          <a:srcRect/>
-          <a:stretch>
-            <a:fillRect/>
-          </a:stretch>
-        </p:blipFill>
-        <p:spPr bwMode="auto">
-          <a:xfrm>
-            <a:off x="6732240" y="2449322"/>
-            <a:ext cx="1163127" cy="1163127"/>
-          </a:xfrm>
-          <a:prstGeom prst="rect">
-            <a:avLst/>
-          </a:prstGeom>
-          <a:noFill/>
-          <a:extLst>
-            <a:ext uri="{909E8E84-426E-40DD-AFC4-6F175D3DCCD1}">
-              <a14:hiddenFill xmlns:a14="http://schemas.microsoft.com/office/drawing/2010/main">
-                <a:solidFill>
-                  <a:srgbClr val="FFFFFF"/>
-                </a:solidFill>
-              </a14:hiddenFill>
-            </a:ext>
-          </a:extLst>
-        </p:spPr>
-      </p:pic>
-      <p:sp>
-        <p:nvSpPr>
-          <p:cNvPr id="24" name="TextBox 23"/>
-          <p:cNvSpPr txBox="1"/>
-          <p:nvPr/>
-        </p:nvSpPr>
-        <p:spPr>
-          <a:xfrm>
-            <a:off x="6643394" y="3410684"/>
-            <a:ext cx="1673022" cy="646331"/>
-          </a:xfrm>
-          <a:prstGeom prst="rect">
-            <a:avLst/>
-          </a:prstGeom>
-          <a:noFill/>
-        </p:spPr>
-        <p:txBody>
-          <a:bodyPr wrap="none" rtlCol="0">
-            <a:spAutoFit/>
-          </a:bodyPr>
-          <a:lstStyle/>
-          <a:p>
-            <a:r>
-              <a:rPr lang="en-GB" dirty="0" smtClean="0"/>
-              <a:t>(Email)</a:t>
-            </a:r>
-          </a:p>
-          <a:p>
-            <a:r>
-              <a:rPr lang="en-GB" dirty="0" smtClean="0"/>
-              <a:t>Communication</a:t>
-            </a:r>
-            <a:endParaRPr lang="en-GB" dirty="0"/>
-          </a:p>
-        </p:txBody>
-      </p:sp>
-      <p:pic>
-        <p:nvPicPr>
-          <p:cNvPr id="1030" name="Picture 6" descr="C:\GITHUB\incodehq\incode-module-document\dom\src\main\java\org\incode\module\document\dom\impl\docs\Document-html.png"/>
-          <p:cNvPicPr>
-            <a:picLocks noChangeAspect="1" noChangeArrowheads="1"/>
-          </p:cNvPicPr>
-          <p:nvPr/>
-        </p:nvPicPr>
-        <p:blipFill>
-          <a:blip r:embed="rId6">
-            <a:extLst>
-              <a:ext uri="{28A0092B-C50C-407E-A947-70E740481C1C}">
-                <a14:useLocalDpi xmlns:a14="http://schemas.microsoft.com/office/drawing/2010/main" val="0"/>
-              </a:ext>
-            </a:extLst>
-          </a:blip>
-          <a:srcRect/>
-          <a:stretch>
-            <a:fillRect/>
-          </a:stretch>
-        </p:blipFill>
-        <p:spPr bwMode="auto">
-          <a:xfrm>
-            <a:off x="4716016" y="4811548"/>
-            <a:ext cx="831384" cy="831384"/>
-          </a:xfrm>
-          <a:prstGeom prst="rect">
-            <a:avLst/>
-          </a:prstGeom>
-          <a:noFill/>
-          <a:extLst>
-            <a:ext uri="{909E8E84-426E-40DD-AFC4-6F175D3DCCD1}">
-              <a14:hiddenFill xmlns:a14="http://schemas.microsoft.com/office/drawing/2010/main">
-                <a:solidFill>
-                  <a:srgbClr val="FFFFFF"/>
-                </a:solidFill>
-              </a14:hiddenFill>
-            </a:ext>
-          </a:extLst>
-        </p:spPr>
-      </p:pic>
-      <p:sp>
-        <p:nvSpPr>
-          <p:cNvPr id="26" name="TextBox 25"/>
-          <p:cNvSpPr txBox="1"/>
-          <p:nvPr/>
-        </p:nvSpPr>
-        <p:spPr>
-          <a:xfrm>
-            <a:off x="4244343" y="5644673"/>
-            <a:ext cx="1892185" cy="646331"/>
-          </a:xfrm>
-          <a:prstGeom prst="rect">
-            <a:avLst/>
-          </a:prstGeom>
-          <a:noFill/>
-        </p:spPr>
-        <p:txBody>
-          <a:bodyPr wrap="none" rtlCol="0">
-            <a:spAutoFit/>
-          </a:bodyPr>
-          <a:lstStyle/>
-          <a:p>
-            <a:pPr algn="ctr"/>
-            <a:r>
-              <a:rPr lang="en-GB" dirty="0" smtClean="0"/>
-              <a:t>(Email cover note)</a:t>
-            </a:r>
-          </a:p>
-          <a:p>
-            <a:pPr algn="ctr"/>
-            <a:r>
-              <a:rPr lang="en-GB" dirty="0" smtClean="0"/>
-              <a:t>Document</a:t>
-            </a:r>
-            <a:endParaRPr lang="en-GB" dirty="0"/>
-          </a:p>
-        </p:txBody>
-      </p:sp>
-      <p:pic>
-        <p:nvPicPr>
-          <p:cNvPr id="27" name="Picture 4" descr="C:\GITHUB\incodehq\incode-module-document\dom\src\main\java\org\incode\module\document\dom\impl\paperclips\Paperclip.png"/>
-          <p:cNvPicPr>
-            <a:picLocks noChangeAspect="1" noChangeArrowheads="1"/>
-          </p:cNvPicPr>
-          <p:nvPr/>
-        </p:nvPicPr>
-        <p:blipFill>
-          <a:blip r:embed="rId4">
-            <a:extLst>
-              <a:ext uri="{28A0092B-C50C-407E-A947-70E740481C1C}">
-                <a14:useLocalDpi xmlns:a14="http://schemas.microsoft.com/office/drawing/2010/main" val="0"/>
-              </a:ext>
-            </a:extLst>
-          </a:blip>
-          <a:srcRect/>
-          <a:stretch>
-            <a:fillRect/>
-          </a:stretch>
-        </p:blipFill>
-        <p:spPr bwMode="auto">
-          <a:xfrm>
-            <a:off x="4460367" y="2766119"/>
-            <a:ext cx="518865" cy="518865"/>
-          </a:xfrm>
-          <a:prstGeom prst="rect">
-            <a:avLst/>
-          </a:prstGeom>
-          <a:noFill/>
-          <a:extLst>
-            <a:ext uri="{909E8E84-426E-40DD-AFC4-6F175D3DCCD1}">
-              <a14:hiddenFill xmlns:a14="http://schemas.microsoft.com/office/drawing/2010/main">
-                <a:solidFill>
-                  <a:srgbClr val="FFFFFF"/>
-                </a:solidFill>
-              </a14:hiddenFill>
-            </a:ext>
-          </a:extLst>
-        </p:spPr>
-      </p:pic>
-      <p:cxnSp>
-        <p:nvCxnSpPr>
-          <p:cNvPr id="29" name="Straight Connector 28"/>
-          <p:cNvCxnSpPr/>
-          <p:nvPr/>
-        </p:nvCxnSpPr>
-        <p:spPr>
-          <a:xfrm>
-            <a:off x="1227230" y="1539961"/>
-            <a:ext cx="1048898" cy="1015011"/>
-          </a:xfrm>
-          <a:prstGeom prst="line">
-            <a:avLst/>
-          </a:prstGeom>
-        </p:spPr>
-        <p:style>
-          <a:lnRef idx="1">
-            <a:schemeClr val="accent1"/>
-          </a:lnRef>
-          <a:fillRef idx="0">
-            <a:schemeClr val="accent1"/>
-          </a:fillRef>
-          <a:effectRef idx="0">
-            <a:schemeClr val="accent1"/>
-          </a:effectRef>
-          <a:fontRef idx="minor">
-            <a:schemeClr val="tx1"/>
-          </a:fontRef>
-        </p:style>
-      </p:cxnSp>
-      <p:cxnSp>
-        <p:nvCxnSpPr>
-          <p:cNvPr id="30" name="Straight Connector 29"/>
-          <p:cNvCxnSpPr/>
-          <p:nvPr/>
-        </p:nvCxnSpPr>
-        <p:spPr>
-          <a:xfrm>
-            <a:off x="3380247" y="3004718"/>
-            <a:ext cx="3096344" cy="26167"/>
-          </a:xfrm>
-          <a:prstGeom prst="line">
-            <a:avLst/>
-          </a:prstGeom>
-        </p:spPr>
-        <p:style>
-          <a:lnRef idx="1">
-            <a:schemeClr val="accent1"/>
-          </a:lnRef>
-          <a:fillRef idx="0">
-            <a:schemeClr val="accent1"/>
-          </a:fillRef>
-          <a:effectRef idx="0">
-            <a:schemeClr val="accent1"/>
-          </a:effectRef>
-          <a:fontRef idx="minor">
-            <a:schemeClr val="tx1"/>
-          </a:fontRef>
-        </p:style>
-      </p:cxnSp>
-      <p:pic>
-        <p:nvPicPr>
-          <p:cNvPr id="33" name="Picture 4" descr="C:\GITHUB\incodehq\incode-module-document\dom\src\main\java\org\incode\module\document\dom\impl\paperclips\Paperclip.png"/>
-          <p:cNvPicPr>
-            <a:picLocks noChangeAspect="1" noChangeArrowheads="1"/>
-          </p:cNvPicPr>
-          <p:nvPr/>
-        </p:nvPicPr>
-        <p:blipFill>
-          <a:blip r:embed="rId4">
-            <a:extLst>
-              <a:ext uri="{28A0092B-C50C-407E-A947-70E740481C1C}">
-                <a14:useLocalDpi xmlns:a14="http://schemas.microsoft.com/office/drawing/2010/main" val="0"/>
-              </a:ext>
-            </a:extLst>
-          </a:blip>
-          <a:srcRect/>
-          <a:stretch>
-            <a:fillRect/>
-          </a:stretch>
-        </p:blipFill>
-        <p:spPr bwMode="auto">
-          <a:xfrm>
-            <a:off x="5813710" y="3933056"/>
-            <a:ext cx="518865" cy="518865"/>
-          </a:xfrm>
-          <a:prstGeom prst="rect">
-            <a:avLst/>
-          </a:prstGeom>
-          <a:noFill/>
-          <a:extLst>
-            <a:ext uri="{909E8E84-426E-40DD-AFC4-6F175D3DCCD1}">
-              <a14:hiddenFill xmlns:a14="http://schemas.microsoft.com/office/drawing/2010/main">
-                <a:solidFill>
-                  <a:srgbClr val="FFFFFF"/>
-                </a:solidFill>
-              </a14:hiddenFill>
-            </a:ext>
-          </a:extLst>
-        </p:spPr>
-      </p:pic>
-      <p:cxnSp>
-        <p:nvCxnSpPr>
-          <p:cNvPr id="35" name="Straight Connector 34"/>
-          <p:cNvCxnSpPr/>
-          <p:nvPr/>
-        </p:nvCxnSpPr>
-        <p:spPr>
-          <a:xfrm flipH="1">
-            <a:off x="5571709" y="3638125"/>
-            <a:ext cx="1048898" cy="1015011"/>
-          </a:xfrm>
-          <a:prstGeom prst="line">
-            <a:avLst/>
-          </a:prstGeom>
-        </p:spPr>
-        <p:style>
-          <a:lnRef idx="1">
-            <a:schemeClr val="accent1"/>
-          </a:lnRef>
-          <a:fillRef idx="0">
-            <a:schemeClr val="accent1"/>
-          </a:fillRef>
-          <a:effectRef idx="0">
-            <a:schemeClr val="accent1"/>
-          </a:effectRef>
-          <a:fontRef idx="minor">
-            <a:schemeClr val="tx1"/>
-          </a:fontRef>
-        </p:style>
-      </p:cxnSp>
-      <p:sp>
-        <p:nvSpPr>
-          <p:cNvPr id="20" name="TextBox 19"/>
-          <p:cNvSpPr txBox="1"/>
-          <p:nvPr/>
-        </p:nvSpPr>
-        <p:spPr>
-          <a:xfrm>
-            <a:off x="3203848" y="188640"/>
-            <a:ext cx="4860818" cy="646331"/>
-          </a:xfrm>
-          <a:prstGeom prst="rect">
-            <a:avLst/>
-          </a:prstGeom>
-          <a:noFill/>
-        </p:spPr>
-        <p:txBody>
-          <a:bodyPr wrap="none" rtlCol="0">
-            <a:spAutoFit/>
-          </a:bodyPr>
-          <a:lstStyle/>
-          <a:p>
-            <a:r>
-              <a:rPr lang="en-GB" sz="3600" dirty="0" smtClean="0">
-                <a:solidFill>
-                  <a:schemeClr val="accent6">
-                    <a:lumMod val="75000"/>
-                  </a:schemeClr>
-                </a:solidFill>
-              </a:rPr>
-              <a:t>“Invoice - Send by Email”</a:t>
-            </a:r>
-            <a:endParaRPr lang="en-GB" sz="3600" dirty="0">
-              <a:solidFill>
-                <a:schemeClr val="accent6">
-                  <a:lumMod val="75000"/>
-                </a:schemeClr>
-              </a:solidFill>
-            </a:endParaRPr>
           </a:p>
         </p:txBody>
       </p:sp>
     </p:spTree>
     <p:extLst>
       <p:ext uri="{BB962C8B-B14F-4D97-AF65-F5344CB8AC3E}">
-        <p14:creationId xmlns:p14="http://schemas.microsoft.com/office/powerpoint/2010/main" val="2067663931"/>
+        <p14:creationId xmlns:p14="http://schemas.microsoft.com/office/powerpoint/2010/main" val="3241106739"/>
       </p:ext>
     </p:extLst>
   </p:cSld>
   <p:clrMapOvr>
     <a:masterClrMapping/>
   </p:clrMapOvr>
-  <p:timing>
-    <p:tnLst>
-      <p:par>
-        <p:cTn id="1" dur="indefinite" restart="never" nodeType="tmRoot"/>
-      </p:par>
-    </p:tnLst>
-  </p:timing>
 </p:sld>
 </file>
 
@@ -10695,7 +11262,7 @@
         <p:spPr>
           <a:xfrm>
             <a:off x="1140729" y="332656"/>
-            <a:ext cx="850361" cy="369332"/>
+            <a:ext cx="1262077" cy="369332"/>
           </a:xfrm>
           <a:prstGeom prst="rect">
             <a:avLst/>
@@ -10710,29 +11277,64 @@
           <a:p>
             <a:r>
               <a:rPr lang="en-GB" dirty="0" smtClean="0"/>
-              <a:t>Invoice</a:t>
+              <a:t>Transaction</a:t>
             </a:r>
             <a:endParaRPr lang="en-GB" dirty="0"/>
+          </a:p>
+        </p:txBody>
+      </p:sp>
+      <p:sp>
+        <p:nvSpPr>
+          <p:cNvPr id="5" name="TextBox 4"/>
+          <p:cNvSpPr txBox="1"/>
+          <p:nvPr/>
+        </p:nvSpPr>
+        <p:spPr>
+          <a:xfrm>
+            <a:off x="3193838" y="188640"/>
+            <a:ext cx="1902316" cy="646331"/>
+          </a:xfrm>
+          <a:prstGeom prst="rect">
+            <a:avLst/>
+          </a:prstGeom>
+          <a:noFill/>
+        </p:spPr>
+        <p:txBody>
+          <a:bodyPr wrap="none" rtlCol="0">
+            <a:spAutoFit/>
+          </a:bodyPr>
+          <a:lstStyle/>
+          <a:p>
+            <a:r>
+              <a:rPr lang="en-GB" sz="3600" dirty="0" smtClean="0">
+                <a:solidFill>
+                  <a:schemeClr val="accent6">
+                    <a:lumMod val="75000"/>
+                  </a:schemeClr>
+                </a:solidFill>
+              </a:rPr>
+              <a:t>“Invoice”</a:t>
+            </a:r>
+            <a:endParaRPr lang="en-GB" sz="3600" dirty="0">
+              <a:solidFill>
+                <a:schemeClr val="accent6">
+                  <a:lumMod val="75000"/>
+                </a:schemeClr>
+              </a:solidFill>
+            </a:endParaRPr>
           </a:p>
         </p:txBody>
       </p:sp>
     </p:spTree>
     <p:extLst>
       <p:ext uri="{BB962C8B-B14F-4D97-AF65-F5344CB8AC3E}">
-        <p14:creationId xmlns:p14="http://schemas.microsoft.com/office/powerpoint/2010/main" val="1357325120"/>
+        <p14:creationId xmlns:p14="http://schemas.microsoft.com/office/powerpoint/2010/main" val="3075901192"/>
       </p:ext>
     </p:extLst>
   </p:cSld>
   <p:clrMapOvr>
     <a:masterClrMapping/>
   </p:clrMapOvr>
-  <p:timing>
-    <p:tnLst>
-      <p:par>
-        <p:cTn id="1" dur="indefinite" restart="never" nodeType="tmRoot"/>
-      </p:par>
-    </p:tnLst>
-  </p:timing>
 </p:sld>
 </file>
 
@@ -10803,7 +11405,7 @@
         <p:spPr>
           <a:xfrm>
             <a:off x="1140729" y="332656"/>
-            <a:ext cx="850361" cy="369332"/>
+            <a:ext cx="1262077" cy="369332"/>
           </a:xfrm>
           <a:prstGeom prst="rect">
             <a:avLst/>
@@ -10817,10 +11419,9 @@
           <a:lstStyle/>
           <a:p>
             <a:r>
-              <a:rPr lang="en-GB" dirty="0" smtClean="0"/>
-              <a:t>Invoice</a:t>
-            </a:r>
-            <a:endParaRPr lang="en-GB" dirty="0"/>
+              <a:rPr lang="en-GB" dirty="0"/>
+              <a:t>Transaction</a:t>
+            </a:r>
           </a:p>
         </p:txBody>
       </p:sp>
@@ -11011,7 +11612,7 @@
         <p:spPr>
           <a:xfrm>
             <a:off x="3203848" y="188640"/>
-            <a:ext cx="2041585" cy="646331"/>
+            <a:ext cx="3754426" cy="646331"/>
           </a:xfrm>
           <a:prstGeom prst="rect">
             <a:avLst/>
@@ -11027,14 +11628,18 @@
             <a:r>
               <a:rPr lang="en-GB" sz="3600" dirty="0" smtClean="0">
                 <a:solidFill>
-                  <a:srgbClr val="00B050"/>
+                  <a:schemeClr val="accent6">
+                    <a:lumMod val="75000"/>
+                  </a:schemeClr>
                 </a:solidFill>
               </a:rPr>
-              <a:t>“Prepare”</a:t>
+              <a:t>“Prepare (Invoice)”</a:t>
             </a:r>
             <a:endParaRPr lang="en-GB" sz="3600" dirty="0">
               <a:solidFill>
-                <a:srgbClr val="00B050"/>
+                <a:schemeClr val="accent6">
+                  <a:lumMod val="75000"/>
+                </a:schemeClr>
               </a:solidFill>
             </a:endParaRPr>
           </a:p>
@@ -11043,20 +11648,13 @@
     </p:spTree>
     <p:extLst>
       <p:ext uri="{BB962C8B-B14F-4D97-AF65-F5344CB8AC3E}">
-        <p14:creationId xmlns:p14="http://schemas.microsoft.com/office/powerpoint/2010/main" val="3257965985"/>
+        <p14:creationId xmlns:p14="http://schemas.microsoft.com/office/powerpoint/2010/main" val="724597342"/>
       </p:ext>
     </p:extLst>
   </p:cSld>
   <p:clrMapOvr>
     <a:masterClrMapping/>
   </p:clrMapOvr>
-  <p:timing>
-    <p:tnLst>
-      <p:par>
-        <p:cTn id="1" dur="indefinite" restart="never" nodeType="tmRoot"/>
-      </p:par>
-    </p:tnLst>
-  </p:timing>
 </p:sld>
 </file>
 
@@ -11127,7 +11725,7 @@
         <p:spPr>
           <a:xfrm>
             <a:off x="1140729" y="332656"/>
-            <a:ext cx="850361" cy="369332"/>
+            <a:ext cx="1262077" cy="369332"/>
           </a:xfrm>
           <a:prstGeom prst="rect">
             <a:avLst/>
@@ -11141,10 +11739,9 @@
           <a:lstStyle/>
           <a:p>
             <a:r>
-              <a:rPr lang="en-GB" dirty="0" smtClean="0"/>
-              <a:t>Invoice</a:t>
-            </a:r>
-            <a:endParaRPr lang="en-GB" dirty="0"/>
+              <a:rPr lang="en-GB" dirty="0"/>
+              <a:t>Transaction</a:t>
+            </a:r>
           </a:p>
         </p:txBody>
       </p:sp>
@@ -11198,7 +11795,7 @@
         <p:spPr>
           <a:xfrm>
             <a:off x="2372135" y="3484433"/>
-            <a:ext cx="1165191" cy="646331"/>
+            <a:ext cx="1186992" cy="646331"/>
           </a:xfrm>
           <a:prstGeom prst="rect">
             <a:avLst/>
@@ -11217,85 +11814,6 @@
             </a:r>
           </a:p>
           <a:p>
-            <a:r>
-              <a:rPr lang="en-GB" dirty="0" smtClean="0"/>
-              <a:t>Document</a:t>
-            </a:r>
-            <a:endParaRPr lang="en-GB" dirty="0"/>
-          </a:p>
-        </p:txBody>
-      </p:sp>
-      <p:pic>
-        <p:nvPicPr>
-          <p:cNvPr id="13" name="Picture 3" descr="C:\GITHUB\incodehq\incode-module-document\dom\src\main\java\org\incode\module\document\dom\impl\docs\Document-pdf.png"/>
-          <p:cNvPicPr>
-            <a:picLocks noChangeAspect="1" noChangeArrowheads="1"/>
-          </p:cNvPicPr>
-          <p:nvPr/>
-        </p:nvPicPr>
-        <p:blipFill>
-          <a:blip r:embed="rId3">
-            <a:extLst>
-              <a:ext uri="{28A0092B-C50C-407E-A947-70E740481C1C}">
-                <a14:useLocalDpi xmlns:a14="http://schemas.microsoft.com/office/drawing/2010/main" val="0"/>
-              </a:ext>
-            </a:extLst>
-          </a:blip>
-          <a:srcRect/>
-          <a:stretch>
-            <a:fillRect/>
-          </a:stretch>
-        </p:blipFill>
-        <p:spPr bwMode="auto">
-          <a:xfrm>
-            <a:off x="827584" y="4785735"/>
-            <a:ext cx="916260" cy="916260"/>
-          </a:xfrm>
-          <a:prstGeom prst="rect">
-            <a:avLst/>
-          </a:prstGeom>
-          <a:noFill/>
-          <a:extLst>
-            <a:ext uri="{909E8E84-426E-40DD-AFC4-6F175D3DCCD1}">
-              <a14:hiddenFill xmlns:a14="http://schemas.microsoft.com/office/drawing/2010/main">
-                <a:solidFill>
-                  <a:srgbClr val="FFFFFF"/>
-                </a:solidFill>
-              </a14:hiddenFill>
-            </a:ext>
-          </a:extLst>
-        </p:spPr>
-      </p:pic>
-      <p:sp>
-        <p:nvSpPr>
-          <p:cNvPr id="14" name="TextBox 13"/>
-          <p:cNvSpPr txBox="1"/>
-          <p:nvPr/>
-        </p:nvSpPr>
-        <p:spPr>
-          <a:xfrm>
-            <a:off x="715951" y="5733913"/>
-            <a:ext cx="1337097" cy="646331"/>
-          </a:xfrm>
-          <a:prstGeom prst="rect">
-            <a:avLst/>
-          </a:prstGeom>
-          <a:noFill/>
-        </p:spPr>
-        <p:txBody>
-          <a:bodyPr wrap="none" rtlCol="0">
-            <a:spAutoFit/>
-          </a:bodyPr>
-          <a:lstStyle/>
-          <a:p>
-            <a:pPr algn="ctr"/>
-            <a:r>
-              <a:rPr lang="en-GB" dirty="0" smtClean="0"/>
-              <a:t>(Tax receipt)</a:t>
-            </a:r>
-          </a:p>
-          <a:p>
-            <a:pPr algn="ctr"/>
             <a:r>
               <a:rPr lang="en-GB" dirty="0" smtClean="0"/>
               <a:t>Document</a:t>
@@ -11377,7 +11895,84 @@
       </p:cxnSp>
       <p:pic>
         <p:nvPicPr>
-          <p:cNvPr id="20" name="Picture 4" descr="C:\GITHUB\incodehq\incode-module-document\dom\src\main\java\org\incode\module\document\dom\impl\paperclips\Paperclip.png"/>
+          <p:cNvPr id="1029" name="Picture 5" descr="C:\GITHUB\incodehq\incode-module-communications\module\src\main\java\org\incode\module\communications\dom\impl\comms\Communication-email.png"/>
+          <p:cNvPicPr>
+            <a:picLocks noChangeAspect="1" noChangeArrowheads="1"/>
+          </p:cNvPicPr>
+          <p:nvPr/>
+        </p:nvPicPr>
+        <p:blipFill>
+          <a:blip r:embed="rId5">
+            <a:extLst>
+              <a:ext uri="{28A0092B-C50C-407E-A947-70E740481C1C}">
+                <a14:useLocalDpi xmlns:a14="http://schemas.microsoft.com/office/drawing/2010/main" val="0"/>
+              </a:ext>
+            </a:extLst>
+          </a:blip>
+          <a:srcRect/>
+          <a:stretch>
+            <a:fillRect/>
+          </a:stretch>
+        </p:blipFill>
+        <p:spPr bwMode="auto">
+          <a:xfrm>
+            <a:off x="6732240" y="2449322"/>
+            <a:ext cx="1163127" cy="1163127"/>
+          </a:xfrm>
+          <a:prstGeom prst="rect">
+            <a:avLst/>
+          </a:prstGeom>
+          <a:noFill/>
+          <a:extLst>
+            <a:ext uri="{909E8E84-426E-40DD-AFC4-6F175D3DCCD1}">
+              <a14:hiddenFill xmlns:a14="http://schemas.microsoft.com/office/drawing/2010/main">
+                <a:solidFill>
+                  <a:srgbClr val="FFFFFF"/>
+                </a:solidFill>
+              </a14:hiddenFill>
+            </a:ext>
+          </a:extLst>
+        </p:spPr>
+      </p:pic>
+      <p:sp>
+        <p:nvSpPr>
+          <p:cNvPr id="24" name="TextBox 23"/>
+          <p:cNvSpPr txBox="1"/>
+          <p:nvPr/>
+        </p:nvSpPr>
+        <p:spPr>
+          <a:xfrm>
+            <a:off x="6643394" y="3410684"/>
+            <a:ext cx="1673022" cy="646331"/>
+          </a:xfrm>
+          <a:prstGeom prst="rect">
+            <a:avLst/>
+          </a:prstGeom>
+          <a:noFill/>
+        </p:spPr>
+        <p:txBody>
+          <a:bodyPr wrap="none" rtlCol="0">
+            <a:spAutoFit/>
+          </a:bodyPr>
+          <a:lstStyle/>
+          <a:p>
+            <a:r>
+              <a:rPr lang="en-GB" dirty="0" smtClean="0"/>
+              <a:t>(Postal)</a:t>
+            </a:r>
+          </a:p>
+          <a:p>
+            <a:r>
+              <a:rPr lang="en-GB" dirty="0" smtClean="0"/>
+              <a:t>Communication</a:t>
+            </a:r>
+            <a:endParaRPr lang="en-GB" dirty="0"/>
+          </a:p>
+        </p:txBody>
+      </p:sp>
+      <p:pic>
+        <p:nvPicPr>
+          <p:cNvPr id="27" name="Picture 4" descr="C:\GITHUB\incodehq\incode-module-document\dom\src\main\java\org\incode\module\document\dom\impl\paperclips\Paperclip.png"/>
           <p:cNvPicPr>
             <a:picLocks noChangeAspect="1" noChangeArrowheads="1"/>
           </p:cNvPicPr>
@@ -11398,7 +11993,7 @@
         </p:blipFill>
         <p:spPr bwMode="auto">
           <a:xfrm>
-            <a:off x="1619505" y="3906829"/>
+            <a:off x="4460367" y="2766119"/>
             <a:ext cx="518865" cy="518865"/>
           </a:xfrm>
           <a:prstGeom prst="rect">
@@ -11418,13 +12013,13 @@
       </p:pic>
       <p:cxnSp>
         <p:nvCxnSpPr>
-          <p:cNvPr id="21" name="Straight Connector 20"/>
+          <p:cNvPr id="29" name="Straight Connector 28"/>
           <p:cNvCxnSpPr/>
           <p:nvPr/>
         </p:nvCxnSpPr>
         <p:spPr>
-          <a:xfrm flipH="1">
-            <a:off x="1362695" y="3626708"/>
+          <a:xfrm>
+            <a:off x="1227230" y="1539961"/>
             <a:ext cx="1048898" cy="1015011"/>
           </a:xfrm>
           <a:prstGeom prst="line">
@@ -11448,14 +12043,14 @@
       </p:cxnSp>
       <p:cxnSp>
         <p:nvCxnSpPr>
-          <p:cNvPr id="29" name="Straight Connector 28"/>
+          <p:cNvPr id="30" name="Straight Connector 29"/>
           <p:cNvCxnSpPr/>
           <p:nvPr/>
         </p:nvCxnSpPr>
         <p:spPr>
           <a:xfrm>
-            <a:off x="1227230" y="1539961"/>
-            <a:ext cx="1048898" cy="1015011"/>
+            <a:off x="3380247" y="3004718"/>
+            <a:ext cx="3096344" cy="26167"/>
           </a:xfrm>
           <a:prstGeom prst="line">
             <a:avLst/>
@@ -11478,14 +12073,14 @@
       </p:cxnSp>
       <p:sp>
         <p:nvSpPr>
-          <p:cNvPr id="25" name="TextBox 24"/>
+          <p:cNvPr id="15" name="TextBox 14"/>
           <p:cNvSpPr txBox="1"/>
           <p:nvPr/>
         </p:nvSpPr>
         <p:spPr>
           <a:xfrm>
             <a:off x="3203848" y="188640"/>
-            <a:ext cx="2583271" cy="646331"/>
+            <a:ext cx="4670061" cy="646331"/>
           </a:xfrm>
           <a:prstGeom prst="rect">
             <a:avLst/>
@@ -11501,14 +12096,18 @@
             <a:r>
               <a:rPr lang="en-GB" sz="3600" dirty="0" smtClean="0">
                 <a:solidFill>
-                  <a:srgbClr val="00B050"/>
+                  <a:schemeClr val="accent6">
+                    <a:lumMod val="75000"/>
+                  </a:schemeClr>
                 </a:solidFill>
               </a:rPr>
-              <a:t>“Attach PDF”</a:t>
+              <a:t>“Send by Post (Invoice)”</a:t>
             </a:r>
             <a:endParaRPr lang="en-GB" sz="3600" dirty="0">
               <a:solidFill>
-                <a:srgbClr val="00B050"/>
+                <a:schemeClr val="accent6">
+                  <a:lumMod val="75000"/>
+                </a:schemeClr>
               </a:solidFill>
             </a:endParaRPr>
           </a:p>
@@ -11517,7 +12116,7 @@
     </p:spTree>
     <p:extLst>
       <p:ext uri="{BB962C8B-B14F-4D97-AF65-F5344CB8AC3E}">
-        <p14:creationId xmlns:p14="http://schemas.microsoft.com/office/powerpoint/2010/main" val="3395648477"/>
+        <p14:creationId xmlns:p14="http://schemas.microsoft.com/office/powerpoint/2010/main" val="1658366825"/>
       </p:ext>
     </p:extLst>
   </p:cSld>

--- a/docs/docs-and-comms/attachments.pptx
+++ b/docs/docs-and-comms/attachments.pptx
@@ -15,19 +15,13 @@
     <p:sldId id="262" r:id="rId9"/>
     <p:sldId id="264" r:id="rId10"/>
     <p:sldId id="263" r:id="rId11"/>
-    <p:sldId id="281" r:id="rId12"/>
-    <p:sldId id="276" r:id="rId13"/>
-    <p:sldId id="267" r:id="rId14"/>
-    <p:sldId id="266" r:id="rId15"/>
-    <p:sldId id="257" r:id="rId16"/>
-    <p:sldId id="259" r:id="rId17"/>
-    <p:sldId id="282" r:id="rId18"/>
-    <p:sldId id="275" r:id="rId19"/>
-    <p:sldId id="272" r:id="rId20"/>
-    <p:sldId id="273" r:id="rId21"/>
-    <p:sldId id="274" r:id="rId22"/>
-    <p:sldId id="270" r:id="rId23"/>
-    <p:sldId id="271" r:id="rId24"/>
+    <p:sldId id="282" r:id="rId12"/>
+    <p:sldId id="275" r:id="rId13"/>
+    <p:sldId id="272" r:id="rId14"/>
+    <p:sldId id="273" r:id="rId15"/>
+    <p:sldId id="274" r:id="rId16"/>
+    <p:sldId id="270" r:id="rId17"/>
+    <p:sldId id="271" r:id="rId18"/>
   </p:sldIdLst>
   <p:sldSz cx="9144000" cy="6858000" type="screen4x3"/>
   <p:notesSz cx="6858000" cy="9144000"/>
@@ -147,16 +141,6 @@
             <p14:sldId id="263"/>
           </p14:sldIdLst>
         </p14:section>
-        <p14:section name="Untitled Section" id="{2A937E11-21D7-4543-B15D-3CE9239F3BB7}">
-          <p14:sldIdLst>
-            <p14:sldId id="281"/>
-            <p14:sldId id="276"/>
-            <p14:sldId id="267"/>
-            <p14:sldId id="266"/>
-            <p14:sldId id="257"/>
-            <p14:sldId id="259"/>
-          </p14:sldIdLst>
-        </p14:section>
         <p14:section name="Untitled Section" id="{BC998809-CCBC-4302-9582-D1EF2F160D19}">
           <p14:sldIdLst>
             <p14:sldId id="282"/>
@@ -355,7 +339,7 @@
           <a:p>
             <a:fld id="{C1D19C46-83CA-4F9A-95E6-7D0892390C8A}" type="datetimeFigureOut">
               <a:rPr lang="en-GB" smtClean="0"/>
-              <a:t>10/03/2017</a:t>
+              <a:t>13/03/2017</a:t>
             </a:fld>
             <a:endParaRPr lang="en-GB"/>
           </a:p>
@@ -525,7 +509,7 @@
           <a:p>
             <a:fld id="{C1D19C46-83CA-4F9A-95E6-7D0892390C8A}" type="datetimeFigureOut">
               <a:rPr lang="en-GB" smtClean="0"/>
-              <a:t>10/03/2017</a:t>
+              <a:t>13/03/2017</a:t>
             </a:fld>
             <a:endParaRPr lang="en-GB"/>
           </a:p>
@@ -705,7 +689,7 @@
           <a:p>
             <a:fld id="{C1D19C46-83CA-4F9A-95E6-7D0892390C8A}" type="datetimeFigureOut">
               <a:rPr lang="en-GB" smtClean="0"/>
-              <a:t>10/03/2017</a:t>
+              <a:t>13/03/2017</a:t>
             </a:fld>
             <a:endParaRPr lang="en-GB"/>
           </a:p>
@@ -875,7 +859,7 @@
           <a:p>
             <a:fld id="{C1D19C46-83CA-4F9A-95E6-7D0892390C8A}" type="datetimeFigureOut">
               <a:rPr lang="en-GB" smtClean="0"/>
-              <a:t>10/03/2017</a:t>
+              <a:t>13/03/2017</a:t>
             </a:fld>
             <a:endParaRPr lang="en-GB"/>
           </a:p>
@@ -1121,7 +1105,7 @@
           <a:p>
             <a:fld id="{C1D19C46-83CA-4F9A-95E6-7D0892390C8A}" type="datetimeFigureOut">
               <a:rPr lang="en-GB" smtClean="0"/>
-              <a:t>10/03/2017</a:t>
+              <a:t>13/03/2017</a:t>
             </a:fld>
             <a:endParaRPr lang="en-GB"/>
           </a:p>
@@ -1409,7 +1393,7 @@
           <a:p>
             <a:fld id="{C1D19C46-83CA-4F9A-95E6-7D0892390C8A}" type="datetimeFigureOut">
               <a:rPr lang="en-GB" smtClean="0"/>
-              <a:t>10/03/2017</a:t>
+              <a:t>13/03/2017</a:t>
             </a:fld>
             <a:endParaRPr lang="en-GB"/>
           </a:p>
@@ -1831,7 +1815,7 @@
           <a:p>
             <a:fld id="{C1D19C46-83CA-4F9A-95E6-7D0892390C8A}" type="datetimeFigureOut">
               <a:rPr lang="en-GB" smtClean="0"/>
-              <a:t>10/03/2017</a:t>
+              <a:t>13/03/2017</a:t>
             </a:fld>
             <a:endParaRPr lang="en-GB"/>
           </a:p>
@@ -1949,7 +1933,7 @@
           <a:p>
             <a:fld id="{C1D19C46-83CA-4F9A-95E6-7D0892390C8A}" type="datetimeFigureOut">
               <a:rPr lang="en-GB" smtClean="0"/>
-              <a:t>10/03/2017</a:t>
+              <a:t>13/03/2017</a:t>
             </a:fld>
             <a:endParaRPr lang="en-GB"/>
           </a:p>
@@ -2044,7 +2028,7 @@
           <a:p>
             <a:fld id="{C1D19C46-83CA-4F9A-95E6-7D0892390C8A}" type="datetimeFigureOut">
               <a:rPr lang="en-GB" smtClean="0"/>
-              <a:t>10/03/2017</a:t>
+              <a:t>13/03/2017</a:t>
             </a:fld>
             <a:endParaRPr lang="en-GB"/>
           </a:p>
@@ -2321,7 +2305,7 @@
           <a:p>
             <a:fld id="{C1D19C46-83CA-4F9A-95E6-7D0892390C8A}" type="datetimeFigureOut">
               <a:rPr lang="en-GB" smtClean="0"/>
-              <a:t>10/03/2017</a:t>
+              <a:t>13/03/2017</a:t>
             </a:fld>
             <a:endParaRPr lang="en-GB"/>
           </a:p>
@@ -2574,7 +2558,7 @@
           <a:p>
             <a:fld id="{C1D19C46-83CA-4F9A-95E6-7D0892390C8A}" type="datetimeFigureOut">
               <a:rPr lang="en-GB" smtClean="0"/>
-              <a:t>10/03/2017</a:t>
+              <a:t>13/03/2017</a:t>
             </a:fld>
             <a:endParaRPr lang="en-GB"/>
           </a:p>
@@ -2787,7 +2771,7 @@
           <a:p>
             <a:fld id="{C1D19C46-83CA-4F9A-95E6-7D0892390C8A}" type="datetimeFigureOut">
               <a:rPr lang="en-GB" smtClean="0"/>
-              <a:t>10/03/2017</a:t>
+              <a:t>13/03/2017</a:t>
             </a:fld>
             <a:endParaRPr lang="en-GB"/>
           </a:p>
@@ -3364,7 +3348,7 @@
       </p:sp>
       <p:pic>
         <p:nvPicPr>
-          <p:cNvPr id="1028" name="Picture 4" descr="C:\GITHUB\incodehq\incode-module-document\dom\src\main\java\org\incode\module\document\dom\impl\paperclips\Paperclip.png"/>
+          <p:cNvPr id="1029" name="Picture 5" descr="C:\GITHUB\incodehq\incode-module-communications\module\src\main\java\org\incode\module\communications\dom\impl\comms\Communication-email.png"/>
           <p:cNvPicPr>
             <a:picLocks noChangeAspect="1" noChangeArrowheads="1"/>
           </p:cNvPicPr>
@@ -3385,8 +3369,8 @@
         </p:blipFill>
         <p:spPr bwMode="auto">
           <a:xfrm>
-            <a:off x="1331640" y="1667682"/>
-            <a:ext cx="518865" cy="518865"/>
+            <a:off x="6732240" y="2449322"/>
+            <a:ext cx="1163127" cy="1163127"/>
           </a:xfrm>
           <a:prstGeom prst="rect">
             <a:avLst/>
@@ -3403,39 +3387,45 @@
           </a:extLst>
         </p:spPr>
       </p:pic>
-      <p:cxnSp>
-        <p:nvCxnSpPr>
-          <p:cNvPr id="11" name="Straight Connector 10"/>
-          <p:cNvCxnSpPr/>
-          <p:nvPr/>
-        </p:nvCxnSpPr>
-        <p:spPr>
-          <a:xfrm>
-            <a:off x="1074830" y="1387561"/>
-            <a:ext cx="1048898" cy="1015011"/>
-          </a:xfrm>
-          <a:prstGeom prst="line">
-            <a:avLst/>
-          </a:prstGeom>
-        </p:spPr>
-        <p:style>
-          <a:lnRef idx="1">
-            <a:schemeClr val="accent1"/>
-          </a:lnRef>
-          <a:fillRef idx="0">
-            <a:schemeClr val="accent1"/>
-          </a:fillRef>
-          <a:effectRef idx="0">
-            <a:schemeClr val="accent1"/>
-          </a:effectRef>
-          <a:fontRef idx="minor">
-            <a:schemeClr val="tx1"/>
-          </a:fontRef>
-        </p:style>
-      </p:cxnSp>
+      <p:sp>
+        <p:nvSpPr>
+          <p:cNvPr id="24" name="TextBox 23"/>
+          <p:cNvSpPr txBox="1"/>
+          <p:nvPr/>
+        </p:nvSpPr>
+        <p:spPr>
+          <a:xfrm>
+            <a:off x="6643394" y="3410684"/>
+            <a:ext cx="1673022" cy="646331"/>
+          </a:xfrm>
+          <a:prstGeom prst="rect">
+            <a:avLst/>
+          </a:prstGeom>
+          <a:noFill/>
+        </p:spPr>
+        <p:txBody>
+          <a:bodyPr wrap="none" rtlCol="0">
+            <a:spAutoFit/>
+          </a:bodyPr>
+          <a:lstStyle/>
+          <a:p>
+            <a:r>
+              <a:rPr lang="en-GB" dirty="0" smtClean="0"/>
+              <a:t>(Email)</a:t>
+            </a:r>
+          </a:p>
+          <a:p>
+            <a:r>
+              <a:rPr lang="en-GB" dirty="0" smtClean="0"/>
+              <a:t>Communication</a:t>
+            </a:r>
+            <a:endParaRPr lang="en-GB" dirty="0"/>
+          </a:p>
+        </p:txBody>
+      </p:sp>
       <p:pic>
         <p:nvPicPr>
-          <p:cNvPr id="1029" name="Picture 5" descr="C:\GITHUB\incodehq\incode-module-communications\module\src\main\java\org\incode\module\communications\dom\impl\comms\Communication-email.png"/>
+          <p:cNvPr id="1030" name="Picture 6" descr="C:\GITHUB\incodehq\incode-module-document\dom\src\main\java\org\incode\module\document\dom\impl\docs\Document-html.png"/>
           <p:cNvPicPr>
             <a:picLocks noChangeAspect="1" noChangeArrowheads="1"/>
           </p:cNvPicPr>
@@ -3456,8 +3446,8 @@
         </p:blipFill>
         <p:spPr bwMode="auto">
           <a:xfrm>
-            <a:off x="6732240" y="2449322"/>
-            <a:ext cx="1163127" cy="1163127"/>
+            <a:off x="4716016" y="4811548"/>
+            <a:ext cx="831384" cy="831384"/>
           </a:xfrm>
           <a:prstGeom prst="rect">
             <a:avLst/>
@@ -3476,14 +3466,14 @@
       </p:pic>
       <p:sp>
         <p:nvSpPr>
-          <p:cNvPr id="24" name="TextBox 23"/>
+          <p:cNvPr id="26" name="TextBox 25"/>
           <p:cNvSpPr txBox="1"/>
           <p:nvPr/>
         </p:nvSpPr>
         <p:spPr>
           <a:xfrm>
-            <a:off x="6643394" y="3410684"/>
-            <a:ext cx="1673022" cy="646331"/>
+            <a:off x="4244343" y="5644673"/>
+            <a:ext cx="1892185" cy="646331"/>
           </a:xfrm>
           <a:prstGeom prst="rect">
             <a:avLst/>
@@ -3496,15 +3486,17 @@
           </a:bodyPr>
           <a:lstStyle/>
           <a:p>
+            <a:pPr algn="ctr"/>
             <a:r>
               <a:rPr lang="en-GB" dirty="0" smtClean="0"/>
-              <a:t>(Email)</a:t>
-            </a:r>
-          </a:p>
-          <a:p>
+              <a:t>(Email cover note)</a:t>
+            </a:r>
+          </a:p>
+          <a:p>
+            <a:pPr algn="ctr"/>
             <a:r>
               <a:rPr lang="en-GB" dirty="0" smtClean="0"/>
-              <a:t>Communication</a:t>
+              <a:t>Document</a:t>
             </a:r>
             <a:endParaRPr lang="en-GB" dirty="0"/>
           </a:p>
@@ -3512,7 +3504,7 @@
       </p:sp>
       <p:pic>
         <p:nvPicPr>
-          <p:cNvPr id="1030" name="Picture 6" descr="C:\GITHUB\incodehq\incode-module-document\dom\src\main\java\org\incode\module\document\dom\impl\docs\Document-html.png"/>
+          <p:cNvPr id="27" name="Picture 4" descr="C:\GITHUB\incodehq\incode-module-document\dom\src\main\java\org\incode\module\document\dom\impl\paperclips\Paperclip.png"/>
           <p:cNvPicPr>
             <a:picLocks noChangeAspect="1" noChangeArrowheads="1"/>
           </p:cNvPicPr>
@@ -3533,8 +3525,8 @@
         </p:blipFill>
         <p:spPr bwMode="auto">
           <a:xfrm>
-            <a:off x="4716016" y="4811548"/>
-            <a:ext cx="831384" cy="831384"/>
+            <a:off x="4460367" y="2766119"/>
+            <a:ext cx="518865" cy="518865"/>
           </a:xfrm>
           <a:prstGeom prst="rect">
             <a:avLst/>
@@ -3551,54 +3543,16 @@
           </a:extLst>
         </p:spPr>
       </p:pic>
-      <p:sp>
-        <p:nvSpPr>
-          <p:cNvPr id="26" name="TextBox 25"/>
-          <p:cNvSpPr txBox="1"/>
-          <p:nvPr/>
-        </p:nvSpPr>
-        <p:spPr>
-          <a:xfrm>
-            <a:off x="4244343" y="5644673"/>
-            <a:ext cx="1892185" cy="646331"/>
-          </a:xfrm>
-          <a:prstGeom prst="rect">
-            <a:avLst/>
-          </a:prstGeom>
-          <a:noFill/>
-        </p:spPr>
-        <p:txBody>
-          <a:bodyPr wrap="none" rtlCol="0">
-            <a:spAutoFit/>
-          </a:bodyPr>
-          <a:lstStyle/>
-          <a:p>
-            <a:pPr algn="ctr"/>
-            <a:r>
-              <a:rPr lang="en-GB" dirty="0" smtClean="0"/>
-              <a:t>(Email cover note)</a:t>
-            </a:r>
-          </a:p>
-          <a:p>
-            <a:pPr algn="ctr"/>
-            <a:r>
-              <a:rPr lang="en-GB" dirty="0" smtClean="0"/>
-              <a:t>Document</a:t>
-            </a:r>
-            <a:endParaRPr lang="en-GB" dirty="0"/>
-          </a:p>
-        </p:txBody>
-      </p:sp>
       <p:pic>
         <p:nvPicPr>
-          <p:cNvPr id="27" name="Picture 4" descr="C:\GITHUB\incodehq\incode-module-document\dom\src\main\java\org\incode\module\document\dom\impl\paperclips\Paperclip.png"/>
+          <p:cNvPr id="33" name="Picture 4" descr="C:\GITHUB\incodehq\incode-module-document\dom\src\main\java\org\incode\module\document\dom\impl\paperclips\Paperclip.png"/>
           <p:cNvPicPr>
             <a:picLocks noChangeAspect="1" noChangeArrowheads="1"/>
           </p:cNvPicPr>
           <p:nvPr/>
         </p:nvPicPr>
         <p:blipFill>
-          <a:blip r:embed="rId4">
+          <a:blip r:embed="rId6">
             <a:extLst>
               <a:ext uri="{28A0092B-C50C-407E-A947-70E740481C1C}">
                 <a14:useLocalDpi xmlns:a14="http://schemas.microsoft.com/office/drawing/2010/main" val="0"/>
@@ -3612,7 +3566,7 @@
         </p:blipFill>
         <p:spPr bwMode="auto">
           <a:xfrm>
-            <a:off x="4460367" y="2766119"/>
+            <a:off x="5813710" y="3933056"/>
             <a:ext cx="518865" cy="518865"/>
           </a:xfrm>
           <a:prstGeom prst="rect">
@@ -3630,20 +3584,107 @@
           </a:extLst>
         </p:spPr>
       </p:pic>
+      <p:sp>
+        <p:nvSpPr>
+          <p:cNvPr id="20" name="TextBox 19"/>
+          <p:cNvSpPr txBox="1"/>
+          <p:nvPr/>
+        </p:nvSpPr>
+        <p:spPr>
+          <a:xfrm>
+            <a:off x="3203848" y="188640"/>
+            <a:ext cx="4894481" cy="646331"/>
+          </a:xfrm>
+          <a:prstGeom prst="rect">
+            <a:avLst/>
+          </a:prstGeom>
+          <a:noFill/>
+        </p:spPr>
+        <p:txBody>
+          <a:bodyPr wrap="none" rtlCol="0">
+            <a:spAutoFit/>
+          </a:bodyPr>
+          <a:lstStyle/>
+          <a:p>
+            <a:r>
+              <a:rPr lang="en-GB" sz="3600" dirty="0" smtClean="0">
+                <a:solidFill>
+                  <a:schemeClr val="accent6">
+                    <a:lumMod val="75000"/>
+                  </a:schemeClr>
+                </a:solidFill>
+              </a:rPr>
+              <a:t>“Send by Email (Invoice)”</a:t>
+            </a:r>
+            <a:endParaRPr lang="en-GB" sz="3600" dirty="0">
+              <a:solidFill>
+                <a:schemeClr val="accent6">
+                  <a:lumMod val="75000"/>
+                </a:schemeClr>
+              </a:solidFill>
+            </a:endParaRPr>
+          </a:p>
+        </p:txBody>
+      </p:sp>
+      <p:pic>
+        <p:nvPicPr>
+          <p:cNvPr id="18" name="Picture 4" descr="C:\GITHUB\incodehq\incode-module-document\dom\src\main\java\org\incode\module\document\dom\impl\paperclips\Paperclip.png"/>
+          <p:cNvPicPr>
+            <a:picLocks noChangeAspect="1" noChangeArrowheads="1"/>
+          </p:cNvPicPr>
+          <p:nvPr/>
+        </p:nvPicPr>
+        <p:blipFill>
+          <a:blip r:embed="rId6">
+            <a:extLst>
+              <a:ext uri="{28A0092B-C50C-407E-A947-70E740481C1C}">
+                <a14:useLocalDpi xmlns:a14="http://schemas.microsoft.com/office/drawing/2010/main" val="0"/>
+              </a:ext>
+            </a:extLst>
+          </a:blip>
+          <a:srcRect/>
+          <a:stretch>
+            <a:fillRect/>
+          </a:stretch>
+        </p:blipFill>
+        <p:spPr bwMode="auto">
+          <a:xfrm>
+            <a:off x="1331640" y="1667682"/>
+            <a:ext cx="518865" cy="518865"/>
+          </a:xfrm>
+          <a:prstGeom prst="rect">
+            <a:avLst/>
+          </a:prstGeom>
+          <a:noFill/>
+          <a:extLst>
+            <a:ext uri="{909E8E84-426E-40DD-AFC4-6F175D3DCCD1}">
+              <a14:hiddenFill xmlns:a14="http://schemas.microsoft.com/office/drawing/2010/main">
+                <a:solidFill>
+                  <a:srgbClr val="FFFFFF"/>
+                </a:solidFill>
+              </a14:hiddenFill>
+            </a:ext>
+          </a:extLst>
+        </p:spPr>
+      </p:pic>
       <p:cxnSp>
         <p:nvCxnSpPr>
-          <p:cNvPr id="29" name="Straight Connector 28"/>
+          <p:cNvPr id="19" name="Straight Connector 18"/>
           <p:cNvCxnSpPr/>
           <p:nvPr/>
         </p:nvCxnSpPr>
         <p:spPr>
           <a:xfrm>
-            <a:off x="1227230" y="1539961"/>
-            <a:ext cx="1048898" cy="1015011"/>
+            <a:off x="1074830" y="1387561"/>
+            <a:ext cx="1201298" cy="1159027"/>
           </a:xfrm>
           <a:prstGeom prst="line">
             <a:avLst/>
           </a:prstGeom>
+          <a:ln>
+            <a:headEnd type="arrow"/>
+            <a:tailEnd type="none"/>
+          </a:ln>
         </p:spPr>
         <p:style>
           <a:lnRef idx="1">
@@ -3662,7 +3703,7 @@
       </p:cxnSp>
       <p:cxnSp>
         <p:nvCxnSpPr>
-          <p:cNvPr id="30" name="Straight Connector 29"/>
+          <p:cNvPr id="21" name="Straight Connector 20"/>
           <p:cNvCxnSpPr/>
           <p:nvPr/>
         </p:nvCxnSpPr>
@@ -3674,6 +3715,9 @@
           <a:prstGeom prst="line">
             <a:avLst/>
           </a:prstGeom>
+          <a:ln>
+            <a:tailEnd type="arrow"/>
+          </a:ln>
         </p:spPr>
         <p:style>
           <a:lnRef idx="1">
@@ -3690,50 +3734,9 @@
           </a:fontRef>
         </p:style>
       </p:cxnSp>
-      <p:pic>
-        <p:nvPicPr>
-          <p:cNvPr id="33" name="Picture 4" descr="C:\GITHUB\incodehq\incode-module-document\dom\src\main\java\org\incode\module\document\dom\impl\paperclips\Paperclip.png"/>
-          <p:cNvPicPr>
-            <a:picLocks noChangeAspect="1" noChangeArrowheads="1"/>
-          </p:cNvPicPr>
-          <p:nvPr/>
-        </p:nvPicPr>
-        <p:blipFill>
-          <a:blip r:embed="rId4">
-            <a:extLst>
-              <a:ext uri="{28A0092B-C50C-407E-A947-70E740481C1C}">
-                <a14:useLocalDpi xmlns:a14="http://schemas.microsoft.com/office/drawing/2010/main" val="0"/>
-              </a:ext>
-            </a:extLst>
-          </a:blip>
-          <a:srcRect/>
-          <a:stretch>
-            <a:fillRect/>
-          </a:stretch>
-        </p:blipFill>
-        <p:spPr bwMode="auto">
-          <a:xfrm>
-            <a:off x="5813710" y="3933056"/>
-            <a:ext cx="518865" cy="518865"/>
-          </a:xfrm>
-          <a:prstGeom prst="rect">
-            <a:avLst/>
-          </a:prstGeom>
-          <a:noFill/>
-          <a:extLst>
-            <a:ext uri="{909E8E84-426E-40DD-AFC4-6F175D3DCCD1}">
-              <a14:hiddenFill xmlns:a14="http://schemas.microsoft.com/office/drawing/2010/main">
-                <a:solidFill>
-                  <a:srgbClr val="FFFFFF"/>
-                </a:solidFill>
-              </a14:hiddenFill>
-            </a:ext>
-          </a:extLst>
-        </p:spPr>
-      </p:pic>
       <p:cxnSp>
         <p:nvCxnSpPr>
-          <p:cNvPr id="35" name="Straight Connector 34"/>
+          <p:cNvPr id="23" name="Straight Connector 22"/>
           <p:cNvCxnSpPr/>
           <p:nvPr/>
         </p:nvCxnSpPr>
@@ -3745,6 +3748,10 @@
           <a:prstGeom prst="line">
             <a:avLst/>
           </a:prstGeom>
+          <a:ln>
+            <a:headEnd type="arrow"/>
+            <a:tailEnd type="none"/>
+          </a:ln>
         </p:spPr>
         <p:style>
           <a:lnRef idx="1">
@@ -3761,48 +3768,6 @@
           </a:fontRef>
         </p:style>
       </p:cxnSp>
-      <p:sp>
-        <p:nvSpPr>
-          <p:cNvPr id="20" name="TextBox 19"/>
-          <p:cNvSpPr txBox="1"/>
-          <p:nvPr/>
-        </p:nvSpPr>
-        <p:spPr>
-          <a:xfrm>
-            <a:off x="3203848" y="188640"/>
-            <a:ext cx="4894481" cy="646331"/>
-          </a:xfrm>
-          <a:prstGeom prst="rect">
-            <a:avLst/>
-          </a:prstGeom>
-          <a:noFill/>
-        </p:spPr>
-        <p:txBody>
-          <a:bodyPr wrap="none" rtlCol="0">
-            <a:spAutoFit/>
-          </a:bodyPr>
-          <a:lstStyle/>
-          <a:p>
-            <a:r>
-              <a:rPr lang="en-GB" sz="3600" dirty="0" smtClean="0">
-                <a:solidFill>
-                  <a:schemeClr val="accent6">
-                    <a:lumMod val="75000"/>
-                  </a:schemeClr>
-                </a:solidFill>
-              </a:rPr>
-              <a:t>“Send by Email (Invoice)”</a:t>
-            </a:r>
-            <a:endParaRPr lang="en-GB" sz="3600" dirty="0">
-              <a:solidFill>
-                <a:schemeClr val="accent6">
-                  <a:lumMod val="75000"/>
-                </a:schemeClr>
-              </a:solidFill>
-            </a:endParaRPr>
-          </a:p>
-        </p:txBody>
-      </p:sp>
     </p:spTree>
     <p:extLst>
       <p:ext uri="{BB962C8B-B14F-4D97-AF65-F5344CB8AC3E}">
@@ -3880,15 +3845,7 @@
           <a:p>
             <a:r>
               <a:rPr lang="en-GB" dirty="0" smtClean="0"/>
-              <a:t>1</a:t>
-            </a:r>
-            <a:r>
-              <a:rPr lang="en-GB" baseline="30000" dirty="0" smtClean="0"/>
-              <a:t>st</a:t>
-            </a:r>
-            <a:r>
-              <a:rPr lang="en-GB" dirty="0" smtClean="0"/>
-              <a:t> design</a:t>
+              <a:t>(supporting documents)</a:t>
             </a:r>
             <a:endParaRPr lang="en-GB" dirty="0"/>
           </a:p>
@@ -3897,7 +3854,7 @@
     </p:spTree>
     <p:extLst>
       <p:ext uri="{BB962C8B-B14F-4D97-AF65-F5344CB8AC3E}">
-        <p14:creationId xmlns:p14="http://schemas.microsoft.com/office/powerpoint/2010/main" val="2343337504"/>
+        <p14:creationId xmlns:p14="http://schemas.microsoft.com/office/powerpoint/2010/main" val="42115942"/>
       </p:ext>
     </p:extLst>
   </p:cSld>
@@ -3974,7 +3931,7 @@
         <p:spPr>
           <a:xfrm>
             <a:off x="1140729" y="332656"/>
-            <a:ext cx="1262077" cy="646331"/>
+            <a:ext cx="1262077" cy="369332"/>
           </a:xfrm>
           <a:prstGeom prst="rect">
             <a:avLst/>
@@ -3988,11 +3945,9 @@
           <a:lstStyle/>
           <a:p>
             <a:r>
-              <a:rPr lang="en-GB" dirty="0"/>
+              <a:rPr lang="en-GB" dirty="0" smtClean="0"/>
               <a:t>Transaction</a:t>
             </a:r>
-          </a:p>
-          <a:p>
             <a:endParaRPr lang="en-GB" dirty="0"/>
           </a:p>
         </p:txBody>
@@ -4000,7 +3955,7 @@
     </p:spTree>
     <p:extLst>
       <p:ext uri="{BB962C8B-B14F-4D97-AF65-F5344CB8AC3E}">
-        <p14:creationId xmlns:p14="http://schemas.microsoft.com/office/powerpoint/2010/main" val="1357325120"/>
+        <p14:creationId xmlns:p14="http://schemas.microsoft.com/office/powerpoint/2010/main" val="335661757"/>
       </p:ext>
     </p:extLst>
   </p:cSld>
@@ -4084,7 +4039,7 @@
         <p:spPr>
           <a:xfrm>
             <a:off x="1140729" y="332656"/>
-            <a:ext cx="1262077" cy="369332"/>
+            <a:ext cx="1262077" cy="646331"/>
           </a:xfrm>
           <a:prstGeom prst="rect">
             <a:avLst/>
@@ -4098,15 +4053,18 @@
           <a:lstStyle/>
           <a:p>
             <a:r>
-              <a:rPr lang="en-GB" dirty="0"/>
+              <a:rPr lang="en-GB"/>
               <a:t>Transaction</a:t>
             </a:r>
+          </a:p>
+          <a:p>
+            <a:endParaRPr lang="en-GB" dirty="0"/>
           </a:p>
         </p:txBody>
       </p:sp>
       <p:pic>
         <p:nvPicPr>
-          <p:cNvPr id="1027" name="Picture 3" descr="C:\GITHUB\incodehq\incode-module-document\dom\src\main\java\org\incode\module\document\dom\impl\docs\Document-pdf.png"/>
+          <p:cNvPr id="13" name="Picture 3" descr="C:\GITHUB\incodehq\incode-module-document\dom\src\main\java\org\incode\module\document\dom\impl\docs\Document-pdf.png"/>
           <p:cNvPicPr>
             <a:picLocks noChangeAspect="1" noChangeArrowheads="1"/>
           </p:cNvPicPr>
@@ -4127,7 +4085,7 @@
         </p:blipFill>
         <p:spPr bwMode="auto">
           <a:xfrm>
-            <a:off x="2363960" y="2546588"/>
+            <a:off x="827584" y="4785735"/>
             <a:ext cx="916260" cy="916260"/>
           </a:xfrm>
           <a:prstGeom prst="rect">
@@ -4147,14 +4105,14 @@
       </p:pic>
       <p:sp>
         <p:nvSpPr>
-          <p:cNvPr id="12" name="TextBox 11"/>
+          <p:cNvPr id="14" name="TextBox 13"/>
           <p:cNvSpPr txBox="1"/>
           <p:nvPr/>
         </p:nvSpPr>
         <p:spPr>
           <a:xfrm>
-            <a:off x="2372135" y="3484433"/>
-            <a:ext cx="1165191" cy="646331"/>
+            <a:off x="549656" y="5733913"/>
+            <a:ext cx="1669688" cy="646331"/>
           </a:xfrm>
           <a:prstGeom prst="rect">
             <a:avLst/>
@@ -4167,12 +4125,22 @@
           </a:bodyPr>
           <a:lstStyle/>
           <a:p>
-            <a:r>
-              <a:rPr lang="en-GB" dirty="0" smtClean="0"/>
-              <a:t>(Invoice)</a:t>
-            </a:r>
-          </a:p>
-          <a:p>
+            <a:pPr algn="ctr"/>
+            <a:r>
+              <a:rPr lang="en-GB" dirty="0"/>
+              <a:t>(</a:t>
+            </a:r>
+            <a:r>
+              <a:rPr lang="en-GB" dirty="0" err="1"/>
+              <a:t>eg</a:t>
+            </a:r>
+            <a:r>
+              <a:rPr lang="en-GB" dirty="0"/>
+              <a:t> Tax register)</a:t>
+            </a:r>
+          </a:p>
+          <a:p>
+            <a:pPr algn="ctr"/>
             <a:r>
               <a:rPr lang="en-GB" dirty="0" smtClean="0"/>
               <a:t>Document</a:t>
@@ -4183,7 +4151,7 @@
       </p:sp>
       <p:pic>
         <p:nvPicPr>
-          <p:cNvPr id="1028" name="Picture 4" descr="C:\GITHUB\incodehq\incode-module-document\dom\src\main\java\org\incode\module\document\dom\impl\paperclips\Paperclip.png"/>
+          <p:cNvPr id="20" name="Picture 4" descr="C:\GITHUB\incodehq\incode-module-document\dom\src\main\java\org\incode\module\document\dom\impl\paperclips\Paperclip.png"/>
           <p:cNvPicPr>
             <a:picLocks noChangeAspect="1" noChangeArrowheads="1"/>
           </p:cNvPicPr>
@@ -4204,7 +4172,7 @@
         </p:blipFill>
         <p:spPr bwMode="auto">
           <a:xfrm>
-            <a:off x="1331640" y="1667682"/>
+            <a:off x="780858" y="2767814"/>
             <a:ext cx="518865" cy="518865"/>
           </a:xfrm>
           <a:prstGeom prst="rect">
@@ -4224,18 +4192,22 @@
       </p:pic>
       <p:cxnSp>
         <p:nvCxnSpPr>
-          <p:cNvPr id="11" name="Straight Connector 10"/>
+          <p:cNvPr id="21" name="Straight Connector 20"/>
           <p:cNvCxnSpPr/>
           <p:nvPr/>
         </p:nvCxnSpPr>
         <p:spPr>
           <a:xfrm>
-            <a:off x="1074830" y="1387561"/>
-            <a:ext cx="1048898" cy="1015011"/>
+            <a:off x="827584" y="1412776"/>
+            <a:ext cx="535111" cy="3228943"/>
           </a:xfrm>
           <a:prstGeom prst="line">
             <a:avLst/>
           </a:prstGeom>
+          <a:ln>
+            <a:headEnd type="arrow"/>
+            <a:tailEnd type="none"/>
+          </a:ln>
         </p:spPr>
         <p:style>
           <a:lnRef idx="1">
@@ -4252,46 +4224,16 @@
           </a:fontRef>
         </p:style>
       </p:cxnSp>
-      <p:cxnSp>
-        <p:nvCxnSpPr>
-          <p:cNvPr id="29" name="Straight Connector 28"/>
-          <p:cNvCxnSpPr/>
-          <p:nvPr/>
-        </p:nvCxnSpPr>
-        <p:spPr>
-          <a:xfrm>
-            <a:off x="1227230" y="1539961"/>
-            <a:ext cx="1048898" cy="1015011"/>
-          </a:xfrm>
-          <a:prstGeom prst="line">
-            <a:avLst/>
-          </a:prstGeom>
-        </p:spPr>
-        <p:style>
-          <a:lnRef idx="1">
-            <a:schemeClr val="accent1"/>
-          </a:lnRef>
-          <a:fillRef idx="0">
-            <a:schemeClr val="accent1"/>
-          </a:fillRef>
-          <a:effectRef idx="0">
-            <a:schemeClr val="accent1"/>
-          </a:effectRef>
-          <a:fontRef idx="minor">
-            <a:schemeClr val="tx1"/>
-          </a:fontRef>
-        </p:style>
-      </p:cxnSp>
-      <p:sp>
-        <p:nvSpPr>
-          <p:cNvPr id="10" name="TextBox 9"/>
+      <p:sp>
+        <p:nvSpPr>
+          <p:cNvPr id="25" name="TextBox 24"/>
           <p:cNvSpPr txBox="1"/>
           <p:nvPr/>
         </p:nvSpPr>
         <p:spPr>
           <a:xfrm>
             <a:off x="3203848" y="188640"/>
-            <a:ext cx="2041585" cy="646331"/>
+            <a:ext cx="3260060" cy="646331"/>
           </a:xfrm>
           <a:prstGeom prst="rect">
             <a:avLst/>
@@ -4310,7 +4252,7 @@
                   <a:srgbClr val="00B050"/>
                 </a:solidFill>
               </a:rPr>
-              <a:t>“Prepare”</a:t>
+              <a:t>“Attach Receipt”</a:t>
             </a:r>
             <a:endParaRPr lang="en-GB" sz="3600" dirty="0">
               <a:solidFill>
@@ -4320,10 +4262,40 @@
           </a:p>
         </p:txBody>
       </p:sp>
+      <p:sp>
+        <p:nvSpPr>
+          <p:cNvPr id="10" name="TextBox 9"/>
+          <p:cNvSpPr txBox="1"/>
+          <p:nvPr/>
+        </p:nvSpPr>
+        <p:spPr>
+          <a:xfrm>
+            <a:off x="251520" y="3234462"/>
+            <a:ext cx="917239" cy="338554"/>
+          </a:xfrm>
+          <a:prstGeom prst="rect">
+            <a:avLst/>
+          </a:prstGeom>
+          <a:noFill/>
+        </p:spPr>
+        <p:txBody>
+          <a:bodyPr wrap="none" rtlCol="0">
+            <a:spAutoFit/>
+          </a:bodyPr>
+          <a:lstStyle/>
+          <a:p>
+            <a:r>
+              <a:rPr lang="en-GB" sz="1600" i="1" dirty="0" smtClean="0"/>
+              <a:t>supports</a:t>
+            </a:r>
+            <a:endParaRPr lang="en-GB" sz="1600" i="1" dirty="0"/>
+          </a:p>
+        </p:txBody>
+      </p:sp>
     </p:spTree>
     <p:extLst>
       <p:ext uri="{BB962C8B-B14F-4D97-AF65-F5344CB8AC3E}">
-        <p14:creationId xmlns:p14="http://schemas.microsoft.com/office/powerpoint/2010/main" val="3257965985"/>
+        <p14:creationId xmlns:p14="http://schemas.microsoft.com/office/powerpoint/2010/main" val="3803749848"/>
       </p:ext>
     </p:extLst>
   </p:cSld>
@@ -4429,7 +4401,7 @@
       </p:sp>
       <p:pic>
         <p:nvPicPr>
-          <p:cNvPr id="1027" name="Picture 3" descr="C:\GITHUB\incodehq\incode-module-document\dom\src\main\java\org\incode\module\document\dom\impl\docs\Document-pdf.png"/>
+          <p:cNvPr id="13" name="Picture 3" descr="C:\GITHUB\incodehq\incode-module-document\dom\src\main\java\org\incode\module\document\dom\impl\docs\Document-pdf.png"/>
           <p:cNvPicPr>
             <a:picLocks noChangeAspect="1" noChangeArrowheads="1"/>
           </p:cNvPicPr>
@@ -4450,7 +4422,7 @@
         </p:blipFill>
         <p:spPr bwMode="auto">
           <a:xfrm>
-            <a:off x="2363960" y="2546588"/>
+            <a:off x="827584" y="4785735"/>
             <a:ext cx="916260" cy="916260"/>
           </a:xfrm>
           <a:prstGeom prst="rect">
@@ -4470,14 +4442,14 @@
       </p:pic>
       <p:sp>
         <p:nvSpPr>
-          <p:cNvPr id="12" name="TextBox 11"/>
+          <p:cNvPr id="14" name="TextBox 13"/>
           <p:cNvSpPr txBox="1"/>
           <p:nvPr/>
         </p:nvSpPr>
         <p:spPr>
           <a:xfrm>
-            <a:off x="2372135" y="3484433"/>
-            <a:ext cx="1165191" cy="646331"/>
+            <a:off x="549656" y="5733913"/>
+            <a:ext cx="1669688" cy="646331"/>
           </a:xfrm>
           <a:prstGeom prst="rect">
             <a:avLst/>
@@ -4490,12 +4462,22 @@
           </a:bodyPr>
           <a:lstStyle/>
           <a:p>
-            <a:r>
-              <a:rPr lang="en-GB" dirty="0" smtClean="0"/>
-              <a:t>(Invoice)</a:t>
-            </a:r>
-          </a:p>
-          <a:p>
+            <a:pPr algn="ctr"/>
+            <a:r>
+              <a:rPr lang="en-GB" dirty="0"/>
+              <a:t>(</a:t>
+            </a:r>
+            <a:r>
+              <a:rPr lang="en-GB" dirty="0" err="1"/>
+              <a:t>eg</a:t>
+            </a:r>
+            <a:r>
+              <a:rPr lang="en-GB" dirty="0"/>
+              <a:t> Tax register)</a:t>
+            </a:r>
+          </a:p>
+          <a:p>
+            <a:pPr algn="ctr"/>
             <a:r>
               <a:rPr lang="en-GB" dirty="0" smtClean="0"/>
               <a:t>Document</a:t>
@@ -4506,7 +4488,86 @@
       </p:sp>
       <p:pic>
         <p:nvPicPr>
-          <p:cNvPr id="13" name="Picture 3" descr="C:\GITHUB\incodehq\incode-module-document\dom\src\main\java\org\incode\module\document\dom\impl\docs\Document-pdf.png"/>
+          <p:cNvPr id="20" name="Picture 4" descr="C:\GITHUB\incodehq\incode-module-document\dom\src\main\java\org\incode\module\document\dom\impl\paperclips\Paperclip.png"/>
+          <p:cNvPicPr>
+            <a:picLocks noChangeAspect="1" noChangeArrowheads="1"/>
+          </p:cNvPicPr>
+          <p:nvPr/>
+        </p:nvPicPr>
+        <p:blipFill>
+          <a:blip r:embed="rId4">
+            <a:extLst>
+              <a:ext uri="{28A0092B-C50C-407E-A947-70E740481C1C}">
+                <a14:useLocalDpi xmlns:a14="http://schemas.microsoft.com/office/drawing/2010/main" val="0"/>
+              </a:ext>
+            </a:extLst>
+          </a:blip>
+          <a:srcRect/>
+          <a:stretch>
+            <a:fillRect/>
+          </a:stretch>
+        </p:blipFill>
+        <p:spPr bwMode="auto">
+          <a:xfrm>
+            <a:off x="780858" y="2767814"/>
+            <a:ext cx="518865" cy="518865"/>
+          </a:xfrm>
+          <a:prstGeom prst="rect">
+            <a:avLst/>
+          </a:prstGeom>
+          <a:noFill/>
+          <a:extLst>
+            <a:ext uri="{909E8E84-426E-40DD-AFC4-6F175D3DCCD1}">
+              <a14:hiddenFill xmlns:a14="http://schemas.microsoft.com/office/drawing/2010/main">
+                <a:solidFill>
+                  <a:srgbClr val="FFFFFF"/>
+                </a:solidFill>
+              </a14:hiddenFill>
+            </a:ext>
+          </a:extLst>
+        </p:spPr>
+      </p:pic>
+      <p:sp>
+        <p:nvSpPr>
+          <p:cNvPr id="25" name="TextBox 24"/>
+          <p:cNvSpPr txBox="1"/>
+          <p:nvPr/>
+        </p:nvSpPr>
+        <p:spPr>
+          <a:xfrm>
+            <a:off x="3203848" y="188640"/>
+            <a:ext cx="2041585" cy="646331"/>
+          </a:xfrm>
+          <a:prstGeom prst="rect">
+            <a:avLst/>
+          </a:prstGeom>
+          <a:noFill/>
+        </p:spPr>
+        <p:txBody>
+          <a:bodyPr wrap="none" rtlCol="0">
+            <a:spAutoFit/>
+          </a:bodyPr>
+          <a:lstStyle/>
+          <a:p>
+            <a:r>
+              <a:rPr lang="en-GB" sz="3600" dirty="0" smtClean="0">
+                <a:solidFill>
+                  <a:srgbClr val="00B050"/>
+                </a:solidFill>
+              </a:rPr>
+              <a:t>“Prepare”</a:t>
+            </a:r>
+            <a:endParaRPr lang="en-GB" sz="3600" dirty="0">
+              <a:solidFill>
+                <a:srgbClr val="00B050"/>
+              </a:solidFill>
+            </a:endParaRPr>
+          </a:p>
+        </p:txBody>
+      </p:sp>
+      <p:pic>
+        <p:nvPicPr>
+          <p:cNvPr id="10" name="Picture 3" descr="C:\GITHUB\incodehq\incode-module-document\dom\src\main\java\org\incode\module\document\dom\impl\docs\Document-pdf.png"/>
           <p:cNvPicPr>
             <a:picLocks noChangeAspect="1" noChangeArrowheads="1"/>
           </p:cNvPicPr>
@@ -4527,7 +4588,7 @@
         </p:blipFill>
         <p:spPr bwMode="auto">
           <a:xfrm>
-            <a:off x="827584" y="4785735"/>
+            <a:off x="2363960" y="2546588"/>
             <a:ext cx="916260" cy="916260"/>
           </a:xfrm>
           <a:prstGeom prst="rect">
@@ -4547,14 +4608,14 @@
       </p:pic>
       <p:sp>
         <p:nvSpPr>
-          <p:cNvPr id="14" name="TextBox 13"/>
+          <p:cNvPr id="11" name="TextBox 10"/>
           <p:cNvSpPr txBox="1"/>
           <p:nvPr/>
         </p:nvSpPr>
         <p:spPr>
           <a:xfrm>
-            <a:off x="715951" y="5733913"/>
-            <a:ext cx="1337097" cy="646331"/>
+            <a:off x="2372135" y="3484433"/>
+            <a:ext cx="1165191" cy="646331"/>
           </a:xfrm>
           <a:prstGeom prst="rect">
             <a:avLst/>
@@ -4567,14 +4628,12 @@
           </a:bodyPr>
           <a:lstStyle/>
           <a:p>
-            <a:pPr algn="ctr"/>
             <a:r>
               <a:rPr lang="en-GB" dirty="0" smtClean="0"/>
-              <a:t>(Tax receipt)</a:t>
-            </a:r>
-          </a:p>
-          <a:p>
-            <a:pPr algn="ctr"/>
+              <a:t>(Invoice)</a:t>
+            </a:r>
+          </a:p>
+          <a:p>
             <a:r>
               <a:rPr lang="en-GB" dirty="0" smtClean="0"/>
               <a:t>Document</a:t>
@@ -4585,7 +4644,7 @@
       </p:sp>
       <p:pic>
         <p:nvPicPr>
-          <p:cNvPr id="1028" name="Picture 4" descr="C:\GITHUB\incodehq\incode-module-document\dom\src\main\java\org\incode\module\document\dom\impl\paperclips\Paperclip.png"/>
+          <p:cNvPr id="17" name="Picture 4" descr="C:\GITHUB\incodehq\incode-module-document\dom\src\main\java\org\incode\module\document\dom\impl\paperclips\Paperclip.png"/>
           <p:cNvPicPr>
             <a:picLocks noChangeAspect="1" noChangeArrowheads="1"/>
           </p:cNvPicPr>
@@ -4626,89 +4685,22 @@
       </p:pic>
       <p:cxnSp>
         <p:nvCxnSpPr>
-          <p:cNvPr id="11" name="Straight Connector 10"/>
+          <p:cNvPr id="18" name="Straight Connector 17"/>
           <p:cNvCxnSpPr/>
           <p:nvPr/>
         </p:nvCxnSpPr>
         <p:spPr>
           <a:xfrm>
             <a:off x="1074830" y="1387561"/>
-            <a:ext cx="1048898" cy="1015011"/>
+            <a:ext cx="1201298" cy="1159027"/>
           </a:xfrm>
           <a:prstGeom prst="line">
             <a:avLst/>
           </a:prstGeom>
-        </p:spPr>
-        <p:style>
-          <a:lnRef idx="1">
-            <a:schemeClr val="accent1"/>
-          </a:lnRef>
-          <a:fillRef idx="0">
-            <a:schemeClr val="accent1"/>
-          </a:fillRef>
-          <a:effectRef idx="0">
-            <a:schemeClr val="accent1"/>
-          </a:effectRef>
-          <a:fontRef idx="minor">
-            <a:schemeClr val="tx1"/>
-          </a:fontRef>
-        </p:style>
-      </p:cxnSp>
-      <p:pic>
-        <p:nvPicPr>
-          <p:cNvPr id="20" name="Picture 4" descr="C:\GITHUB\incodehq\incode-module-document\dom\src\main\java\org\incode\module\document\dom\impl\paperclips\Paperclip.png"/>
-          <p:cNvPicPr>
-            <a:picLocks noChangeAspect="1" noChangeArrowheads="1"/>
-          </p:cNvPicPr>
-          <p:nvPr/>
-        </p:nvPicPr>
-        <p:blipFill>
-          <a:blip r:embed="rId4">
-            <a:extLst>
-              <a:ext uri="{28A0092B-C50C-407E-A947-70E740481C1C}">
-                <a14:useLocalDpi xmlns:a14="http://schemas.microsoft.com/office/drawing/2010/main" val="0"/>
-              </a:ext>
-            </a:extLst>
-          </a:blip>
-          <a:srcRect/>
-          <a:stretch>
-            <a:fillRect/>
-          </a:stretch>
-        </p:blipFill>
-        <p:spPr bwMode="auto">
-          <a:xfrm>
-            <a:off x="1619505" y="3906829"/>
-            <a:ext cx="518865" cy="518865"/>
-          </a:xfrm>
-          <a:prstGeom prst="rect">
-            <a:avLst/>
-          </a:prstGeom>
-          <a:noFill/>
-          <a:extLst>
-            <a:ext uri="{909E8E84-426E-40DD-AFC4-6F175D3DCCD1}">
-              <a14:hiddenFill xmlns:a14="http://schemas.microsoft.com/office/drawing/2010/main">
-                <a:solidFill>
-                  <a:srgbClr val="FFFFFF"/>
-                </a:solidFill>
-              </a14:hiddenFill>
-            </a:ext>
-          </a:extLst>
-        </p:spPr>
-      </p:pic>
-      <p:cxnSp>
-        <p:nvCxnSpPr>
-          <p:cNvPr id="21" name="Straight Connector 20"/>
-          <p:cNvCxnSpPr/>
-          <p:nvPr/>
-        </p:nvCxnSpPr>
-        <p:spPr>
-          <a:xfrm flipH="1">
-            <a:off x="1362695" y="3626708"/>
-            <a:ext cx="1048898" cy="1015011"/>
-          </a:xfrm>
-          <a:prstGeom prst="line">
-            <a:avLst/>
-          </a:prstGeom>
+          <a:ln>
+            <a:headEnd type="arrow"/>
+            <a:tailEnd type="none"/>
+          </a:ln>
         </p:spPr>
         <p:style>
           <a:lnRef idx="1">
@@ -4727,18 +4719,22 @@
       </p:cxnSp>
       <p:cxnSp>
         <p:nvCxnSpPr>
-          <p:cNvPr id="29" name="Straight Connector 28"/>
+          <p:cNvPr id="19" name="Straight Connector 18"/>
           <p:cNvCxnSpPr/>
           <p:nvPr/>
         </p:nvCxnSpPr>
         <p:spPr>
           <a:xfrm>
-            <a:off x="1227230" y="1539961"/>
-            <a:ext cx="1048898" cy="1015011"/>
+            <a:off x="827584" y="1412776"/>
+            <a:ext cx="535111" cy="3228943"/>
           </a:xfrm>
           <a:prstGeom prst="line">
             <a:avLst/>
           </a:prstGeom>
+          <a:ln>
+            <a:headEnd type="arrow"/>
+            <a:tailEnd type="none"/>
+          </a:ln>
         </p:spPr>
         <p:style>
           <a:lnRef idx="1">
@@ -4755,48 +4751,10 @@
           </a:fontRef>
         </p:style>
       </p:cxnSp>
-      <p:sp>
-        <p:nvSpPr>
-          <p:cNvPr id="25" name="TextBox 24"/>
-          <p:cNvSpPr txBox="1"/>
-          <p:nvPr/>
-        </p:nvSpPr>
-        <p:spPr>
-          <a:xfrm>
-            <a:off x="3203848" y="188640"/>
-            <a:ext cx="2583271" cy="646331"/>
-          </a:xfrm>
-          <a:prstGeom prst="rect">
-            <a:avLst/>
-          </a:prstGeom>
-          <a:noFill/>
-        </p:spPr>
-        <p:txBody>
-          <a:bodyPr wrap="none" rtlCol="0">
-            <a:spAutoFit/>
-          </a:bodyPr>
-          <a:lstStyle/>
-          <a:p>
-            <a:r>
-              <a:rPr lang="en-GB" sz="3600" dirty="0" smtClean="0">
-                <a:solidFill>
-                  <a:srgbClr val="00B050"/>
-                </a:solidFill>
-              </a:rPr>
-              <a:t>“Attach PDF”</a:t>
-            </a:r>
-            <a:endParaRPr lang="en-GB" sz="3600" dirty="0">
-              <a:solidFill>
-                <a:srgbClr val="00B050"/>
-              </a:solidFill>
-            </a:endParaRPr>
-          </a:p>
-        </p:txBody>
-      </p:sp>
     </p:spTree>
     <p:extLst>
       <p:ext uri="{BB962C8B-B14F-4D97-AF65-F5344CB8AC3E}">
-        <p14:creationId xmlns:p14="http://schemas.microsoft.com/office/powerpoint/2010/main" val="3395648477"/>
+        <p14:creationId xmlns:p14="http://schemas.microsoft.com/office/powerpoint/2010/main" val="3569851147"/>
       </p:ext>
     </p:extLst>
   </p:cSld>
@@ -4880,7 +4838,7 @@
         <p:spPr>
           <a:xfrm>
             <a:off x="1140729" y="332656"/>
-            <a:ext cx="1262077" cy="369332"/>
+            <a:ext cx="1262077" cy="646331"/>
           </a:xfrm>
           <a:prstGeom prst="rect">
             <a:avLst/>
@@ -4894,15 +4852,18 @@
           <a:lstStyle/>
           <a:p>
             <a:r>
-              <a:rPr lang="en-GB" dirty="0"/>
+              <a:rPr lang="en-GB"/>
               <a:t>Transaction</a:t>
             </a:r>
+          </a:p>
+          <a:p>
+            <a:endParaRPr lang="en-GB" dirty="0"/>
           </a:p>
         </p:txBody>
       </p:sp>
       <p:pic>
         <p:nvPicPr>
-          <p:cNvPr id="1027" name="Picture 3" descr="C:\GITHUB\incodehq\incode-module-document\dom\src\main\java\org\incode\module\document\dom\impl\docs\Document-pdf.png"/>
+          <p:cNvPr id="13" name="Picture 3" descr="C:\GITHUB\incodehq\incode-module-document\dom\src\main\java\org\incode\module\document\dom\impl\docs\Document-pdf.png"/>
           <p:cNvPicPr>
             <a:picLocks noChangeAspect="1" noChangeArrowheads="1"/>
           </p:cNvPicPr>
@@ -4923,7 +4884,7 @@
         </p:blipFill>
         <p:spPr bwMode="auto">
           <a:xfrm>
-            <a:off x="2363960" y="2546588"/>
+            <a:off x="827584" y="4785735"/>
             <a:ext cx="916260" cy="916260"/>
           </a:xfrm>
           <a:prstGeom prst="rect">
@@ -4943,14 +4904,14 @@
       </p:pic>
       <p:sp>
         <p:nvSpPr>
-          <p:cNvPr id="12" name="TextBox 11"/>
+          <p:cNvPr id="14" name="TextBox 13"/>
           <p:cNvSpPr txBox="1"/>
           <p:nvPr/>
         </p:nvSpPr>
         <p:spPr>
           <a:xfrm>
-            <a:off x="2372135" y="3484433"/>
-            <a:ext cx="1165191" cy="646331"/>
+            <a:off x="549656" y="5733913"/>
+            <a:ext cx="1669688" cy="646331"/>
           </a:xfrm>
           <a:prstGeom prst="rect">
             <a:avLst/>
@@ -4963,12 +4924,22 @@
           </a:bodyPr>
           <a:lstStyle/>
           <a:p>
-            <a:r>
-              <a:rPr lang="en-GB" dirty="0" smtClean="0"/>
-              <a:t>(Invoice)</a:t>
-            </a:r>
-          </a:p>
-          <a:p>
+            <a:pPr algn="ctr"/>
+            <a:r>
+              <a:rPr lang="en-GB" dirty="0"/>
+              <a:t>(</a:t>
+            </a:r>
+            <a:r>
+              <a:rPr lang="en-GB" dirty="0" err="1"/>
+              <a:t>eg</a:t>
+            </a:r>
+            <a:r>
+              <a:rPr lang="en-GB" dirty="0"/>
+              <a:t> Tax register)</a:t>
+            </a:r>
+          </a:p>
+          <a:p>
+            <a:pPr algn="ctr"/>
             <a:r>
               <a:rPr lang="en-GB" dirty="0" smtClean="0"/>
               <a:t>Document</a:t>
@@ -4979,7 +4950,132 @@
       </p:sp>
       <p:pic>
         <p:nvPicPr>
-          <p:cNvPr id="13" name="Picture 3" descr="C:\GITHUB\incodehq\incode-module-document\dom\src\main\java\org\incode\module\document\dom\impl\docs\Document-pdf.png"/>
+          <p:cNvPr id="20" name="Picture 4" descr="C:\GITHUB\incodehq\incode-module-document\dom\src\main\java\org\incode\module\document\dom\impl\paperclips\Paperclip.png"/>
+          <p:cNvPicPr>
+            <a:picLocks noChangeAspect="1" noChangeArrowheads="1"/>
+          </p:cNvPicPr>
+          <p:nvPr/>
+        </p:nvPicPr>
+        <p:blipFill>
+          <a:blip r:embed="rId4">
+            <a:extLst>
+              <a:ext uri="{28A0092B-C50C-407E-A947-70E740481C1C}">
+                <a14:useLocalDpi xmlns:a14="http://schemas.microsoft.com/office/drawing/2010/main" val="0"/>
+              </a:ext>
+            </a:extLst>
+          </a:blip>
+          <a:srcRect/>
+          <a:stretch>
+            <a:fillRect/>
+          </a:stretch>
+        </p:blipFill>
+        <p:spPr bwMode="auto">
+          <a:xfrm>
+            <a:off x="780858" y="2767814"/>
+            <a:ext cx="518865" cy="518865"/>
+          </a:xfrm>
+          <a:prstGeom prst="rect">
+            <a:avLst/>
+          </a:prstGeom>
+          <a:noFill/>
+          <a:extLst>
+            <a:ext uri="{909E8E84-426E-40DD-AFC4-6F175D3DCCD1}">
+              <a14:hiddenFill xmlns:a14="http://schemas.microsoft.com/office/drawing/2010/main">
+                <a:solidFill>
+                  <a:srgbClr val="FFFFFF"/>
+                </a:solidFill>
+              </a14:hiddenFill>
+            </a:ext>
+          </a:extLst>
+        </p:spPr>
+      </p:pic>
+      <p:cxnSp>
+        <p:nvCxnSpPr>
+          <p:cNvPr id="21" name="Straight Connector 20"/>
+          <p:cNvCxnSpPr/>
+          <p:nvPr/>
+        </p:nvCxnSpPr>
+        <p:spPr>
+          <a:xfrm>
+            <a:off x="827584" y="1412776"/>
+            <a:ext cx="535111" cy="3228943"/>
+          </a:xfrm>
+          <a:prstGeom prst="line">
+            <a:avLst/>
+          </a:prstGeom>
+        </p:spPr>
+        <p:style>
+          <a:lnRef idx="1">
+            <a:schemeClr val="accent1"/>
+          </a:lnRef>
+          <a:fillRef idx="0">
+            <a:schemeClr val="accent1"/>
+          </a:fillRef>
+          <a:effectRef idx="0">
+            <a:schemeClr val="accent1"/>
+          </a:effectRef>
+          <a:fontRef idx="minor">
+            <a:schemeClr val="tx1"/>
+          </a:fontRef>
+        </p:style>
+      </p:cxnSp>
+      <p:sp>
+        <p:nvSpPr>
+          <p:cNvPr id="25" name="TextBox 24"/>
+          <p:cNvSpPr txBox="1"/>
+          <p:nvPr/>
+        </p:nvSpPr>
+        <p:spPr>
+          <a:xfrm>
+            <a:off x="2123728" y="4489956"/>
+            <a:ext cx="6767943" cy="523220"/>
+          </a:xfrm>
+          <a:prstGeom prst="rect">
+            <a:avLst/>
+          </a:prstGeom>
+          <a:noFill/>
+        </p:spPr>
+        <p:txBody>
+          <a:bodyPr wrap="none" rtlCol="0">
+            <a:spAutoFit/>
+          </a:bodyPr>
+          <a:lstStyle/>
+          <a:p>
+            <a:r>
+              <a:rPr lang="en-GB" sz="2800" dirty="0" smtClean="0">
+                <a:solidFill>
+                  <a:srgbClr val="00B050"/>
+                </a:solidFill>
+              </a:rPr>
+              <a:t>“Notices” </a:t>
+            </a:r>
+            <a:r>
+              <a:rPr lang="en-GB" sz="2800" dirty="0" smtClean="0">
+                <a:solidFill>
+                  <a:srgbClr val="00B050"/>
+                </a:solidFill>
+              </a:rPr>
+              <a:t>the attached PDF and </a:t>
+            </a:r>
+            <a:r>
+              <a:rPr lang="en-GB" sz="2800" dirty="0" smtClean="0">
+                <a:solidFill>
+                  <a:srgbClr val="00B050"/>
+                </a:solidFill>
+              </a:rPr>
+              <a:t>sets up a link</a:t>
+            </a:r>
+            <a:endParaRPr lang="en-GB" sz="2800" dirty="0">
+              <a:solidFill>
+                <a:srgbClr val="00B050"/>
+              </a:solidFill>
+            </a:endParaRPr>
+          </a:p>
+        </p:txBody>
+      </p:sp>
+      <p:pic>
+        <p:nvPicPr>
+          <p:cNvPr id="10" name="Picture 3" descr="C:\GITHUB\incodehq\incode-module-document\dom\src\main\java\org\incode\module\document\dom\impl\docs\Document-pdf.png"/>
           <p:cNvPicPr>
             <a:picLocks noChangeAspect="1" noChangeArrowheads="1"/>
           </p:cNvPicPr>
@@ -5000,7 +5096,7 @@
         </p:blipFill>
         <p:spPr bwMode="auto">
           <a:xfrm>
-            <a:off x="827584" y="4785735"/>
+            <a:off x="2363960" y="2546588"/>
             <a:ext cx="916260" cy="916260"/>
           </a:xfrm>
           <a:prstGeom prst="rect">
@@ -5020,14 +5116,14 @@
       </p:pic>
       <p:sp>
         <p:nvSpPr>
-          <p:cNvPr id="14" name="TextBox 13"/>
+          <p:cNvPr id="11" name="TextBox 10"/>
           <p:cNvSpPr txBox="1"/>
           <p:nvPr/>
         </p:nvSpPr>
         <p:spPr>
           <a:xfrm>
-            <a:off x="715951" y="5733913"/>
-            <a:ext cx="1337097" cy="646331"/>
+            <a:off x="2372135" y="3484433"/>
+            <a:ext cx="1165191" cy="646331"/>
           </a:xfrm>
           <a:prstGeom prst="rect">
             <a:avLst/>
@@ -5040,14 +5136,12 @@
           </a:bodyPr>
           <a:lstStyle/>
           <a:p>
-            <a:pPr algn="ctr"/>
             <a:r>
               <a:rPr lang="en-GB" dirty="0" smtClean="0"/>
-              <a:t>(Tax receipt)</a:t>
-            </a:r>
-          </a:p>
-          <a:p>
-            <a:pPr algn="ctr"/>
+              <a:t>(Invoice)</a:t>
+            </a:r>
+          </a:p>
+          <a:p>
             <a:r>
               <a:rPr lang="en-GB" dirty="0" smtClean="0"/>
               <a:t>Document</a:t>
@@ -5058,7 +5152,7 @@
       </p:sp>
       <p:pic>
         <p:nvPicPr>
-          <p:cNvPr id="1028" name="Picture 4" descr="C:\GITHUB\incodehq\incode-module-document\dom\src\main\java\org\incode\module\document\dom\impl\paperclips\Paperclip.png"/>
+          <p:cNvPr id="17" name="Picture 4" descr="C:\GITHUB\incodehq\incode-module-document\dom\src\main\java\org\incode\module\document\dom\impl\paperclips\Paperclip.png"/>
           <p:cNvPicPr>
             <a:picLocks noChangeAspect="1" noChangeArrowheads="1"/>
           </p:cNvPicPr>
@@ -5079,7 +5173,7 @@
         </p:blipFill>
         <p:spPr bwMode="auto">
           <a:xfrm>
-            <a:off x="1331640" y="1667682"/>
+            <a:off x="1748879" y="3906829"/>
             <a:ext cx="518865" cy="518865"/>
           </a:xfrm>
           <a:prstGeom prst="rect">
@@ -5099,18 +5193,22 @@
       </p:pic>
       <p:cxnSp>
         <p:nvCxnSpPr>
-          <p:cNvPr id="11" name="Straight Connector 10"/>
+          <p:cNvPr id="18" name="Straight Connector 17"/>
           <p:cNvCxnSpPr/>
           <p:nvPr/>
         </p:nvCxnSpPr>
         <p:spPr>
-          <a:xfrm>
-            <a:off x="1074830" y="1387561"/>
-            <a:ext cx="1048898" cy="1015011"/>
+          <a:xfrm flipH="1">
+            <a:off x="1619505" y="3626708"/>
+            <a:ext cx="792088" cy="1015011"/>
           </a:xfrm>
           <a:prstGeom prst="line">
             <a:avLst/>
           </a:prstGeom>
+          <a:ln>
+            <a:headEnd type="arrow"/>
+            <a:tailEnd type="none"/>
+          </a:ln>
         </p:spPr>
         <p:style>
           <a:lnRef idx="1">
@@ -5129,7 +5227,7 @@
       </p:cxnSp>
       <p:pic>
         <p:nvPicPr>
-          <p:cNvPr id="20" name="Picture 4" descr="C:\GITHUB\incodehq\incode-module-document\dom\src\main\java\org\incode\module\document\dom\impl\paperclips\Paperclip.png"/>
+          <p:cNvPr id="19" name="Picture 4" descr="C:\GITHUB\incodehq\incode-module-document\dom\src\main\java\org\incode\module\document\dom\impl\paperclips\Paperclip.png"/>
           <p:cNvPicPr>
             <a:picLocks noChangeAspect="1" noChangeArrowheads="1"/>
           </p:cNvPicPr>
@@ -5150,7 +5248,7 @@
         </p:blipFill>
         <p:spPr bwMode="auto">
           <a:xfrm>
-            <a:off x="1619505" y="3906829"/>
+            <a:off x="1331640" y="1667682"/>
             <a:ext cx="518865" cy="518865"/>
           </a:xfrm>
           <a:prstGeom prst="rect">
@@ -5170,18 +5268,22 @@
       </p:pic>
       <p:cxnSp>
         <p:nvCxnSpPr>
-          <p:cNvPr id="21" name="Straight Connector 20"/>
+          <p:cNvPr id="22" name="Straight Connector 21"/>
           <p:cNvCxnSpPr/>
           <p:nvPr/>
         </p:nvCxnSpPr>
         <p:spPr>
-          <a:xfrm flipH="1">
-            <a:off x="1362695" y="3626708"/>
-            <a:ext cx="1048898" cy="1015011"/>
+          <a:xfrm>
+            <a:off x="1074830" y="1387561"/>
+            <a:ext cx="1201298" cy="1159027"/>
           </a:xfrm>
           <a:prstGeom prst="line">
             <a:avLst/>
           </a:prstGeom>
+          <a:ln>
+            <a:headEnd type="arrow"/>
+            <a:tailEnd type="none"/>
+          </a:ln>
         </p:spPr>
         <p:style>
           <a:lnRef idx="1">
@@ -5198,297 +5300,10 @@
           </a:fontRef>
         </p:style>
       </p:cxnSp>
-      <p:pic>
-        <p:nvPicPr>
-          <p:cNvPr id="1029" name="Picture 5" descr="C:\GITHUB\incodehq\incode-module-communications\module\src\main\java\org\incode\module\communications\dom\impl\comms\Communication-email.png"/>
-          <p:cNvPicPr>
-            <a:picLocks noChangeAspect="1" noChangeArrowheads="1"/>
-          </p:cNvPicPr>
-          <p:nvPr/>
-        </p:nvPicPr>
-        <p:blipFill>
-          <a:blip r:embed="rId5">
-            <a:extLst>
-              <a:ext uri="{28A0092B-C50C-407E-A947-70E740481C1C}">
-                <a14:useLocalDpi xmlns:a14="http://schemas.microsoft.com/office/drawing/2010/main" val="0"/>
-              </a:ext>
-            </a:extLst>
-          </a:blip>
-          <a:srcRect/>
-          <a:stretch>
-            <a:fillRect/>
-          </a:stretch>
-        </p:blipFill>
-        <p:spPr bwMode="auto">
-          <a:xfrm>
-            <a:off x="6732240" y="2449322"/>
-            <a:ext cx="1163127" cy="1163127"/>
-          </a:xfrm>
-          <a:prstGeom prst="rect">
-            <a:avLst/>
-          </a:prstGeom>
-          <a:noFill/>
-          <a:extLst>
-            <a:ext uri="{909E8E84-426E-40DD-AFC4-6F175D3DCCD1}">
-              <a14:hiddenFill xmlns:a14="http://schemas.microsoft.com/office/drawing/2010/main">
-                <a:solidFill>
-                  <a:srgbClr val="FFFFFF"/>
-                </a:solidFill>
-              </a14:hiddenFill>
-            </a:ext>
-          </a:extLst>
-        </p:spPr>
-      </p:pic>
-      <p:sp>
-        <p:nvSpPr>
-          <p:cNvPr id="24" name="TextBox 23"/>
-          <p:cNvSpPr txBox="1"/>
-          <p:nvPr/>
-        </p:nvSpPr>
-        <p:spPr>
-          <a:xfrm>
-            <a:off x="6643394" y="3410684"/>
-            <a:ext cx="1673022" cy="646331"/>
-          </a:xfrm>
-          <a:prstGeom prst="rect">
-            <a:avLst/>
-          </a:prstGeom>
-          <a:noFill/>
-        </p:spPr>
-        <p:txBody>
-          <a:bodyPr wrap="none" rtlCol="0">
-            <a:spAutoFit/>
-          </a:bodyPr>
-          <a:lstStyle/>
-          <a:p>
-            <a:r>
-              <a:rPr lang="en-GB" dirty="0" smtClean="0"/>
-              <a:t>(Post)</a:t>
-            </a:r>
-          </a:p>
-          <a:p>
-            <a:r>
-              <a:rPr lang="en-GB" dirty="0" smtClean="0"/>
-              <a:t>Communication</a:t>
-            </a:r>
-            <a:endParaRPr lang="en-GB" dirty="0"/>
-          </a:p>
-        </p:txBody>
-      </p:sp>
-      <p:pic>
-        <p:nvPicPr>
-          <p:cNvPr id="27" name="Picture 4" descr="C:\GITHUB\incodehq\incode-module-document\dom\src\main\java\org\incode\module\document\dom\impl\paperclips\Paperclip.png"/>
-          <p:cNvPicPr>
-            <a:picLocks noChangeAspect="1" noChangeArrowheads="1"/>
-          </p:cNvPicPr>
-          <p:nvPr/>
-        </p:nvPicPr>
-        <p:blipFill>
-          <a:blip r:embed="rId4">
-            <a:extLst>
-              <a:ext uri="{28A0092B-C50C-407E-A947-70E740481C1C}">
-                <a14:useLocalDpi xmlns:a14="http://schemas.microsoft.com/office/drawing/2010/main" val="0"/>
-              </a:ext>
-            </a:extLst>
-          </a:blip>
-          <a:srcRect/>
-          <a:stretch>
-            <a:fillRect/>
-          </a:stretch>
-        </p:blipFill>
-        <p:spPr bwMode="auto">
-          <a:xfrm>
-            <a:off x="4460367" y="2766119"/>
-            <a:ext cx="518865" cy="518865"/>
-          </a:xfrm>
-          <a:prstGeom prst="rect">
-            <a:avLst/>
-          </a:prstGeom>
-          <a:noFill/>
-          <a:extLst>
-            <a:ext uri="{909E8E84-426E-40DD-AFC4-6F175D3DCCD1}">
-              <a14:hiddenFill xmlns:a14="http://schemas.microsoft.com/office/drawing/2010/main">
-                <a:solidFill>
-                  <a:srgbClr val="FFFFFF"/>
-                </a:solidFill>
-              </a14:hiddenFill>
-            </a:ext>
-          </a:extLst>
-        </p:spPr>
-      </p:pic>
-      <p:cxnSp>
-        <p:nvCxnSpPr>
-          <p:cNvPr id="29" name="Straight Connector 28"/>
-          <p:cNvCxnSpPr/>
-          <p:nvPr/>
-        </p:nvCxnSpPr>
-        <p:spPr>
-          <a:xfrm>
-            <a:off x="1227230" y="1539961"/>
-            <a:ext cx="1048898" cy="1015011"/>
-          </a:xfrm>
-          <a:prstGeom prst="line">
-            <a:avLst/>
-          </a:prstGeom>
-        </p:spPr>
-        <p:style>
-          <a:lnRef idx="1">
-            <a:schemeClr val="accent1"/>
-          </a:lnRef>
-          <a:fillRef idx="0">
-            <a:schemeClr val="accent1"/>
-          </a:fillRef>
-          <a:effectRef idx="0">
-            <a:schemeClr val="accent1"/>
-          </a:effectRef>
-          <a:fontRef idx="minor">
-            <a:schemeClr val="tx1"/>
-          </a:fontRef>
-        </p:style>
-      </p:cxnSp>
-      <p:cxnSp>
-        <p:nvCxnSpPr>
-          <p:cNvPr id="30" name="Straight Connector 29"/>
-          <p:cNvCxnSpPr/>
-          <p:nvPr/>
-        </p:nvCxnSpPr>
-        <p:spPr>
-          <a:xfrm>
-            <a:off x="3380247" y="3004718"/>
-            <a:ext cx="3096344" cy="26167"/>
-          </a:xfrm>
-          <a:prstGeom prst="line">
-            <a:avLst/>
-          </a:prstGeom>
-        </p:spPr>
-        <p:style>
-          <a:lnRef idx="1">
-            <a:schemeClr val="accent1"/>
-          </a:lnRef>
-          <a:fillRef idx="0">
-            <a:schemeClr val="accent1"/>
-          </a:fillRef>
-          <a:effectRef idx="0">
-            <a:schemeClr val="accent1"/>
-          </a:effectRef>
-          <a:fontRef idx="minor">
-            <a:schemeClr val="tx1"/>
-          </a:fontRef>
-        </p:style>
-      </p:cxnSp>
-      <p:pic>
-        <p:nvPicPr>
-          <p:cNvPr id="25" name="Picture 4" descr="C:\GITHUB\incodehq\incode-module-document\dom\src\main\java\org\incode\module\document\dom\impl\paperclips\Paperclip.png"/>
-          <p:cNvPicPr>
-            <a:picLocks noChangeAspect="1" noChangeArrowheads="1"/>
-          </p:cNvPicPr>
-          <p:nvPr/>
-        </p:nvPicPr>
-        <p:blipFill>
-          <a:blip r:embed="rId4">
-            <a:extLst>
-              <a:ext uri="{28A0092B-C50C-407E-A947-70E740481C1C}">
-                <a14:useLocalDpi xmlns:a14="http://schemas.microsoft.com/office/drawing/2010/main" val="0"/>
-              </a:ext>
-            </a:extLst>
-          </a:blip>
-          <a:srcRect/>
-          <a:stretch>
-            <a:fillRect/>
-          </a:stretch>
-        </p:blipFill>
-        <p:spPr bwMode="auto">
-          <a:xfrm>
-            <a:off x="3596601" y="4206279"/>
-            <a:ext cx="518865" cy="518865"/>
-          </a:xfrm>
-          <a:prstGeom prst="rect">
-            <a:avLst/>
-          </a:prstGeom>
-          <a:noFill/>
-          <a:extLst>
-            <a:ext uri="{909E8E84-426E-40DD-AFC4-6F175D3DCCD1}">
-              <a14:hiddenFill xmlns:a14="http://schemas.microsoft.com/office/drawing/2010/main">
-                <a:solidFill>
-                  <a:srgbClr val="FFFFFF"/>
-                </a:solidFill>
-              </a14:hiddenFill>
-            </a:ext>
-          </a:extLst>
-        </p:spPr>
-      </p:pic>
-      <p:cxnSp>
-        <p:nvCxnSpPr>
-          <p:cNvPr id="31" name="Straight Connector 30"/>
-          <p:cNvCxnSpPr/>
-          <p:nvPr/>
-        </p:nvCxnSpPr>
-        <p:spPr>
-          <a:xfrm flipV="1">
-            <a:off x="2053048" y="3337233"/>
-            <a:ext cx="4391160" cy="1890007"/>
-          </a:xfrm>
-          <a:prstGeom prst="line">
-            <a:avLst/>
-          </a:prstGeom>
-        </p:spPr>
-        <p:style>
-          <a:lnRef idx="1">
-            <a:schemeClr val="accent1"/>
-          </a:lnRef>
-          <a:fillRef idx="0">
-            <a:schemeClr val="accent1"/>
-          </a:fillRef>
-          <a:effectRef idx="0">
-            <a:schemeClr val="accent1"/>
-          </a:effectRef>
-          <a:fontRef idx="minor">
-            <a:schemeClr val="tx1"/>
-          </a:fontRef>
-        </p:style>
-      </p:cxnSp>
-      <p:sp>
-        <p:nvSpPr>
-          <p:cNvPr id="32" name="TextBox 31"/>
-          <p:cNvSpPr txBox="1"/>
-          <p:nvPr/>
-        </p:nvSpPr>
-        <p:spPr>
-          <a:xfrm>
-            <a:off x="3203848" y="188640"/>
-            <a:ext cx="2973250" cy="646331"/>
-          </a:xfrm>
-          <a:prstGeom prst="rect">
-            <a:avLst/>
-          </a:prstGeom>
-          <a:noFill/>
-        </p:spPr>
-        <p:txBody>
-          <a:bodyPr wrap="none" rtlCol="0">
-            <a:spAutoFit/>
-          </a:bodyPr>
-          <a:lstStyle/>
-          <a:p>
-            <a:r>
-              <a:rPr lang="en-GB" sz="3600" dirty="0" smtClean="0">
-                <a:solidFill>
-                  <a:srgbClr val="00B050"/>
-                </a:solidFill>
-              </a:rPr>
-              <a:t>“Send by Post”</a:t>
-            </a:r>
-            <a:endParaRPr lang="en-GB" sz="3600" dirty="0">
-              <a:solidFill>
-                <a:srgbClr val="00B050"/>
-              </a:solidFill>
-            </a:endParaRPr>
-          </a:p>
-        </p:txBody>
-      </p:sp>
     </p:spTree>
     <p:extLst>
       <p:ext uri="{BB962C8B-B14F-4D97-AF65-F5344CB8AC3E}">
-        <p14:creationId xmlns:p14="http://schemas.microsoft.com/office/powerpoint/2010/main" val="3079389626"/>
+        <p14:creationId xmlns:p14="http://schemas.microsoft.com/office/powerpoint/2010/main" val="775045194"/>
       </p:ext>
     </p:extLst>
   </p:cSld>
@@ -5572,7 +5387,7 @@
         <p:spPr>
           <a:xfrm>
             <a:off x="1140729" y="332656"/>
-            <a:ext cx="1262077" cy="369332"/>
+            <a:ext cx="1262077" cy="646331"/>
           </a:xfrm>
           <a:prstGeom prst="rect">
             <a:avLst/>
@@ -5589,6 +5404,9 @@
               <a:rPr lang="en-GB" dirty="0"/>
               <a:t>Transaction</a:t>
             </a:r>
+          </a:p>
+          <a:p>
+            <a:endParaRPr lang="en-GB" dirty="0"/>
           </a:p>
         </p:txBody>
       </p:sp>
@@ -5718,8 +5536,8 @@
         </p:nvSpPr>
         <p:spPr>
           <a:xfrm>
-            <a:off x="715951" y="5733913"/>
-            <a:ext cx="1337097" cy="646331"/>
+            <a:off x="549656" y="5733913"/>
+            <a:ext cx="1669688" cy="646331"/>
           </a:xfrm>
           <a:prstGeom prst="rect">
             <a:avLst/>
@@ -5735,8 +5553,17 @@
             <a:pPr algn="ctr"/>
             <a:r>
               <a:rPr lang="en-GB" dirty="0" smtClean="0"/>
-              <a:t>(Tax receipt)</a:t>
-            </a:r>
+              <a:t>(</a:t>
+            </a:r>
+            <a:r>
+              <a:rPr lang="en-GB" dirty="0" err="1" smtClean="0"/>
+              <a:t>eg</a:t>
+            </a:r>
+            <a:r>
+              <a:rPr lang="en-GB" dirty="0" smtClean="0"/>
+              <a:t> Tax register)</a:t>
+            </a:r>
+            <a:endParaRPr lang="en-GB" dirty="0" smtClean="0"/>
           </a:p>
           <a:p>
             <a:pPr algn="ctr"/>
@@ -5750,7 +5577,7 @@
       </p:sp>
       <p:pic>
         <p:nvPicPr>
-          <p:cNvPr id="1028" name="Picture 4" descr="C:\GITHUB\incodehq\incode-module-document\dom\src\main\java\org\incode\module\document\dom\impl\paperclips\Paperclip.png"/>
+          <p:cNvPr id="1029" name="Picture 5" descr="C:\GITHUB\incodehq\incode-module-communications\module\src\main\java\org\incode\module\communications\dom\impl\comms\Communication-email.png"/>
           <p:cNvPicPr>
             <a:picLocks noChangeAspect="1" noChangeArrowheads="1"/>
           </p:cNvPicPr>
@@ -5771,8 +5598,8 @@
         </p:blipFill>
         <p:spPr bwMode="auto">
           <a:xfrm>
-            <a:off x="1331640" y="1667682"/>
-            <a:ext cx="518865" cy="518865"/>
+            <a:off x="6732240" y="2449322"/>
+            <a:ext cx="1163127" cy="1163127"/>
           </a:xfrm>
           <a:prstGeom prst="rect">
             <a:avLst/>
@@ -5789,20 +5616,362 @@
           </a:extLst>
         </p:spPr>
       </p:pic>
+      <p:sp>
+        <p:nvSpPr>
+          <p:cNvPr id="24" name="TextBox 23"/>
+          <p:cNvSpPr txBox="1"/>
+          <p:nvPr/>
+        </p:nvSpPr>
+        <p:spPr>
+          <a:xfrm>
+            <a:off x="6643394" y="3410684"/>
+            <a:ext cx="1673022" cy="646331"/>
+          </a:xfrm>
+          <a:prstGeom prst="rect">
+            <a:avLst/>
+          </a:prstGeom>
+          <a:noFill/>
+        </p:spPr>
+        <p:txBody>
+          <a:bodyPr wrap="none" rtlCol="0">
+            <a:spAutoFit/>
+          </a:bodyPr>
+          <a:lstStyle/>
+          <a:p>
+            <a:r>
+              <a:rPr lang="en-GB" dirty="0" smtClean="0"/>
+              <a:t>(Post)</a:t>
+            </a:r>
+          </a:p>
+          <a:p>
+            <a:r>
+              <a:rPr lang="en-GB" dirty="0" smtClean="0"/>
+              <a:t>Communication</a:t>
+            </a:r>
+            <a:endParaRPr lang="en-GB" dirty="0"/>
+          </a:p>
+        </p:txBody>
+      </p:sp>
+      <p:pic>
+        <p:nvPicPr>
+          <p:cNvPr id="27" name="Picture 4" descr="C:\GITHUB\incodehq\incode-module-document\dom\src\main\java\org\incode\module\document\dom\impl\paperclips\Paperclip.png"/>
+          <p:cNvPicPr>
+            <a:picLocks noChangeAspect="1" noChangeArrowheads="1"/>
+          </p:cNvPicPr>
+          <p:nvPr/>
+        </p:nvPicPr>
+        <p:blipFill>
+          <a:blip r:embed="rId5">
+            <a:extLst>
+              <a:ext uri="{28A0092B-C50C-407E-A947-70E740481C1C}">
+                <a14:useLocalDpi xmlns:a14="http://schemas.microsoft.com/office/drawing/2010/main" val="0"/>
+              </a:ext>
+            </a:extLst>
+          </a:blip>
+          <a:srcRect/>
+          <a:stretch>
+            <a:fillRect/>
+          </a:stretch>
+        </p:blipFill>
+        <p:spPr bwMode="auto">
+          <a:xfrm>
+            <a:off x="4460367" y="2766119"/>
+            <a:ext cx="518865" cy="518865"/>
+          </a:xfrm>
+          <a:prstGeom prst="rect">
+            <a:avLst/>
+          </a:prstGeom>
+          <a:noFill/>
+          <a:extLst>
+            <a:ext uri="{909E8E84-426E-40DD-AFC4-6F175D3DCCD1}">
+              <a14:hiddenFill xmlns:a14="http://schemas.microsoft.com/office/drawing/2010/main">
+                <a:solidFill>
+                  <a:srgbClr val="FFFFFF"/>
+                </a:solidFill>
+              </a14:hiddenFill>
+            </a:ext>
+          </a:extLst>
+        </p:spPr>
+      </p:pic>
+      <p:pic>
+        <p:nvPicPr>
+          <p:cNvPr id="25" name="Picture 4" descr="C:\GITHUB\incodehq\incode-module-document\dom\src\main\java\org\incode\module\document\dom\impl\paperclips\Paperclip.png"/>
+          <p:cNvPicPr>
+            <a:picLocks noChangeAspect="1" noChangeArrowheads="1"/>
+          </p:cNvPicPr>
+          <p:nvPr/>
+        </p:nvPicPr>
+        <p:blipFill>
+          <a:blip r:embed="rId5">
+            <a:extLst>
+              <a:ext uri="{28A0092B-C50C-407E-A947-70E740481C1C}">
+                <a14:useLocalDpi xmlns:a14="http://schemas.microsoft.com/office/drawing/2010/main" val="0"/>
+              </a:ext>
+            </a:extLst>
+          </a:blip>
+          <a:srcRect/>
+          <a:stretch>
+            <a:fillRect/>
+          </a:stretch>
+        </p:blipFill>
+        <p:spPr bwMode="auto">
+          <a:xfrm>
+            <a:off x="3596601" y="4206279"/>
+            <a:ext cx="518865" cy="518865"/>
+          </a:xfrm>
+          <a:prstGeom prst="rect">
+            <a:avLst/>
+          </a:prstGeom>
+          <a:noFill/>
+          <a:extLst>
+            <a:ext uri="{909E8E84-426E-40DD-AFC4-6F175D3DCCD1}">
+              <a14:hiddenFill xmlns:a14="http://schemas.microsoft.com/office/drawing/2010/main">
+                <a:solidFill>
+                  <a:srgbClr val="FFFFFF"/>
+                </a:solidFill>
+              </a14:hiddenFill>
+            </a:ext>
+          </a:extLst>
+        </p:spPr>
+      </p:pic>
       <p:cxnSp>
         <p:nvCxnSpPr>
-          <p:cNvPr id="11" name="Straight Connector 10"/>
+          <p:cNvPr id="31" name="Straight Connector 30"/>
           <p:cNvCxnSpPr/>
           <p:nvPr/>
         </p:nvCxnSpPr>
         <p:spPr>
+          <a:xfrm flipV="1">
+            <a:off x="2053048" y="3337233"/>
+            <a:ext cx="4391160" cy="1890007"/>
+          </a:xfrm>
+          <a:prstGeom prst="line">
+            <a:avLst/>
+          </a:prstGeom>
+          <a:ln>
+            <a:tailEnd type="arrow"/>
+          </a:ln>
+        </p:spPr>
+        <p:style>
+          <a:lnRef idx="1">
+            <a:schemeClr val="accent1"/>
+          </a:lnRef>
+          <a:fillRef idx="0">
+            <a:schemeClr val="accent1"/>
+          </a:fillRef>
+          <a:effectRef idx="0">
+            <a:schemeClr val="accent1"/>
+          </a:effectRef>
+          <a:fontRef idx="minor">
+            <a:schemeClr val="tx1"/>
+          </a:fontRef>
+        </p:style>
+      </p:cxnSp>
+      <p:sp>
+        <p:nvSpPr>
+          <p:cNvPr id="32" name="TextBox 31"/>
+          <p:cNvSpPr txBox="1"/>
+          <p:nvPr/>
+        </p:nvSpPr>
+        <p:spPr>
+          <a:xfrm>
+            <a:off x="3203848" y="188640"/>
+            <a:ext cx="2973250" cy="646331"/>
+          </a:xfrm>
+          <a:prstGeom prst="rect">
+            <a:avLst/>
+          </a:prstGeom>
+          <a:noFill/>
+        </p:spPr>
+        <p:txBody>
+          <a:bodyPr wrap="none" rtlCol="0">
+            <a:spAutoFit/>
+          </a:bodyPr>
+          <a:lstStyle/>
+          <a:p>
+            <a:r>
+              <a:rPr lang="en-GB" sz="3600" dirty="0" smtClean="0">
+                <a:solidFill>
+                  <a:srgbClr val="00B050"/>
+                </a:solidFill>
+              </a:rPr>
+              <a:t>“Send by Post”</a:t>
+            </a:r>
+            <a:endParaRPr lang="en-GB" sz="3600" dirty="0">
+              <a:solidFill>
+                <a:srgbClr val="00B050"/>
+              </a:solidFill>
+            </a:endParaRPr>
+          </a:p>
+        </p:txBody>
+      </p:sp>
+      <p:pic>
+        <p:nvPicPr>
+          <p:cNvPr id="22" name="Picture 4" descr="C:\GITHUB\incodehq\incode-module-document\dom\src\main\java\org\incode\module\document\dom\impl\paperclips\Paperclip.png"/>
+          <p:cNvPicPr>
+            <a:picLocks noChangeAspect="1" noChangeArrowheads="1"/>
+          </p:cNvPicPr>
+          <p:nvPr/>
+        </p:nvPicPr>
+        <p:blipFill>
+          <a:blip r:embed="rId5">
+            <a:extLst>
+              <a:ext uri="{28A0092B-C50C-407E-A947-70E740481C1C}">
+                <a14:useLocalDpi xmlns:a14="http://schemas.microsoft.com/office/drawing/2010/main" val="0"/>
+              </a:ext>
+            </a:extLst>
+          </a:blip>
+          <a:srcRect/>
+          <a:stretch>
+            <a:fillRect/>
+          </a:stretch>
+        </p:blipFill>
+        <p:spPr bwMode="auto">
+          <a:xfrm>
+            <a:off x="780858" y="2767814"/>
+            <a:ext cx="518865" cy="518865"/>
+          </a:xfrm>
+          <a:prstGeom prst="rect">
+            <a:avLst/>
+          </a:prstGeom>
+          <a:noFill/>
+          <a:extLst>
+            <a:ext uri="{909E8E84-426E-40DD-AFC4-6F175D3DCCD1}">
+              <a14:hiddenFill xmlns:a14="http://schemas.microsoft.com/office/drawing/2010/main">
+                <a:solidFill>
+                  <a:srgbClr val="FFFFFF"/>
+                </a:solidFill>
+              </a14:hiddenFill>
+            </a:ext>
+          </a:extLst>
+        </p:spPr>
+      </p:pic>
+      <p:pic>
+        <p:nvPicPr>
+          <p:cNvPr id="26" name="Picture 4" descr="C:\GITHUB\incodehq\incode-module-document\dom\src\main\java\org\incode\module\document\dom\impl\paperclips\Paperclip.png"/>
+          <p:cNvPicPr>
+            <a:picLocks noChangeAspect="1" noChangeArrowheads="1"/>
+          </p:cNvPicPr>
+          <p:nvPr/>
+        </p:nvPicPr>
+        <p:blipFill>
+          <a:blip r:embed="rId5">
+            <a:extLst>
+              <a:ext uri="{28A0092B-C50C-407E-A947-70E740481C1C}">
+                <a14:useLocalDpi xmlns:a14="http://schemas.microsoft.com/office/drawing/2010/main" val="0"/>
+              </a:ext>
+            </a:extLst>
+          </a:blip>
+          <a:srcRect/>
+          <a:stretch>
+            <a:fillRect/>
+          </a:stretch>
+        </p:blipFill>
+        <p:spPr bwMode="auto">
+          <a:xfrm>
+            <a:off x="1331640" y="1667682"/>
+            <a:ext cx="518865" cy="518865"/>
+          </a:xfrm>
+          <a:prstGeom prst="rect">
+            <a:avLst/>
+          </a:prstGeom>
+          <a:noFill/>
+          <a:extLst>
+            <a:ext uri="{909E8E84-426E-40DD-AFC4-6F175D3DCCD1}">
+              <a14:hiddenFill xmlns:a14="http://schemas.microsoft.com/office/drawing/2010/main">
+                <a:solidFill>
+                  <a:srgbClr val="FFFFFF"/>
+                </a:solidFill>
+              </a14:hiddenFill>
+            </a:ext>
+          </a:extLst>
+        </p:spPr>
+      </p:pic>
+      <p:cxnSp>
+        <p:nvCxnSpPr>
+          <p:cNvPr id="28" name="Straight Connector 27"/>
+          <p:cNvCxnSpPr/>
+          <p:nvPr/>
+        </p:nvCxnSpPr>
+        <p:spPr>
           <a:xfrm>
             <a:off x="1074830" y="1387561"/>
-            <a:ext cx="1048898" cy="1015011"/>
+            <a:ext cx="1201298" cy="1159027"/>
           </a:xfrm>
           <a:prstGeom prst="line">
             <a:avLst/>
           </a:prstGeom>
+          <a:ln>
+            <a:headEnd type="arrow"/>
+            <a:tailEnd type="none"/>
+          </a:ln>
+        </p:spPr>
+        <p:style>
+          <a:lnRef idx="1">
+            <a:schemeClr val="accent1"/>
+          </a:lnRef>
+          <a:fillRef idx="0">
+            <a:schemeClr val="accent1"/>
+          </a:fillRef>
+          <a:effectRef idx="0">
+            <a:schemeClr val="accent1"/>
+          </a:effectRef>
+          <a:fontRef idx="minor">
+            <a:schemeClr val="tx1"/>
+          </a:fontRef>
+        </p:style>
+      </p:cxnSp>
+      <p:cxnSp>
+        <p:nvCxnSpPr>
+          <p:cNvPr id="33" name="Straight Connector 32"/>
+          <p:cNvCxnSpPr/>
+          <p:nvPr/>
+        </p:nvCxnSpPr>
+        <p:spPr>
+          <a:xfrm>
+            <a:off x="3380247" y="3004718"/>
+            <a:ext cx="3096344" cy="26167"/>
+          </a:xfrm>
+          <a:prstGeom prst="line">
+            <a:avLst/>
+          </a:prstGeom>
+          <a:ln>
+            <a:tailEnd type="arrow"/>
+          </a:ln>
+        </p:spPr>
+        <p:style>
+          <a:lnRef idx="1">
+            <a:schemeClr val="accent1"/>
+          </a:lnRef>
+          <a:fillRef idx="0">
+            <a:schemeClr val="accent1"/>
+          </a:fillRef>
+          <a:effectRef idx="0">
+            <a:schemeClr val="accent1"/>
+          </a:effectRef>
+          <a:fontRef idx="minor">
+            <a:schemeClr val="tx1"/>
+          </a:fontRef>
+        </p:style>
+      </p:cxnSp>
+      <p:cxnSp>
+        <p:nvCxnSpPr>
+          <p:cNvPr id="34" name="Straight Connector 33"/>
+          <p:cNvCxnSpPr/>
+          <p:nvPr/>
+        </p:nvCxnSpPr>
+        <p:spPr>
+          <a:xfrm>
+            <a:off x="827584" y="1412776"/>
+            <a:ext cx="535111" cy="3228943"/>
+          </a:xfrm>
+          <a:prstGeom prst="line">
+            <a:avLst/>
+          </a:prstGeom>
+          <a:ln>
+            <a:headEnd type="arrow"/>
+            <a:tailEnd type="none"/>
+          </a:ln>
         </p:spPr>
         <p:style>
           <a:lnRef idx="1">
@@ -5821,14 +5990,14 @@
       </p:cxnSp>
       <p:pic>
         <p:nvPicPr>
-          <p:cNvPr id="20" name="Picture 4" descr="C:\GITHUB\incodehq\incode-module-document\dom\src\main\java\org\incode\module\document\dom\impl\paperclips\Paperclip.png"/>
+          <p:cNvPr id="35" name="Picture 4" descr="C:\GITHUB\incodehq\incode-module-document\dom\src\main\java\org\incode\module\document\dom\impl\paperclips\Paperclip.png"/>
           <p:cNvPicPr>
             <a:picLocks noChangeAspect="1" noChangeArrowheads="1"/>
           </p:cNvPicPr>
           <p:nvPr/>
         </p:nvPicPr>
         <p:blipFill>
-          <a:blip r:embed="rId4">
+          <a:blip r:embed="rId5">
             <a:extLst>
               <a:ext uri="{28A0092B-C50C-407E-A947-70E740481C1C}">
                 <a14:useLocalDpi xmlns:a14="http://schemas.microsoft.com/office/drawing/2010/main" val="0"/>
@@ -5842,7 +6011,7 @@
         </p:blipFill>
         <p:spPr bwMode="auto">
           <a:xfrm>
-            <a:off x="1619505" y="3906829"/>
+            <a:off x="1748879" y="3906829"/>
             <a:ext cx="518865" cy="518865"/>
           </a:xfrm>
           <a:prstGeom prst="rect">
@@ -5862,18 +6031,22 @@
       </p:pic>
       <p:cxnSp>
         <p:nvCxnSpPr>
-          <p:cNvPr id="21" name="Straight Connector 20"/>
+          <p:cNvPr id="36" name="Straight Connector 35"/>
           <p:cNvCxnSpPr/>
           <p:nvPr/>
         </p:nvCxnSpPr>
         <p:spPr>
           <a:xfrm flipH="1">
-            <a:off x="1362695" y="3626708"/>
-            <a:ext cx="1048898" cy="1015011"/>
+            <a:off x="1619505" y="3626708"/>
+            <a:ext cx="792088" cy="1015011"/>
           </a:xfrm>
           <a:prstGeom prst="line">
             <a:avLst/>
           </a:prstGeom>
+          <a:ln>
+            <a:headEnd type="arrow"/>
+            <a:tailEnd type="none"/>
+          </a:ln>
         </p:spPr>
         <p:style>
           <a:lnRef idx="1">
@@ -5890,57 +6063,16 @@
           </a:fontRef>
         </p:style>
       </p:cxnSp>
-      <p:pic>
-        <p:nvPicPr>
-          <p:cNvPr id="1029" name="Picture 5" descr="C:\GITHUB\incodehq\incode-module-communications\module\src\main\java\org\incode\module\communications\dom\impl\comms\Communication-email.png"/>
-          <p:cNvPicPr>
-            <a:picLocks noChangeAspect="1" noChangeArrowheads="1"/>
-          </p:cNvPicPr>
-          <p:nvPr/>
-        </p:nvPicPr>
-        <p:blipFill>
-          <a:blip r:embed="rId5">
-            <a:extLst>
-              <a:ext uri="{28A0092B-C50C-407E-A947-70E740481C1C}">
-                <a14:useLocalDpi xmlns:a14="http://schemas.microsoft.com/office/drawing/2010/main" val="0"/>
-              </a:ext>
-            </a:extLst>
-          </a:blip>
-          <a:srcRect/>
-          <a:stretch>
-            <a:fillRect/>
-          </a:stretch>
-        </p:blipFill>
-        <p:spPr bwMode="auto">
-          <a:xfrm>
-            <a:off x="6732240" y="2449322"/>
-            <a:ext cx="1163127" cy="1163127"/>
-          </a:xfrm>
-          <a:prstGeom prst="rect">
-            <a:avLst/>
-          </a:prstGeom>
-          <a:noFill/>
-          <a:extLst>
-            <a:ext uri="{909E8E84-426E-40DD-AFC4-6F175D3DCCD1}">
-              <a14:hiddenFill xmlns:a14="http://schemas.microsoft.com/office/drawing/2010/main">
-                <a:solidFill>
-                  <a:srgbClr val="FFFFFF"/>
-                </a:solidFill>
-              </a14:hiddenFill>
-            </a:ext>
-          </a:extLst>
-        </p:spPr>
-      </p:pic>
-      <p:sp>
-        <p:nvSpPr>
-          <p:cNvPr id="24" name="TextBox 23"/>
+      <p:sp>
+        <p:nvSpPr>
+          <p:cNvPr id="37" name="TextBox 36"/>
           <p:cNvSpPr txBox="1"/>
           <p:nvPr/>
         </p:nvSpPr>
         <p:spPr>
           <a:xfrm>
-            <a:off x="6643394" y="3410684"/>
-            <a:ext cx="1673022" cy="646331"/>
+            <a:off x="3700481" y="4995173"/>
+            <a:ext cx="5191999" cy="954107"/>
           </a:xfrm>
           <a:prstGeom prst="rect">
             <a:avLst/>
@@ -5954,372 +6086,29 @@
           <a:lstStyle/>
           <a:p>
             <a:r>
-              <a:rPr lang="en-GB" dirty="0" smtClean="0"/>
-              <a:t>(Email)</a:t>
-            </a:r>
-          </a:p>
-          <a:p>
-            <a:r>
-              <a:rPr lang="en-GB" dirty="0" smtClean="0"/>
-              <a:t>Communication</a:t>
-            </a:r>
-            <a:endParaRPr lang="en-GB" dirty="0"/>
-          </a:p>
-        </p:txBody>
-      </p:sp>
-      <p:pic>
-        <p:nvPicPr>
-          <p:cNvPr id="1030" name="Picture 6" descr="C:\GITHUB\incodehq\incode-module-document\dom\src\main\java\org\incode\module\document\dom\impl\docs\Document-html.png"/>
-          <p:cNvPicPr>
-            <a:picLocks noChangeAspect="1" noChangeArrowheads="1"/>
-          </p:cNvPicPr>
-          <p:nvPr/>
-        </p:nvPicPr>
-        <p:blipFill>
-          <a:blip r:embed="rId6">
-            <a:extLst>
-              <a:ext uri="{28A0092B-C50C-407E-A947-70E740481C1C}">
-                <a14:useLocalDpi xmlns:a14="http://schemas.microsoft.com/office/drawing/2010/main" val="0"/>
-              </a:ext>
-            </a:extLst>
-          </a:blip>
-          <a:srcRect/>
-          <a:stretch>
-            <a:fillRect/>
-          </a:stretch>
-        </p:blipFill>
-        <p:spPr bwMode="auto">
-          <a:xfrm>
-            <a:off x="4716016" y="4811548"/>
-            <a:ext cx="831384" cy="831384"/>
-          </a:xfrm>
-          <a:prstGeom prst="rect">
-            <a:avLst/>
-          </a:prstGeom>
-          <a:noFill/>
-          <a:extLst>
-            <a:ext uri="{909E8E84-426E-40DD-AFC4-6F175D3DCCD1}">
-              <a14:hiddenFill xmlns:a14="http://schemas.microsoft.com/office/drawing/2010/main">
-                <a:solidFill>
-                  <a:srgbClr val="FFFFFF"/>
-                </a:solidFill>
-              </a14:hiddenFill>
-            </a:ext>
-          </a:extLst>
-        </p:spPr>
-      </p:pic>
-      <p:sp>
-        <p:nvSpPr>
-          <p:cNvPr id="26" name="TextBox 25"/>
-          <p:cNvSpPr txBox="1"/>
-          <p:nvPr/>
-        </p:nvSpPr>
-        <p:spPr>
-          <a:xfrm>
-            <a:off x="4244343" y="5644673"/>
-            <a:ext cx="1892185" cy="646331"/>
-          </a:xfrm>
-          <a:prstGeom prst="rect">
-            <a:avLst/>
-          </a:prstGeom>
-          <a:noFill/>
-        </p:spPr>
-        <p:txBody>
-          <a:bodyPr wrap="none" rtlCol="0">
-            <a:spAutoFit/>
-          </a:bodyPr>
-          <a:lstStyle/>
-          <a:p>
-            <a:pPr algn="ctr"/>
-            <a:r>
-              <a:rPr lang="en-GB" dirty="0" smtClean="0"/>
-              <a:t>(Email cover note)</a:t>
-            </a:r>
-          </a:p>
-          <a:p>
-            <a:pPr algn="ctr"/>
-            <a:r>
-              <a:rPr lang="en-GB" dirty="0" smtClean="0"/>
-              <a:t>Document</a:t>
-            </a:r>
-            <a:endParaRPr lang="en-GB" dirty="0"/>
-          </a:p>
-        </p:txBody>
-      </p:sp>
-      <p:pic>
-        <p:nvPicPr>
-          <p:cNvPr id="27" name="Picture 4" descr="C:\GITHUB\incodehq\incode-module-document\dom\src\main\java\org\incode\module\document\dom\impl\paperclips\Paperclip.png"/>
-          <p:cNvPicPr>
-            <a:picLocks noChangeAspect="1" noChangeArrowheads="1"/>
-          </p:cNvPicPr>
-          <p:nvPr/>
-        </p:nvPicPr>
-        <p:blipFill>
-          <a:blip r:embed="rId4">
-            <a:extLst>
-              <a:ext uri="{28A0092B-C50C-407E-A947-70E740481C1C}">
-                <a14:useLocalDpi xmlns:a14="http://schemas.microsoft.com/office/drawing/2010/main" val="0"/>
-              </a:ext>
-            </a:extLst>
-          </a:blip>
-          <a:srcRect/>
-          <a:stretch>
-            <a:fillRect/>
-          </a:stretch>
-        </p:blipFill>
-        <p:spPr bwMode="auto">
-          <a:xfrm>
-            <a:off x="4460367" y="2766119"/>
-            <a:ext cx="518865" cy="518865"/>
-          </a:xfrm>
-          <a:prstGeom prst="rect">
-            <a:avLst/>
-          </a:prstGeom>
-          <a:noFill/>
-          <a:extLst>
-            <a:ext uri="{909E8E84-426E-40DD-AFC4-6F175D3DCCD1}">
-              <a14:hiddenFill xmlns:a14="http://schemas.microsoft.com/office/drawing/2010/main">
-                <a:solidFill>
-                  <a:srgbClr val="FFFFFF"/>
-                </a:solidFill>
-              </a14:hiddenFill>
-            </a:ext>
-          </a:extLst>
-        </p:spPr>
-      </p:pic>
-      <p:cxnSp>
-        <p:nvCxnSpPr>
-          <p:cNvPr id="29" name="Straight Connector 28"/>
-          <p:cNvCxnSpPr/>
-          <p:nvPr/>
-        </p:nvCxnSpPr>
-        <p:spPr>
-          <a:xfrm>
-            <a:off x="1227230" y="1539961"/>
-            <a:ext cx="1048898" cy="1015011"/>
-          </a:xfrm>
-          <a:prstGeom prst="line">
-            <a:avLst/>
-          </a:prstGeom>
-        </p:spPr>
-        <p:style>
-          <a:lnRef idx="1">
-            <a:schemeClr val="accent1"/>
-          </a:lnRef>
-          <a:fillRef idx="0">
-            <a:schemeClr val="accent1"/>
-          </a:fillRef>
-          <a:effectRef idx="0">
-            <a:schemeClr val="accent1"/>
-          </a:effectRef>
-          <a:fontRef idx="minor">
-            <a:schemeClr val="tx1"/>
-          </a:fontRef>
-        </p:style>
-      </p:cxnSp>
-      <p:cxnSp>
-        <p:nvCxnSpPr>
-          <p:cNvPr id="30" name="Straight Connector 29"/>
-          <p:cNvCxnSpPr/>
-          <p:nvPr/>
-        </p:nvCxnSpPr>
-        <p:spPr>
-          <a:xfrm>
-            <a:off x="3380247" y="3004718"/>
-            <a:ext cx="3096344" cy="26167"/>
-          </a:xfrm>
-          <a:prstGeom prst="line">
-            <a:avLst/>
-          </a:prstGeom>
-        </p:spPr>
-        <p:style>
-          <a:lnRef idx="1">
-            <a:schemeClr val="accent1"/>
-          </a:lnRef>
-          <a:fillRef idx="0">
-            <a:schemeClr val="accent1"/>
-          </a:fillRef>
-          <a:effectRef idx="0">
-            <a:schemeClr val="accent1"/>
-          </a:effectRef>
-          <a:fontRef idx="minor">
-            <a:schemeClr val="tx1"/>
-          </a:fontRef>
-        </p:style>
-      </p:cxnSp>
-      <p:pic>
-        <p:nvPicPr>
-          <p:cNvPr id="33" name="Picture 4" descr="C:\GITHUB\incodehq\incode-module-document\dom\src\main\java\org\incode\module\document\dom\impl\paperclips\Paperclip.png"/>
-          <p:cNvPicPr>
-            <a:picLocks noChangeAspect="1" noChangeArrowheads="1"/>
-          </p:cNvPicPr>
-          <p:nvPr/>
-        </p:nvPicPr>
-        <p:blipFill>
-          <a:blip r:embed="rId4">
-            <a:extLst>
-              <a:ext uri="{28A0092B-C50C-407E-A947-70E740481C1C}">
-                <a14:useLocalDpi xmlns:a14="http://schemas.microsoft.com/office/drawing/2010/main" val="0"/>
-              </a:ext>
-            </a:extLst>
-          </a:blip>
-          <a:srcRect/>
-          <a:stretch>
-            <a:fillRect/>
-          </a:stretch>
-        </p:blipFill>
-        <p:spPr bwMode="auto">
-          <a:xfrm>
-            <a:off x="5813710" y="3933056"/>
-            <a:ext cx="518865" cy="518865"/>
-          </a:xfrm>
-          <a:prstGeom prst="rect">
-            <a:avLst/>
-          </a:prstGeom>
-          <a:noFill/>
-          <a:extLst>
-            <a:ext uri="{909E8E84-426E-40DD-AFC4-6F175D3DCCD1}">
-              <a14:hiddenFill xmlns:a14="http://schemas.microsoft.com/office/drawing/2010/main">
-                <a:solidFill>
-                  <a:srgbClr val="FFFFFF"/>
-                </a:solidFill>
-              </a14:hiddenFill>
-            </a:ext>
-          </a:extLst>
-        </p:spPr>
-      </p:pic>
-      <p:cxnSp>
-        <p:nvCxnSpPr>
-          <p:cNvPr id="35" name="Straight Connector 34"/>
-          <p:cNvCxnSpPr/>
-          <p:nvPr/>
-        </p:nvCxnSpPr>
-        <p:spPr>
-          <a:xfrm flipH="1">
-            <a:off x="5571709" y="3638125"/>
-            <a:ext cx="1048898" cy="1015011"/>
-          </a:xfrm>
-          <a:prstGeom prst="line">
-            <a:avLst/>
-          </a:prstGeom>
-        </p:spPr>
-        <p:style>
-          <a:lnRef idx="1">
-            <a:schemeClr val="accent1"/>
-          </a:lnRef>
-          <a:fillRef idx="0">
-            <a:schemeClr val="accent1"/>
-          </a:fillRef>
-          <a:effectRef idx="0">
-            <a:schemeClr val="accent1"/>
-          </a:effectRef>
-          <a:fontRef idx="minor">
-            <a:schemeClr val="tx1"/>
-          </a:fontRef>
-        </p:style>
-      </p:cxnSp>
-      <p:pic>
-        <p:nvPicPr>
-          <p:cNvPr id="25" name="Picture 4" descr="C:\GITHUB\incodehq\incode-module-document\dom\src\main\java\org\incode\module\document\dom\impl\paperclips\Paperclip.png"/>
-          <p:cNvPicPr>
-            <a:picLocks noChangeAspect="1" noChangeArrowheads="1"/>
-          </p:cNvPicPr>
-          <p:nvPr/>
-        </p:nvPicPr>
-        <p:blipFill>
-          <a:blip r:embed="rId4">
-            <a:extLst>
-              <a:ext uri="{28A0092B-C50C-407E-A947-70E740481C1C}">
-                <a14:useLocalDpi xmlns:a14="http://schemas.microsoft.com/office/drawing/2010/main" val="0"/>
-              </a:ext>
-            </a:extLst>
-          </a:blip>
-          <a:srcRect/>
-          <a:stretch>
-            <a:fillRect/>
-          </a:stretch>
-        </p:blipFill>
-        <p:spPr bwMode="auto">
-          <a:xfrm>
-            <a:off x="3596601" y="4206279"/>
-            <a:ext cx="518865" cy="518865"/>
-          </a:xfrm>
-          <a:prstGeom prst="rect">
-            <a:avLst/>
-          </a:prstGeom>
-          <a:noFill/>
-          <a:extLst>
-            <a:ext uri="{909E8E84-426E-40DD-AFC4-6F175D3DCCD1}">
-              <a14:hiddenFill xmlns:a14="http://schemas.microsoft.com/office/drawing/2010/main">
-                <a:solidFill>
-                  <a:srgbClr val="FFFFFF"/>
-                </a:solidFill>
-              </a14:hiddenFill>
-            </a:ext>
-          </a:extLst>
-        </p:spPr>
-      </p:pic>
-      <p:cxnSp>
-        <p:nvCxnSpPr>
-          <p:cNvPr id="32" name="Straight Connector 31"/>
-          <p:cNvCxnSpPr/>
-          <p:nvPr/>
-        </p:nvCxnSpPr>
-        <p:spPr>
-          <a:xfrm flipV="1">
-            <a:off x="2053048" y="3337233"/>
-            <a:ext cx="4391160" cy="1890007"/>
-          </a:xfrm>
-          <a:prstGeom prst="line">
-            <a:avLst/>
-          </a:prstGeom>
-        </p:spPr>
-        <p:style>
-          <a:lnRef idx="1">
-            <a:schemeClr val="accent1"/>
-          </a:lnRef>
-          <a:fillRef idx="0">
-            <a:schemeClr val="accent1"/>
-          </a:fillRef>
-          <a:effectRef idx="0">
-            <a:schemeClr val="accent1"/>
-          </a:effectRef>
-          <a:fontRef idx="minor">
-            <a:schemeClr val="tx1"/>
-          </a:fontRef>
-        </p:style>
-      </p:cxnSp>
-      <p:sp>
-        <p:nvSpPr>
-          <p:cNvPr id="36" name="TextBox 35"/>
-          <p:cNvSpPr txBox="1"/>
-          <p:nvPr/>
-        </p:nvSpPr>
-        <p:spPr>
-          <a:xfrm>
-            <a:off x="3203848" y="188640"/>
-            <a:ext cx="3181640" cy="646331"/>
-          </a:xfrm>
-          <a:prstGeom prst="rect">
-            <a:avLst/>
-          </a:prstGeom>
-          <a:noFill/>
-        </p:spPr>
-        <p:txBody>
-          <a:bodyPr wrap="none" rtlCol="0">
-            <a:spAutoFit/>
-          </a:bodyPr>
-          <a:lstStyle/>
-          <a:p>
-            <a:r>
-              <a:rPr lang="en-GB" sz="3600" dirty="0" smtClean="0">
+              <a:rPr lang="en-GB" sz="2800" dirty="0" smtClean="0">
                 <a:solidFill>
                   <a:srgbClr val="00B050"/>
                 </a:solidFill>
               </a:rPr>
-              <a:t>“Send by Email”</a:t>
-            </a:r>
-            <a:endParaRPr lang="en-GB" sz="3600" dirty="0">
+              <a:t>Communication links to document</a:t>
+            </a:r>
+            <a:br>
+              <a:rPr lang="en-GB" sz="2800" dirty="0" smtClean="0">
+                <a:solidFill>
+                  <a:srgbClr val="00B050"/>
+                </a:solidFill>
+              </a:rPr>
+            </a:br>
+            <a:r>
+              <a:rPr lang="en-GB" sz="2800" dirty="0" smtClean="0">
+                <a:solidFill>
+                  <a:srgbClr val="00B050"/>
+                </a:solidFill>
+              </a:rPr>
+              <a:t>and its supporting documents</a:t>
+            </a:r>
+            <a:endParaRPr lang="en-GB" sz="2800" dirty="0">
               <a:solidFill>
                 <a:srgbClr val="00B050"/>
               </a:solidFill>
@@ -6330,7 +6119,7 @@
     </p:spTree>
     <p:extLst>
       <p:ext uri="{BB962C8B-B14F-4D97-AF65-F5344CB8AC3E}">
-        <p14:creationId xmlns:p14="http://schemas.microsoft.com/office/powerpoint/2010/main" val="1525338773"/>
+        <p14:creationId xmlns:p14="http://schemas.microsoft.com/office/powerpoint/2010/main" val="4126229046"/>
       </p:ext>
     </p:extLst>
   </p:cSld>
@@ -6364,90 +6153,6 @@
           <a:chExt cx="0" cy="0"/>
         </a:xfrm>
       </p:grpSpPr>
-      <p:sp>
-        <p:nvSpPr>
-          <p:cNvPr id="2" name="Title 1"/>
-          <p:cNvSpPr>
-            <a:spLocks noGrp="1"/>
-          </p:cNvSpPr>
-          <p:nvPr>
-            <p:ph type="ctrTitle"/>
-          </p:nvPr>
-        </p:nvSpPr>
-        <p:spPr/>
-        <p:txBody>
-          <a:bodyPr/>
-          <a:lstStyle/>
-          <a:p>
-            <a:r>
-              <a:rPr lang="en-GB" dirty="0" smtClean="0"/>
-              <a:t>Attachments</a:t>
-            </a:r>
-            <a:endParaRPr lang="en-GB" dirty="0"/>
-          </a:p>
-        </p:txBody>
-      </p:sp>
-      <p:sp>
-        <p:nvSpPr>
-          <p:cNvPr id="4" name="Subtitle 3"/>
-          <p:cNvSpPr>
-            <a:spLocks noGrp="1"/>
-          </p:cNvSpPr>
-          <p:nvPr>
-            <p:ph type="subTitle" idx="1"/>
-          </p:nvPr>
-        </p:nvSpPr>
-        <p:spPr/>
-        <p:txBody>
-          <a:bodyPr/>
-          <a:lstStyle/>
-          <a:p>
-            <a:r>
-              <a:rPr lang="en-GB" dirty="0" smtClean="0"/>
-              <a:t>2</a:t>
-            </a:r>
-            <a:r>
-              <a:rPr lang="en-GB" baseline="30000" dirty="0" smtClean="0"/>
-              <a:t>nd</a:t>
-            </a:r>
-            <a:r>
-              <a:rPr lang="en-GB" dirty="0" smtClean="0"/>
-              <a:t> design</a:t>
-            </a:r>
-            <a:endParaRPr lang="en-GB" dirty="0"/>
-          </a:p>
-        </p:txBody>
-      </p:sp>
-    </p:spTree>
-    <p:extLst>
-      <p:ext uri="{BB962C8B-B14F-4D97-AF65-F5344CB8AC3E}">
-        <p14:creationId xmlns:p14="http://schemas.microsoft.com/office/powerpoint/2010/main" val="42115942"/>
-      </p:ext>
-    </p:extLst>
-  </p:cSld>
-  <p:clrMapOvr>
-    <a:masterClrMapping/>
-  </p:clrMapOvr>
-</p:sld>
-</file>
-
-<file path=ppt/slides/slide18.xml><?xml version="1.0" encoding="utf-8"?>
-<p:sld xmlns:a="http://schemas.openxmlformats.org/drawingml/2006/main" xmlns:r="http://schemas.openxmlformats.org/officeDocument/2006/relationships" xmlns:p="http://schemas.openxmlformats.org/presentationml/2006/main">
-  <p:cSld>
-    <p:spTree>
-      <p:nvGrpSpPr>
-        <p:cNvPr id="1" name=""/>
-        <p:cNvGrpSpPr/>
-        <p:nvPr/>
-      </p:nvGrpSpPr>
-      <p:grpSpPr>
-        <a:xfrm>
-          <a:off x="0" y="0"/>
-          <a:ext cx="0" cy="0"/>
-          <a:chOff x="0" y="0"/>
-          <a:chExt cx="0" cy="0"/>
-        </a:xfrm>
-      </p:grpSpPr>
       <p:pic>
         <p:nvPicPr>
           <p:cNvPr id="1026" name="Picture 2" descr="C:\GITHUB\estatio\estatio\estatioapp\module\invoice\dom\src\main\java\org\estatio\dom\invoice\Invoice.png"/>
@@ -6498,7 +6203,7 @@
         <p:spPr>
           <a:xfrm>
             <a:off x="1140729" y="332656"/>
-            <a:ext cx="1262077" cy="369332"/>
+            <a:ext cx="1262077" cy="646331"/>
           </a:xfrm>
           <a:prstGeom prst="rect">
             <a:avLst/>
@@ -6512,126 +6217,18 @@
           <a:lstStyle/>
           <a:p>
             <a:r>
-              <a:rPr lang="en-GB" dirty="0" smtClean="0"/>
+              <a:rPr lang="en-GB"/>
               <a:t>Transaction</a:t>
             </a:r>
+          </a:p>
+          <a:p>
             <a:endParaRPr lang="en-GB" dirty="0"/>
           </a:p>
         </p:txBody>
       </p:sp>
-    </p:spTree>
-    <p:extLst>
-      <p:ext uri="{BB962C8B-B14F-4D97-AF65-F5344CB8AC3E}">
-        <p14:creationId xmlns:p14="http://schemas.microsoft.com/office/powerpoint/2010/main" val="335661757"/>
-      </p:ext>
-    </p:extLst>
-  </p:cSld>
-  <p:clrMapOvr>
-    <a:masterClrMapping/>
-  </p:clrMapOvr>
-  <p:timing>
-    <p:tnLst>
-      <p:par>
-        <p:cTn id="1" dur="indefinite" restart="never" nodeType="tmRoot"/>
-      </p:par>
-    </p:tnLst>
-  </p:timing>
-</p:sld>
-</file>
-
-<file path=ppt/slides/slide19.xml><?xml version="1.0" encoding="utf-8"?>
-<p:sld xmlns:a="http://schemas.openxmlformats.org/drawingml/2006/main" xmlns:r="http://schemas.openxmlformats.org/officeDocument/2006/relationships" xmlns:p="http://schemas.openxmlformats.org/presentationml/2006/main">
-  <p:cSld>
-    <p:spTree>
-      <p:nvGrpSpPr>
-        <p:cNvPr id="1" name=""/>
-        <p:cNvGrpSpPr/>
-        <p:nvPr/>
-      </p:nvGrpSpPr>
-      <p:grpSpPr>
-        <a:xfrm>
-          <a:off x="0" y="0"/>
-          <a:ext cx="0" cy="0"/>
-          <a:chOff x="0" y="0"/>
-          <a:chExt cx="0" cy="0"/>
-        </a:xfrm>
-      </p:grpSpPr>
       <p:pic>
         <p:nvPicPr>
-          <p:cNvPr id="1026" name="Picture 2" descr="C:\GITHUB\estatio\estatio\estatioapp\module\invoice\dom\src\main\java\org\estatio\dom\invoice\Invoice.png"/>
-          <p:cNvPicPr>
-            <a:picLocks noChangeAspect="1" noChangeArrowheads="1"/>
-          </p:cNvPicPr>
-          <p:nvPr/>
-        </p:nvPicPr>
-        <p:blipFill>
-          <a:blip r:embed="rId2">
-            <a:extLst>
-              <a:ext uri="{28A0092B-C50C-407E-A947-70E740481C1C}">
-                <a14:useLocalDpi xmlns:a14="http://schemas.microsoft.com/office/drawing/2010/main" val="0"/>
-              </a:ext>
-            </a:extLst>
-          </a:blip>
-          <a:srcRect/>
-          <a:stretch>
-            <a:fillRect/>
-          </a:stretch>
-        </p:blipFill>
-        <p:spPr bwMode="auto">
-          <a:xfrm>
-            <a:off x="211895" y="332656"/>
-            <a:ext cx="916260" cy="916260"/>
-          </a:xfrm>
-          <a:prstGeom prst="rect">
-            <a:avLst/>
-          </a:prstGeom>
-          <a:noFill/>
-          <a:extLst>
-            <a:ext uri="{909E8E84-426E-40DD-AFC4-6F175D3DCCD1}">
-              <a14:hiddenFill xmlns:a14="http://schemas.microsoft.com/office/drawing/2010/main">
-                <a:solidFill>
-                  <a:srgbClr val="FFFFFF"/>
-                </a:solidFill>
-              </a14:hiddenFill>
-            </a:ext>
-          </a:extLst>
-        </p:spPr>
-      </p:pic>
-      <p:sp>
-        <p:nvSpPr>
-          <p:cNvPr id="9" name="TextBox 8"/>
-          <p:cNvSpPr txBox="1"/>
-          <p:nvPr/>
-        </p:nvSpPr>
-        <p:spPr>
-          <a:xfrm>
-            <a:off x="1140729" y="332656"/>
-            <a:ext cx="1262077" cy="646331"/>
-          </a:xfrm>
-          <a:prstGeom prst="rect">
-            <a:avLst/>
-          </a:prstGeom>
-          <a:noFill/>
-        </p:spPr>
-        <p:txBody>
-          <a:bodyPr wrap="none" rtlCol="0">
-            <a:spAutoFit/>
-          </a:bodyPr>
-          <a:lstStyle/>
-          <a:p>
-            <a:r>
-              <a:rPr lang="en-GB"/>
-              <a:t>Transaction</a:t>
-            </a:r>
-          </a:p>
-          <a:p>
-            <a:endParaRPr lang="en-GB" dirty="0"/>
-          </a:p>
-        </p:txBody>
-      </p:sp>
-      <p:pic>
-        <p:nvPicPr>
-          <p:cNvPr id="13" name="Picture 3" descr="C:\GITHUB\incodehq\incode-module-document\dom\src\main\java\org\incode\module\document\dom\impl\docs\Document-pdf.png"/>
+          <p:cNvPr id="1027" name="Picture 3" descr="C:\GITHUB\incodehq\incode-module-document\dom\src\main\java\org\incode\module\document\dom\impl\docs\Document-pdf.png"/>
           <p:cNvPicPr>
             <a:picLocks noChangeAspect="1" noChangeArrowheads="1"/>
           </p:cNvPicPr>
@@ -6652,7 +6249,7 @@
         </p:blipFill>
         <p:spPr bwMode="auto">
           <a:xfrm>
-            <a:off x="827584" y="4785735"/>
+            <a:off x="2363960" y="2546588"/>
             <a:ext cx="916260" cy="916260"/>
           </a:xfrm>
           <a:prstGeom prst="rect">
@@ -6672,14 +6269,14 @@
       </p:pic>
       <p:sp>
         <p:nvSpPr>
-          <p:cNvPr id="14" name="TextBox 13"/>
+          <p:cNvPr id="12" name="TextBox 11"/>
           <p:cNvSpPr txBox="1"/>
           <p:nvPr/>
         </p:nvSpPr>
         <p:spPr>
           <a:xfrm>
-            <a:off x="715951" y="5733913"/>
-            <a:ext cx="1337097" cy="646331"/>
+            <a:off x="2372135" y="3484433"/>
+            <a:ext cx="1165191" cy="646331"/>
           </a:xfrm>
           <a:prstGeom prst="rect">
             <a:avLst/>
@@ -6692,14 +6289,12 @@
           </a:bodyPr>
           <a:lstStyle/>
           <a:p>
-            <a:pPr algn="ctr"/>
             <a:r>
               <a:rPr lang="en-GB" dirty="0" smtClean="0"/>
-              <a:t>(Tax receipt)</a:t>
-            </a:r>
-          </a:p>
-          <a:p>
-            <a:pPr algn="ctr"/>
+              <a:t>(Invoice)</a:t>
+            </a:r>
+          </a:p>
+          <a:p>
             <a:r>
               <a:rPr lang="en-GB" dirty="0" smtClean="0"/>
               <a:t>Document</a:t>
@@ -6710,7 +6305,94 @@
       </p:sp>
       <p:pic>
         <p:nvPicPr>
-          <p:cNvPr id="20" name="Picture 4" descr="C:\GITHUB\incodehq\incode-module-document\dom\src\main\java\org\incode\module\document\dom\impl\paperclips\Paperclip.png"/>
+          <p:cNvPr id="13" name="Picture 3" descr="C:\GITHUB\incodehq\incode-module-document\dom\src\main\java\org\incode\module\document\dom\impl\docs\Document-pdf.png"/>
+          <p:cNvPicPr>
+            <a:picLocks noChangeAspect="1" noChangeArrowheads="1"/>
+          </p:cNvPicPr>
+          <p:nvPr/>
+        </p:nvPicPr>
+        <p:blipFill>
+          <a:blip r:embed="rId3">
+            <a:extLst>
+              <a:ext uri="{28A0092B-C50C-407E-A947-70E740481C1C}">
+                <a14:useLocalDpi xmlns:a14="http://schemas.microsoft.com/office/drawing/2010/main" val="0"/>
+              </a:ext>
+            </a:extLst>
+          </a:blip>
+          <a:srcRect/>
+          <a:stretch>
+            <a:fillRect/>
+          </a:stretch>
+        </p:blipFill>
+        <p:spPr bwMode="auto">
+          <a:xfrm>
+            <a:off x="827584" y="4785735"/>
+            <a:ext cx="916260" cy="916260"/>
+          </a:xfrm>
+          <a:prstGeom prst="rect">
+            <a:avLst/>
+          </a:prstGeom>
+          <a:noFill/>
+          <a:extLst>
+            <a:ext uri="{909E8E84-426E-40DD-AFC4-6F175D3DCCD1}">
+              <a14:hiddenFill xmlns:a14="http://schemas.microsoft.com/office/drawing/2010/main">
+                <a:solidFill>
+                  <a:srgbClr val="FFFFFF"/>
+                </a:solidFill>
+              </a14:hiddenFill>
+            </a:ext>
+          </a:extLst>
+        </p:spPr>
+      </p:pic>
+      <p:sp>
+        <p:nvSpPr>
+          <p:cNvPr id="14" name="TextBox 13"/>
+          <p:cNvSpPr txBox="1"/>
+          <p:nvPr/>
+        </p:nvSpPr>
+        <p:spPr>
+          <a:xfrm>
+            <a:off x="549656" y="5733913"/>
+            <a:ext cx="1669688" cy="646331"/>
+          </a:xfrm>
+          <a:prstGeom prst="rect">
+            <a:avLst/>
+          </a:prstGeom>
+          <a:noFill/>
+        </p:spPr>
+        <p:txBody>
+          <a:bodyPr wrap="none" rtlCol="0">
+            <a:spAutoFit/>
+          </a:bodyPr>
+          <a:lstStyle/>
+          <a:p>
+            <a:pPr algn="ctr"/>
+            <a:r>
+              <a:rPr lang="en-GB" dirty="0"/>
+              <a:t>(</a:t>
+            </a:r>
+            <a:r>
+              <a:rPr lang="en-GB" dirty="0" err="1"/>
+              <a:t>eg</a:t>
+            </a:r>
+            <a:r>
+              <a:rPr lang="en-GB" dirty="0"/>
+              <a:t> Tax register)</a:t>
+            </a:r>
+          </a:p>
+          <a:p>
+            <a:pPr algn="ctr"/>
+            <a:r>
+              <a:rPr lang="en-GB" dirty="0" smtClean="0"/>
+              <a:t>Document</a:t>
+            </a:r>
+            <a:endParaRPr lang="en-GB" dirty="0"/>
+          </a:p>
+        </p:txBody>
+      </p:sp>
+      <p:pic>
+        <p:nvPicPr>
+          <p:cNvPr id="1029" name="Picture 5" descr="C:\GITHUB\incodehq\incode-module-communications\module\src\main\java\org\incode\module\communications\dom\impl\comms\Communication-email.png"/>
           <p:cNvPicPr>
             <a:picLocks noChangeAspect="1" noChangeArrowheads="1"/>
           </p:cNvPicPr>
@@ -6731,8 +6413,8 @@
         </p:blipFill>
         <p:spPr bwMode="auto">
           <a:xfrm>
-            <a:off x="780858" y="2767814"/>
-            <a:ext cx="518865" cy="518865"/>
+            <a:off x="6732240" y="2449322"/>
+            <a:ext cx="1163127" cy="1163127"/>
           </a:xfrm>
           <a:prstGeom prst="rect">
             <a:avLst/>
@@ -6749,20 +6431,382 @@
           </a:extLst>
         </p:spPr>
       </p:pic>
+      <p:sp>
+        <p:nvSpPr>
+          <p:cNvPr id="24" name="TextBox 23"/>
+          <p:cNvSpPr txBox="1"/>
+          <p:nvPr/>
+        </p:nvSpPr>
+        <p:spPr>
+          <a:xfrm>
+            <a:off x="6643394" y="3410684"/>
+            <a:ext cx="1673022" cy="646331"/>
+          </a:xfrm>
+          <a:prstGeom prst="rect">
+            <a:avLst/>
+          </a:prstGeom>
+          <a:noFill/>
+        </p:spPr>
+        <p:txBody>
+          <a:bodyPr wrap="none" rtlCol="0">
+            <a:spAutoFit/>
+          </a:bodyPr>
+          <a:lstStyle/>
+          <a:p>
+            <a:r>
+              <a:rPr lang="en-GB" dirty="0" smtClean="0"/>
+              <a:t>(Email)</a:t>
+            </a:r>
+          </a:p>
+          <a:p>
+            <a:r>
+              <a:rPr lang="en-GB" dirty="0" smtClean="0"/>
+              <a:t>Communication</a:t>
+            </a:r>
+            <a:endParaRPr lang="en-GB" dirty="0"/>
+          </a:p>
+        </p:txBody>
+      </p:sp>
+      <p:pic>
+        <p:nvPicPr>
+          <p:cNvPr id="1030" name="Picture 6" descr="C:\GITHUB\incodehq\incode-module-document\dom\src\main\java\org\incode\module\document\dom\impl\docs\Document-html.png"/>
+          <p:cNvPicPr>
+            <a:picLocks noChangeAspect="1" noChangeArrowheads="1"/>
+          </p:cNvPicPr>
+          <p:nvPr/>
+        </p:nvPicPr>
+        <p:blipFill>
+          <a:blip r:embed="rId5">
+            <a:extLst>
+              <a:ext uri="{28A0092B-C50C-407E-A947-70E740481C1C}">
+                <a14:useLocalDpi xmlns:a14="http://schemas.microsoft.com/office/drawing/2010/main" val="0"/>
+              </a:ext>
+            </a:extLst>
+          </a:blip>
+          <a:srcRect/>
+          <a:stretch>
+            <a:fillRect/>
+          </a:stretch>
+        </p:blipFill>
+        <p:spPr bwMode="auto">
+          <a:xfrm>
+            <a:off x="4716016" y="4811548"/>
+            <a:ext cx="831384" cy="831384"/>
+          </a:xfrm>
+          <a:prstGeom prst="rect">
+            <a:avLst/>
+          </a:prstGeom>
+          <a:noFill/>
+          <a:extLst>
+            <a:ext uri="{909E8E84-426E-40DD-AFC4-6F175D3DCCD1}">
+              <a14:hiddenFill xmlns:a14="http://schemas.microsoft.com/office/drawing/2010/main">
+                <a:solidFill>
+                  <a:srgbClr val="FFFFFF"/>
+                </a:solidFill>
+              </a14:hiddenFill>
+            </a:ext>
+          </a:extLst>
+        </p:spPr>
+      </p:pic>
+      <p:sp>
+        <p:nvSpPr>
+          <p:cNvPr id="26" name="TextBox 25"/>
+          <p:cNvSpPr txBox="1"/>
+          <p:nvPr/>
+        </p:nvSpPr>
+        <p:spPr>
+          <a:xfrm>
+            <a:off x="4244343" y="5644673"/>
+            <a:ext cx="1892185" cy="646331"/>
+          </a:xfrm>
+          <a:prstGeom prst="rect">
+            <a:avLst/>
+          </a:prstGeom>
+          <a:noFill/>
+        </p:spPr>
+        <p:txBody>
+          <a:bodyPr wrap="none" rtlCol="0">
+            <a:spAutoFit/>
+          </a:bodyPr>
+          <a:lstStyle/>
+          <a:p>
+            <a:pPr algn="ctr"/>
+            <a:r>
+              <a:rPr lang="en-GB" dirty="0" smtClean="0"/>
+              <a:t>(Email cover note)</a:t>
+            </a:r>
+          </a:p>
+          <a:p>
+            <a:pPr algn="ctr"/>
+            <a:r>
+              <a:rPr lang="en-GB" dirty="0" smtClean="0"/>
+              <a:t>Document</a:t>
+            </a:r>
+            <a:endParaRPr lang="en-GB" dirty="0"/>
+          </a:p>
+        </p:txBody>
+      </p:sp>
+      <p:pic>
+        <p:nvPicPr>
+          <p:cNvPr id="27" name="Picture 4" descr="C:\GITHUB\incodehq\incode-module-document\dom\src\main\java\org\incode\module\document\dom\impl\paperclips\Paperclip.png"/>
+          <p:cNvPicPr>
+            <a:picLocks noChangeAspect="1" noChangeArrowheads="1"/>
+          </p:cNvPicPr>
+          <p:nvPr/>
+        </p:nvPicPr>
+        <p:blipFill>
+          <a:blip r:embed="rId6">
+            <a:extLst>
+              <a:ext uri="{28A0092B-C50C-407E-A947-70E740481C1C}">
+                <a14:useLocalDpi xmlns:a14="http://schemas.microsoft.com/office/drawing/2010/main" val="0"/>
+              </a:ext>
+            </a:extLst>
+          </a:blip>
+          <a:srcRect/>
+          <a:stretch>
+            <a:fillRect/>
+          </a:stretch>
+        </p:blipFill>
+        <p:spPr bwMode="auto">
+          <a:xfrm>
+            <a:off x="4460367" y="2766119"/>
+            <a:ext cx="518865" cy="518865"/>
+          </a:xfrm>
+          <a:prstGeom prst="rect">
+            <a:avLst/>
+          </a:prstGeom>
+          <a:noFill/>
+          <a:extLst>
+            <a:ext uri="{909E8E84-426E-40DD-AFC4-6F175D3DCCD1}">
+              <a14:hiddenFill xmlns:a14="http://schemas.microsoft.com/office/drawing/2010/main">
+                <a:solidFill>
+                  <a:srgbClr val="FFFFFF"/>
+                </a:solidFill>
+              </a14:hiddenFill>
+            </a:ext>
+          </a:extLst>
+        </p:spPr>
+      </p:pic>
+      <p:pic>
+        <p:nvPicPr>
+          <p:cNvPr id="33" name="Picture 4" descr="C:\GITHUB\incodehq\incode-module-document\dom\src\main\java\org\incode\module\document\dom\impl\paperclips\Paperclip.png"/>
+          <p:cNvPicPr>
+            <a:picLocks noChangeAspect="1" noChangeArrowheads="1"/>
+          </p:cNvPicPr>
+          <p:nvPr/>
+        </p:nvPicPr>
+        <p:blipFill>
+          <a:blip r:embed="rId6">
+            <a:extLst>
+              <a:ext uri="{28A0092B-C50C-407E-A947-70E740481C1C}">
+                <a14:useLocalDpi xmlns:a14="http://schemas.microsoft.com/office/drawing/2010/main" val="0"/>
+              </a:ext>
+            </a:extLst>
+          </a:blip>
+          <a:srcRect/>
+          <a:stretch>
+            <a:fillRect/>
+          </a:stretch>
+        </p:blipFill>
+        <p:spPr bwMode="auto">
+          <a:xfrm>
+            <a:off x="5813710" y="3933056"/>
+            <a:ext cx="518865" cy="518865"/>
+          </a:xfrm>
+          <a:prstGeom prst="rect">
+            <a:avLst/>
+          </a:prstGeom>
+          <a:noFill/>
+          <a:extLst>
+            <a:ext uri="{909E8E84-426E-40DD-AFC4-6F175D3DCCD1}">
+              <a14:hiddenFill xmlns:a14="http://schemas.microsoft.com/office/drawing/2010/main">
+                <a:solidFill>
+                  <a:srgbClr val="FFFFFF"/>
+                </a:solidFill>
+              </a14:hiddenFill>
+            </a:ext>
+          </a:extLst>
+        </p:spPr>
+      </p:pic>
+      <p:pic>
+        <p:nvPicPr>
+          <p:cNvPr id="25" name="Picture 4" descr="C:\GITHUB\incodehq\incode-module-document\dom\src\main\java\org\incode\module\document\dom\impl\paperclips\Paperclip.png"/>
+          <p:cNvPicPr>
+            <a:picLocks noChangeAspect="1" noChangeArrowheads="1"/>
+          </p:cNvPicPr>
+          <p:nvPr/>
+        </p:nvPicPr>
+        <p:blipFill>
+          <a:blip r:embed="rId6">
+            <a:extLst>
+              <a:ext uri="{28A0092B-C50C-407E-A947-70E740481C1C}">
+                <a14:useLocalDpi xmlns:a14="http://schemas.microsoft.com/office/drawing/2010/main" val="0"/>
+              </a:ext>
+            </a:extLst>
+          </a:blip>
+          <a:srcRect/>
+          <a:stretch>
+            <a:fillRect/>
+          </a:stretch>
+        </p:blipFill>
+        <p:spPr bwMode="auto">
+          <a:xfrm>
+            <a:off x="3596601" y="4206279"/>
+            <a:ext cx="518865" cy="518865"/>
+          </a:xfrm>
+          <a:prstGeom prst="rect">
+            <a:avLst/>
+          </a:prstGeom>
+          <a:noFill/>
+          <a:extLst>
+            <a:ext uri="{909E8E84-426E-40DD-AFC4-6F175D3DCCD1}">
+              <a14:hiddenFill xmlns:a14="http://schemas.microsoft.com/office/drawing/2010/main">
+                <a:solidFill>
+                  <a:srgbClr val="FFFFFF"/>
+                </a:solidFill>
+              </a14:hiddenFill>
+            </a:ext>
+          </a:extLst>
+        </p:spPr>
+      </p:pic>
+      <p:sp>
+        <p:nvSpPr>
+          <p:cNvPr id="36" name="TextBox 35"/>
+          <p:cNvSpPr txBox="1"/>
+          <p:nvPr/>
+        </p:nvSpPr>
+        <p:spPr>
+          <a:xfrm>
+            <a:off x="3203848" y="188640"/>
+            <a:ext cx="3181640" cy="646331"/>
+          </a:xfrm>
+          <a:prstGeom prst="rect">
+            <a:avLst/>
+          </a:prstGeom>
+          <a:noFill/>
+        </p:spPr>
+        <p:txBody>
+          <a:bodyPr wrap="none" rtlCol="0">
+            <a:spAutoFit/>
+          </a:bodyPr>
+          <a:lstStyle/>
+          <a:p>
+            <a:r>
+              <a:rPr lang="en-GB" sz="3600" dirty="0" smtClean="0">
+                <a:solidFill>
+                  <a:srgbClr val="00B050"/>
+                </a:solidFill>
+              </a:rPr>
+              <a:t>“Send by Email”</a:t>
+            </a:r>
+            <a:endParaRPr lang="en-GB" sz="3600" dirty="0">
+              <a:solidFill>
+                <a:srgbClr val="00B050"/>
+              </a:solidFill>
+            </a:endParaRPr>
+          </a:p>
+        </p:txBody>
+      </p:sp>
+      <p:pic>
+        <p:nvPicPr>
+          <p:cNvPr id="28" name="Picture 4" descr="C:\GITHUB\incodehq\incode-module-document\dom\src\main\java\org\incode\module\document\dom\impl\paperclips\Paperclip.png"/>
+          <p:cNvPicPr>
+            <a:picLocks noChangeAspect="1" noChangeArrowheads="1"/>
+          </p:cNvPicPr>
+          <p:nvPr/>
+        </p:nvPicPr>
+        <p:blipFill>
+          <a:blip r:embed="rId6">
+            <a:extLst>
+              <a:ext uri="{28A0092B-C50C-407E-A947-70E740481C1C}">
+                <a14:useLocalDpi xmlns:a14="http://schemas.microsoft.com/office/drawing/2010/main" val="0"/>
+              </a:ext>
+            </a:extLst>
+          </a:blip>
+          <a:srcRect/>
+          <a:stretch>
+            <a:fillRect/>
+          </a:stretch>
+        </p:blipFill>
+        <p:spPr bwMode="auto">
+          <a:xfrm>
+            <a:off x="780858" y="2767814"/>
+            <a:ext cx="518865" cy="518865"/>
+          </a:xfrm>
+          <a:prstGeom prst="rect">
+            <a:avLst/>
+          </a:prstGeom>
+          <a:noFill/>
+          <a:extLst>
+            <a:ext uri="{909E8E84-426E-40DD-AFC4-6F175D3DCCD1}">
+              <a14:hiddenFill xmlns:a14="http://schemas.microsoft.com/office/drawing/2010/main">
+                <a:solidFill>
+                  <a:srgbClr val="FFFFFF"/>
+                </a:solidFill>
+              </a14:hiddenFill>
+            </a:ext>
+          </a:extLst>
+        </p:spPr>
+      </p:pic>
+      <p:pic>
+        <p:nvPicPr>
+          <p:cNvPr id="34" name="Picture 4" descr="C:\GITHUB\incodehq\incode-module-document\dom\src\main\java\org\incode\module\document\dom\impl\paperclips\Paperclip.png"/>
+          <p:cNvPicPr>
+            <a:picLocks noChangeAspect="1" noChangeArrowheads="1"/>
+          </p:cNvPicPr>
+          <p:nvPr/>
+        </p:nvPicPr>
+        <p:blipFill>
+          <a:blip r:embed="rId6">
+            <a:extLst>
+              <a:ext uri="{28A0092B-C50C-407E-A947-70E740481C1C}">
+                <a14:useLocalDpi xmlns:a14="http://schemas.microsoft.com/office/drawing/2010/main" val="0"/>
+              </a:ext>
+            </a:extLst>
+          </a:blip>
+          <a:srcRect/>
+          <a:stretch>
+            <a:fillRect/>
+          </a:stretch>
+        </p:blipFill>
+        <p:spPr bwMode="auto">
+          <a:xfrm>
+            <a:off x="1331640" y="1667682"/>
+            <a:ext cx="518865" cy="518865"/>
+          </a:xfrm>
+          <a:prstGeom prst="rect">
+            <a:avLst/>
+          </a:prstGeom>
+          <a:noFill/>
+          <a:extLst>
+            <a:ext uri="{909E8E84-426E-40DD-AFC4-6F175D3DCCD1}">
+              <a14:hiddenFill xmlns:a14="http://schemas.microsoft.com/office/drawing/2010/main">
+                <a:solidFill>
+                  <a:srgbClr val="FFFFFF"/>
+                </a:solidFill>
+              </a14:hiddenFill>
+            </a:ext>
+          </a:extLst>
+        </p:spPr>
+      </p:pic>
       <p:cxnSp>
         <p:nvCxnSpPr>
-          <p:cNvPr id="21" name="Straight Connector 20"/>
+          <p:cNvPr id="37" name="Straight Connector 36"/>
           <p:cNvCxnSpPr/>
           <p:nvPr/>
         </p:nvCxnSpPr>
         <p:spPr>
           <a:xfrm>
-            <a:off x="827584" y="1412776"/>
-            <a:ext cx="535111" cy="3228943"/>
+            <a:off x="1074830" y="1387561"/>
+            <a:ext cx="1201298" cy="1159027"/>
           </a:xfrm>
           <a:prstGeom prst="line">
             <a:avLst/>
           </a:prstGeom>
+          <a:ln>
+            <a:headEnd type="arrow"/>
+            <a:tailEnd type="none"/>
+          </a:ln>
         </p:spPr>
         <p:style>
           <a:lnRef idx="1">
@@ -6779,78 +6823,219 @@
           </a:fontRef>
         </p:style>
       </p:cxnSp>
-      <p:sp>
-        <p:nvSpPr>
-          <p:cNvPr id="25" name="TextBox 24"/>
-          <p:cNvSpPr txBox="1"/>
-          <p:nvPr/>
-        </p:nvSpPr>
-        <p:spPr>
-          <a:xfrm>
-            <a:off x="3203848" y="188640"/>
-            <a:ext cx="3260060" cy="646331"/>
-          </a:xfrm>
-          <a:prstGeom prst="rect">
-            <a:avLst/>
-          </a:prstGeom>
-          <a:noFill/>
-        </p:spPr>
-        <p:txBody>
-          <a:bodyPr wrap="none" rtlCol="0">
-            <a:spAutoFit/>
-          </a:bodyPr>
-          <a:lstStyle/>
-          <a:p>
-            <a:r>
-              <a:rPr lang="en-GB" sz="3600" dirty="0" smtClean="0">
-                <a:solidFill>
-                  <a:srgbClr val="00B050"/>
-                </a:solidFill>
-              </a:rPr>
-              <a:t>“Attach Receipt”</a:t>
-            </a:r>
-            <a:endParaRPr lang="en-GB" sz="3600" dirty="0">
-              <a:solidFill>
-                <a:srgbClr val="00B050"/>
-              </a:solidFill>
-            </a:endParaRPr>
-          </a:p>
-        </p:txBody>
-      </p:sp>
-      <p:sp>
-        <p:nvSpPr>
-          <p:cNvPr id="10" name="TextBox 9"/>
-          <p:cNvSpPr txBox="1"/>
-          <p:nvPr/>
-        </p:nvSpPr>
-        <p:spPr>
-          <a:xfrm>
-            <a:off x="251520" y="3234462"/>
-            <a:ext cx="917239" cy="338554"/>
-          </a:xfrm>
-          <a:prstGeom prst="rect">
-            <a:avLst/>
-          </a:prstGeom>
-          <a:noFill/>
-        </p:spPr>
-        <p:txBody>
-          <a:bodyPr wrap="none" rtlCol="0">
-            <a:spAutoFit/>
-          </a:bodyPr>
-          <a:lstStyle/>
-          <a:p>
-            <a:r>
-              <a:rPr lang="en-GB" sz="1600" i="1" dirty="0" smtClean="0"/>
-              <a:t>supports</a:t>
-            </a:r>
-            <a:endParaRPr lang="en-GB" sz="1600" i="1" dirty="0"/>
-          </a:p>
-        </p:txBody>
-      </p:sp>
+      <p:cxnSp>
+        <p:nvCxnSpPr>
+          <p:cNvPr id="38" name="Straight Connector 37"/>
+          <p:cNvCxnSpPr/>
+          <p:nvPr/>
+        </p:nvCxnSpPr>
+        <p:spPr>
+          <a:xfrm>
+            <a:off x="3380247" y="3004718"/>
+            <a:ext cx="3096344" cy="26167"/>
+          </a:xfrm>
+          <a:prstGeom prst="line">
+            <a:avLst/>
+          </a:prstGeom>
+          <a:ln>
+            <a:tailEnd type="arrow"/>
+          </a:ln>
+        </p:spPr>
+        <p:style>
+          <a:lnRef idx="1">
+            <a:schemeClr val="accent1"/>
+          </a:lnRef>
+          <a:fillRef idx="0">
+            <a:schemeClr val="accent1"/>
+          </a:fillRef>
+          <a:effectRef idx="0">
+            <a:schemeClr val="accent1"/>
+          </a:effectRef>
+          <a:fontRef idx="minor">
+            <a:schemeClr val="tx1"/>
+          </a:fontRef>
+        </p:style>
+      </p:cxnSp>
+      <p:cxnSp>
+        <p:nvCxnSpPr>
+          <p:cNvPr id="39" name="Straight Connector 38"/>
+          <p:cNvCxnSpPr/>
+          <p:nvPr/>
+        </p:nvCxnSpPr>
+        <p:spPr>
+          <a:xfrm flipH="1">
+            <a:off x="5571709" y="3638125"/>
+            <a:ext cx="1048898" cy="1015011"/>
+          </a:xfrm>
+          <a:prstGeom prst="line">
+            <a:avLst/>
+          </a:prstGeom>
+          <a:ln>
+            <a:headEnd type="arrow"/>
+            <a:tailEnd type="none"/>
+          </a:ln>
+        </p:spPr>
+        <p:style>
+          <a:lnRef idx="1">
+            <a:schemeClr val="accent1"/>
+          </a:lnRef>
+          <a:fillRef idx="0">
+            <a:schemeClr val="accent1"/>
+          </a:fillRef>
+          <a:effectRef idx="0">
+            <a:schemeClr val="accent1"/>
+          </a:effectRef>
+          <a:fontRef idx="minor">
+            <a:schemeClr val="tx1"/>
+          </a:fontRef>
+        </p:style>
+      </p:cxnSp>
+      <p:cxnSp>
+        <p:nvCxnSpPr>
+          <p:cNvPr id="40" name="Straight Connector 39"/>
+          <p:cNvCxnSpPr/>
+          <p:nvPr/>
+        </p:nvCxnSpPr>
+        <p:spPr>
+          <a:xfrm>
+            <a:off x="827584" y="1412776"/>
+            <a:ext cx="535111" cy="3228943"/>
+          </a:xfrm>
+          <a:prstGeom prst="line">
+            <a:avLst/>
+          </a:prstGeom>
+          <a:ln>
+            <a:headEnd type="arrow"/>
+            <a:tailEnd type="none"/>
+          </a:ln>
+        </p:spPr>
+        <p:style>
+          <a:lnRef idx="1">
+            <a:schemeClr val="accent1"/>
+          </a:lnRef>
+          <a:fillRef idx="0">
+            <a:schemeClr val="accent1"/>
+          </a:fillRef>
+          <a:effectRef idx="0">
+            <a:schemeClr val="accent1"/>
+          </a:effectRef>
+          <a:fontRef idx="minor">
+            <a:schemeClr val="tx1"/>
+          </a:fontRef>
+        </p:style>
+      </p:cxnSp>
+      <p:pic>
+        <p:nvPicPr>
+          <p:cNvPr id="41" name="Picture 4" descr="C:\GITHUB\incodehq\incode-module-document\dom\src\main\java\org\incode\module\document\dom\impl\paperclips\Paperclip.png"/>
+          <p:cNvPicPr>
+            <a:picLocks noChangeAspect="1" noChangeArrowheads="1"/>
+          </p:cNvPicPr>
+          <p:nvPr/>
+        </p:nvPicPr>
+        <p:blipFill>
+          <a:blip r:embed="rId6">
+            <a:extLst>
+              <a:ext uri="{28A0092B-C50C-407E-A947-70E740481C1C}">
+                <a14:useLocalDpi xmlns:a14="http://schemas.microsoft.com/office/drawing/2010/main" val="0"/>
+              </a:ext>
+            </a:extLst>
+          </a:blip>
+          <a:srcRect/>
+          <a:stretch>
+            <a:fillRect/>
+          </a:stretch>
+        </p:blipFill>
+        <p:spPr bwMode="auto">
+          <a:xfrm>
+            <a:off x="1748879" y="3906829"/>
+            <a:ext cx="518865" cy="518865"/>
+          </a:xfrm>
+          <a:prstGeom prst="rect">
+            <a:avLst/>
+          </a:prstGeom>
+          <a:noFill/>
+          <a:extLst>
+            <a:ext uri="{909E8E84-426E-40DD-AFC4-6F175D3DCCD1}">
+              <a14:hiddenFill xmlns:a14="http://schemas.microsoft.com/office/drawing/2010/main">
+                <a:solidFill>
+                  <a:srgbClr val="FFFFFF"/>
+                </a:solidFill>
+              </a14:hiddenFill>
+            </a:ext>
+          </a:extLst>
+        </p:spPr>
+      </p:pic>
+      <p:cxnSp>
+        <p:nvCxnSpPr>
+          <p:cNvPr id="42" name="Straight Connector 41"/>
+          <p:cNvCxnSpPr/>
+          <p:nvPr/>
+        </p:nvCxnSpPr>
+        <p:spPr>
+          <a:xfrm flipH="1">
+            <a:off x="1619505" y="3626708"/>
+            <a:ext cx="792088" cy="1015011"/>
+          </a:xfrm>
+          <a:prstGeom prst="line">
+            <a:avLst/>
+          </a:prstGeom>
+          <a:ln>
+            <a:headEnd type="arrow"/>
+            <a:tailEnd type="none"/>
+          </a:ln>
+        </p:spPr>
+        <p:style>
+          <a:lnRef idx="1">
+            <a:schemeClr val="accent1"/>
+          </a:lnRef>
+          <a:fillRef idx="0">
+            <a:schemeClr val="accent1"/>
+          </a:fillRef>
+          <a:effectRef idx="0">
+            <a:schemeClr val="accent1"/>
+          </a:effectRef>
+          <a:fontRef idx="minor">
+            <a:schemeClr val="tx1"/>
+          </a:fontRef>
+        </p:style>
+      </p:cxnSp>
+      <p:cxnSp>
+        <p:nvCxnSpPr>
+          <p:cNvPr id="43" name="Straight Connector 42"/>
+          <p:cNvCxnSpPr/>
+          <p:nvPr/>
+        </p:nvCxnSpPr>
+        <p:spPr>
+          <a:xfrm flipV="1">
+            <a:off x="2053048" y="3337233"/>
+            <a:ext cx="4391160" cy="1890007"/>
+          </a:xfrm>
+          <a:prstGeom prst="line">
+            <a:avLst/>
+          </a:prstGeom>
+          <a:ln>
+            <a:tailEnd type="arrow"/>
+          </a:ln>
+        </p:spPr>
+        <p:style>
+          <a:lnRef idx="1">
+            <a:schemeClr val="accent1"/>
+          </a:lnRef>
+          <a:fillRef idx="0">
+            <a:schemeClr val="accent1"/>
+          </a:fillRef>
+          <a:effectRef idx="0">
+            <a:schemeClr val="accent1"/>
+          </a:effectRef>
+          <a:fontRef idx="minor">
+            <a:schemeClr val="tx1"/>
+          </a:fontRef>
+        </p:style>
+      </p:cxnSp>
     </p:spTree>
     <p:extLst>
       <p:ext uri="{BB962C8B-B14F-4D97-AF65-F5344CB8AC3E}">
-        <p14:creationId xmlns:p14="http://schemas.microsoft.com/office/powerpoint/2010/main" val="3803749848"/>
+        <p14:creationId xmlns:p14="http://schemas.microsoft.com/office/powerpoint/2010/main" val="652227335"/>
       </p:ext>
     </p:extLst>
   </p:cSld>
@@ -7006,2716 +7191,6 @@
 </p:sld>
 </file>
 
-<file path=ppt/slides/slide20.xml><?xml version="1.0" encoding="utf-8"?>
-<p:sld xmlns:a="http://schemas.openxmlformats.org/drawingml/2006/main" xmlns:r="http://schemas.openxmlformats.org/officeDocument/2006/relationships" xmlns:p="http://schemas.openxmlformats.org/presentationml/2006/main">
-  <p:cSld>
-    <p:spTree>
-      <p:nvGrpSpPr>
-        <p:cNvPr id="1" name=""/>
-        <p:cNvGrpSpPr/>
-        <p:nvPr/>
-      </p:nvGrpSpPr>
-      <p:grpSpPr>
-        <a:xfrm>
-          <a:off x="0" y="0"/>
-          <a:ext cx="0" cy="0"/>
-          <a:chOff x="0" y="0"/>
-          <a:chExt cx="0" cy="0"/>
-        </a:xfrm>
-      </p:grpSpPr>
-      <p:pic>
-        <p:nvPicPr>
-          <p:cNvPr id="1026" name="Picture 2" descr="C:\GITHUB\estatio\estatio\estatioapp\module\invoice\dom\src\main\java\org\estatio\dom\invoice\Invoice.png"/>
-          <p:cNvPicPr>
-            <a:picLocks noChangeAspect="1" noChangeArrowheads="1"/>
-          </p:cNvPicPr>
-          <p:nvPr/>
-        </p:nvPicPr>
-        <p:blipFill>
-          <a:blip r:embed="rId2">
-            <a:extLst>
-              <a:ext uri="{28A0092B-C50C-407E-A947-70E740481C1C}">
-                <a14:useLocalDpi xmlns:a14="http://schemas.microsoft.com/office/drawing/2010/main" val="0"/>
-              </a:ext>
-            </a:extLst>
-          </a:blip>
-          <a:srcRect/>
-          <a:stretch>
-            <a:fillRect/>
-          </a:stretch>
-        </p:blipFill>
-        <p:spPr bwMode="auto">
-          <a:xfrm>
-            <a:off x="211895" y="332656"/>
-            <a:ext cx="916260" cy="916260"/>
-          </a:xfrm>
-          <a:prstGeom prst="rect">
-            <a:avLst/>
-          </a:prstGeom>
-          <a:noFill/>
-          <a:extLst>
-            <a:ext uri="{909E8E84-426E-40DD-AFC4-6F175D3DCCD1}">
-              <a14:hiddenFill xmlns:a14="http://schemas.microsoft.com/office/drawing/2010/main">
-                <a:solidFill>
-                  <a:srgbClr val="FFFFFF"/>
-                </a:solidFill>
-              </a14:hiddenFill>
-            </a:ext>
-          </a:extLst>
-        </p:spPr>
-      </p:pic>
-      <p:sp>
-        <p:nvSpPr>
-          <p:cNvPr id="9" name="TextBox 8"/>
-          <p:cNvSpPr txBox="1"/>
-          <p:nvPr/>
-        </p:nvSpPr>
-        <p:spPr>
-          <a:xfrm>
-            <a:off x="1140729" y="332656"/>
-            <a:ext cx="1262077" cy="369332"/>
-          </a:xfrm>
-          <a:prstGeom prst="rect">
-            <a:avLst/>
-          </a:prstGeom>
-          <a:noFill/>
-        </p:spPr>
-        <p:txBody>
-          <a:bodyPr wrap="none" rtlCol="0">
-            <a:spAutoFit/>
-          </a:bodyPr>
-          <a:lstStyle/>
-          <a:p>
-            <a:r>
-              <a:rPr lang="en-GB" dirty="0"/>
-              <a:t>Transaction</a:t>
-            </a:r>
-          </a:p>
-        </p:txBody>
-      </p:sp>
-      <p:pic>
-        <p:nvPicPr>
-          <p:cNvPr id="13" name="Picture 3" descr="C:\GITHUB\incodehq\incode-module-document\dom\src\main\java\org\incode\module\document\dom\impl\docs\Document-pdf.png"/>
-          <p:cNvPicPr>
-            <a:picLocks noChangeAspect="1" noChangeArrowheads="1"/>
-          </p:cNvPicPr>
-          <p:nvPr/>
-        </p:nvPicPr>
-        <p:blipFill>
-          <a:blip r:embed="rId3">
-            <a:extLst>
-              <a:ext uri="{28A0092B-C50C-407E-A947-70E740481C1C}">
-                <a14:useLocalDpi xmlns:a14="http://schemas.microsoft.com/office/drawing/2010/main" val="0"/>
-              </a:ext>
-            </a:extLst>
-          </a:blip>
-          <a:srcRect/>
-          <a:stretch>
-            <a:fillRect/>
-          </a:stretch>
-        </p:blipFill>
-        <p:spPr bwMode="auto">
-          <a:xfrm>
-            <a:off x="827584" y="4785735"/>
-            <a:ext cx="916260" cy="916260"/>
-          </a:xfrm>
-          <a:prstGeom prst="rect">
-            <a:avLst/>
-          </a:prstGeom>
-          <a:noFill/>
-          <a:extLst>
-            <a:ext uri="{909E8E84-426E-40DD-AFC4-6F175D3DCCD1}">
-              <a14:hiddenFill xmlns:a14="http://schemas.microsoft.com/office/drawing/2010/main">
-                <a:solidFill>
-                  <a:srgbClr val="FFFFFF"/>
-                </a:solidFill>
-              </a14:hiddenFill>
-            </a:ext>
-          </a:extLst>
-        </p:spPr>
-      </p:pic>
-      <p:sp>
-        <p:nvSpPr>
-          <p:cNvPr id="14" name="TextBox 13"/>
-          <p:cNvSpPr txBox="1"/>
-          <p:nvPr/>
-        </p:nvSpPr>
-        <p:spPr>
-          <a:xfrm>
-            <a:off x="715951" y="5733913"/>
-            <a:ext cx="1337097" cy="646331"/>
-          </a:xfrm>
-          <a:prstGeom prst="rect">
-            <a:avLst/>
-          </a:prstGeom>
-          <a:noFill/>
-        </p:spPr>
-        <p:txBody>
-          <a:bodyPr wrap="none" rtlCol="0">
-            <a:spAutoFit/>
-          </a:bodyPr>
-          <a:lstStyle/>
-          <a:p>
-            <a:pPr algn="ctr"/>
-            <a:r>
-              <a:rPr lang="en-GB" dirty="0" smtClean="0"/>
-              <a:t>(Tax receipt)</a:t>
-            </a:r>
-          </a:p>
-          <a:p>
-            <a:pPr algn="ctr"/>
-            <a:r>
-              <a:rPr lang="en-GB" dirty="0" smtClean="0"/>
-              <a:t>Document</a:t>
-            </a:r>
-            <a:endParaRPr lang="en-GB" dirty="0"/>
-          </a:p>
-        </p:txBody>
-      </p:sp>
-      <p:pic>
-        <p:nvPicPr>
-          <p:cNvPr id="20" name="Picture 4" descr="C:\GITHUB\incodehq\incode-module-document\dom\src\main\java\org\incode\module\document\dom\impl\paperclips\Paperclip.png"/>
-          <p:cNvPicPr>
-            <a:picLocks noChangeAspect="1" noChangeArrowheads="1"/>
-          </p:cNvPicPr>
-          <p:nvPr/>
-        </p:nvPicPr>
-        <p:blipFill>
-          <a:blip r:embed="rId4">
-            <a:extLst>
-              <a:ext uri="{28A0092B-C50C-407E-A947-70E740481C1C}">
-                <a14:useLocalDpi xmlns:a14="http://schemas.microsoft.com/office/drawing/2010/main" val="0"/>
-              </a:ext>
-            </a:extLst>
-          </a:blip>
-          <a:srcRect/>
-          <a:stretch>
-            <a:fillRect/>
-          </a:stretch>
-        </p:blipFill>
-        <p:spPr bwMode="auto">
-          <a:xfrm>
-            <a:off x="780858" y="2767814"/>
-            <a:ext cx="518865" cy="518865"/>
-          </a:xfrm>
-          <a:prstGeom prst="rect">
-            <a:avLst/>
-          </a:prstGeom>
-          <a:noFill/>
-          <a:extLst>
-            <a:ext uri="{909E8E84-426E-40DD-AFC4-6F175D3DCCD1}">
-              <a14:hiddenFill xmlns:a14="http://schemas.microsoft.com/office/drawing/2010/main">
-                <a:solidFill>
-                  <a:srgbClr val="FFFFFF"/>
-                </a:solidFill>
-              </a14:hiddenFill>
-            </a:ext>
-          </a:extLst>
-        </p:spPr>
-      </p:pic>
-      <p:cxnSp>
-        <p:nvCxnSpPr>
-          <p:cNvPr id="21" name="Straight Connector 20"/>
-          <p:cNvCxnSpPr/>
-          <p:nvPr/>
-        </p:nvCxnSpPr>
-        <p:spPr>
-          <a:xfrm>
-            <a:off x="827584" y="1412776"/>
-            <a:ext cx="535111" cy="3228943"/>
-          </a:xfrm>
-          <a:prstGeom prst="line">
-            <a:avLst/>
-          </a:prstGeom>
-        </p:spPr>
-        <p:style>
-          <a:lnRef idx="1">
-            <a:schemeClr val="accent1"/>
-          </a:lnRef>
-          <a:fillRef idx="0">
-            <a:schemeClr val="accent1"/>
-          </a:fillRef>
-          <a:effectRef idx="0">
-            <a:schemeClr val="accent1"/>
-          </a:effectRef>
-          <a:fontRef idx="minor">
-            <a:schemeClr val="tx1"/>
-          </a:fontRef>
-        </p:style>
-      </p:cxnSp>
-      <p:sp>
-        <p:nvSpPr>
-          <p:cNvPr id="25" name="TextBox 24"/>
-          <p:cNvSpPr txBox="1"/>
-          <p:nvPr/>
-        </p:nvSpPr>
-        <p:spPr>
-          <a:xfrm>
-            <a:off x="3203848" y="188640"/>
-            <a:ext cx="2041585" cy="646331"/>
-          </a:xfrm>
-          <a:prstGeom prst="rect">
-            <a:avLst/>
-          </a:prstGeom>
-          <a:noFill/>
-        </p:spPr>
-        <p:txBody>
-          <a:bodyPr wrap="none" rtlCol="0">
-            <a:spAutoFit/>
-          </a:bodyPr>
-          <a:lstStyle/>
-          <a:p>
-            <a:r>
-              <a:rPr lang="en-GB" sz="3600" dirty="0" smtClean="0">
-                <a:solidFill>
-                  <a:srgbClr val="00B050"/>
-                </a:solidFill>
-              </a:rPr>
-              <a:t>“Prepare”</a:t>
-            </a:r>
-            <a:endParaRPr lang="en-GB" sz="3600" dirty="0">
-              <a:solidFill>
-                <a:srgbClr val="00B050"/>
-              </a:solidFill>
-            </a:endParaRPr>
-          </a:p>
-        </p:txBody>
-      </p:sp>
-      <p:pic>
-        <p:nvPicPr>
-          <p:cNvPr id="10" name="Picture 3" descr="C:\GITHUB\incodehq\incode-module-document\dom\src\main\java\org\incode\module\document\dom\impl\docs\Document-pdf.png"/>
-          <p:cNvPicPr>
-            <a:picLocks noChangeAspect="1" noChangeArrowheads="1"/>
-          </p:cNvPicPr>
-          <p:nvPr/>
-        </p:nvPicPr>
-        <p:blipFill>
-          <a:blip r:embed="rId3">
-            <a:extLst>
-              <a:ext uri="{28A0092B-C50C-407E-A947-70E740481C1C}">
-                <a14:useLocalDpi xmlns:a14="http://schemas.microsoft.com/office/drawing/2010/main" val="0"/>
-              </a:ext>
-            </a:extLst>
-          </a:blip>
-          <a:srcRect/>
-          <a:stretch>
-            <a:fillRect/>
-          </a:stretch>
-        </p:blipFill>
-        <p:spPr bwMode="auto">
-          <a:xfrm>
-            <a:off x="2363960" y="2546588"/>
-            <a:ext cx="916260" cy="916260"/>
-          </a:xfrm>
-          <a:prstGeom prst="rect">
-            <a:avLst/>
-          </a:prstGeom>
-          <a:noFill/>
-          <a:extLst>
-            <a:ext uri="{909E8E84-426E-40DD-AFC4-6F175D3DCCD1}">
-              <a14:hiddenFill xmlns:a14="http://schemas.microsoft.com/office/drawing/2010/main">
-                <a:solidFill>
-                  <a:srgbClr val="FFFFFF"/>
-                </a:solidFill>
-              </a14:hiddenFill>
-            </a:ext>
-          </a:extLst>
-        </p:spPr>
-      </p:pic>
-      <p:sp>
-        <p:nvSpPr>
-          <p:cNvPr id="11" name="TextBox 10"/>
-          <p:cNvSpPr txBox="1"/>
-          <p:nvPr/>
-        </p:nvSpPr>
-        <p:spPr>
-          <a:xfrm>
-            <a:off x="2372135" y="3484433"/>
-            <a:ext cx="1165191" cy="646331"/>
-          </a:xfrm>
-          <a:prstGeom prst="rect">
-            <a:avLst/>
-          </a:prstGeom>
-          <a:noFill/>
-        </p:spPr>
-        <p:txBody>
-          <a:bodyPr wrap="none" rtlCol="0">
-            <a:spAutoFit/>
-          </a:bodyPr>
-          <a:lstStyle/>
-          <a:p>
-            <a:r>
-              <a:rPr lang="en-GB" dirty="0" smtClean="0"/>
-              <a:t>(Invoice)</a:t>
-            </a:r>
-          </a:p>
-          <a:p>
-            <a:r>
-              <a:rPr lang="en-GB" dirty="0" smtClean="0"/>
-              <a:t>Document</a:t>
-            </a:r>
-            <a:endParaRPr lang="en-GB" dirty="0"/>
-          </a:p>
-        </p:txBody>
-      </p:sp>
-      <p:pic>
-        <p:nvPicPr>
-          <p:cNvPr id="12" name="Picture 4" descr="C:\GITHUB\incodehq\incode-module-document\dom\src\main\java\org\incode\module\document\dom\impl\paperclips\Paperclip.png"/>
-          <p:cNvPicPr>
-            <a:picLocks noChangeAspect="1" noChangeArrowheads="1"/>
-          </p:cNvPicPr>
-          <p:nvPr/>
-        </p:nvPicPr>
-        <p:blipFill>
-          <a:blip r:embed="rId4">
-            <a:extLst>
-              <a:ext uri="{28A0092B-C50C-407E-A947-70E740481C1C}">
-                <a14:useLocalDpi xmlns:a14="http://schemas.microsoft.com/office/drawing/2010/main" val="0"/>
-              </a:ext>
-            </a:extLst>
-          </a:blip>
-          <a:srcRect/>
-          <a:stretch>
-            <a:fillRect/>
-          </a:stretch>
-        </p:blipFill>
-        <p:spPr bwMode="auto">
-          <a:xfrm>
-            <a:off x="1331640" y="1667682"/>
-            <a:ext cx="518865" cy="518865"/>
-          </a:xfrm>
-          <a:prstGeom prst="rect">
-            <a:avLst/>
-          </a:prstGeom>
-          <a:noFill/>
-          <a:extLst>
-            <a:ext uri="{909E8E84-426E-40DD-AFC4-6F175D3DCCD1}">
-              <a14:hiddenFill xmlns:a14="http://schemas.microsoft.com/office/drawing/2010/main">
-                <a:solidFill>
-                  <a:srgbClr val="FFFFFF"/>
-                </a:solidFill>
-              </a14:hiddenFill>
-            </a:ext>
-          </a:extLst>
-        </p:spPr>
-      </p:pic>
-      <p:cxnSp>
-        <p:nvCxnSpPr>
-          <p:cNvPr id="15" name="Straight Connector 14"/>
-          <p:cNvCxnSpPr/>
-          <p:nvPr/>
-        </p:nvCxnSpPr>
-        <p:spPr>
-          <a:xfrm>
-            <a:off x="1074830" y="1387561"/>
-            <a:ext cx="1048898" cy="1015011"/>
-          </a:xfrm>
-          <a:prstGeom prst="line">
-            <a:avLst/>
-          </a:prstGeom>
-        </p:spPr>
-        <p:style>
-          <a:lnRef idx="1">
-            <a:schemeClr val="accent1"/>
-          </a:lnRef>
-          <a:fillRef idx="0">
-            <a:schemeClr val="accent1"/>
-          </a:fillRef>
-          <a:effectRef idx="0">
-            <a:schemeClr val="accent1"/>
-          </a:effectRef>
-          <a:fontRef idx="minor">
-            <a:schemeClr val="tx1"/>
-          </a:fontRef>
-        </p:style>
-      </p:cxnSp>
-      <p:cxnSp>
-        <p:nvCxnSpPr>
-          <p:cNvPr id="16" name="Straight Connector 15"/>
-          <p:cNvCxnSpPr/>
-          <p:nvPr/>
-        </p:nvCxnSpPr>
-        <p:spPr>
-          <a:xfrm>
-            <a:off x="1227230" y="1539961"/>
-            <a:ext cx="1048898" cy="1015011"/>
-          </a:xfrm>
-          <a:prstGeom prst="line">
-            <a:avLst/>
-          </a:prstGeom>
-        </p:spPr>
-        <p:style>
-          <a:lnRef idx="1">
-            <a:schemeClr val="accent1"/>
-          </a:lnRef>
-          <a:fillRef idx="0">
-            <a:schemeClr val="accent1"/>
-          </a:fillRef>
-          <a:effectRef idx="0">
-            <a:schemeClr val="accent1"/>
-          </a:effectRef>
-          <a:fontRef idx="minor">
-            <a:schemeClr val="tx1"/>
-          </a:fontRef>
-        </p:style>
-      </p:cxnSp>
-    </p:spTree>
-    <p:extLst>
-      <p:ext uri="{BB962C8B-B14F-4D97-AF65-F5344CB8AC3E}">
-        <p14:creationId xmlns:p14="http://schemas.microsoft.com/office/powerpoint/2010/main" val="3569851147"/>
-      </p:ext>
-    </p:extLst>
-  </p:cSld>
-  <p:clrMapOvr>
-    <a:masterClrMapping/>
-  </p:clrMapOvr>
-  <p:timing>
-    <p:tnLst>
-      <p:par>
-        <p:cTn id="1" dur="indefinite" restart="never" nodeType="tmRoot"/>
-      </p:par>
-    </p:tnLst>
-  </p:timing>
-</p:sld>
-</file>
-
-<file path=ppt/slides/slide21.xml><?xml version="1.0" encoding="utf-8"?>
-<p:sld xmlns:a="http://schemas.openxmlformats.org/drawingml/2006/main" xmlns:r="http://schemas.openxmlformats.org/officeDocument/2006/relationships" xmlns:p="http://schemas.openxmlformats.org/presentationml/2006/main">
-  <p:cSld>
-    <p:spTree>
-      <p:nvGrpSpPr>
-        <p:cNvPr id="1" name=""/>
-        <p:cNvGrpSpPr/>
-        <p:nvPr/>
-      </p:nvGrpSpPr>
-      <p:grpSpPr>
-        <a:xfrm>
-          <a:off x="0" y="0"/>
-          <a:ext cx="0" cy="0"/>
-          <a:chOff x="0" y="0"/>
-          <a:chExt cx="0" cy="0"/>
-        </a:xfrm>
-      </p:grpSpPr>
-      <p:pic>
-        <p:nvPicPr>
-          <p:cNvPr id="1026" name="Picture 2" descr="C:\GITHUB\estatio\estatio\estatioapp\module\invoice\dom\src\main\java\org\estatio\dom\invoice\Invoice.png"/>
-          <p:cNvPicPr>
-            <a:picLocks noChangeAspect="1" noChangeArrowheads="1"/>
-          </p:cNvPicPr>
-          <p:nvPr/>
-        </p:nvPicPr>
-        <p:blipFill>
-          <a:blip r:embed="rId2">
-            <a:extLst>
-              <a:ext uri="{28A0092B-C50C-407E-A947-70E740481C1C}">
-                <a14:useLocalDpi xmlns:a14="http://schemas.microsoft.com/office/drawing/2010/main" val="0"/>
-              </a:ext>
-            </a:extLst>
-          </a:blip>
-          <a:srcRect/>
-          <a:stretch>
-            <a:fillRect/>
-          </a:stretch>
-        </p:blipFill>
-        <p:spPr bwMode="auto">
-          <a:xfrm>
-            <a:off x="211895" y="332656"/>
-            <a:ext cx="916260" cy="916260"/>
-          </a:xfrm>
-          <a:prstGeom prst="rect">
-            <a:avLst/>
-          </a:prstGeom>
-          <a:noFill/>
-          <a:extLst>
-            <a:ext uri="{909E8E84-426E-40DD-AFC4-6F175D3DCCD1}">
-              <a14:hiddenFill xmlns:a14="http://schemas.microsoft.com/office/drawing/2010/main">
-                <a:solidFill>
-                  <a:srgbClr val="FFFFFF"/>
-                </a:solidFill>
-              </a14:hiddenFill>
-            </a:ext>
-          </a:extLst>
-        </p:spPr>
-      </p:pic>
-      <p:sp>
-        <p:nvSpPr>
-          <p:cNvPr id="9" name="TextBox 8"/>
-          <p:cNvSpPr txBox="1"/>
-          <p:nvPr/>
-        </p:nvSpPr>
-        <p:spPr>
-          <a:xfrm>
-            <a:off x="1140729" y="332656"/>
-            <a:ext cx="1262077" cy="646331"/>
-          </a:xfrm>
-          <a:prstGeom prst="rect">
-            <a:avLst/>
-          </a:prstGeom>
-          <a:noFill/>
-        </p:spPr>
-        <p:txBody>
-          <a:bodyPr wrap="none" rtlCol="0">
-            <a:spAutoFit/>
-          </a:bodyPr>
-          <a:lstStyle/>
-          <a:p>
-            <a:r>
-              <a:rPr lang="en-GB"/>
-              <a:t>Transaction</a:t>
-            </a:r>
-          </a:p>
-          <a:p>
-            <a:endParaRPr lang="en-GB" dirty="0"/>
-          </a:p>
-        </p:txBody>
-      </p:sp>
-      <p:pic>
-        <p:nvPicPr>
-          <p:cNvPr id="13" name="Picture 3" descr="C:\GITHUB\incodehq\incode-module-document\dom\src\main\java\org\incode\module\document\dom\impl\docs\Document-pdf.png"/>
-          <p:cNvPicPr>
-            <a:picLocks noChangeAspect="1" noChangeArrowheads="1"/>
-          </p:cNvPicPr>
-          <p:nvPr/>
-        </p:nvPicPr>
-        <p:blipFill>
-          <a:blip r:embed="rId3">
-            <a:extLst>
-              <a:ext uri="{28A0092B-C50C-407E-A947-70E740481C1C}">
-                <a14:useLocalDpi xmlns:a14="http://schemas.microsoft.com/office/drawing/2010/main" val="0"/>
-              </a:ext>
-            </a:extLst>
-          </a:blip>
-          <a:srcRect/>
-          <a:stretch>
-            <a:fillRect/>
-          </a:stretch>
-        </p:blipFill>
-        <p:spPr bwMode="auto">
-          <a:xfrm>
-            <a:off x="827584" y="4785735"/>
-            <a:ext cx="916260" cy="916260"/>
-          </a:xfrm>
-          <a:prstGeom prst="rect">
-            <a:avLst/>
-          </a:prstGeom>
-          <a:noFill/>
-          <a:extLst>
-            <a:ext uri="{909E8E84-426E-40DD-AFC4-6F175D3DCCD1}">
-              <a14:hiddenFill xmlns:a14="http://schemas.microsoft.com/office/drawing/2010/main">
-                <a:solidFill>
-                  <a:srgbClr val="FFFFFF"/>
-                </a:solidFill>
-              </a14:hiddenFill>
-            </a:ext>
-          </a:extLst>
-        </p:spPr>
-      </p:pic>
-      <p:sp>
-        <p:nvSpPr>
-          <p:cNvPr id="14" name="TextBox 13"/>
-          <p:cNvSpPr txBox="1"/>
-          <p:nvPr/>
-        </p:nvSpPr>
-        <p:spPr>
-          <a:xfrm>
-            <a:off x="715951" y="5733913"/>
-            <a:ext cx="1337097" cy="646331"/>
-          </a:xfrm>
-          <a:prstGeom prst="rect">
-            <a:avLst/>
-          </a:prstGeom>
-          <a:noFill/>
-        </p:spPr>
-        <p:txBody>
-          <a:bodyPr wrap="none" rtlCol="0">
-            <a:spAutoFit/>
-          </a:bodyPr>
-          <a:lstStyle/>
-          <a:p>
-            <a:pPr algn="ctr"/>
-            <a:r>
-              <a:rPr lang="en-GB" dirty="0" smtClean="0"/>
-              <a:t>(Tax receipt)</a:t>
-            </a:r>
-          </a:p>
-          <a:p>
-            <a:pPr algn="ctr"/>
-            <a:r>
-              <a:rPr lang="en-GB" dirty="0" smtClean="0"/>
-              <a:t>Document</a:t>
-            </a:r>
-            <a:endParaRPr lang="en-GB" dirty="0"/>
-          </a:p>
-        </p:txBody>
-      </p:sp>
-      <p:pic>
-        <p:nvPicPr>
-          <p:cNvPr id="20" name="Picture 4" descr="C:\GITHUB\incodehq\incode-module-document\dom\src\main\java\org\incode\module\document\dom\impl\paperclips\Paperclip.png"/>
-          <p:cNvPicPr>
-            <a:picLocks noChangeAspect="1" noChangeArrowheads="1"/>
-          </p:cNvPicPr>
-          <p:nvPr/>
-        </p:nvPicPr>
-        <p:blipFill>
-          <a:blip r:embed="rId4">
-            <a:extLst>
-              <a:ext uri="{28A0092B-C50C-407E-A947-70E740481C1C}">
-                <a14:useLocalDpi xmlns:a14="http://schemas.microsoft.com/office/drawing/2010/main" val="0"/>
-              </a:ext>
-            </a:extLst>
-          </a:blip>
-          <a:srcRect/>
-          <a:stretch>
-            <a:fillRect/>
-          </a:stretch>
-        </p:blipFill>
-        <p:spPr bwMode="auto">
-          <a:xfrm>
-            <a:off x="780858" y="2767814"/>
-            <a:ext cx="518865" cy="518865"/>
-          </a:xfrm>
-          <a:prstGeom prst="rect">
-            <a:avLst/>
-          </a:prstGeom>
-          <a:noFill/>
-          <a:extLst>
-            <a:ext uri="{909E8E84-426E-40DD-AFC4-6F175D3DCCD1}">
-              <a14:hiddenFill xmlns:a14="http://schemas.microsoft.com/office/drawing/2010/main">
-                <a:solidFill>
-                  <a:srgbClr val="FFFFFF"/>
-                </a:solidFill>
-              </a14:hiddenFill>
-            </a:ext>
-          </a:extLst>
-        </p:spPr>
-      </p:pic>
-      <p:cxnSp>
-        <p:nvCxnSpPr>
-          <p:cNvPr id="21" name="Straight Connector 20"/>
-          <p:cNvCxnSpPr/>
-          <p:nvPr/>
-        </p:nvCxnSpPr>
-        <p:spPr>
-          <a:xfrm>
-            <a:off x="827584" y="1412776"/>
-            <a:ext cx="535111" cy="3228943"/>
-          </a:xfrm>
-          <a:prstGeom prst="line">
-            <a:avLst/>
-          </a:prstGeom>
-        </p:spPr>
-        <p:style>
-          <a:lnRef idx="1">
-            <a:schemeClr val="accent1"/>
-          </a:lnRef>
-          <a:fillRef idx="0">
-            <a:schemeClr val="accent1"/>
-          </a:fillRef>
-          <a:effectRef idx="0">
-            <a:schemeClr val="accent1"/>
-          </a:effectRef>
-          <a:fontRef idx="minor">
-            <a:schemeClr val="tx1"/>
-          </a:fontRef>
-        </p:style>
-      </p:cxnSp>
-      <p:sp>
-        <p:nvSpPr>
-          <p:cNvPr id="25" name="TextBox 24"/>
-          <p:cNvSpPr txBox="1"/>
-          <p:nvPr/>
-        </p:nvSpPr>
-        <p:spPr>
-          <a:xfrm>
-            <a:off x="2123728" y="4293096"/>
-            <a:ext cx="6567439" cy="523220"/>
-          </a:xfrm>
-          <a:prstGeom prst="rect">
-            <a:avLst/>
-          </a:prstGeom>
-          <a:noFill/>
-        </p:spPr>
-        <p:txBody>
-          <a:bodyPr wrap="none" rtlCol="0">
-            <a:spAutoFit/>
-          </a:bodyPr>
-          <a:lstStyle/>
-          <a:p>
-            <a:r>
-              <a:rPr lang="en-GB" sz="2800" dirty="0" smtClean="0">
-                <a:solidFill>
-                  <a:srgbClr val="00B050"/>
-                </a:solidFill>
-              </a:rPr>
-              <a:t>Notices the attached PDF and also links </a:t>
-            </a:r>
-            <a:r>
-              <a:rPr lang="en-GB" sz="2800" smtClean="0">
-                <a:solidFill>
-                  <a:srgbClr val="00B050"/>
-                </a:solidFill>
-              </a:rPr>
-              <a:t>to it</a:t>
-            </a:r>
-            <a:endParaRPr lang="en-GB" sz="2800" dirty="0">
-              <a:solidFill>
-                <a:srgbClr val="00B050"/>
-              </a:solidFill>
-            </a:endParaRPr>
-          </a:p>
-        </p:txBody>
-      </p:sp>
-      <p:pic>
-        <p:nvPicPr>
-          <p:cNvPr id="10" name="Picture 3" descr="C:\GITHUB\incodehq\incode-module-document\dom\src\main\java\org\incode\module\document\dom\impl\docs\Document-pdf.png"/>
-          <p:cNvPicPr>
-            <a:picLocks noChangeAspect="1" noChangeArrowheads="1"/>
-          </p:cNvPicPr>
-          <p:nvPr/>
-        </p:nvPicPr>
-        <p:blipFill>
-          <a:blip r:embed="rId3">
-            <a:extLst>
-              <a:ext uri="{28A0092B-C50C-407E-A947-70E740481C1C}">
-                <a14:useLocalDpi xmlns:a14="http://schemas.microsoft.com/office/drawing/2010/main" val="0"/>
-              </a:ext>
-            </a:extLst>
-          </a:blip>
-          <a:srcRect/>
-          <a:stretch>
-            <a:fillRect/>
-          </a:stretch>
-        </p:blipFill>
-        <p:spPr bwMode="auto">
-          <a:xfrm>
-            <a:off x="2363960" y="2546588"/>
-            <a:ext cx="916260" cy="916260"/>
-          </a:xfrm>
-          <a:prstGeom prst="rect">
-            <a:avLst/>
-          </a:prstGeom>
-          <a:noFill/>
-          <a:extLst>
-            <a:ext uri="{909E8E84-426E-40DD-AFC4-6F175D3DCCD1}">
-              <a14:hiddenFill xmlns:a14="http://schemas.microsoft.com/office/drawing/2010/main">
-                <a:solidFill>
-                  <a:srgbClr val="FFFFFF"/>
-                </a:solidFill>
-              </a14:hiddenFill>
-            </a:ext>
-          </a:extLst>
-        </p:spPr>
-      </p:pic>
-      <p:sp>
-        <p:nvSpPr>
-          <p:cNvPr id="11" name="TextBox 10"/>
-          <p:cNvSpPr txBox="1"/>
-          <p:nvPr/>
-        </p:nvSpPr>
-        <p:spPr>
-          <a:xfrm>
-            <a:off x="2372135" y="3484433"/>
-            <a:ext cx="1165191" cy="646331"/>
-          </a:xfrm>
-          <a:prstGeom prst="rect">
-            <a:avLst/>
-          </a:prstGeom>
-          <a:noFill/>
-        </p:spPr>
-        <p:txBody>
-          <a:bodyPr wrap="none" rtlCol="0">
-            <a:spAutoFit/>
-          </a:bodyPr>
-          <a:lstStyle/>
-          <a:p>
-            <a:r>
-              <a:rPr lang="en-GB" dirty="0" smtClean="0"/>
-              <a:t>(Invoice)</a:t>
-            </a:r>
-          </a:p>
-          <a:p>
-            <a:r>
-              <a:rPr lang="en-GB" dirty="0" smtClean="0"/>
-              <a:t>Document</a:t>
-            </a:r>
-            <a:endParaRPr lang="en-GB" dirty="0"/>
-          </a:p>
-        </p:txBody>
-      </p:sp>
-      <p:pic>
-        <p:nvPicPr>
-          <p:cNvPr id="12" name="Picture 4" descr="C:\GITHUB\incodehq\incode-module-document\dom\src\main\java\org\incode\module\document\dom\impl\paperclips\Paperclip.png"/>
-          <p:cNvPicPr>
-            <a:picLocks noChangeAspect="1" noChangeArrowheads="1"/>
-          </p:cNvPicPr>
-          <p:nvPr/>
-        </p:nvPicPr>
-        <p:blipFill>
-          <a:blip r:embed="rId4">
-            <a:extLst>
-              <a:ext uri="{28A0092B-C50C-407E-A947-70E740481C1C}">
-                <a14:useLocalDpi xmlns:a14="http://schemas.microsoft.com/office/drawing/2010/main" val="0"/>
-              </a:ext>
-            </a:extLst>
-          </a:blip>
-          <a:srcRect/>
-          <a:stretch>
-            <a:fillRect/>
-          </a:stretch>
-        </p:blipFill>
-        <p:spPr bwMode="auto">
-          <a:xfrm>
-            <a:off x="1331640" y="1667682"/>
-            <a:ext cx="518865" cy="518865"/>
-          </a:xfrm>
-          <a:prstGeom prst="rect">
-            <a:avLst/>
-          </a:prstGeom>
-          <a:noFill/>
-          <a:extLst>
-            <a:ext uri="{909E8E84-426E-40DD-AFC4-6F175D3DCCD1}">
-              <a14:hiddenFill xmlns:a14="http://schemas.microsoft.com/office/drawing/2010/main">
-                <a:solidFill>
-                  <a:srgbClr val="FFFFFF"/>
-                </a:solidFill>
-              </a14:hiddenFill>
-            </a:ext>
-          </a:extLst>
-        </p:spPr>
-      </p:pic>
-      <p:cxnSp>
-        <p:nvCxnSpPr>
-          <p:cNvPr id="15" name="Straight Connector 14"/>
-          <p:cNvCxnSpPr/>
-          <p:nvPr/>
-        </p:nvCxnSpPr>
-        <p:spPr>
-          <a:xfrm>
-            <a:off x="1074830" y="1387561"/>
-            <a:ext cx="1048898" cy="1015011"/>
-          </a:xfrm>
-          <a:prstGeom prst="line">
-            <a:avLst/>
-          </a:prstGeom>
-        </p:spPr>
-        <p:style>
-          <a:lnRef idx="1">
-            <a:schemeClr val="accent1"/>
-          </a:lnRef>
-          <a:fillRef idx="0">
-            <a:schemeClr val="accent1"/>
-          </a:fillRef>
-          <a:effectRef idx="0">
-            <a:schemeClr val="accent1"/>
-          </a:effectRef>
-          <a:fontRef idx="minor">
-            <a:schemeClr val="tx1"/>
-          </a:fontRef>
-        </p:style>
-      </p:cxnSp>
-      <p:cxnSp>
-        <p:nvCxnSpPr>
-          <p:cNvPr id="16" name="Straight Connector 15"/>
-          <p:cNvCxnSpPr/>
-          <p:nvPr/>
-        </p:nvCxnSpPr>
-        <p:spPr>
-          <a:xfrm>
-            <a:off x="1227230" y="1539961"/>
-            <a:ext cx="1048898" cy="1015011"/>
-          </a:xfrm>
-          <a:prstGeom prst="line">
-            <a:avLst/>
-          </a:prstGeom>
-        </p:spPr>
-        <p:style>
-          <a:lnRef idx="1">
-            <a:schemeClr val="accent1"/>
-          </a:lnRef>
-          <a:fillRef idx="0">
-            <a:schemeClr val="accent1"/>
-          </a:fillRef>
-          <a:effectRef idx="0">
-            <a:schemeClr val="accent1"/>
-          </a:effectRef>
-          <a:fontRef idx="minor">
-            <a:schemeClr val="tx1"/>
-          </a:fontRef>
-        </p:style>
-      </p:cxnSp>
-      <p:pic>
-        <p:nvPicPr>
-          <p:cNvPr id="17" name="Picture 4" descr="C:\GITHUB\incodehq\incode-module-document\dom\src\main\java\org\incode\module\document\dom\impl\paperclips\Paperclip.png"/>
-          <p:cNvPicPr>
-            <a:picLocks noChangeAspect="1" noChangeArrowheads="1"/>
-          </p:cNvPicPr>
-          <p:nvPr/>
-        </p:nvPicPr>
-        <p:blipFill>
-          <a:blip r:embed="rId4">
-            <a:extLst>
-              <a:ext uri="{28A0092B-C50C-407E-A947-70E740481C1C}">
-                <a14:useLocalDpi xmlns:a14="http://schemas.microsoft.com/office/drawing/2010/main" val="0"/>
-              </a:ext>
-            </a:extLst>
-          </a:blip>
-          <a:srcRect/>
-          <a:stretch>
-            <a:fillRect/>
-          </a:stretch>
-        </p:blipFill>
-        <p:spPr bwMode="auto">
-          <a:xfrm>
-            <a:off x="1619505" y="3906829"/>
-            <a:ext cx="518865" cy="518865"/>
-          </a:xfrm>
-          <a:prstGeom prst="rect">
-            <a:avLst/>
-          </a:prstGeom>
-          <a:noFill/>
-          <a:extLst>
-            <a:ext uri="{909E8E84-426E-40DD-AFC4-6F175D3DCCD1}">
-              <a14:hiddenFill xmlns:a14="http://schemas.microsoft.com/office/drawing/2010/main">
-                <a:solidFill>
-                  <a:srgbClr val="FFFFFF"/>
-                </a:solidFill>
-              </a14:hiddenFill>
-            </a:ext>
-          </a:extLst>
-        </p:spPr>
-      </p:pic>
-      <p:cxnSp>
-        <p:nvCxnSpPr>
-          <p:cNvPr id="18" name="Straight Connector 17"/>
-          <p:cNvCxnSpPr/>
-          <p:nvPr/>
-        </p:nvCxnSpPr>
-        <p:spPr>
-          <a:xfrm flipH="1">
-            <a:off x="1362695" y="3626708"/>
-            <a:ext cx="1048898" cy="1015011"/>
-          </a:xfrm>
-          <a:prstGeom prst="line">
-            <a:avLst/>
-          </a:prstGeom>
-        </p:spPr>
-        <p:style>
-          <a:lnRef idx="1">
-            <a:schemeClr val="accent1"/>
-          </a:lnRef>
-          <a:fillRef idx="0">
-            <a:schemeClr val="accent1"/>
-          </a:fillRef>
-          <a:effectRef idx="0">
-            <a:schemeClr val="accent1"/>
-          </a:effectRef>
-          <a:fontRef idx="minor">
-            <a:schemeClr val="tx1"/>
-          </a:fontRef>
-        </p:style>
-      </p:cxnSp>
-    </p:spTree>
-    <p:extLst>
-      <p:ext uri="{BB962C8B-B14F-4D97-AF65-F5344CB8AC3E}">
-        <p14:creationId xmlns:p14="http://schemas.microsoft.com/office/powerpoint/2010/main" val="775045194"/>
-      </p:ext>
-    </p:extLst>
-  </p:cSld>
-  <p:clrMapOvr>
-    <a:masterClrMapping/>
-  </p:clrMapOvr>
-  <p:timing>
-    <p:tnLst>
-      <p:par>
-        <p:cTn id="1" dur="indefinite" restart="never" nodeType="tmRoot"/>
-      </p:par>
-    </p:tnLst>
-  </p:timing>
-</p:sld>
-</file>
-
-<file path=ppt/slides/slide22.xml><?xml version="1.0" encoding="utf-8"?>
-<p:sld xmlns:a="http://schemas.openxmlformats.org/drawingml/2006/main" xmlns:r="http://schemas.openxmlformats.org/officeDocument/2006/relationships" xmlns:p="http://schemas.openxmlformats.org/presentationml/2006/main">
-  <p:cSld>
-    <p:spTree>
-      <p:nvGrpSpPr>
-        <p:cNvPr id="1" name=""/>
-        <p:cNvGrpSpPr/>
-        <p:nvPr/>
-      </p:nvGrpSpPr>
-      <p:grpSpPr>
-        <a:xfrm>
-          <a:off x="0" y="0"/>
-          <a:ext cx="0" cy="0"/>
-          <a:chOff x="0" y="0"/>
-          <a:chExt cx="0" cy="0"/>
-        </a:xfrm>
-      </p:grpSpPr>
-      <p:pic>
-        <p:nvPicPr>
-          <p:cNvPr id="1026" name="Picture 2" descr="C:\GITHUB\estatio\estatio\estatioapp\module\invoice\dom\src\main\java\org\estatio\dom\invoice\Invoice.png"/>
-          <p:cNvPicPr>
-            <a:picLocks noChangeAspect="1" noChangeArrowheads="1"/>
-          </p:cNvPicPr>
-          <p:nvPr/>
-        </p:nvPicPr>
-        <p:blipFill>
-          <a:blip r:embed="rId2">
-            <a:extLst>
-              <a:ext uri="{28A0092B-C50C-407E-A947-70E740481C1C}">
-                <a14:useLocalDpi xmlns:a14="http://schemas.microsoft.com/office/drawing/2010/main" val="0"/>
-              </a:ext>
-            </a:extLst>
-          </a:blip>
-          <a:srcRect/>
-          <a:stretch>
-            <a:fillRect/>
-          </a:stretch>
-        </p:blipFill>
-        <p:spPr bwMode="auto">
-          <a:xfrm>
-            <a:off x="211895" y="332656"/>
-            <a:ext cx="916260" cy="916260"/>
-          </a:xfrm>
-          <a:prstGeom prst="rect">
-            <a:avLst/>
-          </a:prstGeom>
-          <a:noFill/>
-          <a:extLst>
-            <a:ext uri="{909E8E84-426E-40DD-AFC4-6F175D3DCCD1}">
-              <a14:hiddenFill xmlns:a14="http://schemas.microsoft.com/office/drawing/2010/main">
-                <a:solidFill>
-                  <a:srgbClr val="FFFFFF"/>
-                </a:solidFill>
-              </a14:hiddenFill>
-            </a:ext>
-          </a:extLst>
-        </p:spPr>
-      </p:pic>
-      <p:sp>
-        <p:nvSpPr>
-          <p:cNvPr id="9" name="TextBox 8"/>
-          <p:cNvSpPr txBox="1"/>
-          <p:nvPr/>
-        </p:nvSpPr>
-        <p:spPr>
-          <a:xfrm>
-            <a:off x="1140729" y="332656"/>
-            <a:ext cx="1262077" cy="646331"/>
-          </a:xfrm>
-          <a:prstGeom prst="rect">
-            <a:avLst/>
-          </a:prstGeom>
-          <a:noFill/>
-        </p:spPr>
-        <p:txBody>
-          <a:bodyPr wrap="none" rtlCol="0">
-            <a:spAutoFit/>
-          </a:bodyPr>
-          <a:lstStyle/>
-          <a:p>
-            <a:r>
-              <a:rPr lang="en-GB" dirty="0"/>
-              <a:t>Transaction</a:t>
-            </a:r>
-          </a:p>
-          <a:p>
-            <a:endParaRPr lang="en-GB" dirty="0"/>
-          </a:p>
-        </p:txBody>
-      </p:sp>
-      <p:pic>
-        <p:nvPicPr>
-          <p:cNvPr id="1027" name="Picture 3" descr="C:\GITHUB\incodehq\incode-module-document\dom\src\main\java\org\incode\module\document\dom\impl\docs\Document-pdf.png"/>
-          <p:cNvPicPr>
-            <a:picLocks noChangeAspect="1" noChangeArrowheads="1"/>
-          </p:cNvPicPr>
-          <p:nvPr/>
-        </p:nvPicPr>
-        <p:blipFill>
-          <a:blip r:embed="rId3">
-            <a:extLst>
-              <a:ext uri="{28A0092B-C50C-407E-A947-70E740481C1C}">
-                <a14:useLocalDpi xmlns:a14="http://schemas.microsoft.com/office/drawing/2010/main" val="0"/>
-              </a:ext>
-            </a:extLst>
-          </a:blip>
-          <a:srcRect/>
-          <a:stretch>
-            <a:fillRect/>
-          </a:stretch>
-        </p:blipFill>
-        <p:spPr bwMode="auto">
-          <a:xfrm>
-            <a:off x="2363960" y="2546588"/>
-            <a:ext cx="916260" cy="916260"/>
-          </a:xfrm>
-          <a:prstGeom prst="rect">
-            <a:avLst/>
-          </a:prstGeom>
-          <a:noFill/>
-          <a:extLst>
-            <a:ext uri="{909E8E84-426E-40DD-AFC4-6F175D3DCCD1}">
-              <a14:hiddenFill xmlns:a14="http://schemas.microsoft.com/office/drawing/2010/main">
-                <a:solidFill>
-                  <a:srgbClr val="FFFFFF"/>
-                </a:solidFill>
-              </a14:hiddenFill>
-            </a:ext>
-          </a:extLst>
-        </p:spPr>
-      </p:pic>
-      <p:sp>
-        <p:nvSpPr>
-          <p:cNvPr id="12" name="TextBox 11"/>
-          <p:cNvSpPr txBox="1"/>
-          <p:nvPr/>
-        </p:nvSpPr>
-        <p:spPr>
-          <a:xfrm>
-            <a:off x="2372135" y="3484433"/>
-            <a:ext cx="1165191" cy="646331"/>
-          </a:xfrm>
-          <a:prstGeom prst="rect">
-            <a:avLst/>
-          </a:prstGeom>
-          <a:noFill/>
-        </p:spPr>
-        <p:txBody>
-          <a:bodyPr wrap="none" rtlCol="0">
-            <a:spAutoFit/>
-          </a:bodyPr>
-          <a:lstStyle/>
-          <a:p>
-            <a:r>
-              <a:rPr lang="en-GB" dirty="0" smtClean="0"/>
-              <a:t>(Invoice)</a:t>
-            </a:r>
-          </a:p>
-          <a:p>
-            <a:r>
-              <a:rPr lang="en-GB" dirty="0" smtClean="0"/>
-              <a:t>Document</a:t>
-            </a:r>
-            <a:endParaRPr lang="en-GB" dirty="0"/>
-          </a:p>
-        </p:txBody>
-      </p:sp>
-      <p:pic>
-        <p:nvPicPr>
-          <p:cNvPr id="13" name="Picture 3" descr="C:\GITHUB\incodehq\incode-module-document\dom\src\main\java\org\incode\module\document\dom\impl\docs\Document-pdf.png"/>
-          <p:cNvPicPr>
-            <a:picLocks noChangeAspect="1" noChangeArrowheads="1"/>
-          </p:cNvPicPr>
-          <p:nvPr/>
-        </p:nvPicPr>
-        <p:blipFill>
-          <a:blip r:embed="rId3">
-            <a:extLst>
-              <a:ext uri="{28A0092B-C50C-407E-A947-70E740481C1C}">
-                <a14:useLocalDpi xmlns:a14="http://schemas.microsoft.com/office/drawing/2010/main" val="0"/>
-              </a:ext>
-            </a:extLst>
-          </a:blip>
-          <a:srcRect/>
-          <a:stretch>
-            <a:fillRect/>
-          </a:stretch>
-        </p:blipFill>
-        <p:spPr bwMode="auto">
-          <a:xfrm>
-            <a:off x="827584" y="4785735"/>
-            <a:ext cx="916260" cy="916260"/>
-          </a:xfrm>
-          <a:prstGeom prst="rect">
-            <a:avLst/>
-          </a:prstGeom>
-          <a:noFill/>
-          <a:extLst>
-            <a:ext uri="{909E8E84-426E-40DD-AFC4-6F175D3DCCD1}">
-              <a14:hiddenFill xmlns:a14="http://schemas.microsoft.com/office/drawing/2010/main">
-                <a:solidFill>
-                  <a:srgbClr val="FFFFFF"/>
-                </a:solidFill>
-              </a14:hiddenFill>
-            </a:ext>
-          </a:extLst>
-        </p:spPr>
-      </p:pic>
-      <p:sp>
-        <p:nvSpPr>
-          <p:cNvPr id="14" name="TextBox 13"/>
-          <p:cNvSpPr txBox="1"/>
-          <p:nvPr/>
-        </p:nvSpPr>
-        <p:spPr>
-          <a:xfrm>
-            <a:off x="715951" y="5733913"/>
-            <a:ext cx="1337097" cy="646331"/>
-          </a:xfrm>
-          <a:prstGeom prst="rect">
-            <a:avLst/>
-          </a:prstGeom>
-          <a:noFill/>
-        </p:spPr>
-        <p:txBody>
-          <a:bodyPr wrap="none" rtlCol="0">
-            <a:spAutoFit/>
-          </a:bodyPr>
-          <a:lstStyle/>
-          <a:p>
-            <a:pPr algn="ctr"/>
-            <a:r>
-              <a:rPr lang="en-GB" dirty="0" smtClean="0"/>
-              <a:t>(Tax receipt)</a:t>
-            </a:r>
-          </a:p>
-          <a:p>
-            <a:pPr algn="ctr"/>
-            <a:r>
-              <a:rPr lang="en-GB" dirty="0" smtClean="0"/>
-              <a:t>Document</a:t>
-            </a:r>
-            <a:endParaRPr lang="en-GB" dirty="0"/>
-          </a:p>
-        </p:txBody>
-      </p:sp>
-      <p:pic>
-        <p:nvPicPr>
-          <p:cNvPr id="1028" name="Picture 4" descr="C:\GITHUB\incodehq\incode-module-document\dom\src\main\java\org\incode\module\document\dom\impl\paperclips\Paperclip.png"/>
-          <p:cNvPicPr>
-            <a:picLocks noChangeAspect="1" noChangeArrowheads="1"/>
-          </p:cNvPicPr>
-          <p:nvPr/>
-        </p:nvPicPr>
-        <p:blipFill>
-          <a:blip r:embed="rId4">
-            <a:extLst>
-              <a:ext uri="{28A0092B-C50C-407E-A947-70E740481C1C}">
-                <a14:useLocalDpi xmlns:a14="http://schemas.microsoft.com/office/drawing/2010/main" val="0"/>
-              </a:ext>
-            </a:extLst>
-          </a:blip>
-          <a:srcRect/>
-          <a:stretch>
-            <a:fillRect/>
-          </a:stretch>
-        </p:blipFill>
-        <p:spPr bwMode="auto">
-          <a:xfrm>
-            <a:off x="1331640" y="1667682"/>
-            <a:ext cx="518865" cy="518865"/>
-          </a:xfrm>
-          <a:prstGeom prst="rect">
-            <a:avLst/>
-          </a:prstGeom>
-          <a:noFill/>
-          <a:extLst>
-            <a:ext uri="{909E8E84-426E-40DD-AFC4-6F175D3DCCD1}">
-              <a14:hiddenFill xmlns:a14="http://schemas.microsoft.com/office/drawing/2010/main">
-                <a:solidFill>
-                  <a:srgbClr val="FFFFFF"/>
-                </a:solidFill>
-              </a14:hiddenFill>
-            </a:ext>
-          </a:extLst>
-        </p:spPr>
-      </p:pic>
-      <p:cxnSp>
-        <p:nvCxnSpPr>
-          <p:cNvPr id="11" name="Straight Connector 10"/>
-          <p:cNvCxnSpPr/>
-          <p:nvPr/>
-        </p:nvCxnSpPr>
-        <p:spPr>
-          <a:xfrm>
-            <a:off x="1074830" y="1387561"/>
-            <a:ext cx="1048898" cy="1015011"/>
-          </a:xfrm>
-          <a:prstGeom prst="line">
-            <a:avLst/>
-          </a:prstGeom>
-        </p:spPr>
-        <p:style>
-          <a:lnRef idx="1">
-            <a:schemeClr val="accent1"/>
-          </a:lnRef>
-          <a:fillRef idx="0">
-            <a:schemeClr val="accent1"/>
-          </a:fillRef>
-          <a:effectRef idx="0">
-            <a:schemeClr val="accent1"/>
-          </a:effectRef>
-          <a:fontRef idx="minor">
-            <a:schemeClr val="tx1"/>
-          </a:fontRef>
-        </p:style>
-      </p:cxnSp>
-      <p:pic>
-        <p:nvPicPr>
-          <p:cNvPr id="20" name="Picture 4" descr="C:\GITHUB\incodehq\incode-module-document\dom\src\main\java\org\incode\module\document\dom\impl\paperclips\Paperclip.png"/>
-          <p:cNvPicPr>
-            <a:picLocks noChangeAspect="1" noChangeArrowheads="1"/>
-          </p:cNvPicPr>
-          <p:nvPr/>
-        </p:nvPicPr>
-        <p:blipFill>
-          <a:blip r:embed="rId4">
-            <a:extLst>
-              <a:ext uri="{28A0092B-C50C-407E-A947-70E740481C1C}">
-                <a14:useLocalDpi xmlns:a14="http://schemas.microsoft.com/office/drawing/2010/main" val="0"/>
-              </a:ext>
-            </a:extLst>
-          </a:blip>
-          <a:srcRect/>
-          <a:stretch>
-            <a:fillRect/>
-          </a:stretch>
-        </p:blipFill>
-        <p:spPr bwMode="auto">
-          <a:xfrm>
-            <a:off x="1619505" y="3906829"/>
-            <a:ext cx="518865" cy="518865"/>
-          </a:xfrm>
-          <a:prstGeom prst="rect">
-            <a:avLst/>
-          </a:prstGeom>
-          <a:noFill/>
-          <a:extLst>
-            <a:ext uri="{909E8E84-426E-40DD-AFC4-6F175D3DCCD1}">
-              <a14:hiddenFill xmlns:a14="http://schemas.microsoft.com/office/drawing/2010/main">
-                <a:solidFill>
-                  <a:srgbClr val="FFFFFF"/>
-                </a:solidFill>
-              </a14:hiddenFill>
-            </a:ext>
-          </a:extLst>
-        </p:spPr>
-      </p:pic>
-      <p:cxnSp>
-        <p:nvCxnSpPr>
-          <p:cNvPr id="21" name="Straight Connector 20"/>
-          <p:cNvCxnSpPr/>
-          <p:nvPr/>
-        </p:nvCxnSpPr>
-        <p:spPr>
-          <a:xfrm flipH="1">
-            <a:off x="1362695" y="3626708"/>
-            <a:ext cx="1048898" cy="1015011"/>
-          </a:xfrm>
-          <a:prstGeom prst="line">
-            <a:avLst/>
-          </a:prstGeom>
-        </p:spPr>
-        <p:style>
-          <a:lnRef idx="1">
-            <a:schemeClr val="accent1"/>
-          </a:lnRef>
-          <a:fillRef idx="0">
-            <a:schemeClr val="accent1"/>
-          </a:fillRef>
-          <a:effectRef idx="0">
-            <a:schemeClr val="accent1"/>
-          </a:effectRef>
-          <a:fontRef idx="minor">
-            <a:schemeClr val="tx1"/>
-          </a:fontRef>
-        </p:style>
-      </p:cxnSp>
-      <p:pic>
-        <p:nvPicPr>
-          <p:cNvPr id="1029" name="Picture 5" descr="C:\GITHUB\incodehq\incode-module-communications\module\src\main\java\org\incode\module\communications\dom\impl\comms\Communication-email.png"/>
-          <p:cNvPicPr>
-            <a:picLocks noChangeAspect="1" noChangeArrowheads="1"/>
-          </p:cNvPicPr>
-          <p:nvPr/>
-        </p:nvPicPr>
-        <p:blipFill>
-          <a:blip r:embed="rId5">
-            <a:extLst>
-              <a:ext uri="{28A0092B-C50C-407E-A947-70E740481C1C}">
-                <a14:useLocalDpi xmlns:a14="http://schemas.microsoft.com/office/drawing/2010/main" val="0"/>
-              </a:ext>
-            </a:extLst>
-          </a:blip>
-          <a:srcRect/>
-          <a:stretch>
-            <a:fillRect/>
-          </a:stretch>
-        </p:blipFill>
-        <p:spPr bwMode="auto">
-          <a:xfrm>
-            <a:off x="6732240" y="2449322"/>
-            <a:ext cx="1163127" cy="1163127"/>
-          </a:xfrm>
-          <a:prstGeom prst="rect">
-            <a:avLst/>
-          </a:prstGeom>
-          <a:noFill/>
-          <a:extLst>
-            <a:ext uri="{909E8E84-426E-40DD-AFC4-6F175D3DCCD1}">
-              <a14:hiddenFill xmlns:a14="http://schemas.microsoft.com/office/drawing/2010/main">
-                <a:solidFill>
-                  <a:srgbClr val="FFFFFF"/>
-                </a:solidFill>
-              </a14:hiddenFill>
-            </a:ext>
-          </a:extLst>
-        </p:spPr>
-      </p:pic>
-      <p:sp>
-        <p:nvSpPr>
-          <p:cNvPr id="24" name="TextBox 23"/>
-          <p:cNvSpPr txBox="1"/>
-          <p:nvPr/>
-        </p:nvSpPr>
-        <p:spPr>
-          <a:xfrm>
-            <a:off x="6643394" y="3410684"/>
-            <a:ext cx="1673022" cy="646331"/>
-          </a:xfrm>
-          <a:prstGeom prst="rect">
-            <a:avLst/>
-          </a:prstGeom>
-          <a:noFill/>
-        </p:spPr>
-        <p:txBody>
-          <a:bodyPr wrap="none" rtlCol="0">
-            <a:spAutoFit/>
-          </a:bodyPr>
-          <a:lstStyle/>
-          <a:p>
-            <a:r>
-              <a:rPr lang="en-GB" dirty="0" smtClean="0"/>
-              <a:t>(Post)</a:t>
-            </a:r>
-          </a:p>
-          <a:p>
-            <a:r>
-              <a:rPr lang="en-GB" dirty="0" smtClean="0"/>
-              <a:t>Communication</a:t>
-            </a:r>
-            <a:endParaRPr lang="en-GB" dirty="0"/>
-          </a:p>
-        </p:txBody>
-      </p:sp>
-      <p:pic>
-        <p:nvPicPr>
-          <p:cNvPr id="27" name="Picture 4" descr="C:\GITHUB\incodehq\incode-module-document\dom\src\main\java\org\incode\module\document\dom\impl\paperclips\Paperclip.png"/>
-          <p:cNvPicPr>
-            <a:picLocks noChangeAspect="1" noChangeArrowheads="1"/>
-          </p:cNvPicPr>
-          <p:nvPr/>
-        </p:nvPicPr>
-        <p:blipFill>
-          <a:blip r:embed="rId4">
-            <a:extLst>
-              <a:ext uri="{28A0092B-C50C-407E-A947-70E740481C1C}">
-                <a14:useLocalDpi xmlns:a14="http://schemas.microsoft.com/office/drawing/2010/main" val="0"/>
-              </a:ext>
-            </a:extLst>
-          </a:blip>
-          <a:srcRect/>
-          <a:stretch>
-            <a:fillRect/>
-          </a:stretch>
-        </p:blipFill>
-        <p:spPr bwMode="auto">
-          <a:xfrm>
-            <a:off x="4460367" y="2766119"/>
-            <a:ext cx="518865" cy="518865"/>
-          </a:xfrm>
-          <a:prstGeom prst="rect">
-            <a:avLst/>
-          </a:prstGeom>
-          <a:noFill/>
-          <a:extLst>
-            <a:ext uri="{909E8E84-426E-40DD-AFC4-6F175D3DCCD1}">
-              <a14:hiddenFill xmlns:a14="http://schemas.microsoft.com/office/drawing/2010/main">
-                <a:solidFill>
-                  <a:srgbClr val="FFFFFF"/>
-                </a:solidFill>
-              </a14:hiddenFill>
-            </a:ext>
-          </a:extLst>
-        </p:spPr>
-      </p:pic>
-      <p:cxnSp>
-        <p:nvCxnSpPr>
-          <p:cNvPr id="29" name="Straight Connector 28"/>
-          <p:cNvCxnSpPr/>
-          <p:nvPr/>
-        </p:nvCxnSpPr>
-        <p:spPr>
-          <a:xfrm>
-            <a:off x="1227230" y="1539961"/>
-            <a:ext cx="1048898" cy="1015011"/>
-          </a:xfrm>
-          <a:prstGeom prst="line">
-            <a:avLst/>
-          </a:prstGeom>
-        </p:spPr>
-        <p:style>
-          <a:lnRef idx="1">
-            <a:schemeClr val="accent1"/>
-          </a:lnRef>
-          <a:fillRef idx="0">
-            <a:schemeClr val="accent1"/>
-          </a:fillRef>
-          <a:effectRef idx="0">
-            <a:schemeClr val="accent1"/>
-          </a:effectRef>
-          <a:fontRef idx="minor">
-            <a:schemeClr val="tx1"/>
-          </a:fontRef>
-        </p:style>
-      </p:cxnSp>
-      <p:cxnSp>
-        <p:nvCxnSpPr>
-          <p:cNvPr id="30" name="Straight Connector 29"/>
-          <p:cNvCxnSpPr/>
-          <p:nvPr/>
-        </p:nvCxnSpPr>
-        <p:spPr>
-          <a:xfrm>
-            <a:off x="3380247" y="3004718"/>
-            <a:ext cx="3096344" cy="26167"/>
-          </a:xfrm>
-          <a:prstGeom prst="line">
-            <a:avLst/>
-          </a:prstGeom>
-        </p:spPr>
-        <p:style>
-          <a:lnRef idx="1">
-            <a:schemeClr val="accent1"/>
-          </a:lnRef>
-          <a:fillRef idx="0">
-            <a:schemeClr val="accent1"/>
-          </a:fillRef>
-          <a:effectRef idx="0">
-            <a:schemeClr val="accent1"/>
-          </a:effectRef>
-          <a:fontRef idx="minor">
-            <a:schemeClr val="tx1"/>
-          </a:fontRef>
-        </p:style>
-      </p:cxnSp>
-      <p:pic>
-        <p:nvPicPr>
-          <p:cNvPr id="25" name="Picture 4" descr="C:\GITHUB\incodehq\incode-module-document\dom\src\main\java\org\incode\module\document\dom\impl\paperclips\Paperclip.png"/>
-          <p:cNvPicPr>
-            <a:picLocks noChangeAspect="1" noChangeArrowheads="1"/>
-          </p:cNvPicPr>
-          <p:nvPr/>
-        </p:nvPicPr>
-        <p:blipFill>
-          <a:blip r:embed="rId4">
-            <a:extLst>
-              <a:ext uri="{28A0092B-C50C-407E-A947-70E740481C1C}">
-                <a14:useLocalDpi xmlns:a14="http://schemas.microsoft.com/office/drawing/2010/main" val="0"/>
-              </a:ext>
-            </a:extLst>
-          </a:blip>
-          <a:srcRect/>
-          <a:stretch>
-            <a:fillRect/>
-          </a:stretch>
-        </p:blipFill>
-        <p:spPr bwMode="auto">
-          <a:xfrm>
-            <a:off x="3596601" y="4206279"/>
-            <a:ext cx="518865" cy="518865"/>
-          </a:xfrm>
-          <a:prstGeom prst="rect">
-            <a:avLst/>
-          </a:prstGeom>
-          <a:noFill/>
-          <a:extLst>
-            <a:ext uri="{909E8E84-426E-40DD-AFC4-6F175D3DCCD1}">
-              <a14:hiddenFill xmlns:a14="http://schemas.microsoft.com/office/drawing/2010/main">
-                <a:solidFill>
-                  <a:srgbClr val="FFFFFF"/>
-                </a:solidFill>
-              </a14:hiddenFill>
-            </a:ext>
-          </a:extLst>
-        </p:spPr>
-      </p:pic>
-      <p:cxnSp>
-        <p:nvCxnSpPr>
-          <p:cNvPr id="31" name="Straight Connector 30"/>
-          <p:cNvCxnSpPr/>
-          <p:nvPr/>
-        </p:nvCxnSpPr>
-        <p:spPr>
-          <a:xfrm flipV="1">
-            <a:off x="2053048" y="3337233"/>
-            <a:ext cx="4391160" cy="1890007"/>
-          </a:xfrm>
-          <a:prstGeom prst="line">
-            <a:avLst/>
-          </a:prstGeom>
-        </p:spPr>
-        <p:style>
-          <a:lnRef idx="1">
-            <a:schemeClr val="accent1"/>
-          </a:lnRef>
-          <a:fillRef idx="0">
-            <a:schemeClr val="accent1"/>
-          </a:fillRef>
-          <a:effectRef idx="0">
-            <a:schemeClr val="accent1"/>
-          </a:effectRef>
-          <a:fontRef idx="minor">
-            <a:schemeClr val="tx1"/>
-          </a:fontRef>
-        </p:style>
-      </p:cxnSp>
-      <p:sp>
-        <p:nvSpPr>
-          <p:cNvPr id="32" name="TextBox 31"/>
-          <p:cNvSpPr txBox="1"/>
-          <p:nvPr/>
-        </p:nvSpPr>
-        <p:spPr>
-          <a:xfrm>
-            <a:off x="3203848" y="188640"/>
-            <a:ext cx="2973250" cy="646331"/>
-          </a:xfrm>
-          <a:prstGeom prst="rect">
-            <a:avLst/>
-          </a:prstGeom>
-          <a:noFill/>
-        </p:spPr>
-        <p:txBody>
-          <a:bodyPr wrap="none" rtlCol="0">
-            <a:spAutoFit/>
-          </a:bodyPr>
-          <a:lstStyle/>
-          <a:p>
-            <a:r>
-              <a:rPr lang="en-GB" sz="3600" dirty="0" smtClean="0">
-                <a:solidFill>
-                  <a:srgbClr val="00B050"/>
-                </a:solidFill>
-              </a:rPr>
-              <a:t>“Send by Post”</a:t>
-            </a:r>
-            <a:endParaRPr lang="en-GB" sz="3600" dirty="0">
-              <a:solidFill>
-                <a:srgbClr val="00B050"/>
-              </a:solidFill>
-            </a:endParaRPr>
-          </a:p>
-        </p:txBody>
-      </p:sp>
-      <p:pic>
-        <p:nvPicPr>
-          <p:cNvPr id="22" name="Picture 4" descr="C:\GITHUB\incodehq\incode-module-document\dom\src\main\java\org\incode\module\document\dom\impl\paperclips\Paperclip.png"/>
-          <p:cNvPicPr>
-            <a:picLocks noChangeAspect="1" noChangeArrowheads="1"/>
-          </p:cNvPicPr>
-          <p:nvPr/>
-        </p:nvPicPr>
-        <p:blipFill>
-          <a:blip r:embed="rId4">
-            <a:extLst>
-              <a:ext uri="{28A0092B-C50C-407E-A947-70E740481C1C}">
-                <a14:useLocalDpi xmlns:a14="http://schemas.microsoft.com/office/drawing/2010/main" val="0"/>
-              </a:ext>
-            </a:extLst>
-          </a:blip>
-          <a:srcRect/>
-          <a:stretch>
-            <a:fillRect/>
-          </a:stretch>
-        </p:blipFill>
-        <p:spPr bwMode="auto">
-          <a:xfrm>
-            <a:off x="780858" y="2767814"/>
-            <a:ext cx="518865" cy="518865"/>
-          </a:xfrm>
-          <a:prstGeom prst="rect">
-            <a:avLst/>
-          </a:prstGeom>
-          <a:noFill/>
-          <a:extLst>
-            <a:ext uri="{909E8E84-426E-40DD-AFC4-6F175D3DCCD1}">
-              <a14:hiddenFill xmlns:a14="http://schemas.microsoft.com/office/drawing/2010/main">
-                <a:solidFill>
-                  <a:srgbClr val="FFFFFF"/>
-                </a:solidFill>
-              </a14:hiddenFill>
-            </a:ext>
-          </a:extLst>
-        </p:spPr>
-      </p:pic>
-      <p:cxnSp>
-        <p:nvCxnSpPr>
-          <p:cNvPr id="23" name="Straight Connector 22"/>
-          <p:cNvCxnSpPr/>
-          <p:nvPr/>
-        </p:nvCxnSpPr>
-        <p:spPr>
-          <a:xfrm>
-            <a:off x="827584" y="1412776"/>
-            <a:ext cx="535111" cy="3228943"/>
-          </a:xfrm>
-          <a:prstGeom prst="line">
-            <a:avLst/>
-          </a:prstGeom>
-        </p:spPr>
-        <p:style>
-          <a:lnRef idx="1">
-            <a:schemeClr val="accent1"/>
-          </a:lnRef>
-          <a:fillRef idx="0">
-            <a:schemeClr val="accent1"/>
-          </a:fillRef>
-          <a:effectRef idx="0">
-            <a:schemeClr val="accent1"/>
-          </a:effectRef>
-          <a:fontRef idx="minor">
-            <a:schemeClr val="tx1"/>
-          </a:fontRef>
-        </p:style>
-      </p:cxnSp>
-    </p:spTree>
-    <p:extLst>
-      <p:ext uri="{BB962C8B-B14F-4D97-AF65-F5344CB8AC3E}">
-        <p14:creationId xmlns:p14="http://schemas.microsoft.com/office/powerpoint/2010/main" val="4126229046"/>
-      </p:ext>
-    </p:extLst>
-  </p:cSld>
-  <p:clrMapOvr>
-    <a:masterClrMapping/>
-  </p:clrMapOvr>
-  <p:timing>
-    <p:tnLst>
-      <p:par>
-        <p:cTn id="1" dur="indefinite" restart="never" nodeType="tmRoot"/>
-      </p:par>
-    </p:tnLst>
-  </p:timing>
-</p:sld>
-</file>
-
-<file path=ppt/slides/slide23.xml><?xml version="1.0" encoding="utf-8"?>
-<p:sld xmlns:a="http://schemas.openxmlformats.org/drawingml/2006/main" xmlns:r="http://schemas.openxmlformats.org/officeDocument/2006/relationships" xmlns:p="http://schemas.openxmlformats.org/presentationml/2006/main">
-  <p:cSld>
-    <p:spTree>
-      <p:nvGrpSpPr>
-        <p:cNvPr id="1" name=""/>
-        <p:cNvGrpSpPr/>
-        <p:nvPr/>
-      </p:nvGrpSpPr>
-      <p:grpSpPr>
-        <a:xfrm>
-          <a:off x="0" y="0"/>
-          <a:ext cx="0" cy="0"/>
-          <a:chOff x="0" y="0"/>
-          <a:chExt cx="0" cy="0"/>
-        </a:xfrm>
-      </p:grpSpPr>
-      <p:pic>
-        <p:nvPicPr>
-          <p:cNvPr id="1026" name="Picture 2" descr="C:\GITHUB\estatio\estatio\estatioapp\module\invoice\dom\src\main\java\org\estatio\dom\invoice\Invoice.png"/>
-          <p:cNvPicPr>
-            <a:picLocks noChangeAspect="1" noChangeArrowheads="1"/>
-          </p:cNvPicPr>
-          <p:nvPr/>
-        </p:nvPicPr>
-        <p:blipFill>
-          <a:blip r:embed="rId2">
-            <a:extLst>
-              <a:ext uri="{28A0092B-C50C-407E-A947-70E740481C1C}">
-                <a14:useLocalDpi xmlns:a14="http://schemas.microsoft.com/office/drawing/2010/main" val="0"/>
-              </a:ext>
-            </a:extLst>
-          </a:blip>
-          <a:srcRect/>
-          <a:stretch>
-            <a:fillRect/>
-          </a:stretch>
-        </p:blipFill>
-        <p:spPr bwMode="auto">
-          <a:xfrm>
-            <a:off x="211895" y="332656"/>
-            <a:ext cx="916260" cy="916260"/>
-          </a:xfrm>
-          <a:prstGeom prst="rect">
-            <a:avLst/>
-          </a:prstGeom>
-          <a:noFill/>
-          <a:extLst>
-            <a:ext uri="{909E8E84-426E-40DD-AFC4-6F175D3DCCD1}">
-              <a14:hiddenFill xmlns:a14="http://schemas.microsoft.com/office/drawing/2010/main">
-                <a:solidFill>
-                  <a:srgbClr val="FFFFFF"/>
-                </a:solidFill>
-              </a14:hiddenFill>
-            </a:ext>
-          </a:extLst>
-        </p:spPr>
-      </p:pic>
-      <p:sp>
-        <p:nvSpPr>
-          <p:cNvPr id="9" name="TextBox 8"/>
-          <p:cNvSpPr txBox="1"/>
-          <p:nvPr/>
-        </p:nvSpPr>
-        <p:spPr>
-          <a:xfrm>
-            <a:off x="1140729" y="332656"/>
-            <a:ext cx="1262077" cy="646331"/>
-          </a:xfrm>
-          <a:prstGeom prst="rect">
-            <a:avLst/>
-          </a:prstGeom>
-          <a:noFill/>
-        </p:spPr>
-        <p:txBody>
-          <a:bodyPr wrap="none" rtlCol="0">
-            <a:spAutoFit/>
-          </a:bodyPr>
-          <a:lstStyle/>
-          <a:p>
-            <a:r>
-              <a:rPr lang="en-GB"/>
-              <a:t>Transaction</a:t>
-            </a:r>
-          </a:p>
-          <a:p>
-            <a:endParaRPr lang="en-GB" dirty="0"/>
-          </a:p>
-        </p:txBody>
-      </p:sp>
-      <p:pic>
-        <p:nvPicPr>
-          <p:cNvPr id="1027" name="Picture 3" descr="C:\GITHUB\incodehq\incode-module-document\dom\src\main\java\org\incode\module\document\dom\impl\docs\Document-pdf.png"/>
-          <p:cNvPicPr>
-            <a:picLocks noChangeAspect="1" noChangeArrowheads="1"/>
-          </p:cNvPicPr>
-          <p:nvPr/>
-        </p:nvPicPr>
-        <p:blipFill>
-          <a:blip r:embed="rId3">
-            <a:extLst>
-              <a:ext uri="{28A0092B-C50C-407E-A947-70E740481C1C}">
-                <a14:useLocalDpi xmlns:a14="http://schemas.microsoft.com/office/drawing/2010/main" val="0"/>
-              </a:ext>
-            </a:extLst>
-          </a:blip>
-          <a:srcRect/>
-          <a:stretch>
-            <a:fillRect/>
-          </a:stretch>
-        </p:blipFill>
-        <p:spPr bwMode="auto">
-          <a:xfrm>
-            <a:off x="2363960" y="2546588"/>
-            <a:ext cx="916260" cy="916260"/>
-          </a:xfrm>
-          <a:prstGeom prst="rect">
-            <a:avLst/>
-          </a:prstGeom>
-          <a:noFill/>
-          <a:extLst>
-            <a:ext uri="{909E8E84-426E-40DD-AFC4-6F175D3DCCD1}">
-              <a14:hiddenFill xmlns:a14="http://schemas.microsoft.com/office/drawing/2010/main">
-                <a:solidFill>
-                  <a:srgbClr val="FFFFFF"/>
-                </a:solidFill>
-              </a14:hiddenFill>
-            </a:ext>
-          </a:extLst>
-        </p:spPr>
-      </p:pic>
-      <p:sp>
-        <p:nvSpPr>
-          <p:cNvPr id="12" name="TextBox 11"/>
-          <p:cNvSpPr txBox="1"/>
-          <p:nvPr/>
-        </p:nvSpPr>
-        <p:spPr>
-          <a:xfrm>
-            <a:off x="2372135" y="3484433"/>
-            <a:ext cx="1165191" cy="646331"/>
-          </a:xfrm>
-          <a:prstGeom prst="rect">
-            <a:avLst/>
-          </a:prstGeom>
-          <a:noFill/>
-        </p:spPr>
-        <p:txBody>
-          <a:bodyPr wrap="none" rtlCol="0">
-            <a:spAutoFit/>
-          </a:bodyPr>
-          <a:lstStyle/>
-          <a:p>
-            <a:r>
-              <a:rPr lang="en-GB" dirty="0" smtClean="0"/>
-              <a:t>(Invoice)</a:t>
-            </a:r>
-          </a:p>
-          <a:p>
-            <a:r>
-              <a:rPr lang="en-GB" dirty="0" smtClean="0"/>
-              <a:t>Document</a:t>
-            </a:r>
-            <a:endParaRPr lang="en-GB" dirty="0"/>
-          </a:p>
-        </p:txBody>
-      </p:sp>
-      <p:pic>
-        <p:nvPicPr>
-          <p:cNvPr id="13" name="Picture 3" descr="C:\GITHUB\incodehq\incode-module-document\dom\src\main\java\org\incode\module\document\dom\impl\docs\Document-pdf.png"/>
-          <p:cNvPicPr>
-            <a:picLocks noChangeAspect="1" noChangeArrowheads="1"/>
-          </p:cNvPicPr>
-          <p:nvPr/>
-        </p:nvPicPr>
-        <p:blipFill>
-          <a:blip r:embed="rId3">
-            <a:extLst>
-              <a:ext uri="{28A0092B-C50C-407E-A947-70E740481C1C}">
-                <a14:useLocalDpi xmlns:a14="http://schemas.microsoft.com/office/drawing/2010/main" val="0"/>
-              </a:ext>
-            </a:extLst>
-          </a:blip>
-          <a:srcRect/>
-          <a:stretch>
-            <a:fillRect/>
-          </a:stretch>
-        </p:blipFill>
-        <p:spPr bwMode="auto">
-          <a:xfrm>
-            <a:off x="827584" y="4785735"/>
-            <a:ext cx="916260" cy="916260"/>
-          </a:xfrm>
-          <a:prstGeom prst="rect">
-            <a:avLst/>
-          </a:prstGeom>
-          <a:noFill/>
-          <a:extLst>
-            <a:ext uri="{909E8E84-426E-40DD-AFC4-6F175D3DCCD1}">
-              <a14:hiddenFill xmlns:a14="http://schemas.microsoft.com/office/drawing/2010/main">
-                <a:solidFill>
-                  <a:srgbClr val="FFFFFF"/>
-                </a:solidFill>
-              </a14:hiddenFill>
-            </a:ext>
-          </a:extLst>
-        </p:spPr>
-      </p:pic>
-      <p:sp>
-        <p:nvSpPr>
-          <p:cNvPr id="14" name="TextBox 13"/>
-          <p:cNvSpPr txBox="1"/>
-          <p:nvPr/>
-        </p:nvSpPr>
-        <p:spPr>
-          <a:xfrm>
-            <a:off x="715951" y="5733913"/>
-            <a:ext cx="1337097" cy="646331"/>
-          </a:xfrm>
-          <a:prstGeom prst="rect">
-            <a:avLst/>
-          </a:prstGeom>
-          <a:noFill/>
-        </p:spPr>
-        <p:txBody>
-          <a:bodyPr wrap="none" rtlCol="0">
-            <a:spAutoFit/>
-          </a:bodyPr>
-          <a:lstStyle/>
-          <a:p>
-            <a:pPr algn="ctr"/>
-            <a:r>
-              <a:rPr lang="en-GB" dirty="0" smtClean="0"/>
-              <a:t>(Tax receipt)</a:t>
-            </a:r>
-          </a:p>
-          <a:p>
-            <a:pPr algn="ctr"/>
-            <a:r>
-              <a:rPr lang="en-GB" dirty="0" smtClean="0"/>
-              <a:t>Document</a:t>
-            </a:r>
-            <a:endParaRPr lang="en-GB" dirty="0"/>
-          </a:p>
-        </p:txBody>
-      </p:sp>
-      <p:pic>
-        <p:nvPicPr>
-          <p:cNvPr id="1028" name="Picture 4" descr="C:\GITHUB\incodehq\incode-module-document\dom\src\main\java\org\incode\module\document\dom\impl\paperclips\Paperclip.png"/>
-          <p:cNvPicPr>
-            <a:picLocks noChangeAspect="1" noChangeArrowheads="1"/>
-          </p:cNvPicPr>
-          <p:nvPr/>
-        </p:nvPicPr>
-        <p:blipFill>
-          <a:blip r:embed="rId4">
-            <a:extLst>
-              <a:ext uri="{28A0092B-C50C-407E-A947-70E740481C1C}">
-                <a14:useLocalDpi xmlns:a14="http://schemas.microsoft.com/office/drawing/2010/main" val="0"/>
-              </a:ext>
-            </a:extLst>
-          </a:blip>
-          <a:srcRect/>
-          <a:stretch>
-            <a:fillRect/>
-          </a:stretch>
-        </p:blipFill>
-        <p:spPr bwMode="auto">
-          <a:xfrm>
-            <a:off x="1331640" y="1667682"/>
-            <a:ext cx="518865" cy="518865"/>
-          </a:xfrm>
-          <a:prstGeom prst="rect">
-            <a:avLst/>
-          </a:prstGeom>
-          <a:noFill/>
-          <a:extLst>
-            <a:ext uri="{909E8E84-426E-40DD-AFC4-6F175D3DCCD1}">
-              <a14:hiddenFill xmlns:a14="http://schemas.microsoft.com/office/drawing/2010/main">
-                <a:solidFill>
-                  <a:srgbClr val="FFFFFF"/>
-                </a:solidFill>
-              </a14:hiddenFill>
-            </a:ext>
-          </a:extLst>
-        </p:spPr>
-      </p:pic>
-      <p:cxnSp>
-        <p:nvCxnSpPr>
-          <p:cNvPr id="11" name="Straight Connector 10"/>
-          <p:cNvCxnSpPr/>
-          <p:nvPr/>
-        </p:nvCxnSpPr>
-        <p:spPr>
-          <a:xfrm>
-            <a:off x="1074830" y="1387561"/>
-            <a:ext cx="1048898" cy="1015011"/>
-          </a:xfrm>
-          <a:prstGeom prst="line">
-            <a:avLst/>
-          </a:prstGeom>
-        </p:spPr>
-        <p:style>
-          <a:lnRef idx="1">
-            <a:schemeClr val="accent1"/>
-          </a:lnRef>
-          <a:fillRef idx="0">
-            <a:schemeClr val="accent1"/>
-          </a:fillRef>
-          <a:effectRef idx="0">
-            <a:schemeClr val="accent1"/>
-          </a:effectRef>
-          <a:fontRef idx="minor">
-            <a:schemeClr val="tx1"/>
-          </a:fontRef>
-        </p:style>
-      </p:cxnSp>
-      <p:pic>
-        <p:nvPicPr>
-          <p:cNvPr id="20" name="Picture 4" descr="C:\GITHUB\incodehq\incode-module-document\dom\src\main\java\org\incode\module\document\dom\impl\paperclips\Paperclip.png"/>
-          <p:cNvPicPr>
-            <a:picLocks noChangeAspect="1" noChangeArrowheads="1"/>
-          </p:cNvPicPr>
-          <p:nvPr/>
-        </p:nvPicPr>
-        <p:blipFill>
-          <a:blip r:embed="rId4">
-            <a:extLst>
-              <a:ext uri="{28A0092B-C50C-407E-A947-70E740481C1C}">
-                <a14:useLocalDpi xmlns:a14="http://schemas.microsoft.com/office/drawing/2010/main" val="0"/>
-              </a:ext>
-            </a:extLst>
-          </a:blip>
-          <a:srcRect/>
-          <a:stretch>
-            <a:fillRect/>
-          </a:stretch>
-        </p:blipFill>
-        <p:spPr bwMode="auto">
-          <a:xfrm>
-            <a:off x="1619505" y="3906829"/>
-            <a:ext cx="518865" cy="518865"/>
-          </a:xfrm>
-          <a:prstGeom prst="rect">
-            <a:avLst/>
-          </a:prstGeom>
-          <a:noFill/>
-          <a:extLst>
-            <a:ext uri="{909E8E84-426E-40DD-AFC4-6F175D3DCCD1}">
-              <a14:hiddenFill xmlns:a14="http://schemas.microsoft.com/office/drawing/2010/main">
-                <a:solidFill>
-                  <a:srgbClr val="FFFFFF"/>
-                </a:solidFill>
-              </a14:hiddenFill>
-            </a:ext>
-          </a:extLst>
-        </p:spPr>
-      </p:pic>
-      <p:cxnSp>
-        <p:nvCxnSpPr>
-          <p:cNvPr id="21" name="Straight Connector 20"/>
-          <p:cNvCxnSpPr/>
-          <p:nvPr/>
-        </p:nvCxnSpPr>
-        <p:spPr>
-          <a:xfrm flipH="1">
-            <a:off x="1362695" y="3626708"/>
-            <a:ext cx="1048898" cy="1015011"/>
-          </a:xfrm>
-          <a:prstGeom prst="line">
-            <a:avLst/>
-          </a:prstGeom>
-        </p:spPr>
-        <p:style>
-          <a:lnRef idx="1">
-            <a:schemeClr val="accent1"/>
-          </a:lnRef>
-          <a:fillRef idx="0">
-            <a:schemeClr val="accent1"/>
-          </a:fillRef>
-          <a:effectRef idx="0">
-            <a:schemeClr val="accent1"/>
-          </a:effectRef>
-          <a:fontRef idx="minor">
-            <a:schemeClr val="tx1"/>
-          </a:fontRef>
-        </p:style>
-      </p:cxnSp>
-      <p:pic>
-        <p:nvPicPr>
-          <p:cNvPr id="1029" name="Picture 5" descr="C:\GITHUB\incodehq\incode-module-communications\module\src\main\java\org\incode\module\communications\dom\impl\comms\Communication-email.png"/>
-          <p:cNvPicPr>
-            <a:picLocks noChangeAspect="1" noChangeArrowheads="1"/>
-          </p:cNvPicPr>
-          <p:nvPr/>
-        </p:nvPicPr>
-        <p:blipFill>
-          <a:blip r:embed="rId5">
-            <a:extLst>
-              <a:ext uri="{28A0092B-C50C-407E-A947-70E740481C1C}">
-                <a14:useLocalDpi xmlns:a14="http://schemas.microsoft.com/office/drawing/2010/main" val="0"/>
-              </a:ext>
-            </a:extLst>
-          </a:blip>
-          <a:srcRect/>
-          <a:stretch>
-            <a:fillRect/>
-          </a:stretch>
-        </p:blipFill>
-        <p:spPr bwMode="auto">
-          <a:xfrm>
-            <a:off x="6732240" y="2449322"/>
-            <a:ext cx="1163127" cy="1163127"/>
-          </a:xfrm>
-          <a:prstGeom prst="rect">
-            <a:avLst/>
-          </a:prstGeom>
-          <a:noFill/>
-          <a:extLst>
-            <a:ext uri="{909E8E84-426E-40DD-AFC4-6F175D3DCCD1}">
-              <a14:hiddenFill xmlns:a14="http://schemas.microsoft.com/office/drawing/2010/main">
-                <a:solidFill>
-                  <a:srgbClr val="FFFFFF"/>
-                </a:solidFill>
-              </a14:hiddenFill>
-            </a:ext>
-          </a:extLst>
-        </p:spPr>
-      </p:pic>
-      <p:sp>
-        <p:nvSpPr>
-          <p:cNvPr id="24" name="TextBox 23"/>
-          <p:cNvSpPr txBox="1"/>
-          <p:nvPr/>
-        </p:nvSpPr>
-        <p:spPr>
-          <a:xfrm>
-            <a:off x="6643394" y="3410684"/>
-            <a:ext cx="1673022" cy="646331"/>
-          </a:xfrm>
-          <a:prstGeom prst="rect">
-            <a:avLst/>
-          </a:prstGeom>
-          <a:noFill/>
-        </p:spPr>
-        <p:txBody>
-          <a:bodyPr wrap="none" rtlCol="0">
-            <a:spAutoFit/>
-          </a:bodyPr>
-          <a:lstStyle/>
-          <a:p>
-            <a:r>
-              <a:rPr lang="en-GB" dirty="0" smtClean="0"/>
-              <a:t>(Email)</a:t>
-            </a:r>
-          </a:p>
-          <a:p>
-            <a:r>
-              <a:rPr lang="en-GB" dirty="0" smtClean="0"/>
-              <a:t>Communication</a:t>
-            </a:r>
-            <a:endParaRPr lang="en-GB" dirty="0"/>
-          </a:p>
-        </p:txBody>
-      </p:sp>
-      <p:pic>
-        <p:nvPicPr>
-          <p:cNvPr id="1030" name="Picture 6" descr="C:\GITHUB\incodehq\incode-module-document\dom\src\main\java\org\incode\module\document\dom\impl\docs\Document-html.png"/>
-          <p:cNvPicPr>
-            <a:picLocks noChangeAspect="1" noChangeArrowheads="1"/>
-          </p:cNvPicPr>
-          <p:nvPr/>
-        </p:nvPicPr>
-        <p:blipFill>
-          <a:blip r:embed="rId6">
-            <a:extLst>
-              <a:ext uri="{28A0092B-C50C-407E-A947-70E740481C1C}">
-                <a14:useLocalDpi xmlns:a14="http://schemas.microsoft.com/office/drawing/2010/main" val="0"/>
-              </a:ext>
-            </a:extLst>
-          </a:blip>
-          <a:srcRect/>
-          <a:stretch>
-            <a:fillRect/>
-          </a:stretch>
-        </p:blipFill>
-        <p:spPr bwMode="auto">
-          <a:xfrm>
-            <a:off x="4716016" y="4811548"/>
-            <a:ext cx="831384" cy="831384"/>
-          </a:xfrm>
-          <a:prstGeom prst="rect">
-            <a:avLst/>
-          </a:prstGeom>
-          <a:noFill/>
-          <a:extLst>
-            <a:ext uri="{909E8E84-426E-40DD-AFC4-6F175D3DCCD1}">
-              <a14:hiddenFill xmlns:a14="http://schemas.microsoft.com/office/drawing/2010/main">
-                <a:solidFill>
-                  <a:srgbClr val="FFFFFF"/>
-                </a:solidFill>
-              </a14:hiddenFill>
-            </a:ext>
-          </a:extLst>
-        </p:spPr>
-      </p:pic>
-      <p:sp>
-        <p:nvSpPr>
-          <p:cNvPr id="26" name="TextBox 25"/>
-          <p:cNvSpPr txBox="1"/>
-          <p:nvPr/>
-        </p:nvSpPr>
-        <p:spPr>
-          <a:xfrm>
-            <a:off x="4244343" y="5644673"/>
-            <a:ext cx="1892185" cy="646331"/>
-          </a:xfrm>
-          <a:prstGeom prst="rect">
-            <a:avLst/>
-          </a:prstGeom>
-          <a:noFill/>
-        </p:spPr>
-        <p:txBody>
-          <a:bodyPr wrap="none" rtlCol="0">
-            <a:spAutoFit/>
-          </a:bodyPr>
-          <a:lstStyle/>
-          <a:p>
-            <a:pPr algn="ctr"/>
-            <a:r>
-              <a:rPr lang="en-GB" dirty="0" smtClean="0"/>
-              <a:t>(Email cover note)</a:t>
-            </a:r>
-          </a:p>
-          <a:p>
-            <a:pPr algn="ctr"/>
-            <a:r>
-              <a:rPr lang="en-GB" dirty="0" smtClean="0"/>
-              <a:t>Document</a:t>
-            </a:r>
-            <a:endParaRPr lang="en-GB" dirty="0"/>
-          </a:p>
-        </p:txBody>
-      </p:sp>
-      <p:pic>
-        <p:nvPicPr>
-          <p:cNvPr id="27" name="Picture 4" descr="C:\GITHUB\incodehq\incode-module-document\dom\src\main\java\org\incode\module\document\dom\impl\paperclips\Paperclip.png"/>
-          <p:cNvPicPr>
-            <a:picLocks noChangeAspect="1" noChangeArrowheads="1"/>
-          </p:cNvPicPr>
-          <p:nvPr/>
-        </p:nvPicPr>
-        <p:blipFill>
-          <a:blip r:embed="rId4">
-            <a:extLst>
-              <a:ext uri="{28A0092B-C50C-407E-A947-70E740481C1C}">
-                <a14:useLocalDpi xmlns:a14="http://schemas.microsoft.com/office/drawing/2010/main" val="0"/>
-              </a:ext>
-            </a:extLst>
-          </a:blip>
-          <a:srcRect/>
-          <a:stretch>
-            <a:fillRect/>
-          </a:stretch>
-        </p:blipFill>
-        <p:spPr bwMode="auto">
-          <a:xfrm>
-            <a:off x="4460367" y="2766119"/>
-            <a:ext cx="518865" cy="518865"/>
-          </a:xfrm>
-          <a:prstGeom prst="rect">
-            <a:avLst/>
-          </a:prstGeom>
-          <a:noFill/>
-          <a:extLst>
-            <a:ext uri="{909E8E84-426E-40DD-AFC4-6F175D3DCCD1}">
-              <a14:hiddenFill xmlns:a14="http://schemas.microsoft.com/office/drawing/2010/main">
-                <a:solidFill>
-                  <a:srgbClr val="FFFFFF"/>
-                </a:solidFill>
-              </a14:hiddenFill>
-            </a:ext>
-          </a:extLst>
-        </p:spPr>
-      </p:pic>
-      <p:cxnSp>
-        <p:nvCxnSpPr>
-          <p:cNvPr id="29" name="Straight Connector 28"/>
-          <p:cNvCxnSpPr/>
-          <p:nvPr/>
-        </p:nvCxnSpPr>
-        <p:spPr>
-          <a:xfrm>
-            <a:off x="1227230" y="1539961"/>
-            <a:ext cx="1048898" cy="1015011"/>
-          </a:xfrm>
-          <a:prstGeom prst="line">
-            <a:avLst/>
-          </a:prstGeom>
-        </p:spPr>
-        <p:style>
-          <a:lnRef idx="1">
-            <a:schemeClr val="accent1"/>
-          </a:lnRef>
-          <a:fillRef idx="0">
-            <a:schemeClr val="accent1"/>
-          </a:fillRef>
-          <a:effectRef idx="0">
-            <a:schemeClr val="accent1"/>
-          </a:effectRef>
-          <a:fontRef idx="minor">
-            <a:schemeClr val="tx1"/>
-          </a:fontRef>
-        </p:style>
-      </p:cxnSp>
-      <p:cxnSp>
-        <p:nvCxnSpPr>
-          <p:cNvPr id="30" name="Straight Connector 29"/>
-          <p:cNvCxnSpPr/>
-          <p:nvPr/>
-        </p:nvCxnSpPr>
-        <p:spPr>
-          <a:xfrm>
-            <a:off x="3380247" y="3004718"/>
-            <a:ext cx="3096344" cy="26167"/>
-          </a:xfrm>
-          <a:prstGeom prst="line">
-            <a:avLst/>
-          </a:prstGeom>
-        </p:spPr>
-        <p:style>
-          <a:lnRef idx="1">
-            <a:schemeClr val="accent1"/>
-          </a:lnRef>
-          <a:fillRef idx="0">
-            <a:schemeClr val="accent1"/>
-          </a:fillRef>
-          <a:effectRef idx="0">
-            <a:schemeClr val="accent1"/>
-          </a:effectRef>
-          <a:fontRef idx="minor">
-            <a:schemeClr val="tx1"/>
-          </a:fontRef>
-        </p:style>
-      </p:cxnSp>
-      <p:pic>
-        <p:nvPicPr>
-          <p:cNvPr id="33" name="Picture 4" descr="C:\GITHUB\incodehq\incode-module-document\dom\src\main\java\org\incode\module\document\dom\impl\paperclips\Paperclip.png"/>
-          <p:cNvPicPr>
-            <a:picLocks noChangeAspect="1" noChangeArrowheads="1"/>
-          </p:cNvPicPr>
-          <p:nvPr/>
-        </p:nvPicPr>
-        <p:blipFill>
-          <a:blip r:embed="rId4">
-            <a:extLst>
-              <a:ext uri="{28A0092B-C50C-407E-A947-70E740481C1C}">
-                <a14:useLocalDpi xmlns:a14="http://schemas.microsoft.com/office/drawing/2010/main" val="0"/>
-              </a:ext>
-            </a:extLst>
-          </a:blip>
-          <a:srcRect/>
-          <a:stretch>
-            <a:fillRect/>
-          </a:stretch>
-        </p:blipFill>
-        <p:spPr bwMode="auto">
-          <a:xfrm>
-            <a:off x="5813710" y="3933056"/>
-            <a:ext cx="518865" cy="518865"/>
-          </a:xfrm>
-          <a:prstGeom prst="rect">
-            <a:avLst/>
-          </a:prstGeom>
-          <a:noFill/>
-          <a:extLst>
-            <a:ext uri="{909E8E84-426E-40DD-AFC4-6F175D3DCCD1}">
-              <a14:hiddenFill xmlns:a14="http://schemas.microsoft.com/office/drawing/2010/main">
-                <a:solidFill>
-                  <a:srgbClr val="FFFFFF"/>
-                </a:solidFill>
-              </a14:hiddenFill>
-            </a:ext>
-          </a:extLst>
-        </p:spPr>
-      </p:pic>
-      <p:cxnSp>
-        <p:nvCxnSpPr>
-          <p:cNvPr id="35" name="Straight Connector 34"/>
-          <p:cNvCxnSpPr/>
-          <p:nvPr/>
-        </p:nvCxnSpPr>
-        <p:spPr>
-          <a:xfrm flipH="1">
-            <a:off x="5571709" y="3638125"/>
-            <a:ext cx="1048898" cy="1015011"/>
-          </a:xfrm>
-          <a:prstGeom prst="line">
-            <a:avLst/>
-          </a:prstGeom>
-        </p:spPr>
-        <p:style>
-          <a:lnRef idx="1">
-            <a:schemeClr val="accent1"/>
-          </a:lnRef>
-          <a:fillRef idx="0">
-            <a:schemeClr val="accent1"/>
-          </a:fillRef>
-          <a:effectRef idx="0">
-            <a:schemeClr val="accent1"/>
-          </a:effectRef>
-          <a:fontRef idx="minor">
-            <a:schemeClr val="tx1"/>
-          </a:fontRef>
-        </p:style>
-      </p:cxnSp>
-      <p:pic>
-        <p:nvPicPr>
-          <p:cNvPr id="25" name="Picture 4" descr="C:\GITHUB\incodehq\incode-module-document\dom\src\main\java\org\incode\module\document\dom\impl\paperclips\Paperclip.png"/>
-          <p:cNvPicPr>
-            <a:picLocks noChangeAspect="1" noChangeArrowheads="1"/>
-          </p:cNvPicPr>
-          <p:nvPr/>
-        </p:nvPicPr>
-        <p:blipFill>
-          <a:blip r:embed="rId4">
-            <a:extLst>
-              <a:ext uri="{28A0092B-C50C-407E-A947-70E740481C1C}">
-                <a14:useLocalDpi xmlns:a14="http://schemas.microsoft.com/office/drawing/2010/main" val="0"/>
-              </a:ext>
-            </a:extLst>
-          </a:blip>
-          <a:srcRect/>
-          <a:stretch>
-            <a:fillRect/>
-          </a:stretch>
-        </p:blipFill>
-        <p:spPr bwMode="auto">
-          <a:xfrm>
-            <a:off x="3596601" y="4206279"/>
-            <a:ext cx="518865" cy="518865"/>
-          </a:xfrm>
-          <a:prstGeom prst="rect">
-            <a:avLst/>
-          </a:prstGeom>
-          <a:noFill/>
-          <a:extLst>
-            <a:ext uri="{909E8E84-426E-40DD-AFC4-6F175D3DCCD1}">
-              <a14:hiddenFill xmlns:a14="http://schemas.microsoft.com/office/drawing/2010/main">
-                <a:solidFill>
-                  <a:srgbClr val="FFFFFF"/>
-                </a:solidFill>
-              </a14:hiddenFill>
-            </a:ext>
-          </a:extLst>
-        </p:spPr>
-      </p:pic>
-      <p:cxnSp>
-        <p:nvCxnSpPr>
-          <p:cNvPr id="32" name="Straight Connector 31"/>
-          <p:cNvCxnSpPr/>
-          <p:nvPr/>
-        </p:nvCxnSpPr>
-        <p:spPr>
-          <a:xfrm flipV="1">
-            <a:off x="2053048" y="3337233"/>
-            <a:ext cx="4391160" cy="1890007"/>
-          </a:xfrm>
-          <a:prstGeom prst="line">
-            <a:avLst/>
-          </a:prstGeom>
-        </p:spPr>
-        <p:style>
-          <a:lnRef idx="1">
-            <a:schemeClr val="accent1"/>
-          </a:lnRef>
-          <a:fillRef idx="0">
-            <a:schemeClr val="accent1"/>
-          </a:fillRef>
-          <a:effectRef idx="0">
-            <a:schemeClr val="accent1"/>
-          </a:effectRef>
-          <a:fontRef idx="minor">
-            <a:schemeClr val="tx1"/>
-          </a:fontRef>
-        </p:style>
-      </p:cxnSp>
-      <p:sp>
-        <p:nvSpPr>
-          <p:cNvPr id="36" name="TextBox 35"/>
-          <p:cNvSpPr txBox="1"/>
-          <p:nvPr/>
-        </p:nvSpPr>
-        <p:spPr>
-          <a:xfrm>
-            <a:off x="3203848" y="188640"/>
-            <a:ext cx="3181640" cy="646331"/>
-          </a:xfrm>
-          <a:prstGeom prst="rect">
-            <a:avLst/>
-          </a:prstGeom>
-          <a:noFill/>
-        </p:spPr>
-        <p:txBody>
-          <a:bodyPr wrap="none" rtlCol="0">
-            <a:spAutoFit/>
-          </a:bodyPr>
-          <a:lstStyle/>
-          <a:p>
-            <a:r>
-              <a:rPr lang="en-GB" sz="3600" dirty="0" smtClean="0">
-                <a:solidFill>
-                  <a:srgbClr val="00B050"/>
-                </a:solidFill>
-              </a:rPr>
-              <a:t>“Send by Email”</a:t>
-            </a:r>
-            <a:endParaRPr lang="en-GB" sz="3600" dirty="0">
-              <a:solidFill>
-                <a:srgbClr val="00B050"/>
-              </a:solidFill>
-            </a:endParaRPr>
-          </a:p>
-        </p:txBody>
-      </p:sp>
-      <p:pic>
-        <p:nvPicPr>
-          <p:cNvPr id="28" name="Picture 4" descr="C:\GITHUB\incodehq\incode-module-document\dom\src\main\java\org\incode\module\document\dom\impl\paperclips\Paperclip.png"/>
-          <p:cNvPicPr>
-            <a:picLocks noChangeAspect="1" noChangeArrowheads="1"/>
-          </p:cNvPicPr>
-          <p:nvPr/>
-        </p:nvPicPr>
-        <p:blipFill>
-          <a:blip r:embed="rId4">
-            <a:extLst>
-              <a:ext uri="{28A0092B-C50C-407E-A947-70E740481C1C}">
-                <a14:useLocalDpi xmlns:a14="http://schemas.microsoft.com/office/drawing/2010/main" val="0"/>
-              </a:ext>
-            </a:extLst>
-          </a:blip>
-          <a:srcRect/>
-          <a:stretch>
-            <a:fillRect/>
-          </a:stretch>
-        </p:blipFill>
-        <p:spPr bwMode="auto">
-          <a:xfrm>
-            <a:off x="780858" y="2767814"/>
-            <a:ext cx="518865" cy="518865"/>
-          </a:xfrm>
-          <a:prstGeom prst="rect">
-            <a:avLst/>
-          </a:prstGeom>
-          <a:noFill/>
-          <a:extLst>
-            <a:ext uri="{909E8E84-426E-40DD-AFC4-6F175D3DCCD1}">
-              <a14:hiddenFill xmlns:a14="http://schemas.microsoft.com/office/drawing/2010/main">
-                <a:solidFill>
-                  <a:srgbClr val="FFFFFF"/>
-                </a:solidFill>
-              </a14:hiddenFill>
-            </a:ext>
-          </a:extLst>
-        </p:spPr>
-      </p:pic>
-      <p:cxnSp>
-        <p:nvCxnSpPr>
-          <p:cNvPr id="31" name="Straight Connector 30"/>
-          <p:cNvCxnSpPr/>
-          <p:nvPr/>
-        </p:nvCxnSpPr>
-        <p:spPr>
-          <a:xfrm>
-            <a:off x="827584" y="1412776"/>
-            <a:ext cx="535111" cy="3228943"/>
-          </a:xfrm>
-          <a:prstGeom prst="line">
-            <a:avLst/>
-          </a:prstGeom>
-        </p:spPr>
-        <p:style>
-          <a:lnRef idx="1">
-            <a:schemeClr val="accent1"/>
-          </a:lnRef>
-          <a:fillRef idx="0">
-            <a:schemeClr val="accent1"/>
-          </a:fillRef>
-          <a:effectRef idx="0">
-            <a:schemeClr val="accent1"/>
-          </a:effectRef>
-          <a:fontRef idx="minor">
-            <a:schemeClr val="tx1"/>
-          </a:fontRef>
-        </p:style>
-      </p:cxnSp>
-    </p:spTree>
-    <p:extLst>
-      <p:ext uri="{BB962C8B-B14F-4D97-AF65-F5344CB8AC3E}">
-        <p14:creationId xmlns:p14="http://schemas.microsoft.com/office/powerpoint/2010/main" val="652227335"/>
-      </p:ext>
-    </p:extLst>
-  </p:cSld>
-  <p:clrMapOvr>
-    <a:masterClrMapping/>
-  </p:clrMapOvr>
-  <p:timing>
-    <p:tnLst>
-      <p:par>
-        <p:cTn id="1" dur="indefinite" restart="never" nodeType="tmRoot"/>
-      </p:par>
-    </p:tnLst>
-  </p:timing>
-</p:sld>
-</file>
-
 <file path=ppt/slides/slide3.xml><?xml version="1.0" encoding="utf-8"?>
 <p:sld xmlns:a="http://schemas.openxmlformats.org/drawingml/2006/main" xmlns:r="http://schemas.openxmlformats.org/officeDocument/2006/relationships" xmlns:p="http://schemas.openxmlformats.org/presentationml/2006/main">
   <p:cSld>
@@ -9881,9 +7356,77 @@
           </a:p>
         </p:txBody>
       </p:sp>
+      <p:sp>
+        <p:nvSpPr>
+          <p:cNvPr id="19" name="TextBox 18"/>
+          <p:cNvSpPr txBox="1"/>
+          <p:nvPr/>
+        </p:nvSpPr>
+        <p:spPr>
+          <a:xfrm>
+            <a:off x="1835696" y="1765533"/>
+            <a:ext cx="759375" cy="276999"/>
+          </a:xfrm>
+          <a:prstGeom prst="rect">
+            <a:avLst/>
+          </a:prstGeom>
+          <a:noFill/>
+        </p:spPr>
+        <p:txBody>
+          <a:bodyPr wrap="none" rtlCol="0">
+            <a:spAutoFit/>
+          </a:bodyPr>
+          <a:lstStyle/>
+          <a:p>
+            <a:r>
+              <a:rPr lang="en-GB" sz="1200" smtClean="0"/>
+              <a:t>Paperclip</a:t>
+            </a:r>
+            <a:endParaRPr lang="en-GB" sz="1200" dirty="0"/>
+          </a:p>
+        </p:txBody>
+      </p:sp>
+      <p:sp>
+        <p:nvSpPr>
+          <p:cNvPr id="2" name="TextBox 1"/>
+          <p:cNvSpPr txBox="1"/>
+          <p:nvPr/>
+        </p:nvSpPr>
+        <p:spPr>
+          <a:xfrm>
+            <a:off x="3203848" y="188640"/>
+            <a:ext cx="3627275" cy="646331"/>
+          </a:xfrm>
+          <a:prstGeom prst="rect">
+            <a:avLst/>
+          </a:prstGeom>
+          <a:noFill/>
+        </p:spPr>
+        <p:txBody>
+          <a:bodyPr wrap="none" rtlCol="0">
+            <a:spAutoFit/>
+          </a:bodyPr>
+          <a:lstStyle/>
+          <a:p>
+            <a:r>
+              <a:rPr lang="en-GB" sz="3600" dirty="0" smtClean="0">
+                <a:solidFill>
+                  <a:srgbClr val="0070C0"/>
+                </a:solidFill>
+              </a:rPr>
+              <a:t>“Prepare (Prelim)”</a:t>
+            </a:r>
+            <a:endParaRPr lang="en-GB" sz="3600" dirty="0">
+              <a:solidFill>
+                <a:srgbClr val="0070C0"/>
+              </a:solidFill>
+            </a:endParaRPr>
+          </a:p>
+        </p:txBody>
+      </p:sp>
       <p:pic>
         <p:nvPicPr>
-          <p:cNvPr id="1028" name="Picture 4" descr="C:\GITHUB\incodehq\incode-module-document\dom\src\main\java\org\incode\module\document\dom\impl\paperclips\Paperclip.png"/>
+          <p:cNvPr id="13" name="Picture 4" descr="C:\GITHUB\incodehq\incode-module-document\dom\src\main\java\org\incode\module\document\dom\impl\paperclips\Paperclip.png"/>
           <p:cNvPicPr>
             <a:picLocks noChangeAspect="1" noChangeArrowheads="1"/>
           </p:cNvPicPr>
@@ -9924,18 +7467,22 @@
       </p:pic>
       <p:cxnSp>
         <p:nvCxnSpPr>
-          <p:cNvPr id="11" name="Straight Connector 10"/>
+          <p:cNvPr id="14" name="Straight Connector 13"/>
           <p:cNvCxnSpPr/>
           <p:nvPr/>
         </p:nvCxnSpPr>
         <p:spPr>
           <a:xfrm>
             <a:off x="1074830" y="1387561"/>
-            <a:ext cx="1048898" cy="1015011"/>
+            <a:ext cx="1201298" cy="1159027"/>
           </a:xfrm>
           <a:prstGeom prst="line">
             <a:avLst/>
           </a:prstGeom>
+          <a:ln>
+            <a:headEnd type="arrow"/>
+            <a:tailEnd type="none"/>
+          </a:ln>
         </p:spPr>
         <p:style>
           <a:lnRef idx="1">
@@ -9952,104 +7499,6 @@
           </a:fontRef>
         </p:style>
       </p:cxnSp>
-      <p:sp>
-        <p:nvSpPr>
-          <p:cNvPr id="19" name="TextBox 18"/>
-          <p:cNvSpPr txBox="1"/>
-          <p:nvPr/>
-        </p:nvSpPr>
-        <p:spPr>
-          <a:xfrm>
-            <a:off x="1835696" y="1765533"/>
-            <a:ext cx="759375" cy="276999"/>
-          </a:xfrm>
-          <a:prstGeom prst="rect">
-            <a:avLst/>
-          </a:prstGeom>
-          <a:noFill/>
-        </p:spPr>
-        <p:txBody>
-          <a:bodyPr wrap="none" rtlCol="0">
-            <a:spAutoFit/>
-          </a:bodyPr>
-          <a:lstStyle/>
-          <a:p>
-            <a:r>
-              <a:rPr lang="en-GB" sz="1200" smtClean="0"/>
-              <a:t>Paperclip</a:t>
-            </a:r>
-            <a:endParaRPr lang="en-GB" sz="1200" dirty="0"/>
-          </a:p>
-        </p:txBody>
-      </p:sp>
-      <p:cxnSp>
-        <p:nvCxnSpPr>
-          <p:cNvPr id="29" name="Straight Connector 28"/>
-          <p:cNvCxnSpPr/>
-          <p:nvPr/>
-        </p:nvCxnSpPr>
-        <p:spPr>
-          <a:xfrm>
-            <a:off x="1227230" y="1539961"/>
-            <a:ext cx="1048898" cy="1015011"/>
-          </a:xfrm>
-          <a:prstGeom prst="line">
-            <a:avLst/>
-          </a:prstGeom>
-        </p:spPr>
-        <p:style>
-          <a:lnRef idx="1">
-            <a:schemeClr val="accent1"/>
-          </a:lnRef>
-          <a:fillRef idx="0">
-            <a:schemeClr val="accent1"/>
-          </a:fillRef>
-          <a:effectRef idx="0">
-            <a:schemeClr val="accent1"/>
-          </a:effectRef>
-          <a:fontRef idx="minor">
-            <a:schemeClr val="tx1"/>
-          </a:fontRef>
-        </p:style>
-      </p:cxnSp>
-      <p:sp>
-        <p:nvSpPr>
-          <p:cNvPr id="2" name="TextBox 1"/>
-          <p:cNvSpPr txBox="1"/>
-          <p:nvPr/>
-        </p:nvSpPr>
-        <p:spPr>
-          <a:xfrm>
-            <a:off x="3203848" y="188640"/>
-            <a:ext cx="3627275" cy="646331"/>
-          </a:xfrm>
-          <a:prstGeom prst="rect">
-            <a:avLst/>
-          </a:prstGeom>
-          <a:noFill/>
-        </p:spPr>
-        <p:txBody>
-          <a:bodyPr wrap="none" rtlCol="0">
-            <a:spAutoFit/>
-          </a:bodyPr>
-          <a:lstStyle/>
-          <a:p>
-            <a:r>
-              <a:rPr lang="en-GB" sz="3600" dirty="0" smtClean="0">
-                <a:solidFill>
-                  <a:srgbClr val="0070C0"/>
-                </a:solidFill>
-              </a:rPr>
-              <a:t>“Prepare (Prelim)”</a:t>
-            </a:r>
-            <a:endParaRPr lang="en-GB" sz="3600" dirty="0">
-              <a:solidFill>
-                <a:srgbClr val="0070C0"/>
-              </a:solidFill>
-            </a:endParaRPr>
-          </a:p>
-        </p:txBody>
-      </p:sp>
     </p:spTree>
     <p:extLst>
       <p:ext uri="{BB962C8B-B14F-4D97-AF65-F5344CB8AC3E}">
@@ -10230,7 +7679,7 @@
       </p:sp>
       <p:pic>
         <p:nvPicPr>
-          <p:cNvPr id="1028" name="Picture 4" descr="C:\GITHUB\incodehq\incode-module-document\dom\src\main\java\org\incode\module\document\dom\impl\paperclips\Paperclip.png"/>
+          <p:cNvPr id="1029" name="Picture 5" descr="C:\GITHUB\incodehq\incode-module-communications\module\src\main\java\org\incode\module\communications\dom\impl\comms\Communication-email.png"/>
           <p:cNvPicPr>
             <a:picLocks noChangeAspect="1" noChangeArrowheads="1"/>
           </p:cNvPicPr>
@@ -10251,8 +7700,8 @@
         </p:blipFill>
         <p:spPr bwMode="auto">
           <a:xfrm>
-            <a:off x="1331640" y="1667682"/>
-            <a:ext cx="518865" cy="518865"/>
+            <a:off x="6732240" y="2449322"/>
+            <a:ext cx="1163127" cy="1163127"/>
           </a:xfrm>
           <a:prstGeom prst="rect">
             <a:avLst/>
@@ -10269,20 +7718,100 @@
           </a:extLst>
         </p:spPr>
       </p:pic>
+      <p:sp>
+        <p:nvSpPr>
+          <p:cNvPr id="24" name="TextBox 23"/>
+          <p:cNvSpPr txBox="1"/>
+          <p:nvPr/>
+        </p:nvSpPr>
+        <p:spPr>
+          <a:xfrm>
+            <a:off x="6643394" y="3410684"/>
+            <a:ext cx="1673022" cy="646331"/>
+          </a:xfrm>
+          <a:prstGeom prst="rect">
+            <a:avLst/>
+          </a:prstGeom>
+          <a:noFill/>
+        </p:spPr>
+        <p:txBody>
+          <a:bodyPr wrap="none" rtlCol="0">
+            <a:spAutoFit/>
+          </a:bodyPr>
+          <a:lstStyle/>
+          <a:p>
+            <a:r>
+              <a:rPr lang="en-GB" dirty="0" smtClean="0"/>
+              <a:t>(Postal)</a:t>
+            </a:r>
+          </a:p>
+          <a:p>
+            <a:r>
+              <a:rPr lang="en-GB" dirty="0" smtClean="0"/>
+              <a:t>Communication</a:t>
+            </a:r>
+            <a:endParaRPr lang="en-GB" dirty="0"/>
+          </a:p>
+        </p:txBody>
+      </p:sp>
+      <p:pic>
+        <p:nvPicPr>
+          <p:cNvPr id="27" name="Picture 4" descr="C:\GITHUB\incodehq\incode-module-document\dom\src\main\java\org\incode\module\document\dom\impl\paperclips\Paperclip.png"/>
+          <p:cNvPicPr>
+            <a:picLocks noChangeAspect="1" noChangeArrowheads="1"/>
+          </p:cNvPicPr>
+          <p:nvPr/>
+        </p:nvPicPr>
+        <p:blipFill>
+          <a:blip r:embed="rId5">
+            <a:extLst>
+              <a:ext uri="{28A0092B-C50C-407E-A947-70E740481C1C}">
+                <a14:useLocalDpi xmlns:a14="http://schemas.microsoft.com/office/drawing/2010/main" val="0"/>
+              </a:ext>
+            </a:extLst>
+          </a:blip>
+          <a:srcRect/>
+          <a:stretch>
+            <a:fillRect/>
+          </a:stretch>
+        </p:blipFill>
+        <p:spPr bwMode="auto">
+          <a:xfrm>
+            <a:off x="4460367" y="2766119"/>
+            <a:ext cx="518865" cy="518865"/>
+          </a:xfrm>
+          <a:prstGeom prst="rect">
+            <a:avLst/>
+          </a:prstGeom>
+          <a:noFill/>
+          <a:extLst>
+            <a:ext uri="{909E8E84-426E-40DD-AFC4-6F175D3DCCD1}">
+              <a14:hiddenFill xmlns:a14="http://schemas.microsoft.com/office/drawing/2010/main">
+                <a:solidFill>
+                  <a:srgbClr val="FFFFFF"/>
+                </a:solidFill>
+              </a14:hiddenFill>
+            </a:ext>
+          </a:extLst>
+        </p:spPr>
+      </p:pic>
       <p:cxnSp>
         <p:nvCxnSpPr>
-          <p:cNvPr id="11" name="Straight Connector 10"/>
+          <p:cNvPr id="30" name="Straight Connector 29"/>
           <p:cNvCxnSpPr/>
           <p:nvPr/>
         </p:nvCxnSpPr>
         <p:spPr>
           <a:xfrm>
-            <a:off x="1074830" y="1387561"/>
-            <a:ext cx="1048898" cy="1015011"/>
+            <a:off x="3380247" y="3004718"/>
+            <a:ext cx="3096344" cy="26167"/>
           </a:xfrm>
           <a:prstGeom prst="line">
             <a:avLst/>
           </a:prstGeom>
+          <a:ln>
+            <a:tailEnd type="arrow"/>
+          </a:ln>
         </p:spPr>
         <p:style>
           <a:lnRef idx="1">
@@ -10299,9 +7828,47 @@
           </a:fontRef>
         </p:style>
       </p:cxnSp>
+      <p:sp>
+        <p:nvSpPr>
+          <p:cNvPr id="20" name="TextBox 19"/>
+          <p:cNvSpPr txBox="1"/>
+          <p:nvPr/>
+        </p:nvSpPr>
+        <p:spPr>
+          <a:xfrm>
+            <a:off x="3203848" y="188640"/>
+            <a:ext cx="4542910" cy="646331"/>
+          </a:xfrm>
+          <a:prstGeom prst="rect">
+            <a:avLst/>
+          </a:prstGeom>
+          <a:noFill/>
+        </p:spPr>
+        <p:txBody>
+          <a:bodyPr wrap="none" rtlCol="0">
+            <a:spAutoFit/>
+          </a:bodyPr>
+          <a:lstStyle/>
+          <a:p>
+            <a:r>
+              <a:rPr lang="en-GB" sz="3600" dirty="0" smtClean="0">
+                <a:solidFill>
+                  <a:srgbClr val="0070C0"/>
+                </a:solidFill>
+              </a:rPr>
+              <a:t>“Send by Post (Prelim)”</a:t>
+            </a:r>
+            <a:endParaRPr lang="en-GB" sz="3600" dirty="0">
+              <a:solidFill>
+                <a:srgbClr val="0070C0"/>
+              </a:solidFill>
+            </a:endParaRPr>
+          </a:p>
+        </p:txBody>
+      </p:sp>
       <p:pic>
         <p:nvPicPr>
-          <p:cNvPr id="1029" name="Picture 5" descr="C:\GITHUB\incodehq\incode-module-communications\module\src\main\java\org\incode\module\communications\dom\impl\comms\Communication-email.png"/>
+          <p:cNvPr id="14" name="Picture 4" descr="C:\GITHUB\incodehq\incode-module-document\dom\src\main\java\org\incode\module\document\dom\impl\paperclips\Paperclip.png"/>
           <p:cNvPicPr>
             <a:picLocks noChangeAspect="1" noChangeArrowheads="1"/>
           </p:cNvPicPr>
@@ -10322,8 +7889,8 @@
         </p:blipFill>
         <p:spPr bwMode="auto">
           <a:xfrm>
-            <a:off x="6732240" y="2449322"/>
-            <a:ext cx="1163127" cy="1163127"/>
+            <a:off x="1331640" y="1667682"/>
+            <a:ext cx="518865" cy="518865"/>
           </a:xfrm>
           <a:prstGeom prst="rect">
             <a:avLst/>
@@ -10340,97 +7907,24 @@
           </a:extLst>
         </p:spPr>
       </p:pic>
-      <p:sp>
-        <p:nvSpPr>
-          <p:cNvPr id="24" name="TextBox 23"/>
-          <p:cNvSpPr txBox="1"/>
-          <p:nvPr/>
-        </p:nvSpPr>
-        <p:spPr>
-          <a:xfrm>
-            <a:off x="6643394" y="3410684"/>
-            <a:ext cx="1673022" cy="646331"/>
-          </a:xfrm>
-          <a:prstGeom prst="rect">
-            <a:avLst/>
-          </a:prstGeom>
-          <a:noFill/>
-        </p:spPr>
-        <p:txBody>
-          <a:bodyPr wrap="none" rtlCol="0">
-            <a:spAutoFit/>
-          </a:bodyPr>
-          <a:lstStyle/>
-          <a:p>
-            <a:r>
-              <a:rPr lang="en-GB" dirty="0" smtClean="0"/>
-              <a:t>(Postal)</a:t>
-            </a:r>
-          </a:p>
-          <a:p>
-            <a:r>
-              <a:rPr lang="en-GB" dirty="0" smtClean="0"/>
-              <a:t>Communication</a:t>
-            </a:r>
-            <a:endParaRPr lang="en-GB" dirty="0"/>
-          </a:p>
-        </p:txBody>
-      </p:sp>
-      <p:pic>
-        <p:nvPicPr>
-          <p:cNvPr id="27" name="Picture 4" descr="C:\GITHUB\incodehq\incode-module-document\dom\src\main\java\org\incode\module\document\dom\impl\paperclips\Paperclip.png"/>
-          <p:cNvPicPr>
-            <a:picLocks noChangeAspect="1" noChangeArrowheads="1"/>
-          </p:cNvPicPr>
-          <p:nvPr/>
-        </p:nvPicPr>
-        <p:blipFill>
-          <a:blip r:embed="rId4">
-            <a:extLst>
-              <a:ext uri="{28A0092B-C50C-407E-A947-70E740481C1C}">
-                <a14:useLocalDpi xmlns:a14="http://schemas.microsoft.com/office/drawing/2010/main" val="0"/>
-              </a:ext>
-            </a:extLst>
-          </a:blip>
-          <a:srcRect/>
-          <a:stretch>
-            <a:fillRect/>
-          </a:stretch>
-        </p:blipFill>
-        <p:spPr bwMode="auto">
-          <a:xfrm>
-            <a:off x="4460367" y="2766119"/>
-            <a:ext cx="518865" cy="518865"/>
-          </a:xfrm>
-          <a:prstGeom prst="rect">
-            <a:avLst/>
-          </a:prstGeom>
-          <a:noFill/>
-          <a:extLst>
-            <a:ext uri="{909E8E84-426E-40DD-AFC4-6F175D3DCCD1}">
-              <a14:hiddenFill xmlns:a14="http://schemas.microsoft.com/office/drawing/2010/main">
-                <a:solidFill>
-                  <a:srgbClr val="FFFFFF"/>
-                </a:solidFill>
-              </a14:hiddenFill>
-            </a:ext>
-          </a:extLst>
-        </p:spPr>
-      </p:pic>
       <p:cxnSp>
         <p:nvCxnSpPr>
-          <p:cNvPr id="29" name="Straight Connector 28"/>
+          <p:cNvPr id="15" name="Straight Connector 14"/>
           <p:cNvCxnSpPr/>
           <p:nvPr/>
         </p:nvCxnSpPr>
         <p:spPr>
           <a:xfrm>
-            <a:off x="1227230" y="1539961"/>
-            <a:ext cx="1048898" cy="1015011"/>
+            <a:off x="1074830" y="1387561"/>
+            <a:ext cx="1201298" cy="1159027"/>
           </a:xfrm>
           <a:prstGeom prst="line">
             <a:avLst/>
           </a:prstGeom>
+          <a:ln>
+            <a:headEnd type="arrow"/>
+            <a:tailEnd type="none"/>
+          </a:ln>
         </p:spPr>
         <p:style>
           <a:lnRef idx="1">
@@ -10447,74 +7941,6 @@
           </a:fontRef>
         </p:style>
       </p:cxnSp>
-      <p:cxnSp>
-        <p:nvCxnSpPr>
-          <p:cNvPr id="30" name="Straight Connector 29"/>
-          <p:cNvCxnSpPr/>
-          <p:nvPr/>
-        </p:nvCxnSpPr>
-        <p:spPr>
-          <a:xfrm>
-            <a:off x="3380247" y="3004718"/>
-            <a:ext cx="3096344" cy="26167"/>
-          </a:xfrm>
-          <a:prstGeom prst="line">
-            <a:avLst/>
-          </a:prstGeom>
-        </p:spPr>
-        <p:style>
-          <a:lnRef idx="1">
-            <a:schemeClr val="accent1"/>
-          </a:lnRef>
-          <a:fillRef idx="0">
-            <a:schemeClr val="accent1"/>
-          </a:fillRef>
-          <a:effectRef idx="0">
-            <a:schemeClr val="accent1"/>
-          </a:effectRef>
-          <a:fontRef idx="minor">
-            <a:schemeClr val="tx1"/>
-          </a:fontRef>
-        </p:style>
-      </p:cxnSp>
-      <p:sp>
-        <p:nvSpPr>
-          <p:cNvPr id="20" name="TextBox 19"/>
-          <p:cNvSpPr txBox="1"/>
-          <p:nvPr/>
-        </p:nvSpPr>
-        <p:spPr>
-          <a:xfrm>
-            <a:off x="3203848" y="188640"/>
-            <a:ext cx="4542910" cy="646331"/>
-          </a:xfrm>
-          <a:prstGeom prst="rect">
-            <a:avLst/>
-          </a:prstGeom>
-          <a:noFill/>
-        </p:spPr>
-        <p:txBody>
-          <a:bodyPr wrap="none" rtlCol="0">
-            <a:spAutoFit/>
-          </a:bodyPr>
-          <a:lstStyle/>
-          <a:p>
-            <a:r>
-              <a:rPr lang="en-GB" sz="3600" dirty="0" smtClean="0">
-                <a:solidFill>
-                  <a:srgbClr val="0070C0"/>
-                </a:solidFill>
-              </a:rPr>
-              <a:t>“Send by Post (Prelim)”</a:t>
-            </a:r>
-            <a:endParaRPr lang="en-GB" sz="3600" dirty="0">
-              <a:solidFill>
-                <a:srgbClr val="0070C0"/>
-              </a:solidFill>
-            </a:endParaRPr>
-          </a:p>
-        </p:txBody>
-      </p:sp>
     </p:spTree>
     <p:extLst>
       <p:ext uri="{BB962C8B-B14F-4D97-AF65-F5344CB8AC3E}">
@@ -10694,7 +8120,7 @@
       </p:sp>
       <p:pic>
         <p:nvPicPr>
-          <p:cNvPr id="1028" name="Picture 4" descr="C:\GITHUB\incodehq\incode-module-document\dom\src\main\java\org\incode\module\document\dom\impl\paperclips\Paperclip.png"/>
+          <p:cNvPr id="1029" name="Picture 5" descr="C:\GITHUB\incodehq\incode-module-communications\module\src\main\java\org\incode\module\communications\dom\impl\comms\Communication-email.png"/>
           <p:cNvPicPr>
             <a:picLocks noChangeAspect="1" noChangeArrowheads="1"/>
           </p:cNvPicPr>
@@ -10715,8 +8141,8 @@
         </p:blipFill>
         <p:spPr bwMode="auto">
           <a:xfrm>
-            <a:off x="1331640" y="1667682"/>
-            <a:ext cx="518865" cy="518865"/>
+            <a:off x="6732240" y="2449322"/>
+            <a:ext cx="1163127" cy="1163127"/>
           </a:xfrm>
           <a:prstGeom prst="rect">
             <a:avLst/>
@@ -10733,20 +8159,221 @@
           </a:extLst>
         </p:spPr>
       </p:pic>
+      <p:sp>
+        <p:nvSpPr>
+          <p:cNvPr id="24" name="TextBox 23"/>
+          <p:cNvSpPr txBox="1"/>
+          <p:nvPr/>
+        </p:nvSpPr>
+        <p:spPr>
+          <a:xfrm>
+            <a:off x="6643394" y="3410684"/>
+            <a:ext cx="1673022" cy="646331"/>
+          </a:xfrm>
+          <a:prstGeom prst="rect">
+            <a:avLst/>
+          </a:prstGeom>
+          <a:noFill/>
+        </p:spPr>
+        <p:txBody>
+          <a:bodyPr wrap="none" rtlCol="0">
+            <a:spAutoFit/>
+          </a:bodyPr>
+          <a:lstStyle/>
+          <a:p>
+            <a:r>
+              <a:rPr lang="en-GB" dirty="0" smtClean="0"/>
+              <a:t>(Email)</a:t>
+            </a:r>
+          </a:p>
+          <a:p>
+            <a:r>
+              <a:rPr lang="en-GB" dirty="0" smtClean="0"/>
+              <a:t>Communication</a:t>
+            </a:r>
+            <a:endParaRPr lang="en-GB" dirty="0"/>
+          </a:p>
+        </p:txBody>
+      </p:sp>
+      <p:pic>
+        <p:nvPicPr>
+          <p:cNvPr id="1030" name="Picture 6" descr="C:\GITHUB\incodehq\incode-module-document\dom\src\main\java\org\incode\module\document\dom\impl\docs\Document-html.png"/>
+          <p:cNvPicPr>
+            <a:picLocks noChangeAspect="1" noChangeArrowheads="1"/>
+          </p:cNvPicPr>
+          <p:nvPr/>
+        </p:nvPicPr>
+        <p:blipFill>
+          <a:blip r:embed="rId5">
+            <a:extLst>
+              <a:ext uri="{28A0092B-C50C-407E-A947-70E740481C1C}">
+                <a14:useLocalDpi xmlns:a14="http://schemas.microsoft.com/office/drawing/2010/main" val="0"/>
+              </a:ext>
+            </a:extLst>
+          </a:blip>
+          <a:srcRect/>
+          <a:stretch>
+            <a:fillRect/>
+          </a:stretch>
+        </p:blipFill>
+        <p:spPr bwMode="auto">
+          <a:xfrm>
+            <a:off x="4716016" y="4811548"/>
+            <a:ext cx="831384" cy="831384"/>
+          </a:xfrm>
+          <a:prstGeom prst="rect">
+            <a:avLst/>
+          </a:prstGeom>
+          <a:noFill/>
+          <a:extLst>
+            <a:ext uri="{909E8E84-426E-40DD-AFC4-6F175D3DCCD1}">
+              <a14:hiddenFill xmlns:a14="http://schemas.microsoft.com/office/drawing/2010/main">
+                <a:solidFill>
+                  <a:srgbClr val="FFFFFF"/>
+                </a:solidFill>
+              </a14:hiddenFill>
+            </a:ext>
+          </a:extLst>
+        </p:spPr>
+      </p:pic>
+      <p:sp>
+        <p:nvSpPr>
+          <p:cNvPr id="26" name="TextBox 25"/>
+          <p:cNvSpPr txBox="1"/>
+          <p:nvPr/>
+        </p:nvSpPr>
+        <p:spPr>
+          <a:xfrm>
+            <a:off x="4244343" y="5644673"/>
+            <a:ext cx="1892185" cy="646331"/>
+          </a:xfrm>
+          <a:prstGeom prst="rect">
+            <a:avLst/>
+          </a:prstGeom>
+          <a:noFill/>
+        </p:spPr>
+        <p:txBody>
+          <a:bodyPr wrap="none" rtlCol="0">
+            <a:spAutoFit/>
+          </a:bodyPr>
+          <a:lstStyle/>
+          <a:p>
+            <a:pPr algn="ctr"/>
+            <a:r>
+              <a:rPr lang="en-GB" dirty="0" smtClean="0"/>
+              <a:t>(Email cover note)</a:t>
+            </a:r>
+          </a:p>
+          <a:p>
+            <a:pPr algn="ctr"/>
+            <a:r>
+              <a:rPr lang="en-GB" dirty="0" smtClean="0"/>
+              <a:t>Document</a:t>
+            </a:r>
+            <a:endParaRPr lang="en-GB" dirty="0"/>
+          </a:p>
+        </p:txBody>
+      </p:sp>
+      <p:pic>
+        <p:nvPicPr>
+          <p:cNvPr id="27" name="Picture 4" descr="C:\GITHUB\incodehq\incode-module-document\dom\src\main\java\org\incode\module\document\dom\impl\paperclips\Paperclip.png"/>
+          <p:cNvPicPr>
+            <a:picLocks noChangeAspect="1" noChangeArrowheads="1"/>
+          </p:cNvPicPr>
+          <p:nvPr/>
+        </p:nvPicPr>
+        <p:blipFill>
+          <a:blip r:embed="rId6">
+            <a:extLst>
+              <a:ext uri="{28A0092B-C50C-407E-A947-70E740481C1C}">
+                <a14:useLocalDpi xmlns:a14="http://schemas.microsoft.com/office/drawing/2010/main" val="0"/>
+              </a:ext>
+            </a:extLst>
+          </a:blip>
+          <a:srcRect/>
+          <a:stretch>
+            <a:fillRect/>
+          </a:stretch>
+        </p:blipFill>
+        <p:spPr bwMode="auto">
+          <a:xfrm>
+            <a:off x="4460367" y="2766119"/>
+            <a:ext cx="518865" cy="518865"/>
+          </a:xfrm>
+          <a:prstGeom prst="rect">
+            <a:avLst/>
+          </a:prstGeom>
+          <a:noFill/>
+          <a:extLst>
+            <a:ext uri="{909E8E84-426E-40DD-AFC4-6F175D3DCCD1}">
+              <a14:hiddenFill xmlns:a14="http://schemas.microsoft.com/office/drawing/2010/main">
+                <a:solidFill>
+                  <a:srgbClr val="FFFFFF"/>
+                </a:solidFill>
+              </a14:hiddenFill>
+            </a:ext>
+          </a:extLst>
+        </p:spPr>
+      </p:pic>
+      <p:pic>
+        <p:nvPicPr>
+          <p:cNvPr id="33" name="Picture 4" descr="C:\GITHUB\incodehq\incode-module-document\dom\src\main\java\org\incode\module\document\dom\impl\paperclips\Paperclip.png"/>
+          <p:cNvPicPr>
+            <a:picLocks noChangeAspect="1" noChangeArrowheads="1"/>
+          </p:cNvPicPr>
+          <p:nvPr/>
+        </p:nvPicPr>
+        <p:blipFill>
+          <a:blip r:embed="rId6">
+            <a:extLst>
+              <a:ext uri="{28A0092B-C50C-407E-A947-70E740481C1C}">
+                <a14:useLocalDpi xmlns:a14="http://schemas.microsoft.com/office/drawing/2010/main" val="0"/>
+              </a:ext>
+            </a:extLst>
+          </a:blip>
+          <a:srcRect/>
+          <a:stretch>
+            <a:fillRect/>
+          </a:stretch>
+        </p:blipFill>
+        <p:spPr bwMode="auto">
+          <a:xfrm>
+            <a:off x="5813710" y="3933056"/>
+            <a:ext cx="518865" cy="518865"/>
+          </a:xfrm>
+          <a:prstGeom prst="rect">
+            <a:avLst/>
+          </a:prstGeom>
+          <a:noFill/>
+          <a:extLst>
+            <a:ext uri="{909E8E84-426E-40DD-AFC4-6F175D3DCCD1}">
+              <a14:hiddenFill xmlns:a14="http://schemas.microsoft.com/office/drawing/2010/main">
+                <a:solidFill>
+                  <a:srgbClr val="FFFFFF"/>
+                </a:solidFill>
+              </a14:hiddenFill>
+            </a:ext>
+          </a:extLst>
+        </p:spPr>
+      </p:pic>
       <p:cxnSp>
         <p:nvCxnSpPr>
-          <p:cNvPr id="11" name="Straight Connector 10"/>
+          <p:cNvPr id="35" name="Straight Connector 34"/>
           <p:cNvCxnSpPr/>
           <p:nvPr/>
         </p:nvCxnSpPr>
         <p:spPr>
-          <a:xfrm>
-            <a:off x="1074830" y="1387561"/>
+          <a:xfrm flipH="1">
+            <a:off x="5571709" y="3638125"/>
             <a:ext cx="1048898" cy="1015011"/>
           </a:xfrm>
           <a:prstGeom prst="line">
             <a:avLst/>
           </a:prstGeom>
+          <a:ln>
+            <a:headEnd type="arrow"/>
+            <a:tailEnd type="none"/>
+          </a:ln>
         </p:spPr>
         <p:style>
           <a:lnRef idx="1">
@@ -10763,57 +8390,16 @@
           </a:fontRef>
         </p:style>
       </p:cxnSp>
-      <p:pic>
-        <p:nvPicPr>
-          <p:cNvPr id="1029" name="Picture 5" descr="C:\GITHUB\incodehq\incode-module-communications\module\src\main\java\org\incode\module\communications\dom\impl\comms\Communication-email.png"/>
-          <p:cNvPicPr>
-            <a:picLocks noChangeAspect="1" noChangeArrowheads="1"/>
-          </p:cNvPicPr>
-          <p:nvPr/>
-        </p:nvPicPr>
-        <p:blipFill>
-          <a:blip r:embed="rId5">
-            <a:extLst>
-              <a:ext uri="{28A0092B-C50C-407E-A947-70E740481C1C}">
-                <a14:useLocalDpi xmlns:a14="http://schemas.microsoft.com/office/drawing/2010/main" val="0"/>
-              </a:ext>
-            </a:extLst>
-          </a:blip>
-          <a:srcRect/>
-          <a:stretch>
-            <a:fillRect/>
-          </a:stretch>
-        </p:blipFill>
-        <p:spPr bwMode="auto">
-          <a:xfrm>
-            <a:off x="6732240" y="2449322"/>
-            <a:ext cx="1163127" cy="1163127"/>
-          </a:xfrm>
-          <a:prstGeom prst="rect">
-            <a:avLst/>
-          </a:prstGeom>
-          <a:noFill/>
-          <a:extLst>
-            <a:ext uri="{909E8E84-426E-40DD-AFC4-6F175D3DCCD1}">
-              <a14:hiddenFill xmlns:a14="http://schemas.microsoft.com/office/drawing/2010/main">
-                <a:solidFill>
-                  <a:srgbClr val="FFFFFF"/>
-                </a:solidFill>
-              </a14:hiddenFill>
-            </a:ext>
-          </a:extLst>
-        </p:spPr>
-      </p:pic>
-      <p:sp>
-        <p:nvSpPr>
-          <p:cNvPr id="24" name="TextBox 23"/>
+      <p:sp>
+        <p:nvSpPr>
+          <p:cNvPr id="37" name="TextBox 36"/>
           <p:cNvSpPr txBox="1"/>
           <p:nvPr/>
         </p:nvSpPr>
         <p:spPr>
           <a:xfrm>
-            <a:off x="6643394" y="3410684"/>
-            <a:ext cx="1673022" cy="646331"/>
+            <a:off x="3203848" y="188640"/>
+            <a:ext cx="4767331" cy="646331"/>
           </a:xfrm>
           <a:prstGeom prst="rect">
             <a:avLst/>
@@ -10827,22 +8413,24 @@
           <a:lstStyle/>
           <a:p>
             <a:r>
-              <a:rPr lang="en-GB" dirty="0" smtClean="0"/>
-              <a:t>(Email)</a:t>
-            </a:r>
-          </a:p>
-          <a:p>
-            <a:r>
-              <a:rPr lang="en-GB" dirty="0" smtClean="0"/>
-              <a:t>Communication</a:t>
-            </a:r>
-            <a:endParaRPr lang="en-GB" dirty="0"/>
+              <a:rPr lang="en-GB" sz="3600" dirty="0" smtClean="0">
+                <a:solidFill>
+                  <a:srgbClr val="0070C0"/>
+                </a:solidFill>
+              </a:rPr>
+              <a:t>“Send by Email (Prelim)”</a:t>
+            </a:r>
+            <a:endParaRPr lang="en-GB" sz="3600" dirty="0">
+              <a:solidFill>
+                <a:srgbClr val="0070C0"/>
+              </a:solidFill>
+            </a:endParaRPr>
           </a:p>
         </p:txBody>
       </p:sp>
       <p:pic>
         <p:nvPicPr>
-          <p:cNvPr id="1030" name="Picture 6" descr="C:\GITHUB\incodehq\incode-module-document\dom\src\main\java\org\incode\module\document\dom\impl\docs\Document-html.png"/>
+          <p:cNvPr id="20" name="Picture 4" descr="C:\GITHUB\incodehq\incode-module-document\dom\src\main\java\org\incode\module\document\dom\impl\paperclips\Paperclip.png"/>
           <p:cNvPicPr>
             <a:picLocks noChangeAspect="1" noChangeArrowheads="1"/>
           </p:cNvPicPr>
@@ -10863,8 +8451,8 @@
         </p:blipFill>
         <p:spPr bwMode="auto">
           <a:xfrm>
-            <a:off x="4716016" y="4811548"/>
-            <a:ext cx="831384" cy="831384"/>
+            <a:off x="1331640" y="1667682"/>
+            <a:ext cx="518865" cy="518865"/>
           </a:xfrm>
           <a:prstGeom prst="rect">
             <a:avLst/>
@@ -10881,99 +8469,24 @@
           </a:extLst>
         </p:spPr>
       </p:pic>
-      <p:sp>
-        <p:nvSpPr>
-          <p:cNvPr id="26" name="TextBox 25"/>
-          <p:cNvSpPr txBox="1"/>
-          <p:nvPr/>
-        </p:nvSpPr>
-        <p:spPr>
-          <a:xfrm>
-            <a:off x="4244343" y="5644673"/>
-            <a:ext cx="1892185" cy="646331"/>
-          </a:xfrm>
-          <a:prstGeom prst="rect">
-            <a:avLst/>
-          </a:prstGeom>
-          <a:noFill/>
-        </p:spPr>
-        <p:txBody>
-          <a:bodyPr wrap="none" rtlCol="0">
-            <a:spAutoFit/>
-          </a:bodyPr>
-          <a:lstStyle/>
-          <a:p>
-            <a:pPr algn="ctr"/>
-            <a:r>
-              <a:rPr lang="en-GB" dirty="0" smtClean="0"/>
-              <a:t>(Email cover note)</a:t>
-            </a:r>
-          </a:p>
-          <a:p>
-            <a:pPr algn="ctr"/>
-            <a:r>
-              <a:rPr lang="en-GB" dirty="0" smtClean="0"/>
-              <a:t>Document</a:t>
-            </a:r>
-            <a:endParaRPr lang="en-GB" dirty="0"/>
-          </a:p>
-        </p:txBody>
-      </p:sp>
-      <p:pic>
-        <p:nvPicPr>
-          <p:cNvPr id="27" name="Picture 4" descr="C:\GITHUB\incodehq\incode-module-document\dom\src\main\java\org\incode\module\document\dom\impl\paperclips\Paperclip.png"/>
-          <p:cNvPicPr>
-            <a:picLocks noChangeAspect="1" noChangeArrowheads="1"/>
-          </p:cNvPicPr>
-          <p:nvPr/>
-        </p:nvPicPr>
-        <p:blipFill>
-          <a:blip r:embed="rId4">
-            <a:extLst>
-              <a:ext uri="{28A0092B-C50C-407E-A947-70E740481C1C}">
-                <a14:useLocalDpi xmlns:a14="http://schemas.microsoft.com/office/drawing/2010/main" val="0"/>
-              </a:ext>
-            </a:extLst>
-          </a:blip>
-          <a:srcRect/>
-          <a:stretch>
-            <a:fillRect/>
-          </a:stretch>
-        </p:blipFill>
-        <p:spPr bwMode="auto">
-          <a:xfrm>
-            <a:off x="4460367" y="2766119"/>
-            <a:ext cx="518865" cy="518865"/>
-          </a:xfrm>
-          <a:prstGeom prst="rect">
-            <a:avLst/>
-          </a:prstGeom>
-          <a:noFill/>
-          <a:extLst>
-            <a:ext uri="{909E8E84-426E-40DD-AFC4-6F175D3DCCD1}">
-              <a14:hiddenFill xmlns:a14="http://schemas.microsoft.com/office/drawing/2010/main">
-                <a:solidFill>
-                  <a:srgbClr val="FFFFFF"/>
-                </a:solidFill>
-              </a14:hiddenFill>
-            </a:ext>
-          </a:extLst>
-        </p:spPr>
-      </p:pic>
       <p:cxnSp>
         <p:nvCxnSpPr>
-          <p:cNvPr id="29" name="Straight Connector 28"/>
+          <p:cNvPr id="21" name="Straight Connector 20"/>
           <p:cNvCxnSpPr/>
           <p:nvPr/>
         </p:nvCxnSpPr>
         <p:spPr>
           <a:xfrm>
-            <a:off x="1227230" y="1539961"/>
-            <a:ext cx="1048898" cy="1015011"/>
+            <a:off x="1074830" y="1387561"/>
+            <a:ext cx="1201298" cy="1159027"/>
           </a:xfrm>
           <a:prstGeom prst="line">
             <a:avLst/>
           </a:prstGeom>
+          <a:ln>
+            <a:headEnd type="arrow"/>
+            <a:tailEnd type="none"/>
+          </a:ln>
         </p:spPr>
         <p:style>
           <a:lnRef idx="1">
@@ -10992,7 +8505,7 @@
       </p:cxnSp>
       <p:cxnSp>
         <p:nvCxnSpPr>
-          <p:cNvPr id="30" name="Straight Connector 29"/>
+          <p:cNvPr id="22" name="Straight Connector 21"/>
           <p:cNvCxnSpPr/>
           <p:nvPr/>
         </p:nvCxnSpPr>
@@ -11004,6 +8517,9 @@
           <a:prstGeom prst="line">
             <a:avLst/>
           </a:prstGeom>
+          <a:ln>
+            <a:tailEnd type="arrow"/>
+          </a:ln>
         </p:spPr>
         <p:style>
           <a:lnRef idx="1">
@@ -11020,115 +8536,6 @@
           </a:fontRef>
         </p:style>
       </p:cxnSp>
-      <p:pic>
-        <p:nvPicPr>
-          <p:cNvPr id="33" name="Picture 4" descr="C:\GITHUB\incodehq\incode-module-document\dom\src\main\java\org\incode\module\document\dom\impl\paperclips\Paperclip.png"/>
-          <p:cNvPicPr>
-            <a:picLocks noChangeAspect="1" noChangeArrowheads="1"/>
-          </p:cNvPicPr>
-          <p:nvPr/>
-        </p:nvPicPr>
-        <p:blipFill>
-          <a:blip r:embed="rId4">
-            <a:extLst>
-              <a:ext uri="{28A0092B-C50C-407E-A947-70E740481C1C}">
-                <a14:useLocalDpi xmlns:a14="http://schemas.microsoft.com/office/drawing/2010/main" val="0"/>
-              </a:ext>
-            </a:extLst>
-          </a:blip>
-          <a:srcRect/>
-          <a:stretch>
-            <a:fillRect/>
-          </a:stretch>
-        </p:blipFill>
-        <p:spPr bwMode="auto">
-          <a:xfrm>
-            <a:off x="5813710" y="3933056"/>
-            <a:ext cx="518865" cy="518865"/>
-          </a:xfrm>
-          <a:prstGeom prst="rect">
-            <a:avLst/>
-          </a:prstGeom>
-          <a:noFill/>
-          <a:extLst>
-            <a:ext uri="{909E8E84-426E-40DD-AFC4-6F175D3DCCD1}">
-              <a14:hiddenFill xmlns:a14="http://schemas.microsoft.com/office/drawing/2010/main">
-                <a:solidFill>
-                  <a:srgbClr val="FFFFFF"/>
-                </a:solidFill>
-              </a14:hiddenFill>
-            </a:ext>
-          </a:extLst>
-        </p:spPr>
-      </p:pic>
-      <p:cxnSp>
-        <p:nvCxnSpPr>
-          <p:cNvPr id="35" name="Straight Connector 34"/>
-          <p:cNvCxnSpPr/>
-          <p:nvPr/>
-        </p:nvCxnSpPr>
-        <p:spPr>
-          <a:xfrm flipH="1">
-            <a:off x="5571709" y="3638125"/>
-            <a:ext cx="1048898" cy="1015011"/>
-          </a:xfrm>
-          <a:prstGeom prst="line">
-            <a:avLst/>
-          </a:prstGeom>
-        </p:spPr>
-        <p:style>
-          <a:lnRef idx="1">
-            <a:schemeClr val="accent1"/>
-          </a:lnRef>
-          <a:fillRef idx="0">
-            <a:schemeClr val="accent1"/>
-          </a:fillRef>
-          <a:effectRef idx="0">
-            <a:schemeClr val="accent1"/>
-          </a:effectRef>
-          <a:fontRef idx="minor">
-            <a:schemeClr val="tx1"/>
-          </a:fontRef>
-        </p:style>
-      </p:cxnSp>
-      <p:sp>
-        <p:nvSpPr>
-          <p:cNvPr id="37" name="TextBox 36"/>
-          <p:cNvSpPr txBox="1"/>
-          <p:nvPr/>
-        </p:nvSpPr>
-        <p:spPr>
-          <a:xfrm>
-            <a:off x="3203848" y="188640"/>
-            <a:ext cx="4767331" cy="646331"/>
-          </a:xfrm>
-          <a:prstGeom prst="rect">
-            <a:avLst/>
-          </a:prstGeom>
-          <a:noFill/>
-        </p:spPr>
-        <p:txBody>
-          <a:bodyPr wrap="none" rtlCol="0">
-            <a:spAutoFit/>
-          </a:bodyPr>
-          <a:lstStyle/>
-          <a:p>
-            <a:r>
-              <a:rPr lang="en-GB" sz="3600" dirty="0" smtClean="0">
-                <a:solidFill>
-                  <a:srgbClr val="0070C0"/>
-                </a:solidFill>
-              </a:rPr>
-              <a:t>“Send by Email (Prelim)”</a:t>
-            </a:r>
-            <a:endParaRPr lang="en-GB" sz="3600" dirty="0">
-              <a:solidFill>
-                <a:srgbClr val="0070C0"/>
-              </a:solidFill>
-            </a:endParaRPr>
-          </a:p>
-        </p:txBody>
-      </p:sp>
     </p:spTree>
     <p:extLst>
       <p:ext uri="{BB962C8B-B14F-4D97-AF65-F5344CB8AC3E}">
@@ -11552,41 +8959,15 @@
         <p:spPr>
           <a:xfrm>
             <a:off x="1074830" y="1387561"/>
-            <a:ext cx="1048898" cy="1015011"/>
+            <a:ext cx="1201298" cy="1159027"/>
           </a:xfrm>
           <a:prstGeom prst="line">
             <a:avLst/>
           </a:prstGeom>
-        </p:spPr>
-        <p:style>
-          <a:lnRef idx="1">
-            <a:schemeClr val="accent1"/>
-          </a:lnRef>
-          <a:fillRef idx="0">
-            <a:schemeClr val="accent1"/>
-          </a:fillRef>
-          <a:effectRef idx="0">
-            <a:schemeClr val="accent1"/>
-          </a:effectRef>
-          <a:fontRef idx="minor">
-            <a:schemeClr val="tx1"/>
-          </a:fontRef>
-        </p:style>
-      </p:cxnSp>
-      <p:cxnSp>
-        <p:nvCxnSpPr>
-          <p:cNvPr id="29" name="Straight Connector 28"/>
-          <p:cNvCxnSpPr/>
-          <p:nvPr/>
-        </p:nvCxnSpPr>
-        <p:spPr>
-          <a:xfrm>
-            <a:off x="1227230" y="1539961"/>
-            <a:ext cx="1048898" cy="1015011"/>
-          </a:xfrm>
-          <a:prstGeom prst="line">
-            <a:avLst/>
-          </a:prstGeom>
+          <a:ln>
+            <a:headEnd type="arrow"/>
+            <a:tailEnd type="none"/>
+          </a:ln>
         </p:spPr>
         <p:style>
           <a:lnRef idx="1">
@@ -11824,7 +9205,7 @@
       </p:sp>
       <p:pic>
         <p:nvPicPr>
-          <p:cNvPr id="1028" name="Picture 4" descr="C:\GITHUB\incodehq\incode-module-document\dom\src\main\java\org\incode\module\document\dom\impl\paperclips\Paperclip.png"/>
+          <p:cNvPr id="1029" name="Picture 5" descr="C:\GITHUB\incodehq\incode-module-communications\module\src\main\java\org\incode\module\communications\dom\impl\comms\Communication-email.png"/>
           <p:cNvPicPr>
             <a:picLocks noChangeAspect="1" noChangeArrowheads="1"/>
           </p:cNvPicPr>
@@ -11845,8 +9226,8 @@
         </p:blipFill>
         <p:spPr bwMode="auto">
           <a:xfrm>
-            <a:off x="1331640" y="1667682"/>
-            <a:ext cx="518865" cy="518865"/>
+            <a:off x="6732240" y="2449322"/>
+            <a:ext cx="1163127" cy="1163127"/>
           </a:xfrm>
           <a:prstGeom prst="rect">
             <a:avLst/>
@@ -11863,39 +9244,45 @@
           </a:extLst>
         </p:spPr>
       </p:pic>
-      <p:cxnSp>
-        <p:nvCxnSpPr>
-          <p:cNvPr id="11" name="Straight Connector 10"/>
-          <p:cNvCxnSpPr/>
-          <p:nvPr/>
-        </p:nvCxnSpPr>
-        <p:spPr>
-          <a:xfrm>
-            <a:off x="1074830" y="1387561"/>
-            <a:ext cx="1048898" cy="1015011"/>
-          </a:xfrm>
-          <a:prstGeom prst="line">
-            <a:avLst/>
-          </a:prstGeom>
-        </p:spPr>
-        <p:style>
-          <a:lnRef idx="1">
-            <a:schemeClr val="accent1"/>
-          </a:lnRef>
-          <a:fillRef idx="0">
-            <a:schemeClr val="accent1"/>
-          </a:fillRef>
-          <a:effectRef idx="0">
-            <a:schemeClr val="accent1"/>
-          </a:effectRef>
-          <a:fontRef idx="minor">
-            <a:schemeClr val="tx1"/>
-          </a:fontRef>
-        </p:style>
-      </p:cxnSp>
+      <p:sp>
+        <p:nvSpPr>
+          <p:cNvPr id="24" name="TextBox 23"/>
+          <p:cNvSpPr txBox="1"/>
+          <p:nvPr/>
+        </p:nvSpPr>
+        <p:spPr>
+          <a:xfrm>
+            <a:off x="6643394" y="3410684"/>
+            <a:ext cx="1673022" cy="646331"/>
+          </a:xfrm>
+          <a:prstGeom prst="rect">
+            <a:avLst/>
+          </a:prstGeom>
+          <a:noFill/>
+        </p:spPr>
+        <p:txBody>
+          <a:bodyPr wrap="none" rtlCol="0">
+            <a:spAutoFit/>
+          </a:bodyPr>
+          <a:lstStyle/>
+          <a:p>
+            <a:r>
+              <a:rPr lang="en-GB" dirty="0" smtClean="0"/>
+              <a:t>(Postal)</a:t>
+            </a:r>
+          </a:p>
+          <a:p>
+            <a:r>
+              <a:rPr lang="en-GB" dirty="0" smtClean="0"/>
+              <a:t>Communication</a:t>
+            </a:r>
+            <a:endParaRPr lang="en-GB" dirty="0"/>
+          </a:p>
+        </p:txBody>
+      </p:sp>
       <p:pic>
         <p:nvPicPr>
-          <p:cNvPr id="1029" name="Picture 5" descr="C:\GITHUB\incodehq\incode-module-communications\module\src\main\java\org\incode\module\communications\dom\impl\comms\Communication-email.png"/>
+          <p:cNvPr id="27" name="Picture 4" descr="C:\GITHUB\incodehq\incode-module-document\dom\src\main\java\org\incode\module\document\dom\impl\paperclips\Paperclip.png"/>
           <p:cNvPicPr>
             <a:picLocks noChangeAspect="1" noChangeArrowheads="1"/>
           </p:cNvPicPr>
@@ -11916,8 +9303,8 @@
         </p:blipFill>
         <p:spPr bwMode="auto">
           <a:xfrm>
-            <a:off x="6732240" y="2449322"/>
-            <a:ext cx="1163127" cy="1163127"/>
+            <a:off x="4460367" y="2766119"/>
+            <a:ext cx="518865" cy="518865"/>
           </a:xfrm>
           <a:prstGeom prst="rect">
             <a:avLst/>
@@ -11936,14 +9323,14 @@
       </p:pic>
       <p:sp>
         <p:nvSpPr>
-          <p:cNvPr id="24" name="TextBox 23"/>
+          <p:cNvPr id="15" name="TextBox 14"/>
           <p:cNvSpPr txBox="1"/>
           <p:nvPr/>
         </p:nvSpPr>
         <p:spPr>
           <a:xfrm>
-            <a:off x="6643394" y="3410684"/>
-            <a:ext cx="1673022" cy="646331"/>
+            <a:off x="3203848" y="188640"/>
+            <a:ext cx="4670061" cy="646331"/>
           </a:xfrm>
           <a:prstGeom prst="rect">
             <a:avLst/>
@@ -11957,29 +9344,35 @@
           <a:lstStyle/>
           <a:p>
             <a:r>
-              <a:rPr lang="en-GB" dirty="0" smtClean="0"/>
-              <a:t>(Postal)</a:t>
-            </a:r>
-          </a:p>
-          <a:p>
-            <a:r>
-              <a:rPr lang="en-GB" dirty="0" smtClean="0"/>
-              <a:t>Communication</a:t>
-            </a:r>
-            <a:endParaRPr lang="en-GB" dirty="0"/>
+              <a:rPr lang="en-GB" sz="3600" dirty="0" smtClean="0">
+                <a:solidFill>
+                  <a:schemeClr val="accent6">
+                    <a:lumMod val="75000"/>
+                  </a:schemeClr>
+                </a:solidFill>
+              </a:rPr>
+              <a:t>“Send by Post (Invoice)”</a:t>
+            </a:r>
+            <a:endParaRPr lang="en-GB" sz="3600" dirty="0">
+              <a:solidFill>
+                <a:schemeClr val="accent6">
+                  <a:lumMod val="75000"/>
+                </a:schemeClr>
+              </a:solidFill>
+            </a:endParaRPr>
           </a:p>
         </p:txBody>
       </p:sp>
       <p:pic>
         <p:nvPicPr>
-          <p:cNvPr id="27" name="Picture 4" descr="C:\GITHUB\incodehq\incode-module-document\dom\src\main\java\org\incode\module\document\dom\impl\paperclips\Paperclip.png"/>
+          <p:cNvPr id="14" name="Picture 4" descr="C:\GITHUB\incodehq\incode-module-document\dom\src\main\java\org\incode\module\document\dom\impl\paperclips\Paperclip.png"/>
           <p:cNvPicPr>
             <a:picLocks noChangeAspect="1" noChangeArrowheads="1"/>
           </p:cNvPicPr>
           <p:nvPr/>
         </p:nvPicPr>
         <p:blipFill>
-          <a:blip r:embed="rId4">
+          <a:blip r:embed="rId5">
             <a:extLst>
               <a:ext uri="{28A0092B-C50C-407E-A947-70E740481C1C}">
                 <a14:useLocalDpi xmlns:a14="http://schemas.microsoft.com/office/drawing/2010/main" val="0"/>
@@ -11993,7 +9386,7 @@
         </p:blipFill>
         <p:spPr bwMode="auto">
           <a:xfrm>
-            <a:off x="4460367" y="2766119"/>
+            <a:off x="1331640" y="1667682"/>
             <a:ext cx="518865" cy="518865"/>
           </a:xfrm>
           <a:prstGeom prst="rect">
@@ -12013,18 +9406,22 @@
       </p:pic>
       <p:cxnSp>
         <p:nvCxnSpPr>
-          <p:cNvPr id="29" name="Straight Connector 28"/>
+          <p:cNvPr id="16" name="Straight Connector 15"/>
           <p:cNvCxnSpPr/>
           <p:nvPr/>
         </p:nvCxnSpPr>
         <p:spPr>
           <a:xfrm>
-            <a:off x="1227230" y="1539961"/>
-            <a:ext cx="1048898" cy="1015011"/>
+            <a:off x="1074830" y="1387561"/>
+            <a:ext cx="1201298" cy="1159027"/>
           </a:xfrm>
           <a:prstGeom prst="line">
             <a:avLst/>
           </a:prstGeom>
+          <a:ln>
+            <a:headEnd type="arrow"/>
+            <a:tailEnd type="none"/>
+          </a:ln>
         </p:spPr>
         <p:style>
           <a:lnRef idx="1">
@@ -12043,7 +9440,7 @@
       </p:cxnSp>
       <p:cxnSp>
         <p:nvCxnSpPr>
-          <p:cNvPr id="30" name="Straight Connector 29"/>
+          <p:cNvPr id="17" name="Straight Connector 16"/>
           <p:cNvCxnSpPr/>
           <p:nvPr/>
         </p:nvCxnSpPr>
@@ -12055,6 +9452,9 @@
           <a:prstGeom prst="line">
             <a:avLst/>
           </a:prstGeom>
+          <a:ln>
+            <a:tailEnd type="arrow"/>
+          </a:ln>
         </p:spPr>
         <p:style>
           <a:lnRef idx="1">
@@ -12071,48 +9471,6 @@
           </a:fontRef>
         </p:style>
       </p:cxnSp>
-      <p:sp>
-        <p:nvSpPr>
-          <p:cNvPr id="15" name="TextBox 14"/>
-          <p:cNvSpPr txBox="1"/>
-          <p:nvPr/>
-        </p:nvSpPr>
-        <p:spPr>
-          <a:xfrm>
-            <a:off x="3203848" y="188640"/>
-            <a:ext cx="4670061" cy="646331"/>
-          </a:xfrm>
-          <a:prstGeom prst="rect">
-            <a:avLst/>
-          </a:prstGeom>
-          <a:noFill/>
-        </p:spPr>
-        <p:txBody>
-          <a:bodyPr wrap="none" rtlCol="0">
-            <a:spAutoFit/>
-          </a:bodyPr>
-          <a:lstStyle/>
-          <a:p>
-            <a:r>
-              <a:rPr lang="en-GB" sz="3600" dirty="0" smtClean="0">
-                <a:solidFill>
-                  <a:schemeClr val="accent6">
-                    <a:lumMod val="75000"/>
-                  </a:schemeClr>
-                </a:solidFill>
-              </a:rPr>
-              <a:t>“Send by Post (Invoice)”</a:t>
-            </a:r>
-            <a:endParaRPr lang="en-GB" sz="3600" dirty="0">
-              <a:solidFill>
-                <a:schemeClr val="accent6">
-                  <a:lumMod val="75000"/>
-                </a:schemeClr>
-              </a:solidFill>
-            </a:endParaRPr>
-          </a:p>
-        </p:txBody>
-      </p:sp>
     </p:spTree>
     <p:extLst>
       <p:ext uri="{BB962C8B-B14F-4D97-AF65-F5344CB8AC3E}">
